--- a/Guava介绍.pptx
+++ b/Guava介绍.pptx
@@ -5,7 +5,7 @@
     <p:sldMasterId id="2147483676" r:id="rId1"/>
   </p:sldMasterIdLst>
   <p:notesMasterIdLst>
-    <p:notesMasterId r:id="rId21"/>
+    <p:notesMasterId r:id="rId28"/>
   </p:notesMasterIdLst>
   <p:sldIdLst>
     <p:sldId id="256" r:id="rId2"/>
@@ -14,19 +14,26 @@
     <p:sldId id="263" r:id="rId5"/>
     <p:sldId id="317" r:id="rId6"/>
     <p:sldId id="318" r:id="rId7"/>
-    <p:sldId id="305" r:id="rId8"/>
-    <p:sldId id="306" r:id="rId9"/>
-    <p:sldId id="307" r:id="rId10"/>
-    <p:sldId id="308" r:id="rId11"/>
-    <p:sldId id="309" r:id="rId12"/>
-    <p:sldId id="310" r:id="rId13"/>
-    <p:sldId id="311" r:id="rId14"/>
-    <p:sldId id="312" r:id="rId15"/>
-    <p:sldId id="313" r:id="rId16"/>
-    <p:sldId id="314" r:id="rId17"/>
-    <p:sldId id="315" r:id="rId18"/>
-    <p:sldId id="316" r:id="rId19"/>
-    <p:sldId id="262" r:id="rId20"/>
+    <p:sldId id="319" r:id="rId8"/>
+    <p:sldId id="320" r:id="rId9"/>
+    <p:sldId id="321" r:id="rId10"/>
+    <p:sldId id="305" r:id="rId11"/>
+    <p:sldId id="322" r:id="rId12"/>
+    <p:sldId id="323" r:id="rId13"/>
+    <p:sldId id="324" r:id="rId14"/>
+    <p:sldId id="325" r:id="rId15"/>
+    <p:sldId id="306" r:id="rId16"/>
+    <p:sldId id="307" r:id="rId17"/>
+    <p:sldId id="308" r:id="rId18"/>
+    <p:sldId id="309" r:id="rId19"/>
+    <p:sldId id="310" r:id="rId20"/>
+    <p:sldId id="311" r:id="rId21"/>
+    <p:sldId id="312" r:id="rId22"/>
+    <p:sldId id="313" r:id="rId23"/>
+    <p:sldId id="314" r:id="rId24"/>
+    <p:sldId id="315" r:id="rId25"/>
+    <p:sldId id="316" r:id="rId26"/>
+    <p:sldId id="262" r:id="rId27"/>
   </p:sldIdLst>
   <p:sldSz cx="9144000" cy="6858000" type="screen4x3"/>
   <p:notesSz cx="6858000" cy="9144000"/>
@@ -218,7 +225,7 @@
           <a:p>
             <a:fld id="{11F57BAD-BF52-48AF-9499-9AC6D410CEF6}" type="datetimeFigureOut">
               <a:rPr lang="zh-CN" altLang="en-US" smtClean="0"/>
-              <a:t>2018/11/27</a:t>
+              <a:t>2018/11/29</a:t>
             </a:fld>
             <a:endParaRPr lang="zh-CN" altLang="en-US"/>
           </a:p>
@@ -616,7 +623,7 @@
           <a:p>
             <a:fld id="{A3B2F663-546F-41A6-910A-172E050DEC49}" type="datetimeFigureOut">
               <a:rPr lang="zh-CN" altLang="en-US" smtClean="0"/>
-              <a:t>2018/11/27</a:t>
+              <a:t>2018/11/29</a:t>
             </a:fld>
             <a:endParaRPr lang="zh-CN" altLang="en-US"/>
           </a:p>
@@ -786,7 +793,7 @@
           <a:p>
             <a:fld id="{A3B2F663-546F-41A6-910A-172E050DEC49}" type="datetimeFigureOut">
               <a:rPr lang="zh-CN" altLang="en-US" smtClean="0"/>
-              <a:t>2018/11/27</a:t>
+              <a:t>2018/11/29</a:t>
             </a:fld>
             <a:endParaRPr lang="zh-CN" altLang="en-US"/>
           </a:p>
@@ -966,7 +973,7 @@
           <a:p>
             <a:fld id="{A3B2F663-546F-41A6-910A-172E050DEC49}" type="datetimeFigureOut">
               <a:rPr lang="zh-CN" altLang="en-US" smtClean="0"/>
-              <a:t>2018/11/27</a:t>
+              <a:t>2018/11/29</a:t>
             </a:fld>
             <a:endParaRPr lang="zh-CN" altLang="en-US"/>
           </a:p>
@@ -1061,7 +1068,7 @@
           <a:p>
             <a:fld id="{A3B2F663-546F-41A6-910A-172E050DEC49}" type="datetimeFigureOut">
               <a:rPr lang="zh-CN" altLang="en-US" smtClean="0"/>
-              <a:t>2018/11/27</a:t>
+              <a:t>2018/11/29</a:t>
             </a:fld>
             <a:endParaRPr lang="zh-CN" altLang="en-US"/>
           </a:p>
@@ -9061,7 +9068,7 @@
           <a:p>
             <a:fld id="{A3B2F663-546F-41A6-910A-172E050DEC49}" type="datetimeFigureOut">
               <a:rPr lang="zh-CN" altLang="en-US" smtClean="0"/>
-              <a:t>2018/11/27</a:t>
+              <a:t>2018/11/29</a:t>
             </a:fld>
             <a:endParaRPr lang="zh-CN" altLang="en-US"/>
           </a:p>
@@ -9305,7 +9312,7 @@
           <a:p>
             <a:fld id="{A3B2F663-546F-41A6-910A-172E050DEC49}" type="datetimeFigureOut">
               <a:rPr lang="zh-CN" altLang="en-US" smtClean="0"/>
-              <a:t>2018/11/27</a:t>
+              <a:t>2018/11/29</a:t>
             </a:fld>
             <a:endParaRPr lang="zh-CN" altLang="en-US"/>
           </a:p>
@@ -9537,7 +9544,7 @@
           <a:p>
             <a:fld id="{A3B2F663-546F-41A6-910A-172E050DEC49}" type="datetimeFigureOut">
               <a:rPr lang="zh-CN" altLang="en-US" smtClean="0"/>
-              <a:t>2018/11/27</a:t>
+              <a:t>2018/11/29</a:t>
             </a:fld>
             <a:endParaRPr lang="zh-CN" altLang="en-US"/>
           </a:p>
@@ -9904,7 +9911,7 @@
           <a:p>
             <a:fld id="{A3B2F663-546F-41A6-910A-172E050DEC49}" type="datetimeFigureOut">
               <a:rPr lang="zh-CN" altLang="en-US" smtClean="0"/>
-              <a:t>2018/11/27</a:t>
+              <a:t>2018/11/29</a:t>
             </a:fld>
             <a:endParaRPr lang="zh-CN" altLang="en-US"/>
           </a:p>
@@ -10022,7 +10029,7 @@
           <a:p>
             <a:fld id="{A3B2F663-546F-41A6-910A-172E050DEC49}" type="datetimeFigureOut">
               <a:rPr lang="zh-CN" altLang="en-US" smtClean="0"/>
-              <a:t>2018/11/27</a:t>
+              <a:t>2018/11/29</a:t>
             </a:fld>
             <a:endParaRPr lang="zh-CN" altLang="en-US"/>
           </a:p>
@@ -10117,7 +10124,7 @@
           <a:p>
             <a:fld id="{A3B2F663-546F-41A6-910A-172E050DEC49}" type="datetimeFigureOut">
               <a:rPr lang="zh-CN" altLang="en-US" smtClean="0"/>
-              <a:t>2018/11/27</a:t>
+              <a:t>2018/11/29</a:t>
             </a:fld>
             <a:endParaRPr lang="zh-CN" altLang="en-US"/>
           </a:p>
@@ -10394,7 +10401,7 @@
           <a:p>
             <a:fld id="{A3B2F663-546F-41A6-910A-172E050DEC49}" type="datetimeFigureOut">
               <a:rPr lang="zh-CN" altLang="en-US" smtClean="0"/>
-              <a:t>2018/11/27</a:t>
+              <a:t>2018/11/29</a:t>
             </a:fld>
             <a:endParaRPr lang="zh-CN" altLang="en-US"/>
           </a:p>
@@ -10651,7 +10658,7 @@
           <a:p>
             <a:fld id="{A3B2F663-546F-41A6-910A-172E050DEC49}" type="datetimeFigureOut">
               <a:rPr lang="zh-CN" altLang="en-US" smtClean="0"/>
-              <a:t>2018/11/27</a:t>
+              <a:t>2018/11/29</a:t>
             </a:fld>
             <a:endParaRPr lang="zh-CN" altLang="en-US"/>
           </a:p>
@@ -10864,7 +10871,7 @@
           <a:p>
             <a:fld id="{A3B2F663-546F-41A6-910A-172E050DEC49}" type="datetimeFigureOut">
               <a:rPr lang="zh-CN" altLang="en-US" smtClean="0"/>
-              <a:t>2018/11/27</a:t>
+              <a:t>2018/11/29</a:t>
             </a:fld>
             <a:endParaRPr lang="zh-CN" altLang="en-US"/>
           </a:p>
@@ -11598,21 +11605,19 @@
         </p:nvSpPr>
         <p:spPr/>
         <p:txBody>
-          <a:bodyPr>
-            <a:normAutofit/>
-          </a:bodyPr>
+          <a:bodyPr/>
           <a:lstStyle/>
           <a:p>
             <a:r>
               <a:rPr lang="zh-CN" altLang="en-US" dirty="0"/>
-              <a:t>并发</a:t>
+              <a:t>集合</a:t>
             </a:r>
             <a:br>
               <a:rPr lang="en-US" altLang="zh-CN" dirty="0"/>
             </a:br>
             <a:r>
               <a:rPr lang="en-US" altLang="zh-CN" dirty="0"/>
-              <a:t>Concurrency</a:t>
+              <a:t>Collections</a:t>
             </a:r>
             <a:endParaRPr lang="zh-CN" altLang="en-US" dirty="0"/>
           </a:p>
@@ -11634,8 +11639,20 @@
           <a:lstStyle/>
           <a:p>
             <a:r>
+              <a:rPr lang="en-US" altLang="zh-CN" dirty="0"/>
+              <a:t>Guava</a:t>
+            </a:r>
+            <a:r>
               <a:rPr lang="zh-CN" altLang="en-US" dirty="0"/>
-              <a:t>强大而简单的抽象，让编写正确的并发代码更简单</a:t>
+              <a:t>对</a:t>
+            </a:r>
+            <a:r>
+              <a:rPr lang="en-US" altLang="zh-CN" dirty="0"/>
+              <a:t>JDK</a:t>
+            </a:r>
+            <a:r>
+              <a:rPr lang="zh-CN" altLang="en-US" dirty="0"/>
+              <a:t>集合的扩展</a:t>
             </a:r>
           </a:p>
         </p:txBody>
@@ -11657,7 +11674,7 @@
           <a:p>
             <a:r>
               <a:rPr lang="en-US" altLang="zh-CN" dirty="0"/>
-              <a:t>05</a:t>
+              <a:t>02</a:t>
             </a:r>
             <a:endParaRPr lang="zh-CN" altLang="en-US" dirty="0"/>
           </a:p>
@@ -11666,7 +11683,7 @@
     </p:spTree>
     <p:extLst>
       <p:ext uri="{BB962C8B-B14F-4D97-AF65-F5344CB8AC3E}">
-        <p14:creationId xmlns:p14="http://schemas.microsoft.com/office/powerpoint/2010/main" val="2650938815"/>
+        <p14:creationId xmlns:p14="http://schemas.microsoft.com/office/powerpoint/2010/main" val="2462291448"/>
       </p:ext>
     </p:extLst>
   </p:cSld>
@@ -11695,83 +11712,41 @@
       </p:grpSpPr>
       <p:sp>
         <p:nvSpPr>
-          <p:cNvPr id="8" name="标题 7"/>
+          <p:cNvPr id="3" name="文本占位符 2">
+            <a:extLst>
+              <a:ext uri="{FF2B5EF4-FFF2-40B4-BE49-F238E27FC236}">
+                <a16:creationId xmlns:a16="http://schemas.microsoft.com/office/drawing/2014/main" id="{03244420-F962-4115-A1CA-E4ED6E926A57}"/>
+              </a:ext>
+            </a:extLst>
+          </p:cNvPr>
           <p:cNvSpPr>
             <a:spLocks noGrp="1"/>
           </p:cNvSpPr>
           <p:nvPr>
-            <p:ph type="title"/>
+            <p:ph type="body" sz="quarter" idx="10"/>
           </p:nvPr>
         </p:nvSpPr>
-        <p:spPr/>
+        <p:spPr>
+          <a:xfrm>
+            <a:off x="243311" y="1079453"/>
+            <a:ext cx="6979775" cy="524610"/>
+          </a:xfrm>
+        </p:spPr>
         <p:txBody>
           <a:bodyPr/>
           <a:lstStyle/>
           <a:p>
             <a:r>
               <a:rPr lang="zh-CN" altLang="en-US" dirty="0"/>
-              <a:t>字符串处理</a:t>
-            </a:r>
-            <a:br>
-              <a:rPr lang="zh-CN" altLang="en-US" dirty="0"/>
-            </a:br>
-            <a:r>
-              <a:rPr lang="en-US" altLang="zh-CN" dirty="0"/>
-              <a:t>Strings</a:t>
-            </a:r>
-            <a:endParaRPr lang="zh-CN" altLang="en-US" dirty="0"/>
-          </a:p>
-        </p:txBody>
-      </p:sp>
-      <p:sp>
-        <p:nvSpPr>
-          <p:cNvPr id="6" name="文本占位符 5"/>
-          <p:cNvSpPr>
-            <a:spLocks noGrp="1"/>
-          </p:cNvSpPr>
-          <p:nvPr>
-            <p:ph type="body" sz="quarter" idx="13"/>
-          </p:nvPr>
-        </p:nvSpPr>
-        <p:spPr/>
-        <p:txBody>
-          <a:bodyPr/>
-          <a:lstStyle/>
-          <a:p>
-            <a:r>
-              <a:rPr lang="zh-CN" altLang="en-US" dirty="0"/>
-              <a:t>字符串工具，包括分割、连接、填充等操作</a:t>
-            </a:r>
-          </a:p>
-        </p:txBody>
-      </p:sp>
-      <p:sp>
-        <p:nvSpPr>
-          <p:cNvPr id="9" name="文本占位符 8"/>
-          <p:cNvSpPr>
-            <a:spLocks noGrp="1"/>
-          </p:cNvSpPr>
-          <p:nvPr>
-            <p:ph type="body" sz="quarter" idx="14"/>
-          </p:nvPr>
-        </p:nvSpPr>
-        <p:spPr/>
-        <p:txBody>
-          <a:bodyPr/>
-          <a:lstStyle/>
-          <a:p>
-            <a:r>
-              <a:rPr lang="en-US" altLang="zh-CN" dirty="0"/>
-              <a:t>06	</a:t>
-            </a:r>
-            <a:endParaRPr lang="zh-CN" altLang="en-US" dirty="0"/>
+              <a:t>不可变集合</a:t>
+            </a:r>
           </a:p>
         </p:txBody>
       </p:sp>
     </p:spTree>
     <p:extLst>
       <p:ext uri="{BB962C8B-B14F-4D97-AF65-F5344CB8AC3E}">
-        <p14:creationId xmlns:p14="http://schemas.microsoft.com/office/powerpoint/2010/main" val="3410191328"/>
+        <p14:creationId xmlns:p14="http://schemas.microsoft.com/office/powerpoint/2010/main" val="2041891405"/>
       </p:ext>
     </p:extLst>
   </p:cSld>
@@ -11800,12 +11775,18 @@
       </p:grpSpPr>
       <p:sp>
         <p:nvSpPr>
-          <p:cNvPr id="8" name="标题 7"/>
+          <p:cNvPr id="3" name="文本占位符 2">
+            <a:extLst>
+              <a:ext uri="{FF2B5EF4-FFF2-40B4-BE49-F238E27FC236}">
+                <a16:creationId xmlns:a16="http://schemas.microsoft.com/office/drawing/2014/main" id="{03244420-F962-4115-A1CA-E4ED6E926A57}"/>
+              </a:ext>
+            </a:extLst>
+          </p:cNvPr>
           <p:cNvSpPr>
             <a:spLocks noGrp="1"/>
           </p:cNvSpPr>
           <p:nvPr>
-            <p:ph type="title"/>
+            <p:ph type="body" sz="quarter" idx="10"/>
           </p:nvPr>
         </p:nvSpPr>
         <p:spPr/>
@@ -11813,91 +11794,14 @@
           <a:bodyPr/>
           <a:lstStyle/>
           <a:p>
-            <a:r>
-              <a:rPr lang="zh-CN" altLang="en-US" dirty="0"/>
-              <a:t>原生类型</a:t>
-            </a:r>
-            <a:r>
-              <a:rPr lang="en-US" altLang="zh-CN" dirty="0"/>
-              <a:t>Primitives</a:t>
-            </a:r>
-            <a:endParaRPr lang="zh-CN" altLang="en-US" dirty="0"/>
-          </a:p>
-        </p:txBody>
-      </p:sp>
-      <p:sp>
-        <p:nvSpPr>
-          <p:cNvPr id="6" name="文本占位符 5"/>
-          <p:cNvSpPr>
-            <a:spLocks noGrp="1"/>
-          </p:cNvSpPr>
-          <p:nvPr>
-            <p:ph type="body" sz="quarter" idx="13"/>
-          </p:nvPr>
-        </p:nvSpPr>
-        <p:spPr/>
-        <p:txBody>
-          <a:bodyPr/>
-          <a:lstStyle/>
-          <a:p>
-            <a:r>
-              <a:rPr lang="zh-CN" altLang="en-US" dirty="0"/>
-              <a:t>扩展 </a:t>
-            </a:r>
-            <a:r>
-              <a:rPr lang="en-US" altLang="zh-CN" dirty="0"/>
-              <a:t>JDK </a:t>
-            </a:r>
-            <a:r>
-              <a:rPr lang="zh-CN" altLang="en-US" dirty="0"/>
-              <a:t>未提供的原生类型（如</a:t>
-            </a:r>
-            <a:r>
-              <a:rPr lang="en-US" altLang="zh-CN" dirty="0"/>
-              <a:t>int</a:t>
-            </a:r>
-            <a:r>
-              <a:rPr lang="zh-CN" altLang="en-US" dirty="0"/>
-              <a:t>、</a:t>
-            </a:r>
-            <a:r>
-              <a:rPr lang="en-US" altLang="zh-CN" dirty="0"/>
-              <a:t>char</a:t>
-            </a:r>
-            <a:r>
-              <a:rPr lang="zh-CN" altLang="en-US" dirty="0"/>
-              <a:t>）操作， 包括某些类型的无符号形式</a:t>
-            </a:r>
-          </a:p>
-        </p:txBody>
-      </p:sp>
-      <p:sp>
-        <p:nvSpPr>
-          <p:cNvPr id="9" name="文本占位符 8"/>
-          <p:cNvSpPr>
-            <a:spLocks noGrp="1"/>
-          </p:cNvSpPr>
-          <p:nvPr>
-            <p:ph type="body" sz="quarter" idx="14"/>
-          </p:nvPr>
-        </p:nvSpPr>
-        <p:spPr/>
-        <p:txBody>
-          <a:bodyPr/>
-          <a:lstStyle/>
-          <a:p>
-            <a:r>
-              <a:rPr lang="en-US" altLang="zh-CN" dirty="0"/>
-              <a:t>07</a:t>
-            </a:r>
-            <a:endParaRPr lang="zh-CN" altLang="en-US" dirty="0"/>
+            <a:endParaRPr lang="zh-CN" altLang="en-US"/>
           </a:p>
         </p:txBody>
       </p:sp>
     </p:spTree>
     <p:extLst>
       <p:ext uri="{BB962C8B-B14F-4D97-AF65-F5344CB8AC3E}">
-        <p14:creationId xmlns:p14="http://schemas.microsoft.com/office/powerpoint/2010/main" val="2065244716"/>
+        <p14:creationId xmlns:p14="http://schemas.microsoft.com/office/powerpoint/2010/main" val="4259015378"/>
       </p:ext>
     </p:extLst>
   </p:cSld>
@@ -11926,44 +11830,18 @@
       </p:grpSpPr>
       <p:sp>
         <p:nvSpPr>
-          <p:cNvPr id="8" name="标题 7"/>
+          <p:cNvPr id="3" name="文本占位符 2">
+            <a:extLst>
+              <a:ext uri="{FF2B5EF4-FFF2-40B4-BE49-F238E27FC236}">
+                <a16:creationId xmlns:a16="http://schemas.microsoft.com/office/drawing/2014/main" id="{03244420-F962-4115-A1CA-E4ED6E926A57}"/>
+              </a:ext>
+            </a:extLst>
+          </p:cNvPr>
           <p:cNvSpPr>
             <a:spLocks noGrp="1"/>
           </p:cNvSpPr>
           <p:nvPr>
-            <p:ph type="title"/>
-          </p:nvPr>
-        </p:nvSpPr>
-        <p:spPr/>
-        <p:txBody>
-          <a:bodyPr>
-            <a:normAutofit/>
-          </a:bodyPr>
-          <a:lstStyle/>
-          <a:p>
-            <a:r>
-              <a:rPr lang="zh-CN" altLang="en-US" dirty="0"/>
-              <a:t>区间</a:t>
-            </a:r>
-            <a:br>
-              <a:rPr lang="en-US" altLang="zh-CN" dirty="0"/>
-            </a:br>
-            <a:r>
-              <a:rPr lang="en-US" altLang="zh-CN" dirty="0"/>
-              <a:t>Ranges</a:t>
-            </a:r>
-            <a:endParaRPr lang="zh-CN" altLang="en-US" dirty="0"/>
-          </a:p>
-        </p:txBody>
-      </p:sp>
-      <p:sp>
-        <p:nvSpPr>
-          <p:cNvPr id="6" name="文本占位符 5"/>
-          <p:cNvSpPr>
-            <a:spLocks noGrp="1"/>
-          </p:cNvSpPr>
-          <p:nvPr>
-            <p:ph type="body" sz="quarter" idx="13"/>
+            <p:ph type="body" sz="quarter" idx="10"/>
           </p:nvPr>
         </p:nvSpPr>
         <p:spPr/>
@@ -11971,48 +11849,14 @@
           <a:bodyPr/>
           <a:lstStyle/>
           <a:p>
-            <a:r>
-              <a:rPr lang="zh-CN" altLang="en-US" dirty="0"/>
-              <a:t>可比较类型的区间</a:t>
-            </a:r>
-            <a:r>
-              <a:rPr lang="en-US" altLang="zh-CN" dirty="0"/>
-              <a:t>API</a:t>
-            </a:r>
-            <a:r>
-              <a:rPr lang="zh-CN" altLang="en-US" dirty="0"/>
-              <a:t>，包括连续和离散类型</a:t>
-            </a:r>
-          </a:p>
-        </p:txBody>
-      </p:sp>
-      <p:sp>
-        <p:nvSpPr>
-          <p:cNvPr id="9" name="文本占位符 8"/>
-          <p:cNvSpPr>
-            <a:spLocks noGrp="1"/>
-          </p:cNvSpPr>
-          <p:nvPr>
-            <p:ph type="body" sz="quarter" idx="14"/>
-          </p:nvPr>
-        </p:nvSpPr>
-        <p:spPr/>
-        <p:txBody>
-          <a:bodyPr/>
-          <a:lstStyle/>
-          <a:p>
-            <a:r>
-              <a:rPr lang="en-US" altLang="zh-CN" dirty="0"/>
-              <a:t>08</a:t>
-            </a:r>
-            <a:endParaRPr lang="zh-CN" altLang="en-US" dirty="0"/>
+            <a:endParaRPr lang="zh-CN" altLang="en-US"/>
           </a:p>
         </p:txBody>
       </p:sp>
     </p:spTree>
     <p:extLst>
       <p:ext uri="{BB962C8B-B14F-4D97-AF65-F5344CB8AC3E}">
-        <p14:creationId xmlns:p14="http://schemas.microsoft.com/office/powerpoint/2010/main" val="3065050843"/>
+        <p14:creationId xmlns:p14="http://schemas.microsoft.com/office/powerpoint/2010/main" val="3727189530"/>
       </p:ext>
     </p:extLst>
   </p:cSld>
@@ -12041,12 +11885,18 @@
       </p:grpSpPr>
       <p:sp>
         <p:nvSpPr>
-          <p:cNvPr id="8" name="标题 7"/>
+          <p:cNvPr id="3" name="文本占位符 2">
+            <a:extLst>
+              <a:ext uri="{FF2B5EF4-FFF2-40B4-BE49-F238E27FC236}">
+                <a16:creationId xmlns:a16="http://schemas.microsoft.com/office/drawing/2014/main" id="{03244420-F962-4115-A1CA-E4ED6E926A57}"/>
+              </a:ext>
+            </a:extLst>
+          </p:cNvPr>
           <p:cNvSpPr>
             <a:spLocks noGrp="1"/>
           </p:cNvSpPr>
           <p:nvPr>
-            <p:ph type="title"/>
+            <p:ph type="body" sz="quarter" idx="10"/>
           </p:nvPr>
         </p:nvSpPr>
         <p:spPr/>
@@ -12054,98 +11904,14 @@
           <a:bodyPr/>
           <a:lstStyle/>
           <a:p>
-            <a:r>
-              <a:rPr lang="en-US" altLang="zh-CN" dirty="0"/>
-              <a:t>I/o</a:t>
-            </a:r>
-            <a:br>
-              <a:rPr lang="zh-CN" altLang="en-US" dirty="0"/>
-            </a:br>
-            <a:endParaRPr lang="zh-CN" altLang="en-US" dirty="0"/>
-          </a:p>
-        </p:txBody>
-      </p:sp>
-      <p:sp>
-        <p:nvSpPr>
-          <p:cNvPr id="6" name="文本占位符 5"/>
-          <p:cNvSpPr>
-            <a:spLocks noGrp="1"/>
-          </p:cNvSpPr>
-          <p:nvPr>
-            <p:ph type="body" sz="quarter" idx="13"/>
-          </p:nvPr>
-        </p:nvSpPr>
-        <p:spPr/>
-        <p:txBody>
-          <a:bodyPr/>
-          <a:lstStyle/>
-          <a:p>
-            <a:r>
-              <a:rPr lang="zh-CN" altLang="en-US" dirty="0"/>
-              <a:t>简化</a:t>
-            </a:r>
-            <a:r>
-              <a:rPr lang="en-US" altLang="zh-CN" dirty="0"/>
-              <a:t>I/O</a:t>
-            </a:r>
-            <a:r>
-              <a:rPr lang="zh-CN" altLang="en-US" dirty="0"/>
-              <a:t>尤其是</a:t>
-            </a:r>
-            <a:r>
-              <a:rPr lang="en-US" altLang="zh-CN" dirty="0"/>
-              <a:t>I/O</a:t>
-            </a:r>
-            <a:r>
-              <a:rPr lang="zh-CN" altLang="en-US" dirty="0"/>
-              <a:t>流和文件的操作，针对</a:t>
-            </a:r>
-            <a:r>
-              <a:rPr lang="en-US" altLang="zh-CN" dirty="0"/>
-              <a:t>Java5</a:t>
-            </a:r>
-            <a:r>
-              <a:rPr lang="zh-CN" altLang="en-US" dirty="0"/>
-              <a:t>和</a:t>
-            </a:r>
-            <a:r>
-              <a:rPr lang="en-US" altLang="zh-CN" dirty="0"/>
-              <a:t>6</a:t>
-            </a:r>
-            <a:r>
-              <a:rPr lang="zh-CN" altLang="en-US" dirty="0"/>
-              <a:t>版本</a:t>
-            </a:r>
-          </a:p>
-        </p:txBody>
-      </p:sp>
-      <p:sp>
-        <p:nvSpPr>
-          <p:cNvPr id="9" name="文本占位符 8"/>
-          <p:cNvSpPr>
-            <a:spLocks noGrp="1"/>
-          </p:cNvSpPr>
-          <p:nvPr>
-            <p:ph type="body" sz="quarter" idx="14"/>
-          </p:nvPr>
-        </p:nvSpPr>
-        <p:spPr/>
-        <p:txBody>
-          <a:bodyPr/>
-          <a:lstStyle/>
-          <a:p>
-            <a:r>
-              <a:rPr lang="en-US" altLang="zh-CN" dirty="0"/>
-              <a:t>09</a:t>
-            </a:r>
-            <a:endParaRPr lang="zh-CN" altLang="en-US" dirty="0"/>
+            <a:endParaRPr lang="zh-CN" altLang="en-US"/>
           </a:p>
         </p:txBody>
       </p:sp>
     </p:spTree>
     <p:extLst>
       <p:ext uri="{BB962C8B-B14F-4D97-AF65-F5344CB8AC3E}">
-        <p14:creationId xmlns:p14="http://schemas.microsoft.com/office/powerpoint/2010/main" val="3359504855"/>
+        <p14:creationId xmlns:p14="http://schemas.microsoft.com/office/powerpoint/2010/main" val="2623131174"/>
       </p:ext>
     </p:extLst>
   </p:cSld>
@@ -12189,16 +11955,19 @@
           <a:p>
             <a:r>
               <a:rPr lang="zh-CN" altLang="en-US" dirty="0"/>
-              <a:t> 散列</a:t>
+              <a:t>缓存</a:t>
             </a:r>
             <a:br>
               <a:rPr lang="en-US" altLang="zh-CN" dirty="0"/>
             </a:br>
             <a:r>
               <a:rPr lang="en-US" altLang="zh-CN" dirty="0"/>
-              <a:t>Hash</a:t>
-            </a:r>
-            <a:endParaRPr lang="zh-CN" altLang="en-US" dirty="0"/>
+              <a:t>catch</a:t>
+            </a:r>
+            <a:r>
+              <a:rPr lang="zh-CN" altLang="en-US" dirty="0"/>
+              <a:t> </a:t>
+            </a:r>
           </a:p>
         </p:txBody>
       </p:sp>
@@ -12219,15 +11988,7 @@
           <a:p>
             <a:r>
               <a:rPr lang="zh-CN" altLang="en-US" dirty="0"/>
-              <a:t>提供比</a:t>
-            </a:r>
-            <a:r>
-              <a:rPr lang="en-US" altLang="zh-CN" dirty="0"/>
-              <a:t>Object.hashCode()</a:t>
-            </a:r>
-            <a:r>
-              <a:rPr lang="zh-CN" altLang="en-US" dirty="0"/>
-              <a:t>更复杂的散列实现，并提供布鲁姆过滤器的实现</a:t>
+              <a:t>本地缓存实现，支持多种缓存过期策略</a:t>
             </a:r>
           </a:p>
         </p:txBody>
@@ -12249,7 +12010,7 @@
           <a:p>
             <a:r>
               <a:rPr lang="en-US" altLang="zh-CN" dirty="0"/>
-              <a:t>10</a:t>
+              <a:t>03</a:t>
             </a:r>
             <a:endParaRPr lang="zh-CN" altLang="en-US" dirty="0"/>
           </a:p>
@@ -12258,7 +12019,7 @@
     </p:spTree>
     <p:extLst>
       <p:ext uri="{BB962C8B-B14F-4D97-AF65-F5344CB8AC3E}">
-        <p14:creationId xmlns:p14="http://schemas.microsoft.com/office/powerpoint/2010/main" val="1133101520"/>
+        <p14:creationId xmlns:p14="http://schemas.microsoft.com/office/powerpoint/2010/main" val="3783972235"/>
       </p:ext>
     </p:extLst>
   </p:cSld>
@@ -12302,11 +12063,14 @@
           <a:p>
             <a:r>
               <a:rPr lang="zh-CN" altLang="en-US" dirty="0"/>
-              <a:t>事件总线</a:t>
-            </a:r>
-            <a:r>
+              <a:t>函数式风格</a:t>
+            </a:r>
+            <a:br>
               <a:rPr lang="en-US" altLang="zh-CN" dirty="0"/>
-              <a:t>EventBus</a:t>
+            </a:br>
+            <a:r>
+              <a:rPr lang="en-US" altLang="zh-CN" dirty="0"/>
+              <a:t>Functional idioms</a:t>
             </a:r>
             <a:endParaRPr lang="zh-CN" altLang="en-US" dirty="0"/>
           </a:p>
@@ -12329,15 +12093,7 @@
           <a:p>
             <a:r>
               <a:rPr lang="zh-CN" altLang="en-US" dirty="0"/>
-              <a:t>发布</a:t>
-            </a:r>
-            <a:r>
-              <a:rPr lang="en-US" altLang="zh-CN" dirty="0"/>
-              <a:t>-</a:t>
-            </a:r>
-            <a:r>
-              <a:rPr lang="zh-CN" altLang="en-US" dirty="0"/>
-              <a:t>订阅模式的组件通信，但组件不需要显式地注册到其他组件中</a:t>
+              <a:t>可以显著简化代码</a:t>
             </a:r>
           </a:p>
         </p:txBody>
@@ -12359,7 +12115,7 @@
           <a:p>
             <a:r>
               <a:rPr lang="en-US" altLang="zh-CN" dirty="0"/>
-              <a:t>11</a:t>
+              <a:t>04</a:t>
             </a:r>
             <a:endParaRPr lang="zh-CN" altLang="en-US" dirty="0"/>
           </a:p>
@@ -12368,7 +12124,7 @@
     </p:spTree>
     <p:extLst>
       <p:ext uri="{BB962C8B-B14F-4D97-AF65-F5344CB8AC3E}">
-        <p14:creationId xmlns:p14="http://schemas.microsoft.com/office/powerpoint/2010/main" val="2410405684"/>
+        <p14:creationId xmlns:p14="http://schemas.microsoft.com/office/powerpoint/2010/main" val="2674867946"/>
       </p:ext>
     </p:extLst>
   </p:cSld>
@@ -12407,19 +12163,21 @@
         </p:nvSpPr>
         <p:spPr/>
         <p:txBody>
-          <a:bodyPr/>
+          <a:bodyPr>
+            <a:normAutofit/>
+          </a:bodyPr>
           <a:lstStyle/>
           <a:p>
             <a:r>
               <a:rPr lang="zh-CN" altLang="en-US" dirty="0"/>
-              <a:t>数学运算</a:t>
+              <a:t>并发</a:t>
             </a:r>
             <a:br>
               <a:rPr lang="en-US" altLang="zh-CN" dirty="0"/>
             </a:br>
             <a:r>
               <a:rPr lang="en-US" altLang="zh-CN" dirty="0"/>
-              <a:t>Math</a:t>
+              <a:t>Concurrency</a:t>
             </a:r>
             <a:endParaRPr lang="zh-CN" altLang="en-US" dirty="0"/>
           </a:p>
@@ -12442,7 +12200,7 @@
           <a:p>
             <a:r>
               <a:rPr lang="zh-CN" altLang="en-US" dirty="0"/>
-              <a:t>优化的、充分测试的数学工具类</a:t>
+              <a:t>强大而简单的抽象，让编写正确的并发代码更简单</a:t>
             </a:r>
           </a:p>
         </p:txBody>
@@ -12464,7 +12222,7 @@
           <a:p>
             <a:r>
               <a:rPr lang="en-US" altLang="zh-CN" dirty="0"/>
-              <a:t>12</a:t>
+              <a:t>05</a:t>
             </a:r>
             <a:endParaRPr lang="zh-CN" altLang="en-US" dirty="0"/>
           </a:p>
@@ -12473,7 +12231,7 @@
     </p:spTree>
     <p:extLst>
       <p:ext uri="{BB962C8B-B14F-4D97-AF65-F5344CB8AC3E}">
-        <p14:creationId xmlns:p14="http://schemas.microsoft.com/office/powerpoint/2010/main" val="3964344473"/>
+        <p14:creationId xmlns:p14="http://schemas.microsoft.com/office/powerpoint/2010/main" val="2650938815"/>
       </p:ext>
     </p:extLst>
   </p:cSld>
@@ -12517,14 +12275,14 @@
           <a:p>
             <a:r>
               <a:rPr lang="zh-CN" altLang="en-US" dirty="0"/>
-              <a:t>反射</a:t>
+              <a:t>字符串处理</a:t>
             </a:r>
             <a:br>
+              <a:rPr lang="zh-CN" altLang="en-US" dirty="0"/>
+            </a:br>
+            <a:r>
               <a:rPr lang="en-US" altLang="zh-CN" dirty="0"/>
-            </a:br>
-            <a:r>
-              <a:rPr lang="en-US" altLang="zh-CN" dirty="0"/>
-              <a:t>Reflection</a:t>
+              <a:t>Strings</a:t>
             </a:r>
             <a:endParaRPr lang="zh-CN" altLang="en-US" dirty="0"/>
           </a:p>
@@ -12546,20 +12304,8 @@
           <a:lstStyle/>
           <a:p>
             <a:r>
-              <a:rPr lang="en-US" altLang="zh-CN" dirty="0"/>
-              <a:t>Guava </a:t>
-            </a:r>
-            <a:r>
               <a:rPr lang="zh-CN" altLang="en-US" dirty="0"/>
-              <a:t>的 </a:t>
-            </a:r>
-            <a:r>
-              <a:rPr lang="en-US" altLang="zh-CN" dirty="0"/>
-              <a:t>Java </a:t>
-            </a:r>
-            <a:r>
-              <a:rPr lang="zh-CN" altLang="en-US" dirty="0"/>
-              <a:t>反射机制工具类</a:t>
+              <a:t>字符串工具，包括分割、连接、填充等操作</a:t>
             </a:r>
           </a:p>
         </p:txBody>
@@ -12581,7 +12327,7 @@
           <a:p>
             <a:r>
               <a:rPr lang="en-US" altLang="zh-CN" dirty="0"/>
-              <a:t>13</a:t>
+              <a:t>06	</a:t>
             </a:r>
             <a:endParaRPr lang="zh-CN" altLang="en-US" dirty="0"/>
           </a:p>
@@ -12590,7 +12336,7 @@
     </p:spTree>
     <p:extLst>
       <p:ext uri="{BB962C8B-B14F-4D97-AF65-F5344CB8AC3E}">
-        <p14:creationId xmlns:p14="http://schemas.microsoft.com/office/powerpoint/2010/main" val="1688479900"/>
+        <p14:creationId xmlns:p14="http://schemas.microsoft.com/office/powerpoint/2010/main" val="3410191328"/>
       </p:ext>
     </p:extLst>
   </p:cSld>
@@ -12617,10 +12363,106 @@
           <a:chExt cx="0" cy="0"/>
         </a:xfrm>
       </p:grpSpPr>
+      <p:sp>
+        <p:nvSpPr>
+          <p:cNvPr id="8" name="标题 7"/>
+          <p:cNvSpPr>
+            <a:spLocks noGrp="1"/>
+          </p:cNvSpPr>
+          <p:nvPr>
+            <p:ph type="title"/>
+          </p:nvPr>
+        </p:nvSpPr>
+        <p:spPr/>
+        <p:txBody>
+          <a:bodyPr/>
+          <a:lstStyle/>
+          <a:p>
+            <a:r>
+              <a:rPr lang="zh-CN" altLang="en-US" dirty="0"/>
+              <a:t>原生类型</a:t>
+            </a:r>
+            <a:r>
+              <a:rPr lang="en-US" altLang="zh-CN" dirty="0"/>
+              <a:t>Primitives</a:t>
+            </a:r>
+            <a:endParaRPr lang="zh-CN" altLang="en-US" dirty="0"/>
+          </a:p>
+        </p:txBody>
+      </p:sp>
+      <p:sp>
+        <p:nvSpPr>
+          <p:cNvPr id="6" name="文本占位符 5"/>
+          <p:cNvSpPr>
+            <a:spLocks noGrp="1"/>
+          </p:cNvSpPr>
+          <p:nvPr>
+            <p:ph type="body" sz="quarter" idx="13"/>
+          </p:nvPr>
+        </p:nvSpPr>
+        <p:spPr/>
+        <p:txBody>
+          <a:bodyPr/>
+          <a:lstStyle/>
+          <a:p>
+            <a:r>
+              <a:rPr lang="zh-CN" altLang="en-US" dirty="0"/>
+              <a:t>扩展 </a:t>
+            </a:r>
+            <a:r>
+              <a:rPr lang="en-US" altLang="zh-CN" dirty="0"/>
+              <a:t>JDK </a:t>
+            </a:r>
+            <a:r>
+              <a:rPr lang="zh-CN" altLang="en-US" dirty="0"/>
+              <a:t>未提供的原生类型（如</a:t>
+            </a:r>
+            <a:r>
+              <a:rPr lang="en-US" altLang="zh-CN" dirty="0"/>
+              <a:t>int</a:t>
+            </a:r>
+            <a:r>
+              <a:rPr lang="zh-CN" altLang="en-US" dirty="0"/>
+              <a:t>、</a:t>
+            </a:r>
+            <a:r>
+              <a:rPr lang="en-US" altLang="zh-CN" dirty="0"/>
+              <a:t>char</a:t>
+            </a:r>
+            <a:r>
+              <a:rPr lang="zh-CN" altLang="en-US" dirty="0"/>
+              <a:t>）操作， 包括某些类型的无符号形式</a:t>
+            </a:r>
+          </a:p>
+        </p:txBody>
+      </p:sp>
+      <p:sp>
+        <p:nvSpPr>
+          <p:cNvPr id="9" name="文本占位符 8"/>
+          <p:cNvSpPr>
+            <a:spLocks noGrp="1"/>
+          </p:cNvSpPr>
+          <p:nvPr>
+            <p:ph type="body" sz="quarter" idx="14"/>
+          </p:nvPr>
+        </p:nvSpPr>
+        <p:spPr/>
+        <p:txBody>
+          <a:bodyPr/>
+          <a:lstStyle/>
+          <a:p>
+            <a:r>
+              <a:rPr lang="en-US" altLang="zh-CN" dirty="0"/>
+              <a:t>07</a:t>
+            </a:r>
+            <a:endParaRPr lang="zh-CN" altLang="en-US" dirty="0"/>
+          </a:p>
+        </p:txBody>
+      </p:sp>
     </p:spTree>
     <p:extLst>
       <p:ext uri="{BB962C8B-B14F-4D97-AF65-F5344CB8AC3E}">
-        <p14:creationId xmlns:p14="http://schemas.microsoft.com/office/powerpoint/2010/main" val="791654222"/>
+        <p14:creationId xmlns:p14="http://schemas.microsoft.com/office/powerpoint/2010/main" val="2065244716"/>
       </p:ext>
     </p:extLst>
   </p:cSld>
@@ -12984,6 +12826,733 @@
     <p:extLst>
       <p:ext uri="{BB962C8B-B14F-4D97-AF65-F5344CB8AC3E}">
         <p14:creationId xmlns:p14="http://schemas.microsoft.com/office/powerpoint/2010/main" val="2029427748"/>
+      </p:ext>
+    </p:extLst>
+  </p:cSld>
+  <p:clrMapOvr>
+    <a:masterClrMapping/>
+  </p:clrMapOvr>
+</p:sld>
+</file>
+
+<file path=ppt/slides/slide20.xml><?xml version="1.0" encoding="utf-8"?>
+<p:sld xmlns:a="http://schemas.openxmlformats.org/drawingml/2006/main" xmlns:r="http://schemas.openxmlformats.org/officeDocument/2006/relationships" xmlns:p="http://schemas.openxmlformats.org/presentationml/2006/main">
+  <p:cSld>
+    <p:spTree>
+      <p:nvGrpSpPr>
+        <p:cNvPr id="1" name=""/>
+        <p:cNvGrpSpPr/>
+        <p:nvPr/>
+      </p:nvGrpSpPr>
+      <p:grpSpPr>
+        <a:xfrm>
+          <a:off x="0" y="0"/>
+          <a:ext cx="0" cy="0"/>
+          <a:chOff x="0" y="0"/>
+          <a:chExt cx="0" cy="0"/>
+        </a:xfrm>
+      </p:grpSpPr>
+      <p:sp>
+        <p:nvSpPr>
+          <p:cNvPr id="8" name="标题 7"/>
+          <p:cNvSpPr>
+            <a:spLocks noGrp="1"/>
+          </p:cNvSpPr>
+          <p:nvPr>
+            <p:ph type="title"/>
+          </p:nvPr>
+        </p:nvSpPr>
+        <p:spPr/>
+        <p:txBody>
+          <a:bodyPr>
+            <a:normAutofit/>
+          </a:bodyPr>
+          <a:lstStyle/>
+          <a:p>
+            <a:r>
+              <a:rPr lang="zh-CN" altLang="en-US" dirty="0"/>
+              <a:t>区间</a:t>
+            </a:r>
+            <a:br>
+              <a:rPr lang="en-US" altLang="zh-CN" dirty="0"/>
+            </a:br>
+            <a:r>
+              <a:rPr lang="en-US" altLang="zh-CN" dirty="0"/>
+              <a:t>Ranges</a:t>
+            </a:r>
+            <a:endParaRPr lang="zh-CN" altLang="en-US" dirty="0"/>
+          </a:p>
+        </p:txBody>
+      </p:sp>
+      <p:sp>
+        <p:nvSpPr>
+          <p:cNvPr id="6" name="文本占位符 5"/>
+          <p:cNvSpPr>
+            <a:spLocks noGrp="1"/>
+          </p:cNvSpPr>
+          <p:nvPr>
+            <p:ph type="body" sz="quarter" idx="13"/>
+          </p:nvPr>
+        </p:nvSpPr>
+        <p:spPr/>
+        <p:txBody>
+          <a:bodyPr/>
+          <a:lstStyle/>
+          <a:p>
+            <a:r>
+              <a:rPr lang="zh-CN" altLang="en-US" dirty="0"/>
+              <a:t>可比较类型的区间</a:t>
+            </a:r>
+            <a:r>
+              <a:rPr lang="en-US" altLang="zh-CN" dirty="0"/>
+              <a:t>API</a:t>
+            </a:r>
+            <a:r>
+              <a:rPr lang="zh-CN" altLang="en-US" dirty="0"/>
+              <a:t>，包括连续和离散类型</a:t>
+            </a:r>
+          </a:p>
+        </p:txBody>
+      </p:sp>
+      <p:sp>
+        <p:nvSpPr>
+          <p:cNvPr id="9" name="文本占位符 8"/>
+          <p:cNvSpPr>
+            <a:spLocks noGrp="1"/>
+          </p:cNvSpPr>
+          <p:nvPr>
+            <p:ph type="body" sz="quarter" idx="14"/>
+          </p:nvPr>
+        </p:nvSpPr>
+        <p:spPr/>
+        <p:txBody>
+          <a:bodyPr/>
+          <a:lstStyle/>
+          <a:p>
+            <a:r>
+              <a:rPr lang="en-US" altLang="zh-CN" dirty="0"/>
+              <a:t>08</a:t>
+            </a:r>
+            <a:endParaRPr lang="zh-CN" altLang="en-US" dirty="0"/>
+          </a:p>
+        </p:txBody>
+      </p:sp>
+    </p:spTree>
+    <p:extLst>
+      <p:ext uri="{BB962C8B-B14F-4D97-AF65-F5344CB8AC3E}">
+        <p14:creationId xmlns:p14="http://schemas.microsoft.com/office/powerpoint/2010/main" val="3065050843"/>
+      </p:ext>
+    </p:extLst>
+  </p:cSld>
+  <p:clrMapOvr>
+    <a:masterClrMapping/>
+  </p:clrMapOvr>
+</p:sld>
+</file>
+
+<file path=ppt/slides/slide21.xml><?xml version="1.0" encoding="utf-8"?>
+<p:sld xmlns:a="http://schemas.openxmlformats.org/drawingml/2006/main" xmlns:r="http://schemas.openxmlformats.org/officeDocument/2006/relationships" xmlns:p="http://schemas.openxmlformats.org/presentationml/2006/main">
+  <p:cSld>
+    <p:spTree>
+      <p:nvGrpSpPr>
+        <p:cNvPr id="1" name=""/>
+        <p:cNvGrpSpPr/>
+        <p:nvPr/>
+      </p:nvGrpSpPr>
+      <p:grpSpPr>
+        <a:xfrm>
+          <a:off x="0" y="0"/>
+          <a:ext cx="0" cy="0"/>
+          <a:chOff x="0" y="0"/>
+          <a:chExt cx="0" cy="0"/>
+        </a:xfrm>
+      </p:grpSpPr>
+      <p:sp>
+        <p:nvSpPr>
+          <p:cNvPr id="8" name="标题 7"/>
+          <p:cNvSpPr>
+            <a:spLocks noGrp="1"/>
+          </p:cNvSpPr>
+          <p:nvPr>
+            <p:ph type="title"/>
+          </p:nvPr>
+        </p:nvSpPr>
+        <p:spPr/>
+        <p:txBody>
+          <a:bodyPr/>
+          <a:lstStyle/>
+          <a:p>
+            <a:r>
+              <a:rPr lang="en-US" altLang="zh-CN" dirty="0"/>
+              <a:t>I/o</a:t>
+            </a:r>
+            <a:br>
+              <a:rPr lang="zh-CN" altLang="en-US" dirty="0"/>
+            </a:br>
+            <a:endParaRPr lang="zh-CN" altLang="en-US" dirty="0"/>
+          </a:p>
+        </p:txBody>
+      </p:sp>
+      <p:sp>
+        <p:nvSpPr>
+          <p:cNvPr id="6" name="文本占位符 5"/>
+          <p:cNvSpPr>
+            <a:spLocks noGrp="1"/>
+          </p:cNvSpPr>
+          <p:nvPr>
+            <p:ph type="body" sz="quarter" idx="13"/>
+          </p:nvPr>
+        </p:nvSpPr>
+        <p:spPr/>
+        <p:txBody>
+          <a:bodyPr/>
+          <a:lstStyle/>
+          <a:p>
+            <a:r>
+              <a:rPr lang="zh-CN" altLang="en-US" dirty="0"/>
+              <a:t>简化</a:t>
+            </a:r>
+            <a:r>
+              <a:rPr lang="en-US" altLang="zh-CN" dirty="0"/>
+              <a:t>I/O</a:t>
+            </a:r>
+            <a:r>
+              <a:rPr lang="zh-CN" altLang="en-US" dirty="0"/>
+              <a:t>尤其是</a:t>
+            </a:r>
+            <a:r>
+              <a:rPr lang="en-US" altLang="zh-CN" dirty="0"/>
+              <a:t>I/O</a:t>
+            </a:r>
+            <a:r>
+              <a:rPr lang="zh-CN" altLang="en-US" dirty="0"/>
+              <a:t>流和文件的操作，针对</a:t>
+            </a:r>
+            <a:r>
+              <a:rPr lang="en-US" altLang="zh-CN" dirty="0"/>
+              <a:t>Java5</a:t>
+            </a:r>
+            <a:r>
+              <a:rPr lang="zh-CN" altLang="en-US" dirty="0"/>
+              <a:t>和</a:t>
+            </a:r>
+            <a:r>
+              <a:rPr lang="en-US" altLang="zh-CN" dirty="0"/>
+              <a:t>6</a:t>
+            </a:r>
+            <a:r>
+              <a:rPr lang="zh-CN" altLang="en-US" dirty="0"/>
+              <a:t>版本</a:t>
+            </a:r>
+          </a:p>
+        </p:txBody>
+      </p:sp>
+      <p:sp>
+        <p:nvSpPr>
+          <p:cNvPr id="9" name="文本占位符 8"/>
+          <p:cNvSpPr>
+            <a:spLocks noGrp="1"/>
+          </p:cNvSpPr>
+          <p:nvPr>
+            <p:ph type="body" sz="quarter" idx="14"/>
+          </p:nvPr>
+        </p:nvSpPr>
+        <p:spPr/>
+        <p:txBody>
+          <a:bodyPr/>
+          <a:lstStyle/>
+          <a:p>
+            <a:r>
+              <a:rPr lang="en-US" altLang="zh-CN" dirty="0"/>
+              <a:t>09</a:t>
+            </a:r>
+            <a:endParaRPr lang="zh-CN" altLang="en-US" dirty="0"/>
+          </a:p>
+        </p:txBody>
+      </p:sp>
+    </p:spTree>
+    <p:extLst>
+      <p:ext uri="{BB962C8B-B14F-4D97-AF65-F5344CB8AC3E}">
+        <p14:creationId xmlns:p14="http://schemas.microsoft.com/office/powerpoint/2010/main" val="3359504855"/>
+      </p:ext>
+    </p:extLst>
+  </p:cSld>
+  <p:clrMapOvr>
+    <a:masterClrMapping/>
+  </p:clrMapOvr>
+</p:sld>
+</file>
+
+<file path=ppt/slides/slide22.xml><?xml version="1.0" encoding="utf-8"?>
+<p:sld xmlns:a="http://schemas.openxmlformats.org/drawingml/2006/main" xmlns:r="http://schemas.openxmlformats.org/officeDocument/2006/relationships" xmlns:p="http://schemas.openxmlformats.org/presentationml/2006/main">
+  <p:cSld>
+    <p:spTree>
+      <p:nvGrpSpPr>
+        <p:cNvPr id="1" name=""/>
+        <p:cNvGrpSpPr/>
+        <p:nvPr/>
+      </p:nvGrpSpPr>
+      <p:grpSpPr>
+        <a:xfrm>
+          <a:off x="0" y="0"/>
+          <a:ext cx="0" cy="0"/>
+          <a:chOff x="0" y="0"/>
+          <a:chExt cx="0" cy="0"/>
+        </a:xfrm>
+      </p:grpSpPr>
+      <p:sp>
+        <p:nvSpPr>
+          <p:cNvPr id="8" name="标题 7"/>
+          <p:cNvSpPr>
+            <a:spLocks noGrp="1"/>
+          </p:cNvSpPr>
+          <p:nvPr>
+            <p:ph type="title"/>
+          </p:nvPr>
+        </p:nvSpPr>
+        <p:spPr/>
+        <p:txBody>
+          <a:bodyPr/>
+          <a:lstStyle/>
+          <a:p>
+            <a:r>
+              <a:rPr lang="zh-CN" altLang="en-US" dirty="0"/>
+              <a:t> 散列</a:t>
+            </a:r>
+            <a:br>
+              <a:rPr lang="en-US" altLang="zh-CN" dirty="0"/>
+            </a:br>
+            <a:r>
+              <a:rPr lang="en-US" altLang="zh-CN" dirty="0"/>
+              <a:t>Hash</a:t>
+            </a:r>
+            <a:endParaRPr lang="zh-CN" altLang="en-US" dirty="0"/>
+          </a:p>
+        </p:txBody>
+      </p:sp>
+      <p:sp>
+        <p:nvSpPr>
+          <p:cNvPr id="6" name="文本占位符 5"/>
+          <p:cNvSpPr>
+            <a:spLocks noGrp="1"/>
+          </p:cNvSpPr>
+          <p:nvPr>
+            <p:ph type="body" sz="quarter" idx="13"/>
+          </p:nvPr>
+        </p:nvSpPr>
+        <p:spPr/>
+        <p:txBody>
+          <a:bodyPr/>
+          <a:lstStyle/>
+          <a:p>
+            <a:r>
+              <a:rPr lang="zh-CN" altLang="en-US" dirty="0"/>
+              <a:t>提供比</a:t>
+            </a:r>
+            <a:r>
+              <a:rPr lang="en-US" altLang="zh-CN" dirty="0" err="1"/>
+              <a:t>Object.hashCode</a:t>
+            </a:r>
+            <a:r>
+              <a:rPr lang="en-US" altLang="zh-CN" dirty="0"/>
+              <a:t>()</a:t>
+            </a:r>
+            <a:r>
+              <a:rPr lang="zh-CN" altLang="en-US" dirty="0"/>
+              <a:t>更复杂的散列实现，并提供布鲁姆过滤器的实现</a:t>
+            </a:r>
+          </a:p>
+        </p:txBody>
+      </p:sp>
+      <p:sp>
+        <p:nvSpPr>
+          <p:cNvPr id="9" name="文本占位符 8"/>
+          <p:cNvSpPr>
+            <a:spLocks noGrp="1"/>
+          </p:cNvSpPr>
+          <p:nvPr>
+            <p:ph type="body" sz="quarter" idx="14"/>
+          </p:nvPr>
+        </p:nvSpPr>
+        <p:spPr/>
+        <p:txBody>
+          <a:bodyPr/>
+          <a:lstStyle/>
+          <a:p>
+            <a:r>
+              <a:rPr lang="en-US" altLang="zh-CN" dirty="0"/>
+              <a:t>10</a:t>
+            </a:r>
+            <a:endParaRPr lang="zh-CN" altLang="en-US" dirty="0"/>
+          </a:p>
+        </p:txBody>
+      </p:sp>
+    </p:spTree>
+    <p:extLst>
+      <p:ext uri="{BB962C8B-B14F-4D97-AF65-F5344CB8AC3E}">
+        <p14:creationId xmlns:p14="http://schemas.microsoft.com/office/powerpoint/2010/main" val="1133101520"/>
+      </p:ext>
+    </p:extLst>
+  </p:cSld>
+  <p:clrMapOvr>
+    <a:masterClrMapping/>
+  </p:clrMapOvr>
+</p:sld>
+</file>
+
+<file path=ppt/slides/slide23.xml><?xml version="1.0" encoding="utf-8"?>
+<p:sld xmlns:a="http://schemas.openxmlformats.org/drawingml/2006/main" xmlns:r="http://schemas.openxmlformats.org/officeDocument/2006/relationships" xmlns:p="http://schemas.openxmlformats.org/presentationml/2006/main">
+  <p:cSld>
+    <p:spTree>
+      <p:nvGrpSpPr>
+        <p:cNvPr id="1" name=""/>
+        <p:cNvGrpSpPr/>
+        <p:nvPr/>
+      </p:nvGrpSpPr>
+      <p:grpSpPr>
+        <a:xfrm>
+          <a:off x="0" y="0"/>
+          <a:ext cx="0" cy="0"/>
+          <a:chOff x="0" y="0"/>
+          <a:chExt cx="0" cy="0"/>
+        </a:xfrm>
+      </p:grpSpPr>
+      <p:sp>
+        <p:nvSpPr>
+          <p:cNvPr id="8" name="标题 7"/>
+          <p:cNvSpPr>
+            <a:spLocks noGrp="1"/>
+          </p:cNvSpPr>
+          <p:nvPr>
+            <p:ph type="title"/>
+          </p:nvPr>
+        </p:nvSpPr>
+        <p:spPr/>
+        <p:txBody>
+          <a:bodyPr/>
+          <a:lstStyle/>
+          <a:p>
+            <a:r>
+              <a:rPr lang="zh-CN" altLang="en-US" dirty="0"/>
+              <a:t>事件总线</a:t>
+            </a:r>
+            <a:r>
+              <a:rPr lang="en-US" altLang="zh-CN" dirty="0"/>
+              <a:t>EventBus</a:t>
+            </a:r>
+            <a:endParaRPr lang="zh-CN" altLang="en-US" dirty="0"/>
+          </a:p>
+        </p:txBody>
+      </p:sp>
+      <p:sp>
+        <p:nvSpPr>
+          <p:cNvPr id="6" name="文本占位符 5"/>
+          <p:cNvSpPr>
+            <a:spLocks noGrp="1"/>
+          </p:cNvSpPr>
+          <p:nvPr>
+            <p:ph type="body" sz="quarter" idx="13"/>
+          </p:nvPr>
+        </p:nvSpPr>
+        <p:spPr/>
+        <p:txBody>
+          <a:bodyPr/>
+          <a:lstStyle/>
+          <a:p>
+            <a:r>
+              <a:rPr lang="zh-CN" altLang="en-US" dirty="0"/>
+              <a:t>发布</a:t>
+            </a:r>
+            <a:r>
+              <a:rPr lang="en-US" altLang="zh-CN" dirty="0"/>
+              <a:t>-</a:t>
+            </a:r>
+            <a:r>
+              <a:rPr lang="zh-CN" altLang="en-US" dirty="0"/>
+              <a:t>订阅模式的组件通信，但组件不需要显式地注册到其他组件中</a:t>
+            </a:r>
+          </a:p>
+        </p:txBody>
+      </p:sp>
+      <p:sp>
+        <p:nvSpPr>
+          <p:cNvPr id="9" name="文本占位符 8"/>
+          <p:cNvSpPr>
+            <a:spLocks noGrp="1"/>
+          </p:cNvSpPr>
+          <p:nvPr>
+            <p:ph type="body" sz="quarter" idx="14"/>
+          </p:nvPr>
+        </p:nvSpPr>
+        <p:spPr/>
+        <p:txBody>
+          <a:bodyPr/>
+          <a:lstStyle/>
+          <a:p>
+            <a:r>
+              <a:rPr lang="en-US" altLang="zh-CN" dirty="0"/>
+              <a:t>11</a:t>
+            </a:r>
+            <a:endParaRPr lang="zh-CN" altLang="en-US" dirty="0"/>
+          </a:p>
+        </p:txBody>
+      </p:sp>
+    </p:spTree>
+    <p:extLst>
+      <p:ext uri="{BB962C8B-B14F-4D97-AF65-F5344CB8AC3E}">
+        <p14:creationId xmlns:p14="http://schemas.microsoft.com/office/powerpoint/2010/main" val="2410405684"/>
+      </p:ext>
+    </p:extLst>
+  </p:cSld>
+  <p:clrMapOvr>
+    <a:masterClrMapping/>
+  </p:clrMapOvr>
+</p:sld>
+</file>
+
+<file path=ppt/slides/slide24.xml><?xml version="1.0" encoding="utf-8"?>
+<p:sld xmlns:a="http://schemas.openxmlformats.org/drawingml/2006/main" xmlns:r="http://schemas.openxmlformats.org/officeDocument/2006/relationships" xmlns:p="http://schemas.openxmlformats.org/presentationml/2006/main">
+  <p:cSld>
+    <p:spTree>
+      <p:nvGrpSpPr>
+        <p:cNvPr id="1" name=""/>
+        <p:cNvGrpSpPr/>
+        <p:nvPr/>
+      </p:nvGrpSpPr>
+      <p:grpSpPr>
+        <a:xfrm>
+          <a:off x="0" y="0"/>
+          <a:ext cx="0" cy="0"/>
+          <a:chOff x="0" y="0"/>
+          <a:chExt cx="0" cy="0"/>
+        </a:xfrm>
+      </p:grpSpPr>
+      <p:sp>
+        <p:nvSpPr>
+          <p:cNvPr id="8" name="标题 7"/>
+          <p:cNvSpPr>
+            <a:spLocks noGrp="1"/>
+          </p:cNvSpPr>
+          <p:nvPr>
+            <p:ph type="title"/>
+          </p:nvPr>
+        </p:nvSpPr>
+        <p:spPr/>
+        <p:txBody>
+          <a:bodyPr/>
+          <a:lstStyle/>
+          <a:p>
+            <a:r>
+              <a:rPr lang="zh-CN" altLang="en-US" dirty="0"/>
+              <a:t>数学运算</a:t>
+            </a:r>
+            <a:br>
+              <a:rPr lang="en-US" altLang="zh-CN" dirty="0"/>
+            </a:br>
+            <a:r>
+              <a:rPr lang="en-US" altLang="zh-CN" dirty="0"/>
+              <a:t>Math</a:t>
+            </a:r>
+            <a:endParaRPr lang="zh-CN" altLang="en-US" dirty="0"/>
+          </a:p>
+        </p:txBody>
+      </p:sp>
+      <p:sp>
+        <p:nvSpPr>
+          <p:cNvPr id="6" name="文本占位符 5"/>
+          <p:cNvSpPr>
+            <a:spLocks noGrp="1"/>
+          </p:cNvSpPr>
+          <p:nvPr>
+            <p:ph type="body" sz="quarter" idx="13"/>
+          </p:nvPr>
+        </p:nvSpPr>
+        <p:spPr/>
+        <p:txBody>
+          <a:bodyPr/>
+          <a:lstStyle/>
+          <a:p>
+            <a:r>
+              <a:rPr lang="zh-CN" altLang="en-US" dirty="0"/>
+              <a:t>优化的、充分测试的数学工具类</a:t>
+            </a:r>
+          </a:p>
+        </p:txBody>
+      </p:sp>
+      <p:sp>
+        <p:nvSpPr>
+          <p:cNvPr id="9" name="文本占位符 8"/>
+          <p:cNvSpPr>
+            <a:spLocks noGrp="1"/>
+          </p:cNvSpPr>
+          <p:nvPr>
+            <p:ph type="body" sz="quarter" idx="14"/>
+          </p:nvPr>
+        </p:nvSpPr>
+        <p:spPr/>
+        <p:txBody>
+          <a:bodyPr/>
+          <a:lstStyle/>
+          <a:p>
+            <a:r>
+              <a:rPr lang="en-US" altLang="zh-CN" dirty="0"/>
+              <a:t>12</a:t>
+            </a:r>
+            <a:endParaRPr lang="zh-CN" altLang="en-US" dirty="0"/>
+          </a:p>
+        </p:txBody>
+      </p:sp>
+    </p:spTree>
+    <p:extLst>
+      <p:ext uri="{BB962C8B-B14F-4D97-AF65-F5344CB8AC3E}">
+        <p14:creationId xmlns:p14="http://schemas.microsoft.com/office/powerpoint/2010/main" val="3964344473"/>
+      </p:ext>
+    </p:extLst>
+  </p:cSld>
+  <p:clrMapOvr>
+    <a:masterClrMapping/>
+  </p:clrMapOvr>
+</p:sld>
+</file>
+
+<file path=ppt/slides/slide25.xml><?xml version="1.0" encoding="utf-8"?>
+<p:sld xmlns:a="http://schemas.openxmlformats.org/drawingml/2006/main" xmlns:r="http://schemas.openxmlformats.org/officeDocument/2006/relationships" xmlns:p="http://schemas.openxmlformats.org/presentationml/2006/main">
+  <p:cSld>
+    <p:spTree>
+      <p:nvGrpSpPr>
+        <p:cNvPr id="1" name=""/>
+        <p:cNvGrpSpPr/>
+        <p:nvPr/>
+      </p:nvGrpSpPr>
+      <p:grpSpPr>
+        <a:xfrm>
+          <a:off x="0" y="0"/>
+          <a:ext cx="0" cy="0"/>
+          <a:chOff x="0" y="0"/>
+          <a:chExt cx="0" cy="0"/>
+        </a:xfrm>
+      </p:grpSpPr>
+      <p:sp>
+        <p:nvSpPr>
+          <p:cNvPr id="8" name="标题 7"/>
+          <p:cNvSpPr>
+            <a:spLocks noGrp="1"/>
+          </p:cNvSpPr>
+          <p:nvPr>
+            <p:ph type="title"/>
+          </p:nvPr>
+        </p:nvSpPr>
+        <p:spPr/>
+        <p:txBody>
+          <a:bodyPr/>
+          <a:lstStyle/>
+          <a:p>
+            <a:r>
+              <a:rPr lang="zh-CN" altLang="en-US" dirty="0"/>
+              <a:t>反射</a:t>
+            </a:r>
+            <a:br>
+              <a:rPr lang="en-US" altLang="zh-CN" dirty="0"/>
+            </a:br>
+            <a:r>
+              <a:rPr lang="en-US" altLang="zh-CN" dirty="0"/>
+              <a:t>Reflection</a:t>
+            </a:r>
+            <a:endParaRPr lang="zh-CN" altLang="en-US" dirty="0"/>
+          </a:p>
+        </p:txBody>
+      </p:sp>
+      <p:sp>
+        <p:nvSpPr>
+          <p:cNvPr id="6" name="文本占位符 5"/>
+          <p:cNvSpPr>
+            <a:spLocks noGrp="1"/>
+          </p:cNvSpPr>
+          <p:nvPr>
+            <p:ph type="body" sz="quarter" idx="13"/>
+          </p:nvPr>
+        </p:nvSpPr>
+        <p:spPr/>
+        <p:txBody>
+          <a:bodyPr/>
+          <a:lstStyle/>
+          <a:p>
+            <a:r>
+              <a:rPr lang="en-US" altLang="zh-CN" dirty="0"/>
+              <a:t>Guava </a:t>
+            </a:r>
+            <a:r>
+              <a:rPr lang="zh-CN" altLang="en-US" dirty="0"/>
+              <a:t>的 </a:t>
+            </a:r>
+            <a:r>
+              <a:rPr lang="en-US" altLang="zh-CN" dirty="0"/>
+              <a:t>Java </a:t>
+            </a:r>
+            <a:r>
+              <a:rPr lang="zh-CN" altLang="en-US" dirty="0"/>
+              <a:t>反射机制工具类</a:t>
+            </a:r>
+          </a:p>
+        </p:txBody>
+      </p:sp>
+      <p:sp>
+        <p:nvSpPr>
+          <p:cNvPr id="9" name="文本占位符 8"/>
+          <p:cNvSpPr>
+            <a:spLocks noGrp="1"/>
+          </p:cNvSpPr>
+          <p:nvPr>
+            <p:ph type="body" sz="quarter" idx="14"/>
+          </p:nvPr>
+        </p:nvSpPr>
+        <p:spPr/>
+        <p:txBody>
+          <a:bodyPr/>
+          <a:lstStyle/>
+          <a:p>
+            <a:r>
+              <a:rPr lang="en-US" altLang="zh-CN" dirty="0"/>
+              <a:t>13</a:t>
+            </a:r>
+            <a:endParaRPr lang="zh-CN" altLang="en-US" dirty="0"/>
+          </a:p>
+        </p:txBody>
+      </p:sp>
+    </p:spTree>
+    <p:extLst>
+      <p:ext uri="{BB962C8B-B14F-4D97-AF65-F5344CB8AC3E}">
+        <p14:creationId xmlns:p14="http://schemas.microsoft.com/office/powerpoint/2010/main" val="1688479900"/>
+      </p:ext>
+    </p:extLst>
+  </p:cSld>
+  <p:clrMapOvr>
+    <a:masterClrMapping/>
+  </p:clrMapOvr>
+</p:sld>
+</file>
+
+<file path=ppt/slides/slide26.xml><?xml version="1.0" encoding="utf-8"?>
+<p:sld xmlns:a="http://schemas.openxmlformats.org/drawingml/2006/main" xmlns:r="http://schemas.openxmlformats.org/officeDocument/2006/relationships" xmlns:p="http://schemas.openxmlformats.org/presentationml/2006/main">
+  <p:cSld>
+    <p:spTree>
+      <p:nvGrpSpPr>
+        <p:cNvPr id="1" name=""/>
+        <p:cNvGrpSpPr/>
+        <p:nvPr/>
+      </p:nvGrpSpPr>
+      <p:grpSpPr>
+        <a:xfrm>
+          <a:off x="0" y="0"/>
+          <a:ext cx="0" cy="0"/>
+          <a:chOff x="0" y="0"/>
+          <a:chExt cx="0" cy="0"/>
+        </a:xfrm>
+      </p:grpSpPr>
+    </p:spTree>
+    <p:extLst>
+      <p:ext uri="{BB962C8B-B14F-4D97-AF65-F5344CB8AC3E}">
+        <p14:creationId xmlns:p14="http://schemas.microsoft.com/office/powerpoint/2010/main" val="791654222"/>
       </p:ext>
     </p:extLst>
   </p:cSld>
@@ -13867,6 +14436,1361 @@
           </a:p>
         </p:txBody>
       </p:sp>
+      <p:graphicFrame>
+        <p:nvGraphicFramePr>
+          <p:cNvPr id="4" name="表格 3">
+            <a:extLst>
+              <a:ext uri="{FF2B5EF4-FFF2-40B4-BE49-F238E27FC236}">
+                <a16:creationId xmlns:a16="http://schemas.microsoft.com/office/drawing/2014/main" id="{637D5EA8-9FC3-464B-AC35-97EA12578D93}"/>
+              </a:ext>
+            </a:extLst>
+          </p:cNvPr>
+          <p:cNvGraphicFramePr>
+            <a:graphicFrameLocks noGrp="1"/>
+          </p:cNvGraphicFramePr>
+          <p:nvPr>
+            <p:extLst>
+              <p:ext uri="{D42A27DB-BD31-4B8C-83A1-F6EECF244321}">
+                <p14:modId xmlns:p14="http://schemas.microsoft.com/office/powerpoint/2010/main" val="2598391598"/>
+              </p:ext>
+            </p:extLst>
+          </p:nvPr>
+        </p:nvGraphicFramePr>
+        <p:xfrm>
+          <a:off x="215156" y="1707096"/>
+          <a:ext cx="7422777" cy="4311963"/>
+        </p:xfrm>
+        <a:graphic>
+          <a:graphicData uri="http://schemas.openxmlformats.org/drawingml/2006/table">
+            <a:tbl>
+              <a:tblPr/>
+              <a:tblGrid>
+                <a:gridCol w="2340940">
+                  <a:extLst>
+                    <a:ext uri="{9D8B030D-6E8A-4147-A177-3AD203B41FA5}">
+                      <a16:colId xmlns:a16="http://schemas.microsoft.com/office/drawing/2014/main" val="2022965911"/>
+                    </a:ext>
+                  </a:extLst>
+                </a:gridCol>
+                <a:gridCol w="2611500">
+                  <a:extLst>
+                    <a:ext uri="{9D8B030D-6E8A-4147-A177-3AD203B41FA5}">
+                      <a16:colId xmlns:a16="http://schemas.microsoft.com/office/drawing/2014/main" val="1329702936"/>
+                    </a:ext>
+                  </a:extLst>
+                </a:gridCol>
+                <a:gridCol w="2470337">
+                  <a:extLst>
+                    <a:ext uri="{9D8B030D-6E8A-4147-A177-3AD203B41FA5}">
+                      <a16:colId xmlns:a16="http://schemas.microsoft.com/office/drawing/2014/main" val="1163792035"/>
+                    </a:ext>
+                  </a:extLst>
+                </a:gridCol>
+              </a:tblGrid>
+              <a:tr h="447757">
+                <a:tc>
+                  <a:txBody>
+                    <a:bodyPr/>
+                    <a:lstStyle/>
+                    <a:p>
+                      <a:r>
+                        <a:rPr lang="zh-CN" altLang="en-US" sz="1200" b="1">
+                          <a:effectLst/>
+                        </a:rPr>
+                        <a:t>方法声明（不包括额外参数）</a:t>
+                      </a:r>
+                      <a:endParaRPr lang="zh-CN" altLang="en-US" sz="1200">
+                        <a:effectLst/>
+                      </a:endParaRPr>
+                    </a:p>
+                  </a:txBody>
+                  <a:tcPr marL="77371" marR="77371" marT="77371" marB="77371" anchor="ctr">
+                    <a:lnL w="9525" cap="flat" cmpd="sng" algn="ctr">
+                      <a:solidFill>
+                        <a:srgbClr val="CCCCCC"/>
+                      </a:solidFill>
+                      <a:prstDash val="solid"/>
+                      <a:round/>
+                      <a:headEnd type="none" w="med" len="med"/>
+                      <a:tailEnd type="none" w="med" len="med"/>
+                    </a:lnL>
+                    <a:lnR w="9525" cap="flat" cmpd="sng" algn="ctr">
+                      <a:solidFill>
+                        <a:srgbClr val="CCCCCC"/>
+                      </a:solidFill>
+                      <a:prstDash val="solid"/>
+                      <a:round/>
+                      <a:headEnd type="none" w="med" len="med"/>
+                      <a:tailEnd type="none" w="med" len="med"/>
+                    </a:lnR>
+                    <a:lnT w="9525" cap="flat" cmpd="sng" algn="ctr">
+                      <a:solidFill>
+                        <a:srgbClr val="CCCCCC"/>
+                      </a:solidFill>
+                      <a:prstDash val="solid"/>
+                      <a:round/>
+                      <a:headEnd type="none" w="med" len="med"/>
+                      <a:tailEnd type="none" w="med" len="med"/>
+                    </a:lnT>
+                    <a:lnB w="9525" cap="flat" cmpd="sng" algn="ctr">
+                      <a:solidFill>
+                        <a:srgbClr val="CCCCCC"/>
+                      </a:solidFill>
+                      <a:prstDash val="solid"/>
+                      <a:round/>
+                      <a:headEnd type="none" w="med" len="med"/>
+                      <a:tailEnd type="none" w="med" len="med"/>
+                    </a:lnB>
+                  </a:tcPr>
+                </a:tc>
+                <a:tc>
+                  <a:txBody>
+                    <a:bodyPr/>
+                    <a:lstStyle/>
+                    <a:p>
+                      <a:r>
+                        <a:rPr lang="zh-CN" altLang="en-US" sz="1200" b="1">
+                          <a:effectLst/>
+                        </a:rPr>
+                        <a:t>描述</a:t>
+                      </a:r>
+                      <a:endParaRPr lang="zh-CN" altLang="en-US" sz="1200">
+                        <a:effectLst/>
+                      </a:endParaRPr>
+                    </a:p>
+                  </a:txBody>
+                  <a:tcPr marL="77371" marR="77371" marT="77371" marB="77371">
+                    <a:lnL w="9525" cap="flat" cmpd="sng" algn="ctr">
+                      <a:solidFill>
+                        <a:srgbClr val="CCCCCC"/>
+                      </a:solidFill>
+                      <a:prstDash val="solid"/>
+                      <a:round/>
+                      <a:headEnd type="none" w="med" len="med"/>
+                      <a:tailEnd type="none" w="med" len="med"/>
+                    </a:lnL>
+                    <a:lnR w="9525" cap="flat" cmpd="sng" algn="ctr">
+                      <a:solidFill>
+                        <a:srgbClr val="CCCCCC"/>
+                      </a:solidFill>
+                      <a:prstDash val="solid"/>
+                      <a:round/>
+                      <a:headEnd type="none" w="med" len="med"/>
+                      <a:tailEnd type="none" w="med" len="med"/>
+                    </a:lnR>
+                    <a:lnT w="9525" cap="flat" cmpd="sng" algn="ctr">
+                      <a:solidFill>
+                        <a:srgbClr val="CCCCCC"/>
+                      </a:solidFill>
+                      <a:prstDash val="solid"/>
+                      <a:round/>
+                      <a:headEnd type="none" w="med" len="med"/>
+                      <a:tailEnd type="none" w="med" len="med"/>
+                    </a:lnT>
+                    <a:lnB w="9525" cap="flat" cmpd="sng" algn="ctr">
+                      <a:solidFill>
+                        <a:srgbClr val="CCCCCC"/>
+                      </a:solidFill>
+                      <a:prstDash val="solid"/>
+                      <a:round/>
+                      <a:headEnd type="none" w="med" len="med"/>
+                      <a:tailEnd type="none" w="med" len="med"/>
+                    </a:lnB>
+                  </a:tcPr>
+                </a:tc>
+                <a:tc>
+                  <a:txBody>
+                    <a:bodyPr/>
+                    <a:lstStyle/>
+                    <a:p>
+                      <a:r>
+                        <a:rPr lang="zh-CN" altLang="en-US" sz="1200" b="1">
+                          <a:effectLst/>
+                        </a:rPr>
+                        <a:t>检查失败时抛出的异常</a:t>
+                      </a:r>
+                      <a:endParaRPr lang="zh-CN" altLang="en-US" sz="1200">
+                        <a:effectLst/>
+                      </a:endParaRPr>
+                    </a:p>
+                  </a:txBody>
+                  <a:tcPr marL="77371" marR="77371" marT="77371" marB="77371">
+                    <a:lnL w="9525" cap="flat" cmpd="sng" algn="ctr">
+                      <a:solidFill>
+                        <a:srgbClr val="CCCCCC"/>
+                      </a:solidFill>
+                      <a:prstDash val="solid"/>
+                      <a:round/>
+                      <a:headEnd type="none" w="med" len="med"/>
+                      <a:tailEnd type="none" w="med" len="med"/>
+                    </a:lnL>
+                    <a:lnR w="9525" cap="flat" cmpd="sng" algn="ctr">
+                      <a:solidFill>
+                        <a:srgbClr val="CCCCCC"/>
+                      </a:solidFill>
+                      <a:prstDash val="solid"/>
+                      <a:round/>
+                      <a:headEnd type="none" w="med" len="med"/>
+                      <a:tailEnd type="none" w="med" len="med"/>
+                    </a:lnR>
+                    <a:lnT w="9525" cap="flat" cmpd="sng" algn="ctr">
+                      <a:solidFill>
+                        <a:srgbClr val="CCCCCC"/>
+                      </a:solidFill>
+                      <a:prstDash val="solid"/>
+                      <a:round/>
+                      <a:headEnd type="none" w="med" len="med"/>
+                      <a:tailEnd type="none" w="med" len="med"/>
+                    </a:lnT>
+                    <a:lnB w="9525" cap="flat" cmpd="sng" algn="ctr">
+                      <a:solidFill>
+                        <a:srgbClr val="CCCCCC"/>
+                      </a:solidFill>
+                      <a:prstDash val="solid"/>
+                      <a:round/>
+                      <a:headEnd type="none" w="med" len="med"/>
+                      <a:tailEnd type="none" w="med" len="med"/>
+                    </a:lnB>
+                  </a:tcPr>
+                </a:tc>
+                <a:extLst>
+                  <a:ext uri="{0D108BD9-81ED-4DB2-BD59-A6C34878D82A}">
+                    <a16:rowId xmlns:a16="http://schemas.microsoft.com/office/drawing/2014/main" val="517017331"/>
+                  </a:ext>
+                </a:extLst>
+              </a:tr>
+              <a:tr h="594965">
+                <a:tc>
+                  <a:txBody>
+                    <a:bodyPr/>
+                    <a:lstStyle/>
+                    <a:p>
+                      <a:r>
+                        <a:rPr lang="en-US" sz="1200" u="none" dirty="0">
+                          <a:solidFill>
+                            <a:srgbClr val="00A19E"/>
+                          </a:solidFill>
+                          <a:effectLst/>
+                        </a:rPr>
+                        <a:t>checkArgument(boolean)</a:t>
+                      </a:r>
+                      <a:endParaRPr lang="en-US" sz="1200" u="none" dirty="0">
+                        <a:effectLst/>
+                      </a:endParaRPr>
+                    </a:p>
+                  </a:txBody>
+                  <a:tcPr marL="77371" marR="77371" marT="77371" marB="77371" anchor="ctr">
+                    <a:lnL w="9525" cap="flat" cmpd="sng" algn="ctr">
+                      <a:solidFill>
+                        <a:srgbClr val="CCCCCC"/>
+                      </a:solidFill>
+                      <a:prstDash val="solid"/>
+                      <a:round/>
+                      <a:headEnd type="none" w="med" len="med"/>
+                      <a:tailEnd type="none" w="med" len="med"/>
+                    </a:lnL>
+                    <a:lnR w="9525" cap="flat" cmpd="sng" algn="ctr">
+                      <a:solidFill>
+                        <a:srgbClr val="CCCCCC"/>
+                      </a:solidFill>
+                      <a:prstDash val="solid"/>
+                      <a:round/>
+                      <a:headEnd type="none" w="med" len="med"/>
+                      <a:tailEnd type="none" w="med" len="med"/>
+                    </a:lnR>
+                    <a:lnT w="9525" cap="flat" cmpd="sng" algn="ctr">
+                      <a:solidFill>
+                        <a:srgbClr val="CCCCCC"/>
+                      </a:solidFill>
+                      <a:prstDash val="solid"/>
+                      <a:round/>
+                      <a:headEnd type="none" w="med" len="med"/>
+                      <a:tailEnd type="none" w="med" len="med"/>
+                    </a:lnT>
+                    <a:lnB w="9525" cap="flat" cmpd="sng" algn="ctr">
+                      <a:solidFill>
+                        <a:srgbClr val="CCCCCC"/>
+                      </a:solidFill>
+                      <a:prstDash val="solid"/>
+                      <a:round/>
+                      <a:headEnd type="none" w="med" len="med"/>
+                      <a:tailEnd type="none" w="med" len="med"/>
+                    </a:lnB>
+                  </a:tcPr>
+                </a:tc>
+                <a:tc>
+                  <a:txBody>
+                    <a:bodyPr/>
+                    <a:lstStyle/>
+                    <a:p>
+                      <a:r>
+                        <a:rPr lang="zh-CN" altLang="en-US" sz="1200" dirty="0">
+                          <a:effectLst/>
+                        </a:rPr>
+                        <a:t>检查</a:t>
+                      </a:r>
+                      <a:r>
+                        <a:rPr lang="en-US" altLang="zh-CN" sz="1200" dirty="0">
+                          <a:effectLst/>
+                        </a:rPr>
+                        <a:t>boolean</a:t>
+                      </a:r>
+                      <a:r>
+                        <a:rPr lang="zh-CN" altLang="en-US" sz="1200" dirty="0">
+                          <a:effectLst/>
+                        </a:rPr>
+                        <a:t>是否为</a:t>
+                      </a:r>
+                      <a:r>
+                        <a:rPr lang="en-US" altLang="zh-CN" sz="1200" dirty="0">
+                          <a:effectLst/>
+                        </a:rPr>
+                        <a:t>true</a:t>
+                      </a:r>
+                      <a:r>
+                        <a:rPr lang="zh-CN" altLang="en-US" sz="1200" dirty="0">
+                          <a:effectLst/>
+                        </a:rPr>
+                        <a:t>，用来检查传递给方法的参数。</a:t>
+                      </a:r>
+                    </a:p>
+                  </a:txBody>
+                  <a:tcPr marL="77371" marR="77371" marT="77371" marB="77371" anchor="ctr">
+                    <a:lnL w="9525" cap="flat" cmpd="sng" algn="ctr">
+                      <a:solidFill>
+                        <a:srgbClr val="CCCCCC"/>
+                      </a:solidFill>
+                      <a:prstDash val="solid"/>
+                      <a:round/>
+                      <a:headEnd type="none" w="med" len="med"/>
+                      <a:tailEnd type="none" w="med" len="med"/>
+                    </a:lnL>
+                    <a:lnR w="9525" cap="flat" cmpd="sng" algn="ctr">
+                      <a:solidFill>
+                        <a:srgbClr val="CCCCCC"/>
+                      </a:solidFill>
+                      <a:prstDash val="solid"/>
+                      <a:round/>
+                      <a:headEnd type="none" w="med" len="med"/>
+                      <a:tailEnd type="none" w="med" len="med"/>
+                    </a:lnR>
+                    <a:lnT w="9525" cap="flat" cmpd="sng" algn="ctr">
+                      <a:solidFill>
+                        <a:srgbClr val="CCCCCC"/>
+                      </a:solidFill>
+                      <a:prstDash val="solid"/>
+                      <a:round/>
+                      <a:headEnd type="none" w="med" len="med"/>
+                      <a:tailEnd type="none" w="med" len="med"/>
+                    </a:lnT>
+                    <a:lnB w="9525" cap="flat" cmpd="sng" algn="ctr">
+                      <a:solidFill>
+                        <a:srgbClr val="CCCCCC"/>
+                      </a:solidFill>
+                      <a:prstDash val="solid"/>
+                      <a:round/>
+                      <a:headEnd type="none" w="med" len="med"/>
+                      <a:tailEnd type="none" w="med" len="med"/>
+                    </a:lnB>
+                  </a:tcPr>
+                </a:tc>
+                <a:tc>
+                  <a:txBody>
+                    <a:bodyPr/>
+                    <a:lstStyle/>
+                    <a:p>
+                      <a:r>
+                        <a:rPr lang="en-US" sz="1200">
+                          <a:effectLst/>
+                        </a:rPr>
+                        <a:t>IllegalArgumentException</a:t>
+                      </a:r>
+                    </a:p>
+                  </a:txBody>
+                  <a:tcPr marL="77371" marR="77371" marT="77371" marB="77371" anchor="ctr">
+                    <a:lnL w="9525" cap="flat" cmpd="sng" algn="ctr">
+                      <a:solidFill>
+                        <a:srgbClr val="CCCCCC"/>
+                      </a:solidFill>
+                      <a:prstDash val="solid"/>
+                      <a:round/>
+                      <a:headEnd type="none" w="med" len="med"/>
+                      <a:tailEnd type="none" w="med" len="med"/>
+                    </a:lnL>
+                    <a:lnR w="9525" cap="flat" cmpd="sng" algn="ctr">
+                      <a:solidFill>
+                        <a:srgbClr val="CCCCCC"/>
+                      </a:solidFill>
+                      <a:prstDash val="solid"/>
+                      <a:round/>
+                      <a:headEnd type="none" w="med" len="med"/>
+                      <a:tailEnd type="none" w="med" len="med"/>
+                    </a:lnR>
+                    <a:lnT w="9525" cap="flat" cmpd="sng" algn="ctr">
+                      <a:solidFill>
+                        <a:srgbClr val="CCCCCC"/>
+                      </a:solidFill>
+                      <a:prstDash val="solid"/>
+                      <a:round/>
+                      <a:headEnd type="none" w="med" len="med"/>
+                      <a:tailEnd type="none" w="med" len="med"/>
+                    </a:lnT>
+                    <a:lnB w="9525" cap="flat" cmpd="sng" algn="ctr">
+                      <a:solidFill>
+                        <a:srgbClr val="CCCCCC"/>
+                      </a:solidFill>
+                      <a:prstDash val="solid"/>
+                      <a:round/>
+                      <a:headEnd type="none" w="med" len="med"/>
+                      <a:tailEnd type="none" w="med" len="med"/>
+                    </a:lnB>
+                  </a:tcPr>
+                </a:tc>
+                <a:extLst>
+                  <a:ext uri="{0D108BD9-81ED-4DB2-BD59-A6C34878D82A}">
+                    <a16:rowId xmlns:a16="http://schemas.microsoft.com/office/drawing/2014/main" val="541747040"/>
+                  </a:ext>
+                </a:extLst>
+              </a:tr>
+              <a:tr h="742173">
+                <a:tc>
+                  <a:txBody>
+                    <a:bodyPr/>
+                    <a:lstStyle/>
+                    <a:p>
+                      <a:r>
+                        <a:rPr lang="en-US" sz="1200" u="none" dirty="0">
+                          <a:solidFill>
+                            <a:srgbClr val="00A19E"/>
+                          </a:solidFill>
+                          <a:effectLst/>
+                        </a:rPr>
+                        <a:t>checkNotNull(T)</a:t>
+                      </a:r>
+                      <a:endParaRPr lang="en-US" sz="1200" u="none" dirty="0">
+                        <a:effectLst/>
+                      </a:endParaRPr>
+                    </a:p>
+                  </a:txBody>
+                  <a:tcPr marL="77371" marR="77371" marT="77371" marB="77371" anchor="ctr">
+                    <a:lnL w="9525" cap="flat" cmpd="sng" algn="ctr">
+                      <a:solidFill>
+                        <a:srgbClr val="CCCCCC"/>
+                      </a:solidFill>
+                      <a:prstDash val="solid"/>
+                      <a:round/>
+                      <a:headEnd type="none" w="med" len="med"/>
+                      <a:tailEnd type="none" w="med" len="med"/>
+                    </a:lnL>
+                    <a:lnR w="9525" cap="flat" cmpd="sng" algn="ctr">
+                      <a:solidFill>
+                        <a:srgbClr val="CCCCCC"/>
+                      </a:solidFill>
+                      <a:prstDash val="solid"/>
+                      <a:round/>
+                      <a:headEnd type="none" w="med" len="med"/>
+                      <a:tailEnd type="none" w="med" len="med"/>
+                    </a:lnR>
+                    <a:lnT w="9525" cap="flat" cmpd="sng" algn="ctr">
+                      <a:solidFill>
+                        <a:srgbClr val="CCCCCC"/>
+                      </a:solidFill>
+                      <a:prstDash val="solid"/>
+                      <a:round/>
+                      <a:headEnd type="none" w="med" len="med"/>
+                      <a:tailEnd type="none" w="med" len="med"/>
+                    </a:lnT>
+                    <a:lnB w="9525" cap="flat" cmpd="sng" algn="ctr">
+                      <a:solidFill>
+                        <a:srgbClr val="CCCCCC"/>
+                      </a:solidFill>
+                      <a:prstDash val="solid"/>
+                      <a:round/>
+                      <a:headEnd type="none" w="med" len="med"/>
+                      <a:tailEnd type="none" w="med" len="med"/>
+                    </a:lnB>
+                  </a:tcPr>
+                </a:tc>
+                <a:tc>
+                  <a:txBody>
+                    <a:bodyPr/>
+                    <a:lstStyle/>
+                    <a:p>
+                      <a:r>
+                        <a:rPr lang="zh-CN" altLang="en-US" sz="1200" dirty="0">
+                          <a:effectLst/>
+                        </a:rPr>
+                        <a:t>检查</a:t>
+                      </a:r>
+                      <a:r>
+                        <a:rPr lang="en-US" sz="1200" dirty="0">
+                          <a:effectLst/>
+                        </a:rPr>
+                        <a:t>value</a:t>
+                      </a:r>
+                      <a:r>
+                        <a:rPr lang="zh-CN" altLang="en-US" sz="1200" dirty="0">
+                          <a:effectLst/>
+                        </a:rPr>
+                        <a:t>是否为</a:t>
+                      </a:r>
+                      <a:r>
+                        <a:rPr lang="en-US" sz="1200" dirty="0">
+                          <a:effectLst/>
+                        </a:rPr>
+                        <a:t>null，</a:t>
+                      </a:r>
+                      <a:r>
+                        <a:rPr lang="zh-CN" altLang="en-US" sz="1200" dirty="0">
+                          <a:effectLst/>
+                        </a:rPr>
+                        <a:t>该方法直接返回</a:t>
+                      </a:r>
+                      <a:r>
+                        <a:rPr lang="en-US" sz="1200" dirty="0">
+                          <a:effectLst/>
+                        </a:rPr>
+                        <a:t>value，</a:t>
+                      </a:r>
+                      <a:r>
+                        <a:rPr lang="zh-CN" altLang="en-US" sz="1200" dirty="0">
+                          <a:effectLst/>
+                        </a:rPr>
+                        <a:t>因此可以内嵌使用</a:t>
+                      </a:r>
+                      <a:r>
+                        <a:rPr lang="en-US" sz="1200" dirty="0">
+                          <a:effectLst/>
+                        </a:rPr>
+                        <a:t>checkNotNull。</a:t>
+                      </a:r>
+                    </a:p>
+                  </a:txBody>
+                  <a:tcPr marL="77371" marR="77371" marT="77371" marB="77371" anchor="ctr">
+                    <a:lnL w="9525" cap="flat" cmpd="sng" algn="ctr">
+                      <a:solidFill>
+                        <a:srgbClr val="CCCCCC"/>
+                      </a:solidFill>
+                      <a:prstDash val="solid"/>
+                      <a:round/>
+                      <a:headEnd type="none" w="med" len="med"/>
+                      <a:tailEnd type="none" w="med" len="med"/>
+                    </a:lnL>
+                    <a:lnR w="9525" cap="flat" cmpd="sng" algn="ctr">
+                      <a:solidFill>
+                        <a:srgbClr val="CCCCCC"/>
+                      </a:solidFill>
+                      <a:prstDash val="solid"/>
+                      <a:round/>
+                      <a:headEnd type="none" w="med" len="med"/>
+                      <a:tailEnd type="none" w="med" len="med"/>
+                    </a:lnR>
+                    <a:lnT w="9525" cap="flat" cmpd="sng" algn="ctr">
+                      <a:solidFill>
+                        <a:srgbClr val="CCCCCC"/>
+                      </a:solidFill>
+                      <a:prstDash val="solid"/>
+                      <a:round/>
+                      <a:headEnd type="none" w="med" len="med"/>
+                      <a:tailEnd type="none" w="med" len="med"/>
+                    </a:lnT>
+                    <a:lnB w="9525" cap="flat" cmpd="sng" algn="ctr">
+                      <a:solidFill>
+                        <a:srgbClr val="CCCCCC"/>
+                      </a:solidFill>
+                      <a:prstDash val="solid"/>
+                      <a:round/>
+                      <a:headEnd type="none" w="med" len="med"/>
+                      <a:tailEnd type="none" w="med" len="med"/>
+                    </a:lnB>
+                  </a:tcPr>
+                </a:tc>
+                <a:tc>
+                  <a:txBody>
+                    <a:bodyPr/>
+                    <a:lstStyle/>
+                    <a:p>
+                      <a:r>
+                        <a:rPr lang="en-US" sz="1200" dirty="0">
+                          <a:effectLst/>
+                        </a:rPr>
+                        <a:t>NullPointerException</a:t>
+                      </a:r>
+                    </a:p>
+                  </a:txBody>
+                  <a:tcPr marL="77371" marR="77371" marT="77371" marB="77371" anchor="ctr">
+                    <a:lnL w="9525" cap="flat" cmpd="sng" algn="ctr">
+                      <a:solidFill>
+                        <a:srgbClr val="CCCCCC"/>
+                      </a:solidFill>
+                      <a:prstDash val="solid"/>
+                      <a:round/>
+                      <a:headEnd type="none" w="med" len="med"/>
+                      <a:tailEnd type="none" w="med" len="med"/>
+                    </a:lnL>
+                    <a:lnR w="9525" cap="flat" cmpd="sng" algn="ctr">
+                      <a:solidFill>
+                        <a:srgbClr val="CCCCCC"/>
+                      </a:solidFill>
+                      <a:prstDash val="solid"/>
+                      <a:round/>
+                      <a:headEnd type="none" w="med" len="med"/>
+                      <a:tailEnd type="none" w="med" len="med"/>
+                    </a:lnR>
+                    <a:lnT w="9525" cap="flat" cmpd="sng" algn="ctr">
+                      <a:solidFill>
+                        <a:srgbClr val="CCCCCC"/>
+                      </a:solidFill>
+                      <a:prstDash val="solid"/>
+                      <a:round/>
+                      <a:headEnd type="none" w="med" len="med"/>
+                      <a:tailEnd type="none" w="med" len="med"/>
+                    </a:lnT>
+                    <a:lnB w="9525" cap="flat" cmpd="sng" algn="ctr">
+                      <a:solidFill>
+                        <a:srgbClr val="CCCCCC"/>
+                      </a:solidFill>
+                      <a:prstDash val="solid"/>
+                      <a:round/>
+                      <a:headEnd type="none" w="med" len="med"/>
+                      <a:tailEnd type="none" w="med" len="med"/>
+                    </a:lnB>
+                  </a:tcPr>
+                </a:tc>
+                <a:extLst>
+                  <a:ext uri="{0D108BD9-81ED-4DB2-BD59-A6C34878D82A}">
+                    <a16:rowId xmlns:a16="http://schemas.microsoft.com/office/drawing/2014/main" val="3500076057"/>
+                  </a:ext>
+                </a:extLst>
+              </a:tr>
+              <a:tr h="447757">
+                <a:tc>
+                  <a:txBody>
+                    <a:bodyPr/>
+                    <a:lstStyle/>
+                    <a:p>
+                      <a:r>
+                        <a:rPr lang="en-US" sz="1200" u="none" dirty="0">
+                          <a:solidFill>
+                            <a:srgbClr val="00A19E"/>
+                          </a:solidFill>
+                          <a:effectLst/>
+                        </a:rPr>
+                        <a:t>checkState(boolean)</a:t>
+                      </a:r>
+                      <a:endParaRPr lang="en-US" sz="1200" u="none" dirty="0">
+                        <a:effectLst/>
+                      </a:endParaRPr>
+                    </a:p>
+                  </a:txBody>
+                  <a:tcPr marL="77371" marR="77371" marT="77371" marB="77371" anchor="ctr">
+                    <a:lnL w="9525" cap="flat" cmpd="sng" algn="ctr">
+                      <a:solidFill>
+                        <a:srgbClr val="CCCCCC"/>
+                      </a:solidFill>
+                      <a:prstDash val="solid"/>
+                      <a:round/>
+                      <a:headEnd type="none" w="med" len="med"/>
+                      <a:tailEnd type="none" w="med" len="med"/>
+                    </a:lnL>
+                    <a:lnR w="9525" cap="flat" cmpd="sng" algn="ctr">
+                      <a:solidFill>
+                        <a:srgbClr val="CCCCCC"/>
+                      </a:solidFill>
+                      <a:prstDash val="solid"/>
+                      <a:round/>
+                      <a:headEnd type="none" w="med" len="med"/>
+                      <a:tailEnd type="none" w="med" len="med"/>
+                    </a:lnR>
+                    <a:lnT w="9525" cap="flat" cmpd="sng" algn="ctr">
+                      <a:solidFill>
+                        <a:srgbClr val="CCCCCC"/>
+                      </a:solidFill>
+                      <a:prstDash val="solid"/>
+                      <a:round/>
+                      <a:headEnd type="none" w="med" len="med"/>
+                      <a:tailEnd type="none" w="med" len="med"/>
+                    </a:lnT>
+                    <a:lnB w="9525" cap="flat" cmpd="sng" algn="ctr">
+                      <a:solidFill>
+                        <a:srgbClr val="CCCCCC"/>
+                      </a:solidFill>
+                      <a:prstDash val="solid"/>
+                      <a:round/>
+                      <a:headEnd type="none" w="med" len="med"/>
+                      <a:tailEnd type="none" w="med" len="med"/>
+                    </a:lnB>
+                  </a:tcPr>
+                </a:tc>
+                <a:tc>
+                  <a:txBody>
+                    <a:bodyPr/>
+                    <a:lstStyle/>
+                    <a:p>
+                      <a:r>
+                        <a:rPr lang="zh-CN" altLang="en-US" sz="1200" dirty="0">
+                          <a:effectLst/>
+                        </a:rPr>
+                        <a:t>用来检查对象的某些状态。</a:t>
+                      </a:r>
+                    </a:p>
+                  </a:txBody>
+                  <a:tcPr marL="77371" marR="77371" marT="77371" marB="77371" anchor="ctr">
+                    <a:lnL w="9525" cap="flat" cmpd="sng" algn="ctr">
+                      <a:solidFill>
+                        <a:srgbClr val="CCCCCC"/>
+                      </a:solidFill>
+                      <a:prstDash val="solid"/>
+                      <a:round/>
+                      <a:headEnd type="none" w="med" len="med"/>
+                      <a:tailEnd type="none" w="med" len="med"/>
+                    </a:lnL>
+                    <a:lnR w="9525" cap="flat" cmpd="sng" algn="ctr">
+                      <a:solidFill>
+                        <a:srgbClr val="CCCCCC"/>
+                      </a:solidFill>
+                      <a:prstDash val="solid"/>
+                      <a:round/>
+                      <a:headEnd type="none" w="med" len="med"/>
+                      <a:tailEnd type="none" w="med" len="med"/>
+                    </a:lnR>
+                    <a:lnT w="9525" cap="flat" cmpd="sng" algn="ctr">
+                      <a:solidFill>
+                        <a:srgbClr val="CCCCCC"/>
+                      </a:solidFill>
+                      <a:prstDash val="solid"/>
+                      <a:round/>
+                      <a:headEnd type="none" w="med" len="med"/>
+                      <a:tailEnd type="none" w="med" len="med"/>
+                    </a:lnT>
+                    <a:lnB w="9525" cap="flat" cmpd="sng" algn="ctr">
+                      <a:solidFill>
+                        <a:srgbClr val="CCCCCC"/>
+                      </a:solidFill>
+                      <a:prstDash val="solid"/>
+                      <a:round/>
+                      <a:headEnd type="none" w="med" len="med"/>
+                      <a:tailEnd type="none" w="med" len="med"/>
+                    </a:lnB>
+                  </a:tcPr>
+                </a:tc>
+                <a:tc>
+                  <a:txBody>
+                    <a:bodyPr/>
+                    <a:lstStyle/>
+                    <a:p>
+                      <a:r>
+                        <a:rPr lang="en-US" sz="1200">
+                          <a:effectLst/>
+                        </a:rPr>
+                        <a:t>IllegalStateException</a:t>
+                      </a:r>
+                    </a:p>
+                  </a:txBody>
+                  <a:tcPr marL="77371" marR="77371" marT="77371" marB="77371" anchor="ctr">
+                    <a:lnL w="9525" cap="flat" cmpd="sng" algn="ctr">
+                      <a:solidFill>
+                        <a:srgbClr val="CCCCCC"/>
+                      </a:solidFill>
+                      <a:prstDash val="solid"/>
+                      <a:round/>
+                      <a:headEnd type="none" w="med" len="med"/>
+                      <a:tailEnd type="none" w="med" len="med"/>
+                    </a:lnL>
+                    <a:lnR w="9525" cap="flat" cmpd="sng" algn="ctr">
+                      <a:solidFill>
+                        <a:srgbClr val="CCCCCC"/>
+                      </a:solidFill>
+                      <a:prstDash val="solid"/>
+                      <a:round/>
+                      <a:headEnd type="none" w="med" len="med"/>
+                      <a:tailEnd type="none" w="med" len="med"/>
+                    </a:lnR>
+                    <a:lnT w="9525" cap="flat" cmpd="sng" algn="ctr">
+                      <a:solidFill>
+                        <a:srgbClr val="CCCCCC"/>
+                      </a:solidFill>
+                      <a:prstDash val="solid"/>
+                      <a:round/>
+                      <a:headEnd type="none" w="med" len="med"/>
+                      <a:tailEnd type="none" w="med" len="med"/>
+                    </a:lnT>
+                    <a:lnB w="9525" cap="flat" cmpd="sng" algn="ctr">
+                      <a:solidFill>
+                        <a:srgbClr val="CCCCCC"/>
+                      </a:solidFill>
+                      <a:prstDash val="solid"/>
+                      <a:round/>
+                      <a:headEnd type="none" w="med" len="med"/>
+                      <a:tailEnd type="none" w="med" len="med"/>
+                    </a:lnB>
+                  </a:tcPr>
+                </a:tc>
+                <a:extLst>
+                  <a:ext uri="{0D108BD9-81ED-4DB2-BD59-A6C34878D82A}">
+                    <a16:rowId xmlns:a16="http://schemas.microsoft.com/office/drawing/2014/main" val="1368547573"/>
+                  </a:ext>
+                </a:extLst>
+              </a:tr>
+              <a:tr h="742173">
+                <a:tc>
+                  <a:txBody>
+                    <a:bodyPr/>
+                    <a:lstStyle/>
+                    <a:p>
+                      <a:r>
+                        <a:rPr lang="en-US" sz="1200" u="none" dirty="0">
+                          <a:solidFill>
+                            <a:srgbClr val="00A19E"/>
+                          </a:solidFill>
+                          <a:effectLst/>
+                        </a:rPr>
+                        <a:t>checkElementIndex(int index, int size)</a:t>
+                      </a:r>
+                      <a:endParaRPr lang="en-US" sz="1200" u="none" dirty="0">
+                        <a:effectLst/>
+                      </a:endParaRPr>
+                    </a:p>
+                  </a:txBody>
+                  <a:tcPr marL="77371" marR="77371" marT="77371" marB="77371" anchor="ctr">
+                    <a:lnL w="9525" cap="flat" cmpd="sng" algn="ctr">
+                      <a:solidFill>
+                        <a:srgbClr val="CCCCCC"/>
+                      </a:solidFill>
+                      <a:prstDash val="solid"/>
+                      <a:round/>
+                      <a:headEnd type="none" w="med" len="med"/>
+                      <a:tailEnd type="none" w="med" len="med"/>
+                    </a:lnL>
+                    <a:lnR w="9525" cap="flat" cmpd="sng" algn="ctr">
+                      <a:solidFill>
+                        <a:srgbClr val="CCCCCC"/>
+                      </a:solidFill>
+                      <a:prstDash val="solid"/>
+                      <a:round/>
+                      <a:headEnd type="none" w="med" len="med"/>
+                      <a:tailEnd type="none" w="med" len="med"/>
+                    </a:lnR>
+                    <a:lnT w="9525" cap="flat" cmpd="sng" algn="ctr">
+                      <a:solidFill>
+                        <a:srgbClr val="CCCCCC"/>
+                      </a:solidFill>
+                      <a:prstDash val="solid"/>
+                      <a:round/>
+                      <a:headEnd type="none" w="med" len="med"/>
+                      <a:tailEnd type="none" w="med" len="med"/>
+                    </a:lnT>
+                    <a:lnB w="9525" cap="flat" cmpd="sng" algn="ctr">
+                      <a:solidFill>
+                        <a:srgbClr val="CCCCCC"/>
+                      </a:solidFill>
+                      <a:prstDash val="solid"/>
+                      <a:round/>
+                      <a:headEnd type="none" w="med" len="med"/>
+                      <a:tailEnd type="none" w="med" len="med"/>
+                    </a:lnB>
+                  </a:tcPr>
+                </a:tc>
+                <a:tc>
+                  <a:txBody>
+                    <a:bodyPr/>
+                    <a:lstStyle/>
+                    <a:p>
+                      <a:r>
+                        <a:rPr lang="zh-CN" altLang="en-US" sz="1200" dirty="0">
+                          <a:effectLst/>
+                        </a:rPr>
+                        <a:t>检查</a:t>
+                      </a:r>
+                      <a:r>
+                        <a:rPr lang="en-US" sz="1200" dirty="0">
+                          <a:effectLst/>
+                        </a:rPr>
+                        <a:t>index</a:t>
+                      </a:r>
+                      <a:r>
+                        <a:rPr lang="zh-CN" altLang="en-US" sz="1200" dirty="0">
+                          <a:effectLst/>
+                        </a:rPr>
+                        <a:t>作为索引值对某个列表、字符串或数组是否有效。</a:t>
+                      </a:r>
+                      <a:r>
+                        <a:rPr lang="en-US" sz="1200" dirty="0">
+                          <a:effectLst/>
+                        </a:rPr>
+                        <a:t>index&gt;=0 &amp;&amp; index&lt;size *</a:t>
+                      </a:r>
+                    </a:p>
+                  </a:txBody>
+                  <a:tcPr marL="77371" marR="77371" marT="77371" marB="77371" anchor="ctr">
+                    <a:lnL w="9525" cap="flat" cmpd="sng" algn="ctr">
+                      <a:solidFill>
+                        <a:srgbClr val="CCCCCC"/>
+                      </a:solidFill>
+                      <a:prstDash val="solid"/>
+                      <a:round/>
+                      <a:headEnd type="none" w="med" len="med"/>
+                      <a:tailEnd type="none" w="med" len="med"/>
+                    </a:lnL>
+                    <a:lnR w="9525" cap="flat" cmpd="sng" algn="ctr">
+                      <a:solidFill>
+                        <a:srgbClr val="CCCCCC"/>
+                      </a:solidFill>
+                      <a:prstDash val="solid"/>
+                      <a:round/>
+                      <a:headEnd type="none" w="med" len="med"/>
+                      <a:tailEnd type="none" w="med" len="med"/>
+                    </a:lnR>
+                    <a:lnT w="9525" cap="flat" cmpd="sng" algn="ctr">
+                      <a:solidFill>
+                        <a:srgbClr val="CCCCCC"/>
+                      </a:solidFill>
+                      <a:prstDash val="solid"/>
+                      <a:round/>
+                      <a:headEnd type="none" w="med" len="med"/>
+                      <a:tailEnd type="none" w="med" len="med"/>
+                    </a:lnT>
+                    <a:lnB w="9525" cap="flat" cmpd="sng" algn="ctr">
+                      <a:solidFill>
+                        <a:srgbClr val="CCCCCC"/>
+                      </a:solidFill>
+                      <a:prstDash val="solid"/>
+                      <a:round/>
+                      <a:headEnd type="none" w="med" len="med"/>
+                      <a:tailEnd type="none" w="med" len="med"/>
+                    </a:lnB>
+                  </a:tcPr>
+                </a:tc>
+                <a:tc>
+                  <a:txBody>
+                    <a:bodyPr/>
+                    <a:lstStyle/>
+                    <a:p>
+                      <a:r>
+                        <a:rPr lang="en-US" sz="1200" dirty="0">
+                          <a:effectLst/>
+                        </a:rPr>
+                        <a:t>IndexOutOfBoundsException</a:t>
+                      </a:r>
+                    </a:p>
+                  </a:txBody>
+                  <a:tcPr marL="77371" marR="77371" marT="77371" marB="77371" anchor="ctr">
+                    <a:lnL w="9525" cap="flat" cmpd="sng" algn="ctr">
+                      <a:solidFill>
+                        <a:srgbClr val="CCCCCC"/>
+                      </a:solidFill>
+                      <a:prstDash val="solid"/>
+                      <a:round/>
+                      <a:headEnd type="none" w="med" len="med"/>
+                      <a:tailEnd type="none" w="med" len="med"/>
+                    </a:lnL>
+                    <a:lnR w="9525" cap="flat" cmpd="sng" algn="ctr">
+                      <a:solidFill>
+                        <a:srgbClr val="CCCCCC"/>
+                      </a:solidFill>
+                      <a:prstDash val="solid"/>
+                      <a:round/>
+                      <a:headEnd type="none" w="med" len="med"/>
+                      <a:tailEnd type="none" w="med" len="med"/>
+                    </a:lnR>
+                    <a:lnT w="9525" cap="flat" cmpd="sng" algn="ctr">
+                      <a:solidFill>
+                        <a:srgbClr val="CCCCCC"/>
+                      </a:solidFill>
+                      <a:prstDash val="solid"/>
+                      <a:round/>
+                      <a:headEnd type="none" w="med" len="med"/>
+                      <a:tailEnd type="none" w="med" len="med"/>
+                    </a:lnT>
+                    <a:lnB w="9525" cap="flat" cmpd="sng" algn="ctr">
+                      <a:solidFill>
+                        <a:srgbClr val="CCCCCC"/>
+                      </a:solidFill>
+                      <a:prstDash val="solid"/>
+                      <a:round/>
+                      <a:headEnd type="none" w="med" len="med"/>
+                      <a:tailEnd type="none" w="med" len="med"/>
+                    </a:lnB>
+                  </a:tcPr>
+                </a:tc>
+                <a:extLst>
+                  <a:ext uri="{0D108BD9-81ED-4DB2-BD59-A6C34878D82A}">
+                    <a16:rowId xmlns:a16="http://schemas.microsoft.com/office/drawing/2014/main" val="3846123296"/>
+                  </a:ext>
+                </a:extLst>
+              </a:tr>
+              <a:tr h="742173">
+                <a:tc>
+                  <a:txBody>
+                    <a:bodyPr/>
+                    <a:lstStyle/>
+                    <a:p>
+                      <a:r>
+                        <a:rPr lang="en-US" sz="1200" u="none" dirty="0">
+                          <a:solidFill>
+                            <a:srgbClr val="00A19E"/>
+                          </a:solidFill>
+                          <a:effectLst/>
+                        </a:rPr>
+                        <a:t>checkPositionIndex(int index, int size)</a:t>
+                      </a:r>
+                      <a:endParaRPr lang="en-US" sz="1200" u="none" dirty="0">
+                        <a:effectLst/>
+                      </a:endParaRPr>
+                    </a:p>
+                  </a:txBody>
+                  <a:tcPr marL="77371" marR="77371" marT="77371" marB="77371" anchor="ctr">
+                    <a:lnL w="9525" cap="flat" cmpd="sng" algn="ctr">
+                      <a:solidFill>
+                        <a:srgbClr val="CCCCCC"/>
+                      </a:solidFill>
+                      <a:prstDash val="solid"/>
+                      <a:round/>
+                      <a:headEnd type="none" w="med" len="med"/>
+                      <a:tailEnd type="none" w="med" len="med"/>
+                    </a:lnL>
+                    <a:lnR w="9525" cap="flat" cmpd="sng" algn="ctr">
+                      <a:solidFill>
+                        <a:srgbClr val="CCCCCC"/>
+                      </a:solidFill>
+                      <a:prstDash val="solid"/>
+                      <a:round/>
+                      <a:headEnd type="none" w="med" len="med"/>
+                      <a:tailEnd type="none" w="med" len="med"/>
+                    </a:lnR>
+                    <a:lnT w="9525" cap="flat" cmpd="sng" algn="ctr">
+                      <a:solidFill>
+                        <a:srgbClr val="CCCCCC"/>
+                      </a:solidFill>
+                      <a:prstDash val="solid"/>
+                      <a:round/>
+                      <a:headEnd type="none" w="med" len="med"/>
+                      <a:tailEnd type="none" w="med" len="med"/>
+                    </a:lnT>
+                    <a:lnB w="9525" cap="flat" cmpd="sng" algn="ctr">
+                      <a:solidFill>
+                        <a:srgbClr val="CCCCCC"/>
+                      </a:solidFill>
+                      <a:prstDash val="solid"/>
+                      <a:round/>
+                      <a:headEnd type="none" w="med" len="med"/>
+                      <a:tailEnd type="none" w="med" len="med"/>
+                    </a:lnB>
+                  </a:tcPr>
+                </a:tc>
+                <a:tc>
+                  <a:txBody>
+                    <a:bodyPr/>
+                    <a:lstStyle/>
+                    <a:p>
+                      <a:r>
+                        <a:rPr lang="zh-CN" altLang="en-US" sz="1200" dirty="0">
+                          <a:effectLst/>
+                        </a:rPr>
+                        <a:t>检查</a:t>
+                      </a:r>
+                      <a:r>
+                        <a:rPr lang="en-US" sz="1200" dirty="0">
+                          <a:effectLst/>
+                        </a:rPr>
+                        <a:t>index</a:t>
+                      </a:r>
+                      <a:r>
+                        <a:rPr lang="zh-CN" altLang="en-US" sz="1200" dirty="0">
+                          <a:effectLst/>
+                        </a:rPr>
+                        <a:t>作为位置值对某个列表、字符串或数组是否有效。</a:t>
+                      </a:r>
+                      <a:r>
+                        <a:rPr lang="en-US" sz="1200" dirty="0">
+                          <a:effectLst/>
+                        </a:rPr>
+                        <a:t>index&gt;=0 &amp;&amp; index&lt;=size *</a:t>
+                      </a:r>
+                    </a:p>
+                  </a:txBody>
+                  <a:tcPr marL="77371" marR="77371" marT="77371" marB="77371" anchor="ctr">
+                    <a:lnL w="9525" cap="flat" cmpd="sng" algn="ctr">
+                      <a:solidFill>
+                        <a:srgbClr val="CCCCCC"/>
+                      </a:solidFill>
+                      <a:prstDash val="solid"/>
+                      <a:round/>
+                      <a:headEnd type="none" w="med" len="med"/>
+                      <a:tailEnd type="none" w="med" len="med"/>
+                    </a:lnL>
+                    <a:lnR w="9525" cap="flat" cmpd="sng" algn="ctr">
+                      <a:solidFill>
+                        <a:srgbClr val="CCCCCC"/>
+                      </a:solidFill>
+                      <a:prstDash val="solid"/>
+                      <a:round/>
+                      <a:headEnd type="none" w="med" len="med"/>
+                      <a:tailEnd type="none" w="med" len="med"/>
+                    </a:lnR>
+                    <a:lnT w="9525" cap="flat" cmpd="sng" algn="ctr">
+                      <a:solidFill>
+                        <a:srgbClr val="CCCCCC"/>
+                      </a:solidFill>
+                      <a:prstDash val="solid"/>
+                      <a:round/>
+                      <a:headEnd type="none" w="med" len="med"/>
+                      <a:tailEnd type="none" w="med" len="med"/>
+                    </a:lnT>
+                    <a:lnB w="9525" cap="flat" cmpd="sng" algn="ctr">
+                      <a:solidFill>
+                        <a:srgbClr val="CCCCCC"/>
+                      </a:solidFill>
+                      <a:prstDash val="solid"/>
+                      <a:round/>
+                      <a:headEnd type="none" w="med" len="med"/>
+                      <a:tailEnd type="none" w="med" len="med"/>
+                    </a:lnB>
+                  </a:tcPr>
+                </a:tc>
+                <a:tc>
+                  <a:txBody>
+                    <a:bodyPr/>
+                    <a:lstStyle/>
+                    <a:p>
+                      <a:r>
+                        <a:rPr lang="en-US" sz="1200" dirty="0">
+                          <a:effectLst/>
+                        </a:rPr>
+                        <a:t>IndexOutOfBoundsException</a:t>
+                      </a:r>
+                    </a:p>
+                  </a:txBody>
+                  <a:tcPr marL="77371" marR="77371" marT="77371" marB="77371" anchor="ctr">
+                    <a:lnL w="9525" cap="flat" cmpd="sng" algn="ctr">
+                      <a:solidFill>
+                        <a:srgbClr val="CCCCCC"/>
+                      </a:solidFill>
+                      <a:prstDash val="solid"/>
+                      <a:round/>
+                      <a:headEnd type="none" w="med" len="med"/>
+                      <a:tailEnd type="none" w="med" len="med"/>
+                    </a:lnL>
+                    <a:lnR w="9525" cap="flat" cmpd="sng" algn="ctr">
+                      <a:solidFill>
+                        <a:srgbClr val="CCCCCC"/>
+                      </a:solidFill>
+                      <a:prstDash val="solid"/>
+                      <a:round/>
+                      <a:headEnd type="none" w="med" len="med"/>
+                      <a:tailEnd type="none" w="med" len="med"/>
+                    </a:lnR>
+                    <a:lnT w="9525" cap="flat" cmpd="sng" algn="ctr">
+                      <a:solidFill>
+                        <a:srgbClr val="CCCCCC"/>
+                      </a:solidFill>
+                      <a:prstDash val="solid"/>
+                      <a:round/>
+                      <a:headEnd type="none" w="med" len="med"/>
+                      <a:tailEnd type="none" w="med" len="med"/>
+                    </a:lnT>
+                    <a:lnB w="9525" cap="flat" cmpd="sng" algn="ctr">
+                      <a:solidFill>
+                        <a:srgbClr val="CCCCCC"/>
+                      </a:solidFill>
+                      <a:prstDash val="solid"/>
+                      <a:round/>
+                      <a:headEnd type="none" w="med" len="med"/>
+                      <a:tailEnd type="none" w="med" len="med"/>
+                    </a:lnB>
+                  </a:tcPr>
+                </a:tc>
+                <a:extLst>
+                  <a:ext uri="{0D108BD9-81ED-4DB2-BD59-A6C34878D82A}">
+                    <a16:rowId xmlns:a16="http://schemas.microsoft.com/office/drawing/2014/main" val="1955647697"/>
+                  </a:ext>
+                </a:extLst>
+              </a:tr>
+              <a:tr h="594965">
+                <a:tc>
+                  <a:txBody>
+                    <a:bodyPr/>
+                    <a:lstStyle/>
+                    <a:p>
+                      <a:r>
+                        <a:rPr lang="en-US" sz="1200" u="none" dirty="0">
+                          <a:solidFill>
+                            <a:srgbClr val="00A19E"/>
+                          </a:solidFill>
+                          <a:effectLst/>
+                        </a:rPr>
+                        <a:t>checkPositionIndexes(int start, int end, int size)</a:t>
+                      </a:r>
+                      <a:endParaRPr lang="en-US" sz="1200" u="none" dirty="0">
+                        <a:effectLst/>
+                      </a:endParaRPr>
+                    </a:p>
+                  </a:txBody>
+                  <a:tcPr marL="77371" marR="77371" marT="77371" marB="77371" anchor="ctr">
+                    <a:lnL w="9525" cap="flat" cmpd="sng" algn="ctr">
+                      <a:solidFill>
+                        <a:srgbClr val="CCCCCC"/>
+                      </a:solidFill>
+                      <a:prstDash val="solid"/>
+                      <a:round/>
+                      <a:headEnd type="none" w="med" len="med"/>
+                      <a:tailEnd type="none" w="med" len="med"/>
+                    </a:lnL>
+                    <a:lnR w="9525" cap="flat" cmpd="sng" algn="ctr">
+                      <a:solidFill>
+                        <a:srgbClr val="CCCCCC"/>
+                      </a:solidFill>
+                      <a:prstDash val="solid"/>
+                      <a:round/>
+                      <a:headEnd type="none" w="med" len="med"/>
+                      <a:tailEnd type="none" w="med" len="med"/>
+                    </a:lnR>
+                    <a:lnT w="9525" cap="flat" cmpd="sng" algn="ctr">
+                      <a:solidFill>
+                        <a:srgbClr val="CCCCCC"/>
+                      </a:solidFill>
+                      <a:prstDash val="solid"/>
+                      <a:round/>
+                      <a:headEnd type="none" w="med" len="med"/>
+                      <a:tailEnd type="none" w="med" len="med"/>
+                    </a:lnT>
+                    <a:lnB w="9525" cap="flat" cmpd="sng" algn="ctr">
+                      <a:solidFill>
+                        <a:srgbClr val="CCCCCC"/>
+                      </a:solidFill>
+                      <a:prstDash val="solid"/>
+                      <a:round/>
+                      <a:headEnd type="none" w="med" len="med"/>
+                      <a:tailEnd type="none" w="med" len="med"/>
+                    </a:lnB>
+                  </a:tcPr>
+                </a:tc>
+                <a:tc>
+                  <a:txBody>
+                    <a:bodyPr/>
+                    <a:lstStyle/>
+                    <a:p>
+                      <a:r>
+                        <a:rPr lang="zh-CN" altLang="en-US" sz="1200" dirty="0">
+                          <a:effectLst/>
+                        </a:rPr>
+                        <a:t>检查</a:t>
+                      </a:r>
+                      <a:r>
+                        <a:rPr lang="en-US" altLang="zh-CN" sz="1200" dirty="0">
+                          <a:effectLst/>
+                        </a:rPr>
+                        <a:t>[start, end]</a:t>
+                      </a:r>
+                      <a:r>
+                        <a:rPr lang="zh-CN" altLang="en-US" sz="1200" dirty="0">
+                          <a:effectLst/>
+                        </a:rPr>
+                        <a:t>表示的位置范围对某个列表、字符串或数组是否有效*</a:t>
+                      </a:r>
+                    </a:p>
+                  </a:txBody>
+                  <a:tcPr marL="77371" marR="77371" marT="77371" marB="77371" anchor="ctr">
+                    <a:lnL w="9525" cap="flat" cmpd="sng" algn="ctr">
+                      <a:solidFill>
+                        <a:srgbClr val="CCCCCC"/>
+                      </a:solidFill>
+                      <a:prstDash val="solid"/>
+                      <a:round/>
+                      <a:headEnd type="none" w="med" len="med"/>
+                      <a:tailEnd type="none" w="med" len="med"/>
+                    </a:lnL>
+                    <a:lnR w="9525" cap="flat" cmpd="sng" algn="ctr">
+                      <a:solidFill>
+                        <a:srgbClr val="CCCCCC"/>
+                      </a:solidFill>
+                      <a:prstDash val="solid"/>
+                      <a:round/>
+                      <a:headEnd type="none" w="med" len="med"/>
+                      <a:tailEnd type="none" w="med" len="med"/>
+                    </a:lnR>
+                    <a:lnT w="9525" cap="flat" cmpd="sng" algn="ctr">
+                      <a:solidFill>
+                        <a:srgbClr val="CCCCCC"/>
+                      </a:solidFill>
+                      <a:prstDash val="solid"/>
+                      <a:round/>
+                      <a:headEnd type="none" w="med" len="med"/>
+                      <a:tailEnd type="none" w="med" len="med"/>
+                    </a:lnT>
+                    <a:lnB w="9525" cap="flat" cmpd="sng" algn="ctr">
+                      <a:solidFill>
+                        <a:srgbClr val="CCCCCC"/>
+                      </a:solidFill>
+                      <a:prstDash val="solid"/>
+                      <a:round/>
+                      <a:headEnd type="none" w="med" len="med"/>
+                      <a:tailEnd type="none" w="med" len="med"/>
+                    </a:lnB>
+                  </a:tcPr>
+                </a:tc>
+                <a:tc>
+                  <a:txBody>
+                    <a:bodyPr/>
+                    <a:lstStyle/>
+                    <a:p>
+                      <a:r>
+                        <a:rPr lang="en-US" sz="1200" dirty="0">
+                          <a:effectLst/>
+                        </a:rPr>
+                        <a:t>IndexOutOfBoundsException</a:t>
+                      </a:r>
+                    </a:p>
+                  </a:txBody>
+                  <a:tcPr marL="77371" marR="77371" marT="77371" marB="77371" anchor="ctr">
+                    <a:lnL w="9525" cap="flat" cmpd="sng" algn="ctr">
+                      <a:solidFill>
+                        <a:srgbClr val="CCCCCC"/>
+                      </a:solidFill>
+                      <a:prstDash val="solid"/>
+                      <a:round/>
+                      <a:headEnd type="none" w="med" len="med"/>
+                      <a:tailEnd type="none" w="med" len="med"/>
+                    </a:lnL>
+                    <a:lnR w="9525" cap="flat" cmpd="sng" algn="ctr">
+                      <a:solidFill>
+                        <a:srgbClr val="CCCCCC"/>
+                      </a:solidFill>
+                      <a:prstDash val="solid"/>
+                      <a:round/>
+                      <a:headEnd type="none" w="med" len="med"/>
+                      <a:tailEnd type="none" w="med" len="med"/>
+                    </a:lnR>
+                    <a:lnT w="9525" cap="flat" cmpd="sng" algn="ctr">
+                      <a:solidFill>
+                        <a:srgbClr val="CCCCCC"/>
+                      </a:solidFill>
+                      <a:prstDash val="solid"/>
+                      <a:round/>
+                      <a:headEnd type="none" w="med" len="med"/>
+                      <a:tailEnd type="none" w="med" len="med"/>
+                    </a:lnT>
+                    <a:lnB w="9525" cap="flat" cmpd="sng" algn="ctr">
+                      <a:solidFill>
+                        <a:srgbClr val="CCCCCC"/>
+                      </a:solidFill>
+                      <a:prstDash val="solid"/>
+                      <a:round/>
+                      <a:headEnd type="none" w="med" len="med"/>
+                      <a:tailEnd type="none" w="med" len="med"/>
+                    </a:lnB>
+                  </a:tcPr>
+                </a:tc>
+                <a:extLst>
+                  <a:ext uri="{0D108BD9-81ED-4DB2-BD59-A6C34878D82A}">
+                    <a16:rowId xmlns:a16="http://schemas.microsoft.com/office/drawing/2014/main" val="2038927236"/>
+                  </a:ext>
+                </a:extLst>
+              </a:tr>
+            </a:tbl>
+          </a:graphicData>
+        </a:graphic>
+      </p:graphicFrame>
     </p:spTree>
     <p:extLst>
       <p:ext uri="{BB962C8B-B14F-4D97-AF65-F5344CB8AC3E}">
@@ -13899,12 +15823,12 @@
       </p:grpSpPr>
       <p:sp>
         <p:nvSpPr>
-          <p:cNvPr id="8" name="标题 7"/>
+          <p:cNvPr id="5" name="文本占位符 4"/>
           <p:cNvSpPr>
             <a:spLocks noGrp="1"/>
           </p:cNvSpPr>
           <p:nvPr>
-            <p:ph type="title"/>
+            <p:ph type="body" sz="quarter" idx="10"/>
           </p:nvPr>
         </p:nvSpPr>
         <p:spPr/>
@@ -13913,15 +15837,16 @@
           <a:lstStyle/>
           <a:p>
             <a:r>
-              <a:rPr lang="zh-CN" altLang="en-US" dirty="0"/>
-              <a:t>集合</a:t>
-            </a:r>
-            <a:br>
-              <a:rPr lang="en-US" altLang="zh-CN" dirty="0"/>
-            </a:br>
-            <a:r>
-              <a:rPr lang="en-US" altLang="zh-CN" dirty="0"/>
-              <a:t>Collections</a:t>
+              <a:rPr lang="zh-CN" altLang="en-US" b="0" dirty="0"/>
+              <a:t>常见</a:t>
+            </a:r>
+            <a:r>
+              <a:rPr lang="en-US" altLang="zh-CN" b="0" dirty="0"/>
+              <a:t>Object</a:t>
+            </a:r>
+            <a:r>
+              <a:rPr lang="zh-CN" altLang="en-US" b="0" dirty="0"/>
+              <a:t>方法</a:t>
             </a:r>
             <a:endParaRPr lang="zh-CN" altLang="en-US" dirty="0"/>
           </a:p>
@@ -13929,57 +15854,351 @@
       </p:sp>
       <p:sp>
         <p:nvSpPr>
-          <p:cNvPr id="6" name="文本占位符 5"/>
-          <p:cNvSpPr>
-            <a:spLocks noGrp="1"/>
-          </p:cNvSpPr>
-          <p:nvPr>
-            <p:ph type="body" sz="quarter" idx="13"/>
-          </p:nvPr>
+          <p:cNvPr id="2" name="文本框 1">
+            <a:extLst>
+              <a:ext uri="{FF2B5EF4-FFF2-40B4-BE49-F238E27FC236}">
+                <a16:creationId xmlns:a16="http://schemas.microsoft.com/office/drawing/2014/main" id="{46942831-FE3E-4885-8167-2D2840B176FB}"/>
+              </a:ext>
+            </a:extLst>
+          </p:cNvPr>
+          <p:cNvSpPr txBox="1"/>
+          <p:nvPr/>
         </p:nvSpPr>
-        <p:spPr/>
+        <p:spPr>
+          <a:xfrm>
+            <a:off x="368833" y="1940516"/>
+            <a:ext cx="8406333" cy="3896580"/>
+          </a:xfrm>
+          <a:prstGeom prst="rect">
+            <a:avLst/>
+          </a:prstGeom>
+          <a:noFill/>
+        </p:spPr>
         <p:txBody>
-          <a:bodyPr/>
+          <a:bodyPr wrap="square" rtlCol="0">
+            <a:spAutoFit/>
+          </a:bodyPr>
           <a:lstStyle/>
           <a:p>
+            <a:pPr marL="342900" indent="-342900">
+              <a:buFont typeface="+mj-lt"/>
+              <a:buAutoNum type="arabicPeriod"/>
+            </a:pPr>
+            <a:r>
+              <a:rPr lang="en-US" altLang="zh-CN" dirty="0"/>
+              <a:t>equals()</a:t>
+            </a:r>
+          </a:p>
+          <a:p>
+            <a:pPr lvl="1"/>
+            <a:r>
+              <a:rPr lang="zh-CN" altLang="zh-CN" sz="1600" dirty="0">
+                <a:solidFill>
+                  <a:srgbClr val="000000"/>
+                </a:solidFill>
+                <a:latin typeface="Consolas" panose="020B0609020204030204" pitchFamily="49" charset="0"/>
+              </a:rPr>
+              <a:t>assertTrue(Objects.equal(1, 1));</a:t>
+            </a:r>
+            <a:br>
+              <a:rPr lang="zh-CN" altLang="zh-CN" sz="1600" dirty="0">
+                <a:solidFill>
+                  <a:srgbClr val="000000"/>
+                </a:solidFill>
+                <a:latin typeface="Consolas" panose="020B0609020204030204" pitchFamily="49" charset="0"/>
+              </a:rPr>
+            </a:br>
+            <a:r>
+              <a:rPr lang="zh-CN" altLang="zh-CN" sz="1600" dirty="0">
+                <a:solidFill>
+                  <a:srgbClr val="000000"/>
+                </a:solidFill>
+                <a:latin typeface="Consolas" panose="020B0609020204030204" pitchFamily="49" charset="0"/>
+              </a:rPr>
+              <a:t>assertTrue(Objects.equal(null, null));</a:t>
+            </a:r>
+            <a:br>
+              <a:rPr lang="zh-CN" altLang="zh-CN" sz="1600" dirty="0">
+                <a:solidFill>
+                  <a:srgbClr val="000000"/>
+                </a:solidFill>
+                <a:latin typeface="Consolas" panose="020B0609020204030204" pitchFamily="49" charset="0"/>
+              </a:rPr>
+            </a:br>
+            <a:r>
+              <a:rPr lang="zh-CN" altLang="zh-CN" sz="1600" dirty="0">
+                <a:solidFill>
+                  <a:srgbClr val="000000"/>
+                </a:solidFill>
+                <a:latin typeface="Consolas" panose="020B0609020204030204" pitchFamily="49" charset="0"/>
+              </a:rPr>
+              <a:t>String s1 = "foobar";</a:t>
+            </a:r>
+            <a:br>
+              <a:rPr lang="zh-CN" altLang="zh-CN" sz="1600" dirty="0">
+                <a:solidFill>
+                  <a:srgbClr val="000000"/>
+                </a:solidFill>
+                <a:latin typeface="Consolas" panose="020B0609020204030204" pitchFamily="49" charset="0"/>
+              </a:rPr>
+            </a:br>
+            <a:r>
+              <a:rPr lang="zh-CN" altLang="zh-CN" sz="1600" dirty="0">
+                <a:solidFill>
+                  <a:srgbClr val="000000"/>
+                </a:solidFill>
+                <a:latin typeface="Consolas" panose="020B0609020204030204" pitchFamily="49" charset="0"/>
+              </a:rPr>
+              <a:t>String s2 = new String(s1);</a:t>
+            </a:r>
+            <a:br>
+              <a:rPr lang="zh-CN" altLang="zh-CN" sz="1600" dirty="0">
+                <a:solidFill>
+                  <a:srgbClr val="000000"/>
+                </a:solidFill>
+                <a:latin typeface="Consolas" panose="020B0609020204030204" pitchFamily="49" charset="0"/>
+              </a:rPr>
+            </a:br>
+            <a:r>
+              <a:rPr lang="zh-CN" altLang="zh-CN" sz="1600" dirty="0">
+                <a:solidFill>
+                  <a:srgbClr val="000000"/>
+                </a:solidFill>
+                <a:latin typeface="Consolas" panose="020B0609020204030204" pitchFamily="49" charset="0"/>
+              </a:rPr>
+              <a:t>assertTrue(Objects.equal(s1, s2));</a:t>
+            </a:r>
+            <a:endParaRPr lang="en-US" altLang="zh-CN" sz="1600" dirty="0">
+              <a:solidFill>
+                <a:srgbClr val="000000"/>
+              </a:solidFill>
+              <a:latin typeface="Consolas" panose="020B0609020204030204" pitchFamily="49" charset="0"/>
+            </a:endParaRPr>
+          </a:p>
+          <a:p>
+            <a:pPr lvl="1"/>
+            <a:endParaRPr lang="en-US" altLang="zh-CN" dirty="0"/>
+          </a:p>
+          <a:p>
+            <a:pPr marL="342900" indent="-342900">
+              <a:buFont typeface="+mj-lt"/>
+              <a:buAutoNum type="arabicPeriod"/>
+            </a:pPr>
+            <a:r>
+              <a:rPr lang="en-US" altLang="zh-CN" dirty="0"/>
+              <a:t>hashCode</a:t>
+            </a:r>
+          </a:p>
+          <a:p>
+            <a:pPr lvl="1"/>
+            <a:r>
+              <a:rPr lang="zh-CN" altLang="zh-CN" sz="1600" i="1" dirty="0">
+                <a:solidFill>
+                  <a:srgbClr val="000000"/>
+                </a:solidFill>
+                <a:latin typeface="Consolas" panose="020B0609020204030204" pitchFamily="49" charset="0"/>
+              </a:rPr>
+              <a:t>assertTrue</a:t>
+            </a:r>
+            <a:r>
+              <a:rPr lang="zh-CN" altLang="zh-CN" sz="1600" dirty="0">
+                <a:solidFill>
+                  <a:srgbClr val="000000"/>
+                </a:solidFill>
+                <a:latin typeface="Consolas" panose="020B0609020204030204" pitchFamily="49" charset="0"/>
+              </a:rPr>
+              <a:t>(Objects.</a:t>
+            </a:r>
+            <a:r>
+              <a:rPr lang="zh-CN" altLang="zh-CN" sz="1600" i="1" dirty="0">
+                <a:solidFill>
+                  <a:srgbClr val="000000"/>
+                </a:solidFill>
+                <a:latin typeface="Consolas" panose="020B0609020204030204" pitchFamily="49" charset="0"/>
+              </a:rPr>
+              <a:t>hashCode</a:t>
+            </a:r>
+            <a:r>
+              <a:rPr lang="zh-CN" altLang="zh-CN" sz="1600" dirty="0">
+                <a:solidFill>
+                  <a:srgbClr val="000000"/>
+                </a:solidFill>
+                <a:latin typeface="Consolas" panose="020B0609020204030204" pitchFamily="49" charset="0"/>
+              </a:rPr>
+              <a:t>(</a:t>
+            </a:r>
+            <a:r>
+              <a:rPr lang="zh-CN" altLang="zh-CN" sz="1600" dirty="0">
+                <a:solidFill>
+                  <a:srgbClr val="0000FF"/>
+                </a:solidFill>
+                <a:latin typeface="Consolas" panose="020B0609020204030204" pitchFamily="49" charset="0"/>
+              </a:rPr>
+              <a:t>1</a:t>
+            </a:r>
+            <a:r>
+              <a:rPr lang="zh-CN" altLang="zh-CN" sz="1600" dirty="0">
+                <a:solidFill>
+                  <a:srgbClr val="000000"/>
+                </a:solidFill>
+                <a:latin typeface="Consolas" panose="020B0609020204030204" pitchFamily="49" charset="0"/>
+              </a:rPr>
+              <a:t>, </a:t>
+            </a:r>
+            <a:r>
+              <a:rPr lang="zh-CN" altLang="zh-CN" sz="1600" dirty="0">
+                <a:solidFill>
+                  <a:srgbClr val="0000FF"/>
+                </a:solidFill>
+                <a:latin typeface="Consolas" panose="020B0609020204030204" pitchFamily="49" charset="0"/>
+              </a:rPr>
+              <a:t>2</a:t>
+            </a:r>
+            <a:r>
+              <a:rPr lang="zh-CN" altLang="zh-CN" sz="1600" dirty="0">
+                <a:solidFill>
+                  <a:srgbClr val="000000"/>
+                </a:solidFill>
+                <a:latin typeface="Consolas" panose="020B0609020204030204" pitchFamily="49" charset="0"/>
+              </a:rPr>
+              <a:t>, </a:t>
+            </a:r>
+            <a:r>
+              <a:rPr lang="zh-CN" altLang="zh-CN" sz="1600" b="1" dirty="0">
+                <a:solidFill>
+                  <a:srgbClr val="000080"/>
+                </a:solidFill>
+                <a:latin typeface="Consolas" panose="020B0609020204030204" pitchFamily="49" charset="0"/>
+              </a:rPr>
+              <a:t>null</a:t>
+            </a:r>
+            <a:r>
+              <a:rPr lang="zh-CN" altLang="zh-CN" sz="1600" dirty="0">
+                <a:solidFill>
+                  <a:srgbClr val="000000"/>
+                </a:solidFill>
+                <a:latin typeface="Consolas" panose="020B0609020204030204" pitchFamily="49" charset="0"/>
+              </a:rPr>
+              <a:t>) != Objects.</a:t>
+            </a:r>
+            <a:r>
+              <a:rPr lang="zh-CN" altLang="zh-CN" sz="1600" i="1" dirty="0">
+                <a:solidFill>
+                  <a:srgbClr val="000000"/>
+                </a:solidFill>
+                <a:latin typeface="Consolas" panose="020B0609020204030204" pitchFamily="49" charset="0"/>
+              </a:rPr>
+              <a:t>hashCode</a:t>
+            </a:r>
+            <a:r>
+              <a:rPr lang="zh-CN" altLang="zh-CN" sz="1600" dirty="0">
+                <a:solidFill>
+                  <a:srgbClr val="000000"/>
+                </a:solidFill>
+                <a:latin typeface="Consolas" panose="020B0609020204030204" pitchFamily="49" charset="0"/>
+              </a:rPr>
+              <a:t>(</a:t>
+            </a:r>
+            <a:r>
+              <a:rPr lang="zh-CN" altLang="zh-CN" sz="1600" dirty="0">
+                <a:solidFill>
+                  <a:srgbClr val="0000FF"/>
+                </a:solidFill>
+                <a:latin typeface="Consolas" panose="020B0609020204030204" pitchFamily="49" charset="0"/>
+              </a:rPr>
+              <a:t>1</a:t>
+            </a:r>
+            <a:r>
+              <a:rPr lang="zh-CN" altLang="zh-CN" sz="1600" dirty="0">
+                <a:solidFill>
+                  <a:srgbClr val="000000"/>
+                </a:solidFill>
+                <a:latin typeface="Consolas" panose="020B0609020204030204" pitchFamily="49" charset="0"/>
+              </a:rPr>
+              <a:t>, </a:t>
+            </a:r>
+            <a:r>
+              <a:rPr lang="zh-CN" altLang="zh-CN" sz="1600" dirty="0">
+                <a:solidFill>
+                  <a:srgbClr val="0000FF"/>
+                </a:solidFill>
+                <a:latin typeface="Consolas" panose="020B0609020204030204" pitchFamily="49" charset="0"/>
+              </a:rPr>
+              <a:t>2</a:t>
+            </a:r>
+            <a:r>
+              <a:rPr lang="zh-CN" altLang="zh-CN" sz="1600" dirty="0">
+                <a:solidFill>
+                  <a:srgbClr val="000000"/>
+                </a:solidFill>
+                <a:latin typeface="Consolas" panose="020B0609020204030204" pitchFamily="49" charset="0"/>
+              </a:rPr>
+              <a:t>));</a:t>
+            </a:r>
+            <a:endParaRPr lang="en-US" altLang="zh-CN" sz="1600" dirty="0">
+              <a:solidFill>
+                <a:srgbClr val="000000"/>
+              </a:solidFill>
+              <a:latin typeface="Consolas" panose="020B0609020204030204" pitchFamily="49" charset="0"/>
+            </a:endParaRPr>
+          </a:p>
+          <a:p>
+            <a:pPr lvl="1"/>
+            <a:endParaRPr lang="en-US" altLang="zh-CN" dirty="0"/>
+          </a:p>
+          <a:p>
+            <a:pPr marL="342900" indent="-342900">
+              <a:buFont typeface="+mj-lt"/>
+              <a:buAutoNum type="arabicPeriod"/>
+            </a:pPr>
+            <a:r>
+              <a:rPr lang="en-US" altLang="zh-CN" dirty="0"/>
+              <a:t>compare/compareTo</a:t>
+            </a:r>
+          </a:p>
+          <a:p>
+            <a:pPr lvl="1"/>
             <a:r>
               <a:rPr lang="en-US" altLang="zh-CN" dirty="0"/>
               <a:t>Guava</a:t>
             </a:r>
             <a:r>
               <a:rPr lang="zh-CN" altLang="en-US" dirty="0"/>
-              <a:t>对</a:t>
+              <a:t>提供了</a:t>
             </a:r>
             <a:r>
               <a:rPr lang="en-US" altLang="zh-CN" dirty="0"/>
-              <a:t>JDK</a:t>
+              <a:t>ComparisonChain</a:t>
             </a:r>
             <a:r>
               <a:rPr lang="zh-CN" altLang="en-US" dirty="0"/>
-              <a:t>集合的扩展</a:t>
-            </a:r>
-          </a:p>
-        </p:txBody>
-      </p:sp>
-      <p:sp>
-        <p:nvSpPr>
-          <p:cNvPr id="9" name="文本占位符 8"/>
-          <p:cNvSpPr>
-            <a:spLocks noGrp="1"/>
-          </p:cNvSpPr>
-          <p:nvPr>
-            <p:ph type="body" sz="quarter" idx="14"/>
-          </p:nvPr>
-        </p:nvSpPr>
-        <p:spPr/>
-        <p:txBody>
-          <a:bodyPr/>
-          <a:lstStyle/>
-          <a:p>
+              <a:t>。</a:t>
+            </a:r>
+          </a:p>
+          <a:p>
+            <a:pPr lvl="1"/>
             <a:r>
               <a:rPr lang="en-US" altLang="zh-CN" dirty="0"/>
-              <a:t>02</a:t>
-            </a:r>
+              <a:t>ComparisonChain</a:t>
+            </a:r>
+            <a:r>
+              <a:rPr lang="zh-CN" altLang="en-US" dirty="0"/>
+              <a:t>执行一种懒比较：它执行比较操作直至发现非零的结果，在那之后的比较输入将被忽略。</a:t>
+            </a:r>
+            <a:endParaRPr lang="en-US" altLang="zh-CN" dirty="0"/>
+          </a:p>
+          <a:p>
+            <a:pPr marL="342900" indent="-342900">
+              <a:buFont typeface="+mj-lt"/>
+              <a:buAutoNum type="arabicPeriod"/>
+            </a:pPr>
+            <a:endParaRPr lang="en-US" altLang="zh-CN" dirty="0"/>
+          </a:p>
+          <a:p>
+            <a:pPr marL="342900" indent="-342900">
+              <a:buFont typeface="+mj-lt"/>
+              <a:buAutoNum type="arabicPeriod"/>
+            </a:pPr>
             <a:endParaRPr lang="zh-CN" altLang="en-US" dirty="0"/>
           </a:p>
         </p:txBody>
@@ -13987,7 +16206,7 @@
     </p:spTree>
     <p:extLst>
       <p:ext uri="{BB962C8B-B14F-4D97-AF65-F5344CB8AC3E}">
-        <p14:creationId xmlns:p14="http://schemas.microsoft.com/office/powerpoint/2010/main" val="2462291448"/>
+        <p14:creationId xmlns:p14="http://schemas.microsoft.com/office/powerpoint/2010/main" val="1191101151"/>
       </p:ext>
     </p:extLst>
   </p:cSld>
@@ -14016,12 +16235,12 @@
       </p:grpSpPr>
       <p:sp>
         <p:nvSpPr>
-          <p:cNvPr id="8" name="标题 7"/>
+          <p:cNvPr id="5" name="文本占位符 4"/>
           <p:cNvSpPr>
             <a:spLocks noGrp="1"/>
           </p:cNvSpPr>
           <p:nvPr>
-            <p:ph type="title"/>
+            <p:ph type="body" sz="quarter" idx="10"/>
           </p:nvPr>
         </p:nvSpPr>
         <p:spPr/>
@@ -14030,72 +16249,123 @@
           <a:lstStyle/>
           <a:p>
             <a:r>
-              <a:rPr lang="zh-CN" altLang="en-US" dirty="0"/>
-              <a:t>缓存</a:t>
-            </a:r>
-            <a:br>
-              <a:rPr lang="en-US" altLang="zh-CN" dirty="0"/>
-            </a:br>
-            <a:r>
-              <a:rPr lang="en-US" altLang="zh-CN" dirty="0"/>
-              <a:t>catch</a:t>
-            </a:r>
-            <a:r>
-              <a:rPr lang="zh-CN" altLang="en-US" dirty="0"/>
-              <a:t> </a:t>
-            </a:r>
+              <a:rPr lang="en-US" altLang="zh-CN" b="0" dirty="0"/>
+              <a:t>Guava</a:t>
+            </a:r>
+            <a:r>
+              <a:rPr lang="zh-CN" altLang="en-US" b="0" dirty="0"/>
+              <a:t>强大的”流畅风格比较器</a:t>
+            </a:r>
+            <a:r>
+              <a:rPr lang="en-US" altLang="zh-CN" b="0" dirty="0"/>
+              <a:t>(</a:t>
+            </a:r>
+            <a:r>
+              <a:rPr lang="en-US" altLang="zh-CN" b="0" i="1" dirty="0">
+                <a:solidFill>
+                  <a:srgbClr val="629755"/>
+                </a:solidFill>
+                <a:latin typeface="Consolas" panose="020B0609020204030204" pitchFamily="49" charset="0"/>
+              </a:rPr>
+              <a:t>Ordering</a:t>
+            </a:r>
+            <a:r>
+              <a:rPr lang="en-US" altLang="zh-CN" b="0" dirty="0"/>
+              <a:t>)</a:t>
+            </a:r>
+            <a:endParaRPr lang="zh-CN" altLang="en-US" dirty="0"/>
           </a:p>
         </p:txBody>
       </p:sp>
       <p:sp>
         <p:nvSpPr>
-          <p:cNvPr id="6" name="文本占位符 5"/>
-          <p:cNvSpPr>
-            <a:spLocks noGrp="1"/>
-          </p:cNvSpPr>
-          <p:nvPr>
-            <p:ph type="body" sz="quarter" idx="13"/>
-          </p:nvPr>
+          <p:cNvPr id="2" name="文本框 1">
+            <a:extLst>
+              <a:ext uri="{FF2B5EF4-FFF2-40B4-BE49-F238E27FC236}">
+                <a16:creationId xmlns:a16="http://schemas.microsoft.com/office/drawing/2014/main" id="{46942831-FE3E-4885-8167-2D2840B176FB}"/>
+              </a:ext>
+            </a:extLst>
+          </p:cNvPr>
+          <p:cNvSpPr txBox="1"/>
+          <p:nvPr/>
         </p:nvSpPr>
-        <p:spPr/>
+        <p:spPr>
+          <a:xfrm>
+            <a:off x="243311" y="1896127"/>
+            <a:ext cx="8406333" cy="1023101"/>
+          </a:xfrm>
+          <a:prstGeom prst="rect">
+            <a:avLst/>
+          </a:prstGeom>
+          <a:noFill/>
+        </p:spPr>
         <p:txBody>
-          <a:bodyPr/>
+          <a:bodyPr wrap="square" rtlCol="0">
+            <a:spAutoFit/>
+          </a:bodyPr>
           <a:lstStyle/>
           <a:p>
+            <a:pPr marL="342900" indent="-342900">
+              <a:buFont typeface="+mj-lt"/>
+              <a:buAutoNum type="arabicPeriod"/>
+            </a:pPr>
+            <a:endParaRPr lang="en-US" altLang="zh-CN" dirty="0"/>
+          </a:p>
+          <a:p>
+            <a:pPr marL="342900" indent="-342900">
+              <a:buFont typeface="+mj-lt"/>
+              <a:buAutoNum type="arabicPeriod"/>
+            </a:pPr>
             <a:r>
               <a:rPr lang="zh-CN" altLang="en-US" dirty="0"/>
-              <a:t>本地缓存实现，支持多种缓存过期策略</a:t>
-            </a:r>
+              <a:t>创建排序器</a:t>
+            </a:r>
+            <a:endParaRPr lang="en-US" altLang="zh-CN" dirty="0"/>
+          </a:p>
+          <a:p>
+            <a:pPr lvl="1"/>
+            <a:endParaRPr lang="en-US" altLang="zh-CN" dirty="0"/>
+          </a:p>
+          <a:p>
+            <a:pPr lvl="1"/>
+            <a:endParaRPr lang="zh-CN" altLang="en-US" dirty="0"/>
           </a:p>
         </p:txBody>
       </p:sp>
-      <p:sp>
-        <p:nvSpPr>
-          <p:cNvPr id="9" name="文本占位符 8"/>
-          <p:cNvSpPr>
-            <a:spLocks noGrp="1"/>
-          </p:cNvSpPr>
-          <p:nvPr>
-            <p:ph type="body" sz="quarter" idx="14"/>
-          </p:nvPr>
-        </p:nvSpPr>
-        <p:spPr/>
-        <p:txBody>
-          <a:bodyPr/>
-          <a:lstStyle/>
-          <a:p>
-            <a:r>
-              <a:rPr lang="en-US" altLang="zh-CN" dirty="0"/>
-              <a:t>03</a:t>
-            </a:r>
-            <a:endParaRPr lang="zh-CN" altLang="en-US" dirty="0"/>
-          </a:p>
-        </p:txBody>
-      </p:sp>
+      <p:pic>
+        <p:nvPicPr>
+          <p:cNvPr id="3" name="图片 2">
+            <a:extLst>
+              <a:ext uri="{FF2B5EF4-FFF2-40B4-BE49-F238E27FC236}">
+                <a16:creationId xmlns:a16="http://schemas.microsoft.com/office/drawing/2014/main" id="{B46CEC4F-94D7-4953-A055-5CE1A9251D57}"/>
+              </a:ext>
+            </a:extLst>
+          </p:cNvPr>
+          <p:cNvPicPr>
+            <a:picLocks noChangeAspect="1"/>
+          </p:cNvPicPr>
+          <p:nvPr/>
+        </p:nvPicPr>
+        <p:blipFill>
+          <a:blip r:embed="rId2"/>
+          <a:stretch>
+            <a:fillRect/>
+          </a:stretch>
+        </p:blipFill>
+        <p:spPr>
+          <a:xfrm>
+            <a:off x="0" y="2480174"/>
+            <a:ext cx="9144000" cy="2235003"/>
+          </a:xfrm>
+          <a:prstGeom prst="rect">
+            <a:avLst/>
+          </a:prstGeom>
+        </p:spPr>
+      </p:pic>
     </p:spTree>
     <p:extLst>
       <p:ext uri="{BB962C8B-B14F-4D97-AF65-F5344CB8AC3E}">
-        <p14:creationId xmlns:p14="http://schemas.microsoft.com/office/powerpoint/2010/main" val="3783972235"/>
+        <p14:creationId xmlns:p14="http://schemas.microsoft.com/office/powerpoint/2010/main" val="137522951"/>
       </p:ext>
     </p:extLst>
   </p:cSld>
@@ -14124,12 +16394,12 @@
       </p:grpSpPr>
       <p:sp>
         <p:nvSpPr>
-          <p:cNvPr id="8" name="标题 7"/>
+          <p:cNvPr id="5" name="文本占位符 4"/>
           <p:cNvSpPr>
             <a:spLocks noGrp="1"/>
           </p:cNvSpPr>
           <p:nvPr>
-            <p:ph type="title"/>
+            <p:ph type="body" sz="quarter" idx="10"/>
           </p:nvPr>
         </p:nvSpPr>
         <p:spPr/>
@@ -14138,15 +16408,29 @@
           <a:lstStyle/>
           <a:p>
             <a:r>
-              <a:rPr lang="zh-CN" altLang="en-US" dirty="0"/>
-              <a:t>函数式风格</a:t>
-            </a:r>
-            <a:br>
-              <a:rPr lang="en-US" altLang="zh-CN" dirty="0"/>
-            </a:br>
-            <a:r>
-              <a:rPr lang="en-US" altLang="zh-CN" dirty="0"/>
-              <a:t>Functional idioms</a:t>
+              <a:rPr lang="en-US" altLang="zh-CN" b="0" dirty="0"/>
+              <a:t>Guava</a:t>
+            </a:r>
+            <a:r>
+              <a:rPr lang="zh-CN" altLang="en-US" b="0" dirty="0"/>
+              <a:t>强大的”流畅风格比较器</a:t>
+            </a:r>
+            <a:r>
+              <a:rPr lang="en-US" altLang="zh-CN" b="0" dirty="0"/>
+              <a:t>(</a:t>
+            </a:r>
+            <a:r>
+              <a:rPr lang="en-US" altLang="zh-CN" b="0" i="1" dirty="0">
+                <a:solidFill>
+                  <a:srgbClr val="629755"/>
+                </a:solidFill>
+                <a:latin typeface="Consolas" panose="020B0609020204030204" pitchFamily="49" charset="0"/>
+              </a:rPr>
+              <a:t>Ordering</a:t>
+            </a:r>
+            <a:r>
+              <a:rPr lang="en-US" altLang="zh-CN" b="0" dirty="0"/>
+              <a:t>)</a:t>
             </a:r>
             <a:endParaRPr lang="zh-CN" altLang="en-US" dirty="0"/>
           </a:p>
@@ -14154,53 +16438,81 @@
       </p:sp>
       <p:sp>
         <p:nvSpPr>
-          <p:cNvPr id="6" name="文本占位符 5"/>
-          <p:cNvSpPr>
-            <a:spLocks noGrp="1"/>
-          </p:cNvSpPr>
-          <p:nvPr>
-            <p:ph type="body" sz="quarter" idx="13"/>
-          </p:nvPr>
+          <p:cNvPr id="4" name="文本框 3">
+            <a:extLst>
+              <a:ext uri="{FF2B5EF4-FFF2-40B4-BE49-F238E27FC236}">
+                <a16:creationId xmlns:a16="http://schemas.microsoft.com/office/drawing/2014/main" id="{3F8655A8-9940-4E60-80B3-4B481E12CD96}"/>
+              </a:ext>
+            </a:extLst>
+          </p:cNvPr>
+          <p:cNvSpPr txBox="1"/>
+          <p:nvPr/>
         </p:nvSpPr>
-        <p:spPr/>
+        <p:spPr>
+          <a:xfrm>
+            <a:off x="243311" y="1997476"/>
+            <a:ext cx="6628006" cy="325025"/>
+          </a:xfrm>
+          <a:prstGeom prst="rect">
+            <a:avLst/>
+          </a:prstGeom>
+          <a:noFill/>
+        </p:spPr>
         <p:txBody>
-          <a:bodyPr/>
+          <a:bodyPr wrap="square" rtlCol="0">
+            <a:spAutoFit/>
+          </a:bodyPr>
           <a:lstStyle/>
           <a:p>
             <a:r>
+              <a:rPr lang="en-US" altLang="zh-CN" b="1" dirty="0"/>
+              <a:t>2. </a:t>
+            </a:r>
+            <a:r>
+              <a:rPr lang="zh-CN" altLang="en-US" b="1" dirty="0"/>
+              <a:t>链式调用方法</a:t>
+            </a:r>
+            <a:r>
               <a:rPr lang="zh-CN" altLang="en-US" dirty="0"/>
-              <a:t>可以显著简化代码</a:t>
+              <a:t>：通过链式调用，可以由给定的排序器衍生出其它排序器</a:t>
             </a:r>
           </a:p>
         </p:txBody>
       </p:sp>
-      <p:sp>
-        <p:nvSpPr>
-          <p:cNvPr id="9" name="文本占位符 8"/>
-          <p:cNvSpPr>
-            <a:spLocks noGrp="1"/>
-          </p:cNvSpPr>
-          <p:nvPr>
-            <p:ph type="body" sz="quarter" idx="14"/>
-          </p:nvPr>
-        </p:nvSpPr>
-        <p:spPr/>
-        <p:txBody>
-          <a:bodyPr/>
-          <a:lstStyle/>
-          <a:p>
-            <a:r>
-              <a:rPr lang="en-US" altLang="zh-CN" dirty="0"/>
-              <a:t>04</a:t>
-            </a:r>
-            <a:endParaRPr lang="zh-CN" altLang="en-US" dirty="0"/>
-          </a:p>
-        </p:txBody>
-      </p:sp>
+      <p:pic>
+        <p:nvPicPr>
+          <p:cNvPr id="6" name="图片 5">
+            <a:extLst>
+              <a:ext uri="{FF2B5EF4-FFF2-40B4-BE49-F238E27FC236}">
+                <a16:creationId xmlns:a16="http://schemas.microsoft.com/office/drawing/2014/main" id="{653F28D8-6A0B-48E0-BEF5-B5091B2ECA8F}"/>
+              </a:ext>
+            </a:extLst>
+          </p:cNvPr>
+          <p:cNvPicPr>
+            <a:picLocks noChangeAspect="1"/>
+          </p:cNvPicPr>
+          <p:nvPr/>
+        </p:nvPicPr>
+        <p:blipFill>
+          <a:blip r:embed="rId2"/>
+          <a:stretch>
+            <a:fillRect/>
+          </a:stretch>
+        </p:blipFill>
+        <p:spPr>
+          <a:xfrm>
+            <a:off x="243310" y="2414726"/>
+            <a:ext cx="8900689" cy="3616389"/>
+          </a:xfrm>
+          <a:prstGeom prst="rect">
+            <a:avLst/>
+          </a:prstGeom>
+        </p:spPr>
+      </p:pic>
     </p:spTree>
     <p:extLst>
       <p:ext uri="{BB962C8B-B14F-4D97-AF65-F5344CB8AC3E}">
-        <p14:creationId xmlns:p14="http://schemas.microsoft.com/office/powerpoint/2010/main" val="2674867946"/>
+        <p14:creationId xmlns:p14="http://schemas.microsoft.com/office/powerpoint/2010/main" val="1057471590"/>
       </p:ext>
     </p:extLst>
   </p:cSld>

--- a/Guava介绍.pptx
+++ b/Guava介绍.pptx
@@ -5,7 +5,7 @@
     <p:sldMasterId id="2147483676" r:id="rId1"/>
   </p:sldMasterIdLst>
   <p:notesMasterIdLst>
-    <p:notesMasterId r:id="rId28"/>
+    <p:notesMasterId r:id="rId43"/>
   </p:notesMasterIdLst>
   <p:sldIdLst>
     <p:sldId id="256" r:id="rId2"/>
@@ -21,19 +21,34 @@
     <p:sldId id="322" r:id="rId12"/>
     <p:sldId id="323" r:id="rId13"/>
     <p:sldId id="324" r:id="rId14"/>
-    <p:sldId id="325" r:id="rId15"/>
-    <p:sldId id="306" r:id="rId16"/>
-    <p:sldId id="307" r:id="rId17"/>
-    <p:sldId id="308" r:id="rId18"/>
-    <p:sldId id="309" r:id="rId19"/>
-    <p:sldId id="310" r:id="rId20"/>
-    <p:sldId id="311" r:id="rId21"/>
-    <p:sldId id="312" r:id="rId22"/>
-    <p:sldId id="313" r:id="rId23"/>
-    <p:sldId id="314" r:id="rId24"/>
-    <p:sldId id="315" r:id="rId25"/>
-    <p:sldId id="316" r:id="rId26"/>
-    <p:sldId id="262" r:id="rId27"/>
+    <p:sldId id="327" r:id="rId15"/>
+    <p:sldId id="328" r:id="rId16"/>
+    <p:sldId id="329" r:id="rId17"/>
+    <p:sldId id="325" r:id="rId18"/>
+    <p:sldId id="330" r:id="rId19"/>
+    <p:sldId id="331" r:id="rId20"/>
+    <p:sldId id="332" r:id="rId21"/>
+    <p:sldId id="306" r:id="rId22"/>
+    <p:sldId id="333" r:id="rId23"/>
+    <p:sldId id="334" r:id="rId24"/>
+    <p:sldId id="335" r:id="rId25"/>
+    <p:sldId id="336" r:id="rId26"/>
+    <p:sldId id="337" r:id="rId27"/>
+    <p:sldId id="338" r:id="rId28"/>
+    <p:sldId id="339" r:id="rId29"/>
+    <p:sldId id="341" r:id="rId30"/>
+    <p:sldId id="342" r:id="rId31"/>
+    <p:sldId id="307" r:id="rId32"/>
+    <p:sldId id="308" r:id="rId33"/>
+    <p:sldId id="309" r:id="rId34"/>
+    <p:sldId id="310" r:id="rId35"/>
+    <p:sldId id="311" r:id="rId36"/>
+    <p:sldId id="312" r:id="rId37"/>
+    <p:sldId id="313" r:id="rId38"/>
+    <p:sldId id="314" r:id="rId39"/>
+    <p:sldId id="315" r:id="rId40"/>
+    <p:sldId id="316" r:id="rId41"/>
+    <p:sldId id="262" r:id="rId42"/>
   </p:sldIdLst>
   <p:sldSz cx="9144000" cy="6858000" type="screen4x3"/>
   <p:notesSz cx="6858000" cy="9144000"/>
@@ -11743,6 +11758,215 @@
           </a:p>
         </p:txBody>
       </p:sp>
+      <p:sp>
+        <p:nvSpPr>
+          <p:cNvPr id="4" name="文本框 3">
+            <a:extLst>
+              <a:ext uri="{FF2B5EF4-FFF2-40B4-BE49-F238E27FC236}">
+                <a16:creationId xmlns:a16="http://schemas.microsoft.com/office/drawing/2014/main" id="{15247CA9-5771-42D6-9149-3C3E0AE043D4}"/>
+              </a:ext>
+            </a:extLst>
+          </p:cNvPr>
+          <p:cNvSpPr txBox="1"/>
+          <p:nvPr/>
+        </p:nvSpPr>
+        <p:spPr>
+          <a:xfrm>
+            <a:off x="243311" y="1837267"/>
+            <a:ext cx="8019211" cy="3350020"/>
+          </a:xfrm>
+          <a:prstGeom prst="rect">
+            <a:avLst/>
+          </a:prstGeom>
+          <a:noFill/>
+        </p:spPr>
+        <p:txBody>
+          <a:bodyPr wrap="square" rtlCol="0">
+            <a:spAutoFit/>
+          </a:bodyPr>
+          <a:lstStyle/>
+          <a:p>
+            <a:r>
+              <a:rPr lang="zh-CN" altLang="en-US" dirty="0"/>
+              <a:t>优点：</a:t>
+            </a:r>
+            <a:endParaRPr lang="en-US" altLang="zh-CN" dirty="0"/>
+          </a:p>
+          <a:p>
+            <a:pPr marL="342900" indent="-342900">
+              <a:buFont typeface="+mj-lt"/>
+              <a:buAutoNum type="arabicPeriod"/>
+            </a:pPr>
+            <a:r>
+              <a:rPr lang="zh-CN" altLang="en-US" dirty="0"/>
+              <a:t>当对象被不可信的库调用时，不可变形式是安全的；</a:t>
+            </a:r>
+            <a:endParaRPr lang="en-US" altLang="zh-CN" dirty="0"/>
+          </a:p>
+          <a:p>
+            <a:pPr marL="342900" indent="-342900">
+              <a:buFont typeface="+mj-lt"/>
+              <a:buAutoNum type="arabicPeriod"/>
+            </a:pPr>
+            <a:r>
+              <a:rPr lang="zh-CN" altLang="en-US" dirty="0"/>
+              <a:t>不可变对象被多个线程调用时，不存在竞态条件问题</a:t>
+            </a:r>
+            <a:endParaRPr lang="en-US" altLang="zh-CN" dirty="0"/>
+          </a:p>
+          <a:p>
+            <a:pPr marL="342900" indent="-342900">
+              <a:buFont typeface="+mj-lt"/>
+              <a:buAutoNum type="arabicPeriod"/>
+            </a:pPr>
+            <a:r>
+              <a:rPr lang="zh-CN" altLang="en-US" dirty="0"/>
+              <a:t>不可变集合不需要考虑变化，因此可以节省时间和空间。所有不可变的集合都比它们的可变形式有更好的内存利用率（分析和测试细节）；</a:t>
+            </a:r>
+            <a:endParaRPr lang="en-US" altLang="zh-CN" dirty="0"/>
+          </a:p>
+          <a:p>
+            <a:pPr marL="342900" indent="-342900">
+              <a:buFont typeface="+mj-lt"/>
+              <a:buAutoNum type="arabicPeriod"/>
+            </a:pPr>
+            <a:r>
+              <a:rPr lang="zh-CN" altLang="en-US" dirty="0"/>
+              <a:t>不可变对象因为有固定不变，可以作为常量来安全使用。</a:t>
+            </a:r>
+          </a:p>
+          <a:p>
+            <a:endParaRPr lang="en-US" altLang="zh-CN" dirty="0"/>
+          </a:p>
+          <a:p>
+            <a:r>
+              <a:rPr lang="zh-CN" altLang="en-US" dirty="0"/>
+              <a:t>使用方式：</a:t>
+            </a:r>
+            <a:endParaRPr lang="en-US" altLang="zh-CN" dirty="0"/>
+          </a:p>
+          <a:p>
+            <a:pPr marL="342900" indent="-342900">
+              <a:buFont typeface="+mj-lt"/>
+              <a:buAutoNum type="arabicPeriod"/>
+            </a:pPr>
+            <a:r>
+              <a:rPr lang="en-US" altLang="zh-CN" dirty="0" err="1"/>
+              <a:t>copyOf</a:t>
+            </a:r>
+            <a:r>
+              <a:rPr lang="zh-CN" altLang="en-US" dirty="0"/>
+              <a:t>方法，如</a:t>
+            </a:r>
+            <a:r>
+              <a:rPr lang="en-US" altLang="zh-CN" dirty="0" err="1"/>
+              <a:t>ImmutableSet.copyOf</a:t>
+            </a:r>
+            <a:r>
+              <a:rPr lang="en-US" altLang="zh-CN" dirty="0"/>
+              <a:t>(set);</a:t>
+            </a:r>
+          </a:p>
+          <a:p>
+            <a:pPr marL="342900" indent="-342900">
+              <a:buFont typeface="+mj-lt"/>
+              <a:buAutoNum type="arabicPeriod"/>
+            </a:pPr>
+            <a:r>
+              <a:rPr lang="en-US" altLang="zh-CN" dirty="0"/>
+              <a:t>of</a:t>
+            </a:r>
+            <a:r>
+              <a:rPr lang="zh-CN" altLang="en-US" dirty="0"/>
+              <a:t>方法，如</a:t>
+            </a:r>
+            <a:r>
+              <a:rPr lang="en-US" altLang="zh-CN" dirty="0" err="1"/>
+              <a:t>ImmutableSet.of</a:t>
+            </a:r>
+            <a:r>
+              <a:rPr lang="en-US" altLang="zh-CN" dirty="0"/>
+              <a:t>(“a”, “b”, “c”)</a:t>
+            </a:r>
+            <a:r>
+              <a:rPr lang="zh-CN" altLang="en-US" dirty="0"/>
+              <a:t>或 </a:t>
+            </a:r>
+            <a:r>
+              <a:rPr lang="en-US" altLang="zh-CN" dirty="0" err="1"/>
+              <a:t>ImmutableMap.of</a:t>
+            </a:r>
+            <a:r>
+              <a:rPr lang="en-US" altLang="zh-CN" dirty="0"/>
+              <a:t>(“a”, 1, “b”, 2);</a:t>
+            </a:r>
+          </a:p>
+          <a:p>
+            <a:pPr marL="342900" indent="-342900">
+              <a:buFont typeface="+mj-lt"/>
+              <a:buAutoNum type="arabicPeriod"/>
+            </a:pPr>
+            <a:r>
+              <a:rPr lang="en-US" altLang="zh-CN" dirty="0"/>
+              <a:t>Builder</a:t>
+            </a:r>
+            <a:r>
+              <a:rPr lang="zh-CN" altLang="en-US" dirty="0"/>
+              <a:t>工具，如</a:t>
+            </a:r>
+            <a:endParaRPr lang="en-US" altLang="zh-CN" dirty="0"/>
+          </a:p>
+          <a:p>
+            <a:pPr marL="342900" indent="-342900">
+              <a:buFont typeface="+mj-lt"/>
+              <a:buAutoNum type="arabicPeriod"/>
+            </a:pPr>
+            <a:endParaRPr lang="en-US" altLang="zh-CN" dirty="0"/>
+          </a:p>
+          <a:p>
+            <a:r>
+              <a:rPr lang="en-US" altLang="zh-CN" dirty="0"/>
+              <a:t>asList</a:t>
+            </a:r>
+            <a:r>
+              <a:rPr lang="zh-CN" altLang="en-US" dirty="0"/>
+              <a:t>视图：</a:t>
+            </a:r>
+            <a:endParaRPr lang="en-US" altLang="zh-CN" dirty="0"/>
+          </a:p>
+          <a:p>
+            <a:r>
+              <a:rPr lang="en-US" altLang="zh-CN" dirty="0"/>
+              <a:t>	</a:t>
+            </a:r>
+            <a:r>
+              <a:rPr lang="en-US" altLang="zh-CN" dirty="0" err="1"/>
+              <a:t>sortedSet.asList</a:t>
+            </a:r>
+            <a:r>
+              <a:rPr lang="en-US" altLang="zh-CN" dirty="0"/>
+              <a:t>().get(k)    //</a:t>
+            </a:r>
+            <a:r>
+              <a:rPr lang="en-US" altLang="zh-CN" dirty="0" err="1"/>
+              <a:t>ImmutableSortedSet</a:t>
+            </a:r>
+            <a:r>
+              <a:rPr lang="zh-CN" altLang="en-US" dirty="0"/>
+              <a:t>中读取第</a:t>
+            </a:r>
+            <a:r>
+              <a:rPr lang="en-US" altLang="zh-CN" dirty="0"/>
+              <a:t>k</a:t>
+            </a:r>
+            <a:r>
+              <a:rPr lang="zh-CN" altLang="en-US" dirty="0"/>
+              <a:t>个最小元素</a:t>
+            </a:r>
+            <a:endParaRPr lang="en-US" altLang="zh-CN" dirty="0"/>
+          </a:p>
+        </p:txBody>
+      </p:sp>
     </p:spTree>
     <p:extLst>
       <p:ext uri="{BB962C8B-B14F-4D97-AF65-F5344CB8AC3E}">
@@ -11794,10 +12018,49 @@
           <a:bodyPr/>
           <a:lstStyle/>
           <a:p>
-            <a:endParaRPr lang="zh-CN" altLang="en-US"/>
+            <a:r>
+              <a:rPr lang="zh-CN" altLang="en-US" dirty="0"/>
+              <a:t>关联可变集合和不可变集合</a:t>
+            </a:r>
+          </a:p>
+          <a:p>
+            <a:endParaRPr lang="zh-CN" altLang="en-US" dirty="0"/>
+          </a:p>
+          <a:p>
+            <a:endParaRPr lang="zh-CN" altLang="en-US" dirty="0"/>
           </a:p>
         </p:txBody>
       </p:sp>
+      <p:pic>
+        <p:nvPicPr>
+          <p:cNvPr id="5" name="图片 4">
+            <a:extLst>
+              <a:ext uri="{FF2B5EF4-FFF2-40B4-BE49-F238E27FC236}">
+                <a16:creationId xmlns:a16="http://schemas.microsoft.com/office/drawing/2014/main" id="{C6A6836E-E7D8-48FF-945D-81452CA303E6}"/>
+              </a:ext>
+            </a:extLst>
+          </p:cNvPr>
+          <p:cNvPicPr>
+            <a:picLocks noChangeAspect="1"/>
+          </p:cNvPicPr>
+          <p:nvPr/>
+        </p:nvPicPr>
+        <p:blipFill>
+          <a:blip r:embed="rId2"/>
+          <a:stretch>
+            <a:fillRect/>
+          </a:stretch>
+        </p:blipFill>
+        <p:spPr>
+          <a:xfrm>
+            <a:off x="520977" y="1667932"/>
+            <a:ext cx="7505423" cy="5190068"/>
+          </a:xfrm>
+          <a:prstGeom prst="rect">
+            <a:avLst/>
+          </a:prstGeom>
+        </p:spPr>
+      </p:pic>
     </p:spTree>
     <p:extLst>
       <p:ext uri="{BB962C8B-B14F-4D97-AF65-F5344CB8AC3E}">
@@ -11849,7 +12112,358 @@
           <a:bodyPr/>
           <a:lstStyle/>
           <a:p>
-            <a:endParaRPr lang="zh-CN" altLang="en-US"/>
+            <a:r>
+              <a:rPr lang="zh-CN" altLang="en-US" b="0" dirty="0"/>
+              <a:t>新集合类型（</a:t>
+            </a:r>
+            <a:r>
+              <a:rPr lang="en-US" altLang="zh-CN" dirty="0"/>
+              <a:t> Multiset </a:t>
+            </a:r>
+            <a:r>
+              <a:rPr lang="zh-CN" altLang="en-US" b="0" dirty="0"/>
+              <a:t>）</a:t>
+            </a:r>
+            <a:endParaRPr lang="zh-CN" altLang="en-US" dirty="0"/>
+          </a:p>
+        </p:txBody>
+      </p:sp>
+      <p:sp>
+        <p:nvSpPr>
+          <p:cNvPr id="2" name="文本框 1">
+            <a:extLst>
+              <a:ext uri="{FF2B5EF4-FFF2-40B4-BE49-F238E27FC236}">
+                <a16:creationId xmlns:a16="http://schemas.microsoft.com/office/drawing/2014/main" id="{3F0534C9-3F09-49CD-A8F9-3003E1EF9FED}"/>
+              </a:ext>
+            </a:extLst>
+          </p:cNvPr>
+          <p:cNvSpPr txBox="1"/>
+          <p:nvPr/>
+        </p:nvSpPr>
+        <p:spPr>
+          <a:xfrm>
+            <a:off x="243311" y="1854201"/>
+            <a:ext cx="8616017" cy="3582712"/>
+          </a:xfrm>
+          <a:prstGeom prst="rect">
+            <a:avLst/>
+          </a:prstGeom>
+          <a:noFill/>
+        </p:spPr>
+        <p:txBody>
+          <a:bodyPr wrap="square" rtlCol="0">
+            <a:spAutoFit/>
+          </a:bodyPr>
+          <a:lstStyle/>
+          <a:p>
+            <a:r>
+              <a:rPr lang="en-US" altLang="zh-CN" b="1" dirty="0"/>
+              <a:t>Multiset</a:t>
+            </a:r>
+            <a:r>
+              <a:rPr lang="zh-CN" altLang="en-US" b="1" dirty="0"/>
+              <a:t>（无序的</a:t>
+            </a:r>
+            <a:r>
+              <a:rPr lang="en-US" altLang="zh-CN" dirty="0" err="1"/>
+              <a:t>ArrayList</a:t>
+            </a:r>
+            <a:r>
+              <a:rPr lang="en-US" altLang="zh-CN" dirty="0"/>
+              <a:t>  &amp;&amp; Map&lt;E, Integer&gt; </a:t>
+            </a:r>
+            <a:r>
+              <a:rPr lang="zh-CN" altLang="en-US" b="1" dirty="0"/>
+              <a:t>）</a:t>
+            </a:r>
+            <a:endParaRPr lang="en-US" altLang="zh-CN" b="1" dirty="0"/>
+          </a:p>
+          <a:p>
+            <a:pPr marL="342900" indent="-342900">
+              <a:buFont typeface="+mj-lt"/>
+              <a:buAutoNum type="arabicPeriod"/>
+            </a:pPr>
+            <a:r>
+              <a:rPr lang="zh-CN" altLang="en-US" dirty="0"/>
+              <a:t>无序的</a:t>
+            </a:r>
+            <a:r>
+              <a:rPr lang="en-US" altLang="zh-CN" dirty="0" err="1"/>
+              <a:t>ArrayList</a:t>
+            </a:r>
+            <a:r>
+              <a:rPr lang="zh-CN" altLang="en-US" dirty="0"/>
+              <a:t>：</a:t>
+            </a:r>
+            <a:endParaRPr lang="en-US" altLang="zh-CN" dirty="0"/>
+          </a:p>
+          <a:p>
+            <a:pPr marL="726902" lvl="1" indent="-342900">
+              <a:buFont typeface="+mj-lt"/>
+              <a:buAutoNum type="arabicPeriod"/>
+            </a:pPr>
+            <a:r>
+              <a:rPr lang="en-US" altLang="zh-CN" dirty="0"/>
+              <a:t>add(E)</a:t>
+            </a:r>
+            <a:r>
+              <a:rPr lang="zh-CN" altLang="en-US" dirty="0"/>
+              <a:t>添加单个给定元素，</a:t>
+            </a:r>
+            <a:r>
+              <a:rPr lang="en-US" altLang="zh-CN" dirty="0" err="1"/>
+              <a:t>addAll</a:t>
+            </a:r>
+            <a:r>
+              <a:rPr lang="en-US" altLang="zh-CN" dirty="0"/>
+              <a:t>(Collection</a:t>
+            </a:r>
+            <a:r>
+              <a:rPr lang="zh-CN" altLang="en-US" dirty="0"/>
+              <a:t>添加集合中所有元素</a:t>
+            </a:r>
+            <a:endParaRPr lang="en-US" altLang="zh-CN" dirty="0"/>
+          </a:p>
+          <a:p>
+            <a:pPr marL="726902" lvl="1" indent="-342900">
+              <a:buFont typeface="+mj-lt"/>
+              <a:buAutoNum type="arabicPeriod"/>
+            </a:pPr>
+            <a:r>
+              <a:rPr lang="en-US" altLang="zh-CN" dirty="0"/>
+              <a:t>iterator()</a:t>
+            </a:r>
+            <a:r>
+              <a:rPr lang="zh-CN" altLang="en-US" dirty="0"/>
+              <a:t>返回一个迭代器，包含</a:t>
+            </a:r>
+            <a:r>
+              <a:rPr lang="en-US" altLang="zh-CN" dirty="0"/>
+              <a:t>Multiset</a:t>
+            </a:r>
+            <a:r>
+              <a:rPr lang="zh-CN" altLang="en-US" dirty="0"/>
+              <a:t>的所有元素（包括重复的元素）</a:t>
+            </a:r>
+            <a:endParaRPr lang="en-US" altLang="zh-CN" dirty="0"/>
+          </a:p>
+          <a:p>
+            <a:pPr marL="726902" lvl="1" indent="-342900">
+              <a:buFont typeface="+mj-lt"/>
+              <a:buAutoNum type="arabicPeriod"/>
+            </a:pPr>
+            <a:r>
+              <a:rPr lang="en-US" altLang="zh-CN" dirty="0"/>
+              <a:t>size()</a:t>
+            </a:r>
+            <a:r>
+              <a:rPr lang="zh-CN" altLang="en-US" dirty="0"/>
+              <a:t>返回所有元素的总个数（包括重复的元素）</a:t>
+            </a:r>
+            <a:endParaRPr lang="en-US" altLang="zh-CN" dirty="0"/>
+          </a:p>
+          <a:p>
+            <a:pPr marL="342900" indent="-342900">
+              <a:buFont typeface="+mj-lt"/>
+              <a:buAutoNum type="arabicPeriod"/>
+            </a:pPr>
+            <a:r>
+              <a:rPr lang="zh-CN" altLang="en-US" dirty="0"/>
+              <a:t>当把</a:t>
+            </a:r>
+            <a:r>
+              <a:rPr lang="en-US" altLang="zh-CN" dirty="0"/>
+              <a:t>Multiset</a:t>
+            </a:r>
+            <a:r>
+              <a:rPr lang="zh-CN" altLang="en-US" dirty="0"/>
+              <a:t>看作</a:t>
+            </a:r>
+            <a:r>
+              <a:rPr lang="en-US" altLang="zh-CN" dirty="0"/>
+              <a:t>Map&lt;E, Integer&gt;</a:t>
+            </a:r>
+            <a:r>
+              <a:rPr lang="zh-CN" altLang="en-US" dirty="0"/>
+              <a:t>时</a:t>
+            </a:r>
+            <a:endParaRPr lang="en-US" altLang="zh-CN" dirty="0"/>
+          </a:p>
+          <a:p>
+            <a:pPr marL="726902" lvl="1" indent="-342900">
+              <a:buFont typeface="+mj-lt"/>
+              <a:buAutoNum type="arabicPeriod"/>
+            </a:pPr>
+            <a:r>
+              <a:rPr lang="en-US" altLang="zh-CN" dirty="0"/>
+              <a:t>count(Object)</a:t>
+            </a:r>
+            <a:r>
+              <a:rPr lang="zh-CN" altLang="en-US" dirty="0"/>
+              <a:t>返回给定元素的计数。</a:t>
+            </a:r>
+            <a:r>
+              <a:rPr lang="en-US" altLang="zh-CN" dirty="0" err="1"/>
+              <a:t>HashMultiset.count</a:t>
+            </a:r>
+            <a:r>
+              <a:rPr lang="zh-CN" altLang="en-US" dirty="0"/>
+              <a:t>的复杂度为</a:t>
+            </a:r>
+            <a:r>
+              <a:rPr lang="en-US" altLang="zh-CN" dirty="0"/>
+              <a:t>O(1)</a:t>
+            </a:r>
+            <a:r>
+              <a:rPr lang="zh-CN" altLang="en-US" dirty="0"/>
+              <a:t>，</a:t>
+            </a:r>
+            <a:r>
+              <a:rPr lang="en-US" altLang="zh-CN" dirty="0" err="1"/>
+              <a:t>TreeMultiset.count</a:t>
+            </a:r>
+            <a:r>
+              <a:rPr lang="zh-CN" altLang="en-US" dirty="0"/>
+              <a:t>的复杂度为</a:t>
+            </a:r>
+            <a:r>
+              <a:rPr lang="en-US" altLang="zh-CN" dirty="0"/>
+              <a:t>O(log n)</a:t>
+            </a:r>
+            <a:r>
+              <a:rPr lang="zh-CN" altLang="en-US" dirty="0"/>
+              <a:t>。</a:t>
+            </a:r>
+            <a:endParaRPr lang="en-US" altLang="zh-CN" dirty="0"/>
+          </a:p>
+          <a:p>
+            <a:pPr marL="726902" lvl="1" indent="-342900">
+              <a:buFont typeface="+mj-lt"/>
+              <a:buAutoNum type="arabicPeriod"/>
+            </a:pPr>
+            <a:r>
+              <a:rPr lang="en-US" altLang="zh-CN" dirty="0" err="1"/>
+              <a:t>entrySet</a:t>
+            </a:r>
+            <a:r>
+              <a:rPr lang="en-US" altLang="zh-CN" dirty="0"/>
+              <a:t>()</a:t>
+            </a:r>
+            <a:r>
+              <a:rPr lang="zh-CN" altLang="en-US" dirty="0"/>
+              <a:t>返回</a:t>
+            </a:r>
+            <a:r>
+              <a:rPr lang="en-US" altLang="zh-CN" dirty="0"/>
+              <a:t>Set&lt;</a:t>
+            </a:r>
+            <a:r>
+              <a:rPr lang="en-US" altLang="zh-CN" dirty="0" err="1"/>
+              <a:t>Multiset.Entry</a:t>
+            </a:r>
+            <a:r>
+              <a:rPr lang="en-US" altLang="zh-CN" dirty="0"/>
+              <a:t>&lt;E&gt;&gt;</a:t>
+            </a:r>
+            <a:r>
+              <a:rPr lang="zh-CN" altLang="en-US" dirty="0"/>
+              <a:t>，和</a:t>
+            </a:r>
+            <a:r>
+              <a:rPr lang="en-US" altLang="zh-CN" dirty="0"/>
+              <a:t>Map</a:t>
+            </a:r>
+            <a:r>
+              <a:rPr lang="zh-CN" altLang="en-US" dirty="0"/>
+              <a:t>的</a:t>
+            </a:r>
+            <a:r>
+              <a:rPr lang="en-US" altLang="zh-CN" dirty="0" err="1"/>
+              <a:t>entrySet</a:t>
+            </a:r>
+            <a:r>
+              <a:rPr lang="zh-CN" altLang="en-US" dirty="0"/>
+              <a:t>类似。</a:t>
+            </a:r>
+            <a:endParaRPr lang="en-US" altLang="zh-CN" dirty="0"/>
+          </a:p>
+          <a:p>
+            <a:pPr marL="726902" lvl="1" indent="-342900">
+              <a:buFont typeface="+mj-lt"/>
+              <a:buAutoNum type="arabicPeriod"/>
+            </a:pPr>
+            <a:r>
+              <a:rPr lang="en-US" altLang="zh-CN" dirty="0" err="1"/>
+              <a:t>elementSet</a:t>
+            </a:r>
+            <a:r>
+              <a:rPr lang="en-US" altLang="zh-CN" dirty="0"/>
+              <a:t>()</a:t>
+            </a:r>
+            <a:r>
+              <a:rPr lang="zh-CN" altLang="en-US" dirty="0"/>
+              <a:t>返回所有不重复元素的</a:t>
+            </a:r>
+            <a:r>
+              <a:rPr lang="en-US" altLang="zh-CN" dirty="0"/>
+              <a:t>Set&lt;E&gt;</a:t>
+            </a:r>
+            <a:r>
+              <a:rPr lang="zh-CN" altLang="en-US" dirty="0"/>
+              <a:t>，和</a:t>
+            </a:r>
+            <a:r>
+              <a:rPr lang="en-US" altLang="zh-CN" dirty="0"/>
+              <a:t>Map</a:t>
+            </a:r>
+            <a:r>
+              <a:rPr lang="zh-CN" altLang="en-US" dirty="0"/>
+              <a:t>的</a:t>
+            </a:r>
+            <a:r>
+              <a:rPr lang="en-US" altLang="zh-CN" dirty="0" err="1"/>
+              <a:t>keySet</a:t>
+            </a:r>
+            <a:r>
+              <a:rPr lang="en-US" altLang="zh-CN" dirty="0"/>
+              <a:t>()</a:t>
+            </a:r>
+            <a:r>
+              <a:rPr lang="zh-CN" altLang="en-US" dirty="0"/>
+              <a:t>类似。</a:t>
+            </a:r>
+            <a:endParaRPr lang="en-US" altLang="zh-CN" dirty="0"/>
+          </a:p>
+          <a:p>
+            <a:pPr marL="726902" lvl="1" indent="-342900">
+              <a:buFont typeface="+mj-lt"/>
+              <a:buAutoNum type="arabicPeriod"/>
+            </a:pPr>
+            <a:r>
+              <a:rPr lang="zh-CN" altLang="en-US" dirty="0"/>
+              <a:t>所有</a:t>
+            </a:r>
+            <a:r>
+              <a:rPr lang="en-US" altLang="zh-CN" dirty="0"/>
+              <a:t>Multiset</a:t>
+            </a:r>
+            <a:r>
+              <a:rPr lang="zh-CN" altLang="en-US" dirty="0"/>
+              <a:t>实现的内存消耗随着不重复元素的个数线性增长。</a:t>
+            </a:r>
+          </a:p>
+          <a:p>
+            <a:pPr lvl="1"/>
+            <a:endParaRPr lang="zh-CN" altLang="en-US" dirty="0"/>
+          </a:p>
+          <a:p>
+            <a:endParaRPr lang="en-US" altLang="zh-CN" b="1" dirty="0"/>
+          </a:p>
+          <a:p>
+            <a:endParaRPr lang="en-US" altLang="zh-CN" dirty="0"/>
+          </a:p>
+          <a:p>
+            <a:endParaRPr lang="zh-CN" altLang="en-US" dirty="0"/>
           </a:p>
         </p:txBody>
       </p:sp>
@@ -11904,14 +12518,98 @@
           <a:bodyPr/>
           <a:lstStyle/>
           <a:p>
-            <a:endParaRPr lang="zh-CN" altLang="en-US"/>
+            <a:r>
+              <a:rPr lang="zh-CN" altLang="en-US" b="0" dirty="0"/>
+              <a:t>新集合类型（</a:t>
+            </a:r>
+            <a:r>
+              <a:rPr lang="en-US" altLang="zh-CN" dirty="0"/>
+              <a:t> Multiset </a:t>
+            </a:r>
+            <a:r>
+              <a:rPr lang="zh-CN" altLang="en-US" b="0" dirty="0"/>
+              <a:t>）</a:t>
+            </a:r>
+            <a:endParaRPr lang="zh-CN" altLang="en-US" dirty="0"/>
           </a:p>
         </p:txBody>
       </p:sp>
+      <p:sp>
+        <p:nvSpPr>
+          <p:cNvPr id="2" name="文本框 1">
+            <a:extLst>
+              <a:ext uri="{FF2B5EF4-FFF2-40B4-BE49-F238E27FC236}">
+                <a16:creationId xmlns:a16="http://schemas.microsoft.com/office/drawing/2014/main" id="{3F0534C9-3F09-49CD-A8F9-3003E1EF9FED}"/>
+              </a:ext>
+            </a:extLst>
+          </p:cNvPr>
+          <p:cNvSpPr txBox="1"/>
+          <p:nvPr/>
+        </p:nvSpPr>
+        <p:spPr>
+          <a:xfrm>
+            <a:off x="243311" y="1854201"/>
+            <a:ext cx="8616017" cy="1023101"/>
+          </a:xfrm>
+          <a:prstGeom prst="rect">
+            <a:avLst/>
+          </a:prstGeom>
+          <a:noFill/>
+        </p:spPr>
+        <p:txBody>
+          <a:bodyPr wrap="square" rtlCol="0">
+            <a:spAutoFit/>
+          </a:bodyPr>
+          <a:lstStyle/>
+          <a:p>
+            <a:pPr lvl="1"/>
+            <a:endParaRPr lang="zh-CN" altLang="en-US" dirty="0"/>
+          </a:p>
+          <a:p>
+            <a:endParaRPr lang="en-US" altLang="zh-CN" b="1" dirty="0"/>
+          </a:p>
+          <a:p>
+            <a:endParaRPr lang="en-US" altLang="zh-CN" dirty="0"/>
+          </a:p>
+          <a:p>
+            <a:endParaRPr lang="zh-CN" altLang="en-US" dirty="0"/>
+          </a:p>
+        </p:txBody>
+      </p:sp>
+      <p:pic>
+        <p:nvPicPr>
+          <p:cNvPr id="6" name="图片 5">
+            <a:extLst>
+              <a:ext uri="{FF2B5EF4-FFF2-40B4-BE49-F238E27FC236}">
+                <a16:creationId xmlns:a16="http://schemas.microsoft.com/office/drawing/2014/main" id="{61B1142D-C434-4E5B-81B2-00D66217FB72}"/>
+              </a:ext>
+            </a:extLst>
+          </p:cNvPr>
+          <p:cNvPicPr>
+            <a:picLocks noChangeAspect="1"/>
+          </p:cNvPicPr>
+          <p:nvPr/>
+        </p:nvPicPr>
+        <p:blipFill>
+          <a:blip r:embed="rId2"/>
+          <a:stretch>
+            <a:fillRect/>
+          </a:stretch>
+        </p:blipFill>
+        <p:spPr>
+          <a:xfrm>
+            <a:off x="428023" y="1700742"/>
+            <a:ext cx="3305175" cy="4895850"/>
+          </a:xfrm>
+          <a:prstGeom prst="rect">
+            <a:avLst/>
+          </a:prstGeom>
+        </p:spPr>
+      </p:pic>
     </p:spTree>
     <p:extLst>
       <p:ext uri="{BB962C8B-B14F-4D97-AF65-F5344CB8AC3E}">
-        <p14:creationId xmlns:p14="http://schemas.microsoft.com/office/powerpoint/2010/main" val="2623131174"/>
+        <p14:creationId xmlns:p14="http://schemas.microsoft.com/office/powerpoint/2010/main" val="389507767"/>
       </p:ext>
     </p:extLst>
   </p:cSld>
@@ -11940,12 +12638,18 @@
       </p:grpSpPr>
       <p:sp>
         <p:nvSpPr>
-          <p:cNvPr id="8" name="标题 7"/>
+          <p:cNvPr id="3" name="文本占位符 2">
+            <a:extLst>
+              <a:ext uri="{FF2B5EF4-FFF2-40B4-BE49-F238E27FC236}">
+                <a16:creationId xmlns:a16="http://schemas.microsoft.com/office/drawing/2014/main" id="{03244420-F962-4115-A1CA-E4ED6E926A57}"/>
+              </a:ext>
+            </a:extLst>
+          </p:cNvPr>
           <p:cNvSpPr>
             <a:spLocks noGrp="1"/>
           </p:cNvSpPr>
           <p:nvPr>
-            <p:ph type="title"/>
+            <p:ph type="body" sz="quarter" idx="10"/>
           </p:nvPr>
         </p:nvSpPr>
         <p:spPr/>
@@ -11954,72 +12658,330 @@
           <a:lstStyle/>
           <a:p>
             <a:r>
-              <a:rPr lang="zh-CN" altLang="en-US" dirty="0"/>
-              <a:t>缓存</a:t>
-            </a:r>
-            <a:br>
+              <a:rPr lang="zh-CN" altLang="en-US" b="0" dirty="0"/>
+              <a:t>新集合类型（</a:t>
+            </a:r>
+            <a:r>
               <a:rPr lang="en-US" altLang="zh-CN" dirty="0"/>
-            </a:br>
-            <a:r>
-              <a:rPr lang="en-US" altLang="zh-CN" dirty="0"/>
-              <a:t>catch</a:t>
-            </a:r>
-            <a:r>
-              <a:rPr lang="zh-CN" altLang="en-US" dirty="0"/>
-              <a:t> </a:t>
-            </a:r>
+              <a:t> Multiset </a:t>
+            </a:r>
+            <a:r>
+              <a:rPr lang="zh-CN" altLang="en-US" b="0" dirty="0"/>
+              <a:t>）</a:t>
+            </a:r>
+            <a:endParaRPr lang="zh-CN" altLang="en-US" dirty="0"/>
           </a:p>
         </p:txBody>
       </p:sp>
       <p:sp>
         <p:nvSpPr>
-          <p:cNvPr id="6" name="文本占位符 5"/>
-          <p:cNvSpPr>
-            <a:spLocks noGrp="1"/>
-          </p:cNvSpPr>
-          <p:nvPr>
-            <p:ph type="body" sz="quarter" idx="13"/>
-          </p:nvPr>
+          <p:cNvPr id="2" name="文本框 1">
+            <a:extLst>
+              <a:ext uri="{FF2B5EF4-FFF2-40B4-BE49-F238E27FC236}">
+                <a16:creationId xmlns:a16="http://schemas.microsoft.com/office/drawing/2014/main" id="{3F0534C9-3F09-49CD-A8F9-3003E1EF9FED}"/>
+              </a:ext>
+            </a:extLst>
+          </p:cNvPr>
+          <p:cNvSpPr txBox="1"/>
+          <p:nvPr/>
         </p:nvSpPr>
-        <p:spPr/>
+        <p:spPr>
+          <a:xfrm>
+            <a:off x="243312" y="1854201"/>
+            <a:ext cx="4066222" cy="4746171"/>
+          </a:xfrm>
+          <a:prstGeom prst="rect">
+            <a:avLst/>
+          </a:prstGeom>
+          <a:noFill/>
+        </p:spPr>
         <p:txBody>
-          <a:bodyPr/>
+          <a:bodyPr wrap="square" rtlCol="0">
+            <a:spAutoFit/>
+          </a:bodyPr>
           <a:lstStyle/>
           <a:p>
-            <a:r>
-              <a:rPr lang="zh-CN" altLang="en-US" dirty="0"/>
-              <a:t>本地缓存实现，支持多种缓存过期策略</a:t>
-            </a:r>
+            <a:pPr lvl="1"/>
+            <a:endParaRPr lang="zh-CN" altLang="en-US" dirty="0"/>
+          </a:p>
+          <a:p>
+            <a:r>
+              <a:rPr lang="zh-CN" altLang="en-US" b="1" dirty="0"/>
+              <a:t>特别注意：</a:t>
+            </a:r>
+            <a:endParaRPr lang="en-US" altLang="zh-CN" b="1" dirty="0"/>
+          </a:p>
+          <a:p>
+            <a:pPr marL="342900" indent="-342900">
+              <a:buFont typeface="+mj-lt"/>
+              <a:buAutoNum type="arabicPeriod"/>
+            </a:pPr>
+            <a:r>
+              <a:rPr lang="en-US" altLang="zh-CN" dirty="0"/>
+              <a:t>Multiset</a:t>
+            </a:r>
+            <a:r>
+              <a:rPr lang="zh-CN" altLang="en-US" dirty="0"/>
+              <a:t>中的元素计数只能是正数。任何元素的计数都不能为负，也不能是</a:t>
+            </a:r>
+            <a:r>
+              <a:rPr lang="en-US" altLang="zh-CN" dirty="0"/>
+              <a:t>0</a:t>
+            </a:r>
+            <a:r>
+              <a:rPr lang="zh-CN" altLang="en-US" dirty="0"/>
+              <a:t>。</a:t>
+            </a:r>
+            <a:r>
+              <a:rPr lang="en-US" altLang="zh-CN" dirty="0" err="1"/>
+              <a:t>elementSet</a:t>
+            </a:r>
+            <a:r>
+              <a:rPr lang="en-US" altLang="zh-CN" dirty="0"/>
+              <a:t>()</a:t>
+            </a:r>
+            <a:r>
+              <a:rPr lang="zh-CN" altLang="en-US" dirty="0"/>
+              <a:t>和</a:t>
+            </a:r>
+            <a:r>
+              <a:rPr lang="en-US" altLang="zh-CN" dirty="0" err="1"/>
+              <a:t>entrySet</a:t>
+            </a:r>
+            <a:r>
+              <a:rPr lang="en-US" altLang="zh-CN" dirty="0"/>
+              <a:t>()</a:t>
+            </a:r>
+            <a:r>
+              <a:rPr lang="zh-CN" altLang="en-US" dirty="0"/>
+              <a:t>视图中也不会有这样的元素。</a:t>
+            </a:r>
+            <a:endParaRPr lang="en-US" altLang="zh-CN" dirty="0"/>
+          </a:p>
+          <a:p>
+            <a:pPr marL="342900" indent="-342900">
+              <a:buFont typeface="+mj-lt"/>
+              <a:buAutoNum type="arabicPeriod"/>
+            </a:pPr>
+            <a:r>
+              <a:rPr lang="en-US" altLang="zh-CN" dirty="0" err="1"/>
+              <a:t>multiset.size</a:t>
+            </a:r>
+            <a:r>
+              <a:rPr lang="en-US" altLang="zh-CN" dirty="0"/>
+              <a:t>()</a:t>
+            </a:r>
+            <a:r>
+              <a:rPr lang="zh-CN" altLang="en-US" dirty="0"/>
+              <a:t>返回集合的大小，等同于所有元素计数的总和。对于不重复元素的个数，应使用</a:t>
+            </a:r>
+            <a:r>
+              <a:rPr lang="en-US" altLang="zh-CN" dirty="0" err="1"/>
+              <a:t>elementSet</a:t>
+            </a:r>
+            <a:r>
+              <a:rPr lang="en-US" altLang="zh-CN" dirty="0"/>
+              <a:t>().size()</a:t>
+            </a:r>
+            <a:r>
+              <a:rPr lang="zh-CN" altLang="en-US" dirty="0"/>
+              <a:t>方法。（因此，</a:t>
+            </a:r>
+            <a:r>
+              <a:rPr lang="en-US" altLang="zh-CN" dirty="0"/>
+              <a:t>add(E)</a:t>
+            </a:r>
+            <a:r>
+              <a:rPr lang="zh-CN" altLang="en-US" dirty="0"/>
+              <a:t>把</a:t>
+            </a:r>
+            <a:r>
+              <a:rPr lang="en-US" altLang="zh-CN" dirty="0" err="1"/>
+              <a:t>multiset.size</a:t>
+            </a:r>
+            <a:r>
+              <a:rPr lang="en-US" altLang="zh-CN" dirty="0"/>
+              <a:t>()</a:t>
+            </a:r>
+            <a:r>
+              <a:rPr lang="zh-CN" altLang="en-US" dirty="0"/>
+              <a:t>增加</a:t>
+            </a:r>
+            <a:r>
+              <a:rPr lang="en-US" altLang="zh-CN" dirty="0"/>
+              <a:t>1</a:t>
+            </a:r>
+            <a:r>
+              <a:rPr lang="zh-CN" altLang="en-US" dirty="0"/>
+              <a:t>）</a:t>
+            </a:r>
+            <a:endParaRPr lang="en-US" altLang="zh-CN" dirty="0"/>
+          </a:p>
+          <a:p>
+            <a:pPr marL="342900" indent="-342900">
+              <a:buFont typeface="+mj-lt"/>
+              <a:buAutoNum type="arabicPeriod"/>
+            </a:pPr>
+            <a:r>
+              <a:rPr lang="en-US" altLang="zh-CN" dirty="0" err="1"/>
+              <a:t>multiset.iterator</a:t>
+            </a:r>
+            <a:r>
+              <a:rPr lang="en-US" altLang="zh-CN" dirty="0"/>
+              <a:t>()</a:t>
+            </a:r>
+            <a:r>
+              <a:rPr lang="zh-CN" altLang="en-US" dirty="0"/>
+              <a:t>会迭代重复元素，因此迭代长度等于</a:t>
+            </a:r>
+            <a:r>
+              <a:rPr lang="en-US" altLang="zh-CN" dirty="0" err="1"/>
+              <a:t>multiset.size</a:t>
+            </a:r>
+            <a:r>
+              <a:rPr lang="en-US" altLang="zh-CN" dirty="0"/>
+              <a:t>()</a:t>
+            </a:r>
+            <a:r>
+              <a:rPr lang="zh-CN" altLang="en-US" dirty="0"/>
+              <a:t>。</a:t>
+            </a:r>
+            <a:endParaRPr lang="en-US" altLang="zh-CN" dirty="0"/>
+          </a:p>
+          <a:p>
+            <a:pPr marL="342900" indent="-342900">
+              <a:buFont typeface="+mj-lt"/>
+              <a:buAutoNum type="arabicPeriod"/>
+            </a:pPr>
+            <a:r>
+              <a:rPr lang="en-US" altLang="zh-CN" dirty="0"/>
+              <a:t>Multiset</a:t>
+            </a:r>
+            <a:r>
+              <a:rPr lang="zh-CN" altLang="en-US" dirty="0"/>
+              <a:t>支持直接增加、减少或设置元素的计数。</a:t>
+            </a:r>
+            <a:r>
+              <a:rPr lang="en-US" altLang="zh-CN" dirty="0" err="1"/>
+              <a:t>setCount</a:t>
+            </a:r>
+            <a:r>
+              <a:rPr lang="en-US" altLang="zh-CN" dirty="0"/>
+              <a:t>(</a:t>
+            </a:r>
+            <a:r>
+              <a:rPr lang="en-US" altLang="zh-CN" dirty="0" err="1"/>
+              <a:t>elem</a:t>
+            </a:r>
+            <a:r>
+              <a:rPr lang="en-US" altLang="zh-CN" dirty="0"/>
+              <a:t>, 0)</a:t>
+            </a:r>
+            <a:r>
+              <a:rPr lang="zh-CN" altLang="en-US" dirty="0"/>
+              <a:t>等同于移除所有</a:t>
+            </a:r>
+            <a:r>
+              <a:rPr lang="en-US" altLang="zh-CN" dirty="0" err="1"/>
+              <a:t>elem</a:t>
+            </a:r>
+            <a:r>
+              <a:rPr lang="zh-CN" altLang="en-US" dirty="0"/>
+              <a:t>。</a:t>
+            </a:r>
+            <a:endParaRPr lang="en-US" altLang="zh-CN" dirty="0"/>
+          </a:p>
+          <a:p>
+            <a:pPr marL="342900" indent="-342900">
+              <a:buFont typeface="+mj-lt"/>
+              <a:buAutoNum type="arabicPeriod"/>
+            </a:pPr>
+            <a:r>
+              <a:rPr lang="zh-CN" altLang="en-US" dirty="0"/>
+              <a:t>对</a:t>
+            </a:r>
+            <a:r>
+              <a:rPr lang="en-US" altLang="zh-CN" dirty="0"/>
+              <a:t>multiset </a:t>
+            </a:r>
+            <a:r>
+              <a:rPr lang="zh-CN" altLang="en-US" dirty="0"/>
+              <a:t>中没有的元素，</a:t>
+            </a:r>
+            <a:r>
+              <a:rPr lang="en-US" altLang="zh-CN" dirty="0" err="1"/>
+              <a:t>multiset.count</a:t>
+            </a:r>
+            <a:r>
+              <a:rPr lang="en-US" altLang="zh-CN" dirty="0"/>
+              <a:t>(</a:t>
+            </a:r>
+            <a:r>
+              <a:rPr lang="en-US" altLang="zh-CN" dirty="0" err="1"/>
+              <a:t>elem</a:t>
+            </a:r>
+            <a:r>
+              <a:rPr lang="en-US" altLang="zh-CN" dirty="0"/>
+              <a:t>)</a:t>
+            </a:r>
+            <a:r>
+              <a:rPr lang="zh-CN" altLang="en-US" dirty="0"/>
+              <a:t>始终返回</a:t>
+            </a:r>
+            <a:r>
+              <a:rPr lang="en-US" altLang="zh-CN" dirty="0"/>
+              <a:t>0</a:t>
+            </a:r>
+            <a:r>
+              <a:rPr lang="zh-CN" altLang="en-US" dirty="0"/>
+              <a:t>。</a:t>
+            </a:r>
+          </a:p>
+          <a:p>
+            <a:endParaRPr lang="en-US" altLang="zh-CN" b="1" dirty="0"/>
+          </a:p>
+          <a:p>
+            <a:endParaRPr lang="en-US" altLang="zh-CN" dirty="0"/>
+          </a:p>
+          <a:p>
+            <a:endParaRPr lang="zh-CN" altLang="en-US" dirty="0"/>
           </a:p>
         </p:txBody>
       </p:sp>
-      <p:sp>
-        <p:nvSpPr>
-          <p:cNvPr id="9" name="文本占位符 8"/>
-          <p:cNvSpPr>
-            <a:spLocks noGrp="1"/>
-          </p:cNvSpPr>
-          <p:nvPr>
-            <p:ph type="body" sz="quarter" idx="14"/>
-          </p:nvPr>
-        </p:nvSpPr>
-        <p:spPr/>
-        <p:txBody>
-          <a:bodyPr/>
-          <a:lstStyle/>
-          <a:p>
-            <a:r>
-              <a:rPr lang="en-US" altLang="zh-CN" dirty="0"/>
-              <a:t>03</a:t>
-            </a:r>
-            <a:endParaRPr lang="zh-CN" altLang="en-US" dirty="0"/>
-          </a:p>
-        </p:txBody>
-      </p:sp>
+      <p:pic>
+        <p:nvPicPr>
+          <p:cNvPr id="6" name="图片 5">
+            <a:extLst>
+              <a:ext uri="{FF2B5EF4-FFF2-40B4-BE49-F238E27FC236}">
+                <a16:creationId xmlns:a16="http://schemas.microsoft.com/office/drawing/2014/main" id="{B1E35EE0-DAC9-4CA9-89DE-B0A9BBBBCD21}"/>
+              </a:ext>
+            </a:extLst>
+          </p:cNvPr>
+          <p:cNvPicPr>
+            <a:picLocks noChangeAspect="1"/>
+          </p:cNvPicPr>
+          <p:nvPr/>
+        </p:nvPicPr>
+        <p:blipFill>
+          <a:blip r:embed="rId2"/>
+          <a:stretch>
+            <a:fillRect/>
+          </a:stretch>
+        </p:blipFill>
+        <p:spPr>
+          <a:xfrm>
+            <a:off x="4959879" y="1854201"/>
+            <a:ext cx="3305175" cy="3943350"/>
+          </a:xfrm>
+          <a:prstGeom prst="rect">
+            <a:avLst/>
+          </a:prstGeom>
+        </p:spPr>
+      </p:pic>
     </p:spTree>
     <p:extLst>
       <p:ext uri="{BB962C8B-B14F-4D97-AF65-F5344CB8AC3E}">
-        <p14:creationId xmlns:p14="http://schemas.microsoft.com/office/powerpoint/2010/main" val="3783972235"/>
+        <p14:creationId xmlns:p14="http://schemas.microsoft.com/office/powerpoint/2010/main" val="2274077943"/>
       </p:ext>
     </p:extLst>
   </p:cSld>
@@ -12048,12 +13010,18 @@
       </p:grpSpPr>
       <p:sp>
         <p:nvSpPr>
-          <p:cNvPr id="8" name="标题 7"/>
+          <p:cNvPr id="3" name="文本占位符 2">
+            <a:extLst>
+              <a:ext uri="{FF2B5EF4-FFF2-40B4-BE49-F238E27FC236}">
+                <a16:creationId xmlns:a16="http://schemas.microsoft.com/office/drawing/2014/main" id="{03244420-F962-4115-A1CA-E4ED6E926A57}"/>
+              </a:ext>
+            </a:extLst>
+          </p:cNvPr>
           <p:cNvSpPr>
             <a:spLocks noGrp="1"/>
           </p:cNvSpPr>
           <p:nvPr>
-            <p:ph type="title"/>
+            <p:ph type="body" sz="quarter" idx="10"/>
           </p:nvPr>
         </p:nvSpPr>
         <p:spPr/>
@@ -12062,15 +13030,12 @@
           <a:lstStyle/>
           <a:p>
             <a:r>
-              <a:rPr lang="zh-CN" altLang="en-US" dirty="0"/>
-              <a:t>函数式风格</a:t>
-            </a:r>
-            <a:br>
               <a:rPr lang="en-US" altLang="zh-CN" dirty="0"/>
-            </a:br>
-            <a:r>
-              <a:rPr lang="en-US" altLang="zh-CN" dirty="0"/>
-              <a:t>Functional idioms</a:t>
+              <a:t>Multiset </a:t>
+            </a:r>
+            <a:r>
+              <a:rPr lang="zh-CN" altLang="en-US" b="0" dirty="0"/>
+              <a:t>的各种实现</a:t>
             </a:r>
             <a:endParaRPr lang="zh-CN" altLang="en-US" dirty="0"/>
           </a:p>
@@ -12078,53 +13043,80 @@
       </p:sp>
       <p:sp>
         <p:nvSpPr>
-          <p:cNvPr id="6" name="文本占位符 5"/>
-          <p:cNvSpPr>
-            <a:spLocks noGrp="1"/>
-          </p:cNvSpPr>
-          <p:nvPr>
-            <p:ph type="body" sz="quarter" idx="13"/>
-          </p:nvPr>
+          <p:cNvPr id="2" name="文本框 1">
+            <a:extLst>
+              <a:ext uri="{FF2B5EF4-FFF2-40B4-BE49-F238E27FC236}">
+                <a16:creationId xmlns:a16="http://schemas.microsoft.com/office/drawing/2014/main" id="{3F0534C9-3F09-49CD-A8F9-3003E1EF9FED}"/>
+              </a:ext>
+            </a:extLst>
+          </p:cNvPr>
+          <p:cNvSpPr txBox="1"/>
+          <p:nvPr/>
         </p:nvSpPr>
-        <p:spPr/>
+        <p:spPr>
+          <a:xfrm>
+            <a:off x="243311" y="1854201"/>
+            <a:ext cx="8616017" cy="1023101"/>
+          </a:xfrm>
+          <a:prstGeom prst="rect">
+            <a:avLst/>
+          </a:prstGeom>
+          <a:noFill/>
+        </p:spPr>
         <p:txBody>
-          <a:bodyPr/>
+          <a:bodyPr wrap="square" rtlCol="0">
+            <a:spAutoFit/>
+          </a:bodyPr>
           <a:lstStyle/>
           <a:p>
-            <a:r>
-              <a:rPr lang="zh-CN" altLang="en-US" dirty="0"/>
-              <a:t>可以显著简化代码</a:t>
-            </a:r>
+            <a:pPr lvl="1"/>
+            <a:endParaRPr lang="zh-CN" altLang="en-US" dirty="0"/>
+          </a:p>
+          <a:p>
+            <a:endParaRPr lang="en-US" altLang="zh-CN" b="1" dirty="0"/>
+          </a:p>
+          <a:p>
+            <a:endParaRPr lang="en-US" altLang="zh-CN" dirty="0"/>
+          </a:p>
+          <a:p>
+            <a:endParaRPr lang="zh-CN" altLang="en-US" dirty="0"/>
           </a:p>
         </p:txBody>
       </p:sp>
-      <p:sp>
-        <p:nvSpPr>
-          <p:cNvPr id="9" name="文本占位符 8"/>
-          <p:cNvSpPr>
-            <a:spLocks noGrp="1"/>
-          </p:cNvSpPr>
-          <p:nvPr>
-            <p:ph type="body" sz="quarter" idx="14"/>
-          </p:nvPr>
-        </p:nvSpPr>
-        <p:spPr/>
-        <p:txBody>
-          <a:bodyPr/>
-          <a:lstStyle/>
-          <a:p>
-            <a:r>
-              <a:rPr lang="en-US" altLang="zh-CN" dirty="0"/>
-              <a:t>04</a:t>
-            </a:r>
-            <a:endParaRPr lang="zh-CN" altLang="en-US" dirty="0"/>
-          </a:p>
-        </p:txBody>
-      </p:sp>
+      <p:pic>
+        <p:nvPicPr>
+          <p:cNvPr id="4" name="图片 3">
+            <a:extLst>
+              <a:ext uri="{FF2B5EF4-FFF2-40B4-BE49-F238E27FC236}">
+                <a16:creationId xmlns:a16="http://schemas.microsoft.com/office/drawing/2014/main" id="{169EEADA-19A0-438A-83D7-AB8303307BCF}"/>
+              </a:ext>
+            </a:extLst>
+          </p:cNvPr>
+          <p:cNvPicPr>
+            <a:picLocks noChangeAspect="1"/>
+          </p:cNvPicPr>
+          <p:nvPr/>
+        </p:nvPicPr>
+        <p:blipFill>
+          <a:blip r:embed="rId2"/>
+          <a:stretch>
+            <a:fillRect/>
+          </a:stretch>
+        </p:blipFill>
+        <p:spPr>
+          <a:xfrm>
+            <a:off x="0" y="1749425"/>
+            <a:ext cx="8715375" cy="3714750"/>
+          </a:xfrm>
+          <a:prstGeom prst="rect">
+            <a:avLst/>
+          </a:prstGeom>
+        </p:spPr>
+      </p:pic>
     </p:spTree>
     <p:extLst>
       <p:ext uri="{BB962C8B-B14F-4D97-AF65-F5344CB8AC3E}">
-        <p14:creationId xmlns:p14="http://schemas.microsoft.com/office/powerpoint/2010/main" val="2674867946"/>
+        <p14:creationId xmlns:p14="http://schemas.microsoft.com/office/powerpoint/2010/main" val="3143163287"/>
       </p:ext>
     </p:extLst>
   </p:cSld>
@@ -12153,44 +13145,18 @@
       </p:grpSpPr>
       <p:sp>
         <p:nvSpPr>
-          <p:cNvPr id="8" name="标题 7"/>
+          <p:cNvPr id="3" name="文本占位符 2">
+            <a:extLst>
+              <a:ext uri="{FF2B5EF4-FFF2-40B4-BE49-F238E27FC236}">
+                <a16:creationId xmlns:a16="http://schemas.microsoft.com/office/drawing/2014/main" id="{03244420-F962-4115-A1CA-E4ED6E926A57}"/>
+              </a:ext>
+            </a:extLst>
+          </p:cNvPr>
           <p:cNvSpPr>
             <a:spLocks noGrp="1"/>
           </p:cNvSpPr>
           <p:nvPr>
-            <p:ph type="title"/>
-          </p:nvPr>
-        </p:nvSpPr>
-        <p:spPr/>
-        <p:txBody>
-          <a:bodyPr>
-            <a:normAutofit/>
-          </a:bodyPr>
-          <a:lstStyle/>
-          <a:p>
-            <a:r>
-              <a:rPr lang="zh-CN" altLang="en-US" dirty="0"/>
-              <a:t>并发</a:t>
-            </a:r>
-            <a:br>
-              <a:rPr lang="en-US" altLang="zh-CN" dirty="0"/>
-            </a:br>
-            <a:r>
-              <a:rPr lang="en-US" altLang="zh-CN" dirty="0"/>
-              <a:t>Concurrency</a:t>
-            </a:r>
-            <a:endParaRPr lang="zh-CN" altLang="en-US" dirty="0"/>
-          </a:p>
-        </p:txBody>
-      </p:sp>
-      <p:sp>
-        <p:nvSpPr>
-          <p:cNvPr id="6" name="文本占位符 5"/>
-          <p:cNvSpPr>
-            <a:spLocks noGrp="1"/>
-          </p:cNvSpPr>
-          <p:nvPr>
-            <p:ph type="body" sz="quarter" idx="13"/>
+            <p:ph type="body" sz="quarter" idx="10"/>
           </p:nvPr>
         </p:nvSpPr>
         <p:spPr/>
@@ -12199,39 +13165,47 @@
           <a:lstStyle/>
           <a:p>
             <a:r>
-              <a:rPr lang="zh-CN" altLang="en-US" dirty="0"/>
-              <a:t>强大而简单的抽象，让编写正确的并发代码更简单</a:t>
-            </a:r>
+              <a:rPr lang="en-US" altLang="zh-CN" dirty="0" err="1"/>
+              <a:t>TreeMultiset</a:t>
+            </a:r>
+            <a:endParaRPr lang="zh-CN" altLang="en-US" dirty="0"/>
           </a:p>
         </p:txBody>
       </p:sp>
-      <p:sp>
-        <p:nvSpPr>
-          <p:cNvPr id="9" name="文本占位符 8"/>
-          <p:cNvSpPr>
-            <a:spLocks noGrp="1"/>
-          </p:cNvSpPr>
-          <p:nvPr>
-            <p:ph type="body" sz="quarter" idx="14"/>
-          </p:nvPr>
-        </p:nvSpPr>
-        <p:spPr/>
-        <p:txBody>
-          <a:bodyPr/>
-          <a:lstStyle/>
-          <a:p>
-            <a:r>
-              <a:rPr lang="en-US" altLang="zh-CN" dirty="0"/>
-              <a:t>05</a:t>
-            </a:r>
-            <a:endParaRPr lang="zh-CN" altLang="en-US" dirty="0"/>
-          </a:p>
-        </p:txBody>
-      </p:sp>
+      <p:pic>
+        <p:nvPicPr>
+          <p:cNvPr id="2" name="图片 1">
+            <a:extLst>
+              <a:ext uri="{FF2B5EF4-FFF2-40B4-BE49-F238E27FC236}">
+                <a16:creationId xmlns:a16="http://schemas.microsoft.com/office/drawing/2014/main" id="{BD9F3C45-4CB8-436B-A93E-AC46B7B84BB4}"/>
+              </a:ext>
+            </a:extLst>
+          </p:cNvPr>
+          <p:cNvPicPr>
+            <a:picLocks noChangeAspect="1"/>
+          </p:cNvPicPr>
+          <p:nvPr/>
+        </p:nvPicPr>
+        <p:blipFill>
+          <a:blip r:embed="rId2"/>
+          <a:stretch>
+            <a:fillRect/>
+          </a:stretch>
+        </p:blipFill>
+        <p:spPr>
+          <a:xfrm>
+            <a:off x="243311" y="1760743"/>
+            <a:ext cx="7103533" cy="4688060"/>
+          </a:xfrm>
+          <a:prstGeom prst="rect">
+            <a:avLst/>
+          </a:prstGeom>
+        </p:spPr>
+      </p:pic>
     </p:spTree>
     <p:extLst>
       <p:ext uri="{BB962C8B-B14F-4D97-AF65-F5344CB8AC3E}">
-        <p14:creationId xmlns:p14="http://schemas.microsoft.com/office/powerpoint/2010/main" val="2650938815"/>
+        <p14:creationId xmlns:p14="http://schemas.microsoft.com/office/powerpoint/2010/main" val="2623131174"/>
       </p:ext>
     </p:extLst>
   </p:cSld>
@@ -12260,12 +13234,18 @@
       </p:grpSpPr>
       <p:sp>
         <p:nvSpPr>
-          <p:cNvPr id="8" name="标题 7"/>
+          <p:cNvPr id="3" name="文本占位符 2">
+            <a:extLst>
+              <a:ext uri="{FF2B5EF4-FFF2-40B4-BE49-F238E27FC236}">
+                <a16:creationId xmlns:a16="http://schemas.microsoft.com/office/drawing/2014/main" id="{03244420-F962-4115-A1CA-E4ED6E926A57}"/>
+              </a:ext>
+            </a:extLst>
+          </p:cNvPr>
           <p:cNvSpPr>
             <a:spLocks noGrp="1"/>
           </p:cNvSpPr>
           <p:nvPr>
-            <p:ph type="title"/>
+            <p:ph type="body" sz="quarter" idx="10"/>
           </p:nvPr>
         </p:nvSpPr>
         <p:spPr/>
@@ -12274,69 +13254,147 @@
           <a:lstStyle/>
           <a:p>
             <a:r>
-              <a:rPr lang="zh-CN" altLang="en-US" dirty="0"/>
-              <a:t>字符串处理</a:t>
-            </a:r>
-            <a:br>
-              <a:rPr lang="zh-CN" altLang="en-US" dirty="0"/>
-            </a:br>
+              <a:rPr lang="zh-CN" altLang="en-US" b="0" dirty="0"/>
+              <a:t>新集合类型（</a:t>
+            </a:r>
             <a:r>
               <a:rPr lang="en-US" altLang="zh-CN" dirty="0"/>
-              <a:t>Strings</a:t>
-            </a:r>
+              <a:t> Multimap </a:t>
+            </a:r>
+            <a:r>
+              <a:rPr lang="zh-CN" altLang="en-US" b="0" dirty="0"/>
+              <a:t>）</a:t>
+            </a:r>
+            <a:endParaRPr lang="zh-CN" altLang="en-US" dirty="0"/>
+          </a:p>
+          <a:p>
+            <a:endParaRPr lang="en-US" altLang="zh-CN" dirty="0"/>
+          </a:p>
+          <a:p>
             <a:endParaRPr lang="zh-CN" altLang="en-US" dirty="0"/>
           </a:p>
         </p:txBody>
       </p:sp>
       <p:sp>
         <p:nvSpPr>
-          <p:cNvPr id="6" name="文本占位符 5"/>
-          <p:cNvSpPr>
-            <a:spLocks noGrp="1"/>
-          </p:cNvSpPr>
-          <p:nvPr>
-            <p:ph type="body" sz="quarter" idx="13"/>
-          </p:nvPr>
+          <p:cNvPr id="4" name="文本框 3">
+            <a:extLst>
+              <a:ext uri="{FF2B5EF4-FFF2-40B4-BE49-F238E27FC236}">
+                <a16:creationId xmlns:a16="http://schemas.microsoft.com/office/drawing/2014/main" id="{37EA4149-777C-4BFA-90B4-07038FE8694B}"/>
+              </a:ext>
+            </a:extLst>
+          </p:cNvPr>
+          <p:cNvSpPr txBox="1"/>
+          <p:nvPr/>
         </p:nvSpPr>
-        <p:spPr/>
+        <p:spPr>
+          <a:xfrm>
+            <a:off x="243311" y="1964267"/>
+            <a:ext cx="8519689" cy="1488484"/>
+          </a:xfrm>
+          <a:prstGeom prst="rect">
+            <a:avLst/>
+          </a:prstGeom>
+          <a:noFill/>
+        </p:spPr>
         <p:txBody>
-          <a:bodyPr/>
+          <a:bodyPr wrap="square" rtlCol="0">
+            <a:spAutoFit/>
+          </a:bodyPr>
           <a:lstStyle/>
           <a:p>
             <a:r>
               <a:rPr lang="zh-CN" altLang="en-US" dirty="0"/>
-              <a:t>字符串工具，包括分割、连接、填充等操作</a:t>
-            </a:r>
-          </a:p>
-        </p:txBody>
-      </p:sp>
-      <p:sp>
-        <p:nvSpPr>
-          <p:cNvPr id="9" name="文本占位符 8"/>
-          <p:cNvSpPr>
-            <a:spLocks noGrp="1"/>
-          </p:cNvSpPr>
-          <p:nvPr>
-            <p:ph type="body" sz="quarter" idx="14"/>
-          </p:nvPr>
-        </p:nvSpPr>
-        <p:spPr/>
-        <p:txBody>
-          <a:bodyPr/>
-          <a:lstStyle/>
-          <a:p>
+              <a:t>概念：</a:t>
+            </a:r>
+            <a:endParaRPr lang="en-US" altLang="zh-CN" dirty="0"/>
+          </a:p>
+          <a:p>
+            <a:pPr marL="342900" indent="-342900">
+              <a:buFont typeface="+mj-lt"/>
+              <a:buAutoNum type="arabicPeriod"/>
+            </a:pPr>
+            <a:r>
+              <a:rPr lang="zh-CN" altLang="en-US" dirty="0"/>
+              <a:t>“键</a:t>
+            </a:r>
             <a:r>
               <a:rPr lang="en-US" altLang="zh-CN" dirty="0"/>
-              <a:t>06	</a:t>
-            </a:r>
-            <a:endParaRPr lang="zh-CN" altLang="en-US" dirty="0"/>
+              <a:t>-</a:t>
+            </a:r>
+            <a:r>
+              <a:rPr lang="zh-CN" altLang="en-US" dirty="0"/>
+              <a:t>单个值映射”的集合：</a:t>
+            </a:r>
+            <a:endParaRPr lang="en-US" altLang="zh-CN" dirty="0"/>
+          </a:p>
+          <a:p>
+            <a:pPr lvl="1"/>
+            <a:r>
+              <a:rPr lang="pt-BR" altLang="zh-CN" dirty="0"/>
+              <a:t>a -&gt; 1 a -&gt; 2 a -&gt;4 b -&gt; 3 c -&gt; 5</a:t>
+            </a:r>
+            <a:endParaRPr lang="en-US" altLang="zh-CN" dirty="0"/>
+          </a:p>
+          <a:p>
+            <a:pPr marL="342900" indent="-342900">
+              <a:buFont typeface="+mj-lt"/>
+              <a:buAutoNum type="arabicPeriod"/>
+            </a:pPr>
+            <a:r>
+              <a:rPr lang="zh-CN" altLang="en-US" dirty="0"/>
+              <a:t>“键</a:t>
+            </a:r>
+            <a:r>
+              <a:rPr lang="en-US" altLang="zh-CN" dirty="0"/>
+              <a:t>-</a:t>
+            </a:r>
+            <a:r>
+              <a:rPr lang="zh-CN" altLang="en-US" dirty="0"/>
+              <a:t>值集合映射”的映射：</a:t>
+            </a:r>
+            <a:endParaRPr lang="en-US" altLang="zh-CN" dirty="0"/>
+          </a:p>
+          <a:p>
+            <a:pPr lvl="1"/>
+            <a:r>
+              <a:rPr lang="pt-BR" altLang="zh-CN" dirty="0"/>
+              <a:t>a -&gt; [1, 2, 4] b -&gt; 3 c -&gt; 5</a:t>
+            </a:r>
+            <a:r>
+              <a:rPr lang="en-US" altLang="zh-CN" dirty="0"/>
+              <a:t>	</a:t>
+            </a:r>
+          </a:p>
+          <a:p>
+            <a:pPr lvl="1"/>
+            <a:r>
+              <a:rPr lang="zh-CN" altLang="en-US" dirty="0"/>
+              <a:t>原因：</a:t>
+            </a:r>
+            <a:r>
+              <a:rPr lang="en-US" altLang="zh-CN" dirty="0"/>
+              <a:t>asMap()</a:t>
+            </a:r>
+            <a:r>
+              <a:rPr lang="zh-CN" altLang="en-US" dirty="0"/>
+              <a:t>视图返回</a:t>
+            </a:r>
+            <a:r>
+              <a:rPr lang="en-US" altLang="zh-CN" dirty="0"/>
+              <a:t>Map&lt;K, Collection&lt;V&gt;&gt;</a:t>
+            </a:r>
+            <a:r>
+              <a:rPr lang="zh-CN" altLang="en-US" dirty="0"/>
+              <a:t>，</a:t>
+            </a:r>
           </a:p>
         </p:txBody>
       </p:sp>
     </p:spTree>
     <p:extLst>
       <p:ext uri="{BB962C8B-B14F-4D97-AF65-F5344CB8AC3E}">
-        <p14:creationId xmlns:p14="http://schemas.microsoft.com/office/powerpoint/2010/main" val="3410191328"/>
+        <p14:creationId xmlns:p14="http://schemas.microsoft.com/office/powerpoint/2010/main" val="3004047835"/>
       </p:ext>
     </p:extLst>
   </p:cSld>
@@ -12365,12 +13423,18 @@
       </p:grpSpPr>
       <p:sp>
         <p:nvSpPr>
-          <p:cNvPr id="8" name="标题 7"/>
+          <p:cNvPr id="3" name="文本占位符 2">
+            <a:extLst>
+              <a:ext uri="{FF2B5EF4-FFF2-40B4-BE49-F238E27FC236}">
+                <a16:creationId xmlns:a16="http://schemas.microsoft.com/office/drawing/2014/main" id="{03244420-F962-4115-A1CA-E4ED6E926A57}"/>
+              </a:ext>
+            </a:extLst>
+          </p:cNvPr>
           <p:cNvSpPr>
             <a:spLocks noGrp="1"/>
           </p:cNvSpPr>
           <p:nvPr>
-            <p:ph type="title"/>
+            <p:ph type="body" sz="quarter" idx="10"/>
           </p:nvPr>
         </p:nvSpPr>
         <p:spPr/>
@@ -12379,82 +13443,276 @@
           <a:lstStyle/>
           <a:p>
             <a:r>
-              <a:rPr lang="zh-CN" altLang="en-US" dirty="0"/>
-              <a:t>原生类型</a:t>
+              <a:rPr lang="zh-CN" altLang="en-US" b="0" dirty="0"/>
+              <a:t>新集合类型（</a:t>
             </a:r>
             <a:r>
               <a:rPr lang="en-US" altLang="zh-CN" dirty="0"/>
-              <a:t>Primitives</a:t>
-            </a:r>
+              <a:t> Multimap </a:t>
+            </a:r>
+            <a:r>
+              <a:rPr lang="zh-CN" altLang="en-US" b="0" dirty="0"/>
+              <a:t>）</a:t>
+            </a:r>
+            <a:endParaRPr lang="zh-CN" altLang="en-US" dirty="0"/>
+          </a:p>
+          <a:p>
+            <a:endParaRPr lang="en-US" altLang="zh-CN" dirty="0"/>
+          </a:p>
+          <a:p>
             <a:endParaRPr lang="zh-CN" altLang="en-US" dirty="0"/>
           </a:p>
         </p:txBody>
       </p:sp>
+      <p:pic>
+        <p:nvPicPr>
+          <p:cNvPr id="2" name="图片 1">
+            <a:extLst>
+              <a:ext uri="{FF2B5EF4-FFF2-40B4-BE49-F238E27FC236}">
+                <a16:creationId xmlns:a16="http://schemas.microsoft.com/office/drawing/2014/main" id="{9802AACB-3EDC-4983-9FF5-646CCD2C30F7}"/>
+              </a:ext>
+            </a:extLst>
+          </p:cNvPr>
+          <p:cNvPicPr>
+            <a:picLocks noChangeAspect="1"/>
+          </p:cNvPicPr>
+          <p:nvPr/>
+        </p:nvPicPr>
+        <p:blipFill>
+          <a:blip r:embed="rId2"/>
+          <a:stretch>
+            <a:fillRect/>
+          </a:stretch>
+        </p:blipFill>
+        <p:spPr>
+          <a:xfrm>
+            <a:off x="4572000" y="1718733"/>
+            <a:ext cx="4114800" cy="5486400"/>
+          </a:xfrm>
+          <a:prstGeom prst="rect">
+            <a:avLst/>
+          </a:prstGeom>
+        </p:spPr>
+      </p:pic>
       <p:sp>
         <p:nvSpPr>
-          <p:cNvPr id="6" name="文本占位符 5"/>
-          <p:cNvSpPr>
-            <a:spLocks noGrp="1"/>
-          </p:cNvSpPr>
-          <p:nvPr>
-            <p:ph type="body" sz="quarter" idx="13"/>
-          </p:nvPr>
+          <p:cNvPr id="8" name="文本框 7">
+            <a:extLst>
+              <a:ext uri="{FF2B5EF4-FFF2-40B4-BE49-F238E27FC236}">
+                <a16:creationId xmlns:a16="http://schemas.microsoft.com/office/drawing/2014/main" id="{638EE864-5302-4121-9F96-E2F2749577A5}"/>
+              </a:ext>
+            </a:extLst>
+          </p:cNvPr>
+          <p:cNvSpPr txBox="1"/>
+          <p:nvPr/>
         </p:nvSpPr>
-        <p:spPr/>
+        <p:spPr>
+          <a:xfrm>
+            <a:off x="243311" y="1870270"/>
+            <a:ext cx="3967993" cy="3582712"/>
+          </a:xfrm>
+          <a:prstGeom prst="rect">
+            <a:avLst/>
+          </a:prstGeom>
+          <a:noFill/>
+        </p:spPr>
         <p:txBody>
-          <a:bodyPr/>
+          <a:bodyPr wrap="square" rtlCol="0">
+            <a:spAutoFit/>
+          </a:bodyPr>
           <a:lstStyle/>
           <a:p>
-            <a:r>
-              <a:rPr lang="zh-CN" altLang="en-US" dirty="0"/>
-              <a:t>扩展 </a:t>
+            <a:pPr marL="342900" indent="-342900">
+              <a:buFont typeface="+mj-lt"/>
+              <a:buAutoNum type="arabicPeriod"/>
+            </a:pPr>
+            <a:r>
+              <a:rPr lang="en-US" altLang="zh-CN" dirty="0" err="1"/>
+              <a:t>Multimap.get</a:t>
             </a:r>
             <a:r>
               <a:rPr lang="en-US" altLang="zh-CN" dirty="0"/>
-              <a:t>JDK </a:t>
-            </a:r>
-            <a:r>
-              <a:rPr lang="zh-CN" altLang="en-US" dirty="0"/>
-              <a:t>未提供的原生类型（如</a:t>
+              <a:t>(key)</a:t>
+            </a:r>
+            <a:r>
+              <a:rPr lang="zh-CN" altLang="en-US" dirty="0"/>
+              <a:t>总是返回非</a:t>
             </a:r>
             <a:r>
               <a:rPr lang="en-US" altLang="zh-CN" dirty="0"/>
-              <a:t>int</a:t>
-            </a:r>
-            <a:r>
-              <a:rPr lang="zh-CN" altLang="en-US" dirty="0"/>
-              <a:t>、</a:t>
+              <a:t>null</a:t>
+            </a:r>
+            <a:r>
+              <a:rPr lang="zh-CN" altLang="en-US" dirty="0"/>
+              <a:t>、但是可能空的集合。要返回</a:t>
             </a:r>
             <a:r>
               <a:rPr lang="en-US" altLang="zh-CN" dirty="0"/>
-              <a:t>char</a:t>
-            </a:r>
-            <a:r>
-              <a:rPr lang="zh-CN" altLang="en-US" dirty="0"/>
-              <a:t>）操作， 包括某些类型的无符号形式</a:t>
-            </a:r>
-          </a:p>
-        </p:txBody>
-      </p:sp>
-      <p:sp>
-        <p:nvSpPr>
-          <p:cNvPr id="9" name="文本占位符 8"/>
-          <p:cNvSpPr>
-            <a:spLocks noGrp="1"/>
-          </p:cNvSpPr>
-          <p:nvPr>
-            <p:ph type="body" sz="quarter" idx="14"/>
-          </p:nvPr>
-        </p:nvSpPr>
-        <p:spPr/>
-        <p:txBody>
-          <a:bodyPr/>
-          <a:lstStyle/>
-          <a:p>
+              <a:t>null</a:t>
+            </a:r>
+            <a:r>
+              <a:rPr lang="zh-CN" altLang="en-US" dirty="0"/>
+              <a:t>，请使用</a:t>
+            </a:r>
             <a:r>
               <a:rPr lang="en-US" altLang="zh-CN" dirty="0"/>
-              <a:t>07</a:t>
-            </a:r>
+              <a:t>asMap()</a:t>
+            </a:r>
+            <a:r>
+              <a:rPr lang="zh-CN" altLang="en-US" dirty="0"/>
+              <a:t>视图获取一个</a:t>
+            </a:r>
+            <a:r>
+              <a:rPr lang="en-US" altLang="zh-CN" dirty="0"/>
+              <a:t>Map&lt;K, Collection&lt;V&gt;&gt;</a:t>
+            </a:r>
+            <a:r>
+              <a:rPr lang="zh-CN" altLang="en-US" dirty="0"/>
+              <a:t>。</a:t>
+            </a:r>
+            <a:endParaRPr lang="en-US" altLang="zh-CN" dirty="0"/>
+          </a:p>
+          <a:p>
+            <a:pPr marL="342900" indent="-342900">
+              <a:buFont typeface="+mj-lt"/>
+              <a:buAutoNum type="arabicPeriod"/>
+            </a:pPr>
+            <a:r>
+              <a:rPr lang="zh-CN" altLang="en-US" dirty="0"/>
+              <a:t>当且仅当有值映射到键时，</a:t>
+            </a:r>
+            <a:r>
+              <a:rPr lang="en-US" altLang="zh-CN" dirty="0" err="1"/>
+              <a:t>Multimap.containsKey</a:t>
+            </a:r>
+            <a:r>
+              <a:rPr lang="en-US" altLang="zh-CN" dirty="0"/>
+              <a:t>(key)</a:t>
+            </a:r>
+            <a:r>
+              <a:rPr lang="zh-CN" altLang="en-US" dirty="0"/>
+              <a:t>才会返回</a:t>
+            </a:r>
+            <a:r>
+              <a:rPr lang="en-US" altLang="zh-CN" dirty="0"/>
+              <a:t>true</a:t>
+            </a:r>
+            <a:r>
+              <a:rPr lang="zh-CN" altLang="en-US" dirty="0"/>
+              <a:t>。</a:t>
+            </a:r>
+            <a:endParaRPr lang="en-US" altLang="zh-CN" dirty="0"/>
+          </a:p>
+          <a:p>
+            <a:pPr marL="342900" indent="-342900">
+              <a:buFont typeface="+mj-lt"/>
+              <a:buAutoNum type="arabicPeriod"/>
+            </a:pPr>
+            <a:r>
+              <a:rPr lang="en-US" altLang="zh-CN" dirty="0" err="1"/>
+              <a:t>Multimap.entries</a:t>
+            </a:r>
+            <a:r>
+              <a:rPr lang="en-US" altLang="zh-CN" dirty="0"/>
+              <a:t>()</a:t>
+            </a:r>
+            <a:r>
+              <a:rPr lang="zh-CN" altLang="en-US" dirty="0"/>
+              <a:t>返回</a:t>
+            </a:r>
+            <a:r>
+              <a:rPr lang="en-US" altLang="zh-CN" dirty="0"/>
+              <a:t>Multimap</a:t>
+            </a:r>
+            <a:r>
+              <a:rPr lang="zh-CN" altLang="en-US" dirty="0"/>
+              <a:t>中所有”键</a:t>
+            </a:r>
+            <a:r>
+              <a:rPr lang="en-US" altLang="zh-CN" dirty="0"/>
+              <a:t>-</a:t>
+            </a:r>
+            <a:r>
+              <a:rPr lang="zh-CN" altLang="en-US" dirty="0"/>
+              <a:t>单个值映射”</a:t>
+            </a:r>
+            <a:r>
+              <a:rPr lang="en-US" altLang="zh-CN" dirty="0"/>
+              <a:t>——</a:t>
+            </a:r>
+            <a:r>
+              <a:rPr lang="zh-CN" altLang="en-US" dirty="0"/>
+              <a:t>包括重复键。如果你想要得到所有”键</a:t>
+            </a:r>
+            <a:r>
+              <a:rPr lang="en-US" altLang="zh-CN" dirty="0"/>
+              <a:t>-</a:t>
+            </a:r>
+            <a:r>
+              <a:rPr lang="zh-CN" altLang="en-US" dirty="0"/>
+              <a:t>值集合映射”，请使用</a:t>
+            </a:r>
+            <a:r>
+              <a:rPr lang="en-US" altLang="zh-CN" dirty="0"/>
+              <a:t>asMap().</a:t>
+            </a:r>
+            <a:r>
+              <a:rPr lang="en-US" altLang="zh-CN" dirty="0" err="1"/>
+              <a:t>entrySet</a:t>
+            </a:r>
+            <a:r>
+              <a:rPr lang="en-US" altLang="zh-CN" dirty="0"/>
+              <a:t>()</a:t>
+            </a:r>
+            <a:r>
+              <a:rPr lang="zh-CN" altLang="en-US" dirty="0"/>
+              <a:t>。</a:t>
+            </a:r>
+            <a:endParaRPr lang="en-US" altLang="zh-CN" dirty="0"/>
+          </a:p>
+          <a:p>
+            <a:pPr marL="342900" indent="-342900">
+              <a:buFont typeface="+mj-lt"/>
+              <a:buAutoNum type="arabicPeriod"/>
+            </a:pPr>
+            <a:r>
+              <a:rPr lang="en-US" altLang="zh-CN" dirty="0" err="1"/>
+              <a:t>Multimap.size</a:t>
+            </a:r>
+            <a:r>
+              <a:rPr lang="en-US" altLang="zh-CN" dirty="0"/>
+              <a:t>()</a:t>
+            </a:r>
+            <a:r>
+              <a:rPr lang="zh-CN" altLang="en-US" dirty="0"/>
+              <a:t>返回所有”键</a:t>
+            </a:r>
+            <a:r>
+              <a:rPr lang="en-US" altLang="zh-CN" dirty="0"/>
+              <a:t>-</a:t>
+            </a:r>
+            <a:r>
+              <a:rPr lang="zh-CN" altLang="en-US" dirty="0"/>
+              <a:t>单个值映射”的个数，而非不同键的个数。要得到不同键的个数，请改用</a:t>
+            </a:r>
+            <a:r>
+              <a:rPr lang="en-US" altLang="zh-CN" dirty="0" err="1"/>
+              <a:t>Multimap.keySet</a:t>
+            </a:r>
+            <a:r>
+              <a:rPr lang="en-US" altLang="zh-CN" dirty="0"/>
+              <a:t>().size()</a:t>
+            </a:r>
+            <a:r>
+              <a:rPr lang="zh-CN" altLang="en-US" dirty="0"/>
+              <a:t>。</a:t>
+            </a:r>
+          </a:p>
+          <a:p>
+            <a:pPr marL="342900" indent="-342900">
+              <a:buFont typeface="+mj-lt"/>
+              <a:buAutoNum type="arabicPeriod"/>
+            </a:pPr>
             <a:endParaRPr lang="zh-CN" altLang="en-US" dirty="0"/>
           </a:p>
         </p:txBody>
@@ -12462,7 +13720,7 @@
     </p:spTree>
     <p:extLst>
       <p:ext uri="{BB962C8B-B14F-4D97-AF65-F5344CB8AC3E}">
-        <p14:creationId xmlns:p14="http://schemas.microsoft.com/office/powerpoint/2010/main" val="2065244716"/>
+        <p14:creationId xmlns:p14="http://schemas.microsoft.com/office/powerpoint/2010/main" val="1511216008"/>
       </p:ext>
     </p:extLst>
   </p:cSld>
@@ -12854,44 +14112,18 @@
       </p:grpSpPr>
       <p:sp>
         <p:nvSpPr>
-          <p:cNvPr id="8" name="标题 7"/>
+          <p:cNvPr id="3" name="文本占位符 2">
+            <a:extLst>
+              <a:ext uri="{FF2B5EF4-FFF2-40B4-BE49-F238E27FC236}">
+                <a16:creationId xmlns:a16="http://schemas.microsoft.com/office/drawing/2014/main" id="{03244420-F962-4115-A1CA-E4ED6E926A57}"/>
+              </a:ext>
+            </a:extLst>
+          </p:cNvPr>
           <p:cNvSpPr>
             <a:spLocks noGrp="1"/>
           </p:cNvSpPr>
           <p:nvPr>
-            <p:ph type="title"/>
-          </p:nvPr>
-        </p:nvSpPr>
-        <p:spPr/>
-        <p:txBody>
-          <a:bodyPr>
-            <a:normAutofit/>
-          </a:bodyPr>
-          <a:lstStyle/>
-          <a:p>
-            <a:r>
-              <a:rPr lang="zh-CN" altLang="en-US" dirty="0"/>
-              <a:t>区间</a:t>
-            </a:r>
-            <a:br>
-              <a:rPr lang="en-US" altLang="zh-CN" dirty="0"/>
-            </a:br>
-            <a:r>
-              <a:rPr lang="en-US" altLang="zh-CN" dirty="0"/>
-              <a:t>Ranges</a:t>
-            </a:r>
-            <a:endParaRPr lang="zh-CN" altLang="en-US" dirty="0"/>
-          </a:p>
-        </p:txBody>
-      </p:sp>
-      <p:sp>
-        <p:nvSpPr>
-          <p:cNvPr id="6" name="文本占位符 5"/>
-          <p:cNvSpPr>
-            <a:spLocks noGrp="1"/>
-          </p:cNvSpPr>
-          <p:nvPr>
-            <p:ph type="body" sz="quarter" idx="13"/>
+            <p:ph type="body" sz="quarter" idx="10"/>
           </p:nvPr>
         </p:nvSpPr>
         <p:spPr/>
@@ -12900,47 +14132,112 @@
           <a:lstStyle/>
           <a:p>
             <a:r>
-              <a:rPr lang="zh-CN" altLang="en-US" dirty="0"/>
-              <a:t>可比较类型的区间</a:t>
+              <a:rPr lang="zh-CN" altLang="en-US" b="0" dirty="0"/>
+              <a:t>新集合类型（</a:t>
             </a:r>
             <a:r>
               <a:rPr lang="en-US" altLang="zh-CN" dirty="0"/>
-              <a:t>API</a:t>
-            </a:r>
-            <a:r>
-              <a:rPr lang="zh-CN" altLang="en-US" dirty="0"/>
-              <a:t>，包括连续和离散类型</a:t>
-            </a:r>
+              <a:t> Multimap </a:t>
+            </a:r>
+            <a:r>
+              <a:rPr lang="zh-CN" altLang="en-US" b="0" dirty="0"/>
+              <a:t>）</a:t>
+            </a:r>
+            <a:endParaRPr lang="zh-CN" altLang="en-US" dirty="0"/>
+          </a:p>
+          <a:p>
+            <a:endParaRPr lang="en-US" altLang="zh-CN" dirty="0"/>
+          </a:p>
+          <a:p>
+            <a:endParaRPr lang="zh-CN" altLang="en-US" dirty="0"/>
           </a:p>
         </p:txBody>
       </p:sp>
+      <p:pic>
+        <p:nvPicPr>
+          <p:cNvPr id="5" name="图片 4">
+            <a:extLst>
+              <a:ext uri="{FF2B5EF4-FFF2-40B4-BE49-F238E27FC236}">
+                <a16:creationId xmlns:a16="http://schemas.microsoft.com/office/drawing/2014/main" id="{36864795-4AEA-4B25-8AEA-BF59C4CE29F0}"/>
+              </a:ext>
+            </a:extLst>
+          </p:cNvPr>
+          <p:cNvPicPr>
+            <a:picLocks noChangeAspect="1"/>
+          </p:cNvPicPr>
+          <p:nvPr/>
+        </p:nvPicPr>
+        <p:blipFill>
+          <a:blip r:embed="rId2"/>
+          <a:stretch>
+            <a:fillRect/>
+          </a:stretch>
+        </p:blipFill>
+        <p:spPr>
+          <a:xfrm>
+            <a:off x="335560" y="2380264"/>
+            <a:ext cx="7348786" cy="3398283"/>
+          </a:xfrm>
+          <a:prstGeom prst="rect">
+            <a:avLst/>
+          </a:prstGeom>
+        </p:spPr>
+      </p:pic>
       <p:sp>
         <p:nvSpPr>
-          <p:cNvPr id="9" name="文本占位符 8"/>
-          <p:cNvSpPr>
-            <a:spLocks noGrp="1"/>
-          </p:cNvSpPr>
-          <p:nvPr>
-            <p:ph type="body" sz="quarter" idx="14"/>
-          </p:nvPr>
+          <p:cNvPr id="7" name="文本框 6">
+            <a:extLst>
+              <a:ext uri="{FF2B5EF4-FFF2-40B4-BE49-F238E27FC236}">
+                <a16:creationId xmlns:a16="http://schemas.microsoft.com/office/drawing/2014/main" id="{5D0F053F-35A4-42F8-94A9-1384DC1FDB30}"/>
+              </a:ext>
+            </a:extLst>
+          </p:cNvPr>
+          <p:cNvSpPr txBox="1"/>
+          <p:nvPr/>
         </p:nvSpPr>
-        <p:spPr/>
+        <p:spPr>
+          <a:xfrm>
+            <a:off x="335560" y="2014211"/>
+            <a:ext cx="7239699" cy="325025"/>
+          </a:xfrm>
+          <a:prstGeom prst="rect">
+            <a:avLst/>
+          </a:prstGeom>
+          <a:noFill/>
+        </p:spPr>
         <p:txBody>
-          <a:bodyPr/>
+          <a:bodyPr wrap="square" rtlCol="0">
+            <a:spAutoFit/>
+          </a:bodyPr>
           <a:lstStyle/>
           <a:p>
             <a:r>
+              <a:rPr lang="zh-CN" altLang="en-US" dirty="0"/>
+              <a:t>除了两个不可变形式的实现，其他所有实现都支持</a:t>
+            </a:r>
+            <a:r>
               <a:rPr lang="en-US" altLang="zh-CN" dirty="0"/>
-              <a:t>08</a:t>
-            </a:r>
-            <a:endParaRPr lang="zh-CN" altLang="en-US" dirty="0"/>
+              <a:t>null</a:t>
+            </a:r>
+            <a:r>
+              <a:rPr lang="zh-CN" altLang="en-US" dirty="0"/>
+              <a:t>键和</a:t>
+            </a:r>
+            <a:r>
+              <a:rPr lang="en-US" altLang="zh-CN" dirty="0"/>
+              <a:t>null</a:t>
+            </a:r>
+            <a:r>
+              <a:rPr lang="zh-CN" altLang="en-US" dirty="0"/>
+              <a:t>值</a:t>
+            </a:r>
           </a:p>
         </p:txBody>
       </p:sp>
     </p:spTree>
     <p:extLst>
       <p:ext uri="{BB962C8B-B14F-4D97-AF65-F5344CB8AC3E}">
-        <p14:creationId xmlns:p14="http://schemas.microsoft.com/office/powerpoint/2010/main" val="3065050843"/>
+        <p14:creationId xmlns:p14="http://schemas.microsoft.com/office/powerpoint/2010/main" val="87844760"/>
       </p:ext>
     </p:extLst>
   </p:cSld>
@@ -12983,13 +14280,20 @@
           <a:lstStyle/>
           <a:p>
             <a:r>
+              <a:rPr lang="zh-CN" altLang="en-US" dirty="0"/>
+              <a:t>缓存</a:t>
+            </a:r>
+            <a:br>
               <a:rPr lang="en-US" altLang="zh-CN" dirty="0"/>
-              <a:t>I/o</a:t>
-            </a:r>
-            <a:br>
-              <a:rPr lang="zh-CN" altLang="en-US" dirty="0"/>
             </a:br>
-            <a:endParaRPr lang="zh-CN" altLang="en-US" dirty="0"/>
+            <a:r>
+              <a:rPr lang="en-US" altLang="zh-CN" dirty="0"/>
+              <a:t>catch</a:t>
+            </a:r>
+            <a:r>
+              <a:rPr lang="zh-CN" altLang="en-US" dirty="0"/>
+              <a:t> </a:t>
+            </a:r>
           </a:p>
         </p:txBody>
       </p:sp>
@@ -13010,39 +14314,7 @@
           <a:p>
             <a:r>
               <a:rPr lang="zh-CN" altLang="en-US" dirty="0"/>
-              <a:t>简化</a:t>
-            </a:r>
-            <a:r>
-              <a:rPr lang="en-US" altLang="zh-CN" dirty="0"/>
-              <a:t>I/O</a:t>
-            </a:r>
-            <a:r>
-              <a:rPr lang="zh-CN" altLang="en-US" dirty="0"/>
-              <a:t>尤其是</a:t>
-            </a:r>
-            <a:r>
-              <a:rPr lang="en-US" altLang="zh-CN" dirty="0"/>
-              <a:t>I/O</a:t>
-            </a:r>
-            <a:r>
-              <a:rPr lang="zh-CN" altLang="en-US" dirty="0"/>
-              <a:t>流和文件的操作，针对</a:t>
-            </a:r>
-            <a:r>
-              <a:rPr lang="en-US" altLang="zh-CN" dirty="0"/>
-              <a:t>Java5</a:t>
-            </a:r>
-            <a:r>
-              <a:rPr lang="zh-CN" altLang="en-US" dirty="0"/>
-              <a:t>和</a:t>
-            </a:r>
-            <a:r>
-              <a:rPr lang="en-US" altLang="zh-CN" dirty="0"/>
-              <a:t>6</a:t>
-            </a:r>
-            <a:r>
-              <a:rPr lang="zh-CN" altLang="en-US" dirty="0"/>
-              <a:t>版本</a:t>
+              <a:t>本地缓存实现，支持多种缓存过期策略</a:t>
             </a:r>
           </a:p>
         </p:txBody>
@@ -13064,7 +14336,7 @@
           <a:p>
             <a:r>
               <a:rPr lang="en-US" altLang="zh-CN" dirty="0"/>
-              <a:t>09</a:t>
+              <a:t>03</a:t>
             </a:r>
             <a:endParaRPr lang="zh-CN" altLang="en-US" dirty="0"/>
           </a:p>
@@ -13073,7 +14345,7 @@
     </p:spTree>
     <p:extLst>
       <p:ext uri="{BB962C8B-B14F-4D97-AF65-F5344CB8AC3E}">
-        <p14:creationId xmlns:p14="http://schemas.microsoft.com/office/powerpoint/2010/main" val="3359504855"/>
+        <p14:creationId xmlns:p14="http://schemas.microsoft.com/office/powerpoint/2010/main" val="3783972235"/>
       </p:ext>
     </p:extLst>
   </p:cSld>
@@ -13102,12 +14374,18 @@
       </p:grpSpPr>
       <p:sp>
         <p:nvSpPr>
-          <p:cNvPr id="8" name="标题 7"/>
+          <p:cNvPr id="3" name="文本占位符 2">
+            <a:extLst>
+              <a:ext uri="{FF2B5EF4-FFF2-40B4-BE49-F238E27FC236}">
+                <a16:creationId xmlns:a16="http://schemas.microsoft.com/office/drawing/2014/main" id="{03244420-F962-4115-A1CA-E4ED6E926A57}"/>
+              </a:ext>
+            </a:extLst>
+          </p:cNvPr>
           <p:cNvSpPr>
             <a:spLocks noGrp="1"/>
           </p:cNvSpPr>
           <p:nvPr>
-            <p:ph type="title"/>
+            <p:ph type="body" sz="quarter" idx="10"/>
           </p:nvPr>
         </p:nvSpPr>
         <p:spPr/>
@@ -13117,80 +14395,127 @@
           <a:p>
             <a:r>
               <a:rPr lang="zh-CN" altLang="en-US" dirty="0"/>
-              <a:t> 散列</a:t>
-            </a:r>
-            <a:br>
-              <a:rPr lang="en-US" altLang="zh-CN" dirty="0"/>
-            </a:br>
-            <a:r>
-              <a:rPr lang="en-US" altLang="zh-CN" dirty="0"/>
-              <a:t>Hash</a:t>
-            </a:r>
-            <a:endParaRPr lang="zh-CN" altLang="en-US" dirty="0"/>
+              <a:t>适用场景</a:t>
+            </a:r>
           </a:p>
         </p:txBody>
       </p:sp>
       <p:sp>
         <p:nvSpPr>
-          <p:cNvPr id="6" name="文本占位符 5"/>
-          <p:cNvSpPr>
-            <a:spLocks noGrp="1"/>
-          </p:cNvSpPr>
-          <p:nvPr>
-            <p:ph type="body" sz="quarter" idx="13"/>
-          </p:nvPr>
+          <p:cNvPr id="4" name="文本框 3">
+            <a:extLst>
+              <a:ext uri="{FF2B5EF4-FFF2-40B4-BE49-F238E27FC236}">
+                <a16:creationId xmlns:a16="http://schemas.microsoft.com/office/drawing/2014/main" id="{97B2D24A-4749-4077-A8ED-F22D8B46D606}"/>
+              </a:ext>
+            </a:extLst>
+          </p:cNvPr>
+          <p:cNvSpPr txBox="1"/>
+          <p:nvPr/>
         </p:nvSpPr>
-        <p:spPr/>
+        <p:spPr>
+          <a:xfrm>
+            <a:off x="486561" y="2239861"/>
+            <a:ext cx="6132353" cy="1269322"/>
+          </a:xfrm>
+          <a:prstGeom prst="rect">
+            <a:avLst/>
+          </a:prstGeom>
+          <a:noFill/>
+        </p:spPr>
         <p:txBody>
-          <a:bodyPr/>
+          <a:bodyPr wrap="square" rtlCol="0">
+            <a:spAutoFit/>
+          </a:bodyPr>
           <a:lstStyle/>
           <a:p>
             <a:r>
-              <a:rPr lang="zh-CN" altLang="en-US" dirty="0"/>
-              <a:t>提供比</a:t>
-            </a:r>
-            <a:r>
-              <a:rPr lang="en-US" altLang="zh-CN" dirty="0" err="1"/>
-              <a:t>Object.hashCode</a:t>
-            </a:r>
-            <a:r>
-              <a:rPr lang="en-US" altLang="zh-CN" dirty="0"/>
-              <a:t>()</a:t>
-            </a:r>
-            <a:r>
-              <a:rPr lang="zh-CN" altLang="en-US" dirty="0"/>
-              <a:t>更复杂的散列实现，并提供布鲁姆过滤器的实现</a:t>
-            </a:r>
-          </a:p>
-        </p:txBody>
-      </p:sp>
-      <p:sp>
-        <p:nvSpPr>
-          <p:cNvPr id="9" name="文本占位符 8"/>
-          <p:cNvSpPr>
-            <a:spLocks noGrp="1"/>
-          </p:cNvSpPr>
-          <p:nvPr>
-            <p:ph type="body" sz="quarter" idx="14"/>
-          </p:nvPr>
-        </p:nvSpPr>
-        <p:spPr/>
-        <p:txBody>
-          <a:bodyPr/>
-          <a:lstStyle/>
-          <a:p>
-            <a:r>
-              <a:rPr lang="en-US" altLang="zh-CN" dirty="0"/>
-              <a:t>10</a:t>
-            </a:r>
-            <a:endParaRPr lang="zh-CN" altLang="en-US" dirty="0"/>
+              <a:rPr lang="zh-CN" altLang="zh-CN" sz="1600" dirty="0">
+                <a:solidFill>
+                  <a:srgbClr val="666666"/>
+                </a:solidFill>
+                <a:latin typeface="Arial" panose="020B0604020202020204" pitchFamily="34" charset="0"/>
+                <a:cs typeface="Arial" panose="020B0604020202020204" pitchFamily="34" charset="0"/>
+              </a:rPr>
+              <a:t>通常来说，</a:t>
+            </a:r>
+            <a:r>
+              <a:rPr lang="zh-CN" altLang="zh-CN" sz="1600" dirty="0">
+                <a:solidFill>
+                  <a:srgbClr val="666666"/>
+                </a:solidFill>
+                <a:latin typeface="Arial Unicode MS" panose="020B0604020202020204"/>
+              </a:rPr>
+              <a:t>Guava Cache</a:t>
+            </a:r>
+            <a:r>
+              <a:rPr lang="zh-CN" altLang="zh-CN" sz="1600" dirty="0">
+                <a:solidFill>
+                  <a:srgbClr val="666666"/>
+                </a:solidFill>
+                <a:latin typeface="Arial" panose="020B0604020202020204" pitchFamily="34" charset="0"/>
+                <a:cs typeface="Arial" panose="020B0604020202020204" pitchFamily="34" charset="0"/>
+              </a:rPr>
+              <a:t>适用</a:t>
+            </a:r>
+            <a:r>
+              <a:rPr lang="zh-CN" altLang="en-US" sz="1600" dirty="0">
+                <a:solidFill>
+                  <a:srgbClr val="666666"/>
+                </a:solidFill>
+                <a:latin typeface="Arial" panose="020B0604020202020204" pitchFamily="34" charset="0"/>
+                <a:cs typeface="Arial" panose="020B0604020202020204" pitchFamily="34" charset="0"/>
+              </a:rPr>
+              <a:t>于：</a:t>
+            </a:r>
+            <a:endParaRPr lang="en-US" altLang="zh-CN" sz="1600" dirty="0">
+              <a:solidFill>
+                <a:srgbClr val="666666"/>
+              </a:solidFill>
+              <a:latin typeface="Arial" panose="020B0604020202020204" pitchFamily="34" charset="0"/>
+              <a:cs typeface="Arial" panose="020B0604020202020204" pitchFamily="34" charset="0"/>
+            </a:endParaRPr>
+          </a:p>
+          <a:p>
+            <a:endParaRPr lang="en-US" altLang="zh-CN" dirty="0"/>
+          </a:p>
+          <a:p>
+            <a:pPr marL="342900" indent="-342900">
+              <a:buFont typeface="+mj-lt"/>
+              <a:buAutoNum type="arabicPeriod"/>
+            </a:pPr>
+            <a:r>
+              <a:rPr lang="zh-CN" altLang="en-US" dirty="0"/>
+              <a:t>你愿意消耗一些内存空间来提升速度。</a:t>
+            </a:r>
+            <a:endParaRPr lang="en-US" altLang="zh-CN" dirty="0"/>
+          </a:p>
+          <a:p>
+            <a:pPr marL="342900" indent="-342900">
+              <a:buFont typeface="+mj-lt"/>
+              <a:buAutoNum type="arabicPeriod"/>
+            </a:pPr>
+            <a:r>
+              <a:rPr lang="zh-CN" altLang="en-US" dirty="0"/>
+              <a:t>你预料到某些键会被查询一次以上。</a:t>
+            </a:r>
+            <a:endParaRPr lang="en-US" altLang="zh-CN" dirty="0"/>
+          </a:p>
+          <a:p>
+            <a:pPr marL="342900" indent="-342900">
+              <a:buFont typeface="+mj-lt"/>
+              <a:buAutoNum type="arabicPeriod"/>
+            </a:pPr>
+            <a:r>
+              <a:rPr lang="zh-CN" altLang="en-US" dirty="0"/>
+              <a:t>缓存中存放的数据总量不会超出内存容量。</a:t>
+            </a:r>
           </a:p>
         </p:txBody>
       </p:sp>
     </p:spTree>
     <p:extLst>
       <p:ext uri="{BB962C8B-B14F-4D97-AF65-F5344CB8AC3E}">
-        <p14:creationId xmlns:p14="http://schemas.microsoft.com/office/powerpoint/2010/main" val="1133101520"/>
+        <p14:creationId xmlns:p14="http://schemas.microsoft.com/office/powerpoint/2010/main" val="2012494761"/>
       </p:ext>
     </p:extLst>
   </p:cSld>
@@ -13219,12 +14544,18 @@
       </p:grpSpPr>
       <p:sp>
         <p:nvSpPr>
-          <p:cNvPr id="8" name="标题 7"/>
+          <p:cNvPr id="3" name="文本占位符 2">
+            <a:extLst>
+              <a:ext uri="{FF2B5EF4-FFF2-40B4-BE49-F238E27FC236}">
+                <a16:creationId xmlns:a16="http://schemas.microsoft.com/office/drawing/2014/main" id="{03244420-F962-4115-A1CA-E4ED6E926A57}"/>
+              </a:ext>
+            </a:extLst>
+          </p:cNvPr>
           <p:cNvSpPr>
             <a:spLocks noGrp="1"/>
           </p:cNvSpPr>
           <p:nvPr>
-            <p:ph type="title"/>
+            <p:ph type="body" sz="quarter" idx="10"/>
           </p:nvPr>
         </p:nvSpPr>
         <p:spPr/>
@@ -13233,74 +14564,170 @@
           <a:lstStyle/>
           <a:p>
             <a:r>
-              <a:rPr lang="zh-CN" altLang="en-US" dirty="0"/>
-              <a:t>事件总线</a:t>
-            </a:r>
-            <a:r>
-              <a:rPr lang="en-US" altLang="zh-CN" dirty="0"/>
-              <a:t>EventBus</a:t>
+              <a:rPr lang="en-US" altLang="zh-CN" dirty="0" err="1"/>
+              <a:t>CacheLoader</a:t>
             </a:r>
             <a:endParaRPr lang="zh-CN" altLang="en-US" dirty="0"/>
           </a:p>
         </p:txBody>
       </p:sp>
+      <p:pic>
+        <p:nvPicPr>
+          <p:cNvPr id="2" name="图片 1">
+            <a:extLst>
+              <a:ext uri="{FF2B5EF4-FFF2-40B4-BE49-F238E27FC236}">
+                <a16:creationId xmlns:a16="http://schemas.microsoft.com/office/drawing/2014/main" id="{88EA4C22-41F8-4099-9E19-8858FCDA8B41}"/>
+              </a:ext>
+            </a:extLst>
+          </p:cNvPr>
+          <p:cNvPicPr>
+            <a:picLocks noChangeAspect="1"/>
+          </p:cNvPicPr>
+          <p:nvPr/>
+        </p:nvPicPr>
+        <p:blipFill>
+          <a:blip r:embed="rId2"/>
+          <a:stretch>
+            <a:fillRect/>
+          </a:stretch>
+        </p:blipFill>
+        <p:spPr>
+          <a:xfrm>
+            <a:off x="759204" y="3320204"/>
+            <a:ext cx="6062691" cy="2625361"/>
+          </a:xfrm>
+          <a:prstGeom prst="rect">
+            <a:avLst/>
+          </a:prstGeom>
+        </p:spPr>
+      </p:pic>
       <p:sp>
         <p:nvSpPr>
-          <p:cNvPr id="6" name="文本占位符 5"/>
-          <p:cNvSpPr>
-            <a:spLocks noGrp="1"/>
-          </p:cNvSpPr>
-          <p:nvPr>
-            <p:ph type="body" sz="quarter" idx="13"/>
-          </p:nvPr>
+          <p:cNvPr id="5" name="文本框 4">
+            <a:extLst>
+              <a:ext uri="{FF2B5EF4-FFF2-40B4-BE49-F238E27FC236}">
+                <a16:creationId xmlns:a16="http://schemas.microsoft.com/office/drawing/2014/main" id="{214D4701-E5CE-4382-8F1C-CC813B92C02E}"/>
+              </a:ext>
+            </a:extLst>
+          </p:cNvPr>
+          <p:cNvSpPr txBox="1"/>
+          <p:nvPr/>
         </p:nvSpPr>
-        <p:spPr/>
+        <p:spPr>
+          <a:xfrm>
+            <a:off x="415255" y="1921079"/>
+            <a:ext cx="8409963" cy="1255793"/>
+          </a:xfrm>
+          <a:prstGeom prst="rect">
+            <a:avLst/>
+          </a:prstGeom>
+          <a:noFill/>
+        </p:spPr>
         <p:txBody>
-          <a:bodyPr/>
+          <a:bodyPr wrap="square" rtlCol="0">
+            <a:spAutoFit/>
+          </a:bodyPr>
           <a:lstStyle/>
           <a:p>
             <a:r>
               <a:rPr lang="zh-CN" altLang="en-US" dirty="0"/>
-              <a:t>发布</a:t>
+              <a:t>构建</a:t>
+            </a:r>
+            <a:r>
+              <a:rPr lang="en-US" altLang="zh-CN" dirty="0" err="1"/>
+              <a:t>LoadingCache</a:t>
+            </a:r>
+            <a:r>
+              <a:rPr lang="zh-CN" altLang="en-US" dirty="0"/>
+              <a:t>：</a:t>
+            </a:r>
+            <a:endParaRPr lang="en-US" altLang="zh-CN" dirty="0"/>
+          </a:p>
+          <a:p>
+            <a:pPr marL="342900" indent="-342900">
+              <a:buFont typeface="+mj-lt"/>
+              <a:buAutoNum type="arabicPeriod"/>
+            </a:pPr>
+            <a:r>
+              <a:rPr lang="zh-CN" altLang="en-US" dirty="0"/>
+              <a:t>从</a:t>
+            </a:r>
+            <a:r>
+              <a:rPr lang="en-US" altLang="zh-CN" dirty="0" err="1"/>
+              <a:t>LoadingCache</a:t>
+            </a:r>
+            <a:r>
+              <a:rPr lang="zh-CN" altLang="en-US" dirty="0"/>
+              <a:t>查询的正规方式是使用</a:t>
+            </a:r>
+            <a:r>
+              <a:rPr lang="en-US" altLang="zh-CN" u="sng" dirty="0">
+                <a:hlinkClick r:id="rId3"/>
+              </a:rPr>
+              <a:t>get(K)</a:t>
+            </a:r>
+            <a:r>
+              <a:rPr lang="zh-CN" altLang="en-US" dirty="0"/>
+              <a:t>方法。这个方法要么返回已经缓存的值，要么使用</a:t>
+            </a:r>
+            <a:r>
+              <a:rPr lang="en-US" altLang="zh-CN" dirty="0" err="1"/>
+              <a:t>CacheLoader</a:t>
+            </a:r>
+            <a:r>
+              <a:rPr lang="zh-CN" altLang="en-US" dirty="0"/>
+              <a:t>向缓存原子地加载新值</a:t>
+            </a:r>
+            <a:endParaRPr lang="en-US" altLang="zh-CN" dirty="0"/>
+          </a:p>
+          <a:p>
+            <a:pPr marL="342900" indent="-342900">
+              <a:buFont typeface="+mj-lt"/>
+              <a:buAutoNum type="arabicPeriod"/>
+            </a:pPr>
+            <a:r>
+              <a:rPr lang="en-US" altLang="zh-CN" dirty="0" err="1"/>
+              <a:t>getAll</a:t>
             </a:r>
             <a:r>
               <a:rPr lang="en-US" altLang="zh-CN" dirty="0"/>
-              <a:t>-</a:t>
-            </a:r>
-            <a:r>
-              <a:rPr lang="zh-CN" altLang="en-US" dirty="0"/>
-              <a:t>订阅模式的组件通信，但组件不需要显式地注册到其他组件中</a:t>
-            </a:r>
-          </a:p>
-        </p:txBody>
-      </p:sp>
-      <p:sp>
-        <p:nvSpPr>
-          <p:cNvPr id="9" name="文本占位符 8"/>
-          <p:cNvSpPr>
-            <a:spLocks noGrp="1"/>
-          </p:cNvSpPr>
-          <p:nvPr>
-            <p:ph type="body" sz="quarter" idx="14"/>
-          </p:nvPr>
-        </p:nvSpPr>
-        <p:spPr/>
-        <p:txBody>
-          <a:bodyPr/>
-          <a:lstStyle/>
-          <a:p>
+              <a:t>(</a:t>
+            </a:r>
+            <a:r>
+              <a:rPr lang="en-US" altLang="zh-CN" dirty="0" err="1"/>
+              <a:t>Iterable</a:t>
+            </a:r>
             <a:r>
               <a:rPr lang="en-US" altLang="zh-CN" dirty="0"/>
-              <a:t>11</a:t>
-            </a:r>
-            <a:endParaRPr lang="zh-CN" altLang="en-US" dirty="0"/>
+              <a:t>&lt;? extends K&gt;)</a:t>
+            </a:r>
+            <a:r>
+              <a:rPr lang="zh-CN" altLang="en-US" dirty="0"/>
+              <a:t>方法用来执行批量查询。默认情况下，对每个不在缓存中的键，</a:t>
+            </a:r>
+            <a:r>
+              <a:rPr lang="en-US" altLang="zh-CN" dirty="0" err="1"/>
+              <a:t>getAll</a:t>
+            </a:r>
+            <a:r>
+              <a:rPr lang="zh-CN" altLang="en-US" dirty="0"/>
+              <a:t>方法会单独调用</a:t>
+            </a:r>
+            <a:r>
+              <a:rPr lang="en-US" altLang="zh-CN" dirty="0" err="1"/>
+              <a:t>CacheLoader.load</a:t>
+            </a:r>
+            <a:r>
+              <a:rPr lang="zh-CN" altLang="en-US" dirty="0"/>
+              <a:t>来加载缓存项。</a:t>
+            </a:r>
           </a:p>
         </p:txBody>
       </p:sp>
     </p:spTree>
     <p:extLst>
       <p:ext uri="{BB962C8B-B14F-4D97-AF65-F5344CB8AC3E}">
-        <p14:creationId xmlns:p14="http://schemas.microsoft.com/office/powerpoint/2010/main" val="2410405684"/>
+        <p14:creationId xmlns:p14="http://schemas.microsoft.com/office/powerpoint/2010/main" val="1858165983"/>
       </p:ext>
     </p:extLst>
   </p:cSld>
@@ -13329,12 +14756,18 @@
       </p:grpSpPr>
       <p:sp>
         <p:nvSpPr>
-          <p:cNvPr id="8" name="标题 7"/>
+          <p:cNvPr id="3" name="文本占位符 2">
+            <a:extLst>
+              <a:ext uri="{FF2B5EF4-FFF2-40B4-BE49-F238E27FC236}">
+                <a16:creationId xmlns:a16="http://schemas.microsoft.com/office/drawing/2014/main" id="{03244420-F962-4115-A1CA-E4ED6E926A57}"/>
+              </a:ext>
+            </a:extLst>
+          </p:cNvPr>
           <p:cNvSpPr>
             <a:spLocks noGrp="1"/>
           </p:cNvSpPr>
           <p:nvPr>
-            <p:ph type="title"/>
+            <p:ph type="body" sz="quarter" idx="10"/>
           </p:nvPr>
         </p:nvSpPr>
         <p:spPr/>
@@ -13343,69 +14776,165 @@
           <a:lstStyle/>
           <a:p>
             <a:r>
-              <a:rPr lang="zh-CN" altLang="en-US" dirty="0"/>
-              <a:t>数学运算</a:t>
-            </a:r>
-            <a:br>
               <a:rPr lang="en-US" altLang="zh-CN" dirty="0"/>
-            </a:br>
-            <a:r>
-              <a:rPr lang="en-US" altLang="zh-CN" dirty="0"/>
-              <a:t>Math</a:t>
-            </a:r>
-            <a:endParaRPr lang="zh-CN" altLang="en-US" dirty="0"/>
+              <a:t>Callable</a:t>
+            </a:r>
           </a:p>
         </p:txBody>
       </p:sp>
       <p:sp>
         <p:nvSpPr>
-          <p:cNvPr id="6" name="文本占位符 5"/>
-          <p:cNvSpPr>
-            <a:spLocks noGrp="1"/>
-          </p:cNvSpPr>
-          <p:nvPr>
-            <p:ph type="body" sz="quarter" idx="13"/>
-          </p:nvPr>
+          <p:cNvPr id="5" name="文本框 4">
+            <a:extLst>
+              <a:ext uri="{FF2B5EF4-FFF2-40B4-BE49-F238E27FC236}">
+                <a16:creationId xmlns:a16="http://schemas.microsoft.com/office/drawing/2014/main" id="{214D4701-E5CE-4382-8F1C-CC813B92C02E}"/>
+              </a:ext>
+            </a:extLst>
+          </p:cNvPr>
+          <p:cNvSpPr txBox="1"/>
+          <p:nvPr/>
         </p:nvSpPr>
-        <p:spPr/>
+        <p:spPr>
+          <a:xfrm>
+            <a:off x="415255" y="1921079"/>
+            <a:ext cx="8409963" cy="1721177"/>
+          </a:xfrm>
+          <a:prstGeom prst="rect">
+            <a:avLst/>
+          </a:prstGeom>
+          <a:noFill/>
+        </p:spPr>
         <p:txBody>
-          <a:bodyPr/>
+          <a:bodyPr wrap="square" rtlCol="0">
+            <a:spAutoFit/>
+          </a:bodyPr>
           <a:lstStyle/>
           <a:p>
-            <a:r>
-              <a:rPr lang="zh-CN" altLang="en-US" dirty="0"/>
-              <a:t>优化的、充分测试的数学工具类</a:t>
-            </a:r>
+            <a:pPr marL="342900" indent="-342900">
+              <a:buFont typeface="+mj-lt"/>
+              <a:buAutoNum type="arabicPeriod"/>
+            </a:pPr>
+            <a:r>
+              <a:rPr lang="zh-CN" altLang="en-US" dirty="0"/>
+              <a:t>获取缓存：</a:t>
+            </a:r>
+            <a:endParaRPr lang="en-US" altLang="zh-CN" dirty="0"/>
+          </a:p>
+          <a:p>
+            <a:pPr lvl="1"/>
+            <a:r>
+              <a:rPr lang="zh-CN" altLang="en-US" dirty="0"/>
+              <a:t>所有类型的</a:t>
+            </a:r>
+            <a:r>
+              <a:rPr lang="en-US" altLang="zh-CN" dirty="0"/>
+              <a:t>Guava Cache</a:t>
+            </a:r>
+            <a:r>
+              <a:rPr lang="zh-CN" altLang="en-US" dirty="0"/>
+              <a:t>，不管有没有自动加载功能，都支持</a:t>
+            </a:r>
+            <a:r>
+              <a:rPr lang="en-US" altLang="zh-CN" u="sng" dirty="0">
+                <a:hlinkClick r:id="rId2"/>
+              </a:rPr>
+              <a:t>get(K, Callable&lt;V&gt;)</a:t>
+            </a:r>
+            <a:r>
+              <a:rPr lang="zh-CN" altLang="en-US" dirty="0"/>
+              <a:t>方法。这个方法返回缓存中相应的值，或者用给定的</a:t>
+            </a:r>
+            <a:r>
+              <a:rPr lang="en-US" altLang="zh-CN" dirty="0"/>
+              <a:t>Callable</a:t>
+            </a:r>
+            <a:r>
+              <a:rPr lang="zh-CN" altLang="en-US" dirty="0"/>
+              <a:t>运算并把结果加入到缓存中</a:t>
+            </a:r>
+            <a:endParaRPr lang="en-US" altLang="zh-CN" dirty="0"/>
+          </a:p>
+          <a:p>
+            <a:pPr marL="342900" indent="-342900">
+              <a:buFont typeface="+mj-lt"/>
+              <a:buAutoNum type="arabicPeriod"/>
+            </a:pPr>
+            <a:r>
+              <a:rPr lang="zh-CN" altLang="en-US" dirty="0"/>
+              <a:t>显式插入：</a:t>
+            </a:r>
+            <a:endParaRPr lang="en-US" altLang="zh-CN" dirty="0"/>
+          </a:p>
+          <a:p>
+            <a:pPr lvl="1"/>
+            <a:r>
+              <a:rPr lang="zh-CN" altLang="en-US" dirty="0"/>
+              <a:t>使用</a:t>
+            </a:r>
+            <a:r>
+              <a:rPr lang="en-US" altLang="zh-CN" dirty="0"/>
+              <a:t>cache.put(key, value</a:t>
+            </a:r>
+            <a:r>
+              <a:rPr lang="en-US" altLang="zh-CN" u="sng" dirty="0"/>
+              <a:t>)</a:t>
+            </a:r>
+            <a:r>
+              <a:rPr lang="zh-CN" altLang="en-US" dirty="0"/>
+              <a:t>方法可以直接向缓存中插入值，这会直接覆盖掉给定键之前映射的值</a:t>
+            </a:r>
+            <a:endParaRPr lang="en-US" altLang="zh-CN" dirty="0"/>
+          </a:p>
+          <a:p>
+            <a:pPr marL="726902" lvl="1" indent="-342900">
+              <a:buFont typeface="+mj-lt"/>
+              <a:buAutoNum type="arabicPeriod"/>
+            </a:pPr>
+            <a:endParaRPr lang="en-US" altLang="zh-CN" dirty="0"/>
+          </a:p>
+          <a:p>
+            <a:pPr marL="342900" indent="-342900">
+              <a:buFont typeface="+mj-lt"/>
+              <a:buAutoNum type="arabicPeriod"/>
+            </a:pPr>
+            <a:endParaRPr lang="zh-CN" altLang="en-US" dirty="0"/>
           </a:p>
         </p:txBody>
       </p:sp>
-      <p:sp>
-        <p:nvSpPr>
-          <p:cNvPr id="9" name="文本占位符 8"/>
-          <p:cNvSpPr>
-            <a:spLocks noGrp="1"/>
-          </p:cNvSpPr>
-          <p:nvPr>
-            <p:ph type="body" sz="quarter" idx="14"/>
-          </p:nvPr>
-        </p:nvSpPr>
-        <p:spPr/>
-        <p:txBody>
-          <a:bodyPr/>
-          <a:lstStyle/>
-          <a:p>
-            <a:r>
-              <a:rPr lang="en-US" altLang="zh-CN" dirty="0"/>
-              <a:t>12</a:t>
-            </a:r>
-            <a:endParaRPr lang="zh-CN" altLang="en-US" dirty="0"/>
-          </a:p>
-        </p:txBody>
-      </p:sp>
+      <p:pic>
+        <p:nvPicPr>
+          <p:cNvPr id="7" name="图片 6">
+            <a:extLst>
+              <a:ext uri="{FF2B5EF4-FFF2-40B4-BE49-F238E27FC236}">
+                <a16:creationId xmlns:a16="http://schemas.microsoft.com/office/drawing/2014/main" id="{B7681334-3BAD-44F7-95D0-79295DD40E6A}"/>
+              </a:ext>
+            </a:extLst>
+          </p:cNvPr>
+          <p:cNvPicPr>
+            <a:picLocks noChangeAspect="1"/>
+          </p:cNvPicPr>
+          <p:nvPr/>
+        </p:nvPicPr>
+        <p:blipFill>
+          <a:blip r:embed="rId3"/>
+          <a:stretch>
+            <a:fillRect/>
+          </a:stretch>
+        </p:blipFill>
+        <p:spPr>
+          <a:xfrm>
+            <a:off x="1366837" y="3242218"/>
+            <a:ext cx="6410325" cy="3009900"/>
+          </a:xfrm>
+          <a:prstGeom prst="rect">
+            <a:avLst/>
+          </a:prstGeom>
+        </p:spPr>
+      </p:pic>
     </p:spTree>
     <p:extLst>
       <p:ext uri="{BB962C8B-B14F-4D97-AF65-F5344CB8AC3E}">
-        <p14:creationId xmlns:p14="http://schemas.microsoft.com/office/powerpoint/2010/main" val="3964344473"/>
+        <p14:creationId xmlns:p14="http://schemas.microsoft.com/office/powerpoint/2010/main" val="747304011"/>
       </p:ext>
     </p:extLst>
   </p:cSld>
@@ -13434,12 +14963,18 @@
       </p:grpSpPr>
       <p:sp>
         <p:nvSpPr>
-          <p:cNvPr id="8" name="标题 7"/>
+          <p:cNvPr id="3" name="文本占位符 2">
+            <a:extLst>
+              <a:ext uri="{FF2B5EF4-FFF2-40B4-BE49-F238E27FC236}">
+                <a16:creationId xmlns:a16="http://schemas.microsoft.com/office/drawing/2014/main" id="{03244420-F962-4115-A1CA-E4ED6E926A57}"/>
+              </a:ext>
+            </a:extLst>
+          </p:cNvPr>
           <p:cNvSpPr>
             <a:spLocks noGrp="1"/>
           </p:cNvSpPr>
           <p:nvPr>
-            <p:ph type="title"/>
+            <p:ph type="body" sz="quarter" idx="10"/>
           </p:nvPr>
         </p:nvSpPr>
         <p:spPr/>
@@ -13449,80 +14984,187 @@
           <a:p>
             <a:r>
               <a:rPr lang="zh-CN" altLang="en-US" dirty="0"/>
-              <a:t>反射</a:t>
-            </a:r>
-            <a:br>
+              <a:t>缓存回收</a:t>
+            </a:r>
+            <a:r>
               <a:rPr lang="en-US" altLang="zh-CN" dirty="0"/>
-            </a:br>
+              <a:t>(</a:t>
+            </a:r>
+            <a:r>
+              <a:rPr lang="zh-CN" altLang="en-US" dirty="0"/>
+              <a:t>基于容量的回收</a:t>
+            </a:r>
             <a:r>
               <a:rPr lang="en-US" altLang="zh-CN" dirty="0"/>
-              <a:t>Reflection</a:t>
+              <a:t>)</a:t>
             </a:r>
             <a:endParaRPr lang="zh-CN" altLang="en-US" dirty="0"/>
+          </a:p>
+          <a:p>
+            <a:endParaRPr lang="en-US" altLang="zh-CN" dirty="0"/>
           </a:p>
         </p:txBody>
       </p:sp>
       <p:sp>
         <p:nvSpPr>
-          <p:cNvPr id="6" name="文本占位符 5"/>
-          <p:cNvSpPr>
-            <a:spLocks noGrp="1"/>
-          </p:cNvSpPr>
-          <p:nvPr>
-            <p:ph type="body" sz="quarter" idx="13"/>
-          </p:nvPr>
+          <p:cNvPr id="5" name="文本框 4">
+            <a:extLst>
+              <a:ext uri="{FF2B5EF4-FFF2-40B4-BE49-F238E27FC236}">
+                <a16:creationId xmlns:a16="http://schemas.microsoft.com/office/drawing/2014/main" id="{214D4701-E5CE-4382-8F1C-CC813B92C02E}"/>
+              </a:ext>
+            </a:extLst>
+          </p:cNvPr>
+          <p:cNvSpPr txBox="1"/>
+          <p:nvPr/>
         </p:nvSpPr>
-        <p:spPr/>
+        <p:spPr>
+          <a:xfrm>
+            <a:off x="415255" y="1921079"/>
+            <a:ext cx="8409963" cy="1488484"/>
+          </a:xfrm>
+          <a:prstGeom prst="rect">
+            <a:avLst/>
+          </a:prstGeom>
+          <a:noFill/>
+        </p:spPr>
         <p:txBody>
-          <a:bodyPr/>
+          <a:bodyPr wrap="square" rtlCol="0">
+            <a:spAutoFit/>
+          </a:bodyPr>
           <a:lstStyle/>
           <a:p>
             <a:r>
+              <a:rPr lang="zh-CN" altLang="en-US" dirty="0"/>
+              <a:t>基于容量的回收（</a:t>
+            </a:r>
+            <a:r>
               <a:rPr lang="en-US" altLang="zh-CN" dirty="0"/>
-              <a:t>Guava </a:t>
-            </a:r>
-            <a:r>
-              <a:rPr lang="zh-CN" altLang="en-US" dirty="0"/>
-              <a:t>的 </a:t>
+              <a:t>size-based eviction</a:t>
+            </a:r>
+            <a:r>
+              <a:rPr lang="zh-CN" altLang="en-US" dirty="0"/>
+              <a:t>）</a:t>
+            </a:r>
+            <a:endParaRPr lang="en-US" altLang="zh-CN" dirty="0"/>
+          </a:p>
+          <a:p>
+            <a:pPr marL="726902" lvl="1" indent="-342900">
+              <a:buFont typeface="+mj-lt"/>
+              <a:buAutoNum type="arabicPeriod"/>
+            </a:pPr>
+            <a:r>
+              <a:rPr lang="zh-CN" altLang="en-US" dirty="0"/>
+              <a:t>如果要规定缓存项的数目不超过固定值，只需使用</a:t>
+            </a:r>
+            <a:r>
+              <a:rPr lang="en-US" altLang="zh-CN" dirty="0" err="1"/>
+              <a:t>CacheBuilder.maximumSize</a:t>
             </a:r>
             <a:r>
               <a:rPr lang="en-US" altLang="zh-CN" dirty="0"/>
-              <a:t>Java </a:t>
-            </a:r>
-            <a:r>
-              <a:rPr lang="zh-CN" altLang="en-US" dirty="0"/>
-              <a:t>反射机制工具类</a:t>
-            </a:r>
+              <a:t>(long)</a:t>
+            </a:r>
+            <a:r>
+              <a:rPr lang="zh-CN" altLang="en-US" dirty="0"/>
+              <a:t>。缓存将尝试回收最近没有使用或总体上很少使用的缓存项。</a:t>
+            </a:r>
+            <a:endParaRPr lang="en-US" altLang="zh-CN" dirty="0"/>
+          </a:p>
+          <a:p>
+            <a:pPr marL="726902" lvl="1" indent="-342900">
+              <a:buFont typeface="+mj-lt"/>
+              <a:buAutoNum type="arabicPeriod"/>
+            </a:pPr>
+            <a:r>
+              <a:rPr lang="zh-CN" altLang="en-US" dirty="0"/>
+              <a:t>不同的缓存项有不同的“权重”（</a:t>
+            </a:r>
+            <a:r>
+              <a:rPr lang="en-US" altLang="zh-CN" dirty="0"/>
+              <a:t>weights</a:t>
+            </a:r>
+            <a:r>
+              <a:rPr lang="zh-CN" altLang="en-US" dirty="0"/>
+              <a:t>）</a:t>
+            </a:r>
+            <a:r>
+              <a:rPr lang="en-US" altLang="zh-CN" dirty="0"/>
+              <a:t>——</a:t>
+            </a:r>
+            <a:r>
+              <a:rPr lang="zh-CN" altLang="en-US" dirty="0"/>
+              <a:t>例如，如果你的缓存值，占据完全不同的内存空间，你可以使用</a:t>
+            </a:r>
+            <a:r>
+              <a:rPr lang="en-US" altLang="zh-CN" dirty="0" err="1"/>
+              <a:t>CacheBuilder.weigher</a:t>
+            </a:r>
+            <a:r>
+              <a:rPr lang="en-US" altLang="zh-CN" dirty="0"/>
+              <a:t>(</a:t>
+            </a:r>
+            <a:r>
+              <a:rPr lang="en-US" altLang="zh-CN" dirty="0" err="1"/>
+              <a:t>Weigher</a:t>
+            </a:r>
+            <a:r>
+              <a:rPr lang="en-US" altLang="zh-CN" dirty="0"/>
+              <a:t>)</a:t>
+            </a:r>
+            <a:r>
+              <a:rPr lang="zh-CN" altLang="en-US" dirty="0"/>
+              <a:t>指定一个权重函数，并且用</a:t>
+            </a:r>
+            <a:r>
+              <a:rPr lang="en-US" altLang="zh-CN" dirty="0" err="1"/>
+              <a:t>CacheBuilder.maximumWeight</a:t>
+            </a:r>
+            <a:r>
+              <a:rPr lang="en-US" altLang="zh-CN" dirty="0"/>
+              <a:t>(long)</a:t>
+            </a:r>
+            <a:r>
+              <a:rPr lang="zh-CN" altLang="en-US" dirty="0"/>
+              <a:t>指定最大总重。</a:t>
+            </a:r>
+            <a:endParaRPr lang="en-US" altLang="zh-CN" dirty="0"/>
           </a:p>
         </p:txBody>
       </p:sp>
-      <p:sp>
-        <p:nvSpPr>
-          <p:cNvPr id="9" name="文本占位符 8"/>
-          <p:cNvSpPr>
-            <a:spLocks noGrp="1"/>
-          </p:cNvSpPr>
-          <p:nvPr>
-            <p:ph type="body" sz="quarter" idx="14"/>
-          </p:nvPr>
-        </p:nvSpPr>
-        <p:spPr/>
-        <p:txBody>
-          <a:bodyPr/>
-          <a:lstStyle/>
-          <a:p>
-            <a:r>
-              <a:rPr lang="en-US" altLang="zh-CN" dirty="0"/>
-              <a:t>13</a:t>
-            </a:r>
-            <a:endParaRPr lang="zh-CN" altLang="en-US" dirty="0"/>
-          </a:p>
-        </p:txBody>
-      </p:sp>
+      <p:pic>
+        <p:nvPicPr>
+          <p:cNvPr id="6" name="图片 5">
+            <a:extLst>
+              <a:ext uri="{FF2B5EF4-FFF2-40B4-BE49-F238E27FC236}">
+                <a16:creationId xmlns:a16="http://schemas.microsoft.com/office/drawing/2014/main" id="{1F3634F3-C31D-404A-9C8E-E7E390AAE1CD}"/>
+              </a:ext>
+            </a:extLst>
+          </p:cNvPr>
+          <p:cNvPicPr>
+            <a:picLocks noChangeAspect="1"/>
+          </p:cNvPicPr>
+          <p:nvPr/>
+        </p:nvPicPr>
+        <p:blipFill>
+          <a:blip r:embed="rId2"/>
+          <a:stretch>
+            <a:fillRect/>
+          </a:stretch>
+        </p:blipFill>
+        <p:spPr>
+          <a:xfrm>
+            <a:off x="761651" y="3409563"/>
+            <a:ext cx="6781800" cy="2571750"/>
+          </a:xfrm>
+          <a:prstGeom prst="rect">
+            <a:avLst/>
+          </a:prstGeom>
+        </p:spPr>
+      </p:pic>
     </p:spTree>
     <p:extLst>
       <p:ext uri="{BB962C8B-B14F-4D97-AF65-F5344CB8AC3E}">
-        <p14:creationId xmlns:p14="http://schemas.microsoft.com/office/powerpoint/2010/main" val="1688479900"/>
+        <p14:creationId xmlns:p14="http://schemas.microsoft.com/office/powerpoint/2010/main" val="47582137"/>
       </p:ext>
     </p:extLst>
   </p:cSld>
@@ -13549,10 +15191,726 @@
           <a:chExt cx="0" cy="0"/>
         </a:xfrm>
       </p:grpSpPr>
+      <p:sp>
+        <p:nvSpPr>
+          <p:cNvPr id="3" name="文本占位符 2">
+            <a:extLst>
+              <a:ext uri="{FF2B5EF4-FFF2-40B4-BE49-F238E27FC236}">
+                <a16:creationId xmlns:a16="http://schemas.microsoft.com/office/drawing/2014/main" id="{03244420-F962-4115-A1CA-E4ED6E926A57}"/>
+              </a:ext>
+            </a:extLst>
+          </p:cNvPr>
+          <p:cNvSpPr>
+            <a:spLocks noGrp="1"/>
+          </p:cNvSpPr>
+          <p:nvPr>
+            <p:ph type="body" sz="quarter" idx="10"/>
+          </p:nvPr>
+        </p:nvSpPr>
+        <p:spPr/>
+        <p:txBody>
+          <a:bodyPr/>
+          <a:lstStyle/>
+          <a:p>
+            <a:r>
+              <a:rPr lang="zh-CN" altLang="en-US" dirty="0"/>
+              <a:t>缓存回收</a:t>
+            </a:r>
+            <a:r>
+              <a:rPr lang="en-US" altLang="zh-CN" dirty="0"/>
+              <a:t>(</a:t>
+            </a:r>
+            <a:r>
+              <a:rPr lang="zh-CN" altLang="en-US" dirty="0"/>
+              <a:t>定时回收</a:t>
+            </a:r>
+            <a:r>
+              <a:rPr lang="en-US" altLang="zh-CN" dirty="0"/>
+              <a:t>)</a:t>
+            </a:r>
+            <a:endParaRPr lang="zh-CN" altLang="en-US" dirty="0"/>
+          </a:p>
+          <a:p>
+            <a:endParaRPr lang="en-US" altLang="zh-CN" dirty="0"/>
+          </a:p>
+        </p:txBody>
+      </p:sp>
+      <p:sp>
+        <p:nvSpPr>
+          <p:cNvPr id="5" name="文本框 4">
+            <a:extLst>
+              <a:ext uri="{FF2B5EF4-FFF2-40B4-BE49-F238E27FC236}">
+                <a16:creationId xmlns:a16="http://schemas.microsoft.com/office/drawing/2014/main" id="{214D4701-E5CE-4382-8F1C-CC813B92C02E}"/>
+              </a:ext>
+            </a:extLst>
+          </p:cNvPr>
+          <p:cNvSpPr txBox="1"/>
+          <p:nvPr/>
+        </p:nvSpPr>
+        <p:spPr>
+          <a:xfrm>
+            <a:off x="415255" y="1921079"/>
+            <a:ext cx="8409963" cy="1255793"/>
+          </a:xfrm>
+          <a:prstGeom prst="rect">
+            <a:avLst/>
+          </a:prstGeom>
+          <a:noFill/>
+        </p:spPr>
+        <p:txBody>
+          <a:bodyPr wrap="square" rtlCol="0">
+            <a:spAutoFit/>
+          </a:bodyPr>
+          <a:lstStyle/>
+          <a:p>
+            <a:r>
+              <a:rPr lang="en-US" altLang="zh-CN" dirty="0" err="1"/>
+              <a:t>CacheBuilder</a:t>
+            </a:r>
+            <a:r>
+              <a:rPr lang="zh-CN" altLang="en-US" dirty="0"/>
+              <a:t>提供两种定时回收的方法：</a:t>
+            </a:r>
+          </a:p>
+          <a:p>
+            <a:pPr marL="342900" indent="-342900">
+              <a:buFont typeface="+mj-lt"/>
+              <a:buAutoNum type="arabicPeriod"/>
+            </a:pPr>
+            <a:r>
+              <a:rPr lang="en-US" altLang="zh-CN" dirty="0" err="1"/>
+              <a:t>expireAfterAccess</a:t>
+            </a:r>
+            <a:r>
+              <a:rPr lang="en-US" altLang="zh-CN" dirty="0"/>
+              <a:t>(long, </a:t>
+            </a:r>
+            <a:r>
+              <a:rPr lang="en-US" altLang="zh-CN" dirty="0" err="1"/>
+              <a:t>TimeUnit</a:t>
+            </a:r>
+            <a:r>
+              <a:rPr lang="en-US" altLang="zh-CN" dirty="0"/>
+              <a:t>)</a:t>
+            </a:r>
+            <a:r>
+              <a:rPr lang="zh-CN" altLang="en-US" dirty="0"/>
+              <a:t>：缓存项在给定时间内没有被读</a:t>
+            </a:r>
+            <a:r>
+              <a:rPr lang="en-US" altLang="zh-CN" dirty="0"/>
+              <a:t>/</a:t>
+            </a:r>
+            <a:r>
+              <a:rPr lang="zh-CN" altLang="en-US" dirty="0"/>
+              <a:t>写访问，则回收。请注意这种缓存的回收顺序和基于大小回收一样。</a:t>
+            </a:r>
+            <a:endParaRPr lang="en-US" altLang="zh-CN" dirty="0"/>
+          </a:p>
+          <a:p>
+            <a:pPr marL="342900" indent="-342900">
+              <a:buFont typeface="+mj-lt"/>
+              <a:buAutoNum type="arabicPeriod"/>
+            </a:pPr>
+            <a:r>
+              <a:rPr lang="en-US" altLang="zh-CN" dirty="0" err="1"/>
+              <a:t>expireAfterWrite</a:t>
+            </a:r>
+            <a:r>
+              <a:rPr lang="en-US" altLang="zh-CN" dirty="0"/>
+              <a:t>(long, </a:t>
+            </a:r>
+            <a:r>
+              <a:rPr lang="en-US" altLang="zh-CN" dirty="0" err="1"/>
+              <a:t>TimeUnit</a:t>
+            </a:r>
+            <a:r>
+              <a:rPr lang="en-US" altLang="zh-CN" dirty="0"/>
+              <a:t>)</a:t>
+            </a:r>
+            <a:r>
+              <a:rPr lang="zh-CN" altLang="en-US" dirty="0"/>
+              <a:t>：缓存项在给定时间内没有被写访问（创建或覆盖），则回收。如果认为缓存数据总是在固定时候后变得陈旧不可用，这种回收方式是可取的。</a:t>
+            </a:r>
+          </a:p>
+        </p:txBody>
+      </p:sp>
     </p:spTree>
     <p:extLst>
       <p:ext uri="{BB962C8B-B14F-4D97-AF65-F5344CB8AC3E}">
-        <p14:creationId xmlns:p14="http://schemas.microsoft.com/office/powerpoint/2010/main" val="791654222"/>
+        <p14:creationId xmlns:p14="http://schemas.microsoft.com/office/powerpoint/2010/main" val="3461903900"/>
+      </p:ext>
+    </p:extLst>
+  </p:cSld>
+  <p:clrMapOvr>
+    <a:masterClrMapping/>
+  </p:clrMapOvr>
+</p:sld>
+</file>
+
+<file path=ppt/slides/slide27.xml><?xml version="1.0" encoding="utf-8"?>
+<p:sld xmlns:a="http://schemas.openxmlformats.org/drawingml/2006/main" xmlns:r="http://schemas.openxmlformats.org/officeDocument/2006/relationships" xmlns:p="http://schemas.openxmlformats.org/presentationml/2006/main">
+  <p:cSld>
+    <p:spTree>
+      <p:nvGrpSpPr>
+        <p:cNvPr id="1" name=""/>
+        <p:cNvGrpSpPr/>
+        <p:nvPr/>
+      </p:nvGrpSpPr>
+      <p:grpSpPr>
+        <a:xfrm>
+          <a:off x="0" y="0"/>
+          <a:ext cx="0" cy="0"/>
+          <a:chOff x="0" y="0"/>
+          <a:chExt cx="0" cy="0"/>
+        </a:xfrm>
+      </p:grpSpPr>
+      <p:sp>
+        <p:nvSpPr>
+          <p:cNvPr id="3" name="文本占位符 2">
+            <a:extLst>
+              <a:ext uri="{FF2B5EF4-FFF2-40B4-BE49-F238E27FC236}">
+                <a16:creationId xmlns:a16="http://schemas.microsoft.com/office/drawing/2014/main" id="{03244420-F962-4115-A1CA-E4ED6E926A57}"/>
+              </a:ext>
+            </a:extLst>
+          </p:cNvPr>
+          <p:cNvSpPr>
+            <a:spLocks noGrp="1"/>
+          </p:cNvSpPr>
+          <p:nvPr>
+            <p:ph type="body" sz="quarter" idx="10"/>
+          </p:nvPr>
+        </p:nvSpPr>
+        <p:spPr/>
+        <p:txBody>
+          <a:bodyPr/>
+          <a:lstStyle/>
+          <a:p>
+            <a:r>
+              <a:rPr lang="zh-CN" altLang="en-US" dirty="0"/>
+              <a:t>缓存回收</a:t>
+            </a:r>
+            <a:r>
+              <a:rPr lang="en-US" altLang="zh-CN" dirty="0"/>
+              <a:t>(</a:t>
+            </a:r>
+            <a:r>
+              <a:rPr lang="zh-CN" altLang="en-US" dirty="0"/>
+              <a:t>基于引用的回收</a:t>
+            </a:r>
+            <a:r>
+              <a:rPr lang="en-US" altLang="zh-CN" dirty="0"/>
+              <a:t>)</a:t>
+            </a:r>
+            <a:endParaRPr lang="zh-CN" altLang="en-US" dirty="0"/>
+          </a:p>
+          <a:p>
+            <a:endParaRPr lang="en-US" altLang="zh-CN" dirty="0"/>
+          </a:p>
+        </p:txBody>
+      </p:sp>
+      <p:sp>
+        <p:nvSpPr>
+          <p:cNvPr id="5" name="文本框 4">
+            <a:extLst>
+              <a:ext uri="{FF2B5EF4-FFF2-40B4-BE49-F238E27FC236}">
+                <a16:creationId xmlns:a16="http://schemas.microsoft.com/office/drawing/2014/main" id="{214D4701-E5CE-4382-8F1C-CC813B92C02E}"/>
+              </a:ext>
+            </a:extLst>
+          </p:cNvPr>
+          <p:cNvSpPr txBox="1"/>
+          <p:nvPr/>
+        </p:nvSpPr>
+        <p:spPr>
+          <a:xfrm>
+            <a:off x="415255" y="1921079"/>
+            <a:ext cx="8409963" cy="2419252"/>
+          </a:xfrm>
+          <a:prstGeom prst="rect">
+            <a:avLst/>
+          </a:prstGeom>
+          <a:noFill/>
+        </p:spPr>
+        <p:txBody>
+          <a:bodyPr wrap="square" rtlCol="0">
+            <a:spAutoFit/>
+          </a:bodyPr>
+          <a:lstStyle/>
+          <a:p>
+            <a:r>
+              <a:rPr lang="zh-CN" altLang="en-US" dirty="0"/>
+              <a:t>通过使用弱引用的键、或弱引用的值、或软引用的值，</a:t>
+            </a:r>
+            <a:r>
+              <a:rPr lang="en-US" altLang="zh-CN" dirty="0"/>
+              <a:t>Guava Cache</a:t>
+            </a:r>
+            <a:r>
+              <a:rPr lang="zh-CN" altLang="en-US" dirty="0"/>
+              <a:t>可以把缓存设置为允许垃圾回收：</a:t>
+            </a:r>
+          </a:p>
+          <a:p>
+            <a:pPr marL="342900" indent="-342900">
+              <a:buFont typeface="+mj-lt"/>
+              <a:buAutoNum type="arabicPeriod"/>
+            </a:pPr>
+            <a:r>
+              <a:rPr lang="en-US" altLang="zh-CN" dirty="0" err="1"/>
+              <a:t>CacheBuilder.weakKeys</a:t>
+            </a:r>
+            <a:r>
+              <a:rPr lang="en-US" altLang="zh-CN" dirty="0"/>
+              <a:t>()</a:t>
+            </a:r>
+            <a:r>
+              <a:rPr lang="zh-CN" altLang="en-US" dirty="0"/>
+              <a:t>：使用弱引用存储键。当键没有其它（强或软）引用时，缓存项可以被垃圾回收。因为垃圾回收仅依赖恒等式（</a:t>
+            </a:r>
+            <a:r>
+              <a:rPr lang="en-US" altLang="zh-CN" dirty="0"/>
+              <a:t>==</a:t>
+            </a:r>
+            <a:r>
+              <a:rPr lang="zh-CN" altLang="en-US" dirty="0"/>
+              <a:t>），使用弱引用键的缓存用</a:t>
+            </a:r>
+            <a:r>
+              <a:rPr lang="en-US" altLang="zh-CN" dirty="0"/>
+              <a:t>==</a:t>
+            </a:r>
+            <a:r>
+              <a:rPr lang="zh-CN" altLang="en-US" dirty="0"/>
+              <a:t>而不是</a:t>
+            </a:r>
+            <a:r>
+              <a:rPr lang="en-US" altLang="zh-CN" dirty="0"/>
+              <a:t>equals</a:t>
+            </a:r>
+            <a:r>
+              <a:rPr lang="zh-CN" altLang="en-US" dirty="0"/>
+              <a:t>比较键。</a:t>
+            </a:r>
+            <a:endParaRPr lang="en-US" altLang="zh-CN" dirty="0"/>
+          </a:p>
+          <a:p>
+            <a:pPr marL="342900" indent="-342900">
+              <a:buFont typeface="+mj-lt"/>
+              <a:buAutoNum type="arabicPeriod"/>
+            </a:pPr>
+            <a:r>
+              <a:rPr lang="en-US" altLang="zh-CN" dirty="0" err="1"/>
+              <a:t>CacheBuilder.weakValues</a:t>
+            </a:r>
+            <a:r>
+              <a:rPr lang="en-US" altLang="zh-CN" dirty="0"/>
+              <a:t>()</a:t>
+            </a:r>
+            <a:r>
+              <a:rPr lang="zh-CN" altLang="en-US" dirty="0"/>
+              <a:t>：使用弱引用存储值。当值没有其它（强或软）引用时，缓存项可以被垃圾回收。因为垃圾回收仅依赖恒等式（</a:t>
+            </a:r>
+            <a:r>
+              <a:rPr lang="en-US" altLang="zh-CN" dirty="0"/>
+              <a:t>==</a:t>
+            </a:r>
+            <a:r>
+              <a:rPr lang="zh-CN" altLang="en-US" dirty="0"/>
+              <a:t>），使用弱引用值的缓存用</a:t>
+            </a:r>
+            <a:r>
+              <a:rPr lang="en-US" altLang="zh-CN" dirty="0"/>
+              <a:t>==</a:t>
+            </a:r>
+            <a:r>
+              <a:rPr lang="zh-CN" altLang="en-US" dirty="0"/>
+              <a:t>而不是</a:t>
+            </a:r>
+            <a:r>
+              <a:rPr lang="en-US" altLang="zh-CN" dirty="0"/>
+              <a:t>equals</a:t>
+            </a:r>
+            <a:r>
+              <a:rPr lang="zh-CN" altLang="en-US" dirty="0"/>
+              <a:t>比较值。</a:t>
+            </a:r>
+            <a:endParaRPr lang="en-US" altLang="zh-CN" dirty="0"/>
+          </a:p>
+          <a:p>
+            <a:pPr marL="342900" indent="-342900">
+              <a:buFont typeface="+mj-lt"/>
+              <a:buAutoNum type="arabicPeriod"/>
+            </a:pPr>
+            <a:r>
+              <a:rPr lang="en-US" altLang="zh-CN" dirty="0" err="1"/>
+              <a:t>CacheBuilder.softValues</a:t>
+            </a:r>
+            <a:r>
+              <a:rPr lang="en-US" altLang="zh-CN" dirty="0"/>
+              <a:t>()</a:t>
+            </a:r>
+            <a:r>
+              <a:rPr lang="zh-CN" altLang="en-US" dirty="0"/>
+              <a:t>：使用软引用存储值。软引用只有在响应内存需要时，才按照全局最近最少使用的顺序回收。考虑到使用软引用的性能影响，我们通常建议使用更有性能预测性的缓存大小限定（见上文，基于容量回收）。使用软引用值的缓存同样用</a:t>
+            </a:r>
+            <a:r>
+              <a:rPr lang="en-US" altLang="zh-CN" dirty="0"/>
+              <a:t>==</a:t>
+            </a:r>
+            <a:r>
+              <a:rPr lang="zh-CN" altLang="en-US" dirty="0"/>
+              <a:t>而不是</a:t>
+            </a:r>
+            <a:r>
+              <a:rPr lang="en-US" altLang="zh-CN" dirty="0"/>
+              <a:t>equals</a:t>
+            </a:r>
+            <a:r>
+              <a:rPr lang="zh-CN" altLang="en-US" dirty="0"/>
+              <a:t>比较值。</a:t>
+            </a:r>
+          </a:p>
+        </p:txBody>
+      </p:sp>
+    </p:spTree>
+    <p:extLst>
+      <p:ext uri="{BB962C8B-B14F-4D97-AF65-F5344CB8AC3E}">
+        <p14:creationId xmlns:p14="http://schemas.microsoft.com/office/powerpoint/2010/main" val="1761730060"/>
+      </p:ext>
+    </p:extLst>
+  </p:cSld>
+  <p:clrMapOvr>
+    <a:masterClrMapping/>
+  </p:clrMapOvr>
+</p:sld>
+</file>
+
+<file path=ppt/slides/slide28.xml><?xml version="1.0" encoding="utf-8"?>
+<p:sld xmlns:a="http://schemas.openxmlformats.org/drawingml/2006/main" xmlns:r="http://schemas.openxmlformats.org/officeDocument/2006/relationships" xmlns:p="http://schemas.openxmlformats.org/presentationml/2006/main">
+  <p:cSld>
+    <p:spTree>
+      <p:nvGrpSpPr>
+        <p:cNvPr id="1" name=""/>
+        <p:cNvGrpSpPr/>
+        <p:nvPr/>
+      </p:nvGrpSpPr>
+      <p:grpSpPr>
+        <a:xfrm>
+          <a:off x="0" y="0"/>
+          <a:ext cx="0" cy="0"/>
+          <a:chOff x="0" y="0"/>
+          <a:chExt cx="0" cy="0"/>
+        </a:xfrm>
+      </p:grpSpPr>
+      <p:sp>
+        <p:nvSpPr>
+          <p:cNvPr id="3" name="文本占位符 2">
+            <a:extLst>
+              <a:ext uri="{FF2B5EF4-FFF2-40B4-BE49-F238E27FC236}">
+                <a16:creationId xmlns:a16="http://schemas.microsoft.com/office/drawing/2014/main" id="{03244420-F962-4115-A1CA-E4ED6E926A57}"/>
+              </a:ext>
+            </a:extLst>
+          </p:cNvPr>
+          <p:cNvSpPr>
+            <a:spLocks noGrp="1"/>
+          </p:cNvSpPr>
+          <p:nvPr>
+            <p:ph type="body" sz="quarter" idx="10"/>
+          </p:nvPr>
+        </p:nvSpPr>
+        <p:spPr/>
+        <p:txBody>
+          <a:bodyPr/>
+          <a:lstStyle/>
+          <a:p>
+            <a:r>
+              <a:rPr lang="zh-CN" altLang="en-US" dirty="0"/>
+              <a:t>显式清除</a:t>
+            </a:r>
+          </a:p>
+          <a:p>
+            <a:endParaRPr lang="en-US" altLang="zh-CN" dirty="0"/>
+          </a:p>
+        </p:txBody>
+      </p:sp>
+      <p:sp>
+        <p:nvSpPr>
+          <p:cNvPr id="5" name="文本框 4">
+            <a:extLst>
+              <a:ext uri="{FF2B5EF4-FFF2-40B4-BE49-F238E27FC236}">
+                <a16:creationId xmlns:a16="http://schemas.microsoft.com/office/drawing/2014/main" id="{214D4701-E5CE-4382-8F1C-CC813B92C02E}"/>
+              </a:ext>
+            </a:extLst>
+          </p:cNvPr>
+          <p:cNvSpPr txBox="1"/>
+          <p:nvPr/>
+        </p:nvSpPr>
+        <p:spPr>
+          <a:xfrm>
+            <a:off x="415255" y="1921079"/>
+            <a:ext cx="8409963" cy="790409"/>
+          </a:xfrm>
+          <a:prstGeom prst="rect">
+            <a:avLst/>
+          </a:prstGeom>
+          <a:noFill/>
+        </p:spPr>
+        <p:txBody>
+          <a:bodyPr wrap="square" rtlCol="0">
+            <a:spAutoFit/>
+          </a:bodyPr>
+          <a:lstStyle/>
+          <a:p>
+            <a:pPr marL="342900" indent="-342900">
+              <a:buFont typeface="+mj-lt"/>
+              <a:buAutoNum type="arabicPeriod"/>
+            </a:pPr>
+            <a:r>
+              <a:rPr lang="zh-CN" altLang="en-US" dirty="0"/>
+              <a:t>个别清除：</a:t>
+            </a:r>
+            <a:r>
+              <a:rPr lang="en-US" altLang="zh-CN" dirty="0" err="1"/>
+              <a:t>Cache.invalidate</a:t>
+            </a:r>
+            <a:r>
+              <a:rPr lang="en-US" altLang="zh-CN" dirty="0"/>
+              <a:t>(key)</a:t>
+            </a:r>
+          </a:p>
+          <a:p>
+            <a:pPr marL="342900" indent="-342900">
+              <a:buFont typeface="+mj-lt"/>
+              <a:buAutoNum type="arabicPeriod"/>
+            </a:pPr>
+            <a:r>
+              <a:rPr lang="zh-CN" altLang="en-US" dirty="0"/>
+              <a:t>批量清除：</a:t>
+            </a:r>
+            <a:r>
+              <a:rPr lang="en-US" altLang="zh-CN" dirty="0" err="1"/>
+              <a:t>Cache.invalidateAll</a:t>
+            </a:r>
+            <a:r>
+              <a:rPr lang="en-US" altLang="zh-CN" dirty="0"/>
+              <a:t>(keys)</a:t>
+            </a:r>
+          </a:p>
+          <a:p>
+            <a:pPr marL="342900" indent="-342900">
+              <a:buFont typeface="+mj-lt"/>
+              <a:buAutoNum type="arabicPeriod"/>
+            </a:pPr>
+            <a:r>
+              <a:rPr lang="zh-CN" altLang="en-US" dirty="0"/>
+              <a:t>清除所有缓存项：</a:t>
+            </a:r>
+            <a:r>
+              <a:rPr lang="en-US" altLang="zh-CN" dirty="0" err="1"/>
+              <a:t>Cache.invalidateAll</a:t>
+            </a:r>
+            <a:r>
+              <a:rPr lang="en-US" altLang="zh-CN" dirty="0"/>
+              <a:t>()</a:t>
+            </a:r>
+            <a:endParaRPr lang="zh-CN" altLang="en-US" dirty="0"/>
+          </a:p>
+        </p:txBody>
+      </p:sp>
+    </p:spTree>
+    <p:extLst>
+      <p:ext uri="{BB962C8B-B14F-4D97-AF65-F5344CB8AC3E}">
+        <p14:creationId xmlns:p14="http://schemas.microsoft.com/office/powerpoint/2010/main" val="1342075692"/>
+      </p:ext>
+    </p:extLst>
+  </p:cSld>
+  <p:clrMapOvr>
+    <a:masterClrMapping/>
+  </p:clrMapOvr>
+</p:sld>
+</file>
+
+<file path=ppt/slides/slide29.xml><?xml version="1.0" encoding="utf-8"?>
+<p:sld xmlns:a="http://schemas.openxmlformats.org/drawingml/2006/main" xmlns:r="http://schemas.openxmlformats.org/officeDocument/2006/relationships" xmlns:p="http://schemas.openxmlformats.org/presentationml/2006/main">
+  <p:cSld>
+    <p:spTree>
+      <p:nvGrpSpPr>
+        <p:cNvPr id="1" name=""/>
+        <p:cNvGrpSpPr/>
+        <p:nvPr/>
+      </p:nvGrpSpPr>
+      <p:grpSpPr>
+        <a:xfrm>
+          <a:off x="0" y="0"/>
+          <a:ext cx="0" cy="0"/>
+          <a:chOff x="0" y="0"/>
+          <a:chExt cx="0" cy="0"/>
+        </a:xfrm>
+      </p:grpSpPr>
+      <p:sp>
+        <p:nvSpPr>
+          <p:cNvPr id="3" name="文本占位符 2">
+            <a:extLst>
+              <a:ext uri="{FF2B5EF4-FFF2-40B4-BE49-F238E27FC236}">
+                <a16:creationId xmlns:a16="http://schemas.microsoft.com/office/drawing/2014/main" id="{03244420-F962-4115-A1CA-E4ED6E926A57}"/>
+              </a:ext>
+            </a:extLst>
+          </p:cNvPr>
+          <p:cNvSpPr>
+            <a:spLocks noGrp="1"/>
+          </p:cNvSpPr>
+          <p:nvPr>
+            <p:ph type="body" sz="quarter" idx="10"/>
+          </p:nvPr>
+        </p:nvSpPr>
+        <p:spPr/>
+        <p:txBody>
+          <a:bodyPr/>
+          <a:lstStyle/>
+          <a:p>
+            <a:r>
+              <a:rPr lang="zh-CN" altLang="en-US" dirty="0"/>
+              <a:t>清理什么时候发生？</a:t>
+            </a:r>
+          </a:p>
+          <a:p>
+            <a:endParaRPr lang="en-US" altLang="zh-CN" dirty="0"/>
+          </a:p>
+        </p:txBody>
+      </p:sp>
+      <p:sp>
+        <p:nvSpPr>
+          <p:cNvPr id="5" name="文本框 4">
+            <a:extLst>
+              <a:ext uri="{FF2B5EF4-FFF2-40B4-BE49-F238E27FC236}">
+                <a16:creationId xmlns:a16="http://schemas.microsoft.com/office/drawing/2014/main" id="{214D4701-E5CE-4382-8F1C-CC813B92C02E}"/>
+              </a:ext>
+            </a:extLst>
+          </p:cNvPr>
+          <p:cNvSpPr txBox="1"/>
+          <p:nvPr/>
+        </p:nvSpPr>
+        <p:spPr>
+          <a:xfrm>
+            <a:off x="243311" y="1992639"/>
+            <a:ext cx="8409963" cy="2651944"/>
+          </a:xfrm>
+          <a:prstGeom prst="rect">
+            <a:avLst/>
+          </a:prstGeom>
+          <a:noFill/>
+        </p:spPr>
+        <p:txBody>
+          <a:bodyPr wrap="square" rtlCol="0">
+            <a:spAutoFit/>
+          </a:bodyPr>
+          <a:lstStyle/>
+          <a:p>
+            <a:pPr marL="342900" indent="-342900">
+              <a:buFont typeface="+mj-lt"/>
+              <a:buAutoNum type="arabicPeriod"/>
+            </a:pPr>
+            <a:r>
+              <a:rPr lang="zh-CN" altLang="en-US" dirty="0"/>
+              <a:t>使用</a:t>
+            </a:r>
+            <a:r>
+              <a:rPr lang="en-US" altLang="zh-CN" dirty="0" err="1"/>
+              <a:t>CacheBuilder</a:t>
+            </a:r>
+            <a:r>
+              <a:rPr lang="zh-CN" altLang="en-US" dirty="0"/>
+              <a:t>构建的缓存不会</a:t>
+            </a:r>
+            <a:r>
+              <a:rPr lang="en-US" altLang="zh-CN" dirty="0"/>
+              <a:t>"</a:t>
+            </a:r>
+            <a:r>
+              <a:rPr lang="zh-CN" altLang="en-US" dirty="0"/>
+              <a:t>自动</a:t>
+            </a:r>
+            <a:r>
+              <a:rPr lang="en-US" altLang="zh-CN" dirty="0"/>
+              <a:t>"</a:t>
+            </a:r>
+            <a:r>
+              <a:rPr lang="zh-CN" altLang="en-US" dirty="0"/>
+              <a:t>执行清理和回收工作，也不会在某个缓存项过期后马上清理，也没有诸如此类的清理机制。相反，它会在写操作时顺带做少量的维护工作，或者偶尔在读操作时做</a:t>
+            </a:r>
+            <a:r>
+              <a:rPr lang="en-US" altLang="zh-CN" dirty="0"/>
+              <a:t>——</a:t>
+            </a:r>
+            <a:r>
+              <a:rPr lang="zh-CN" altLang="en-US" dirty="0"/>
+              <a:t>如果写操作实在太少的话。</a:t>
+            </a:r>
+          </a:p>
+          <a:p>
+            <a:endParaRPr lang="zh-CN" altLang="en-US" dirty="0"/>
+          </a:p>
+          <a:p>
+            <a:pPr marL="342900" indent="-342900">
+              <a:buFont typeface="+mj-lt"/>
+              <a:buAutoNum type="arabicPeriod"/>
+            </a:pPr>
+            <a:r>
+              <a:rPr lang="zh-CN" altLang="en-US" dirty="0"/>
+              <a:t>这样做的原因在于：如果要自动地持续清理缓存，就必须有一个线程，这个线程会和用户操作竞争共享锁。此外，某些环境下线程创建可能受限制，这样</a:t>
+            </a:r>
+            <a:r>
+              <a:rPr lang="en-US" altLang="zh-CN" dirty="0" err="1"/>
+              <a:t>CacheBuilder</a:t>
+            </a:r>
+            <a:r>
+              <a:rPr lang="zh-CN" altLang="en-US" dirty="0"/>
+              <a:t>就不可用了。</a:t>
+            </a:r>
+          </a:p>
+          <a:p>
+            <a:pPr marL="342900" indent="-342900">
+              <a:buFont typeface="+mj-lt"/>
+              <a:buAutoNum type="arabicPeriod"/>
+            </a:pPr>
+            <a:endParaRPr lang="zh-CN" altLang="en-US" dirty="0"/>
+          </a:p>
+          <a:p>
+            <a:pPr marL="342900" indent="-342900">
+              <a:buFont typeface="+mj-lt"/>
+              <a:buAutoNum type="arabicPeriod"/>
+            </a:pPr>
+            <a:r>
+              <a:rPr lang="zh-CN" altLang="en-US" dirty="0"/>
+              <a:t>相反，我们把选择权交到你手里。如果你的缓存是高吞吐的，那就无需担心缓存的维护和清理等工作。如果你的 缓存只会偶尔有写操作，而你又不想清理工作阻碍了读操作，那么可以创建自己的维护线程，以固定的时间间隔调用</a:t>
+            </a:r>
+            <a:r>
+              <a:rPr lang="en-US" altLang="zh-CN" dirty="0" err="1"/>
+              <a:t>Cache.cleanUp</a:t>
+            </a:r>
+            <a:r>
+              <a:rPr lang="en-US" altLang="zh-CN" dirty="0"/>
+              <a:t>()</a:t>
+            </a:r>
+            <a:r>
+              <a:rPr lang="zh-CN" altLang="en-US" dirty="0"/>
+              <a:t>。</a:t>
+            </a:r>
+            <a:r>
+              <a:rPr lang="en-US" altLang="zh-CN" dirty="0" err="1"/>
+              <a:t>ScheduledExecutorService</a:t>
+            </a:r>
+            <a:r>
+              <a:rPr lang="zh-CN" altLang="en-US" dirty="0"/>
+              <a:t>可以帮助你很好地实现这样的定时调度。</a:t>
+            </a:r>
+          </a:p>
+        </p:txBody>
+      </p:sp>
+    </p:spTree>
+    <p:extLst>
+      <p:ext uri="{BB962C8B-B14F-4D97-AF65-F5344CB8AC3E}">
+        <p14:creationId xmlns:p14="http://schemas.microsoft.com/office/powerpoint/2010/main" val="2104159002"/>
       </p:ext>
     </p:extLst>
   </p:cSld>
@@ -13666,6 +16024,1199 @@
     <p:extLst>
       <p:ext uri="{BB962C8B-B14F-4D97-AF65-F5344CB8AC3E}">
         <p14:creationId xmlns:p14="http://schemas.microsoft.com/office/powerpoint/2010/main" val="3562551966"/>
+      </p:ext>
+    </p:extLst>
+  </p:cSld>
+  <p:clrMapOvr>
+    <a:masterClrMapping/>
+  </p:clrMapOvr>
+</p:sld>
+</file>
+
+<file path=ppt/slides/slide30.xml><?xml version="1.0" encoding="utf-8"?>
+<p:sld xmlns:a="http://schemas.openxmlformats.org/drawingml/2006/main" xmlns:r="http://schemas.openxmlformats.org/officeDocument/2006/relationships" xmlns:p="http://schemas.openxmlformats.org/presentationml/2006/main">
+  <p:cSld>
+    <p:spTree>
+      <p:nvGrpSpPr>
+        <p:cNvPr id="1" name=""/>
+        <p:cNvGrpSpPr/>
+        <p:nvPr/>
+      </p:nvGrpSpPr>
+      <p:grpSpPr>
+        <a:xfrm>
+          <a:off x="0" y="0"/>
+          <a:ext cx="0" cy="0"/>
+          <a:chOff x="0" y="0"/>
+          <a:chExt cx="0" cy="0"/>
+        </a:xfrm>
+      </p:grpSpPr>
+      <p:sp>
+        <p:nvSpPr>
+          <p:cNvPr id="3" name="文本占位符 2">
+            <a:extLst>
+              <a:ext uri="{FF2B5EF4-FFF2-40B4-BE49-F238E27FC236}">
+                <a16:creationId xmlns:a16="http://schemas.microsoft.com/office/drawing/2014/main" id="{03244420-F962-4115-A1CA-E4ED6E926A57}"/>
+              </a:ext>
+            </a:extLst>
+          </p:cNvPr>
+          <p:cNvSpPr>
+            <a:spLocks noGrp="1"/>
+          </p:cNvSpPr>
+          <p:nvPr>
+            <p:ph type="body" sz="quarter" idx="10"/>
+          </p:nvPr>
+        </p:nvSpPr>
+        <p:spPr/>
+        <p:txBody>
+          <a:bodyPr/>
+          <a:lstStyle/>
+          <a:p>
+            <a:r>
+              <a:rPr lang="zh-CN" altLang="en-US" dirty="0"/>
+              <a:t>刷新</a:t>
+            </a:r>
+          </a:p>
+          <a:p>
+            <a:endParaRPr lang="en-US" altLang="zh-CN" dirty="0"/>
+          </a:p>
+        </p:txBody>
+      </p:sp>
+      <p:sp>
+        <p:nvSpPr>
+          <p:cNvPr id="5" name="文本框 4">
+            <a:extLst>
+              <a:ext uri="{FF2B5EF4-FFF2-40B4-BE49-F238E27FC236}">
+                <a16:creationId xmlns:a16="http://schemas.microsoft.com/office/drawing/2014/main" id="{214D4701-E5CE-4382-8F1C-CC813B92C02E}"/>
+              </a:ext>
+            </a:extLst>
+          </p:cNvPr>
+          <p:cNvSpPr txBox="1"/>
+          <p:nvPr/>
+        </p:nvSpPr>
+        <p:spPr>
+          <a:xfrm>
+            <a:off x="243311" y="1992639"/>
+            <a:ext cx="8409963" cy="1255793"/>
+          </a:xfrm>
+          <a:prstGeom prst="rect">
+            <a:avLst/>
+          </a:prstGeom>
+          <a:noFill/>
+        </p:spPr>
+        <p:txBody>
+          <a:bodyPr wrap="square" rtlCol="0">
+            <a:spAutoFit/>
+          </a:bodyPr>
+          <a:lstStyle/>
+          <a:p>
+            <a:pPr marL="342900" indent="-342900">
+              <a:buFont typeface="+mj-lt"/>
+              <a:buAutoNum type="arabicPeriod"/>
+            </a:pPr>
+            <a:r>
+              <a:rPr lang="zh-CN" altLang="en-US" dirty="0"/>
+              <a:t>在刷新操作进行时，缓存仍然可以向其他线程返回旧值，而不像回收操作，读缓存的线程必须等待新值加载完成。</a:t>
+            </a:r>
+          </a:p>
+          <a:p>
+            <a:pPr marL="342900" indent="-342900">
+              <a:buFont typeface="+mj-lt"/>
+              <a:buAutoNum type="arabicPeriod"/>
+            </a:pPr>
+            <a:r>
+              <a:rPr lang="zh-CN" altLang="en-US" dirty="0"/>
+              <a:t>如果刷新过程抛出异常，缓存将保留旧值，而异常会在记录到日志后被丢弃</a:t>
+            </a:r>
+            <a:r>
+              <a:rPr lang="en-US" altLang="zh-CN" dirty="0"/>
+              <a:t>[swallowed]</a:t>
+            </a:r>
+            <a:r>
+              <a:rPr lang="zh-CN" altLang="en-US" dirty="0"/>
+              <a:t>。</a:t>
+            </a:r>
+          </a:p>
+          <a:p>
+            <a:pPr marL="342900" indent="-342900">
+              <a:buFont typeface="+mj-lt"/>
+              <a:buAutoNum type="arabicPeriod"/>
+            </a:pPr>
+            <a:r>
+              <a:rPr lang="zh-CN" altLang="en-US" dirty="0"/>
+              <a:t>重载</a:t>
+            </a:r>
+            <a:r>
+              <a:rPr lang="en-US" altLang="zh-CN" dirty="0" err="1"/>
+              <a:t>CacheLoader.reload</a:t>
+            </a:r>
+            <a:r>
+              <a:rPr lang="en-US" altLang="zh-CN" dirty="0"/>
+              <a:t>(K, V)</a:t>
+            </a:r>
+            <a:r>
+              <a:rPr lang="zh-CN" altLang="en-US" dirty="0"/>
+              <a:t>可以扩展刷新时的行为，这个方法允许开发者在计算新值时使用旧的值。</a:t>
+            </a:r>
+          </a:p>
+        </p:txBody>
+      </p:sp>
+      <p:pic>
+        <p:nvPicPr>
+          <p:cNvPr id="2" name="图片 1">
+            <a:extLst>
+              <a:ext uri="{FF2B5EF4-FFF2-40B4-BE49-F238E27FC236}">
+                <a16:creationId xmlns:a16="http://schemas.microsoft.com/office/drawing/2014/main" id="{4AD9C7E1-A019-43AD-8E41-2745C04E444A}"/>
+              </a:ext>
+            </a:extLst>
+          </p:cNvPr>
+          <p:cNvPicPr>
+            <a:picLocks noChangeAspect="1"/>
+          </p:cNvPicPr>
+          <p:nvPr/>
+        </p:nvPicPr>
+        <p:blipFill>
+          <a:blip r:embed="rId2"/>
+          <a:stretch>
+            <a:fillRect/>
+          </a:stretch>
+        </p:blipFill>
+        <p:spPr>
+          <a:xfrm>
+            <a:off x="1417739" y="2992675"/>
+            <a:ext cx="5027889" cy="2785872"/>
+          </a:xfrm>
+          <a:prstGeom prst="rect">
+            <a:avLst/>
+          </a:prstGeom>
+        </p:spPr>
+      </p:pic>
+    </p:spTree>
+    <p:extLst>
+      <p:ext uri="{BB962C8B-B14F-4D97-AF65-F5344CB8AC3E}">
+        <p14:creationId xmlns:p14="http://schemas.microsoft.com/office/powerpoint/2010/main" val="1441333775"/>
+      </p:ext>
+    </p:extLst>
+  </p:cSld>
+  <p:clrMapOvr>
+    <a:masterClrMapping/>
+  </p:clrMapOvr>
+</p:sld>
+</file>
+
+<file path=ppt/slides/slide31.xml><?xml version="1.0" encoding="utf-8"?>
+<p:sld xmlns:a="http://schemas.openxmlformats.org/drawingml/2006/main" xmlns:r="http://schemas.openxmlformats.org/officeDocument/2006/relationships" xmlns:p="http://schemas.openxmlformats.org/presentationml/2006/main">
+  <p:cSld>
+    <p:spTree>
+      <p:nvGrpSpPr>
+        <p:cNvPr id="1" name=""/>
+        <p:cNvGrpSpPr/>
+        <p:nvPr/>
+      </p:nvGrpSpPr>
+      <p:grpSpPr>
+        <a:xfrm>
+          <a:off x="0" y="0"/>
+          <a:ext cx="0" cy="0"/>
+          <a:chOff x="0" y="0"/>
+          <a:chExt cx="0" cy="0"/>
+        </a:xfrm>
+      </p:grpSpPr>
+      <p:sp>
+        <p:nvSpPr>
+          <p:cNvPr id="8" name="标题 7"/>
+          <p:cNvSpPr>
+            <a:spLocks noGrp="1"/>
+          </p:cNvSpPr>
+          <p:nvPr>
+            <p:ph type="title"/>
+          </p:nvPr>
+        </p:nvSpPr>
+        <p:spPr/>
+        <p:txBody>
+          <a:bodyPr/>
+          <a:lstStyle/>
+          <a:p>
+            <a:r>
+              <a:rPr lang="zh-CN" altLang="en-US" dirty="0"/>
+              <a:t>函数式风格</a:t>
+            </a:r>
+            <a:br>
+              <a:rPr lang="en-US" altLang="zh-CN" dirty="0"/>
+            </a:br>
+            <a:r>
+              <a:rPr lang="en-US" altLang="zh-CN" dirty="0"/>
+              <a:t>Functional idioms</a:t>
+            </a:r>
+            <a:endParaRPr lang="zh-CN" altLang="en-US" dirty="0"/>
+          </a:p>
+        </p:txBody>
+      </p:sp>
+      <p:sp>
+        <p:nvSpPr>
+          <p:cNvPr id="6" name="文本占位符 5"/>
+          <p:cNvSpPr>
+            <a:spLocks noGrp="1"/>
+          </p:cNvSpPr>
+          <p:nvPr>
+            <p:ph type="body" sz="quarter" idx="13"/>
+          </p:nvPr>
+        </p:nvSpPr>
+        <p:spPr/>
+        <p:txBody>
+          <a:bodyPr/>
+          <a:lstStyle/>
+          <a:p>
+            <a:r>
+              <a:rPr lang="zh-CN" altLang="en-US" dirty="0"/>
+              <a:t>可以显著简化代码</a:t>
+            </a:r>
+          </a:p>
+        </p:txBody>
+      </p:sp>
+      <p:sp>
+        <p:nvSpPr>
+          <p:cNvPr id="9" name="文本占位符 8"/>
+          <p:cNvSpPr>
+            <a:spLocks noGrp="1"/>
+          </p:cNvSpPr>
+          <p:nvPr>
+            <p:ph type="body" sz="quarter" idx="14"/>
+          </p:nvPr>
+        </p:nvSpPr>
+        <p:spPr/>
+        <p:txBody>
+          <a:bodyPr/>
+          <a:lstStyle/>
+          <a:p>
+            <a:r>
+              <a:rPr lang="en-US" altLang="zh-CN" dirty="0"/>
+              <a:t>04</a:t>
+            </a:r>
+            <a:endParaRPr lang="zh-CN" altLang="en-US" dirty="0"/>
+          </a:p>
+        </p:txBody>
+      </p:sp>
+    </p:spTree>
+    <p:extLst>
+      <p:ext uri="{BB962C8B-B14F-4D97-AF65-F5344CB8AC3E}">
+        <p14:creationId xmlns:p14="http://schemas.microsoft.com/office/powerpoint/2010/main" val="2674867946"/>
+      </p:ext>
+    </p:extLst>
+  </p:cSld>
+  <p:clrMapOvr>
+    <a:masterClrMapping/>
+  </p:clrMapOvr>
+</p:sld>
+</file>
+
+<file path=ppt/slides/slide32.xml><?xml version="1.0" encoding="utf-8"?>
+<p:sld xmlns:a="http://schemas.openxmlformats.org/drawingml/2006/main" xmlns:r="http://schemas.openxmlformats.org/officeDocument/2006/relationships" xmlns:p="http://schemas.openxmlformats.org/presentationml/2006/main">
+  <p:cSld>
+    <p:spTree>
+      <p:nvGrpSpPr>
+        <p:cNvPr id="1" name=""/>
+        <p:cNvGrpSpPr/>
+        <p:nvPr/>
+      </p:nvGrpSpPr>
+      <p:grpSpPr>
+        <a:xfrm>
+          <a:off x="0" y="0"/>
+          <a:ext cx="0" cy="0"/>
+          <a:chOff x="0" y="0"/>
+          <a:chExt cx="0" cy="0"/>
+        </a:xfrm>
+      </p:grpSpPr>
+      <p:sp>
+        <p:nvSpPr>
+          <p:cNvPr id="8" name="标题 7"/>
+          <p:cNvSpPr>
+            <a:spLocks noGrp="1"/>
+          </p:cNvSpPr>
+          <p:nvPr>
+            <p:ph type="title"/>
+          </p:nvPr>
+        </p:nvSpPr>
+        <p:spPr/>
+        <p:txBody>
+          <a:bodyPr>
+            <a:normAutofit/>
+          </a:bodyPr>
+          <a:lstStyle/>
+          <a:p>
+            <a:r>
+              <a:rPr lang="zh-CN" altLang="en-US" dirty="0"/>
+              <a:t>并发</a:t>
+            </a:r>
+            <a:br>
+              <a:rPr lang="en-US" altLang="zh-CN" dirty="0"/>
+            </a:br>
+            <a:r>
+              <a:rPr lang="en-US" altLang="zh-CN" dirty="0"/>
+              <a:t>Concurrency</a:t>
+            </a:r>
+            <a:endParaRPr lang="zh-CN" altLang="en-US" dirty="0"/>
+          </a:p>
+        </p:txBody>
+      </p:sp>
+      <p:sp>
+        <p:nvSpPr>
+          <p:cNvPr id="6" name="文本占位符 5"/>
+          <p:cNvSpPr>
+            <a:spLocks noGrp="1"/>
+          </p:cNvSpPr>
+          <p:nvPr>
+            <p:ph type="body" sz="quarter" idx="13"/>
+          </p:nvPr>
+        </p:nvSpPr>
+        <p:spPr/>
+        <p:txBody>
+          <a:bodyPr/>
+          <a:lstStyle/>
+          <a:p>
+            <a:r>
+              <a:rPr lang="zh-CN" altLang="en-US" dirty="0"/>
+              <a:t>强大而简单的抽象，让编写正确的并发代码更简单</a:t>
+            </a:r>
+          </a:p>
+        </p:txBody>
+      </p:sp>
+      <p:sp>
+        <p:nvSpPr>
+          <p:cNvPr id="9" name="文本占位符 8"/>
+          <p:cNvSpPr>
+            <a:spLocks noGrp="1"/>
+          </p:cNvSpPr>
+          <p:nvPr>
+            <p:ph type="body" sz="quarter" idx="14"/>
+          </p:nvPr>
+        </p:nvSpPr>
+        <p:spPr/>
+        <p:txBody>
+          <a:bodyPr/>
+          <a:lstStyle/>
+          <a:p>
+            <a:r>
+              <a:rPr lang="en-US" altLang="zh-CN" dirty="0"/>
+              <a:t>05</a:t>
+            </a:r>
+            <a:endParaRPr lang="zh-CN" altLang="en-US" dirty="0"/>
+          </a:p>
+        </p:txBody>
+      </p:sp>
+    </p:spTree>
+    <p:extLst>
+      <p:ext uri="{BB962C8B-B14F-4D97-AF65-F5344CB8AC3E}">
+        <p14:creationId xmlns:p14="http://schemas.microsoft.com/office/powerpoint/2010/main" val="2650938815"/>
+      </p:ext>
+    </p:extLst>
+  </p:cSld>
+  <p:clrMapOvr>
+    <a:masterClrMapping/>
+  </p:clrMapOvr>
+</p:sld>
+</file>
+
+<file path=ppt/slides/slide33.xml><?xml version="1.0" encoding="utf-8"?>
+<p:sld xmlns:a="http://schemas.openxmlformats.org/drawingml/2006/main" xmlns:r="http://schemas.openxmlformats.org/officeDocument/2006/relationships" xmlns:p="http://schemas.openxmlformats.org/presentationml/2006/main">
+  <p:cSld>
+    <p:spTree>
+      <p:nvGrpSpPr>
+        <p:cNvPr id="1" name=""/>
+        <p:cNvGrpSpPr/>
+        <p:nvPr/>
+      </p:nvGrpSpPr>
+      <p:grpSpPr>
+        <a:xfrm>
+          <a:off x="0" y="0"/>
+          <a:ext cx="0" cy="0"/>
+          <a:chOff x="0" y="0"/>
+          <a:chExt cx="0" cy="0"/>
+        </a:xfrm>
+      </p:grpSpPr>
+      <p:sp>
+        <p:nvSpPr>
+          <p:cNvPr id="8" name="标题 7"/>
+          <p:cNvSpPr>
+            <a:spLocks noGrp="1"/>
+          </p:cNvSpPr>
+          <p:nvPr>
+            <p:ph type="title"/>
+          </p:nvPr>
+        </p:nvSpPr>
+        <p:spPr/>
+        <p:txBody>
+          <a:bodyPr/>
+          <a:lstStyle/>
+          <a:p>
+            <a:r>
+              <a:rPr lang="zh-CN" altLang="en-US" dirty="0"/>
+              <a:t>字符串处理</a:t>
+            </a:r>
+            <a:br>
+              <a:rPr lang="zh-CN" altLang="en-US" dirty="0"/>
+            </a:br>
+            <a:r>
+              <a:rPr lang="en-US" altLang="zh-CN" dirty="0"/>
+              <a:t>Strings</a:t>
+            </a:r>
+            <a:endParaRPr lang="zh-CN" altLang="en-US" dirty="0"/>
+          </a:p>
+        </p:txBody>
+      </p:sp>
+      <p:sp>
+        <p:nvSpPr>
+          <p:cNvPr id="6" name="文本占位符 5"/>
+          <p:cNvSpPr>
+            <a:spLocks noGrp="1"/>
+          </p:cNvSpPr>
+          <p:nvPr>
+            <p:ph type="body" sz="quarter" idx="13"/>
+          </p:nvPr>
+        </p:nvSpPr>
+        <p:spPr/>
+        <p:txBody>
+          <a:bodyPr/>
+          <a:lstStyle/>
+          <a:p>
+            <a:r>
+              <a:rPr lang="zh-CN" altLang="en-US" dirty="0"/>
+              <a:t>字符串工具，包括分割、连接、填充等操作</a:t>
+            </a:r>
+          </a:p>
+        </p:txBody>
+      </p:sp>
+      <p:sp>
+        <p:nvSpPr>
+          <p:cNvPr id="9" name="文本占位符 8"/>
+          <p:cNvSpPr>
+            <a:spLocks noGrp="1"/>
+          </p:cNvSpPr>
+          <p:nvPr>
+            <p:ph type="body" sz="quarter" idx="14"/>
+          </p:nvPr>
+        </p:nvSpPr>
+        <p:spPr/>
+        <p:txBody>
+          <a:bodyPr/>
+          <a:lstStyle/>
+          <a:p>
+            <a:r>
+              <a:rPr lang="en-US" altLang="zh-CN" dirty="0"/>
+              <a:t>06	</a:t>
+            </a:r>
+            <a:endParaRPr lang="zh-CN" altLang="en-US" dirty="0"/>
+          </a:p>
+        </p:txBody>
+      </p:sp>
+    </p:spTree>
+    <p:extLst>
+      <p:ext uri="{BB962C8B-B14F-4D97-AF65-F5344CB8AC3E}">
+        <p14:creationId xmlns:p14="http://schemas.microsoft.com/office/powerpoint/2010/main" val="3410191328"/>
+      </p:ext>
+    </p:extLst>
+  </p:cSld>
+  <p:clrMapOvr>
+    <a:masterClrMapping/>
+  </p:clrMapOvr>
+</p:sld>
+</file>
+
+<file path=ppt/slides/slide34.xml><?xml version="1.0" encoding="utf-8"?>
+<p:sld xmlns:a="http://schemas.openxmlformats.org/drawingml/2006/main" xmlns:r="http://schemas.openxmlformats.org/officeDocument/2006/relationships" xmlns:p="http://schemas.openxmlformats.org/presentationml/2006/main">
+  <p:cSld>
+    <p:spTree>
+      <p:nvGrpSpPr>
+        <p:cNvPr id="1" name=""/>
+        <p:cNvGrpSpPr/>
+        <p:nvPr/>
+      </p:nvGrpSpPr>
+      <p:grpSpPr>
+        <a:xfrm>
+          <a:off x="0" y="0"/>
+          <a:ext cx="0" cy="0"/>
+          <a:chOff x="0" y="0"/>
+          <a:chExt cx="0" cy="0"/>
+        </a:xfrm>
+      </p:grpSpPr>
+      <p:sp>
+        <p:nvSpPr>
+          <p:cNvPr id="8" name="标题 7"/>
+          <p:cNvSpPr>
+            <a:spLocks noGrp="1"/>
+          </p:cNvSpPr>
+          <p:nvPr>
+            <p:ph type="title"/>
+          </p:nvPr>
+        </p:nvSpPr>
+        <p:spPr/>
+        <p:txBody>
+          <a:bodyPr/>
+          <a:lstStyle/>
+          <a:p>
+            <a:r>
+              <a:rPr lang="zh-CN" altLang="en-US" dirty="0"/>
+              <a:t>原生类型</a:t>
+            </a:r>
+            <a:r>
+              <a:rPr lang="en-US" altLang="zh-CN" dirty="0"/>
+              <a:t>Primitives</a:t>
+            </a:r>
+            <a:endParaRPr lang="zh-CN" altLang="en-US" dirty="0"/>
+          </a:p>
+        </p:txBody>
+      </p:sp>
+      <p:sp>
+        <p:nvSpPr>
+          <p:cNvPr id="6" name="文本占位符 5"/>
+          <p:cNvSpPr>
+            <a:spLocks noGrp="1"/>
+          </p:cNvSpPr>
+          <p:nvPr>
+            <p:ph type="body" sz="quarter" idx="13"/>
+          </p:nvPr>
+        </p:nvSpPr>
+        <p:spPr/>
+        <p:txBody>
+          <a:bodyPr/>
+          <a:lstStyle/>
+          <a:p>
+            <a:r>
+              <a:rPr lang="zh-CN" altLang="en-US" dirty="0"/>
+              <a:t>扩展 </a:t>
+            </a:r>
+            <a:r>
+              <a:rPr lang="en-US" altLang="zh-CN" dirty="0"/>
+              <a:t>JDK </a:t>
+            </a:r>
+            <a:r>
+              <a:rPr lang="zh-CN" altLang="en-US" dirty="0"/>
+              <a:t>未提供的原生类型（如</a:t>
+            </a:r>
+            <a:r>
+              <a:rPr lang="en-US" altLang="zh-CN" dirty="0"/>
+              <a:t>int</a:t>
+            </a:r>
+            <a:r>
+              <a:rPr lang="zh-CN" altLang="en-US" dirty="0"/>
+              <a:t>、</a:t>
+            </a:r>
+            <a:r>
+              <a:rPr lang="en-US" altLang="zh-CN" dirty="0"/>
+              <a:t>char</a:t>
+            </a:r>
+            <a:r>
+              <a:rPr lang="zh-CN" altLang="en-US" dirty="0"/>
+              <a:t>）操作， 包括某些类型的无符号形式</a:t>
+            </a:r>
+          </a:p>
+        </p:txBody>
+      </p:sp>
+      <p:sp>
+        <p:nvSpPr>
+          <p:cNvPr id="9" name="文本占位符 8"/>
+          <p:cNvSpPr>
+            <a:spLocks noGrp="1"/>
+          </p:cNvSpPr>
+          <p:nvPr>
+            <p:ph type="body" sz="quarter" idx="14"/>
+          </p:nvPr>
+        </p:nvSpPr>
+        <p:spPr/>
+        <p:txBody>
+          <a:bodyPr/>
+          <a:lstStyle/>
+          <a:p>
+            <a:r>
+              <a:rPr lang="en-US" altLang="zh-CN" dirty="0"/>
+              <a:t>07</a:t>
+            </a:r>
+            <a:endParaRPr lang="zh-CN" altLang="en-US" dirty="0"/>
+          </a:p>
+        </p:txBody>
+      </p:sp>
+    </p:spTree>
+    <p:extLst>
+      <p:ext uri="{BB962C8B-B14F-4D97-AF65-F5344CB8AC3E}">
+        <p14:creationId xmlns:p14="http://schemas.microsoft.com/office/powerpoint/2010/main" val="2065244716"/>
+      </p:ext>
+    </p:extLst>
+  </p:cSld>
+  <p:clrMapOvr>
+    <a:masterClrMapping/>
+  </p:clrMapOvr>
+</p:sld>
+</file>
+
+<file path=ppt/slides/slide35.xml><?xml version="1.0" encoding="utf-8"?>
+<p:sld xmlns:a="http://schemas.openxmlformats.org/drawingml/2006/main" xmlns:r="http://schemas.openxmlformats.org/officeDocument/2006/relationships" xmlns:p="http://schemas.openxmlformats.org/presentationml/2006/main">
+  <p:cSld>
+    <p:spTree>
+      <p:nvGrpSpPr>
+        <p:cNvPr id="1" name=""/>
+        <p:cNvGrpSpPr/>
+        <p:nvPr/>
+      </p:nvGrpSpPr>
+      <p:grpSpPr>
+        <a:xfrm>
+          <a:off x="0" y="0"/>
+          <a:ext cx="0" cy="0"/>
+          <a:chOff x="0" y="0"/>
+          <a:chExt cx="0" cy="0"/>
+        </a:xfrm>
+      </p:grpSpPr>
+      <p:sp>
+        <p:nvSpPr>
+          <p:cNvPr id="8" name="标题 7"/>
+          <p:cNvSpPr>
+            <a:spLocks noGrp="1"/>
+          </p:cNvSpPr>
+          <p:nvPr>
+            <p:ph type="title"/>
+          </p:nvPr>
+        </p:nvSpPr>
+        <p:spPr/>
+        <p:txBody>
+          <a:bodyPr>
+            <a:normAutofit/>
+          </a:bodyPr>
+          <a:lstStyle/>
+          <a:p>
+            <a:r>
+              <a:rPr lang="zh-CN" altLang="en-US" dirty="0"/>
+              <a:t>区间</a:t>
+            </a:r>
+            <a:br>
+              <a:rPr lang="en-US" altLang="zh-CN" dirty="0"/>
+            </a:br>
+            <a:r>
+              <a:rPr lang="en-US" altLang="zh-CN" dirty="0"/>
+              <a:t>Ranges</a:t>
+            </a:r>
+            <a:endParaRPr lang="zh-CN" altLang="en-US" dirty="0"/>
+          </a:p>
+        </p:txBody>
+      </p:sp>
+      <p:sp>
+        <p:nvSpPr>
+          <p:cNvPr id="6" name="文本占位符 5"/>
+          <p:cNvSpPr>
+            <a:spLocks noGrp="1"/>
+          </p:cNvSpPr>
+          <p:nvPr>
+            <p:ph type="body" sz="quarter" idx="13"/>
+          </p:nvPr>
+        </p:nvSpPr>
+        <p:spPr/>
+        <p:txBody>
+          <a:bodyPr/>
+          <a:lstStyle/>
+          <a:p>
+            <a:r>
+              <a:rPr lang="zh-CN" altLang="en-US" dirty="0"/>
+              <a:t>可比较类型的区间</a:t>
+            </a:r>
+            <a:r>
+              <a:rPr lang="en-US" altLang="zh-CN" dirty="0"/>
+              <a:t>API</a:t>
+            </a:r>
+            <a:r>
+              <a:rPr lang="zh-CN" altLang="en-US" dirty="0"/>
+              <a:t>，包括连续和离散类型</a:t>
+            </a:r>
+          </a:p>
+        </p:txBody>
+      </p:sp>
+      <p:sp>
+        <p:nvSpPr>
+          <p:cNvPr id="9" name="文本占位符 8"/>
+          <p:cNvSpPr>
+            <a:spLocks noGrp="1"/>
+          </p:cNvSpPr>
+          <p:nvPr>
+            <p:ph type="body" sz="quarter" idx="14"/>
+          </p:nvPr>
+        </p:nvSpPr>
+        <p:spPr/>
+        <p:txBody>
+          <a:bodyPr/>
+          <a:lstStyle/>
+          <a:p>
+            <a:r>
+              <a:rPr lang="en-US" altLang="zh-CN" dirty="0"/>
+              <a:t>08</a:t>
+            </a:r>
+            <a:endParaRPr lang="zh-CN" altLang="en-US" dirty="0"/>
+          </a:p>
+        </p:txBody>
+      </p:sp>
+    </p:spTree>
+    <p:extLst>
+      <p:ext uri="{BB962C8B-B14F-4D97-AF65-F5344CB8AC3E}">
+        <p14:creationId xmlns:p14="http://schemas.microsoft.com/office/powerpoint/2010/main" val="3065050843"/>
+      </p:ext>
+    </p:extLst>
+  </p:cSld>
+  <p:clrMapOvr>
+    <a:masterClrMapping/>
+  </p:clrMapOvr>
+</p:sld>
+</file>
+
+<file path=ppt/slides/slide36.xml><?xml version="1.0" encoding="utf-8"?>
+<p:sld xmlns:a="http://schemas.openxmlformats.org/drawingml/2006/main" xmlns:r="http://schemas.openxmlformats.org/officeDocument/2006/relationships" xmlns:p="http://schemas.openxmlformats.org/presentationml/2006/main">
+  <p:cSld>
+    <p:spTree>
+      <p:nvGrpSpPr>
+        <p:cNvPr id="1" name=""/>
+        <p:cNvGrpSpPr/>
+        <p:nvPr/>
+      </p:nvGrpSpPr>
+      <p:grpSpPr>
+        <a:xfrm>
+          <a:off x="0" y="0"/>
+          <a:ext cx="0" cy="0"/>
+          <a:chOff x="0" y="0"/>
+          <a:chExt cx="0" cy="0"/>
+        </a:xfrm>
+      </p:grpSpPr>
+      <p:sp>
+        <p:nvSpPr>
+          <p:cNvPr id="8" name="标题 7"/>
+          <p:cNvSpPr>
+            <a:spLocks noGrp="1"/>
+          </p:cNvSpPr>
+          <p:nvPr>
+            <p:ph type="title"/>
+          </p:nvPr>
+        </p:nvSpPr>
+        <p:spPr/>
+        <p:txBody>
+          <a:bodyPr/>
+          <a:lstStyle/>
+          <a:p>
+            <a:r>
+              <a:rPr lang="en-US" altLang="zh-CN" dirty="0"/>
+              <a:t>I/o</a:t>
+            </a:r>
+            <a:br>
+              <a:rPr lang="zh-CN" altLang="en-US" dirty="0"/>
+            </a:br>
+            <a:endParaRPr lang="zh-CN" altLang="en-US" dirty="0"/>
+          </a:p>
+        </p:txBody>
+      </p:sp>
+      <p:sp>
+        <p:nvSpPr>
+          <p:cNvPr id="6" name="文本占位符 5"/>
+          <p:cNvSpPr>
+            <a:spLocks noGrp="1"/>
+          </p:cNvSpPr>
+          <p:nvPr>
+            <p:ph type="body" sz="quarter" idx="13"/>
+          </p:nvPr>
+        </p:nvSpPr>
+        <p:spPr/>
+        <p:txBody>
+          <a:bodyPr/>
+          <a:lstStyle/>
+          <a:p>
+            <a:r>
+              <a:rPr lang="zh-CN" altLang="en-US" dirty="0"/>
+              <a:t>简化</a:t>
+            </a:r>
+            <a:r>
+              <a:rPr lang="en-US" altLang="zh-CN" dirty="0"/>
+              <a:t>I/O</a:t>
+            </a:r>
+            <a:r>
+              <a:rPr lang="zh-CN" altLang="en-US" dirty="0"/>
+              <a:t>尤其是</a:t>
+            </a:r>
+            <a:r>
+              <a:rPr lang="en-US" altLang="zh-CN" dirty="0"/>
+              <a:t>I/O</a:t>
+            </a:r>
+            <a:r>
+              <a:rPr lang="zh-CN" altLang="en-US" dirty="0"/>
+              <a:t>流和文件的操作，针对</a:t>
+            </a:r>
+            <a:r>
+              <a:rPr lang="en-US" altLang="zh-CN" dirty="0"/>
+              <a:t>Java5</a:t>
+            </a:r>
+            <a:r>
+              <a:rPr lang="zh-CN" altLang="en-US" dirty="0"/>
+              <a:t>和</a:t>
+            </a:r>
+            <a:r>
+              <a:rPr lang="en-US" altLang="zh-CN" dirty="0"/>
+              <a:t>6</a:t>
+            </a:r>
+            <a:r>
+              <a:rPr lang="zh-CN" altLang="en-US" dirty="0"/>
+              <a:t>版本</a:t>
+            </a:r>
+          </a:p>
+        </p:txBody>
+      </p:sp>
+      <p:sp>
+        <p:nvSpPr>
+          <p:cNvPr id="9" name="文本占位符 8"/>
+          <p:cNvSpPr>
+            <a:spLocks noGrp="1"/>
+          </p:cNvSpPr>
+          <p:nvPr>
+            <p:ph type="body" sz="quarter" idx="14"/>
+          </p:nvPr>
+        </p:nvSpPr>
+        <p:spPr/>
+        <p:txBody>
+          <a:bodyPr/>
+          <a:lstStyle/>
+          <a:p>
+            <a:r>
+              <a:rPr lang="en-US" altLang="zh-CN" dirty="0"/>
+              <a:t>09</a:t>
+            </a:r>
+            <a:endParaRPr lang="zh-CN" altLang="en-US" dirty="0"/>
+          </a:p>
+        </p:txBody>
+      </p:sp>
+    </p:spTree>
+    <p:extLst>
+      <p:ext uri="{BB962C8B-B14F-4D97-AF65-F5344CB8AC3E}">
+        <p14:creationId xmlns:p14="http://schemas.microsoft.com/office/powerpoint/2010/main" val="3359504855"/>
+      </p:ext>
+    </p:extLst>
+  </p:cSld>
+  <p:clrMapOvr>
+    <a:masterClrMapping/>
+  </p:clrMapOvr>
+</p:sld>
+</file>
+
+<file path=ppt/slides/slide37.xml><?xml version="1.0" encoding="utf-8"?>
+<p:sld xmlns:a="http://schemas.openxmlformats.org/drawingml/2006/main" xmlns:r="http://schemas.openxmlformats.org/officeDocument/2006/relationships" xmlns:p="http://schemas.openxmlformats.org/presentationml/2006/main">
+  <p:cSld>
+    <p:spTree>
+      <p:nvGrpSpPr>
+        <p:cNvPr id="1" name=""/>
+        <p:cNvGrpSpPr/>
+        <p:nvPr/>
+      </p:nvGrpSpPr>
+      <p:grpSpPr>
+        <a:xfrm>
+          <a:off x="0" y="0"/>
+          <a:ext cx="0" cy="0"/>
+          <a:chOff x="0" y="0"/>
+          <a:chExt cx="0" cy="0"/>
+        </a:xfrm>
+      </p:grpSpPr>
+      <p:sp>
+        <p:nvSpPr>
+          <p:cNvPr id="8" name="标题 7"/>
+          <p:cNvSpPr>
+            <a:spLocks noGrp="1"/>
+          </p:cNvSpPr>
+          <p:nvPr>
+            <p:ph type="title"/>
+          </p:nvPr>
+        </p:nvSpPr>
+        <p:spPr/>
+        <p:txBody>
+          <a:bodyPr/>
+          <a:lstStyle/>
+          <a:p>
+            <a:r>
+              <a:rPr lang="zh-CN" altLang="en-US" dirty="0"/>
+              <a:t> 散列</a:t>
+            </a:r>
+            <a:br>
+              <a:rPr lang="en-US" altLang="zh-CN" dirty="0"/>
+            </a:br>
+            <a:r>
+              <a:rPr lang="en-US" altLang="zh-CN" dirty="0"/>
+              <a:t>Hash</a:t>
+            </a:r>
+            <a:endParaRPr lang="zh-CN" altLang="en-US" dirty="0"/>
+          </a:p>
+        </p:txBody>
+      </p:sp>
+      <p:sp>
+        <p:nvSpPr>
+          <p:cNvPr id="6" name="文本占位符 5"/>
+          <p:cNvSpPr>
+            <a:spLocks noGrp="1"/>
+          </p:cNvSpPr>
+          <p:nvPr>
+            <p:ph type="body" sz="quarter" idx="13"/>
+          </p:nvPr>
+        </p:nvSpPr>
+        <p:spPr/>
+        <p:txBody>
+          <a:bodyPr/>
+          <a:lstStyle/>
+          <a:p>
+            <a:r>
+              <a:rPr lang="zh-CN" altLang="en-US" dirty="0"/>
+              <a:t>提供比</a:t>
+            </a:r>
+            <a:r>
+              <a:rPr lang="en-US" altLang="zh-CN" dirty="0" err="1"/>
+              <a:t>Object.hashCode</a:t>
+            </a:r>
+            <a:r>
+              <a:rPr lang="en-US" altLang="zh-CN" dirty="0"/>
+              <a:t>()</a:t>
+            </a:r>
+            <a:r>
+              <a:rPr lang="zh-CN" altLang="en-US" dirty="0"/>
+              <a:t>更复杂的散列实现，并提供布鲁姆过滤器的实现</a:t>
+            </a:r>
+          </a:p>
+        </p:txBody>
+      </p:sp>
+      <p:sp>
+        <p:nvSpPr>
+          <p:cNvPr id="9" name="文本占位符 8"/>
+          <p:cNvSpPr>
+            <a:spLocks noGrp="1"/>
+          </p:cNvSpPr>
+          <p:nvPr>
+            <p:ph type="body" sz="quarter" idx="14"/>
+          </p:nvPr>
+        </p:nvSpPr>
+        <p:spPr/>
+        <p:txBody>
+          <a:bodyPr/>
+          <a:lstStyle/>
+          <a:p>
+            <a:r>
+              <a:rPr lang="en-US" altLang="zh-CN" dirty="0"/>
+              <a:t>10</a:t>
+            </a:r>
+            <a:endParaRPr lang="zh-CN" altLang="en-US" dirty="0"/>
+          </a:p>
+        </p:txBody>
+      </p:sp>
+    </p:spTree>
+    <p:extLst>
+      <p:ext uri="{BB962C8B-B14F-4D97-AF65-F5344CB8AC3E}">
+        <p14:creationId xmlns:p14="http://schemas.microsoft.com/office/powerpoint/2010/main" val="1133101520"/>
+      </p:ext>
+    </p:extLst>
+  </p:cSld>
+  <p:clrMapOvr>
+    <a:masterClrMapping/>
+  </p:clrMapOvr>
+</p:sld>
+</file>
+
+<file path=ppt/slides/slide38.xml><?xml version="1.0" encoding="utf-8"?>
+<p:sld xmlns:a="http://schemas.openxmlformats.org/drawingml/2006/main" xmlns:r="http://schemas.openxmlformats.org/officeDocument/2006/relationships" xmlns:p="http://schemas.openxmlformats.org/presentationml/2006/main">
+  <p:cSld>
+    <p:spTree>
+      <p:nvGrpSpPr>
+        <p:cNvPr id="1" name=""/>
+        <p:cNvGrpSpPr/>
+        <p:nvPr/>
+      </p:nvGrpSpPr>
+      <p:grpSpPr>
+        <a:xfrm>
+          <a:off x="0" y="0"/>
+          <a:ext cx="0" cy="0"/>
+          <a:chOff x="0" y="0"/>
+          <a:chExt cx="0" cy="0"/>
+        </a:xfrm>
+      </p:grpSpPr>
+      <p:sp>
+        <p:nvSpPr>
+          <p:cNvPr id="8" name="标题 7"/>
+          <p:cNvSpPr>
+            <a:spLocks noGrp="1"/>
+          </p:cNvSpPr>
+          <p:nvPr>
+            <p:ph type="title"/>
+          </p:nvPr>
+        </p:nvSpPr>
+        <p:spPr/>
+        <p:txBody>
+          <a:bodyPr/>
+          <a:lstStyle/>
+          <a:p>
+            <a:r>
+              <a:rPr lang="zh-CN" altLang="en-US" dirty="0"/>
+              <a:t>事件总线</a:t>
+            </a:r>
+            <a:r>
+              <a:rPr lang="en-US" altLang="zh-CN" dirty="0"/>
+              <a:t>EventBus</a:t>
+            </a:r>
+            <a:endParaRPr lang="zh-CN" altLang="en-US" dirty="0"/>
+          </a:p>
+        </p:txBody>
+      </p:sp>
+      <p:sp>
+        <p:nvSpPr>
+          <p:cNvPr id="6" name="文本占位符 5"/>
+          <p:cNvSpPr>
+            <a:spLocks noGrp="1"/>
+          </p:cNvSpPr>
+          <p:nvPr>
+            <p:ph type="body" sz="quarter" idx="13"/>
+          </p:nvPr>
+        </p:nvSpPr>
+        <p:spPr/>
+        <p:txBody>
+          <a:bodyPr/>
+          <a:lstStyle/>
+          <a:p>
+            <a:r>
+              <a:rPr lang="zh-CN" altLang="en-US" dirty="0"/>
+              <a:t>发布</a:t>
+            </a:r>
+            <a:r>
+              <a:rPr lang="en-US" altLang="zh-CN" dirty="0"/>
+              <a:t>-</a:t>
+            </a:r>
+            <a:r>
+              <a:rPr lang="zh-CN" altLang="en-US" dirty="0"/>
+              <a:t>订阅模式的组件通信，但组件不需要显式地注册到其他组件中</a:t>
+            </a:r>
+          </a:p>
+        </p:txBody>
+      </p:sp>
+      <p:sp>
+        <p:nvSpPr>
+          <p:cNvPr id="9" name="文本占位符 8"/>
+          <p:cNvSpPr>
+            <a:spLocks noGrp="1"/>
+          </p:cNvSpPr>
+          <p:nvPr>
+            <p:ph type="body" sz="quarter" idx="14"/>
+          </p:nvPr>
+        </p:nvSpPr>
+        <p:spPr/>
+        <p:txBody>
+          <a:bodyPr/>
+          <a:lstStyle/>
+          <a:p>
+            <a:r>
+              <a:rPr lang="en-US" altLang="zh-CN" dirty="0"/>
+              <a:t>11</a:t>
+            </a:r>
+            <a:endParaRPr lang="zh-CN" altLang="en-US" dirty="0"/>
+          </a:p>
+        </p:txBody>
+      </p:sp>
+    </p:spTree>
+    <p:extLst>
+      <p:ext uri="{BB962C8B-B14F-4D97-AF65-F5344CB8AC3E}">
+        <p14:creationId xmlns:p14="http://schemas.microsoft.com/office/powerpoint/2010/main" val="2410405684"/>
+      </p:ext>
+    </p:extLst>
+  </p:cSld>
+  <p:clrMapOvr>
+    <a:masterClrMapping/>
+  </p:clrMapOvr>
+</p:sld>
+</file>
+
+<file path=ppt/slides/slide39.xml><?xml version="1.0" encoding="utf-8"?>
+<p:sld xmlns:a="http://schemas.openxmlformats.org/drawingml/2006/main" xmlns:r="http://schemas.openxmlformats.org/officeDocument/2006/relationships" xmlns:p="http://schemas.openxmlformats.org/presentationml/2006/main">
+  <p:cSld>
+    <p:spTree>
+      <p:nvGrpSpPr>
+        <p:cNvPr id="1" name=""/>
+        <p:cNvGrpSpPr/>
+        <p:nvPr/>
+      </p:nvGrpSpPr>
+      <p:grpSpPr>
+        <a:xfrm>
+          <a:off x="0" y="0"/>
+          <a:ext cx="0" cy="0"/>
+          <a:chOff x="0" y="0"/>
+          <a:chExt cx="0" cy="0"/>
+        </a:xfrm>
+      </p:grpSpPr>
+      <p:sp>
+        <p:nvSpPr>
+          <p:cNvPr id="8" name="标题 7"/>
+          <p:cNvSpPr>
+            <a:spLocks noGrp="1"/>
+          </p:cNvSpPr>
+          <p:nvPr>
+            <p:ph type="title"/>
+          </p:nvPr>
+        </p:nvSpPr>
+        <p:spPr/>
+        <p:txBody>
+          <a:bodyPr/>
+          <a:lstStyle/>
+          <a:p>
+            <a:r>
+              <a:rPr lang="zh-CN" altLang="en-US" dirty="0"/>
+              <a:t>数学运算</a:t>
+            </a:r>
+            <a:br>
+              <a:rPr lang="en-US" altLang="zh-CN" dirty="0"/>
+            </a:br>
+            <a:r>
+              <a:rPr lang="en-US" altLang="zh-CN" dirty="0"/>
+              <a:t>Math</a:t>
+            </a:r>
+            <a:endParaRPr lang="zh-CN" altLang="en-US" dirty="0"/>
+          </a:p>
+        </p:txBody>
+      </p:sp>
+      <p:sp>
+        <p:nvSpPr>
+          <p:cNvPr id="6" name="文本占位符 5"/>
+          <p:cNvSpPr>
+            <a:spLocks noGrp="1"/>
+          </p:cNvSpPr>
+          <p:nvPr>
+            <p:ph type="body" sz="quarter" idx="13"/>
+          </p:nvPr>
+        </p:nvSpPr>
+        <p:spPr/>
+        <p:txBody>
+          <a:bodyPr/>
+          <a:lstStyle/>
+          <a:p>
+            <a:r>
+              <a:rPr lang="zh-CN" altLang="en-US" dirty="0"/>
+              <a:t>优化的、充分测试的数学工具类</a:t>
+            </a:r>
+          </a:p>
+        </p:txBody>
+      </p:sp>
+      <p:sp>
+        <p:nvSpPr>
+          <p:cNvPr id="9" name="文本占位符 8"/>
+          <p:cNvSpPr>
+            <a:spLocks noGrp="1"/>
+          </p:cNvSpPr>
+          <p:nvPr>
+            <p:ph type="body" sz="quarter" idx="14"/>
+          </p:nvPr>
+        </p:nvSpPr>
+        <p:spPr/>
+        <p:txBody>
+          <a:bodyPr/>
+          <a:lstStyle/>
+          <a:p>
+            <a:r>
+              <a:rPr lang="en-US" altLang="zh-CN" dirty="0"/>
+              <a:t>12</a:t>
+            </a:r>
+            <a:endParaRPr lang="zh-CN" altLang="en-US" dirty="0"/>
+          </a:p>
+        </p:txBody>
+      </p:sp>
+    </p:spTree>
+    <p:extLst>
+      <p:ext uri="{BB962C8B-B14F-4D97-AF65-F5344CB8AC3E}">
+        <p14:creationId xmlns:p14="http://schemas.microsoft.com/office/powerpoint/2010/main" val="3964344473"/>
       </p:ext>
     </p:extLst>
   </p:cSld>
@@ -13905,6 +17456,153 @@
     <p:extLst>
       <p:ext uri="{BB962C8B-B14F-4D97-AF65-F5344CB8AC3E}">
         <p14:creationId xmlns:p14="http://schemas.microsoft.com/office/powerpoint/2010/main" val="788073483"/>
+      </p:ext>
+    </p:extLst>
+  </p:cSld>
+  <p:clrMapOvr>
+    <a:masterClrMapping/>
+  </p:clrMapOvr>
+</p:sld>
+</file>
+
+<file path=ppt/slides/slide40.xml><?xml version="1.0" encoding="utf-8"?>
+<p:sld xmlns:a="http://schemas.openxmlformats.org/drawingml/2006/main" xmlns:r="http://schemas.openxmlformats.org/officeDocument/2006/relationships" xmlns:p="http://schemas.openxmlformats.org/presentationml/2006/main">
+  <p:cSld>
+    <p:spTree>
+      <p:nvGrpSpPr>
+        <p:cNvPr id="1" name=""/>
+        <p:cNvGrpSpPr/>
+        <p:nvPr/>
+      </p:nvGrpSpPr>
+      <p:grpSpPr>
+        <a:xfrm>
+          <a:off x="0" y="0"/>
+          <a:ext cx="0" cy="0"/>
+          <a:chOff x="0" y="0"/>
+          <a:chExt cx="0" cy="0"/>
+        </a:xfrm>
+      </p:grpSpPr>
+      <p:sp>
+        <p:nvSpPr>
+          <p:cNvPr id="8" name="标题 7"/>
+          <p:cNvSpPr>
+            <a:spLocks noGrp="1"/>
+          </p:cNvSpPr>
+          <p:nvPr>
+            <p:ph type="title"/>
+          </p:nvPr>
+        </p:nvSpPr>
+        <p:spPr/>
+        <p:txBody>
+          <a:bodyPr/>
+          <a:lstStyle/>
+          <a:p>
+            <a:r>
+              <a:rPr lang="zh-CN" altLang="en-US" dirty="0"/>
+              <a:t>反射</a:t>
+            </a:r>
+            <a:br>
+              <a:rPr lang="en-US" altLang="zh-CN" dirty="0"/>
+            </a:br>
+            <a:r>
+              <a:rPr lang="en-US" altLang="zh-CN" dirty="0"/>
+              <a:t>Reflection</a:t>
+            </a:r>
+            <a:endParaRPr lang="zh-CN" altLang="en-US" dirty="0"/>
+          </a:p>
+        </p:txBody>
+      </p:sp>
+      <p:sp>
+        <p:nvSpPr>
+          <p:cNvPr id="6" name="文本占位符 5"/>
+          <p:cNvSpPr>
+            <a:spLocks noGrp="1"/>
+          </p:cNvSpPr>
+          <p:nvPr>
+            <p:ph type="body" sz="quarter" idx="13"/>
+          </p:nvPr>
+        </p:nvSpPr>
+        <p:spPr/>
+        <p:txBody>
+          <a:bodyPr/>
+          <a:lstStyle/>
+          <a:p>
+            <a:r>
+              <a:rPr lang="en-US" altLang="zh-CN" dirty="0"/>
+              <a:t>Guava </a:t>
+            </a:r>
+            <a:r>
+              <a:rPr lang="zh-CN" altLang="en-US" dirty="0"/>
+              <a:t>的 </a:t>
+            </a:r>
+            <a:r>
+              <a:rPr lang="en-US" altLang="zh-CN" dirty="0"/>
+              <a:t>Java </a:t>
+            </a:r>
+            <a:r>
+              <a:rPr lang="zh-CN" altLang="en-US" dirty="0"/>
+              <a:t>反射机制工具类</a:t>
+            </a:r>
+          </a:p>
+        </p:txBody>
+      </p:sp>
+      <p:sp>
+        <p:nvSpPr>
+          <p:cNvPr id="9" name="文本占位符 8"/>
+          <p:cNvSpPr>
+            <a:spLocks noGrp="1"/>
+          </p:cNvSpPr>
+          <p:nvPr>
+            <p:ph type="body" sz="quarter" idx="14"/>
+          </p:nvPr>
+        </p:nvSpPr>
+        <p:spPr/>
+        <p:txBody>
+          <a:bodyPr/>
+          <a:lstStyle/>
+          <a:p>
+            <a:r>
+              <a:rPr lang="en-US" altLang="zh-CN" dirty="0"/>
+              <a:t>13</a:t>
+            </a:r>
+            <a:endParaRPr lang="zh-CN" altLang="en-US" dirty="0"/>
+          </a:p>
+        </p:txBody>
+      </p:sp>
+    </p:spTree>
+    <p:extLst>
+      <p:ext uri="{BB962C8B-B14F-4D97-AF65-F5344CB8AC3E}">
+        <p14:creationId xmlns:p14="http://schemas.microsoft.com/office/powerpoint/2010/main" val="1688479900"/>
+      </p:ext>
+    </p:extLst>
+  </p:cSld>
+  <p:clrMapOvr>
+    <a:masterClrMapping/>
+  </p:clrMapOvr>
+</p:sld>
+</file>
+
+<file path=ppt/slides/slide41.xml><?xml version="1.0" encoding="utf-8"?>
+<p:sld xmlns:a="http://schemas.openxmlformats.org/drawingml/2006/main" xmlns:r="http://schemas.openxmlformats.org/officeDocument/2006/relationships" xmlns:p="http://schemas.openxmlformats.org/presentationml/2006/main">
+  <p:cSld>
+    <p:spTree>
+      <p:nvGrpSpPr>
+        <p:cNvPr id="1" name=""/>
+        <p:cNvGrpSpPr/>
+        <p:nvPr/>
+      </p:nvGrpSpPr>
+      <p:grpSpPr>
+        <a:xfrm>
+          <a:off x="0" y="0"/>
+          <a:ext cx="0" cy="0"/>
+          <a:chOff x="0" y="0"/>
+          <a:chExt cx="0" cy="0"/>
+        </a:xfrm>
+      </p:grpSpPr>
+    </p:spTree>
+    <p:extLst>
+      <p:ext uri="{BB962C8B-B14F-4D97-AF65-F5344CB8AC3E}">
+        <p14:creationId xmlns:p14="http://schemas.microsoft.com/office/powerpoint/2010/main" val="791654222"/>
       </p:ext>
     </p:extLst>
   </p:cSld>

--- a/Guava介绍.pptx
+++ b/Guava介绍.pptx
@@ -24865,7 +24865,7 @@
         <p:spPr>
           <a:xfrm>
             <a:off x="407253" y="1874904"/>
-            <a:ext cx="8406333" cy="2429063"/>
+            <a:ext cx="8368447" cy="2429063"/>
           </a:xfrm>
           <a:prstGeom prst="rect">
             <a:avLst/>

--- a/Guava介绍.pptx
+++ b/Guava介绍.pptx
@@ -5,7 +5,7 @@
     <p:sldMasterId id="2147483676" r:id="rId1"/>
   </p:sldMasterIdLst>
   <p:notesMasterIdLst>
-    <p:notesMasterId r:id="rId106"/>
+    <p:notesMasterId r:id="rId115"/>
   </p:notesMasterIdLst>
   <p:sldIdLst>
     <p:sldId id="256" r:id="rId2"/>
@@ -111,7 +111,16 @@
     <p:sldId id="404" r:id="rId102"/>
     <p:sldId id="405" r:id="rId103"/>
     <p:sldId id="406" r:id="rId104"/>
-    <p:sldId id="262" r:id="rId105"/>
+    <p:sldId id="407" r:id="rId105"/>
+    <p:sldId id="408" r:id="rId106"/>
+    <p:sldId id="409" r:id="rId107"/>
+    <p:sldId id="410" r:id="rId108"/>
+    <p:sldId id="411" r:id="rId109"/>
+    <p:sldId id="412" r:id="rId110"/>
+    <p:sldId id="413" r:id="rId111"/>
+    <p:sldId id="414" r:id="rId112"/>
+    <p:sldId id="415" r:id="rId113"/>
+    <p:sldId id="262" r:id="rId114"/>
   </p:sldIdLst>
   <p:sldSz cx="9144000" cy="6858000" type="screen4x3"/>
   <p:notesSz cx="6858000" cy="9144000"/>
@@ -11555,6 +11564,52 @@
           </a:prstGeom>
         </p:spPr>
       </p:pic>
+      <p:sp>
+        <p:nvSpPr>
+          <p:cNvPr id="2" name="矩形 1">
+            <a:extLst>
+              <a:ext uri="{FF2B5EF4-FFF2-40B4-BE49-F238E27FC236}">
+                <a16:creationId xmlns:a16="http://schemas.microsoft.com/office/drawing/2014/main" id="{B8A3946B-B75E-4D2D-B5EB-D480F1F90782}"/>
+              </a:ext>
+            </a:extLst>
+          </p:cNvPr>
+          <p:cNvSpPr/>
+          <p:nvPr/>
+        </p:nvSpPr>
+        <p:spPr>
+          <a:xfrm>
+            <a:off x="3921789" y="3266488"/>
+            <a:ext cx="1300421" cy="325025"/>
+          </a:xfrm>
+          <a:prstGeom prst="rect">
+            <a:avLst/>
+          </a:prstGeom>
+        </p:spPr>
+        <p:txBody>
+          <a:bodyPr wrap="none">
+            <a:spAutoFit/>
+          </a:bodyPr>
+          <a:lstStyle/>
+          <a:p>
+            <a:r>
+              <a:rPr lang="en-US" altLang="zh-CN" b="1" dirty="0" err="1">
+                <a:solidFill>
+                  <a:srgbClr val="666666"/>
+                </a:solidFill>
+                <a:latin typeface="Arial" panose="020B0604020202020204" pitchFamily="34" charset="0"/>
+              </a:rPr>
+              <a:t>resolveType</a:t>
+            </a:r>
+            <a:endParaRPr lang="en-US" altLang="zh-CN" b="1" i="0" dirty="0">
+              <a:solidFill>
+                <a:srgbClr val="666666"/>
+              </a:solidFill>
+              <a:effectLst/>
+              <a:latin typeface="Arial" panose="020B0604020202020204" pitchFamily="34" charset="0"/>
+            </a:endParaRPr>
+          </a:p>
+        </p:txBody>
+      </p:sp>
     </p:spTree>
     <p:extLst>
       <p:ext uri="{BB962C8B-B14F-4D97-AF65-F5344CB8AC3E}">
@@ -13028,10 +13083,1610 @@
           <a:chExt cx="0" cy="0"/>
         </a:xfrm>
       </p:grpSpPr>
+      <p:sp>
+        <p:nvSpPr>
+          <p:cNvPr id="7" name="文本占位符 6">
+            <a:extLst>
+              <a:ext uri="{FF2B5EF4-FFF2-40B4-BE49-F238E27FC236}">
+                <a16:creationId xmlns:a16="http://schemas.microsoft.com/office/drawing/2014/main" id="{000CD429-8B8A-465F-93FE-E390B46B6227}"/>
+              </a:ext>
+            </a:extLst>
+          </p:cNvPr>
+          <p:cNvSpPr>
+            <a:spLocks noGrp="1"/>
+          </p:cNvSpPr>
+          <p:nvPr>
+            <p:ph type="body" sz="quarter" idx="10"/>
+          </p:nvPr>
+        </p:nvSpPr>
+        <p:spPr/>
+        <p:txBody>
+          <a:bodyPr/>
+          <a:lstStyle/>
+          <a:p>
+            <a:r>
+              <a:rPr lang="en-US" altLang="zh-CN" dirty="0" err="1"/>
+              <a:t>resolveType</a:t>
+            </a:r>
+            <a:endParaRPr lang="en-US" altLang="zh-CN" dirty="0"/>
+          </a:p>
+          <a:p>
+            <a:endParaRPr lang="zh-CN" altLang="en-US" dirty="0"/>
+          </a:p>
+        </p:txBody>
+      </p:sp>
+      <p:sp>
+        <p:nvSpPr>
+          <p:cNvPr id="3" name="Rectangle 2">
+            <a:extLst>
+              <a:ext uri="{FF2B5EF4-FFF2-40B4-BE49-F238E27FC236}">
+                <a16:creationId xmlns:a16="http://schemas.microsoft.com/office/drawing/2014/main" id="{01A1A1F6-A639-408C-A630-76C5D9A6FDD0}"/>
+              </a:ext>
+            </a:extLst>
+          </p:cNvPr>
+          <p:cNvSpPr>
+            <a:spLocks noChangeArrowheads="1"/>
+          </p:cNvSpPr>
+          <p:nvPr/>
+        </p:nvSpPr>
+        <p:spPr bwMode="auto">
+          <a:xfrm>
+            <a:off x="0" y="9975"/>
+            <a:ext cx="65" cy="437249"/>
+          </a:xfrm>
+          <a:prstGeom prst="rect">
+            <a:avLst/>
+          </a:prstGeom>
+          <a:solidFill>
+            <a:srgbClr val="FAFAFA"/>
+          </a:solidFill>
+          <a:ln>
+            <a:noFill/>
+          </a:ln>
+          <a:effectLst/>
+          <a:extLst>
+            <a:ext uri="{91240B29-F687-4F45-9708-019B960494DF}">
+              <a14:hiddenLine xmlns:a14="http://schemas.microsoft.com/office/drawing/2010/main" w="9525">
+                <a:solidFill>
+                  <a:schemeClr val="tx1"/>
+                </a:solidFill>
+                <a:miter lim="800000"/>
+                <a:headEnd/>
+                <a:tailEnd/>
+              </a14:hiddenLine>
+            </a:ext>
+            <a:ext uri="{AF507438-7753-43E0-B8FC-AC1667EBCBE1}">
+              <a14:hiddenEffects xmlns:a14="http://schemas.microsoft.com/office/drawing/2010/main">
+                <a:effectLst>
+                  <a:outerShdw dist="35921" dir="2700000" algn="ctr" rotWithShape="0">
+                    <a:schemeClr val="bg2"/>
+                  </a:outerShdw>
+                </a:effectLst>
+              </a14:hiddenEffects>
+            </a:ext>
+          </a:extLst>
+        </p:spPr>
+        <p:txBody>
+          <a:bodyPr vert="horz" wrap="none" lIns="0" tIns="0" rIns="0" bIns="158700" numCol="1" anchor="ctr" anchorCtr="0" compatLnSpc="1">
+            <a:prstTxWarp prst="textNoShape">
+              <a:avLst/>
+            </a:prstTxWarp>
+            <a:spAutoFit/>
+          </a:bodyPr>
+          <a:lstStyle/>
+          <a:p>
+            <a:pPr marL="0" marR="0" lvl="0" indent="0" algn="l" defTabSz="914400" rtl="0" eaLnBrk="0" fontAlgn="base" latinLnBrk="0" hangingPunct="0">
+              <a:lnSpc>
+                <a:spcPct val="100000"/>
+              </a:lnSpc>
+              <a:spcBef>
+                <a:spcPct val="0"/>
+              </a:spcBef>
+              <a:spcAft>
+                <a:spcPct val="0"/>
+              </a:spcAft>
+              <a:buClrTx/>
+              <a:buSzTx/>
+              <a:buFontTx/>
+              <a:buNone/>
+              <a:tabLst/>
+            </a:pPr>
+            <a:endParaRPr kumimoji="0" lang="zh-CN" altLang="zh-CN" sz="1800" b="0" i="0" u="none" strike="noStrike" cap="none" normalizeH="0" baseline="0" dirty="0">
+              <a:ln>
+                <a:noFill/>
+              </a:ln>
+              <a:solidFill>
+                <a:schemeClr val="tx1"/>
+              </a:solidFill>
+              <a:effectLst/>
+              <a:latin typeface="Arial" panose="020B0604020202020204" pitchFamily="34" charset="0"/>
+            </a:endParaRPr>
+          </a:p>
+        </p:txBody>
+      </p:sp>
+      <p:sp>
+        <p:nvSpPr>
+          <p:cNvPr id="5" name="Rectangle 3">
+            <a:extLst>
+              <a:ext uri="{FF2B5EF4-FFF2-40B4-BE49-F238E27FC236}">
+                <a16:creationId xmlns:a16="http://schemas.microsoft.com/office/drawing/2014/main" id="{D4B32E63-E570-451B-B23E-B0087838EDE4}"/>
+              </a:ext>
+            </a:extLst>
+          </p:cNvPr>
+          <p:cNvSpPr>
+            <a:spLocks noChangeArrowheads="1"/>
+          </p:cNvSpPr>
+          <p:nvPr/>
+        </p:nvSpPr>
+        <p:spPr bwMode="auto">
+          <a:xfrm>
+            <a:off x="0" y="9975"/>
+            <a:ext cx="65" cy="437249"/>
+          </a:xfrm>
+          <a:prstGeom prst="rect">
+            <a:avLst/>
+          </a:prstGeom>
+          <a:solidFill>
+            <a:srgbClr val="FAFAFA"/>
+          </a:solidFill>
+          <a:ln>
+            <a:noFill/>
+          </a:ln>
+          <a:effectLst/>
+          <a:extLst>
+            <a:ext uri="{91240B29-F687-4F45-9708-019B960494DF}">
+              <a14:hiddenLine xmlns:a14="http://schemas.microsoft.com/office/drawing/2010/main" w="9525">
+                <a:solidFill>
+                  <a:schemeClr val="tx1"/>
+                </a:solidFill>
+                <a:miter lim="800000"/>
+                <a:headEnd/>
+                <a:tailEnd/>
+              </a14:hiddenLine>
+            </a:ext>
+            <a:ext uri="{AF507438-7753-43E0-B8FC-AC1667EBCBE1}">
+              <a14:hiddenEffects xmlns:a14="http://schemas.microsoft.com/office/drawing/2010/main">
+                <a:effectLst>
+                  <a:outerShdw dist="35921" dir="2700000" algn="ctr" rotWithShape="0">
+                    <a:schemeClr val="bg2"/>
+                  </a:outerShdw>
+                </a:effectLst>
+              </a14:hiddenEffects>
+            </a:ext>
+          </a:extLst>
+        </p:spPr>
+        <p:txBody>
+          <a:bodyPr vert="horz" wrap="none" lIns="0" tIns="0" rIns="0" bIns="158700" numCol="1" anchor="ctr" anchorCtr="0" compatLnSpc="1">
+            <a:prstTxWarp prst="textNoShape">
+              <a:avLst/>
+            </a:prstTxWarp>
+            <a:spAutoFit/>
+          </a:bodyPr>
+          <a:lstStyle/>
+          <a:p>
+            <a:pPr marL="0" marR="0" lvl="0" indent="0" algn="l" defTabSz="914400" rtl="0" eaLnBrk="0" fontAlgn="base" latinLnBrk="0" hangingPunct="0">
+              <a:lnSpc>
+                <a:spcPct val="100000"/>
+              </a:lnSpc>
+              <a:spcBef>
+                <a:spcPct val="0"/>
+              </a:spcBef>
+              <a:spcAft>
+                <a:spcPct val="0"/>
+              </a:spcAft>
+              <a:buClrTx/>
+              <a:buSzTx/>
+              <a:buFontTx/>
+              <a:buNone/>
+              <a:tabLst/>
+            </a:pPr>
+            <a:endParaRPr kumimoji="0" lang="zh-CN" altLang="zh-CN" sz="1800" b="0" i="0" u="none" strike="noStrike" cap="none" normalizeH="0" baseline="0" dirty="0">
+              <a:ln>
+                <a:noFill/>
+              </a:ln>
+              <a:solidFill>
+                <a:schemeClr val="tx1"/>
+              </a:solidFill>
+              <a:effectLst/>
+              <a:latin typeface="Arial" panose="020B0604020202020204" pitchFamily="34" charset="0"/>
+            </a:endParaRPr>
+          </a:p>
+        </p:txBody>
+      </p:sp>
+      <p:pic>
+        <p:nvPicPr>
+          <p:cNvPr id="4" name="图片 3">
+            <a:extLst>
+              <a:ext uri="{FF2B5EF4-FFF2-40B4-BE49-F238E27FC236}">
+                <a16:creationId xmlns:a16="http://schemas.microsoft.com/office/drawing/2014/main" id="{4767F35F-B3EC-4EA3-BD2A-E42AE79EA348}"/>
+              </a:ext>
+            </a:extLst>
+          </p:cNvPr>
+          <p:cNvPicPr>
+            <a:picLocks noChangeAspect="1"/>
+          </p:cNvPicPr>
+          <p:nvPr/>
+        </p:nvPicPr>
+        <p:blipFill>
+          <a:blip r:embed="rId2"/>
+          <a:stretch>
+            <a:fillRect/>
+          </a:stretch>
+        </p:blipFill>
+        <p:spPr>
+          <a:xfrm>
+            <a:off x="0" y="1731545"/>
+            <a:ext cx="9144000" cy="4670035"/>
+          </a:xfrm>
+          <a:prstGeom prst="rect">
+            <a:avLst/>
+          </a:prstGeom>
+        </p:spPr>
+      </p:pic>
     </p:spTree>
     <p:extLst>
       <p:ext uri="{BB962C8B-B14F-4D97-AF65-F5344CB8AC3E}">
-        <p14:creationId xmlns:p14="http://schemas.microsoft.com/office/powerpoint/2010/main" val="791654222"/>
+        <p14:creationId xmlns:p14="http://schemas.microsoft.com/office/powerpoint/2010/main" val="3247842179"/>
+      </p:ext>
+    </p:extLst>
+  </p:cSld>
+  <p:clrMapOvr>
+    <a:masterClrMapping/>
+  </p:clrMapOvr>
+</p:sld>
+</file>
+
+<file path=ppt/slides/slide105.xml><?xml version="1.0" encoding="utf-8"?>
+<p:sld xmlns:a="http://schemas.openxmlformats.org/drawingml/2006/main" xmlns:r="http://schemas.openxmlformats.org/officeDocument/2006/relationships" xmlns:p="http://schemas.openxmlformats.org/presentationml/2006/main">
+  <p:cSld>
+    <p:spTree>
+      <p:nvGrpSpPr>
+        <p:cNvPr id="1" name=""/>
+        <p:cNvGrpSpPr/>
+        <p:nvPr/>
+      </p:nvGrpSpPr>
+      <p:grpSpPr>
+        <a:xfrm>
+          <a:off x="0" y="0"/>
+          <a:ext cx="0" cy="0"/>
+          <a:chOff x="0" y="0"/>
+          <a:chExt cx="0" cy="0"/>
+        </a:xfrm>
+      </p:grpSpPr>
+      <p:sp>
+        <p:nvSpPr>
+          <p:cNvPr id="7" name="文本占位符 6">
+            <a:extLst>
+              <a:ext uri="{FF2B5EF4-FFF2-40B4-BE49-F238E27FC236}">
+                <a16:creationId xmlns:a16="http://schemas.microsoft.com/office/drawing/2014/main" id="{000CD429-8B8A-465F-93FE-E390B46B6227}"/>
+              </a:ext>
+            </a:extLst>
+          </p:cNvPr>
+          <p:cNvSpPr>
+            <a:spLocks noGrp="1"/>
+          </p:cNvSpPr>
+          <p:nvPr>
+            <p:ph type="body" sz="quarter" idx="10"/>
+          </p:nvPr>
+        </p:nvSpPr>
+        <p:spPr/>
+        <p:txBody>
+          <a:bodyPr/>
+          <a:lstStyle/>
+          <a:p>
+            <a:r>
+              <a:rPr lang="en-US" altLang="zh-CN" dirty="0"/>
+              <a:t>Invokable</a:t>
+            </a:r>
+          </a:p>
+          <a:p>
+            <a:endParaRPr lang="en-US" altLang="zh-CN" dirty="0"/>
+          </a:p>
+          <a:p>
+            <a:endParaRPr lang="zh-CN" altLang="en-US" dirty="0"/>
+          </a:p>
+        </p:txBody>
+      </p:sp>
+      <p:sp>
+        <p:nvSpPr>
+          <p:cNvPr id="3" name="Rectangle 2">
+            <a:extLst>
+              <a:ext uri="{FF2B5EF4-FFF2-40B4-BE49-F238E27FC236}">
+                <a16:creationId xmlns:a16="http://schemas.microsoft.com/office/drawing/2014/main" id="{01A1A1F6-A639-408C-A630-76C5D9A6FDD0}"/>
+              </a:ext>
+            </a:extLst>
+          </p:cNvPr>
+          <p:cNvSpPr>
+            <a:spLocks noChangeArrowheads="1"/>
+          </p:cNvSpPr>
+          <p:nvPr/>
+        </p:nvSpPr>
+        <p:spPr bwMode="auto">
+          <a:xfrm>
+            <a:off x="0" y="9975"/>
+            <a:ext cx="65" cy="437249"/>
+          </a:xfrm>
+          <a:prstGeom prst="rect">
+            <a:avLst/>
+          </a:prstGeom>
+          <a:solidFill>
+            <a:srgbClr val="FAFAFA"/>
+          </a:solidFill>
+          <a:ln>
+            <a:noFill/>
+          </a:ln>
+          <a:effectLst/>
+          <a:extLst>
+            <a:ext uri="{91240B29-F687-4F45-9708-019B960494DF}">
+              <a14:hiddenLine xmlns:a14="http://schemas.microsoft.com/office/drawing/2010/main" w="9525">
+                <a:solidFill>
+                  <a:schemeClr val="tx1"/>
+                </a:solidFill>
+                <a:miter lim="800000"/>
+                <a:headEnd/>
+                <a:tailEnd/>
+              </a14:hiddenLine>
+            </a:ext>
+            <a:ext uri="{AF507438-7753-43E0-B8FC-AC1667EBCBE1}">
+              <a14:hiddenEffects xmlns:a14="http://schemas.microsoft.com/office/drawing/2010/main">
+                <a:effectLst>
+                  <a:outerShdw dist="35921" dir="2700000" algn="ctr" rotWithShape="0">
+                    <a:schemeClr val="bg2"/>
+                  </a:outerShdw>
+                </a:effectLst>
+              </a14:hiddenEffects>
+            </a:ext>
+          </a:extLst>
+        </p:spPr>
+        <p:txBody>
+          <a:bodyPr vert="horz" wrap="none" lIns="0" tIns="0" rIns="0" bIns="158700" numCol="1" anchor="ctr" anchorCtr="0" compatLnSpc="1">
+            <a:prstTxWarp prst="textNoShape">
+              <a:avLst/>
+            </a:prstTxWarp>
+            <a:spAutoFit/>
+          </a:bodyPr>
+          <a:lstStyle/>
+          <a:p>
+            <a:pPr marL="0" marR="0" lvl="0" indent="0" algn="l" defTabSz="914400" rtl="0" eaLnBrk="0" fontAlgn="base" latinLnBrk="0" hangingPunct="0">
+              <a:lnSpc>
+                <a:spcPct val="100000"/>
+              </a:lnSpc>
+              <a:spcBef>
+                <a:spcPct val="0"/>
+              </a:spcBef>
+              <a:spcAft>
+                <a:spcPct val="0"/>
+              </a:spcAft>
+              <a:buClrTx/>
+              <a:buSzTx/>
+              <a:buFontTx/>
+              <a:buNone/>
+              <a:tabLst/>
+            </a:pPr>
+            <a:endParaRPr kumimoji="0" lang="zh-CN" altLang="zh-CN" sz="1800" b="0" i="0" u="none" strike="noStrike" cap="none" normalizeH="0" baseline="0" dirty="0">
+              <a:ln>
+                <a:noFill/>
+              </a:ln>
+              <a:solidFill>
+                <a:schemeClr val="tx1"/>
+              </a:solidFill>
+              <a:effectLst/>
+              <a:latin typeface="Arial" panose="020B0604020202020204" pitchFamily="34" charset="0"/>
+            </a:endParaRPr>
+          </a:p>
+        </p:txBody>
+      </p:sp>
+      <p:sp>
+        <p:nvSpPr>
+          <p:cNvPr id="5" name="Rectangle 3">
+            <a:extLst>
+              <a:ext uri="{FF2B5EF4-FFF2-40B4-BE49-F238E27FC236}">
+                <a16:creationId xmlns:a16="http://schemas.microsoft.com/office/drawing/2014/main" id="{D4B32E63-E570-451B-B23E-B0087838EDE4}"/>
+              </a:ext>
+            </a:extLst>
+          </p:cNvPr>
+          <p:cNvSpPr>
+            <a:spLocks noChangeArrowheads="1"/>
+          </p:cNvSpPr>
+          <p:nvPr/>
+        </p:nvSpPr>
+        <p:spPr bwMode="auto">
+          <a:xfrm>
+            <a:off x="0" y="9975"/>
+            <a:ext cx="65" cy="437249"/>
+          </a:xfrm>
+          <a:prstGeom prst="rect">
+            <a:avLst/>
+          </a:prstGeom>
+          <a:solidFill>
+            <a:srgbClr val="FAFAFA"/>
+          </a:solidFill>
+          <a:ln>
+            <a:noFill/>
+          </a:ln>
+          <a:effectLst/>
+          <a:extLst>
+            <a:ext uri="{91240B29-F687-4F45-9708-019B960494DF}">
+              <a14:hiddenLine xmlns:a14="http://schemas.microsoft.com/office/drawing/2010/main" w="9525">
+                <a:solidFill>
+                  <a:schemeClr val="tx1"/>
+                </a:solidFill>
+                <a:miter lim="800000"/>
+                <a:headEnd/>
+                <a:tailEnd/>
+              </a14:hiddenLine>
+            </a:ext>
+            <a:ext uri="{AF507438-7753-43E0-B8FC-AC1667EBCBE1}">
+              <a14:hiddenEffects xmlns:a14="http://schemas.microsoft.com/office/drawing/2010/main">
+                <a:effectLst>
+                  <a:outerShdw dist="35921" dir="2700000" algn="ctr" rotWithShape="0">
+                    <a:schemeClr val="bg2"/>
+                  </a:outerShdw>
+                </a:effectLst>
+              </a14:hiddenEffects>
+            </a:ext>
+          </a:extLst>
+        </p:spPr>
+        <p:txBody>
+          <a:bodyPr vert="horz" wrap="none" lIns="0" tIns="0" rIns="0" bIns="158700" numCol="1" anchor="ctr" anchorCtr="0" compatLnSpc="1">
+            <a:prstTxWarp prst="textNoShape">
+              <a:avLst/>
+            </a:prstTxWarp>
+            <a:spAutoFit/>
+          </a:bodyPr>
+          <a:lstStyle/>
+          <a:p>
+            <a:pPr marL="0" marR="0" lvl="0" indent="0" algn="l" defTabSz="914400" rtl="0" eaLnBrk="0" fontAlgn="base" latinLnBrk="0" hangingPunct="0">
+              <a:lnSpc>
+                <a:spcPct val="100000"/>
+              </a:lnSpc>
+              <a:spcBef>
+                <a:spcPct val="0"/>
+              </a:spcBef>
+              <a:spcAft>
+                <a:spcPct val="0"/>
+              </a:spcAft>
+              <a:buClrTx/>
+              <a:buSzTx/>
+              <a:buFontTx/>
+              <a:buNone/>
+              <a:tabLst/>
+            </a:pPr>
+            <a:endParaRPr kumimoji="0" lang="zh-CN" altLang="zh-CN" sz="1800" b="0" i="0" u="none" strike="noStrike" cap="none" normalizeH="0" baseline="0" dirty="0">
+              <a:ln>
+                <a:noFill/>
+              </a:ln>
+              <a:solidFill>
+                <a:schemeClr val="tx1"/>
+              </a:solidFill>
+              <a:effectLst/>
+              <a:latin typeface="Arial" panose="020B0604020202020204" pitchFamily="34" charset="0"/>
+            </a:endParaRPr>
+          </a:p>
+        </p:txBody>
+      </p:sp>
+      <p:pic>
+        <p:nvPicPr>
+          <p:cNvPr id="6" name="图片 5">
+            <a:extLst>
+              <a:ext uri="{FF2B5EF4-FFF2-40B4-BE49-F238E27FC236}">
+                <a16:creationId xmlns:a16="http://schemas.microsoft.com/office/drawing/2014/main" id="{EF2F4E4A-EB48-4247-9561-4B62D548FB04}"/>
+              </a:ext>
+            </a:extLst>
+          </p:cNvPr>
+          <p:cNvPicPr>
+            <a:picLocks noChangeAspect="1"/>
+          </p:cNvPicPr>
+          <p:nvPr/>
+        </p:nvPicPr>
+        <p:blipFill>
+          <a:blip r:embed="rId2"/>
+          <a:stretch>
+            <a:fillRect/>
+          </a:stretch>
+        </p:blipFill>
+        <p:spPr>
+          <a:xfrm>
+            <a:off x="0" y="1901267"/>
+            <a:ext cx="9144000" cy="3625917"/>
+          </a:xfrm>
+          <a:prstGeom prst="rect">
+            <a:avLst/>
+          </a:prstGeom>
+        </p:spPr>
+      </p:pic>
+    </p:spTree>
+    <p:extLst>
+      <p:ext uri="{BB962C8B-B14F-4D97-AF65-F5344CB8AC3E}">
+        <p14:creationId xmlns:p14="http://schemas.microsoft.com/office/powerpoint/2010/main" val="2790412433"/>
+      </p:ext>
+    </p:extLst>
+  </p:cSld>
+  <p:clrMapOvr>
+    <a:masterClrMapping/>
+  </p:clrMapOvr>
+</p:sld>
+</file>
+
+<file path=ppt/slides/slide106.xml><?xml version="1.0" encoding="utf-8"?>
+<p:sld xmlns:a="http://schemas.openxmlformats.org/drawingml/2006/main" xmlns:r="http://schemas.openxmlformats.org/officeDocument/2006/relationships" xmlns:p="http://schemas.openxmlformats.org/presentationml/2006/main">
+  <p:cSld>
+    <p:spTree>
+      <p:nvGrpSpPr>
+        <p:cNvPr id="1" name=""/>
+        <p:cNvGrpSpPr/>
+        <p:nvPr/>
+      </p:nvGrpSpPr>
+      <p:grpSpPr>
+        <a:xfrm>
+          <a:off x="0" y="0"/>
+          <a:ext cx="0" cy="0"/>
+          <a:chOff x="0" y="0"/>
+          <a:chExt cx="0" cy="0"/>
+        </a:xfrm>
+      </p:grpSpPr>
+      <p:sp>
+        <p:nvSpPr>
+          <p:cNvPr id="7" name="文本占位符 6">
+            <a:extLst>
+              <a:ext uri="{FF2B5EF4-FFF2-40B4-BE49-F238E27FC236}">
+                <a16:creationId xmlns:a16="http://schemas.microsoft.com/office/drawing/2014/main" id="{000CD429-8B8A-465F-93FE-E390B46B6227}"/>
+              </a:ext>
+            </a:extLst>
+          </p:cNvPr>
+          <p:cNvSpPr>
+            <a:spLocks noGrp="1"/>
+          </p:cNvSpPr>
+          <p:nvPr>
+            <p:ph type="body" sz="quarter" idx="10"/>
+          </p:nvPr>
+        </p:nvSpPr>
+        <p:spPr/>
+        <p:txBody>
+          <a:bodyPr/>
+          <a:lstStyle/>
+          <a:p>
+            <a:r>
+              <a:rPr lang="en-US" altLang="zh-CN" dirty="0"/>
+              <a:t>Invokable</a:t>
+            </a:r>
+          </a:p>
+          <a:p>
+            <a:endParaRPr lang="en-US" altLang="zh-CN" dirty="0"/>
+          </a:p>
+          <a:p>
+            <a:endParaRPr lang="zh-CN" altLang="en-US" dirty="0"/>
+          </a:p>
+        </p:txBody>
+      </p:sp>
+      <p:sp>
+        <p:nvSpPr>
+          <p:cNvPr id="3" name="Rectangle 2">
+            <a:extLst>
+              <a:ext uri="{FF2B5EF4-FFF2-40B4-BE49-F238E27FC236}">
+                <a16:creationId xmlns:a16="http://schemas.microsoft.com/office/drawing/2014/main" id="{01A1A1F6-A639-408C-A630-76C5D9A6FDD0}"/>
+              </a:ext>
+            </a:extLst>
+          </p:cNvPr>
+          <p:cNvSpPr>
+            <a:spLocks noChangeArrowheads="1"/>
+          </p:cNvSpPr>
+          <p:nvPr/>
+        </p:nvSpPr>
+        <p:spPr bwMode="auto">
+          <a:xfrm>
+            <a:off x="0" y="9975"/>
+            <a:ext cx="65" cy="437249"/>
+          </a:xfrm>
+          <a:prstGeom prst="rect">
+            <a:avLst/>
+          </a:prstGeom>
+          <a:solidFill>
+            <a:srgbClr val="FAFAFA"/>
+          </a:solidFill>
+          <a:ln>
+            <a:noFill/>
+          </a:ln>
+          <a:effectLst/>
+          <a:extLst>
+            <a:ext uri="{91240B29-F687-4F45-9708-019B960494DF}">
+              <a14:hiddenLine xmlns:a14="http://schemas.microsoft.com/office/drawing/2010/main" w="9525">
+                <a:solidFill>
+                  <a:schemeClr val="tx1"/>
+                </a:solidFill>
+                <a:miter lim="800000"/>
+                <a:headEnd/>
+                <a:tailEnd/>
+              </a14:hiddenLine>
+            </a:ext>
+            <a:ext uri="{AF507438-7753-43E0-B8FC-AC1667EBCBE1}">
+              <a14:hiddenEffects xmlns:a14="http://schemas.microsoft.com/office/drawing/2010/main">
+                <a:effectLst>
+                  <a:outerShdw dist="35921" dir="2700000" algn="ctr" rotWithShape="0">
+                    <a:schemeClr val="bg2"/>
+                  </a:outerShdw>
+                </a:effectLst>
+              </a14:hiddenEffects>
+            </a:ext>
+          </a:extLst>
+        </p:spPr>
+        <p:txBody>
+          <a:bodyPr vert="horz" wrap="none" lIns="0" tIns="0" rIns="0" bIns="158700" numCol="1" anchor="ctr" anchorCtr="0" compatLnSpc="1">
+            <a:prstTxWarp prst="textNoShape">
+              <a:avLst/>
+            </a:prstTxWarp>
+            <a:spAutoFit/>
+          </a:bodyPr>
+          <a:lstStyle/>
+          <a:p>
+            <a:pPr marL="0" marR="0" lvl="0" indent="0" algn="l" defTabSz="914400" rtl="0" eaLnBrk="0" fontAlgn="base" latinLnBrk="0" hangingPunct="0">
+              <a:lnSpc>
+                <a:spcPct val="100000"/>
+              </a:lnSpc>
+              <a:spcBef>
+                <a:spcPct val="0"/>
+              </a:spcBef>
+              <a:spcAft>
+                <a:spcPct val="0"/>
+              </a:spcAft>
+              <a:buClrTx/>
+              <a:buSzTx/>
+              <a:buFontTx/>
+              <a:buNone/>
+              <a:tabLst/>
+            </a:pPr>
+            <a:endParaRPr kumimoji="0" lang="zh-CN" altLang="zh-CN" sz="1800" b="0" i="0" u="none" strike="noStrike" cap="none" normalizeH="0" baseline="0" dirty="0">
+              <a:ln>
+                <a:noFill/>
+              </a:ln>
+              <a:solidFill>
+                <a:schemeClr val="tx1"/>
+              </a:solidFill>
+              <a:effectLst/>
+              <a:latin typeface="Arial" panose="020B0604020202020204" pitchFamily="34" charset="0"/>
+            </a:endParaRPr>
+          </a:p>
+        </p:txBody>
+      </p:sp>
+      <p:sp>
+        <p:nvSpPr>
+          <p:cNvPr id="5" name="Rectangle 3">
+            <a:extLst>
+              <a:ext uri="{FF2B5EF4-FFF2-40B4-BE49-F238E27FC236}">
+                <a16:creationId xmlns:a16="http://schemas.microsoft.com/office/drawing/2014/main" id="{D4B32E63-E570-451B-B23E-B0087838EDE4}"/>
+              </a:ext>
+            </a:extLst>
+          </p:cNvPr>
+          <p:cNvSpPr>
+            <a:spLocks noChangeArrowheads="1"/>
+          </p:cNvSpPr>
+          <p:nvPr/>
+        </p:nvSpPr>
+        <p:spPr bwMode="auto">
+          <a:xfrm>
+            <a:off x="0" y="9975"/>
+            <a:ext cx="65" cy="437249"/>
+          </a:xfrm>
+          <a:prstGeom prst="rect">
+            <a:avLst/>
+          </a:prstGeom>
+          <a:solidFill>
+            <a:srgbClr val="FAFAFA"/>
+          </a:solidFill>
+          <a:ln>
+            <a:noFill/>
+          </a:ln>
+          <a:effectLst/>
+          <a:extLst>
+            <a:ext uri="{91240B29-F687-4F45-9708-019B960494DF}">
+              <a14:hiddenLine xmlns:a14="http://schemas.microsoft.com/office/drawing/2010/main" w="9525">
+                <a:solidFill>
+                  <a:schemeClr val="tx1"/>
+                </a:solidFill>
+                <a:miter lim="800000"/>
+                <a:headEnd/>
+                <a:tailEnd/>
+              </a14:hiddenLine>
+            </a:ext>
+            <a:ext uri="{AF507438-7753-43E0-B8FC-AC1667EBCBE1}">
+              <a14:hiddenEffects xmlns:a14="http://schemas.microsoft.com/office/drawing/2010/main">
+                <a:effectLst>
+                  <a:outerShdw dist="35921" dir="2700000" algn="ctr" rotWithShape="0">
+                    <a:schemeClr val="bg2"/>
+                  </a:outerShdw>
+                </a:effectLst>
+              </a14:hiddenEffects>
+            </a:ext>
+          </a:extLst>
+        </p:spPr>
+        <p:txBody>
+          <a:bodyPr vert="horz" wrap="none" lIns="0" tIns="0" rIns="0" bIns="158700" numCol="1" anchor="ctr" anchorCtr="0" compatLnSpc="1">
+            <a:prstTxWarp prst="textNoShape">
+              <a:avLst/>
+            </a:prstTxWarp>
+            <a:spAutoFit/>
+          </a:bodyPr>
+          <a:lstStyle/>
+          <a:p>
+            <a:pPr marL="0" marR="0" lvl="0" indent="0" algn="l" defTabSz="914400" rtl="0" eaLnBrk="0" fontAlgn="base" latinLnBrk="0" hangingPunct="0">
+              <a:lnSpc>
+                <a:spcPct val="100000"/>
+              </a:lnSpc>
+              <a:spcBef>
+                <a:spcPct val="0"/>
+              </a:spcBef>
+              <a:spcAft>
+                <a:spcPct val="0"/>
+              </a:spcAft>
+              <a:buClrTx/>
+              <a:buSzTx/>
+              <a:buFontTx/>
+              <a:buNone/>
+              <a:tabLst/>
+            </a:pPr>
+            <a:endParaRPr kumimoji="0" lang="zh-CN" altLang="zh-CN" sz="1800" b="0" i="0" u="none" strike="noStrike" cap="none" normalizeH="0" baseline="0" dirty="0">
+              <a:ln>
+                <a:noFill/>
+              </a:ln>
+              <a:solidFill>
+                <a:schemeClr val="tx1"/>
+              </a:solidFill>
+              <a:effectLst/>
+              <a:latin typeface="Arial" panose="020B0604020202020204" pitchFamily="34" charset="0"/>
+            </a:endParaRPr>
+          </a:p>
+        </p:txBody>
+      </p:sp>
+      <p:pic>
+        <p:nvPicPr>
+          <p:cNvPr id="2" name="图片 1">
+            <a:extLst>
+              <a:ext uri="{FF2B5EF4-FFF2-40B4-BE49-F238E27FC236}">
+                <a16:creationId xmlns:a16="http://schemas.microsoft.com/office/drawing/2014/main" id="{738BED7A-90E4-4AB5-B508-6E8D87D10417}"/>
+              </a:ext>
+            </a:extLst>
+          </p:cNvPr>
+          <p:cNvPicPr>
+            <a:picLocks noChangeAspect="1"/>
+          </p:cNvPicPr>
+          <p:nvPr/>
+        </p:nvPicPr>
+        <p:blipFill>
+          <a:blip r:embed="rId2"/>
+          <a:stretch>
+            <a:fillRect/>
+          </a:stretch>
+        </p:blipFill>
+        <p:spPr>
+          <a:xfrm>
+            <a:off x="0" y="1712993"/>
+            <a:ext cx="9144000" cy="2878342"/>
+          </a:xfrm>
+          <a:prstGeom prst="rect">
+            <a:avLst/>
+          </a:prstGeom>
+        </p:spPr>
+      </p:pic>
+    </p:spTree>
+    <p:extLst>
+      <p:ext uri="{BB962C8B-B14F-4D97-AF65-F5344CB8AC3E}">
+        <p14:creationId xmlns:p14="http://schemas.microsoft.com/office/powerpoint/2010/main" val="3826014981"/>
+      </p:ext>
+    </p:extLst>
+  </p:cSld>
+  <p:clrMapOvr>
+    <a:masterClrMapping/>
+  </p:clrMapOvr>
+</p:sld>
+</file>
+
+<file path=ppt/slides/slide107.xml><?xml version="1.0" encoding="utf-8"?>
+<p:sld xmlns:a="http://schemas.openxmlformats.org/drawingml/2006/main" xmlns:r="http://schemas.openxmlformats.org/officeDocument/2006/relationships" xmlns:p="http://schemas.openxmlformats.org/presentationml/2006/main">
+  <p:cSld>
+    <p:spTree>
+      <p:nvGrpSpPr>
+        <p:cNvPr id="1" name=""/>
+        <p:cNvGrpSpPr/>
+        <p:nvPr/>
+      </p:nvGrpSpPr>
+      <p:grpSpPr>
+        <a:xfrm>
+          <a:off x="0" y="0"/>
+          <a:ext cx="0" cy="0"/>
+          <a:chOff x="0" y="0"/>
+          <a:chExt cx="0" cy="0"/>
+        </a:xfrm>
+      </p:grpSpPr>
+      <p:sp>
+        <p:nvSpPr>
+          <p:cNvPr id="7" name="文本占位符 6">
+            <a:extLst>
+              <a:ext uri="{FF2B5EF4-FFF2-40B4-BE49-F238E27FC236}">
+                <a16:creationId xmlns:a16="http://schemas.microsoft.com/office/drawing/2014/main" id="{000CD429-8B8A-465F-93FE-E390B46B6227}"/>
+              </a:ext>
+            </a:extLst>
+          </p:cNvPr>
+          <p:cNvSpPr>
+            <a:spLocks noGrp="1"/>
+          </p:cNvSpPr>
+          <p:nvPr>
+            <p:ph type="body" sz="quarter" idx="10"/>
+          </p:nvPr>
+        </p:nvSpPr>
+        <p:spPr/>
+        <p:txBody>
+          <a:bodyPr/>
+          <a:lstStyle/>
+          <a:p>
+            <a:r>
+              <a:rPr lang="en-US" altLang="zh-CN" dirty="0"/>
+              <a:t>Invokable</a:t>
+            </a:r>
+          </a:p>
+          <a:p>
+            <a:endParaRPr lang="en-US" altLang="zh-CN" dirty="0"/>
+          </a:p>
+          <a:p>
+            <a:endParaRPr lang="zh-CN" altLang="en-US" dirty="0"/>
+          </a:p>
+        </p:txBody>
+      </p:sp>
+      <p:sp>
+        <p:nvSpPr>
+          <p:cNvPr id="3" name="Rectangle 2">
+            <a:extLst>
+              <a:ext uri="{FF2B5EF4-FFF2-40B4-BE49-F238E27FC236}">
+                <a16:creationId xmlns:a16="http://schemas.microsoft.com/office/drawing/2014/main" id="{01A1A1F6-A639-408C-A630-76C5D9A6FDD0}"/>
+              </a:ext>
+            </a:extLst>
+          </p:cNvPr>
+          <p:cNvSpPr>
+            <a:spLocks noChangeArrowheads="1"/>
+          </p:cNvSpPr>
+          <p:nvPr/>
+        </p:nvSpPr>
+        <p:spPr bwMode="auto">
+          <a:xfrm>
+            <a:off x="0" y="9975"/>
+            <a:ext cx="65" cy="437249"/>
+          </a:xfrm>
+          <a:prstGeom prst="rect">
+            <a:avLst/>
+          </a:prstGeom>
+          <a:solidFill>
+            <a:srgbClr val="FAFAFA"/>
+          </a:solidFill>
+          <a:ln>
+            <a:noFill/>
+          </a:ln>
+          <a:effectLst/>
+          <a:extLst>
+            <a:ext uri="{91240B29-F687-4F45-9708-019B960494DF}">
+              <a14:hiddenLine xmlns:a14="http://schemas.microsoft.com/office/drawing/2010/main" w="9525">
+                <a:solidFill>
+                  <a:schemeClr val="tx1"/>
+                </a:solidFill>
+                <a:miter lim="800000"/>
+                <a:headEnd/>
+                <a:tailEnd/>
+              </a14:hiddenLine>
+            </a:ext>
+            <a:ext uri="{AF507438-7753-43E0-B8FC-AC1667EBCBE1}">
+              <a14:hiddenEffects xmlns:a14="http://schemas.microsoft.com/office/drawing/2010/main">
+                <a:effectLst>
+                  <a:outerShdw dist="35921" dir="2700000" algn="ctr" rotWithShape="0">
+                    <a:schemeClr val="bg2"/>
+                  </a:outerShdw>
+                </a:effectLst>
+              </a14:hiddenEffects>
+            </a:ext>
+          </a:extLst>
+        </p:spPr>
+        <p:txBody>
+          <a:bodyPr vert="horz" wrap="none" lIns="0" tIns="0" rIns="0" bIns="158700" numCol="1" anchor="ctr" anchorCtr="0" compatLnSpc="1">
+            <a:prstTxWarp prst="textNoShape">
+              <a:avLst/>
+            </a:prstTxWarp>
+            <a:spAutoFit/>
+          </a:bodyPr>
+          <a:lstStyle/>
+          <a:p>
+            <a:pPr marL="0" marR="0" lvl="0" indent="0" algn="l" defTabSz="914400" rtl="0" eaLnBrk="0" fontAlgn="base" latinLnBrk="0" hangingPunct="0">
+              <a:lnSpc>
+                <a:spcPct val="100000"/>
+              </a:lnSpc>
+              <a:spcBef>
+                <a:spcPct val="0"/>
+              </a:spcBef>
+              <a:spcAft>
+                <a:spcPct val="0"/>
+              </a:spcAft>
+              <a:buClrTx/>
+              <a:buSzTx/>
+              <a:buFontTx/>
+              <a:buNone/>
+              <a:tabLst/>
+            </a:pPr>
+            <a:endParaRPr kumimoji="0" lang="zh-CN" altLang="zh-CN" sz="1800" b="0" i="0" u="none" strike="noStrike" cap="none" normalizeH="0" baseline="0" dirty="0">
+              <a:ln>
+                <a:noFill/>
+              </a:ln>
+              <a:solidFill>
+                <a:schemeClr val="tx1"/>
+              </a:solidFill>
+              <a:effectLst/>
+              <a:latin typeface="Arial" panose="020B0604020202020204" pitchFamily="34" charset="0"/>
+            </a:endParaRPr>
+          </a:p>
+        </p:txBody>
+      </p:sp>
+      <p:sp>
+        <p:nvSpPr>
+          <p:cNvPr id="5" name="Rectangle 3">
+            <a:extLst>
+              <a:ext uri="{FF2B5EF4-FFF2-40B4-BE49-F238E27FC236}">
+                <a16:creationId xmlns:a16="http://schemas.microsoft.com/office/drawing/2014/main" id="{D4B32E63-E570-451B-B23E-B0087838EDE4}"/>
+              </a:ext>
+            </a:extLst>
+          </p:cNvPr>
+          <p:cNvSpPr>
+            <a:spLocks noChangeArrowheads="1"/>
+          </p:cNvSpPr>
+          <p:nvPr/>
+        </p:nvSpPr>
+        <p:spPr bwMode="auto">
+          <a:xfrm>
+            <a:off x="0" y="9975"/>
+            <a:ext cx="65" cy="437249"/>
+          </a:xfrm>
+          <a:prstGeom prst="rect">
+            <a:avLst/>
+          </a:prstGeom>
+          <a:solidFill>
+            <a:srgbClr val="FAFAFA"/>
+          </a:solidFill>
+          <a:ln>
+            <a:noFill/>
+          </a:ln>
+          <a:effectLst/>
+          <a:extLst>
+            <a:ext uri="{91240B29-F687-4F45-9708-019B960494DF}">
+              <a14:hiddenLine xmlns:a14="http://schemas.microsoft.com/office/drawing/2010/main" w="9525">
+                <a:solidFill>
+                  <a:schemeClr val="tx1"/>
+                </a:solidFill>
+                <a:miter lim="800000"/>
+                <a:headEnd/>
+                <a:tailEnd/>
+              </a14:hiddenLine>
+            </a:ext>
+            <a:ext uri="{AF507438-7753-43E0-B8FC-AC1667EBCBE1}">
+              <a14:hiddenEffects xmlns:a14="http://schemas.microsoft.com/office/drawing/2010/main">
+                <a:effectLst>
+                  <a:outerShdw dist="35921" dir="2700000" algn="ctr" rotWithShape="0">
+                    <a:schemeClr val="bg2"/>
+                  </a:outerShdw>
+                </a:effectLst>
+              </a14:hiddenEffects>
+            </a:ext>
+          </a:extLst>
+        </p:spPr>
+        <p:txBody>
+          <a:bodyPr vert="horz" wrap="none" lIns="0" tIns="0" rIns="0" bIns="158700" numCol="1" anchor="ctr" anchorCtr="0" compatLnSpc="1">
+            <a:prstTxWarp prst="textNoShape">
+              <a:avLst/>
+            </a:prstTxWarp>
+            <a:spAutoFit/>
+          </a:bodyPr>
+          <a:lstStyle/>
+          <a:p>
+            <a:pPr marL="0" marR="0" lvl="0" indent="0" algn="l" defTabSz="914400" rtl="0" eaLnBrk="0" fontAlgn="base" latinLnBrk="0" hangingPunct="0">
+              <a:lnSpc>
+                <a:spcPct val="100000"/>
+              </a:lnSpc>
+              <a:spcBef>
+                <a:spcPct val="0"/>
+              </a:spcBef>
+              <a:spcAft>
+                <a:spcPct val="0"/>
+              </a:spcAft>
+              <a:buClrTx/>
+              <a:buSzTx/>
+              <a:buFontTx/>
+              <a:buNone/>
+              <a:tabLst/>
+            </a:pPr>
+            <a:endParaRPr kumimoji="0" lang="zh-CN" altLang="zh-CN" sz="1800" b="0" i="0" u="none" strike="noStrike" cap="none" normalizeH="0" baseline="0" dirty="0">
+              <a:ln>
+                <a:noFill/>
+              </a:ln>
+              <a:solidFill>
+                <a:schemeClr val="tx1"/>
+              </a:solidFill>
+              <a:effectLst/>
+              <a:latin typeface="Arial" panose="020B0604020202020204" pitchFamily="34" charset="0"/>
+            </a:endParaRPr>
+          </a:p>
+        </p:txBody>
+      </p:sp>
+      <p:pic>
+        <p:nvPicPr>
+          <p:cNvPr id="4" name="图片 3">
+            <a:extLst>
+              <a:ext uri="{FF2B5EF4-FFF2-40B4-BE49-F238E27FC236}">
+                <a16:creationId xmlns:a16="http://schemas.microsoft.com/office/drawing/2014/main" id="{73ABEE9D-4441-4243-BC40-B9146A70322B}"/>
+              </a:ext>
+            </a:extLst>
+          </p:cNvPr>
+          <p:cNvPicPr>
+            <a:picLocks noChangeAspect="1"/>
+          </p:cNvPicPr>
+          <p:nvPr/>
+        </p:nvPicPr>
+        <p:blipFill>
+          <a:blip r:embed="rId2"/>
+          <a:stretch>
+            <a:fillRect/>
+          </a:stretch>
+        </p:blipFill>
+        <p:spPr>
+          <a:xfrm>
+            <a:off x="0" y="1763640"/>
+            <a:ext cx="9144000" cy="3783724"/>
+          </a:xfrm>
+          <a:prstGeom prst="rect">
+            <a:avLst/>
+          </a:prstGeom>
+        </p:spPr>
+      </p:pic>
+    </p:spTree>
+    <p:extLst>
+      <p:ext uri="{BB962C8B-B14F-4D97-AF65-F5344CB8AC3E}">
+        <p14:creationId xmlns:p14="http://schemas.microsoft.com/office/powerpoint/2010/main" val="2744802787"/>
+      </p:ext>
+    </p:extLst>
+  </p:cSld>
+  <p:clrMapOvr>
+    <a:masterClrMapping/>
+  </p:clrMapOvr>
+</p:sld>
+</file>
+
+<file path=ppt/slides/slide108.xml><?xml version="1.0" encoding="utf-8"?>
+<p:sld xmlns:a="http://schemas.openxmlformats.org/drawingml/2006/main" xmlns:r="http://schemas.openxmlformats.org/officeDocument/2006/relationships" xmlns:p="http://schemas.openxmlformats.org/presentationml/2006/main">
+  <p:cSld>
+    <p:spTree>
+      <p:nvGrpSpPr>
+        <p:cNvPr id="1" name=""/>
+        <p:cNvGrpSpPr/>
+        <p:nvPr/>
+      </p:nvGrpSpPr>
+      <p:grpSpPr>
+        <a:xfrm>
+          <a:off x="0" y="0"/>
+          <a:ext cx="0" cy="0"/>
+          <a:chOff x="0" y="0"/>
+          <a:chExt cx="0" cy="0"/>
+        </a:xfrm>
+      </p:grpSpPr>
+      <p:sp>
+        <p:nvSpPr>
+          <p:cNvPr id="7" name="文本占位符 6">
+            <a:extLst>
+              <a:ext uri="{FF2B5EF4-FFF2-40B4-BE49-F238E27FC236}">
+                <a16:creationId xmlns:a16="http://schemas.microsoft.com/office/drawing/2014/main" id="{000CD429-8B8A-465F-93FE-E390B46B6227}"/>
+              </a:ext>
+            </a:extLst>
+          </p:cNvPr>
+          <p:cNvSpPr>
+            <a:spLocks noGrp="1"/>
+          </p:cNvSpPr>
+          <p:nvPr>
+            <p:ph type="body" sz="quarter" idx="10"/>
+          </p:nvPr>
+        </p:nvSpPr>
+        <p:spPr/>
+        <p:txBody>
+          <a:bodyPr/>
+          <a:lstStyle/>
+          <a:p>
+            <a:r>
+              <a:rPr lang="en-US" altLang="zh-CN" dirty="0"/>
+              <a:t>Invokable</a:t>
+            </a:r>
+          </a:p>
+          <a:p>
+            <a:endParaRPr lang="en-US" altLang="zh-CN" dirty="0"/>
+          </a:p>
+          <a:p>
+            <a:endParaRPr lang="zh-CN" altLang="en-US" dirty="0"/>
+          </a:p>
+        </p:txBody>
+      </p:sp>
+      <p:sp>
+        <p:nvSpPr>
+          <p:cNvPr id="3" name="Rectangle 2">
+            <a:extLst>
+              <a:ext uri="{FF2B5EF4-FFF2-40B4-BE49-F238E27FC236}">
+                <a16:creationId xmlns:a16="http://schemas.microsoft.com/office/drawing/2014/main" id="{01A1A1F6-A639-408C-A630-76C5D9A6FDD0}"/>
+              </a:ext>
+            </a:extLst>
+          </p:cNvPr>
+          <p:cNvSpPr>
+            <a:spLocks noChangeArrowheads="1"/>
+          </p:cNvSpPr>
+          <p:nvPr/>
+        </p:nvSpPr>
+        <p:spPr bwMode="auto">
+          <a:xfrm>
+            <a:off x="0" y="9975"/>
+            <a:ext cx="65" cy="437249"/>
+          </a:xfrm>
+          <a:prstGeom prst="rect">
+            <a:avLst/>
+          </a:prstGeom>
+          <a:solidFill>
+            <a:srgbClr val="FAFAFA"/>
+          </a:solidFill>
+          <a:ln>
+            <a:noFill/>
+          </a:ln>
+          <a:effectLst/>
+          <a:extLst>
+            <a:ext uri="{91240B29-F687-4F45-9708-019B960494DF}">
+              <a14:hiddenLine xmlns:a14="http://schemas.microsoft.com/office/drawing/2010/main" w="9525">
+                <a:solidFill>
+                  <a:schemeClr val="tx1"/>
+                </a:solidFill>
+                <a:miter lim="800000"/>
+                <a:headEnd/>
+                <a:tailEnd/>
+              </a14:hiddenLine>
+            </a:ext>
+            <a:ext uri="{AF507438-7753-43E0-B8FC-AC1667EBCBE1}">
+              <a14:hiddenEffects xmlns:a14="http://schemas.microsoft.com/office/drawing/2010/main">
+                <a:effectLst>
+                  <a:outerShdw dist="35921" dir="2700000" algn="ctr" rotWithShape="0">
+                    <a:schemeClr val="bg2"/>
+                  </a:outerShdw>
+                </a:effectLst>
+              </a14:hiddenEffects>
+            </a:ext>
+          </a:extLst>
+        </p:spPr>
+        <p:txBody>
+          <a:bodyPr vert="horz" wrap="none" lIns="0" tIns="0" rIns="0" bIns="158700" numCol="1" anchor="ctr" anchorCtr="0" compatLnSpc="1">
+            <a:prstTxWarp prst="textNoShape">
+              <a:avLst/>
+            </a:prstTxWarp>
+            <a:spAutoFit/>
+          </a:bodyPr>
+          <a:lstStyle/>
+          <a:p>
+            <a:pPr marL="0" marR="0" lvl="0" indent="0" algn="l" defTabSz="914400" rtl="0" eaLnBrk="0" fontAlgn="base" latinLnBrk="0" hangingPunct="0">
+              <a:lnSpc>
+                <a:spcPct val="100000"/>
+              </a:lnSpc>
+              <a:spcBef>
+                <a:spcPct val="0"/>
+              </a:spcBef>
+              <a:spcAft>
+                <a:spcPct val="0"/>
+              </a:spcAft>
+              <a:buClrTx/>
+              <a:buSzTx/>
+              <a:buFontTx/>
+              <a:buNone/>
+              <a:tabLst/>
+            </a:pPr>
+            <a:endParaRPr kumimoji="0" lang="zh-CN" altLang="zh-CN" sz="1800" b="0" i="0" u="none" strike="noStrike" cap="none" normalizeH="0" baseline="0" dirty="0">
+              <a:ln>
+                <a:noFill/>
+              </a:ln>
+              <a:solidFill>
+                <a:schemeClr val="tx1"/>
+              </a:solidFill>
+              <a:effectLst/>
+              <a:latin typeface="Arial" panose="020B0604020202020204" pitchFamily="34" charset="0"/>
+            </a:endParaRPr>
+          </a:p>
+        </p:txBody>
+      </p:sp>
+      <p:sp>
+        <p:nvSpPr>
+          <p:cNvPr id="5" name="Rectangle 3">
+            <a:extLst>
+              <a:ext uri="{FF2B5EF4-FFF2-40B4-BE49-F238E27FC236}">
+                <a16:creationId xmlns:a16="http://schemas.microsoft.com/office/drawing/2014/main" id="{D4B32E63-E570-451B-B23E-B0087838EDE4}"/>
+              </a:ext>
+            </a:extLst>
+          </p:cNvPr>
+          <p:cNvSpPr>
+            <a:spLocks noChangeArrowheads="1"/>
+          </p:cNvSpPr>
+          <p:nvPr/>
+        </p:nvSpPr>
+        <p:spPr bwMode="auto">
+          <a:xfrm>
+            <a:off x="0" y="9975"/>
+            <a:ext cx="65" cy="437249"/>
+          </a:xfrm>
+          <a:prstGeom prst="rect">
+            <a:avLst/>
+          </a:prstGeom>
+          <a:solidFill>
+            <a:srgbClr val="FAFAFA"/>
+          </a:solidFill>
+          <a:ln>
+            <a:noFill/>
+          </a:ln>
+          <a:effectLst/>
+          <a:extLst>
+            <a:ext uri="{91240B29-F687-4F45-9708-019B960494DF}">
+              <a14:hiddenLine xmlns:a14="http://schemas.microsoft.com/office/drawing/2010/main" w="9525">
+                <a:solidFill>
+                  <a:schemeClr val="tx1"/>
+                </a:solidFill>
+                <a:miter lim="800000"/>
+                <a:headEnd/>
+                <a:tailEnd/>
+              </a14:hiddenLine>
+            </a:ext>
+            <a:ext uri="{AF507438-7753-43E0-B8FC-AC1667EBCBE1}">
+              <a14:hiddenEffects xmlns:a14="http://schemas.microsoft.com/office/drawing/2010/main">
+                <a:effectLst>
+                  <a:outerShdw dist="35921" dir="2700000" algn="ctr" rotWithShape="0">
+                    <a:schemeClr val="bg2"/>
+                  </a:outerShdw>
+                </a:effectLst>
+              </a14:hiddenEffects>
+            </a:ext>
+          </a:extLst>
+        </p:spPr>
+        <p:txBody>
+          <a:bodyPr vert="horz" wrap="none" lIns="0" tIns="0" rIns="0" bIns="158700" numCol="1" anchor="ctr" anchorCtr="0" compatLnSpc="1">
+            <a:prstTxWarp prst="textNoShape">
+              <a:avLst/>
+            </a:prstTxWarp>
+            <a:spAutoFit/>
+          </a:bodyPr>
+          <a:lstStyle/>
+          <a:p>
+            <a:pPr marL="0" marR="0" lvl="0" indent="0" algn="l" defTabSz="914400" rtl="0" eaLnBrk="0" fontAlgn="base" latinLnBrk="0" hangingPunct="0">
+              <a:lnSpc>
+                <a:spcPct val="100000"/>
+              </a:lnSpc>
+              <a:spcBef>
+                <a:spcPct val="0"/>
+              </a:spcBef>
+              <a:spcAft>
+                <a:spcPct val="0"/>
+              </a:spcAft>
+              <a:buClrTx/>
+              <a:buSzTx/>
+              <a:buFontTx/>
+              <a:buNone/>
+              <a:tabLst/>
+            </a:pPr>
+            <a:endParaRPr kumimoji="0" lang="zh-CN" altLang="zh-CN" sz="1800" b="0" i="0" u="none" strike="noStrike" cap="none" normalizeH="0" baseline="0" dirty="0">
+              <a:ln>
+                <a:noFill/>
+              </a:ln>
+              <a:solidFill>
+                <a:schemeClr val="tx1"/>
+              </a:solidFill>
+              <a:effectLst/>
+              <a:latin typeface="Arial" panose="020B0604020202020204" pitchFamily="34" charset="0"/>
+            </a:endParaRPr>
+          </a:p>
+        </p:txBody>
+      </p:sp>
+      <p:pic>
+        <p:nvPicPr>
+          <p:cNvPr id="2" name="图片 1">
+            <a:extLst>
+              <a:ext uri="{FF2B5EF4-FFF2-40B4-BE49-F238E27FC236}">
+                <a16:creationId xmlns:a16="http://schemas.microsoft.com/office/drawing/2014/main" id="{6CA6D99D-01B4-4003-A32F-BD56BC581D2D}"/>
+              </a:ext>
+            </a:extLst>
+          </p:cNvPr>
+          <p:cNvPicPr>
+            <a:picLocks noChangeAspect="1"/>
+          </p:cNvPicPr>
+          <p:nvPr/>
+        </p:nvPicPr>
+        <p:blipFill>
+          <a:blip r:embed="rId2"/>
+          <a:stretch>
+            <a:fillRect/>
+          </a:stretch>
+        </p:blipFill>
+        <p:spPr>
+          <a:xfrm>
+            <a:off x="0" y="1750811"/>
+            <a:ext cx="9144000" cy="4346277"/>
+          </a:xfrm>
+          <a:prstGeom prst="rect">
+            <a:avLst/>
+          </a:prstGeom>
+        </p:spPr>
+      </p:pic>
+    </p:spTree>
+    <p:extLst>
+      <p:ext uri="{BB962C8B-B14F-4D97-AF65-F5344CB8AC3E}">
+        <p14:creationId xmlns:p14="http://schemas.microsoft.com/office/powerpoint/2010/main" val="2506920954"/>
+      </p:ext>
+    </p:extLst>
+  </p:cSld>
+  <p:clrMapOvr>
+    <a:masterClrMapping/>
+  </p:clrMapOvr>
+</p:sld>
+</file>
+
+<file path=ppt/slides/slide109.xml><?xml version="1.0" encoding="utf-8"?>
+<p:sld xmlns:a="http://schemas.openxmlformats.org/drawingml/2006/main" xmlns:r="http://schemas.openxmlformats.org/officeDocument/2006/relationships" xmlns:p="http://schemas.openxmlformats.org/presentationml/2006/main">
+  <p:cSld>
+    <p:spTree>
+      <p:nvGrpSpPr>
+        <p:cNvPr id="1" name=""/>
+        <p:cNvGrpSpPr/>
+        <p:nvPr/>
+      </p:nvGrpSpPr>
+      <p:grpSpPr>
+        <a:xfrm>
+          <a:off x="0" y="0"/>
+          <a:ext cx="0" cy="0"/>
+          <a:chOff x="0" y="0"/>
+          <a:chExt cx="0" cy="0"/>
+        </a:xfrm>
+      </p:grpSpPr>
+      <p:sp>
+        <p:nvSpPr>
+          <p:cNvPr id="7" name="文本占位符 6">
+            <a:extLst>
+              <a:ext uri="{FF2B5EF4-FFF2-40B4-BE49-F238E27FC236}">
+                <a16:creationId xmlns:a16="http://schemas.microsoft.com/office/drawing/2014/main" id="{000CD429-8B8A-465F-93FE-E390B46B6227}"/>
+              </a:ext>
+            </a:extLst>
+          </p:cNvPr>
+          <p:cNvSpPr>
+            <a:spLocks noGrp="1"/>
+          </p:cNvSpPr>
+          <p:nvPr>
+            <p:ph type="body" sz="quarter" idx="10"/>
+          </p:nvPr>
+        </p:nvSpPr>
+        <p:spPr/>
+        <p:txBody>
+          <a:bodyPr/>
+          <a:lstStyle/>
+          <a:p>
+            <a:r>
+              <a:rPr lang="en-US" altLang="zh-CN" dirty="0"/>
+              <a:t>Invokable</a:t>
+            </a:r>
+          </a:p>
+          <a:p>
+            <a:endParaRPr lang="en-US" altLang="zh-CN" dirty="0"/>
+          </a:p>
+          <a:p>
+            <a:endParaRPr lang="zh-CN" altLang="en-US" dirty="0"/>
+          </a:p>
+        </p:txBody>
+      </p:sp>
+      <p:sp>
+        <p:nvSpPr>
+          <p:cNvPr id="3" name="Rectangle 2">
+            <a:extLst>
+              <a:ext uri="{FF2B5EF4-FFF2-40B4-BE49-F238E27FC236}">
+                <a16:creationId xmlns:a16="http://schemas.microsoft.com/office/drawing/2014/main" id="{01A1A1F6-A639-408C-A630-76C5D9A6FDD0}"/>
+              </a:ext>
+            </a:extLst>
+          </p:cNvPr>
+          <p:cNvSpPr>
+            <a:spLocks noChangeArrowheads="1"/>
+          </p:cNvSpPr>
+          <p:nvPr/>
+        </p:nvSpPr>
+        <p:spPr bwMode="auto">
+          <a:xfrm>
+            <a:off x="0" y="9975"/>
+            <a:ext cx="65" cy="437249"/>
+          </a:xfrm>
+          <a:prstGeom prst="rect">
+            <a:avLst/>
+          </a:prstGeom>
+          <a:solidFill>
+            <a:srgbClr val="FAFAFA"/>
+          </a:solidFill>
+          <a:ln>
+            <a:noFill/>
+          </a:ln>
+          <a:effectLst/>
+          <a:extLst>
+            <a:ext uri="{91240B29-F687-4F45-9708-019B960494DF}">
+              <a14:hiddenLine xmlns:a14="http://schemas.microsoft.com/office/drawing/2010/main" w="9525">
+                <a:solidFill>
+                  <a:schemeClr val="tx1"/>
+                </a:solidFill>
+                <a:miter lim="800000"/>
+                <a:headEnd/>
+                <a:tailEnd/>
+              </a14:hiddenLine>
+            </a:ext>
+            <a:ext uri="{AF507438-7753-43E0-B8FC-AC1667EBCBE1}">
+              <a14:hiddenEffects xmlns:a14="http://schemas.microsoft.com/office/drawing/2010/main">
+                <a:effectLst>
+                  <a:outerShdw dist="35921" dir="2700000" algn="ctr" rotWithShape="0">
+                    <a:schemeClr val="bg2"/>
+                  </a:outerShdw>
+                </a:effectLst>
+              </a14:hiddenEffects>
+            </a:ext>
+          </a:extLst>
+        </p:spPr>
+        <p:txBody>
+          <a:bodyPr vert="horz" wrap="none" lIns="0" tIns="0" rIns="0" bIns="158700" numCol="1" anchor="ctr" anchorCtr="0" compatLnSpc="1">
+            <a:prstTxWarp prst="textNoShape">
+              <a:avLst/>
+            </a:prstTxWarp>
+            <a:spAutoFit/>
+          </a:bodyPr>
+          <a:lstStyle/>
+          <a:p>
+            <a:pPr marL="0" marR="0" lvl="0" indent="0" algn="l" defTabSz="914400" rtl="0" eaLnBrk="0" fontAlgn="base" latinLnBrk="0" hangingPunct="0">
+              <a:lnSpc>
+                <a:spcPct val="100000"/>
+              </a:lnSpc>
+              <a:spcBef>
+                <a:spcPct val="0"/>
+              </a:spcBef>
+              <a:spcAft>
+                <a:spcPct val="0"/>
+              </a:spcAft>
+              <a:buClrTx/>
+              <a:buSzTx/>
+              <a:buFontTx/>
+              <a:buNone/>
+              <a:tabLst/>
+            </a:pPr>
+            <a:endParaRPr kumimoji="0" lang="zh-CN" altLang="zh-CN" sz="1800" b="0" i="0" u="none" strike="noStrike" cap="none" normalizeH="0" baseline="0" dirty="0">
+              <a:ln>
+                <a:noFill/>
+              </a:ln>
+              <a:solidFill>
+                <a:schemeClr val="tx1"/>
+              </a:solidFill>
+              <a:effectLst/>
+              <a:latin typeface="Arial" panose="020B0604020202020204" pitchFamily="34" charset="0"/>
+            </a:endParaRPr>
+          </a:p>
+        </p:txBody>
+      </p:sp>
+      <p:sp>
+        <p:nvSpPr>
+          <p:cNvPr id="5" name="Rectangle 3">
+            <a:extLst>
+              <a:ext uri="{FF2B5EF4-FFF2-40B4-BE49-F238E27FC236}">
+                <a16:creationId xmlns:a16="http://schemas.microsoft.com/office/drawing/2014/main" id="{D4B32E63-E570-451B-B23E-B0087838EDE4}"/>
+              </a:ext>
+            </a:extLst>
+          </p:cNvPr>
+          <p:cNvSpPr>
+            <a:spLocks noChangeArrowheads="1"/>
+          </p:cNvSpPr>
+          <p:nvPr/>
+        </p:nvSpPr>
+        <p:spPr bwMode="auto">
+          <a:xfrm>
+            <a:off x="0" y="9975"/>
+            <a:ext cx="65" cy="437249"/>
+          </a:xfrm>
+          <a:prstGeom prst="rect">
+            <a:avLst/>
+          </a:prstGeom>
+          <a:solidFill>
+            <a:srgbClr val="FAFAFA"/>
+          </a:solidFill>
+          <a:ln>
+            <a:noFill/>
+          </a:ln>
+          <a:effectLst/>
+          <a:extLst>
+            <a:ext uri="{91240B29-F687-4F45-9708-019B960494DF}">
+              <a14:hiddenLine xmlns:a14="http://schemas.microsoft.com/office/drawing/2010/main" w="9525">
+                <a:solidFill>
+                  <a:schemeClr val="tx1"/>
+                </a:solidFill>
+                <a:miter lim="800000"/>
+                <a:headEnd/>
+                <a:tailEnd/>
+              </a14:hiddenLine>
+            </a:ext>
+            <a:ext uri="{AF507438-7753-43E0-B8FC-AC1667EBCBE1}">
+              <a14:hiddenEffects xmlns:a14="http://schemas.microsoft.com/office/drawing/2010/main">
+                <a:effectLst>
+                  <a:outerShdw dist="35921" dir="2700000" algn="ctr" rotWithShape="0">
+                    <a:schemeClr val="bg2"/>
+                  </a:outerShdw>
+                </a:effectLst>
+              </a14:hiddenEffects>
+            </a:ext>
+          </a:extLst>
+        </p:spPr>
+        <p:txBody>
+          <a:bodyPr vert="horz" wrap="none" lIns="0" tIns="0" rIns="0" bIns="158700" numCol="1" anchor="ctr" anchorCtr="0" compatLnSpc="1">
+            <a:prstTxWarp prst="textNoShape">
+              <a:avLst/>
+            </a:prstTxWarp>
+            <a:spAutoFit/>
+          </a:bodyPr>
+          <a:lstStyle/>
+          <a:p>
+            <a:pPr marL="0" marR="0" lvl="0" indent="0" algn="l" defTabSz="914400" rtl="0" eaLnBrk="0" fontAlgn="base" latinLnBrk="0" hangingPunct="0">
+              <a:lnSpc>
+                <a:spcPct val="100000"/>
+              </a:lnSpc>
+              <a:spcBef>
+                <a:spcPct val="0"/>
+              </a:spcBef>
+              <a:spcAft>
+                <a:spcPct val="0"/>
+              </a:spcAft>
+              <a:buClrTx/>
+              <a:buSzTx/>
+              <a:buFontTx/>
+              <a:buNone/>
+              <a:tabLst/>
+            </a:pPr>
+            <a:endParaRPr kumimoji="0" lang="zh-CN" altLang="zh-CN" sz="1800" b="0" i="0" u="none" strike="noStrike" cap="none" normalizeH="0" baseline="0" dirty="0">
+              <a:ln>
+                <a:noFill/>
+              </a:ln>
+              <a:solidFill>
+                <a:schemeClr val="tx1"/>
+              </a:solidFill>
+              <a:effectLst/>
+              <a:latin typeface="Arial" panose="020B0604020202020204" pitchFamily="34" charset="0"/>
+            </a:endParaRPr>
+          </a:p>
+        </p:txBody>
+      </p:sp>
+      <p:pic>
+        <p:nvPicPr>
+          <p:cNvPr id="4" name="图片 3">
+            <a:extLst>
+              <a:ext uri="{FF2B5EF4-FFF2-40B4-BE49-F238E27FC236}">
+                <a16:creationId xmlns:a16="http://schemas.microsoft.com/office/drawing/2014/main" id="{EBF9634B-F554-4931-9C36-DE3B3EF579A4}"/>
+              </a:ext>
+            </a:extLst>
+          </p:cNvPr>
+          <p:cNvPicPr>
+            <a:picLocks noChangeAspect="1"/>
+          </p:cNvPicPr>
+          <p:nvPr/>
+        </p:nvPicPr>
+        <p:blipFill>
+          <a:blip r:embed="rId2"/>
+          <a:stretch>
+            <a:fillRect/>
+          </a:stretch>
+        </p:blipFill>
+        <p:spPr>
+          <a:xfrm>
+            <a:off x="0" y="1720778"/>
+            <a:ext cx="9144000" cy="4674792"/>
+          </a:xfrm>
+          <a:prstGeom prst="rect">
+            <a:avLst/>
+          </a:prstGeom>
+        </p:spPr>
+      </p:pic>
+    </p:spTree>
+    <p:extLst>
+      <p:ext uri="{BB962C8B-B14F-4D97-AF65-F5344CB8AC3E}">
+        <p14:creationId xmlns:p14="http://schemas.microsoft.com/office/powerpoint/2010/main" val="3503570949"/>
       </p:ext>
     </p:extLst>
   </p:cSld>
@@ -13304,6 +14959,844 @@
     <p:extLst>
       <p:ext uri="{BB962C8B-B14F-4D97-AF65-F5344CB8AC3E}">
         <p14:creationId xmlns:p14="http://schemas.microsoft.com/office/powerpoint/2010/main" val="2041891405"/>
+      </p:ext>
+    </p:extLst>
+  </p:cSld>
+  <p:clrMapOvr>
+    <a:masterClrMapping/>
+  </p:clrMapOvr>
+</p:sld>
+</file>
+
+<file path=ppt/slides/slide110.xml><?xml version="1.0" encoding="utf-8"?>
+<p:sld xmlns:a="http://schemas.openxmlformats.org/drawingml/2006/main" xmlns:r="http://schemas.openxmlformats.org/officeDocument/2006/relationships" xmlns:p="http://schemas.openxmlformats.org/presentationml/2006/main">
+  <p:cSld>
+    <p:spTree>
+      <p:nvGrpSpPr>
+        <p:cNvPr id="1" name=""/>
+        <p:cNvGrpSpPr/>
+        <p:nvPr/>
+      </p:nvGrpSpPr>
+      <p:grpSpPr>
+        <a:xfrm>
+          <a:off x="0" y="0"/>
+          <a:ext cx="0" cy="0"/>
+          <a:chOff x="0" y="0"/>
+          <a:chExt cx="0" cy="0"/>
+        </a:xfrm>
+      </p:grpSpPr>
+      <p:sp>
+        <p:nvSpPr>
+          <p:cNvPr id="7" name="文本占位符 6">
+            <a:extLst>
+              <a:ext uri="{FF2B5EF4-FFF2-40B4-BE49-F238E27FC236}">
+                <a16:creationId xmlns:a16="http://schemas.microsoft.com/office/drawing/2014/main" id="{000CD429-8B8A-465F-93FE-E390B46B6227}"/>
+              </a:ext>
+            </a:extLst>
+          </p:cNvPr>
+          <p:cNvSpPr>
+            <a:spLocks noGrp="1"/>
+          </p:cNvSpPr>
+          <p:nvPr>
+            <p:ph type="body" sz="quarter" idx="10"/>
+          </p:nvPr>
+        </p:nvSpPr>
+        <p:spPr/>
+        <p:txBody>
+          <a:bodyPr/>
+          <a:lstStyle/>
+          <a:p>
+            <a:r>
+              <a:rPr lang="en-US" altLang="zh-CN" dirty="0"/>
+              <a:t>Dynamic Proxies</a:t>
+            </a:r>
+          </a:p>
+          <a:p>
+            <a:endParaRPr lang="zh-CN" altLang="en-US" dirty="0"/>
+          </a:p>
+        </p:txBody>
+      </p:sp>
+      <p:sp>
+        <p:nvSpPr>
+          <p:cNvPr id="3" name="Rectangle 2">
+            <a:extLst>
+              <a:ext uri="{FF2B5EF4-FFF2-40B4-BE49-F238E27FC236}">
+                <a16:creationId xmlns:a16="http://schemas.microsoft.com/office/drawing/2014/main" id="{01A1A1F6-A639-408C-A630-76C5D9A6FDD0}"/>
+              </a:ext>
+            </a:extLst>
+          </p:cNvPr>
+          <p:cNvSpPr>
+            <a:spLocks noChangeArrowheads="1"/>
+          </p:cNvSpPr>
+          <p:nvPr/>
+        </p:nvSpPr>
+        <p:spPr bwMode="auto">
+          <a:xfrm>
+            <a:off x="0" y="9975"/>
+            <a:ext cx="65" cy="437249"/>
+          </a:xfrm>
+          <a:prstGeom prst="rect">
+            <a:avLst/>
+          </a:prstGeom>
+          <a:solidFill>
+            <a:srgbClr val="FAFAFA"/>
+          </a:solidFill>
+          <a:ln>
+            <a:noFill/>
+          </a:ln>
+          <a:effectLst/>
+          <a:extLst>
+            <a:ext uri="{91240B29-F687-4F45-9708-019B960494DF}">
+              <a14:hiddenLine xmlns:a14="http://schemas.microsoft.com/office/drawing/2010/main" w="9525">
+                <a:solidFill>
+                  <a:schemeClr val="tx1"/>
+                </a:solidFill>
+                <a:miter lim="800000"/>
+                <a:headEnd/>
+                <a:tailEnd/>
+              </a14:hiddenLine>
+            </a:ext>
+            <a:ext uri="{AF507438-7753-43E0-B8FC-AC1667EBCBE1}">
+              <a14:hiddenEffects xmlns:a14="http://schemas.microsoft.com/office/drawing/2010/main">
+                <a:effectLst>
+                  <a:outerShdw dist="35921" dir="2700000" algn="ctr" rotWithShape="0">
+                    <a:schemeClr val="bg2"/>
+                  </a:outerShdw>
+                </a:effectLst>
+              </a14:hiddenEffects>
+            </a:ext>
+          </a:extLst>
+        </p:spPr>
+        <p:txBody>
+          <a:bodyPr vert="horz" wrap="none" lIns="0" tIns="0" rIns="0" bIns="158700" numCol="1" anchor="ctr" anchorCtr="0" compatLnSpc="1">
+            <a:prstTxWarp prst="textNoShape">
+              <a:avLst/>
+            </a:prstTxWarp>
+            <a:spAutoFit/>
+          </a:bodyPr>
+          <a:lstStyle/>
+          <a:p>
+            <a:pPr marL="0" marR="0" lvl="0" indent="0" algn="l" defTabSz="914400" rtl="0" eaLnBrk="0" fontAlgn="base" latinLnBrk="0" hangingPunct="0">
+              <a:lnSpc>
+                <a:spcPct val="100000"/>
+              </a:lnSpc>
+              <a:spcBef>
+                <a:spcPct val="0"/>
+              </a:spcBef>
+              <a:spcAft>
+                <a:spcPct val="0"/>
+              </a:spcAft>
+              <a:buClrTx/>
+              <a:buSzTx/>
+              <a:buFontTx/>
+              <a:buNone/>
+              <a:tabLst/>
+            </a:pPr>
+            <a:endParaRPr kumimoji="0" lang="zh-CN" altLang="zh-CN" sz="1800" b="0" i="0" u="none" strike="noStrike" cap="none" normalizeH="0" baseline="0" dirty="0">
+              <a:ln>
+                <a:noFill/>
+              </a:ln>
+              <a:solidFill>
+                <a:schemeClr val="tx1"/>
+              </a:solidFill>
+              <a:effectLst/>
+              <a:latin typeface="Arial" panose="020B0604020202020204" pitchFamily="34" charset="0"/>
+            </a:endParaRPr>
+          </a:p>
+        </p:txBody>
+      </p:sp>
+      <p:sp>
+        <p:nvSpPr>
+          <p:cNvPr id="5" name="Rectangle 3">
+            <a:extLst>
+              <a:ext uri="{FF2B5EF4-FFF2-40B4-BE49-F238E27FC236}">
+                <a16:creationId xmlns:a16="http://schemas.microsoft.com/office/drawing/2014/main" id="{D4B32E63-E570-451B-B23E-B0087838EDE4}"/>
+              </a:ext>
+            </a:extLst>
+          </p:cNvPr>
+          <p:cNvSpPr>
+            <a:spLocks noChangeArrowheads="1"/>
+          </p:cNvSpPr>
+          <p:nvPr/>
+        </p:nvSpPr>
+        <p:spPr bwMode="auto">
+          <a:xfrm>
+            <a:off x="0" y="9975"/>
+            <a:ext cx="65" cy="437249"/>
+          </a:xfrm>
+          <a:prstGeom prst="rect">
+            <a:avLst/>
+          </a:prstGeom>
+          <a:solidFill>
+            <a:srgbClr val="FAFAFA"/>
+          </a:solidFill>
+          <a:ln>
+            <a:noFill/>
+          </a:ln>
+          <a:effectLst/>
+          <a:extLst>
+            <a:ext uri="{91240B29-F687-4F45-9708-019B960494DF}">
+              <a14:hiddenLine xmlns:a14="http://schemas.microsoft.com/office/drawing/2010/main" w="9525">
+                <a:solidFill>
+                  <a:schemeClr val="tx1"/>
+                </a:solidFill>
+                <a:miter lim="800000"/>
+                <a:headEnd/>
+                <a:tailEnd/>
+              </a14:hiddenLine>
+            </a:ext>
+            <a:ext uri="{AF507438-7753-43E0-B8FC-AC1667EBCBE1}">
+              <a14:hiddenEffects xmlns:a14="http://schemas.microsoft.com/office/drawing/2010/main">
+                <a:effectLst>
+                  <a:outerShdw dist="35921" dir="2700000" algn="ctr" rotWithShape="0">
+                    <a:schemeClr val="bg2"/>
+                  </a:outerShdw>
+                </a:effectLst>
+              </a14:hiddenEffects>
+            </a:ext>
+          </a:extLst>
+        </p:spPr>
+        <p:txBody>
+          <a:bodyPr vert="horz" wrap="none" lIns="0" tIns="0" rIns="0" bIns="158700" numCol="1" anchor="ctr" anchorCtr="0" compatLnSpc="1">
+            <a:prstTxWarp prst="textNoShape">
+              <a:avLst/>
+            </a:prstTxWarp>
+            <a:spAutoFit/>
+          </a:bodyPr>
+          <a:lstStyle/>
+          <a:p>
+            <a:pPr marL="0" marR="0" lvl="0" indent="0" algn="l" defTabSz="914400" rtl="0" eaLnBrk="0" fontAlgn="base" latinLnBrk="0" hangingPunct="0">
+              <a:lnSpc>
+                <a:spcPct val="100000"/>
+              </a:lnSpc>
+              <a:spcBef>
+                <a:spcPct val="0"/>
+              </a:spcBef>
+              <a:spcAft>
+                <a:spcPct val="0"/>
+              </a:spcAft>
+              <a:buClrTx/>
+              <a:buSzTx/>
+              <a:buFontTx/>
+              <a:buNone/>
+              <a:tabLst/>
+            </a:pPr>
+            <a:endParaRPr kumimoji="0" lang="zh-CN" altLang="zh-CN" sz="1800" b="0" i="0" u="none" strike="noStrike" cap="none" normalizeH="0" baseline="0" dirty="0">
+              <a:ln>
+                <a:noFill/>
+              </a:ln>
+              <a:solidFill>
+                <a:schemeClr val="tx1"/>
+              </a:solidFill>
+              <a:effectLst/>
+              <a:latin typeface="Arial" panose="020B0604020202020204" pitchFamily="34" charset="0"/>
+            </a:endParaRPr>
+          </a:p>
+        </p:txBody>
+      </p:sp>
+      <p:pic>
+        <p:nvPicPr>
+          <p:cNvPr id="2" name="图片 1">
+            <a:extLst>
+              <a:ext uri="{FF2B5EF4-FFF2-40B4-BE49-F238E27FC236}">
+                <a16:creationId xmlns:a16="http://schemas.microsoft.com/office/drawing/2014/main" id="{5924572A-AAC5-4796-A34C-18FE7C2CD263}"/>
+              </a:ext>
+            </a:extLst>
+          </p:cNvPr>
+          <p:cNvPicPr>
+            <a:picLocks noChangeAspect="1"/>
+          </p:cNvPicPr>
+          <p:nvPr/>
+        </p:nvPicPr>
+        <p:blipFill>
+          <a:blip r:embed="rId2"/>
+          <a:stretch>
+            <a:fillRect/>
+          </a:stretch>
+        </p:blipFill>
+        <p:spPr>
+          <a:xfrm>
+            <a:off x="0" y="1725420"/>
+            <a:ext cx="9144000" cy="4766178"/>
+          </a:xfrm>
+          <a:prstGeom prst="rect">
+            <a:avLst/>
+          </a:prstGeom>
+        </p:spPr>
+      </p:pic>
+    </p:spTree>
+    <p:extLst>
+      <p:ext uri="{BB962C8B-B14F-4D97-AF65-F5344CB8AC3E}">
+        <p14:creationId xmlns:p14="http://schemas.microsoft.com/office/powerpoint/2010/main" val="770527835"/>
+      </p:ext>
+    </p:extLst>
+  </p:cSld>
+  <p:clrMapOvr>
+    <a:masterClrMapping/>
+  </p:clrMapOvr>
+</p:sld>
+</file>
+
+<file path=ppt/slides/slide111.xml><?xml version="1.0" encoding="utf-8"?>
+<p:sld xmlns:a="http://schemas.openxmlformats.org/drawingml/2006/main" xmlns:r="http://schemas.openxmlformats.org/officeDocument/2006/relationships" xmlns:p="http://schemas.openxmlformats.org/presentationml/2006/main">
+  <p:cSld>
+    <p:spTree>
+      <p:nvGrpSpPr>
+        <p:cNvPr id="1" name=""/>
+        <p:cNvGrpSpPr/>
+        <p:nvPr/>
+      </p:nvGrpSpPr>
+      <p:grpSpPr>
+        <a:xfrm>
+          <a:off x="0" y="0"/>
+          <a:ext cx="0" cy="0"/>
+          <a:chOff x="0" y="0"/>
+          <a:chExt cx="0" cy="0"/>
+        </a:xfrm>
+      </p:grpSpPr>
+      <p:sp>
+        <p:nvSpPr>
+          <p:cNvPr id="7" name="文本占位符 6">
+            <a:extLst>
+              <a:ext uri="{FF2B5EF4-FFF2-40B4-BE49-F238E27FC236}">
+                <a16:creationId xmlns:a16="http://schemas.microsoft.com/office/drawing/2014/main" id="{000CD429-8B8A-465F-93FE-E390B46B6227}"/>
+              </a:ext>
+            </a:extLst>
+          </p:cNvPr>
+          <p:cNvSpPr>
+            <a:spLocks noGrp="1"/>
+          </p:cNvSpPr>
+          <p:nvPr>
+            <p:ph type="body" sz="quarter" idx="10"/>
+          </p:nvPr>
+        </p:nvSpPr>
+        <p:spPr/>
+        <p:txBody>
+          <a:bodyPr/>
+          <a:lstStyle/>
+          <a:p>
+            <a:r>
+              <a:rPr lang="en-US" altLang="zh-CN" dirty="0"/>
+              <a:t>Dynamic Proxies</a:t>
+            </a:r>
+          </a:p>
+          <a:p>
+            <a:endParaRPr lang="zh-CN" altLang="en-US" dirty="0"/>
+          </a:p>
+        </p:txBody>
+      </p:sp>
+      <p:sp>
+        <p:nvSpPr>
+          <p:cNvPr id="3" name="Rectangle 2">
+            <a:extLst>
+              <a:ext uri="{FF2B5EF4-FFF2-40B4-BE49-F238E27FC236}">
+                <a16:creationId xmlns:a16="http://schemas.microsoft.com/office/drawing/2014/main" id="{01A1A1F6-A639-408C-A630-76C5D9A6FDD0}"/>
+              </a:ext>
+            </a:extLst>
+          </p:cNvPr>
+          <p:cNvSpPr>
+            <a:spLocks noChangeArrowheads="1"/>
+          </p:cNvSpPr>
+          <p:nvPr/>
+        </p:nvSpPr>
+        <p:spPr bwMode="auto">
+          <a:xfrm>
+            <a:off x="0" y="9975"/>
+            <a:ext cx="65" cy="437249"/>
+          </a:xfrm>
+          <a:prstGeom prst="rect">
+            <a:avLst/>
+          </a:prstGeom>
+          <a:solidFill>
+            <a:srgbClr val="FAFAFA"/>
+          </a:solidFill>
+          <a:ln>
+            <a:noFill/>
+          </a:ln>
+          <a:effectLst/>
+          <a:extLst>
+            <a:ext uri="{91240B29-F687-4F45-9708-019B960494DF}">
+              <a14:hiddenLine xmlns:a14="http://schemas.microsoft.com/office/drawing/2010/main" w="9525">
+                <a:solidFill>
+                  <a:schemeClr val="tx1"/>
+                </a:solidFill>
+                <a:miter lim="800000"/>
+                <a:headEnd/>
+                <a:tailEnd/>
+              </a14:hiddenLine>
+            </a:ext>
+            <a:ext uri="{AF507438-7753-43E0-B8FC-AC1667EBCBE1}">
+              <a14:hiddenEffects xmlns:a14="http://schemas.microsoft.com/office/drawing/2010/main">
+                <a:effectLst>
+                  <a:outerShdw dist="35921" dir="2700000" algn="ctr" rotWithShape="0">
+                    <a:schemeClr val="bg2"/>
+                  </a:outerShdw>
+                </a:effectLst>
+              </a14:hiddenEffects>
+            </a:ext>
+          </a:extLst>
+        </p:spPr>
+        <p:txBody>
+          <a:bodyPr vert="horz" wrap="none" lIns="0" tIns="0" rIns="0" bIns="158700" numCol="1" anchor="ctr" anchorCtr="0" compatLnSpc="1">
+            <a:prstTxWarp prst="textNoShape">
+              <a:avLst/>
+            </a:prstTxWarp>
+            <a:spAutoFit/>
+          </a:bodyPr>
+          <a:lstStyle/>
+          <a:p>
+            <a:pPr marL="0" marR="0" lvl="0" indent="0" algn="l" defTabSz="914400" rtl="0" eaLnBrk="0" fontAlgn="base" latinLnBrk="0" hangingPunct="0">
+              <a:lnSpc>
+                <a:spcPct val="100000"/>
+              </a:lnSpc>
+              <a:spcBef>
+                <a:spcPct val="0"/>
+              </a:spcBef>
+              <a:spcAft>
+                <a:spcPct val="0"/>
+              </a:spcAft>
+              <a:buClrTx/>
+              <a:buSzTx/>
+              <a:buFontTx/>
+              <a:buNone/>
+              <a:tabLst/>
+            </a:pPr>
+            <a:endParaRPr kumimoji="0" lang="zh-CN" altLang="zh-CN" sz="1800" b="0" i="0" u="none" strike="noStrike" cap="none" normalizeH="0" baseline="0" dirty="0">
+              <a:ln>
+                <a:noFill/>
+              </a:ln>
+              <a:solidFill>
+                <a:schemeClr val="tx1"/>
+              </a:solidFill>
+              <a:effectLst/>
+              <a:latin typeface="Arial" panose="020B0604020202020204" pitchFamily="34" charset="0"/>
+            </a:endParaRPr>
+          </a:p>
+        </p:txBody>
+      </p:sp>
+      <p:sp>
+        <p:nvSpPr>
+          <p:cNvPr id="5" name="Rectangle 3">
+            <a:extLst>
+              <a:ext uri="{FF2B5EF4-FFF2-40B4-BE49-F238E27FC236}">
+                <a16:creationId xmlns:a16="http://schemas.microsoft.com/office/drawing/2014/main" id="{D4B32E63-E570-451B-B23E-B0087838EDE4}"/>
+              </a:ext>
+            </a:extLst>
+          </p:cNvPr>
+          <p:cNvSpPr>
+            <a:spLocks noChangeArrowheads="1"/>
+          </p:cNvSpPr>
+          <p:nvPr/>
+        </p:nvSpPr>
+        <p:spPr bwMode="auto">
+          <a:xfrm>
+            <a:off x="0" y="9975"/>
+            <a:ext cx="65" cy="437249"/>
+          </a:xfrm>
+          <a:prstGeom prst="rect">
+            <a:avLst/>
+          </a:prstGeom>
+          <a:solidFill>
+            <a:srgbClr val="FAFAFA"/>
+          </a:solidFill>
+          <a:ln>
+            <a:noFill/>
+          </a:ln>
+          <a:effectLst/>
+          <a:extLst>
+            <a:ext uri="{91240B29-F687-4F45-9708-019B960494DF}">
+              <a14:hiddenLine xmlns:a14="http://schemas.microsoft.com/office/drawing/2010/main" w="9525">
+                <a:solidFill>
+                  <a:schemeClr val="tx1"/>
+                </a:solidFill>
+                <a:miter lim="800000"/>
+                <a:headEnd/>
+                <a:tailEnd/>
+              </a14:hiddenLine>
+            </a:ext>
+            <a:ext uri="{AF507438-7753-43E0-B8FC-AC1667EBCBE1}">
+              <a14:hiddenEffects xmlns:a14="http://schemas.microsoft.com/office/drawing/2010/main">
+                <a:effectLst>
+                  <a:outerShdw dist="35921" dir="2700000" algn="ctr" rotWithShape="0">
+                    <a:schemeClr val="bg2"/>
+                  </a:outerShdw>
+                </a:effectLst>
+              </a14:hiddenEffects>
+            </a:ext>
+          </a:extLst>
+        </p:spPr>
+        <p:txBody>
+          <a:bodyPr vert="horz" wrap="none" lIns="0" tIns="0" rIns="0" bIns="158700" numCol="1" anchor="ctr" anchorCtr="0" compatLnSpc="1">
+            <a:prstTxWarp prst="textNoShape">
+              <a:avLst/>
+            </a:prstTxWarp>
+            <a:spAutoFit/>
+          </a:bodyPr>
+          <a:lstStyle/>
+          <a:p>
+            <a:pPr marL="0" marR="0" lvl="0" indent="0" algn="l" defTabSz="914400" rtl="0" eaLnBrk="0" fontAlgn="base" latinLnBrk="0" hangingPunct="0">
+              <a:lnSpc>
+                <a:spcPct val="100000"/>
+              </a:lnSpc>
+              <a:spcBef>
+                <a:spcPct val="0"/>
+              </a:spcBef>
+              <a:spcAft>
+                <a:spcPct val="0"/>
+              </a:spcAft>
+              <a:buClrTx/>
+              <a:buSzTx/>
+              <a:buFontTx/>
+              <a:buNone/>
+              <a:tabLst/>
+            </a:pPr>
+            <a:endParaRPr kumimoji="0" lang="zh-CN" altLang="zh-CN" sz="1800" b="0" i="0" u="none" strike="noStrike" cap="none" normalizeH="0" baseline="0" dirty="0">
+              <a:ln>
+                <a:noFill/>
+              </a:ln>
+              <a:solidFill>
+                <a:schemeClr val="tx1"/>
+              </a:solidFill>
+              <a:effectLst/>
+              <a:latin typeface="Arial" panose="020B0604020202020204" pitchFamily="34" charset="0"/>
+            </a:endParaRPr>
+          </a:p>
+        </p:txBody>
+      </p:sp>
+      <p:pic>
+        <p:nvPicPr>
+          <p:cNvPr id="4" name="图片 3">
+            <a:extLst>
+              <a:ext uri="{FF2B5EF4-FFF2-40B4-BE49-F238E27FC236}">
+                <a16:creationId xmlns:a16="http://schemas.microsoft.com/office/drawing/2014/main" id="{331EAC33-ED15-4C07-90AD-4A8DC3D4034E}"/>
+              </a:ext>
+            </a:extLst>
+          </p:cNvPr>
+          <p:cNvPicPr>
+            <a:picLocks noChangeAspect="1"/>
+          </p:cNvPicPr>
+          <p:nvPr/>
+        </p:nvPicPr>
+        <p:blipFill>
+          <a:blip r:embed="rId2"/>
+          <a:stretch>
+            <a:fillRect/>
+          </a:stretch>
+        </p:blipFill>
+        <p:spPr>
+          <a:xfrm>
+            <a:off x="0" y="1867668"/>
+            <a:ext cx="9144000" cy="3256888"/>
+          </a:xfrm>
+          <a:prstGeom prst="rect">
+            <a:avLst/>
+          </a:prstGeom>
+        </p:spPr>
+      </p:pic>
+    </p:spTree>
+    <p:extLst>
+      <p:ext uri="{BB962C8B-B14F-4D97-AF65-F5344CB8AC3E}">
+        <p14:creationId xmlns:p14="http://schemas.microsoft.com/office/powerpoint/2010/main" val="3157020178"/>
+      </p:ext>
+    </p:extLst>
+  </p:cSld>
+  <p:clrMapOvr>
+    <a:masterClrMapping/>
+  </p:clrMapOvr>
+</p:sld>
+</file>
+
+<file path=ppt/slides/slide112.xml><?xml version="1.0" encoding="utf-8"?>
+<p:sld xmlns:a="http://schemas.openxmlformats.org/drawingml/2006/main" xmlns:r="http://schemas.openxmlformats.org/officeDocument/2006/relationships" xmlns:p="http://schemas.openxmlformats.org/presentationml/2006/main">
+  <p:cSld>
+    <p:spTree>
+      <p:nvGrpSpPr>
+        <p:cNvPr id="1" name=""/>
+        <p:cNvGrpSpPr/>
+        <p:nvPr/>
+      </p:nvGrpSpPr>
+      <p:grpSpPr>
+        <a:xfrm>
+          <a:off x="0" y="0"/>
+          <a:ext cx="0" cy="0"/>
+          <a:chOff x="0" y="0"/>
+          <a:chExt cx="0" cy="0"/>
+        </a:xfrm>
+      </p:grpSpPr>
+      <p:sp>
+        <p:nvSpPr>
+          <p:cNvPr id="7" name="文本占位符 6">
+            <a:extLst>
+              <a:ext uri="{FF2B5EF4-FFF2-40B4-BE49-F238E27FC236}">
+                <a16:creationId xmlns:a16="http://schemas.microsoft.com/office/drawing/2014/main" id="{000CD429-8B8A-465F-93FE-E390B46B6227}"/>
+              </a:ext>
+            </a:extLst>
+          </p:cNvPr>
+          <p:cNvSpPr>
+            <a:spLocks noGrp="1"/>
+          </p:cNvSpPr>
+          <p:nvPr>
+            <p:ph type="body" sz="quarter" idx="10"/>
+          </p:nvPr>
+        </p:nvSpPr>
+        <p:spPr/>
+        <p:txBody>
+          <a:bodyPr/>
+          <a:lstStyle/>
+          <a:p>
+            <a:r>
+              <a:rPr lang="en-US" altLang="zh-CN" dirty="0" err="1"/>
+              <a:t>ClassPath</a:t>
+            </a:r>
+            <a:endParaRPr lang="en-US" altLang="zh-CN" dirty="0"/>
+          </a:p>
+          <a:p>
+            <a:endParaRPr lang="zh-CN" altLang="en-US" dirty="0"/>
+          </a:p>
+        </p:txBody>
+      </p:sp>
+      <p:sp>
+        <p:nvSpPr>
+          <p:cNvPr id="3" name="Rectangle 2">
+            <a:extLst>
+              <a:ext uri="{FF2B5EF4-FFF2-40B4-BE49-F238E27FC236}">
+                <a16:creationId xmlns:a16="http://schemas.microsoft.com/office/drawing/2014/main" id="{01A1A1F6-A639-408C-A630-76C5D9A6FDD0}"/>
+              </a:ext>
+            </a:extLst>
+          </p:cNvPr>
+          <p:cNvSpPr>
+            <a:spLocks noChangeArrowheads="1"/>
+          </p:cNvSpPr>
+          <p:nvPr/>
+        </p:nvSpPr>
+        <p:spPr bwMode="auto">
+          <a:xfrm>
+            <a:off x="0" y="9975"/>
+            <a:ext cx="65" cy="437249"/>
+          </a:xfrm>
+          <a:prstGeom prst="rect">
+            <a:avLst/>
+          </a:prstGeom>
+          <a:solidFill>
+            <a:srgbClr val="FAFAFA"/>
+          </a:solidFill>
+          <a:ln>
+            <a:noFill/>
+          </a:ln>
+          <a:effectLst/>
+          <a:extLst>
+            <a:ext uri="{91240B29-F687-4F45-9708-019B960494DF}">
+              <a14:hiddenLine xmlns:a14="http://schemas.microsoft.com/office/drawing/2010/main" w="9525">
+                <a:solidFill>
+                  <a:schemeClr val="tx1"/>
+                </a:solidFill>
+                <a:miter lim="800000"/>
+                <a:headEnd/>
+                <a:tailEnd/>
+              </a14:hiddenLine>
+            </a:ext>
+            <a:ext uri="{AF507438-7753-43E0-B8FC-AC1667EBCBE1}">
+              <a14:hiddenEffects xmlns:a14="http://schemas.microsoft.com/office/drawing/2010/main">
+                <a:effectLst>
+                  <a:outerShdw dist="35921" dir="2700000" algn="ctr" rotWithShape="0">
+                    <a:schemeClr val="bg2"/>
+                  </a:outerShdw>
+                </a:effectLst>
+              </a14:hiddenEffects>
+            </a:ext>
+          </a:extLst>
+        </p:spPr>
+        <p:txBody>
+          <a:bodyPr vert="horz" wrap="none" lIns="0" tIns="0" rIns="0" bIns="158700" numCol="1" anchor="ctr" anchorCtr="0" compatLnSpc="1">
+            <a:prstTxWarp prst="textNoShape">
+              <a:avLst/>
+            </a:prstTxWarp>
+            <a:spAutoFit/>
+          </a:bodyPr>
+          <a:lstStyle/>
+          <a:p>
+            <a:pPr marL="0" marR="0" lvl="0" indent="0" algn="l" defTabSz="914400" rtl="0" eaLnBrk="0" fontAlgn="base" latinLnBrk="0" hangingPunct="0">
+              <a:lnSpc>
+                <a:spcPct val="100000"/>
+              </a:lnSpc>
+              <a:spcBef>
+                <a:spcPct val="0"/>
+              </a:spcBef>
+              <a:spcAft>
+                <a:spcPct val="0"/>
+              </a:spcAft>
+              <a:buClrTx/>
+              <a:buSzTx/>
+              <a:buFontTx/>
+              <a:buNone/>
+              <a:tabLst/>
+            </a:pPr>
+            <a:endParaRPr kumimoji="0" lang="zh-CN" altLang="zh-CN" sz="1800" b="0" i="0" u="none" strike="noStrike" cap="none" normalizeH="0" baseline="0" dirty="0">
+              <a:ln>
+                <a:noFill/>
+              </a:ln>
+              <a:solidFill>
+                <a:schemeClr val="tx1"/>
+              </a:solidFill>
+              <a:effectLst/>
+              <a:latin typeface="Arial" panose="020B0604020202020204" pitchFamily="34" charset="0"/>
+            </a:endParaRPr>
+          </a:p>
+        </p:txBody>
+      </p:sp>
+      <p:sp>
+        <p:nvSpPr>
+          <p:cNvPr id="5" name="Rectangle 3">
+            <a:extLst>
+              <a:ext uri="{FF2B5EF4-FFF2-40B4-BE49-F238E27FC236}">
+                <a16:creationId xmlns:a16="http://schemas.microsoft.com/office/drawing/2014/main" id="{D4B32E63-E570-451B-B23E-B0087838EDE4}"/>
+              </a:ext>
+            </a:extLst>
+          </p:cNvPr>
+          <p:cNvSpPr>
+            <a:spLocks noChangeArrowheads="1"/>
+          </p:cNvSpPr>
+          <p:nvPr/>
+        </p:nvSpPr>
+        <p:spPr bwMode="auto">
+          <a:xfrm>
+            <a:off x="0" y="9975"/>
+            <a:ext cx="65" cy="437249"/>
+          </a:xfrm>
+          <a:prstGeom prst="rect">
+            <a:avLst/>
+          </a:prstGeom>
+          <a:solidFill>
+            <a:srgbClr val="FAFAFA"/>
+          </a:solidFill>
+          <a:ln>
+            <a:noFill/>
+          </a:ln>
+          <a:effectLst/>
+          <a:extLst>
+            <a:ext uri="{91240B29-F687-4F45-9708-019B960494DF}">
+              <a14:hiddenLine xmlns:a14="http://schemas.microsoft.com/office/drawing/2010/main" w="9525">
+                <a:solidFill>
+                  <a:schemeClr val="tx1"/>
+                </a:solidFill>
+                <a:miter lim="800000"/>
+                <a:headEnd/>
+                <a:tailEnd/>
+              </a14:hiddenLine>
+            </a:ext>
+            <a:ext uri="{AF507438-7753-43E0-B8FC-AC1667EBCBE1}">
+              <a14:hiddenEffects xmlns:a14="http://schemas.microsoft.com/office/drawing/2010/main">
+                <a:effectLst>
+                  <a:outerShdw dist="35921" dir="2700000" algn="ctr" rotWithShape="0">
+                    <a:schemeClr val="bg2"/>
+                  </a:outerShdw>
+                </a:effectLst>
+              </a14:hiddenEffects>
+            </a:ext>
+          </a:extLst>
+        </p:spPr>
+        <p:txBody>
+          <a:bodyPr vert="horz" wrap="none" lIns="0" tIns="0" rIns="0" bIns="158700" numCol="1" anchor="ctr" anchorCtr="0" compatLnSpc="1">
+            <a:prstTxWarp prst="textNoShape">
+              <a:avLst/>
+            </a:prstTxWarp>
+            <a:spAutoFit/>
+          </a:bodyPr>
+          <a:lstStyle/>
+          <a:p>
+            <a:pPr marL="0" marR="0" lvl="0" indent="0" algn="l" defTabSz="914400" rtl="0" eaLnBrk="0" fontAlgn="base" latinLnBrk="0" hangingPunct="0">
+              <a:lnSpc>
+                <a:spcPct val="100000"/>
+              </a:lnSpc>
+              <a:spcBef>
+                <a:spcPct val="0"/>
+              </a:spcBef>
+              <a:spcAft>
+                <a:spcPct val="0"/>
+              </a:spcAft>
+              <a:buClrTx/>
+              <a:buSzTx/>
+              <a:buFontTx/>
+              <a:buNone/>
+              <a:tabLst/>
+            </a:pPr>
+            <a:endParaRPr kumimoji="0" lang="zh-CN" altLang="zh-CN" sz="1800" b="0" i="0" u="none" strike="noStrike" cap="none" normalizeH="0" baseline="0" dirty="0">
+              <a:ln>
+                <a:noFill/>
+              </a:ln>
+              <a:solidFill>
+                <a:schemeClr val="tx1"/>
+              </a:solidFill>
+              <a:effectLst/>
+              <a:latin typeface="Arial" panose="020B0604020202020204" pitchFamily="34" charset="0"/>
+            </a:endParaRPr>
+          </a:p>
+        </p:txBody>
+      </p:sp>
+      <p:pic>
+        <p:nvPicPr>
+          <p:cNvPr id="2" name="图片 1">
+            <a:extLst>
+              <a:ext uri="{FF2B5EF4-FFF2-40B4-BE49-F238E27FC236}">
+                <a16:creationId xmlns:a16="http://schemas.microsoft.com/office/drawing/2014/main" id="{D17A7ACB-CA3E-4B97-897B-205229E58998}"/>
+              </a:ext>
+            </a:extLst>
+          </p:cNvPr>
+          <p:cNvPicPr>
+            <a:picLocks noChangeAspect="1"/>
+          </p:cNvPicPr>
+          <p:nvPr/>
+        </p:nvPicPr>
+        <p:blipFill>
+          <a:blip r:embed="rId2"/>
+          <a:stretch>
+            <a:fillRect/>
+          </a:stretch>
+        </p:blipFill>
+        <p:spPr>
+          <a:xfrm>
+            <a:off x="0" y="1726050"/>
+            <a:ext cx="9144000" cy="4244797"/>
+          </a:xfrm>
+          <a:prstGeom prst="rect">
+            <a:avLst/>
+          </a:prstGeom>
+        </p:spPr>
+      </p:pic>
+    </p:spTree>
+    <p:extLst>
+      <p:ext uri="{BB962C8B-B14F-4D97-AF65-F5344CB8AC3E}">
+        <p14:creationId xmlns:p14="http://schemas.microsoft.com/office/powerpoint/2010/main" val="3055056487"/>
+      </p:ext>
+    </p:extLst>
+  </p:cSld>
+  <p:clrMapOvr>
+    <a:masterClrMapping/>
+  </p:clrMapOvr>
+</p:sld>
+</file>
+
+<file path=ppt/slides/slide113.xml><?xml version="1.0" encoding="utf-8"?>
+<p:sld xmlns:a="http://schemas.openxmlformats.org/drawingml/2006/main" xmlns:r="http://schemas.openxmlformats.org/officeDocument/2006/relationships" xmlns:p="http://schemas.openxmlformats.org/presentationml/2006/main">
+  <p:cSld>
+    <p:spTree>
+      <p:nvGrpSpPr>
+        <p:cNvPr id="1" name=""/>
+        <p:cNvGrpSpPr/>
+        <p:nvPr/>
+      </p:nvGrpSpPr>
+      <p:grpSpPr>
+        <a:xfrm>
+          <a:off x="0" y="0"/>
+          <a:ext cx="0" cy="0"/>
+          <a:chOff x="0" y="0"/>
+          <a:chExt cx="0" cy="0"/>
+        </a:xfrm>
+      </p:grpSpPr>
+    </p:spTree>
+    <p:extLst>
+      <p:ext uri="{BB962C8B-B14F-4D97-AF65-F5344CB8AC3E}">
+        <p14:creationId xmlns:p14="http://schemas.microsoft.com/office/powerpoint/2010/main" val="791654222"/>
       </p:ext>
     </p:extLst>
   </p:cSld>

--- a/Guava介绍.pptx
+++ b/Guava介绍.pptx
@@ -5,7 +5,7 @@
     <p:sldMasterId id="2147483676" r:id="rId1"/>
   </p:sldMasterIdLst>
   <p:notesMasterIdLst>
-    <p:notesMasterId r:id="rId115"/>
+    <p:notesMasterId r:id="rId113"/>
   </p:notesMasterIdLst>
   <p:sldIdLst>
     <p:sldId id="256" r:id="rId2"/>
@@ -74,53 +74,51 @@
     <p:sldId id="373" r:id="rId65"/>
     <p:sldId id="311" r:id="rId66"/>
     <p:sldId id="380" r:id="rId67"/>
-    <p:sldId id="381" r:id="rId68"/>
-    <p:sldId id="382" r:id="rId69"/>
-    <p:sldId id="385" r:id="rId70"/>
-    <p:sldId id="383" r:id="rId71"/>
-    <p:sldId id="386" r:id="rId72"/>
-    <p:sldId id="384" r:id="rId73"/>
-    <p:sldId id="387" r:id="rId74"/>
-    <p:sldId id="388" r:id="rId75"/>
-    <p:sldId id="389" r:id="rId76"/>
-    <p:sldId id="312" r:id="rId77"/>
-    <p:sldId id="374" r:id="rId78"/>
-    <p:sldId id="376" r:id="rId79"/>
-    <p:sldId id="375" r:id="rId80"/>
-    <p:sldId id="377" r:id="rId81"/>
-    <p:sldId id="378" r:id="rId82"/>
-    <p:sldId id="379" r:id="rId83"/>
-    <p:sldId id="313" r:id="rId84"/>
-    <p:sldId id="390" r:id="rId85"/>
-    <p:sldId id="391" r:id="rId86"/>
-    <p:sldId id="392" r:id="rId87"/>
-    <p:sldId id="393" r:id="rId88"/>
-    <p:sldId id="394" r:id="rId89"/>
-    <p:sldId id="395" r:id="rId90"/>
-    <p:sldId id="396" r:id="rId91"/>
-    <p:sldId id="314" r:id="rId92"/>
-    <p:sldId id="315" r:id="rId93"/>
-    <p:sldId id="397" r:id="rId94"/>
-    <p:sldId id="398" r:id="rId95"/>
-    <p:sldId id="399" r:id="rId96"/>
-    <p:sldId id="400" r:id="rId97"/>
-    <p:sldId id="401" r:id="rId98"/>
-    <p:sldId id="316" r:id="rId99"/>
-    <p:sldId id="402" r:id="rId100"/>
-    <p:sldId id="403" r:id="rId101"/>
-    <p:sldId id="404" r:id="rId102"/>
-    <p:sldId id="405" r:id="rId103"/>
-    <p:sldId id="406" r:id="rId104"/>
-    <p:sldId id="407" r:id="rId105"/>
-    <p:sldId id="408" r:id="rId106"/>
-    <p:sldId id="409" r:id="rId107"/>
-    <p:sldId id="410" r:id="rId108"/>
-    <p:sldId id="411" r:id="rId109"/>
-    <p:sldId id="412" r:id="rId110"/>
-    <p:sldId id="413" r:id="rId111"/>
-    <p:sldId id="414" r:id="rId112"/>
-    <p:sldId id="415" r:id="rId113"/>
-    <p:sldId id="262" r:id="rId114"/>
+    <p:sldId id="382" r:id="rId68"/>
+    <p:sldId id="385" r:id="rId69"/>
+    <p:sldId id="383" r:id="rId70"/>
+    <p:sldId id="386" r:id="rId71"/>
+    <p:sldId id="384" r:id="rId72"/>
+    <p:sldId id="387" r:id="rId73"/>
+    <p:sldId id="388" r:id="rId74"/>
+    <p:sldId id="389" r:id="rId75"/>
+    <p:sldId id="312" r:id="rId76"/>
+    <p:sldId id="374" r:id="rId77"/>
+    <p:sldId id="376" r:id="rId78"/>
+    <p:sldId id="375" r:id="rId79"/>
+    <p:sldId id="377" r:id="rId80"/>
+    <p:sldId id="378" r:id="rId81"/>
+    <p:sldId id="379" r:id="rId82"/>
+    <p:sldId id="313" r:id="rId83"/>
+    <p:sldId id="390" r:id="rId84"/>
+    <p:sldId id="391" r:id="rId85"/>
+    <p:sldId id="392" r:id="rId86"/>
+    <p:sldId id="393" r:id="rId87"/>
+    <p:sldId id="394" r:id="rId88"/>
+    <p:sldId id="395" r:id="rId89"/>
+    <p:sldId id="396" r:id="rId90"/>
+    <p:sldId id="315" r:id="rId91"/>
+    <p:sldId id="397" r:id="rId92"/>
+    <p:sldId id="398" r:id="rId93"/>
+    <p:sldId id="399" r:id="rId94"/>
+    <p:sldId id="400" r:id="rId95"/>
+    <p:sldId id="401" r:id="rId96"/>
+    <p:sldId id="316" r:id="rId97"/>
+    <p:sldId id="402" r:id="rId98"/>
+    <p:sldId id="403" r:id="rId99"/>
+    <p:sldId id="404" r:id="rId100"/>
+    <p:sldId id="405" r:id="rId101"/>
+    <p:sldId id="406" r:id="rId102"/>
+    <p:sldId id="407" r:id="rId103"/>
+    <p:sldId id="408" r:id="rId104"/>
+    <p:sldId id="409" r:id="rId105"/>
+    <p:sldId id="410" r:id="rId106"/>
+    <p:sldId id="411" r:id="rId107"/>
+    <p:sldId id="412" r:id="rId108"/>
+    <p:sldId id="413" r:id="rId109"/>
+    <p:sldId id="414" r:id="rId110"/>
+    <p:sldId id="415" r:id="rId111"/>
+    <p:sldId id="262" r:id="rId112"/>
   </p:sldIdLst>
   <p:sldSz cx="9144000" cy="6858000" type="screen4x3"/>
   <p:notesSz cx="6858000" cy="9144000"/>
@@ -312,7 +310,7 @@
           <a:p>
             <a:fld id="{11F57BAD-BF52-48AF-9499-9AC6D410CEF6}" type="datetimeFigureOut">
               <a:rPr lang="zh-CN" altLang="en-US" smtClean="0"/>
-              <a:t>2018/12/3</a:t>
+              <a:t>2018/12/20</a:t>
             </a:fld>
             <a:endParaRPr lang="zh-CN" altLang="en-US"/>
           </a:p>
@@ -710,7 +708,7 @@
           <a:p>
             <a:fld id="{A3B2F663-546F-41A6-910A-172E050DEC49}" type="datetimeFigureOut">
               <a:rPr lang="zh-CN" altLang="en-US" smtClean="0"/>
-              <a:t>2018/12/3</a:t>
+              <a:t>2018/12/20</a:t>
             </a:fld>
             <a:endParaRPr lang="zh-CN" altLang="en-US"/>
           </a:p>
@@ -880,7 +878,7 @@
           <a:p>
             <a:fld id="{A3B2F663-546F-41A6-910A-172E050DEC49}" type="datetimeFigureOut">
               <a:rPr lang="zh-CN" altLang="en-US" smtClean="0"/>
-              <a:t>2018/12/3</a:t>
+              <a:t>2018/12/20</a:t>
             </a:fld>
             <a:endParaRPr lang="zh-CN" altLang="en-US"/>
           </a:p>
@@ -1060,7 +1058,7 @@
           <a:p>
             <a:fld id="{A3B2F663-546F-41A6-910A-172E050DEC49}" type="datetimeFigureOut">
               <a:rPr lang="zh-CN" altLang="en-US" smtClean="0"/>
-              <a:t>2018/12/3</a:t>
+              <a:t>2018/12/20</a:t>
             </a:fld>
             <a:endParaRPr lang="zh-CN" altLang="en-US"/>
           </a:p>
@@ -1155,7 +1153,7 @@
           <a:p>
             <a:fld id="{A3B2F663-546F-41A6-910A-172E050DEC49}" type="datetimeFigureOut">
               <a:rPr lang="zh-CN" altLang="en-US" smtClean="0"/>
-              <a:t>2018/12/3</a:t>
+              <a:t>2018/12/20</a:t>
             </a:fld>
             <a:endParaRPr lang="zh-CN" altLang="en-US"/>
           </a:p>
@@ -9155,7 +9153,7 @@
           <a:p>
             <a:fld id="{A3B2F663-546F-41A6-910A-172E050DEC49}" type="datetimeFigureOut">
               <a:rPr lang="zh-CN" altLang="en-US" smtClean="0"/>
-              <a:t>2018/12/3</a:t>
+              <a:t>2018/12/20</a:t>
             </a:fld>
             <a:endParaRPr lang="zh-CN" altLang="en-US"/>
           </a:p>
@@ -9399,7 +9397,7 @@
           <a:p>
             <a:fld id="{A3B2F663-546F-41A6-910A-172E050DEC49}" type="datetimeFigureOut">
               <a:rPr lang="zh-CN" altLang="en-US" smtClean="0"/>
-              <a:t>2018/12/3</a:t>
+              <a:t>2018/12/20</a:t>
             </a:fld>
             <a:endParaRPr lang="zh-CN" altLang="en-US"/>
           </a:p>
@@ -9631,7 +9629,7 @@
           <a:p>
             <a:fld id="{A3B2F663-546F-41A6-910A-172E050DEC49}" type="datetimeFigureOut">
               <a:rPr lang="zh-CN" altLang="en-US" smtClean="0"/>
-              <a:t>2018/12/3</a:t>
+              <a:t>2018/12/20</a:t>
             </a:fld>
             <a:endParaRPr lang="zh-CN" altLang="en-US"/>
           </a:p>
@@ -9998,7 +9996,7 @@
           <a:p>
             <a:fld id="{A3B2F663-546F-41A6-910A-172E050DEC49}" type="datetimeFigureOut">
               <a:rPr lang="zh-CN" altLang="en-US" smtClean="0"/>
-              <a:t>2018/12/3</a:t>
+              <a:t>2018/12/20</a:t>
             </a:fld>
             <a:endParaRPr lang="zh-CN" altLang="en-US"/>
           </a:p>
@@ -10116,7 +10114,7 @@
           <a:p>
             <a:fld id="{A3B2F663-546F-41A6-910A-172E050DEC49}" type="datetimeFigureOut">
               <a:rPr lang="zh-CN" altLang="en-US" smtClean="0"/>
-              <a:t>2018/12/3</a:t>
+              <a:t>2018/12/20</a:t>
             </a:fld>
             <a:endParaRPr lang="zh-CN" altLang="en-US"/>
           </a:p>
@@ -10211,7 +10209,7 @@
           <a:p>
             <a:fld id="{A3B2F663-546F-41A6-910A-172E050DEC49}" type="datetimeFigureOut">
               <a:rPr lang="zh-CN" altLang="en-US" smtClean="0"/>
-              <a:t>2018/12/3</a:t>
+              <a:t>2018/12/20</a:t>
             </a:fld>
             <a:endParaRPr lang="zh-CN" altLang="en-US"/>
           </a:p>
@@ -10488,7 +10486,7 @@
           <a:p>
             <a:fld id="{A3B2F663-546F-41A6-910A-172E050DEC49}" type="datetimeFigureOut">
               <a:rPr lang="zh-CN" altLang="en-US" smtClean="0"/>
-              <a:t>2018/12/3</a:t>
+              <a:t>2018/12/20</a:t>
             </a:fld>
             <a:endParaRPr lang="zh-CN" altLang="en-US"/>
           </a:p>
@@ -10745,7 +10743,7 @@
           <a:p>
             <a:fld id="{A3B2F663-546F-41A6-910A-172E050DEC49}" type="datetimeFigureOut">
               <a:rPr lang="zh-CN" altLang="en-US" smtClean="0"/>
-              <a:t>2018/12/3</a:t>
+              <a:t>2018/12/20</a:t>
             </a:fld>
             <a:endParaRPr lang="zh-CN" altLang="en-US"/>
           </a:p>
@@ -10958,7 +10956,7 @@
           <a:p>
             <a:fld id="{A3B2F663-546F-41A6-910A-172E050DEC49}" type="datetimeFigureOut">
               <a:rPr lang="zh-CN" altLang="en-US" smtClean="0"/>
-              <a:t>2018/12/3</a:t>
+              <a:t>2018/12/20</a:t>
             </a:fld>
             <a:endParaRPr lang="zh-CN" altLang="en-US"/>
           </a:p>
@@ -11873,174 +11871,6 @@
       </p:sp>
       <p:sp>
         <p:nvSpPr>
-          <p:cNvPr id="4" name="矩形 3">
-            <a:extLst>
-              <a:ext uri="{FF2B5EF4-FFF2-40B4-BE49-F238E27FC236}">
-                <a16:creationId xmlns:a16="http://schemas.microsoft.com/office/drawing/2014/main" id="{6137381A-2C39-42D9-9EAF-124A18B0D73B}"/>
-              </a:ext>
-            </a:extLst>
-          </p:cNvPr>
-          <p:cNvSpPr/>
-          <p:nvPr/>
-        </p:nvSpPr>
-        <p:spPr>
-          <a:xfrm>
-            <a:off x="243311" y="1995761"/>
-            <a:ext cx="8607074" cy="2651944"/>
-          </a:xfrm>
-          <a:prstGeom prst="rect">
-            <a:avLst/>
-          </a:prstGeom>
-        </p:spPr>
-        <p:txBody>
-          <a:bodyPr wrap="square">
-            <a:spAutoFit/>
-          </a:bodyPr>
-          <a:lstStyle/>
-          <a:p>
-            <a:pPr marL="342900" indent="-342900">
-              <a:buFont typeface="+mj-lt"/>
-              <a:buAutoNum type="arabicPeriod"/>
-            </a:pPr>
-            <a:r>
-              <a:rPr lang="zh-CN" altLang="en-US" dirty="0"/>
-              <a:t>获取一个基本的、原始类的</a:t>
-            </a:r>
-            <a:r>
-              <a:rPr lang="en-US" altLang="zh-CN" dirty="0" err="1"/>
-              <a:t>TypeToken</a:t>
-            </a:r>
-            <a:endParaRPr lang="en-US" altLang="zh-CN" dirty="0"/>
-          </a:p>
-          <a:p>
-            <a:pPr lvl="1"/>
-            <a:r>
-              <a:rPr lang="zh-CN" altLang="zh-CN" dirty="0"/>
-              <a:t>TypeToken&lt;String&gt; stringTok = TypeToken.of(String.class); TypeToken&lt;Integer&gt; intTok = TypeToken.of(Integer.class); </a:t>
-            </a:r>
-          </a:p>
-          <a:p>
-            <a:pPr marL="342900" indent="-342900">
-              <a:buFont typeface="+mj-lt"/>
-              <a:buAutoNum type="arabicPeriod"/>
-            </a:pPr>
-            <a:endParaRPr lang="en-US" altLang="zh-CN" dirty="0"/>
-          </a:p>
-          <a:p>
-            <a:pPr marL="342900" indent="-342900">
-              <a:buFont typeface="+mj-lt"/>
-              <a:buAutoNum type="arabicPeriod"/>
-            </a:pPr>
-            <a:r>
-              <a:rPr lang="zh-CN" altLang="en-US" dirty="0"/>
-              <a:t>为获得一个含有泛型的类型的</a:t>
-            </a:r>
-            <a:r>
-              <a:rPr lang="en-US" altLang="zh-CN" dirty="0" err="1"/>
-              <a:t>TypeToken</a:t>
-            </a:r>
-            <a:r>
-              <a:rPr lang="en-US" altLang="zh-CN" dirty="0"/>
-              <a:t> —— </a:t>
-            </a:r>
-            <a:r>
-              <a:rPr lang="zh-CN" altLang="en-US" dirty="0"/>
-              <a:t>当你知道在编译时的泛型参数类型 </a:t>
-            </a:r>
-            <a:r>
-              <a:rPr lang="en-US" altLang="zh-CN" dirty="0"/>
-              <a:t>—— </a:t>
-            </a:r>
-            <a:r>
-              <a:rPr lang="zh-CN" altLang="en-US" dirty="0"/>
-              <a:t>你使用一个空的匿名内部类：</a:t>
-            </a:r>
-            <a:endParaRPr lang="en-US" altLang="zh-CN" dirty="0"/>
-          </a:p>
-          <a:p>
-            <a:pPr lvl="1"/>
-            <a:r>
-              <a:rPr lang="en-US" altLang="zh-CN" dirty="0" err="1"/>
-              <a:t>TypeToken</a:t>
-            </a:r>
-            <a:r>
-              <a:rPr lang="en-US" altLang="zh-CN" dirty="0"/>
-              <a:t>&lt;List&lt;String&gt;&gt; </a:t>
-            </a:r>
-            <a:r>
-              <a:rPr lang="en-US" altLang="zh-CN" dirty="0" err="1"/>
-              <a:t>stringListTok</a:t>
-            </a:r>
-            <a:r>
-              <a:rPr lang="en-US" altLang="zh-CN" dirty="0"/>
-              <a:t> = new </a:t>
-            </a:r>
-            <a:r>
-              <a:rPr lang="en-US" altLang="zh-CN" dirty="0" err="1"/>
-              <a:t>TypeToken</a:t>
-            </a:r>
-            <a:r>
-              <a:rPr lang="en-US" altLang="zh-CN" dirty="0"/>
-              <a:t>&lt;List&lt;String&gt;&gt;() {} </a:t>
-            </a:r>
-          </a:p>
-          <a:p>
-            <a:pPr lvl="1"/>
-            <a:r>
-              <a:rPr lang="zh-CN" altLang="en-US" dirty="0"/>
-              <a:t>或者你想故意指向一个通配符类型：</a:t>
-            </a:r>
-            <a:endParaRPr lang="en-US" altLang="zh-CN" dirty="0"/>
-          </a:p>
-          <a:p>
-            <a:pPr lvl="1"/>
-            <a:r>
-              <a:rPr lang="en-US" altLang="zh-CN" dirty="0" err="1"/>
-              <a:t>TypeToken</a:t>
-            </a:r>
-            <a:r>
-              <a:rPr lang="en-US" altLang="zh-CN" dirty="0"/>
-              <a:t>&lt;Map&lt;?, ?&gt;&gt; </a:t>
-            </a:r>
-            <a:r>
-              <a:rPr lang="en-US" altLang="zh-CN" dirty="0" err="1"/>
-              <a:t>wildMapTok</a:t>
-            </a:r>
-            <a:r>
-              <a:rPr lang="en-US" altLang="zh-CN" dirty="0"/>
-              <a:t> = new </a:t>
-            </a:r>
-            <a:r>
-              <a:rPr lang="en-US" altLang="zh-CN" dirty="0" err="1"/>
-              <a:t>TypeToken</a:t>
-            </a:r>
-            <a:r>
-              <a:rPr lang="en-US" altLang="zh-CN" dirty="0"/>
-              <a:t>&lt;Map&lt;?, ?&gt;&gt;() {}; </a:t>
-            </a:r>
-          </a:p>
-          <a:p>
-            <a:pPr lvl="1"/>
-            <a:endParaRPr lang="en-US" altLang="zh-CN" dirty="0"/>
-          </a:p>
-          <a:p>
-            <a:pPr marL="342900" indent="-342900">
-              <a:buFont typeface="+mj-lt"/>
-              <a:buAutoNum type="arabicPeriod"/>
-            </a:pPr>
-            <a:r>
-              <a:rPr lang="en-US" altLang="zh-CN" dirty="0" err="1"/>
-              <a:t>TypeToken</a:t>
-            </a:r>
-            <a:r>
-              <a:rPr lang="zh-CN" altLang="en-US" dirty="0"/>
-              <a:t>提供了一种方法来动态的解决泛型类型参数，如下所示：</a:t>
-            </a:r>
-          </a:p>
-        </p:txBody>
-      </p:sp>
-      <p:sp>
-        <p:nvSpPr>
           <p:cNvPr id="3" name="Rectangle 2">
             <a:extLst>
               <a:ext uri="{FF2B5EF4-FFF2-40B4-BE49-F238E27FC236}">
@@ -12217,10 +12047,40 @@
           </a:p>
         </p:txBody>
       </p:sp>
+      <p:pic>
+        <p:nvPicPr>
+          <p:cNvPr id="6" name="图片 5">
+            <a:extLst>
+              <a:ext uri="{FF2B5EF4-FFF2-40B4-BE49-F238E27FC236}">
+                <a16:creationId xmlns:a16="http://schemas.microsoft.com/office/drawing/2014/main" id="{9C119450-AE8F-4A7F-ADB2-D05DF835B86F}"/>
+              </a:ext>
+            </a:extLst>
+          </p:cNvPr>
+          <p:cNvPicPr>
+            <a:picLocks noChangeAspect="1"/>
+          </p:cNvPicPr>
+          <p:nvPr/>
+        </p:nvPicPr>
+        <p:blipFill>
+          <a:blip r:embed="rId2"/>
+          <a:stretch>
+            <a:fillRect/>
+          </a:stretch>
+        </p:blipFill>
+        <p:spPr>
+          <a:xfrm>
+            <a:off x="0" y="1799781"/>
+            <a:ext cx="9144000" cy="5842246"/>
+          </a:xfrm>
+          <a:prstGeom prst="rect">
+            <a:avLst/>
+          </a:prstGeom>
+        </p:spPr>
+      </p:pic>
     </p:spTree>
     <p:extLst>
       <p:ext uri="{BB962C8B-B14F-4D97-AF65-F5344CB8AC3E}">
-        <p14:creationId xmlns:p14="http://schemas.microsoft.com/office/powerpoint/2010/main" val="2631260712"/>
+        <p14:creationId xmlns:p14="http://schemas.microsoft.com/office/powerpoint/2010/main" val="451524262"/>
       </p:ext>
     </p:extLst>
   </p:cSld>
@@ -12270,45 +12130,7 @@
           <a:p>
             <a:r>
               <a:rPr lang="zh-CN" altLang="en-US" dirty="0"/>
-              <a:t>介绍</a:t>
-            </a:r>
-          </a:p>
-        </p:txBody>
-      </p:sp>
-      <p:sp>
-        <p:nvSpPr>
-          <p:cNvPr id="4" name="矩形 3">
-            <a:extLst>
-              <a:ext uri="{FF2B5EF4-FFF2-40B4-BE49-F238E27FC236}">
-                <a16:creationId xmlns:a16="http://schemas.microsoft.com/office/drawing/2014/main" id="{6137381A-2C39-42D9-9EAF-124A18B0D73B}"/>
-              </a:ext>
-            </a:extLst>
-          </p:cNvPr>
-          <p:cNvSpPr/>
-          <p:nvPr/>
-        </p:nvSpPr>
-        <p:spPr>
-          <a:xfrm>
-            <a:off x="0" y="1723521"/>
-            <a:ext cx="8607074" cy="325025"/>
-          </a:xfrm>
-          <a:prstGeom prst="rect">
-            <a:avLst/>
-          </a:prstGeom>
-        </p:spPr>
-        <p:txBody>
-          <a:bodyPr wrap="square">
-            <a:spAutoFit/>
-          </a:bodyPr>
-          <a:lstStyle/>
-          <a:p>
-            <a:r>
-              <a:rPr lang="en-US" altLang="zh-CN" dirty="0" err="1"/>
-              <a:t>TypeToken</a:t>
-            </a:r>
-            <a:r>
-              <a:rPr lang="zh-CN" altLang="en-US" dirty="0"/>
-              <a:t>提供了一种方法来动态的解决泛型类型参数，如下所示：</a:t>
+              <a:t>查询</a:t>
             </a:r>
           </a:p>
         </p:txBody>
@@ -12496,7 +12318,7 @@
           <p:cNvPr id="2" name="图片 1">
             <a:extLst>
               <a:ext uri="{FF2B5EF4-FFF2-40B4-BE49-F238E27FC236}">
-                <a16:creationId xmlns:a16="http://schemas.microsoft.com/office/drawing/2014/main" id="{E6B034B3-A296-4D6A-865C-9B63B1A9B7BC}"/>
+                <a16:creationId xmlns:a16="http://schemas.microsoft.com/office/drawing/2014/main" id="{48831BE7-C3BB-4387-B3FF-53E4B715A470}"/>
               </a:ext>
             </a:extLst>
           </p:cNvPr>
@@ -12513,8 +12335,8 @@
         </p:blipFill>
         <p:spPr>
           <a:xfrm>
-            <a:off x="0" y="2048546"/>
-            <a:ext cx="9144000" cy="4657081"/>
+            <a:off x="0" y="1753299"/>
+            <a:ext cx="9135070" cy="6858000"/>
           </a:xfrm>
           <a:prstGeom prst="rect">
             <a:avLst/>
@@ -12524,7 +12346,7 @@
     </p:spTree>
     <p:extLst>
       <p:ext uri="{BB962C8B-B14F-4D97-AF65-F5344CB8AC3E}">
-        <p14:creationId xmlns:p14="http://schemas.microsoft.com/office/powerpoint/2010/main" val="2555365477"/>
+        <p14:creationId xmlns:p14="http://schemas.microsoft.com/office/powerpoint/2010/main" val="3364591239"/>
       </p:ext>
     </p:extLst>
   </p:cSld>
@@ -12573,9 +12395,13 @@
           <a:lstStyle/>
           <a:p>
             <a:r>
-              <a:rPr lang="zh-CN" altLang="en-US" dirty="0"/>
-              <a:t>介绍</a:t>
-            </a:r>
+              <a:rPr lang="en-US" altLang="zh-CN" dirty="0" err="1"/>
+              <a:t>resolveType</a:t>
+            </a:r>
+            <a:endParaRPr lang="en-US" altLang="zh-CN" dirty="0"/>
+          </a:p>
+          <a:p>
+            <a:endParaRPr lang="zh-CN" altLang="en-US" dirty="0"/>
           </a:p>
         </p:txBody>
       </p:sp>
@@ -12759,10 +12585,10 @@
       </p:sp>
       <p:pic>
         <p:nvPicPr>
-          <p:cNvPr id="6" name="图片 5">
+          <p:cNvPr id="4" name="图片 3">
             <a:extLst>
               <a:ext uri="{FF2B5EF4-FFF2-40B4-BE49-F238E27FC236}">
-                <a16:creationId xmlns:a16="http://schemas.microsoft.com/office/drawing/2014/main" id="{9C119450-AE8F-4A7F-ADB2-D05DF835B86F}"/>
+                <a16:creationId xmlns:a16="http://schemas.microsoft.com/office/drawing/2014/main" id="{4767F35F-B3EC-4EA3-BD2A-E42AE79EA348}"/>
               </a:ext>
             </a:extLst>
           </p:cNvPr>
@@ -12779,8 +12605,8 @@
         </p:blipFill>
         <p:spPr>
           <a:xfrm>
-            <a:off x="0" y="1799781"/>
-            <a:ext cx="9144000" cy="5842246"/>
+            <a:off x="0" y="1731545"/>
+            <a:ext cx="9144000" cy="4670035"/>
           </a:xfrm>
           <a:prstGeom prst="rect">
             <a:avLst/>
@@ -12790,7 +12616,7 @@
     </p:spTree>
     <p:extLst>
       <p:ext uri="{BB962C8B-B14F-4D97-AF65-F5344CB8AC3E}">
-        <p14:creationId xmlns:p14="http://schemas.microsoft.com/office/powerpoint/2010/main" val="451524262"/>
+        <p14:creationId xmlns:p14="http://schemas.microsoft.com/office/powerpoint/2010/main" val="3247842179"/>
       </p:ext>
     </p:extLst>
   </p:cSld>
@@ -12839,9 +12665,12 @@
           <a:lstStyle/>
           <a:p>
             <a:r>
-              <a:rPr lang="zh-CN" altLang="en-US" dirty="0"/>
-              <a:t>查询</a:t>
-            </a:r>
+              <a:rPr lang="en-US" altLang="zh-CN" dirty="0"/>
+              <a:t>Invokable</a:t>
+            </a:r>
+          </a:p>
+          <a:p>
+            <a:endParaRPr lang="zh-CN" altLang="en-US" dirty="0"/>
           </a:p>
         </p:txBody>
       </p:sp>
@@ -13025,10 +12854,10 @@
       </p:sp>
       <p:pic>
         <p:nvPicPr>
-          <p:cNvPr id="2" name="图片 1">
+          <p:cNvPr id="6" name="图片 5">
             <a:extLst>
               <a:ext uri="{FF2B5EF4-FFF2-40B4-BE49-F238E27FC236}">
-                <a16:creationId xmlns:a16="http://schemas.microsoft.com/office/drawing/2014/main" id="{48831BE7-C3BB-4387-B3FF-53E4B715A470}"/>
+                <a16:creationId xmlns:a16="http://schemas.microsoft.com/office/drawing/2014/main" id="{EF2F4E4A-EB48-4247-9561-4B62D548FB04}"/>
               </a:ext>
             </a:extLst>
           </p:cNvPr>
@@ -13045,18 +12874,171 @@
         </p:blipFill>
         <p:spPr>
           <a:xfrm>
-            <a:off x="0" y="1753299"/>
-            <a:ext cx="9135070" cy="6858000"/>
+            <a:off x="0" y="2311604"/>
+            <a:ext cx="9144000" cy="3647178"/>
           </a:xfrm>
           <a:prstGeom prst="rect">
             <a:avLst/>
           </a:prstGeom>
         </p:spPr>
       </p:pic>
+      <p:sp>
+        <p:nvSpPr>
+          <p:cNvPr id="2" name="文本框 1">
+            <a:extLst>
+              <a:ext uri="{FF2B5EF4-FFF2-40B4-BE49-F238E27FC236}">
+                <a16:creationId xmlns:a16="http://schemas.microsoft.com/office/drawing/2014/main" id="{0902C42A-609E-4ADF-BC43-4AEA3A981A98}"/>
+              </a:ext>
+            </a:extLst>
+          </p:cNvPr>
+          <p:cNvSpPr txBox="1"/>
+          <p:nvPr/>
+        </p:nvSpPr>
+        <p:spPr>
+          <a:xfrm>
+            <a:off x="142749" y="1741017"/>
+            <a:ext cx="5376672" cy="755913"/>
+          </a:xfrm>
+          <a:prstGeom prst="rect">
+            <a:avLst/>
+          </a:prstGeom>
+          <a:noFill/>
+        </p:spPr>
+        <p:txBody>
+          <a:bodyPr wrap="square" rtlCol="0">
+            <a:spAutoFit/>
+          </a:bodyPr>
+          <a:lstStyle/>
+          <a:p>
+            <a:r>
+              <a:rPr lang="zh-CN" altLang="zh-CN" sz="1400" dirty="0">
+                <a:solidFill>
+                  <a:srgbClr val="000000"/>
+                </a:solidFill>
+                <a:latin typeface="Consolas" panose="020B0609020204030204" pitchFamily="49" charset="0"/>
+              </a:rPr>
+              <a:t>Invokable&lt;?, Object&gt; invokable = Invokable.</a:t>
+            </a:r>
+            <a:r>
+              <a:rPr lang="zh-CN" altLang="zh-CN" sz="1400" i="1" dirty="0">
+                <a:solidFill>
+                  <a:srgbClr val="000000"/>
+                </a:solidFill>
+                <a:latin typeface="Consolas" panose="020B0609020204030204" pitchFamily="49" charset="0"/>
+              </a:rPr>
+              <a:t>from</a:t>
+            </a:r>
+            <a:r>
+              <a:rPr lang="zh-CN" altLang="zh-CN" sz="1400" dirty="0">
+                <a:solidFill>
+                  <a:srgbClr val="000000"/>
+                </a:solidFill>
+                <a:latin typeface="Consolas" panose="020B0609020204030204" pitchFamily="49" charset="0"/>
+              </a:rPr>
+              <a:t>(method);</a:t>
+            </a:r>
+            <a:endParaRPr lang="zh-CN" altLang="zh-CN" sz="1600" dirty="0">
+              <a:latin typeface="Arial" panose="020B0604020202020204" pitchFamily="34" charset="0"/>
+            </a:endParaRPr>
+          </a:p>
+          <a:p>
+            <a:endParaRPr lang="zh-CN" altLang="en-US" dirty="0"/>
+          </a:p>
+        </p:txBody>
+      </p:sp>
+      <p:sp>
+        <p:nvSpPr>
+          <p:cNvPr id="4" name="Rectangle 1">
+            <a:extLst>
+              <a:ext uri="{FF2B5EF4-FFF2-40B4-BE49-F238E27FC236}">
+                <a16:creationId xmlns:a16="http://schemas.microsoft.com/office/drawing/2014/main" id="{593004A1-5ECA-4C4A-A4E3-43441F4FE899}"/>
+              </a:ext>
+            </a:extLst>
+          </p:cNvPr>
+          <p:cNvSpPr>
+            <a:spLocks noChangeArrowheads="1"/>
+          </p:cNvSpPr>
+          <p:nvPr/>
+        </p:nvSpPr>
+        <p:spPr bwMode="auto">
+          <a:xfrm>
+            <a:off x="0" y="43934"/>
+            <a:ext cx="184731" cy="369332"/>
+          </a:xfrm>
+          <a:prstGeom prst="rect">
+            <a:avLst/>
+          </a:prstGeom>
+          <a:solidFill>
+            <a:srgbClr val="FFFFFF"/>
+          </a:solidFill>
+          <a:ln>
+            <a:noFill/>
+          </a:ln>
+          <a:effectLst/>
+          <a:extLst>
+            <a:ext uri="{91240B29-F687-4F45-9708-019B960494DF}">
+              <a14:hiddenLine xmlns:a14="http://schemas.microsoft.com/office/drawing/2010/main" w="9525">
+                <a:solidFill>
+                  <a:schemeClr val="tx1"/>
+                </a:solidFill>
+                <a:miter lim="800000"/>
+                <a:headEnd/>
+                <a:tailEnd/>
+              </a14:hiddenLine>
+            </a:ext>
+            <a:ext uri="{AF507438-7753-43E0-B8FC-AC1667EBCBE1}">
+              <a14:hiddenEffects xmlns:a14="http://schemas.microsoft.com/office/drawing/2010/main">
+                <a:effectLst>
+                  <a:outerShdw dist="35921" dir="2700000" algn="ctr" rotWithShape="0">
+                    <a:schemeClr val="bg2"/>
+                  </a:outerShdw>
+                </a:effectLst>
+              </a14:hiddenEffects>
+            </a:ext>
+          </a:extLst>
+        </p:spPr>
+        <p:txBody>
+          <a:bodyPr vert="horz" wrap="none" lIns="91440" tIns="45720" rIns="91440" bIns="45720" numCol="1" anchor="ctr" anchorCtr="0" compatLnSpc="1">
+            <a:prstTxWarp prst="textNoShape">
+              <a:avLst/>
+            </a:prstTxWarp>
+            <a:spAutoFit/>
+          </a:bodyPr>
+          <a:lstStyle/>
+          <a:p>
+            <a:pPr marL="0" marR="0" lvl="0" indent="0" algn="l" defTabSz="914400" rtl="0" eaLnBrk="0" fontAlgn="base" latinLnBrk="0" hangingPunct="0">
+              <a:lnSpc>
+                <a:spcPct val="100000"/>
+              </a:lnSpc>
+              <a:spcBef>
+                <a:spcPct val="0"/>
+              </a:spcBef>
+              <a:spcAft>
+                <a:spcPct val="0"/>
+              </a:spcAft>
+              <a:buClrTx/>
+              <a:buSzTx/>
+              <a:buFontTx/>
+              <a:buNone/>
+              <a:tabLst/>
+            </a:pPr>
+            <a:endParaRPr kumimoji="0" lang="zh-CN" altLang="zh-CN" sz="1800" b="0" i="0" u="none" strike="noStrike" cap="none" normalizeH="0" baseline="0" dirty="0">
+              <a:ln>
+                <a:noFill/>
+              </a:ln>
+              <a:solidFill>
+                <a:schemeClr val="tx1"/>
+              </a:solidFill>
+              <a:effectLst/>
+              <a:latin typeface="Arial" panose="020B0604020202020204" pitchFamily="34" charset="0"/>
+            </a:endParaRPr>
+          </a:p>
+        </p:txBody>
+      </p:sp>
     </p:spTree>
     <p:extLst>
       <p:ext uri="{BB962C8B-B14F-4D97-AF65-F5344CB8AC3E}">
-        <p14:creationId xmlns:p14="http://schemas.microsoft.com/office/powerpoint/2010/main" val="3364591239"/>
+        <p14:creationId xmlns:p14="http://schemas.microsoft.com/office/powerpoint/2010/main" val="2790412433"/>
       </p:ext>
     </p:extLst>
   </p:cSld>
@@ -13105,9 +13087,11 @@
           <a:lstStyle/>
           <a:p>
             <a:r>
-              <a:rPr lang="en-US" altLang="zh-CN" dirty="0" err="1"/>
-              <a:t>resolveType</a:t>
-            </a:r>
+              <a:rPr lang="en-US" altLang="zh-CN" dirty="0"/>
+              <a:t>Invokable</a:t>
+            </a:r>
+          </a:p>
+          <a:p>
             <a:endParaRPr lang="en-US" altLang="zh-CN" dirty="0"/>
           </a:p>
           <a:p>
@@ -13295,10 +13279,10 @@
       </p:sp>
       <p:pic>
         <p:nvPicPr>
-          <p:cNvPr id="4" name="图片 3">
+          <p:cNvPr id="2" name="图片 1">
             <a:extLst>
               <a:ext uri="{FF2B5EF4-FFF2-40B4-BE49-F238E27FC236}">
-                <a16:creationId xmlns:a16="http://schemas.microsoft.com/office/drawing/2014/main" id="{4767F35F-B3EC-4EA3-BD2A-E42AE79EA348}"/>
+                <a16:creationId xmlns:a16="http://schemas.microsoft.com/office/drawing/2014/main" id="{738BED7A-90E4-4AB5-B508-6E8D87D10417}"/>
               </a:ext>
             </a:extLst>
           </p:cNvPr>
@@ -13315,8 +13299,8 @@
         </p:blipFill>
         <p:spPr>
           <a:xfrm>
-            <a:off x="0" y="1731545"/>
-            <a:ext cx="9144000" cy="4670035"/>
+            <a:off x="0" y="1712993"/>
+            <a:ext cx="9144000" cy="2878342"/>
           </a:xfrm>
           <a:prstGeom prst="rect">
             <a:avLst/>
@@ -13326,7 +13310,7 @@
     </p:spTree>
     <p:extLst>
       <p:ext uri="{BB962C8B-B14F-4D97-AF65-F5344CB8AC3E}">
-        <p14:creationId xmlns:p14="http://schemas.microsoft.com/office/powerpoint/2010/main" val="3247842179"/>
+        <p14:creationId xmlns:p14="http://schemas.microsoft.com/office/powerpoint/2010/main" val="3826014981"/>
       </p:ext>
     </p:extLst>
   </p:cSld>
@@ -13567,10 +13551,10 @@
       </p:sp>
       <p:pic>
         <p:nvPicPr>
-          <p:cNvPr id="6" name="图片 5">
+          <p:cNvPr id="4" name="图片 3">
             <a:extLst>
               <a:ext uri="{FF2B5EF4-FFF2-40B4-BE49-F238E27FC236}">
-                <a16:creationId xmlns:a16="http://schemas.microsoft.com/office/drawing/2014/main" id="{EF2F4E4A-EB48-4247-9561-4B62D548FB04}"/>
+                <a16:creationId xmlns:a16="http://schemas.microsoft.com/office/drawing/2014/main" id="{73ABEE9D-4441-4243-BC40-B9146A70322B}"/>
               </a:ext>
             </a:extLst>
           </p:cNvPr>
@@ -13587,8 +13571,8 @@
         </p:blipFill>
         <p:spPr>
           <a:xfrm>
-            <a:off x="0" y="1901267"/>
-            <a:ext cx="9144000" cy="3625917"/>
+            <a:off x="0" y="1763640"/>
+            <a:ext cx="9144000" cy="3783724"/>
           </a:xfrm>
           <a:prstGeom prst="rect">
             <a:avLst/>
@@ -13598,7 +13582,7 @@
     </p:spTree>
     <p:extLst>
       <p:ext uri="{BB962C8B-B14F-4D97-AF65-F5344CB8AC3E}">
-        <p14:creationId xmlns:p14="http://schemas.microsoft.com/office/powerpoint/2010/main" val="2790412433"/>
+        <p14:creationId xmlns:p14="http://schemas.microsoft.com/office/powerpoint/2010/main" val="2744802787"/>
       </p:ext>
     </p:extLst>
   </p:cSld>
@@ -13842,7 +13826,7 @@
           <p:cNvPr id="2" name="图片 1">
             <a:extLst>
               <a:ext uri="{FF2B5EF4-FFF2-40B4-BE49-F238E27FC236}">
-                <a16:creationId xmlns:a16="http://schemas.microsoft.com/office/drawing/2014/main" id="{738BED7A-90E4-4AB5-B508-6E8D87D10417}"/>
+                <a16:creationId xmlns:a16="http://schemas.microsoft.com/office/drawing/2014/main" id="{6CA6D99D-01B4-4003-A32F-BD56BC581D2D}"/>
               </a:ext>
             </a:extLst>
           </p:cNvPr>
@@ -13859,8 +13843,8 @@
         </p:blipFill>
         <p:spPr>
           <a:xfrm>
-            <a:off x="0" y="1712993"/>
-            <a:ext cx="9144000" cy="2878342"/>
+            <a:off x="0" y="1750811"/>
+            <a:ext cx="9144000" cy="4346277"/>
           </a:xfrm>
           <a:prstGeom prst="rect">
             <a:avLst/>
@@ -13870,7 +13854,7 @@
     </p:spTree>
     <p:extLst>
       <p:ext uri="{BB962C8B-B14F-4D97-AF65-F5344CB8AC3E}">
-        <p14:creationId xmlns:p14="http://schemas.microsoft.com/office/powerpoint/2010/main" val="3826014981"/>
+        <p14:creationId xmlns:p14="http://schemas.microsoft.com/office/powerpoint/2010/main" val="2506920954"/>
       </p:ext>
     </p:extLst>
   </p:cSld>
@@ -14114,7 +14098,7 @@
           <p:cNvPr id="4" name="图片 3">
             <a:extLst>
               <a:ext uri="{FF2B5EF4-FFF2-40B4-BE49-F238E27FC236}">
-                <a16:creationId xmlns:a16="http://schemas.microsoft.com/office/drawing/2014/main" id="{73ABEE9D-4441-4243-BC40-B9146A70322B}"/>
+                <a16:creationId xmlns:a16="http://schemas.microsoft.com/office/drawing/2014/main" id="{EBF9634B-F554-4931-9C36-DE3B3EF579A4}"/>
               </a:ext>
             </a:extLst>
           </p:cNvPr>
@@ -14131,8 +14115,8 @@
         </p:blipFill>
         <p:spPr>
           <a:xfrm>
-            <a:off x="0" y="1763640"/>
-            <a:ext cx="9144000" cy="3783724"/>
+            <a:off x="0" y="1720778"/>
+            <a:ext cx="9144000" cy="4674792"/>
           </a:xfrm>
           <a:prstGeom prst="rect">
             <a:avLst/>
@@ -14142,7 +14126,7 @@
     </p:spTree>
     <p:extLst>
       <p:ext uri="{BB962C8B-B14F-4D97-AF65-F5344CB8AC3E}">
-        <p14:creationId xmlns:p14="http://schemas.microsoft.com/office/powerpoint/2010/main" val="2744802787"/>
+        <p14:creationId xmlns:p14="http://schemas.microsoft.com/office/powerpoint/2010/main" val="3503570949"/>
       </p:ext>
     </p:extLst>
   </p:cSld>
@@ -14192,11 +14176,8 @@
           <a:p>
             <a:r>
               <a:rPr lang="en-US" altLang="zh-CN" dirty="0"/>
-              <a:t>Invokable</a:t>
-            </a:r>
-          </a:p>
-          <a:p>
-            <a:endParaRPr lang="en-US" altLang="zh-CN" dirty="0"/>
+              <a:t>Dynamic Proxies</a:t>
+            </a:r>
           </a:p>
           <a:p>
             <a:endParaRPr lang="zh-CN" altLang="en-US" dirty="0"/>
@@ -14386,7 +14367,7 @@
           <p:cNvPr id="2" name="图片 1">
             <a:extLst>
               <a:ext uri="{FF2B5EF4-FFF2-40B4-BE49-F238E27FC236}">
-                <a16:creationId xmlns:a16="http://schemas.microsoft.com/office/drawing/2014/main" id="{6CA6D99D-01B4-4003-A32F-BD56BC581D2D}"/>
+                <a16:creationId xmlns:a16="http://schemas.microsoft.com/office/drawing/2014/main" id="{5924572A-AAC5-4796-A34C-18FE7C2CD263}"/>
               </a:ext>
             </a:extLst>
           </p:cNvPr>
@@ -14403,8 +14384,8 @@
         </p:blipFill>
         <p:spPr>
           <a:xfrm>
-            <a:off x="0" y="1750811"/>
-            <a:ext cx="9144000" cy="4346277"/>
+            <a:off x="0" y="1725420"/>
+            <a:ext cx="9144000" cy="4766178"/>
           </a:xfrm>
           <a:prstGeom prst="rect">
             <a:avLst/>
@@ -14414,7 +14395,7 @@
     </p:spTree>
     <p:extLst>
       <p:ext uri="{BB962C8B-B14F-4D97-AF65-F5344CB8AC3E}">
-        <p14:creationId xmlns:p14="http://schemas.microsoft.com/office/powerpoint/2010/main" val="2506920954"/>
+        <p14:creationId xmlns:p14="http://schemas.microsoft.com/office/powerpoint/2010/main" val="770527835"/>
       </p:ext>
     </p:extLst>
   </p:cSld>
@@ -14464,11 +14445,8 @@
           <a:p>
             <a:r>
               <a:rPr lang="en-US" altLang="zh-CN" dirty="0"/>
-              <a:t>Invokable</a:t>
-            </a:r>
-          </a:p>
-          <a:p>
-            <a:endParaRPr lang="en-US" altLang="zh-CN" dirty="0"/>
+              <a:t>Dynamic Proxies</a:t>
+            </a:r>
           </a:p>
           <a:p>
             <a:endParaRPr lang="zh-CN" altLang="en-US" dirty="0"/>
@@ -14658,7 +14636,7 @@
           <p:cNvPr id="4" name="图片 3">
             <a:extLst>
               <a:ext uri="{FF2B5EF4-FFF2-40B4-BE49-F238E27FC236}">
-                <a16:creationId xmlns:a16="http://schemas.microsoft.com/office/drawing/2014/main" id="{EBF9634B-F554-4931-9C36-DE3B3EF579A4}"/>
+                <a16:creationId xmlns:a16="http://schemas.microsoft.com/office/drawing/2014/main" id="{331EAC33-ED15-4C07-90AD-4A8DC3D4034E}"/>
               </a:ext>
             </a:extLst>
           </p:cNvPr>
@@ -14675,8 +14653,8 @@
         </p:blipFill>
         <p:spPr>
           <a:xfrm>
-            <a:off x="0" y="1720778"/>
-            <a:ext cx="9144000" cy="4674792"/>
+            <a:off x="0" y="1867668"/>
+            <a:ext cx="9144000" cy="3256888"/>
           </a:xfrm>
           <a:prstGeom prst="rect">
             <a:avLst/>
@@ -14686,7 +14664,7 @@
     </p:spTree>
     <p:extLst>
       <p:ext uri="{BB962C8B-B14F-4D97-AF65-F5344CB8AC3E}">
-        <p14:creationId xmlns:p14="http://schemas.microsoft.com/office/powerpoint/2010/main" val="3503570949"/>
+        <p14:creationId xmlns:p14="http://schemas.microsoft.com/office/powerpoint/2010/main" val="3157020178"/>
       </p:ext>
     </p:extLst>
   </p:cSld>
@@ -15007,544 +14985,6 @@
           <a:lstStyle/>
           <a:p>
             <a:r>
-              <a:rPr lang="en-US" altLang="zh-CN" dirty="0"/>
-              <a:t>Dynamic Proxies</a:t>
-            </a:r>
-          </a:p>
-          <a:p>
-            <a:endParaRPr lang="zh-CN" altLang="en-US" dirty="0"/>
-          </a:p>
-        </p:txBody>
-      </p:sp>
-      <p:sp>
-        <p:nvSpPr>
-          <p:cNvPr id="3" name="Rectangle 2">
-            <a:extLst>
-              <a:ext uri="{FF2B5EF4-FFF2-40B4-BE49-F238E27FC236}">
-                <a16:creationId xmlns:a16="http://schemas.microsoft.com/office/drawing/2014/main" id="{01A1A1F6-A639-408C-A630-76C5D9A6FDD0}"/>
-              </a:ext>
-            </a:extLst>
-          </p:cNvPr>
-          <p:cNvSpPr>
-            <a:spLocks noChangeArrowheads="1"/>
-          </p:cNvSpPr>
-          <p:nvPr/>
-        </p:nvSpPr>
-        <p:spPr bwMode="auto">
-          <a:xfrm>
-            <a:off x="0" y="9975"/>
-            <a:ext cx="65" cy="437249"/>
-          </a:xfrm>
-          <a:prstGeom prst="rect">
-            <a:avLst/>
-          </a:prstGeom>
-          <a:solidFill>
-            <a:srgbClr val="FAFAFA"/>
-          </a:solidFill>
-          <a:ln>
-            <a:noFill/>
-          </a:ln>
-          <a:effectLst/>
-          <a:extLst>
-            <a:ext uri="{91240B29-F687-4F45-9708-019B960494DF}">
-              <a14:hiddenLine xmlns:a14="http://schemas.microsoft.com/office/drawing/2010/main" w="9525">
-                <a:solidFill>
-                  <a:schemeClr val="tx1"/>
-                </a:solidFill>
-                <a:miter lim="800000"/>
-                <a:headEnd/>
-                <a:tailEnd/>
-              </a14:hiddenLine>
-            </a:ext>
-            <a:ext uri="{AF507438-7753-43E0-B8FC-AC1667EBCBE1}">
-              <a14:hiddenEffects xmlns:a14="http://schemas.microsoft.com/office/drawing/2010/main">
-                <a:effectLst>
-                  <a:outerShdw dist="35921" dir="2700000" algn="ctr" rotWithShape="0">
-                    <a:schemeClr val="bg2"/>
-                  </a:outerShdw>
-                </a:effectLst>
-              </a14:hiddenEffects>
-            </a:ext>
-          </a:extLst>
-        </p:spPr>
-        <p:txBody>
-          <a:bodyPr vert="horz" wrap="none" lIns="0" tIns="0" rIns="0" bIns="158700" numCol="1" anchor="ctr" anchorCtr="0" compatLnSpc="1">
-            <a:prstTxWarp prst="textNoShape">
-              <a:avLst/>
-            </a:prstTxWarp>
-            <a:spAutoFit/>
-          </a:bodyPr>
-          <a:lstStyle/>
-          <a:p>
-            <a:pPr marL="0" marR="0" lvl="0" indent="0" algn="l" defTabSz="914400" rtl="0" eaLnBrk="0" fontAlgn="base" latinLnBrk="0" hangingPunct="0">
-              <a:lnSpc>
-                <a:spcPct val="100000"/>
-              </a:lnSpc>
-              <a:spcBef>
-                <a:spcPct val="0"/>
-              </a:spcBef>
-              <a:spcAft>
-                <a:spcPct val="0"/>
-              </a:spcAft>
-              <a:buClrTx/>
-              <a:buSzTx/>
-              <a:buFontTx/>
-              <a:buNone/>
-              <a:tabLst/>
-            </a:pPr>
-            <a:endParaRPr kumimoji="0" lang="zh-CN" altLang="zh-CN" sz="1800" b="0" i="0" u="none" strike="noStrike" cap="none" normalizeH="0" baseline="0" dirty="0">
-              <a:ln>
-                <a:noFill/>
-              </a:ln>
-              <a:solidFill>
-                <a:schemeClr val="tx1"/>
-              </a:solidFill>
-              <a:effectLst/>
-              <a:latin typeface="Arial" panose="020B0604020202020204" pitchFamily="34" charset="0"/>
-            </a:endParaRPr>
-          </a:p>
-        </p:txBody>
-      </p:sp>
-      <p:sp>
-        <p:nvSpPr>
-          <p:cNvPr id="5" name="Rectangle 3">
-            <a:extLst>
-              <a:ext uri="{FF2B5EF4-FFF2-40B4-BE49-F238E27FC236}">
-                <a16:creationId xmlns:a16="http://schemas.microsoft.com/office/drawing/2014/main" id="{D4B32E63-E570-451B-B23E-B0087838EDE4}"/>
-              </a:ext>
-            </a:extLst>
-          </p:cNvPr>
-          <p:cNvSpPr>
-            <a:spLocks noChangeArrowheads="1"/>
-          </p:cNvSpPr>
-          <p:nvPr/>
-        </p:nvSpPr>
-        <p:spPr bwMode="auto">
-          <a:xfrm>
-            <a:off x="0" y="9975"/>
-            <a:ext cx="65" cy="437249"/>
-          </a:xfrm>
-          <a:prstGeom prst="rect">
-            <a:avLst/>
-          </a:prstGeom>
-          <a:solidFill>
-            <a:srgbClr val="FAFAFA"/>
-          </a:solidFill>
-          <a:ln>
-            <a:noFill/>
-          </a:ln>
-          <a:effectLst/>
-          <a:extLst>
-            <a:ext uri="{91240B29-F687-4F45-9708-019B960494DF}">
-              <a14:hiddenLine xmlns:a14="http://schemas.microsoft.com/office/drawing/2010/main" w="9525">
-                <a:solidFill>
-                  <a:schemeClr val="tx1"/>
-                </a:solidFill>
-                <a:miter lim="800000"/>
-                <a:headEnd/>
-                <a:tailEnd/>
-              </a14:hiddenLine>
-            </a:ext>
-            <a:ext uri="{AF507438-7753-43E0-B8FC-AC1667EBCBE1}">
-              <a14:hiddenEffects xmlns:a14="http://schemas.microsoft.com/office/drawing/2010/main">
-                <a:effectLst>
-                  <a:outerShdw dist="35921" dir="2700000" algn="ctr" rotWithShape="0">
-                    <a:schemeClr val="bg2"/>
-                  </a:outerShdw>
-                </a:effectLst>
-              </a14:hiddenEffects>
-            </a:ext>
-          </a:extLst>
-        </p:spPr>
-        <p:txBody>
-          <a:bodyPr vert="horz" wrap="none" lIns="0" tIns="0" rIns="0" bIns="158700" numCol="1" anchor="ctr" anchorCtr="0" compatLnSpc="1">
-            <a:prstTxWarp prst="textNoShape">
-              <a:avLst/>
-            </a:prstTxWarp>
-            <a:spAutoFit/>
-          </a:bodyPr>
-          <a:lstStyle/>
-          <a:p>
-            <a:pPr marL="0" marR="0" lvl="0" indent="0" algn="l" defTabSz="914400" rtl="0" eaLnBrk="0" fontAlgn="base" latinLnBrk="0" hangingPunct="0">
-              <a:lnSpc>
-                <a:spcPct val="100000"/>
-              </a:lnSpc>
-              <a:spcBef>
-                <a:spcPct val="0"/>
-              </a:spcBef>
-              <a:spcAft>
-                <a:spcPct val="0"/>
-              </a:spcAft>
-              <a:buClrTx/>
-              <a:buSzTx/>
-              <a:buFontTx/>
-              <a:buNone/>
-              <a:tabLst/>
-            </a:pPr>
-            <a:endParaRPr kumimoji="0" lang="zh-CN" altLang="zh-CN" sz="1800" b="0" i="0" u="none" strike="noStrike" cap="none" normalizeH="0" baseline="0" dirty="0">
-              <a:ln>
-                <a:noFill/>
-              </a:ln>
-              <a:solidFill>
-                <a:schemeClr val="tx1"/>
-              </a:solidFill>
-              <a:effectLst/>
-              <a:latin typeface="Arial" panose="020B0604020202020204" pitchFamily="34" charset="0"/>
-            </a:endParaRPr>
-          </a:p>
-        </p:txBody>
-      </p:sp>
-      <p:pic>
-        <p:nvPicPr>
-          <p:cNvPr id="2" name="图片 1">
-            <a:extLst>
-              <a:ext uri="{FF2B5EF4-FFF2-40B4-BE49-F238E27FC236}">
-                <a16:creationId xmlns:a16="http://schemas.microsoft.com/office/drawing/2014/main" id="{5924572A-AAC5-4796-A34C-18FE7C2CD263}"/>
-              </a:ext>
-            </a:extLst>
-          </p:cNvPr>
-          <p:cNvPicPr>
-            <a:picLocks noChangeAspect="1"/>
-          </p:cNvPicPr>
-          <p:nvPr/>
-        </p:nvPicPr>
-        <p:blipFill>
-          <a:blip r:embed="rId2"/>
-          <a:stretch>
-            <a:fillRect/>
-          </a:stretch>
-        </p:blipFill>
-        <p:spPr>
-          <a:xfrm>
-            <a:off x="0" y="1725420"/>
-            <a:ext cx="9144000" cy="4766178"/>
-          </a:xfrm>
-          <a:prstGeom prst="rect">
-            <a:avLst/>
-          </a:prstGeom>
-        </p:spPr>
-      </p:pic>
-    </p:spTree>
-    <p:extLst>
-      <p:ext uri="{BB962C8B-B14F-4D97-AF65-F5344CB8AC3E}">
-        <p14:creationId xmlns:p14="http://schemas.microsoft.com/office/powerpoint/2010/main" val="770527835"/>
-      </p:ext>
-    </p:extLst>
-  </p:cSld>
-  <p:clrMapOvr>
-    <a:masterClrMapping/>
-  </p:clrMapOvr>
-</p:sld>
-</file>
-
-<file path=ppt/slides/slide111.xml><?xml version="1.0" encoding="utf-8"?>
-<p:sld xmlns:a="http://schemas.openxmlformats.org/drawingml/2006/main" xmlns:r="http://schemas.openxmlformats.org/officeDocument/2006/relationships" xmlns:p="http://schemas.openxmlformats.org/presentationml/2006/main">
-  <p:cSld>
-    <p:spTree>
-      <p:nvGrpSpPr>
-        <p:cNvPr id="1" name=""/>
-        <p:cNvGrpSpPr/>
-        <p:nvPr/>
-      </p:nvGrpSpPr>
-      <p:grpSpPr>
-        <a:xfrm>
-          <a:off x="0" y="0"/>
-          <a:ext cx="0" cy="0"/>
-          <a:chOff x="0" y="0"/>
-          <a:chExt cx="0" cy="0"/>
-        </a:xfrm>
-      </p:grpSpPr>
-      <p:sp>
-        <p:nvSpPr>
-          <p:cNvPr id="7" name="文本占位符 6">
-            <a:extLst>
-              <a:ext uri="{FF2B5EF4-FFF2-40B4-BE49-F238E27FC236}">
-                <a16:creationId xmlns:a16="http://schemas.microsoft.com/office/drawing/2014/main" id="{000CD429-8B8A-465F-93FE-E390B46B6227}"/>
-              </a:ext>
-            </a:extLst>
-          </p:cNvPr>
-          <p:cNvSpPr>
-            <a:spLocks noGrp="1"/>
-          </p:cNvSpPr>
-          <p:nvPr>
-            <p:ph type="body" sz="quarter" idx="10"/>
-          </p:nvPr>
-        </p:nvSpPr>
-        <p:spPr/>
-        <p:txBody>
-          <a:bodyPr/>
-          <a:lstStyle/>
-          <a:p>
-            <a:r>
-              <a:rPr lang="en-US" altLang="zh-CN" dirty="0"/>
-              <a:t>Dynamic Proxies</a:t>
-            </a:r>
-          </a:p>
-          <a:p>
-            <a:endParaRPr lang="zh-CN" altLang="en-US" dirty="0"/>
-          </a:p>
-        </p:txBody>
-      </p:sp>
-      <p:sp>
-        <p:nvSpPr>
-          <p:cNvPr id="3" name="Rectangle 2">
-            <a:extLst>
-              <a:ext uri="{FF2B5EF4-FFF2-40B4-BE49-F238E27FC236}">
-                <a16:creationId xmlns:a16="http://schemas.microsoft.com/office/drawing/2014/main" id="{01A1A1F6-A639-408C-A630-76C5D9A6FDD0}"/>
-              </a:ext>
-            </a:extLst>
-          </p:cNvPr>
-          <p:cNvSpPr>
-            <a:spLocks noChangeArrowheads="1"/>
-          </p:cNvSpPr>
-          <p:nvPr/>
-        </p:nvSpPr>
-        <p:spPr bwMode="auto">
-          <a:xfrm>
-            <a:off x="0" y="9975"/>
-            <a:ext cx="65" cy="437249"/>
-          </a:xfrm>
-          <a:prstGeom prst="rect">
-            <a:avLst/>
-          </a:prstGeom>
-          <a:solidFill>
-            <a:srgbClr val="FAFAFA"/>
-          </a:solidFill>
-          <a:ln>
-            <a:noFill/>
-          </a:ln>
-          <a:effectLst/>
-          <a:extLst>
-            <a:ext uri="{91240B29-F687-4F45-9708-019B960494DF}">
-              <a14:hiddenLine xmlns:a14="http://schemas.microsoft.com/office/drawing/2010/main" w="9525">
-                <a:solidFill>
-                  <a:schemeClr val="tx1"/>
-                </a:solidFill>
-                <a:miter lim="800000"/>
-                <a:headEnd/>
-                <a:tailEnd/>
-              </a14:hiddenLine>
-            </a:ext>
-            <a:ext uri="{AF507438-7753-43E0-B8FC-AC1667EBCBE1}">
-              <a14:hiddenEffects xmlns:a14="http://schemas.microsoft.com/office/drawing/2010/main">
-                <a:effectLst>
-                  <a:outerShdw dist="35921" dir="2700000" algn="ctr" rotWithShape="0">
-                    <a:schemeClr val="bg2"/>
-                  </a:outerShdw>
-                </a:effectLst>
-              </a14:hiddenEffects>
-            </a:ext>
-          </a:extLst>
-        </p:spPr>
-        <p:txBody>
-          <a:bodyPr vert="horz" wrap="none" lIns="0" tIns="0" rIns="0" bIns="158700" numCol="1" anchor="ctr" anchorCtr="0" compatLnSpc="1">
-            <a:prstTxWarp prst="textNoShape">
-              <a:avLst/>
-            </a:prstTxWarp>
-            <a:spAutoFit/>
-          </a:bodyPr>
-          <a:lstStyle/>
-          <a:p>
-            <a:pPr marL="0" marR="0" lvl="0" indent="0" algn="l" defTabSz="914400" rtl="0" eaLnBrk="0" fontAlgn="base" latinLnBrk="0" hangingPunct="0">
-              <a:lnSpc>
-                <a:spcPct val="100000"/>
-              </a:lnSpc>
-              <a:spcBef>
-                <a:spcPct val="0"/>
-              </a:spcBef>
-              <a:spcAft>
-                <a:spcPct val="0"/>
-              </a:spcAft>
-              <a:buClrTx/>
-              <a:buSzTx/>
-              <a:buFontTx/>
-              <a:buNone/>
-              <a:tabLst/>
-            </a:pPr>
-            <a:endParaRPr kumimoji="0" lang="zh-CN" altLang="zh-CN" sz="1800" b="0" i="0" u="none" strike="noStrike" cap="none" normalizeH="0" baseline="0" dirty="0">
-              <a:ln>
-                <a:noFill/>
-              </a:ln>
-              <a:solidFill>
-                <a:schemeClr val="tx1"/>
-              </a:solidFill>
-              <a:effectLst/>
-              <a:latin typeface="Arial" panose="020B0604020202020204" pitchFamily="34" charset="0"/>
-            </a:endParaRPr>
-          </a:p>
-        </p:txBody>
-      </p:sp>
-      <p:sp>
-        <p:nvSpPr>
-          <p:cNvPr id="5" name="Rectangle 3">
-            <a:extLst>
-              <a:ext uri="{FF2B5EF4-FFF2-40B4-BE49-F238E27FC236}">
-                <a16:creationId xmlns:a16="http://schemas.microsoft.com/office/drawing/2014/main" id="{D4B32E63-E570-451B-B23E-B0087838EDE4}"/>
-              </a:ext>
-            </a:extLst>
-          </p:cNvPr>
-          <p:cNvSpPr>
-            <a:spLocks noChangeArrowheads="1"/>
-          </p:cNvSpPr>
-          <p:nvPr/>
-        </p:nvSpPr>
-        <p:spPr bwMode="auto">
-          <a:xfrm>
-            <a:off x="0" y="9975"/>
-            <a:ext cx="65" cy="437249"/>
-          </a:xfrm>
-          <a:prstGeom prst="rect">
-            <a:avLst/>
-          </a:prstGeom>
-          <a:solidFill>
-            <a:srgbClr val="FAFAFA"/>
-          </a:solidFill>
-          <a:ln>
-            <a:noFill/>
-          </a:ln>
-          <a:effectLst/>
-          <a:extLst>
-            <a:ext uri="{91240B29-F687-4F45-9708-019B960494DF}">
-              <a14:hiddenLine xmlns:a14="http://schemas.microsoft.com/office/drawing/2010/main" w="9525">
-                <a:solidFill>
-                  <a:schemeClr val="tx1"/>
-                </a:solidFill>
-                <a:miter lim="800000"/>
-                <a:headEnd/>
-                <a:tailEnd/>
-              </a14:hiddenLine>
-            </a:ext>
-            <a:ext uri="{AF507438-7753-43E0-B8FC-AC1667EBCBE1}">
-              <a14:hiddenEffects xmlns:a14="http://schemas.microsoft.com/office/drawing/2010/main">
-                <a:effectLst>
-                  <a:outerShdw dist="35921" dir="2700000" algn="ctr" rotWithShape="0">
-                    <a:schemeClr val="bg2"/>
-                  </a:outerShdw>
-                </a:effectLst>
-              </a14:hiddenEffects>
-            </a:ext>
-          </a:extLst>
-        </p:spPr>
-        <p:txBody>
-          <a:bodyPr vert="horz" wrap="none" lIns="0" tIns="0" rIns="0" bIns="158700" numCol="1" anchor="ctr" anchorCtr="0" compatLnSpc="1">
-            <a:prstTxWarp prst="textNoShape">
-              <a:avLst/>
-            </a:prstTxWarp>
-            <a:spAutoFit/>
-          </a:bodyPr>
-          <a:lstStyle/>
-          <a:p>
-            <a:pPr marL="0" marR="0" lvl="0" indent="0" algn="l" defTabSz="914400" rtl="0" eaLnBrk="0" fontAlgn="base" latinLnBrk="0" hangingPunct="0">
-              <a:lnSpc>
-                <a:spcPct val="100000"/>
-              </a:lnSpc>
-              <a:spcBef>
-                <a:spcPct val="0"/>
-              </a:spcBef>
-              <a:spcAft>
-                <a:spcPct val="0"/>
-              </a:spcAft>
-              <a:buClrTx/>
-              <a:buSzTx/>
-              <a:buFontTx/>
-              <a:buNone/>
-              <a:tabLst/>
-            </a:pPr>
-            <a:endParaRPr kumimoji="0" lang="zh-CN" altLang="zh-CN" sz="1800" b="0" i="0" u="none" strike="noStrike" cap="none" normalizeH="0" baseline="0" dirty="0">
-              <a:ln>
-                <a:noFill/>
-              </a:ln>
-              <a:solidFill>
-                <a:schemeClr val="tx1"/>
-              </a:solidFill>
-              <a:effectLst/>
-              <a:latin typeface="Arial" panose="020B0604020202020204" pitchFamily="34" charset="0"/>
-            </a:endParaRPr>
-          </a:p>
-        </p:txBody>
-      </p:sp>
-      <p:pic>
-        <p:nvPicPr>
-          <p:cNvPr id="4" name="图片 3">
-            <a:extLst>
-              <a:ext uri="{FF2B5EF4-FFF2-40B4-BE49-F238E27FC236}">
-                <a16:creationId xmlns:a16="http://schemas.microsoft.com/office/drawing/2014/main" id="{331EAC33-ED15-4C07-90AD-4A8DC3D4034E}"/>
-              </a:ext>
-            </a:extLst>
-          </p:cNvPr>
-          <p:cNvPicPr>
-            <a:picLocks noChangeAspect="1"/>
-          </p:cNvPicPr>
-          <p:nvPr/>
-        </p:nvPicPr>
-        <p:blipFill>
-          <a:blip r:embed="rId2"/>
-          <a:stretch>
-            <a:fillRect/>
-          </a:stretch>
-        </p:blipFill>
-        <p:spPr>
-          <a:xfrm>
-            <a:off x="0" y="1867668"/>
-            <a:ext cx="9144000" cy="3256888"/>
-          </a:xfrm>
-          <a:prstGeom prst="rect">
-            <a:avLst/>
-          </a:prstGeom>
-        </p:spPr>
-      </p:pic>
-    </p:spTree>
-    <p:extLst>
-      <p:ext uri="{BB962C8B-B14F-4D97-AF65-F5344CB8AC3E}">
-        <p14:creationId xmlns:p14="http://schemas.microsoft.com/office/powerpoint/2010/main" val="3157020178"/>
-      </p:ext>
-    </p:extLst>
-  </p:cSld>
-  <p:clrMapOvr>
-    <a:masterClrMapping/>
-  </p:clrMapOvr>
-</p:sld>
-</file>
-
-<file path=ppt/slides/slide112.xml><?xml version="1.0" encoding="utf-8"?>
-<p:sld xmlns:a="http://schemas.openxmlformats.org/drawingml/2006/main" xmlns:r="http://schemas.openxmlformats.org/officeDocument/2006/relationships" xmlns:p="http://schemas.openxmlformats.org/presentationml/2006/main">
-  <p:cSld>
-    <p:spTree>
-      <p:nvGrpSpPr>
-        <p:cNvPr id="1" name=""/>
-        <p:cNvGrpSpPr/>
-        <p:nvPr/>
-      </p:nvGrpSpPr>
-      <p:grpSpPr>
-        <a:xfrm>
-          <a:off x="0" y="0"/>
-          <a:ext cx="0" cy="0"/>
-          <a:chOff x="0" y="0"/>
-          <a:chExt cx="0" cy="0"/>
-        </a:xfrm>
-      </p:grpSpPr>
-      <p:sp>
-        <p:nvSpPr>
-          <p:cNvPr id="7" name="文本占位符 6">
-            <a:extLst>
-              <a:ext uri="{FF2B5EF4-FFF2-40B4-BE49-F238E27FC236}">
-                <a16:creationId xmlns:a16="http://schemas.microsoft.com/office/drawing/2014/main" id="{000CD429-8B8A-465F-93FE-E390B46B6227}"/>
-              </a:ext>
-            </a:extLst>
-          </p:cNvPr>
-          <p:cNvSpPr>
-            <a:spLocks noGrp="1"/>
-          </p:cNvSpPr>
-          <p:nvPr>
-            <p:ph type="body" sz="quarter" idx="10"/>
-          </p:nvPr>
-        </p:nvSpPr>
-        <p:spPr/>
-        <p:txBody>
-          <a:bodyPr/>
-          <a:lstStyle/>
-          <a:p>
-            <a:r>
               <a:rPr lang="en-US" altLang="zh-CN" dirty="0" err="1"/>
               <a:t>ClassPath</a:t>
             </a:r>
@@ -15776,7 +15216,7 @@
 </p:sld>
 </file>
 
-<file path=ppt/slides/slide113.xml><?xml version="1.0" encoding="utf-8"?>
+<file path=ppt/slides/slide111.xml><?xml version="1.0" encoding="utf-8"?>
 <p:sld xmlns:a="http://schemas.openxmlformats.org/drawingml/2006/main" xmlns:r="http://schemas.openxmlformats.org/officeDocument/2006/relationships" xmlns:p="http://schemas.openxmlformats.org/presentationml/2006/main">
   <p:cSld>
     <p:spTree>
@@ -17622,7 +17062,7 @@
         <p:spPr>
           <a:xfrm>
             <a:off x="4890120" y="1903741"/>
-            <a:ext cx="3777067" cy="3368102"/>
+            <a:ext cx="3777067" cy="2852063"/>
           </a:xfrm>
           <a:prstGeom prst="rect">
             <a:avLst/>
@@ -17676,22 +17116,6 @@
             <a:r>
               <a:rPr lang="zh-CN" altLang="en-US" sz="2800" dirty="0"/>
               <a:t> 散列</a:t>
-            </a:r>
-          </a:p>
-          <a:p>
-            <a:pPr marL="457200" indent="-457200" defTabSz="914400">
-              <a:lnSpc>
-                <a:spcPct val="90000"/>
-              </a:lnSpc>
-              <a:spcBef>
-                <a:spcPts val="1000"/>
-              </a:spcBef>
-              <a:buFont typeface="+mj-lt"/>
-              <a:buAutoNum type="arabicPeriod" startAt="9"/>
-            </a:pPr>
-            <a:r>
-              <a:rPr lang="zh-CN" altLang="en-US" sz="2800" dirty="0"/>
-              <a:t>事件总线</a:t>
             </a:r>
           </a:p>
           <a:p>
@@ -26379,9 +25803,10 @@
           <a:lstStyle/>
           <a:p>
             <a:r>
-              <a:rPr lang="en-US" altLang="zh-CN" dirty="0"/>
-              <a:t>Application</a:t>
-            </a:r>
+              <a:rPr lang="en-US" altLang="zh-CN" b="0" dirty="0"/>
+              <a:t>Futures</a:t>
+            </a:r>
+            <a:endParaRPr lang="en-US" altLang="zh-CN" dirty="0"/>
           </a:p>
           <a:p>
             <a:endParaRPr lang="zh-CN" altLang="en-US" dirty="0"/>
@@ -26657,28 +26082,28 @@
           <p:nvPr>
             <p:extLst>
               <p:ext uri="{D42A27DB-BD31-4B8C-83A1-F6EECF244321}">
-                <p14:modId xmlns:p14="http://schemas.microsoft.com/office/powerpoint/2010/main" val="2361136568"/>
+                <p14:modId xmlns:p14="http://schemas.microsoft.com/office/powerpoint/2010/main" val="193740476"/>
               </p:ext>
             </p:extLst>
           </p:nvPr>
         </p:nvGraphicFramePr>
         <p:xfrm>
           <a:off x="8878" y="1740642"/>
-          <a:ext cx="9135122" cy="6495850"/>
+          <a:ext cx="9135122" cy="6739690"/>
         </p:xfrm>
         <a:graphic>
           <a:graphicData uri="http://schemas.openxmlformats.org/drawingml/2006/table">
             <a:tbl>
               <a:tblPr/>
               <a:tblGrid>
-                <a:gridCol w="2976531">
+                <a:gridCol w="3157403">
                   <a:extLst>
                     <a:ext uri="{9D8B030D-6E8A-4147-A177-3AD203B41FA5}">
                       <a16:colId xmlns:a16="http://schemas.microsoft.com/office/drawing/2014/main" val="2397335513"/>
                     </a:ext>
                   </a:extLst>
                 </a:gridCol>
-                <a:gridCol w="2963482">
+                <a:gridCol w="2782610">
                   <a:extLst>
                     <a:ext uri="{9D8B030D-6E8A-4147-A177-3AD203B41FA5}">
                       <a16:colId xmlns:a16="http://schemas.microsoft.com/office/drawing/2014/main" val="539061975"/>
@@ -26700,7 +26125,7 @@
                     <a:lstStyle/>
                     <a:p>
                       <a:r>
-                        <a:rPr lang="zh-CN" altLang="en-US" sz="1600" kern="1200">
+                        <a:rPr lang="zh-CN" altLang="en-US" sz="1600" kern="1200" dirty="0">
                           <a:solidFill>
                             <a:srgbClr val="666666"/>
                           </a:solidFill>
@@ -27387,7 +26812,7 @@
                     <a:lstStyle/>
                     <a:p>
                       <a:r>
-                        <a:rPr lang="zh-CN" altLang="en-US" sz="1600" kern="1200">
+                        <a:rPr lang="zh-CN" altLang="en-US" sz="1600" kern="1200" dirty="0">
                           <a:solidFill>
                             <a:srgbClr val="666666"/>
                           </a:solidFill>
@@ -27398,7 +26823,7 @@
                         <a:t>返回一个新的</a:t>
                       </a:r>
                       <a:r>
-                        <a:rPr lang="en-US" sz="1600" kern="1200">
+                        <a:rPr lang="en-US" sz="1600" kern="1200" dirty="0" err="1">
                           <a:solidFill>
                             <a:srgbClr val="666666"/>
                           </a:solidFill>
@@ -27406,10 +26831,21 @@
                           <a:ea typeface="+mn-ea"/>
                           <a:cs typeface="Arial" panose="020B0604020202020204" pitchFamily="34" charset="0"/>
                         </a:rPr>
-                        <a:t>ListenableFuture ，</a:t>
+                        <a:t>ListenableFuture</a:t>
                       </a:r>
                       <a:r>
-                        <a:rPr lang="zh-CN" altLang="en-US" sz="1600" kern="1200">
+                        <a:rPr lang="en-US" sz="1600" kern="1200" dirty="0">
+                          <a:solidFill>
+                            <a:srgbClr val="666666"/>
+                          </a:solidFill>
+                          <a:latin typeface="Arial" panose="020B0604020202020204" pitchFamily="34" charset="0"/>
+                          <a:ea typeface="+mn-ea"/>
+                          <a:cs typeface="Arial" panose="020B0604020202020204" pitchFamily="34" charset="0"/>
+                        </a:rPr>
+                        <a:t> ，</a:t>
+                      </a:r>
+                      <a:r>
+                        <a:rPr lang="zh-CN" altLang="en-US" sz="1600" kern="1200" dirty="0">
                           <a:solidFill>
                             <a:srgbClr val="666666"/>
                           </a:solidFill>
@@ -27420,7 +26856,7 @@
                         <a:t>该</a:t>
                       </a:r>
                       <a:r>
-                        <a:rPr lang="en-US" sz="1600" kern="1200">
+                        <a:rPr lang="en-US" sz="1600" kern="1200" dirty="0" err="1">
                           <a:solidFill>
                             <a:srgbClr val="666666"/>
                           </a:solidFill>
@@ -27428,10 +26864,21 @@
                           <a:ea typeface="+mn-ea"/>
                           <a:cs typeface="Arial" panose="020B0604020202020204" pitchFamily="34" charset="0"/>
                         </a:rPr>
-                        <a:t>ListenableFuture </a:t>
+                        <a:t>ListenableFuture</a:t>
                       </a:r>
                       <a:r>
-                        <a:rPr lang="zh-CN" altLang="en-US" sz="1600" kern="1200">
+                        <a:rPr lang="en-US" sz="1600" kern="1200" dirty="0">
+                          <a:solidFill>
+                            <a:srgbClr val="666666"/>
+                          </a:solidFill>
+                          <a:latin typeface="Arial" panose="020B0604020202020204" pitchFamily="34" charset="0"/>
+                          <a:ea typeface="+mn-ea"/>
+                          <a:cs typeface="Arial" panose="020B0604020202020204" pitchFamily="34" charset="0"/>
+                        </a:rPr>
+                        <a:t> </a:t>
+                      </a:r>
+                      <a:r>
+                        <a:rPr lang="zh-CN" altLang="en-US" sz="1600" kern="1200" dirty="0">
                           <a:solidFill>
                             <a:srgbClr val="666666"/>
                           </a:solidFill>
@@ -27442,7 +26889,7 @@
                         <a:t>返回的</a:t>
                       </a:r>
                       <a:r>
-                        <a:rPr lang="en-US" sz="1600" kern="1200">
+                        <a:rPr lang="en-US" sz="1600" kern="1200" dirty="0">
                           <a:solidFill>
                             <a:srgbClr val="666666"/>
                           </a:solidFill>
@@ -27453,7 +26900,7 @@
                         <a:t>result</a:t>
                       </a:r>
                       <a:r>
-                        <a:rPr lang="zh-CN" altLang="en-US" sz="1600" kern="1200">
+                        <a:rPr lang="zh-CN" altLang="en-US" sz="1600" kern="1200" dirty="0">
                           <a:solidFill>
                             <a:srgbClr val="666666"/>
                           </a:solidFill>
@@ -27464,7 +26911,7 @@
                         <a:t>是由传入的</a:t>
                       </a:r>
                       <a:r>
-                        <a:rPr lang="en-US" sz="1600" kern="1200">
+                        <a:rPr lang="en-US" sz="1600" kern="1200" dirty="0">
                           <a:solidFill>
                             <a:srgbClr val="666666"/>
                           </a:solidFill>
@@ -27475,7 +26922,7 @@
                         <a:t>Function </a:t>
                       </a:r>
                       <a:r>
-                        <a:rPr lang="zh-CN" altLang="en-US" sz="1600" kern="1200">
+                        <a:rPr lang="zh-CN" altLang="en-US" sz="1600" kern="1200" dirty="0">
                           <a:solidFill>
                             <a:srgbClr val="666666"/>
                           </a:solidFill>
@@ -27486,7 +26933,7 @@
                         <a:t>参数指派到传入的 </a:t>
                       </a:r>
                       <a:r>
-                        <a:rPr lang="en-US" sz="1600" kern="1200">
+                        <a:rPr lang="en-US" sz="1600" kern="1200" dirty="0" err="1">
                           <a:solidFill>
                             <a:srgbClr val="666666"/>
                           </a:solidFill>
@@ -27497,7 +26944,7 @@
                         <a:t>ListenableFuture</a:t>
                       </a:r>
                       <a:r>
-                        <a:rPr lang="zh-CN" altLang="en-US" sz="1600" kern="1200">
+                        <a:rPr lang="zh-CN" altLang="en-US" sz="1600" kern="1200" dirty="0">
                           <a:solidFill>
                             <a:srgbClr val="666666"/>
                           </a:solidFill>
@@ -27508,7 +26955,7 @@
                         <a:t>中</a:t>
                       </a:r>
                       <a:r>
-                        <a:rPr lang="en-US" altLang="zh-CN" sz="1600" kern="1200">
+                        <a:rPr lang="en-US" altLang="zh-CN" sz="1600" kern="1200" dirty="0">
                           <a:solidFill>
                             <a:srgbClr val="666666"/>
                           </a:solidFill>
@@ -32696,7 +32143,7 @@
         </p:blipFill>
         <p:spPr>
           <a:xfrm>
-            <a:off x="0" y="1789159"/>
+            <a:off x="0" y="1789160"/>
             <a:ext cx="9144000" cy="4216623"/>
           </a:xfrm>
           <a:prstGeom prst="rect">
@@ -36562,6 +36009,12 @@
           <a:bodyPr/>
           <a:lstStyle/>
           <a:p>
+            <a:r>
+              <a:rPr lang="zh-CN" altLang="en-US" dirty="0"/>
+              <a:t>构建区间</a:t>
+            </a:r>
+          </a:p>
+          <a:p>
             <a:endParaRPr lang="zh-CN" altLang="en-US" dirty="0"/>
           </a:p>
         </p:txBody>
@@ -36820,10 +36273,40 @@
           </a:p>
         </p:txBody>
       </p:sp>
+      <p:pic>
+        <p:nvPicPr>
+          <p:cNvPr id="2" name="图片 1">
+            <a:extLst>
+              <a:ext uri="{FF2B5EF4-FFF2-40B4-BE49-F238E27FC236}">
+                <a16:creationId xmlns:a16="http://schemas.microsoft.com/office/drawing/2014/main" id="{9F861239-8718-418B-A67E-82D539B9FF2A}"/>
+              </a:ext>
+            </a:extLst>
+          </p:cNvPr>
+          <p:cNvPicPr>
+            <a:picLocks noChangeAspect="1"/>
+          </p:cNvPicPr>
+          <p:nvPr/>
+        </p:nvPicPr>
+        <p:blipFill>
+          <a:blip r:embed="rId2"/>
+          <a:stretch>
+            <a:fillRect/>
+          </a:stretch>
+        </p:blipFill>
+        <p:spPr>
+          <a:xfrm>
+            <a:off x="0" y="1724750"/>
+            <a:ext cx="9144000" cy="5723860"/>
+          </a:xfrm>
+          <a:prstGeom prst="rect">
+            <a:avLst/>
+          </a:prstGeom>
+        </p:spPr>
+      </p:pic>
     </p:spTree>
     <p:extLst>
       <p:ext uri="{BB962C8B-B14F-4D97-AF65-F5344CB8AC3E}">
-        <p14:creationId xmlns:p14="http://schemas.microsoft.com/office/powerpoint/2010/main" val="3879626477"/>
+        <p14:creationId xmlns:p14="http://schemas.microsoft.com/office/powerpoint/2010/main" val="3882383161"/>
       </p:ext>
     </p:extLst>
   </p:cSld>
@@ -37112,351 +36595,6 @@
         <p:spPr>
           <a:xfrm>
             <a:off x="243311" y="1789160"/>
-            <a:ext cx="8403539" cy="790409"/>
-          </a:xfrm>
-          <a:prstGeom prst="rect">
-            <a:avLst/>
-          </a:prstGeom>
-          <a:noFill/>
-        </p:spPr>
-        <p:txBody>
-          <a:bodyPr wrap="square" rtlCol="0">
-            <a:spAutoFit/>
-          </a:bodyPr>
-          <a:lstStyle/>
-          <a:p>
-            <a:endParaRPr lang="en-US" altLang="zh-CN" dirty="0"/>
-          </a:p>
-          <a:p>
-            <a:endParaRPr lang="en-US" altLang="zh-CN" dirty="0"/>
-          </a:p>
-          <a:p>
-            <a:endParaRPr lang="zh-CN" altLang="en-US" dirty="0"/>
-          </a:p>
-        </p:txBody>
-      </p:sp>
-      <p:pic>
-        <p:nvPicPr>
-          <p:cNvPr id="2" name="图片 1">
-            <a:extLst>
-              <a:ext uri="{FF2B5EF4-FFF2-40B4-BE49-F238E27FC236}">
-                <a16:creationId xmlns:a16="http://schemas.microsoft.com/office/drawing/2014/main" id="{9F861239-8718-418B-A67E-82D539B9FF2A}"/>
-              </a:ext>
-            </a:extLst>
-          </p:cNvPr>
-          <p:cNvPicPr>
-            <a:picLocks noChangeAspect="1"/>
-          </p:cNvPicPr>
-          <p:nvPr/>
-        </p:nvPicPr>
-        <p:blipFill>
-          <a:blip r:embed="rId2"/>
-          <a:stretch>
-            <a:fillRect/>
-          </a:stretch>
-        </p:blipFill>
-        <p:spPr>
-          <a:xfrm>
-            <a:off x="0" y="1724750"/>
-            <a:ext cx="9144000" cy="5723860"/>
-          </a:xfrm>
-          <a:prstGeom prst="rect">
-            <a:avLst/>
-          </a:prstGeom>
-        </p:spPr>
-      </p:pic>
-    </p:spTree>
-    <p:extLst>
-      <p:ext uri="{BB962C8B-B14F-4D97-AF65-F5344CB8AC3E}">
-        <p14:creationId xmlns:p14="http://schemas.microsoft.com/office/powerpoint/2010/main" val="3882383161"/>
-      </p:ext>
-    </p:extLst>
-  </p:cSld>
-  <p:clrMapOvr>
-    <a:masterClrMapping/>
-  </p:clrMapOvr>
-</p:sld>
-</file>
-
-<file path=ppt/slides/slide69.xml><?xml version="1.0" encoding="utf-8"?>
-<p:sld xmlns:a="http://schemas.openxmlformats.org/drawingml/2006/main" xmlns:r="http://schemas.openxmlformats.org/officeDocument/2006/relationships" xmlns:p="http://schemas.openxmlformats.org/presentationml/2006/main">
-  <p:cSld>
-    <p:spTree>
-      <p:nvGrpSpPr>
-        <p:cNvPr id="1" name=""/>
-        <p:cNvGrpSpPr/>
-        <p:nvPr/>
-      </p:nvGrpSpPr>
-      <p:grpSpPr>
-        <a:xfrm>
-          <a:off x="0" y="0"/>
-          <a:ext cx="0" cy="0"/>
-          <a:chOff x="0" y="0"/>
-          <a:chExt cx="0" cy="0"/>
-        </a:xfrm>
-      </p:grpSpPr>
-      <p:sp>
-        <p:nvSpPr>
-          <p:cNvPr id="3" name="文本占位符 2">
-            <a:extLst>
-              <a:ext uri="{FF2B5EF4-FFF2-40B4-BE49-F238E27FC236}">
-                <a16:creationId xmlns:a16="http://schemas.microsoft.com/office/drawing/2014/main" id="{03244420-F962-4115-A1CA-E4ED6E926A57}"/>
-              </a:ext>
-            </a:extLst>
-          </p:cNvPr>
-          <p:cNvSpPr>
-            <a:spLocks noGrp="1"/>
-          </p:cNvSpPr>
-          <p:nvPr>
-            <p:ph type="body" sz="quarter" idx="10"/>
-          </p:nvPr>
-        </p:nvSpPr>
-        <p:spPr/>
-        <p:txBody>
-          <a:bodyPr/>
-          <a:lstStyle/>
-          <a:p>
-            <a:r>
-              <a:rPr lang="zh-CN" altLang="en-US" dirty="0"/>
-              <a:t>构建区间</a:t>
-            </a:r>
-          </a:p>
-          <a:p>
-            <a:endParaRPr lang="zh-CN" altLang="en-US" dirty="0"/>
-          </a:p>
-        </p:txBody>
-      </p:sp>
-      <p:sp>
-        <p:nvSpPr>
-          <p:cNvPr id="6" name="Rectangle 1">
-            <a:extLst>
-              <a:ext uri="{FF2B5EF4-FFF2-40B4-BE49-F238E27FC236}">
-                <a16:creationId xmlns:a16="http://schemas.microsoft.com/office/drawing/2014/main" id="{8B869121-6ECD-45E6-86A0-9C4BAEBC0A74}"/>
-              </a:ext>
-            </a:extLst>
-          </p:cNvPr>
-          <p:cNvSpPr>
-            <a:spLocks noChangeArrowheads="1"/>
-          </p:cNvSpPr>
-          <p:nvPr/>
-        </p:nvSpPr>
-        <p:spPr bwMode="auto">
-          <a:xfrm>
-            <a:off x="0" y="-184666"/>
-            <a:ext cx="9144000" cy="369332"/>
-          </a:xfrm>
-          <a:prstGeom prst="rect">
-            <a:avLst/>
-          </a:prstGeom>
-          <a:solidFill>
-            <a:srgbClr val="FFFFFF"/>
-          </a:solidFill>
-          <a:ln>
-            <a:noFill/>
-          </a:ln>
-          <a:effectLst/>
-          <a:extLst>
-            <a:ext uri="{91240B29-F687-4F45-9708-019B960494DF}">
-              <a14:hiddenLine xmlns:a14="http://schemas.microsoft.com/office/drawing/2010/main" w="9525">
-                <a:solidFill>
-                  <a:schemeClr val="tx1"/>
-                </a:solidFill>
-                <a:miter lim="800000"/>
-                <a:headEnd/>
-                <a:tailEnd/>
-              </a14:hiddenLine>
-            </a:ext>
-            <a:ext uri="{AF507438-7753-43E0-B8FC-AC1667EBCBE1}">
-              <a14:hiddenEffects xmlns:a14="http://schemas.microsoft.com/office/drawing/2010/main">
-                <a:effectLst>
-                  <a:outerShdw dist="35921" dir="2700000" algn="ctr" rotWithShape="0">
-                    <a:schemeClr val="bg2"/>
-                  </a:outerShdw>
-                </a:effectLst>
-              </a14:hiddenEffects>
-            </a:ext>
-          </a:extLst>
-        </p:spPr>
-        <p:txBody>
-          <a:bodyPr vert="horz" wrap="square" lIns="91440" tIns="45720" rIns="91440" bIns="45720" numCol="1" anchor="ctr" anchorCtr="0" compatLnSpc="1">
-            <a:prstTxWarp prst="textNoShape">
-              <a:avLst/>
-            </a:prstTxWarp>
-            <a:spAutoFit/>
-          </a:bodyPr>
-          <a:lstStyle>
-            <a:lvl1pPr eaLnBrk="0" fontAlgn="base" hangingPunct="0">
-              <a:spcBef>
-                <a:spcPct val="0"/>
-              </a:spcBef>
-              <a:spcAft>
-                <a:spcPct val="0"/>
-              </a:spcAft>
-              <a:defRPr>
-                <a:solidFill>
-                  <a:schemeClr val="tx1"/>
-                </a:solidFill>
-                <a:latin typeface="Arial" panose="020B0604020202020204" pitchFamily="34" charset="0"/>
-              </a:defRPr>
-            </a:lvl1pPr>
-            <a:lvl2pPr marL="457200" eaLnBrk="0" fontAlgn="base" hangingPunct="0">
-              <a:spcBef>
-                <a:spcPct val="0"/>
-              </a:spcBef>
-              <a:spcAft>
-                <a:spcPct val="0"/>
-              </a:spcAft>
-              <a:defRPr>
-                <a:solidFill>
-                  <a:schemeClr val="tx1"/>
-                </a:solidFill>
-                <a:latin typeface="Arial" panose="020B0604020202020204" pitchFamily="34" charset="0"/>
-              </a:defRPr>
-            </a:lvl2pPr>
-            <a:lvl3pPr marL="914400" eaLnBrk="0" fontAlgn="base" hangingPunct="0">
-              <a:spcBef>
-                <a:spcPct val="0"/>
-              </a:spcBef>
-              <a:spcAft>
-                <a:spcPct val="0"/>
-              </a:spcAft>
-              <a:defRPr>
-                <a:solidFill>
-                  <a:schemeClr val="tx1"/>
-                </a:solidFill>
-                <a:latin typeface="Arial" panose="020B0604020202020204" pitchFamily="34" charset="0"/>
-              </a:defRPr>
-            </a:lvl3pPr>
-            <a:lvl4pPr marL="1371600" eaLnBrk="0" fontAlgn="base" hangingPunct="0">
-              <a:spcBef>
-                <a:spcPct val="0"/>
-              </a:spcBef>
-              <a:spcAft>
-                <a:spcPct val="0"/>
-              </a:spcAft>
-              <a:defRPr>
-                <a:solidFill>
-                  <a:schemeClr val="tx1"/>
-                </a:solidFill>
-                <a:latin typeface="Arial" panose="020B0604020202020204" pitchFamily="34" charset="0"/>
-              </a:defRPr>
-            </a:lvl4pPr>
-            <a:lvl5pPr marL="1828800" eaLnBrk="0" fontAlgn="base" hangingPunct="0">
-              <a:spcBef>
-                <a:spcPct val="0"/>
-              </a:spcBef>
-              <a:spcAft>
-                <a:spcPct val="0"/>
-              </a:spcAft>
-              <a:defRPr>
-                <a:solidFill>
-                  <a:schemeClr val="tx1"/>
-                </a:solidFill>
-                <a:latin typeface="Arial" panose="020B0604020202020204" pitchFamily="34" charset="0"/>
-              </a:defRPr>
-            </a:lvl5pPr>
-            <a:lvl6pPr marL="2286000" eaLnBrk="0" fontAlgn="base" hangingPunct="0">
-              <a:spcBef>
-                <a:spcPct val="0"/>
-              </a:spcBef>
-              <a:spcAft>
-                <a:spcPct val="0"/>
-              </a:spcAft>
-              <a:defRPr>
-                <a:solidFill>
-                  <a:schemeClr val="tx1"/>
-                </a:solidFill>
-                <a:latin typeface="Arial" panose="020B0604020202020204" pitchFamily="34" charset="0"/>
-              </a:defRPr>
-            </a:lvl6pPr>
-            <a:lvl7pPr marL="2743200" eaLnBrk="0" fontAlgn="base" hangingPunct="0">
-              <a:spcBef>
-                <a:spcPct val="0"/>
-              </a:spcBef>
-              <a:spcAft>
-                <a:spcPct val="0"/>
-              </a:spcAft>
-              <a:defRPr>
-                <a:solidFill>
-                  <a:schemeClr val="tx1"/>
-                </a:solidFill>
-                <a:latin typeface="Arial" panose="020B0604020202020204" pitchFamily="34" charset="0"/>
-              </a:defRPr>
-            </a:lvl7pPr>
-            <a:lvl8pPr marL="3200400" eaLnBrk="0" fontAlgn="base" hangingPunct="0">
-              <a:spcBef>
-                <a:spcPct val="0"/>
-              </a:spcBef>
-              <a:spcAft>
-                <a:spcPct val="0"/>
-              </a:spcAft>
-              <a:defRPr>
-                <a:solidFill>
-                  <a:schemeClr val="tx1"/>
-                </a:solidFill>
-                <a:latin typeface="Arial" panose="020B0604020202020204" pitchFamily="34" charset="0"/>
-              </a:defRPr>
-            </a:lvl8pPr>
-            <a:lvl9pPr marL="3657600" eaLnBrk="0" fontAlgn="base" hangingPunct="0">
-              <a:spcBef>
-                <a:spcPct val="0"/>
-              </a:spcBef>
-              <a:spcAft>
-                <a:spcPct val="0"/>
-              </a:spcAft>
-              <a:defRPr>
-                <a:solidFill>
-                  <a:schemeClr val="tx1"/>
-                </a:solidFill>
-                <a:latin typeface="Arial" panose="020B0604020202020204" pitchFamily="34" charset="0"/>
-              </a:defRPr>
-            </a:lvl9pPr>
-          </a:lstStyle>
-          <a:p>
-            <a:pPr marL="0" marR="0" lvl="0" indent="0" algn="l" defTabSz="914400" rtl="0" eaLnBrk="0" fontAlgn="base" latinLnBrk="0" hangingPunct="0">
-              <a:lnSpc>
-                <a:spcPct val="100000"/>
-              </a:lnSpc>
-              <a:spcBef>
-                <a:spcPct val="0"/>
-              </a:spcBef>
-              <a:spcAft>
-                <a:spcPct val="0"/>
-              </a:spcAft>
-              <a:buClrTx/>
-              <a:buSzTx/>
-              <a:buFontTx/>
-              <a:buNone/>
-              <a:tabLst/>
-            </a:pPr>
-            <a:endParaRPr kumimoji="0" lang="zh-CN" altLang="zh-CN" sz="1800" b="0" i="0" u="none" strike="noStrike" cap="none" normalizeH="0" baseline="0" dirty="0">
-              <a:ln>
-                <a:noFill/>
-              </a:ln>
-              <a:solidFill>
-                <a:schemeClr val="tx1"/>
-              </a:solidFill>
-              <a:effectLst/>
-              <a:latin typeface="Arial" panose="020B0604020202020204" pitchFamily="34" charset="0"/>
-            </a:endParaRPr>
-          </a:p>
-        </p:txBody>
-      </p:sp>
-      <p:sp>
-        <p:nvSpPr>
-          <p:cNvPr id="4" name="文本框 3">
-            <a:extLst>
-              <a:ext uri="{FF2B5EF4-FFF2-40B4-BE49-F238E27FC236}">
-                <a16:creationId xmlns:a16="http://schemas.microsoft.com/office/drawing/2014/main" id="{9D27F7EC-C649-44C3-B9DF-FF76AD462276}"/>
-              </a:ext>
-            </a:extLst>
-          </p:cNvPr>
-          <p:cNvSpPr txBox="1"/>
-          <p:nvPr/>
-        </p:nvSpPr>
-        <p:spPr>
-          <a:xfrm>
-            <a:off x="243311" y="1789160"/>
             <a:ext cx="8403539" cy="325025"/>
           </a:xfrm>
           <a:prstGeom prst="rect">
@@ -37520,419 +36658,7 @@
 </p:sld>
 </file>
 
-<file path=ppt/slides/slide7.xml><?xml version="1.0" encoding="utf-8"?>
-<p:sld xmlns:a="http://schemas.openxmlformats.org/drawingml/2006/main" xmlns:r="http://schemas.openxmlformats.org/officeDocument/2006/relationships" xmlns:p="http://schemas.openxmlformats.org/presentationml/2006/main">
-  <p:cSld>
-    <p:spTree>
-      <p:nvGrpSpPr>
-        <p:cNvPr id="1" name=""/>
-        <p:cNvGrpSpPr/>
-        <p:nvPr/>
-      </p:nvGrpSpPr>
-      <p:grpSpPr>
-        <a:xfrm>
-          <a:off x="0" y="0"/>
-          <a:ext cx="0" cy="0"/>
-          <a:chOff x="0" y="0"/>
-          <a:chExt cx="0" cy="0"/>
-        </a:xfrm>
-      </p:grpSpPr>
-      <p:sp>
-        <p:nvSpPr>
-          <p:cNvPr id="5" name="文本占位符 4"/>
-          <p:cNvSpPr>
-            <a:spLocks noGrp="1"/>
-          </p:cNvSpPr>
-          <p:nvPr>
-            <p:ph type="body" sz="quarter" idx="10"/>
-          </p:nvPr>
-        </p:nvSpPr>
-        <p:spPr/>
-        <p:txBody>
-          <a:bodyPr/>
-          <a:lstStyle/>
-          <a:p>
-            <a:r>
-              <a:rPr lang="zh-CN" altLang="en-US" b="0" dirty="0"/>
-              <a:t>常见</a:t>
-            </a:r>
-            <a:r>
-              <a:rPr lang="en-US" altLang="zh-CN" b="0" dirty="0"/>
-              <a:t>Object</a:t>
-            </a:r>
-            <a:r>
-              <a:rPr lang="zh-CN" altLang="en-US" b="0" dirty="0"/>
-              <a:t>方法</a:t>
-            </a:r>
-            <a:endParaRPr lang="zh-CN" altLang="en-US" dirty="0"/>
-          </a:p>
-        </p:txBody>
-      </p:sp>
-      <p:sp>
-        <p:nvSpPr>
-          <p:cNvPr id="2" name="文本框 1">
-            <a:extLst>
-              <a:ext uri="{FF2B5EF4-FFF2-40B4-BE49-F238E27FC236}">
-                <a16:creationId xmlns:a16="http://schemas.microsoft.com/office/drawing/2014/main" id="{46942831-FE3E-4885-8167-2D2840B176FB}"/>
-              </a:ext>
-            </a:extLst>
-          </p:cNvPr>
-          <p:cNvSpPr txBox="1"/>
-          <p:nvPr/>
-        </p:nvSpPr>
-        <p:spPr>
-          <a:xfrm>
-            <a:off x="368833" y="1940516"/>
-            <a:ext cx="8406333" cy="3896580"/>
-          </a:xfrm>
-          <a:prstGeom prst="rect">
-            <a:avLst/>
-          </a:prstGeom>
-          <a:noFill/>
-        </p:spPr>
-        <p:txBody>
-          <a:bodyPr wrap="square" rtlCol="0">
-            <a:spAutoFit/>
-          </a:bodyPr>
-          <a:lstStyle/>
-          <a:p>
-            <a:pPr marL="342900" indent="-342900">
-              <a:buFont typeface="+mj-lt"/>
-              <a:buAutoNum type="arabicPeriod"/>
-            </a:pPr>
-            <a:r>
-              <a:rPr lang="en-US" altLang="zh-CN" dirty="0"/>
-              <a:t>equals()</a:t>
-            </a:r>
-          </a:p>
-          <a:p>
-            <a:pPr lvl="1"/>
-            <a:r>
-              <a:rPr lang="zh-CN" altLang="zh-CN" sz="1600" dirty="0">
-                <a:solidFill>
-                  <a:srgbClr val="000000"/>
-                </a:solidFill>
-                <a:latin typeface="Consolas" panose="020B0609020204030204" pitchFamily="49" charset="0"/>
-              </a:rPr>
-              <a:t>assertTrue(Objects.equal(1, 1));</a:t>
-            </a:r>
-            <a:br>
-              <a:rPr lang="zh-CN" altLang="zh-CN" sz="1600" dirty="0">
-                <a:solidFill>
-                  <a:srgbClr val="000000"/>
-                </a:solidFill>
-                <a:latin typeface="Consolas" panose="020B0609020204030204" pitchFamily="49" charset="0"/>
-              </a:rPr>
-            </a:br>
-            <a:r>
-              <a:rPr lang="zh-CN" altLang="zh-CN" sz="1600" dirty="0">
-                <a:solidFill>
-                  <a:srgbClr val="000000"/>
-                </a:solidFill>
-                <a:latin typeface="Consolas" panose="020B0609020204030204" pitchFamily="49" charset="0"/>
-              </a:rPr>
-              <a:t>assertTrue(Objects.equal(null, null));</a:t>
-            </a:r>
-            <a:br>
-              <a:rPr lang="zh-CN" altLang="zh-CN" sz="1600" dirty="0">
-                <a:solidFill>
-                  <a:srgbClr val="000000"/>
-                </a:solidFill>
-                <a:latin typeface="Consolas" panose="020B0609020204030204" pitchFamily="49" charset="0"/>
-              </a:rPr>
-            </a:br>
-            <a:r>
-              <a:rPr lang="zh-CN" altLang="zh-CN" sz="1600" dirty="0">
-                <a:solidFill>
-                  <a:srgbClr val="000000"/>
-                </a:solidFill>
-                <a:latin typeface="Consolas" panose="020B0609020204030204" pitchFamily="49" charset="0"/>
-              </a:rPr>
-              <a:t>String s1 = "foobar";</a:t>
-            </a:r>
-            <a:br>
-              <a:rPr lang="zh-CN" altLang="zh-CN" sz="1600" dirty="0">
-                <a:solidFill>
-                  <a:srgbClr val="000000"/>
-                </a:solidFill>
-                <a:latin typeface="Consolas" panose="020B0609020204030204" pitchFamily="49" charset="0"/>
-              </a:rPr>
-            </a:br>
-            <a:r>
-              <a:rPr lang="zh-CN" altLang="zh-CN" sz="1600" dirty="0">
-                <a:solidFill>
-                  <a:srgbClr val="000000"/>
-                </a:solidFill>
-                <a:latin typeface="Consolas" panose="020B0609020204030204" pitchFamily="49" charset="0"/>
-              </a:rPr>
-              <a:t>String s2 = new String(s1);</a:t>
-            </a:r>
-            <a:br>
-              <a:rPr lang="zh-CN" altLang="zh-CN" sz="1600" dirty="0">
-                <a:solidFill>
-                  <a:srgbClr val="000000"/>
-                </a:solidFill>
-                <a:latin typeface="Consolas" panose="020B0609020204030204" pitchFamily="49" charset="0"/>
-              </a:rPr>
-            </a:br>
-            <a:r>
-              <a:rPr lang="zh-CN" altLang="zh-CN" sz="1600" dirty="0">
-                <a:solidFill>
-                  <a:srgbClr val="000000"/>
-                </a:solidFill>
-                <a:latin typeface="Consolas" panose="020B0609020204030204" pitchFamily="49" charset="0"/>
-              </a:rPr>
-              <a:t>assertTrue(Objects.equal(s1, s2));</a:t>
-            </a:r>
-            <a:endParaRPr lang="en-US" altLang="zh-CN" sz="1600" dirty="0">
-              <a:solidFill>
-                <a:srgbClr val="000000"/>
-              </a:solidFill>
-              <a:latin typeface="Consolas" panose="020B0609020204030204" pitchFamily="49" charset="0"/>
-            </a:endParaRPr>
-          </a:p>
-          <a:p>
-            <a:pPr lvl="1"/>
-            <a:endParaRPr lang="en-US" altLang="zh-CN" dirty="0"/>
-          </a:p>
-          <a:p>
-            <a:pPr marL="342900" indent="-342900">
-              <a:buFont typeface="+mj-lt"/>
-              <a:buAutoNum type="arabicPeriod"/>
-            </a:pPr>
-            <a:r>
-              <a:rPr lang="en-US" altLang="zh-CN" dirty="0"/>
-              <a:t>hashCode</a:t>
-            </a:r>
-          </a:p>
-          <a:p>
-            <a:pPr lvl="1"/>
-            <a:r>
-              <a:rPr lang="zh-CN" altLang="zh-CN" sz="1600" i="1" dirty="0">
-                <a:solidFill>
-                  <a:srgbClr val="000000"/>
-                </a:solidFill>
-                <a:latin typeface="Consolas" panose="020B0609020204030204" pitchFamily="49" charset="0"/>
-              </a:rPr>
-              <a:t>assertTrue</a:t>
-            </a:r>
-            <a:r>
-              <a:rPr lang="zh-CN" altLang="zh-CN" sz="1600" dirty="0">
-                <a:solidFill>
-                  <a:srgbClr val="000000"/>
-                </a:solidFill>
-                <a:latin typeface="Consolas" panose="020B0609020204030204" pitchFamily="49" charset="0"/>
-              </a:rPr>
-              <a:t>(Objects.</a:t>
-            </a:r>
-            <a:r>
-              <a:rPr lang="zh-CN" altLang="zh-CN" sz="1600" i="1" dirty="0">
-                <a:solidFill>
-                  <a:srgbClr val="000000"/>
-                </a:solidFill>
-                <a:latin typeface="Consolas" panose="020B0609020204030204" pitchFamily="49" charset="0"/>
-              </a:rPr>
-              <a:t>hashCode</a:t>
-            </a:r>
-            <a:r>
-              <a:rPr lang="zh-CN" altLang="zh-CN" sz="1600" dirty="0">
-                <a:solidFill>
-                  <a:srgbClr val="000000"/>
-                </a:solidFill>
-                <a:latin typeface="Consolas" panose="020B0609020204030204" pitchFamily="49" charset="0"/>
-              </a:rPr>
-              <a:t>(</a:t>
-            </a:r>
-            <a:r>
-              <a:rPr lang="zh-CN" altLang="zh-CN" sz="1600" dirty="0">
-                <a:solidFill>
-                  <a:srgbClr val="0000FF"/>
-                </a:solidFill>
-                <a:latin typeface="Consolas" panose="020B0609020204030204" pitchFamily="49" charset="0"/>
-              </a:rPr>
-              <a:t>1</a:t>
-            </a:r>
-            <a:r>
-              <a:rPr lang="zh-CN" altLang="zh-CN" sz="1600" dirty="0">
-                <a:solidFill>
-                  <a:srgbClr val="000000"/>
-                </a:solidFill>
-                <a:latin typeface="Consolas" panose="020B0609020204030204" pitchFamily="49" charset="0"/>
-              </a:rPr>
-              <a:t>, </a:t>
-            </a:r>
-            <a:r>
-              <a:rPr lang="zh-CN" altLang="zh-CN" sz="1600" dirty="0">
-                <a:solidFill>
-                  <a:srgbClr val="0000FF"/>
-                </a:solidFill>
-                <a:latin typeface="Consolas" panose="020B0609020204030204" pitchFamily="49" charset="0"/>
-              </a:rPr>
-              <a:t>2</a:t>
-            </a:r>
-            <a:r>
-              <a:rPr lang="zh-CN" altLang="zh-CN" sz="1600" dirty="0">
-                <a:solidFill>
-                  <a:srgbClr val="000000"/>
-                </a:solidFill>
-                <a:latin typeface="Consolas" panose="020B0609020204030204" pitchFamily="49" charset="0"/>
-              </a:rPr>
-              <a:t>, </a:t>
-            </a:r>
-            <a:r>
-              <a:rPr lang="zh-CN" altLang="zh-CN" sz="1600" b="1" dirty="0">
-                <a:solidFill>
-                  <a:srgbClr val="000080"/>
-                </a:solidFill>
-                <a:latin typeface="Consolas" panose="020B0609020204030204" pitchFamily="49" charset="0"/>
-              </a:rPr>
-              <a:t>null</a:t>
-            </a:r>
-            <a:r>
-              <a:rPr lang="zh-CN" altLang="zh-CN" sz="1600" dirty="0">
-                <a:solidFill>
-                  <a:srgbClr val="000000"/>
-                </a:solidFill>
-                <a:latin typeface="Consolas" panose="020B0609020204030204" pitchFamily="49" charset="0"/>
-              </a:rPr>
-              <a:t>) != Objects.</a:t>
-            </a:r>
-            <a:r>
-              <a:rPr lang="zh-CN" altLang="zh-CN" sz="1600" i="1" dirty="0">
-                <a:solidFill>
-                  <a:srgbClr val="000000"/>
-                </a:solidFill>
-                <a:latin typeface="Consolas" panose="020B0609020204030204" pitchFamily="49" charset="0"/>
-              </a:rPr>
-              <a:t>hashCode</a:t>
-            </a:r>
-            <a:r>
-              <a:rPr lang="zh-CN" altLang="zh-CN" sz="1600" dirty="0">
-                <a:solidFill>
-                  <a:srgbClr val="000000"/>
-                </a:solidFill>
-                <a:latin typeface="Consolas" panose="020B0609020204030204" pitchFamily="49" charset="0"/>
-              </a:rPr>
-              <a:t>(</a:t>
-            </a:r>
-            <a:r>
-              <a:rPr lang="zh-CN" altLang="zh-CN" sz="1600" dirty="0">
-                <a:solidFill>
-                  <a:srgbClr val="0000FF"/>
-                </a:solidFill>
-                <a:latin typeface="Consolas" panose="020B0609020204030204" pitchFamily="49" charset="0"/>
-              </a:rPr>
-              <a:t>1</a:t>
-            </a:r>
-            <a:r>
-              <a:rPr lang="zh-CN" altLang="zh-CN" sz="1600" dirty="0">
-                <a:solidFill>
-                  <a:srgbClr val="000000"/>
-                </a:solidFill>
-                <a:latin typeface="Consolas" panose="020B0609020204030204" pitchFamily="49" charset="0"/>
-              </a:rPr>
-              <a:t>, </a:t>
-            </a:r>
-            <a:r>
-              <a:rPr lang="zh-CN" altLang="zh-CN" sz="1600" dirty="0">
-                <a:solidFill>
-                  <a:srgbClr val="0000FF"/>
-                </a:solidFill>
-                <a:latin typeface="Consolas" panose="020B0609020204030204" pitchFamily="49" charset="0"/>
-              </a:rPr>
-              <a:t>2</a:t>
-            </a:r>
-            <a:r>
-              <a:rPr lang="zh-CN" altLang="zh-CN" sz="1600" dirty="0">
-                <a:solidFill>
-                  <a:srgbClr val="000000"/>
-                </a:solidFill>
-                <a:latin typeface="Consolas" panose="020B0609020204030204" pitchFamily="49" charset="0"/>
-              </a:rPr>
-              <a:t>));</a:t>
-            </a:r>
-            <a:endParaRPr lang="en-US" altLang="zh-CN" sz="1600" dirty="0">
-              <a:solidFill>
-                <a:srgbClr val="000000"/>
-              </a:solidFill>
-              <a:latin typeface="Consolas" panose="020B0609020204030204" pitchFamily="49" charset="0"/>
-            </a:endParaRPr>
-          </a:p>
-          <a:p>
-            <a:pPr lvl="1"/>
-            <a:endParaRPr lang="en-US" altLang="zh-CN" dirty="0"/>
-          </a:p>
-          <a:p>
-            <a:pPr marL="342900" indent="-342900">
-              <a:buFont typeface="+mj-lt"/>
-              <a:buAutoNum type="arabicPeriod"/>
-            </a:pPr>
-            <a:r>
-              <a:rPr lang="en-US" altLang="zh-CN" dirty="0"/>
-              <a:t>compare/compareTo</a:t>
-            </a:r>
-          </a:p>
-          <a:p>
-            <a:pPr lvl="1"/>
-            <a:r>
-              <a:rPr lang="en-US" altLang="zh-CN" dirty="0"/>
-              <a:t>Guava</a:t>
-            </a:r>
-            <a:r>
-              <a:rPr lang="zh-CN" altLang="en-US" dirty="0"/>
-              <a:t>提供了</a:t>
-            </a:r>
-            <a:r>
-              <a:rPr lang="en-US" altLang="zh-CN" dirty="0"/>
-              <a:t>ComparisonChain</a:t>
-            </a:r>
-            <a:r>
-              <a:rPr lang="zh-CN" altLang="en-US" dirty="0"/>
-              <a:t>。</a:t>
-            </a:r>
-          </a:p>
-          <a:p>
-            <a:pPr lvl="1"/>
-            <a:r>
-              <a:rPr lang="en-US" altLang="zh-CN" dirty="0"/>
-              <a:t>ComparisonChain</a:t>
-            </a:r>
-            <a:r>
-              <a:rPr lang="zh-CN" altLang="en-US" dirty="0"/>
-              <a:t>执行一种懒比较：它执行比较操作直至发现非零的结果，在那之后的比较输入将被忽略。</a:t>
-            </a:r>
-            <a:endParaRPr lang="en-US" altLang="zh-CN" dirty="0"/>
-          </a:p>
-          <a:p>
-            <a:pPr marL="342900" indent="-342900">
-              <a:buFont typeface="+mj-lt"/>
-              <a:buAutoNum type="arabicPeriod"/>
-            </a:pPr>
-            <a:endParaRPr lang="en-US" altLang="zh-CN" dirty="0"/>
-          </a:p>
-          <a:p>
-            <a:pPr marL="342900" indent="-342900">
-              <a:buFont typeface="+mj-lt"/>
-              <a:buAutoNum type="arabicPeriod"/>
-            </a:pPr>
-            <a:endParaRPr lang="zh-CN" altLang="en-US" dirty="0"/>
-          </a:p>
-        </p:txBody>
-      </p:sp>
-    </p:spTree>
-    <p:extLst>
-      <p:ext uri="{BB962C8B-B14F-4D97-AF65-F5344CB8AC3E}">
-        <p14:creationId xmlns:p14="http://schemas.microsoft.com/office/powerpoint/2010/main" val="1191101151"/>
-      </p:ext>
-    </p:extLst>
-  </p:cSld>
-  <p:clrMapOvr>
-    <a:masterClrMapping/>
-  </p:clrMapOvr>
-</p:sld>
-</file>
-
-<file path=ppt/slides/slide70.xml><?xml version="1.0" encoding="utf-8"?>
+<file path=ppt/slides/slide69.xml><?xml version="1.0" encoding="utf-8"?>
 <p:sld xmlns:a="http://schemas.openxmlformats.org/drawingml/2006/main" xmlns:r="http://schemas.openxmlformats.org/officeDocument/2006/relationships" xmlns:p="http://schemas.openxmlformats.org/presentationml/2006/main">
   <p:cSld>
     <p:spTree>
@@ -38453,7 +37179,419 @@
 </p:sld>
 </file>
 
-<file path=ppt/slides/slide71.xml><?xml version="1.0" encoding="utf-8"?>
+<file path=ppt/slides/slide7.xml><?xml version="1.0" encoding="utf-8"?>
+<p:sld xmlns:a="http://schemas.openxmlformats.org/drawingml/2006/main" xmlns:r="http://schemas.openxmlformats.org/officeDocument/2006/relationships" xmlns:p="http://schemas.openxmlformats.org/presentationml/2006/main">
+  <p:cSld>
+    <p:spTree>
+      <p:nvGrpSpPr>
+        <p:cNvPr id="1" name=""/>
+        <p:cNvGrpSpPr/>
+        <p:nvPr/>
+      </p:nvGrpSpPr>
+      <p:grpSpPr>
+        <a:xfrm>
+          <a:off x="0" y="0"/>
+          <a:ext cx="0" cy="0"/>
+          <a:chOff x="0" y="0"/>
+          <a:chExt cx="0" cy="0"/>
+        </a:xfrm>
+      </p:grpSpPr>
+      <p:sp>
+        <p:nvSpPr>
+          <p:cNvPr id="5" name="文本占位符 4"/>
+          <p:cNvSpPr>
+            <a:spLocks noGrp="1"/>
+          </p:cNvSpPr>
+          <p:nvPr>
+            <p:ph type="body" sz="quarter" idx="10"/>
+          </p:nvPr>
+        </p:nvSpPr>
+        <p:spPr/>
+        <p:txBody>
+          <a:bodyPr/>
+          <a:lstStyle/>
+          <a:p>
+            <a:r>
+              <a:rPr lang="zh-CN" altLang="en-US" b="0" dirty="0"/>
+              <a:t>常见</a:t>
+            </a:r>
+            <a:r>
+              <a:rPr lang="en-US" altLang="zh-CN" b="0" dirty="0"/>
+              <a:t>Object</a:t>
+            </a:r>
+            <a:r>
+              <a:rPr lang="zh-CN" altLang="en-US" b="0" dirty="0"/>
+              <a:t>方法</a:t>
+            </a:r>
+            <a:endParaRPr lang="zh-CN" altLang="en-US" dirty="0"/>
+          </a:p>
+        </p:txBody>
+      </p:sp>
+      <p:sp>
+        <p:nvSpPr>
+          <p:cNvPr id="2" name="文本框 1">
+            <a:extLst>
+              <a:ext uri="{FF2B5EF4-FFF2-40B4-BE49-F238E27FC236}">
+                <a16:creationId xmlns:a16="http://schemas.microsoft.com/office/drawing/2014/main" id="{46942831-FE3E-4885-8167-2D2840B176FB}"/>
+              </a:ext>
+            </a:extLst>
+          </p:cNvPr>
+          <p:cNvSpPr txBox="1"/>
+          <p:nvPr/>
+        </p:nvSpPr>
+        <p:spPr>
+          <a:xfrm>
+            <a:off x="368833" y="1940516"/>
+            <a:ext cx="8406333" cy="3896580"/>
+          </a:xfrm>
+          <a:prstGeom prst="rect">
+            <a:avLst/>
+          </a:prstGeom>
+          <a:noFill/>
+        </p:spPr>
+        <p:txBody>
+          <a:bodyPr wrap="square" rtlCol="0">
+            <a:spAutoFit/>
+          </a:bodyPr>
+          <a:lstStyle/>
+          <a:p>
+            <a:pPr marL="342900" indent="-342900">
+              <a:buFont typeface="+mj-lt"/>
+              <a:buAutoNum type="arabicPeriod"/>
+            </a:pPr>
+            <a:r>
+              <a:rPr lang="en-US" altLang="zh-CN" dirty="0"/>
+              <a:t>equals()</a:t>
+            </a:r>
+          </a:p>
+          <a:p>
+            <a:pPr lvl="1"/>
+            <a:r>
+              <a:rPr lang="zh-CN" altLang="zh-CN" sz="1600" dirty="0">
+                <a:solidFill>
+                  <a:srgbClr val="000000"/>
+                </a:solidFill>
+                <a:latin typeface="Consolas" panose="020B0609020204030204" pitchFamily="49" charset="0"/>
+              </a:rPr>
+              <a:t>assertTrue(Objects.equal(1, 1));</a:t>
+            </a:r>
+            <a:br>
+              <a:rPr lang="zh-CN" altLang="zh-CN" sz="1600" dirty="0">
+                <a:solidFill>
+                  <a:srgbClr val="000000"/>
+                </a:solidFill>
+                <a:latin typeface="Consolas" panose="020B0609020204030204" pitchFamily="49" charset="0"/>
+              </a:rPr>
+            </a:br>
+            <a:r>
+              <a:rPr lang="zh-CN" altLang="zh-CN" sz="1600" dirty="0">
+                <a:solidFill>
+                  <a:srgbClr val="000000"/>
+                </a:solidFill>
+                <a:latin typeface="Consolas" panose="020B0609020204030204" pitchFamily="49" charset="0"/>
+              </a:rPr>
+              <a:t>assertTrue(Objects.equal(null, null));</a:t>
+            </a:r>
+            <a:br>
+              <a:rPr lang="zh-CN" altLang="zh-CN" sz="1600" dirty="0">
+                <a:solidFill>
+                  <a:srgbClr val="000000"/>
+                </a:solidFill>
+                <a:latin typeface="Consolas" panose="020B0609020204030204" pitchFamily="49" charset="0"/>
+              </a:rPr>
+            </a:br>
+            <a:r>
+              <a:rPr lang="zh-CN" altLang="zh-CN" sz="1600" dirty="0">
+                <a:solidFill>
+                  <a:srgbClr val="000000"/>
+                </a:solidFill>
+                <a:latin typeface="Consolas" panose="020B0609020204030204" pitchFamily="49" charset="0"/>
+              </a:rPr>
+              <a:t>String s1 = "foobar";</a:t>
+            </a:r>
+            <a:br>
+              <a:rPr lang="zh-CN" altLang="zh-CN" sz="1600" dirty="0">
+                <a:solidFill>
+                  <a:srgbClr val="000000"/>
+                </a:solidFill>
+                <a:latin typeface="Consolas" panose="020B0609020204030204" pitchFamily="49" charset="0"/>
+              </a:rPr>
+            </a:br>
+            <a:r>
+              <a:rPr lang="zh-CN" altLang="zh-CN" sz="1600" dirty="0">
+                <a:solidFill>
+                  <a:srgbClr val="000000"/>
+                </a:solidFill>
+                <a:latin typeface="Consolas" panose="020B0609020204030204" pitchFamily="49" charset="0"/>
+              </a:rPr>
+              <a:t>String s2 = new String(s1);</a:t>
+            </a:r>
+            <a:br>
+              <a:rPr lang="zh-CN" altLang="zh-CN" sz="1600" dirty="0">
+                <a:solidFill>
+                  <a:srgbClr val="000000"/>
+                </a:solidFill>
+                <a:latin typeface="Consolas" panose="020B0609020204030204" pitchFamily="49" charset="0"/>
+              </a:rPr>
+            </a:br>
+            <a:r>
+              <a:rPr lang="zh-CN" altLang="zh-CN" sz="1600" dirty="0">
+                <a:solidFill>
+                  <a:srgbClr val="000000"/>
+                </a:solidFill>
+                <a:latin typeface="Consolas" panose="020B0609020204030204" pitchFamily="49" charset="0"/>
+              </a:rPr>
+              <a:t>assertTrue(Objects.equal(s1, s2));</a:t>
+            </a:r>
+            <a:endParaRPr lang="en-US" altLang="zh-CN" sz="1600" dirty="0">
+              <a:solidFill>
+                <a:srgbClr val="000000"/>
+              </a:solidFill>
+              <a:latin typeface="Consolas" panose="020B0609020204030204" pitchFamily="49" charset="0"/>
+            </a:endParaRPr>
+          </a:p>
+          <a:p>
+            <a:pPr lvl="1"/>
+            <a:endParaRPr lang="en-US" altLang="zh-CN" dirty="0"/>
+          </a:p>
+          <a:p>
+            <a:pPr marL="342900" indent="-342900">
+              <a:buFont typeface="+mj-lt"/>
+              <a:buAutoNum type="arabicPeriod"/>
+            </a:pPr>
+            <a:r>
+              <a:rPr lang="en-US" altLang="zh-CN" dirty="0"/>
+              <a:t>hashCode</a:t>
+            </a:r>
+          </a:p>
+          <a:p>
+            <a:pPr lvl="1"/>
+            <a:r>
+              <a:rPr lang="zh-CN" altLang="zh-CN" sz="1600" i="1" dirty="0">
+                <a:solidFill>
+                  <a:srgbClr val="000000"/>
+                </a:solidFill>
+                <a:latin typeface="Consolas" panose="020B0609020204030204" pitchFamily="49" charset="0"/>
+              </a:rPr>
+              <a:t>assertTrue</a:t>
+            </a:r>
+            <a:r>
+              <a:rPr lang="zh-CN" altLang="zh-CN" sz="1600" dirty="0">
+                <a:solidFill>
+                  <a:srgbClr val="000000"/>
+                </a:solidFill>
+                <a:latin typeface="Consolas" panose="020B0609020204030204" pitchFamily="49" charset="0"/>
+              </a:rPr>
+              <a:t>(Objects.</a:t>
+            </a:r>
+            <a:r>
+              <a:rPr lang="zh-CN" altLang="zh-CN" sz="1600" i="1" dirty="0">
+                <a:solidFill>
+                  <a:srgbClr val="000000"/>
+                </a:solidFill>
+                <a:latin typeface="Consolas" panose="020B0609020204030204" pitchFamily="49" charset="0"/>
+              </a:rPr>
+              <a:t>hashCode</a:t>
+            </a:r>
+            <a:r>
+              <a:rPr lang="zh-CN" altLang="zh-CN" sz="1600" dirty="0">
+                <a:solidFill>
+                  <a:srgbClr val="000000"/>
+                </a:solidFill>
+                <a:latin typeface="Consolas" panose="020B0609020204030204" pitchFamily="49" charset="0"/>
+              </a:rPr>
+              <a:t>(</a:t>
+            </a:r>
+            <a:r>
+              <a:rPr lang="zh-CN" altLang="zh-CN" sz="1600" dirty="0">
+                <a:solidFill>
+                  <a:srgbClr val="0000FF"/>
+                </a:solidFill>
+                <a:latin typeface="Consolas" panose="020B0609020204030204" pitchFamily="49" charset="0"/>
+              </a:rPr>
+              <a:t>1</a:t>
+            </a:r>
+            <a:r>
+              <a:rPr lang="zh-CN" altLang="zh-CN" sz="1600" dirty="0">
+                <a:solidFill>
+                  <a:srgbClr val="000000"/>
+                </a:solidFill>
+                <a:latin typeface="Consolas" panose="020B0609020204030204" pitchFamily="49" charset="0"/>
+              </a:rPr>
+              <a:t>, </a:t>
+            </a:r>
+            <a:r>
+              <a:rPr lang="zh-CN" altLang="zh-CN" sz="1600" dirty="0">
+                <a:solidFill>
+                  <a:srgbClr val="0000FF"/>
+                </a:solidFill>
+                <a:latin typeface="Consolas" panose="020B0609020204030204" pitchFamily="49" charset="0"/>
+              </a:rPr>
+              <a:t>2</a:t>
+            </a:r>
+            <a:r>
+              <a:rPr lang="zh-CN" altLang="zh-CN" sz="1600" dirty="0">
+                <a:solidFill>
+                  <a:srgbClr val="000000"/>
+                </a:solidFill>
+                <a:latin typeface="Consolas" panose="020B0609020204030204" pitchFamily="49" charset="0"/>
+              </a:rPr>
+              <a:t>, </a:t>
+            </a:r>
+            <a:r>
+              <a:rPr lang="zh-CN" altLang="zh-CN" sz="1600" b="1" dirty="0">
+                <a:solidFill>
+                  <a:srgbClr val="000080"/>
+                </a:solidFill>
+                <a:latin typeface="Consolas" panose="020B0609020204030204" pitchFamily="49" charset="0"/>
+              </a:rPr>
+              <a:t>null</a:t>
+            </a:r>
+            <a:r>
+              <a:rPr lang="zh-CN" altLang="zh-CN" sz="1600" dirty="0">
+                <a:solidFill>
+                  <a:srgbClr val="000000"/>
+                </a:solidFill>
+                <a:latin typeface="Consolas" panose="020B0609020204030204" pitchFamily="49" charset="0"/>
+              </a:rPr>
+              <a:t>) != Objects.</a:t>
+            </a:r>
+            <a:r>
+              <a:rPr lang="zh-CN" altLang="zh-CN" sz="1600" i="1" dirty="0">
+                <a:solidFill>
+                  <a:srgbClr val="000000"/>
+                </a:solidFill>
+                <a:latin typeface="Consolas" panose="020B0609020204030204" pitchFamily="49" charset="0"/>
+              </a:rPr>
+              <a:t>hashCode</a:t>
+            </a:r>
+            <a:r>
+              <a:rPr lang="zh-CN" altLang="zh-CN" sz="1600" dirty="0">
+                <a:solidFill>
+                  <a:srgbClr val="000000"/>
+                </a:solidFill>
+                <a:latin typeface="Consolas" panose="020B0609020204030204" pitchFamily="49" charset="0"/>
+              </a:rPr>
+              <a:t>(</a:t>
+            </a:r>
+            <a:r>
+              <a:rPr lang="zh-CN" altLang="zh-CN" sz="1600" dirty="0">
+                <a:solidFill>
+                  <a:srgbClr val="0000FF"/>
+                </a:solidFill>
+                <a:latin typeface="Consolas" panose="020B0609020204030204" pitchFamily="49" charset="0"/>
+              </a:rPr>
+              <a:t>1</a:t>
+            </a:r>
+            <a:r>
+              <a:rPr lang="zh-CN" altLang="zh-CN" sz="1600" dirty="0">
+                <a:solidFill>
+                  <a:srgbClr val="000000"/>
+                </a:solidFill>
+                <a:latin typeface="Consolas" panose="020B0609020204030204" pitchFamily="49" charset="0"/>
+              </a:rPr>
+              <a:t>, </a:t>
+            </a:r>
+            <a:r>
+              <a:rPr lang="zh-CN" altLang="zh-CN" sz="1600" dirty="0">
+                <a:solidFill>
+                  <a:srgbClr val="0000FF"/>
+                </a:solidFill>
+                <a:latin typeface="Consolas" panose="020B0609020204030204" pitchFamily="49" charset="0"/>
+              </a:rPr>
+              <a:t>2</a:t>
+            </a:r>
+            <a:r>
+              <a:rPr lang="zh-CN" altLang="zh-CN" sz="1600" dirty="0">
+                <a:solidFill>
+                  <a:srgbClr val="000000"/>
+                </a:solidFill>
+                <a:latin typeface="Consolas" panose="020B0609020204030204" pitchFamily="49" charset="0"/>
+              </a:rPr>
+              <a:t>));</a:t>
+            </a:r>
+            <a:endParaRPr lang="en-US" altLang="zh-CN" sz="1600" dirty="0">
+              <a:solidFill>
+                <a:srgbClr val="000000"/>
+              </a:solidFill>
+              <a:latin typeface="Consolas" panose="020B0609020204030204" pitchFamily="49" charset="0"/>
+            </a:endParaRPr>
+          </a:p>
+          <a:p>
+            <a:pPr lvl="1"/>
+            <a:endParaRPr lang="en-US" altLang="zh-CN" dirty="0"/>
+          </a:p>
+          <a:p>
+            <a:pPr marL="342900" indent="-342900">
+              <a:buFont typeface="+mj-lt"/>
+              <a:buAutoNum type="arabicPeriod"/>
+            </a:pPr>
+            <a:r>
+              <a:rPr lang="en-US" altLang="zh-CN" dirty="0"/>
+              <a:t>compare/compareTo</a:t>
+            </a:r>
+          </a:p>
+          <a:p>
+            <a:pPr lvl="1"/>
+            <a:r>
+              <a:rPr lang="en-US" altLang="zh-CN" dirty="0"/>
+              <a:t>Guava</a:t>
+            </a:r>
+            <a:r>
+              <a:rPr lang="zh-CN" altLang="en-US" dirty="0"/>
+              <a:t>提供了</a:t>
+            </a:r>
+            <a:r>
+              <a:rPr lang="en-US" altLang="zh-CN" dirty="0"/>
+              <a:t>ComparisonChain</a:t>
+            </a:r>
+            <a:r>
+              <a:rPr lang="zh-CN" altLang="en-US" dirty="0"/>
+              <a:t>。</a:t>
+            </a:r>
+          </a:p>
+          <a:p>
+            <a:pPr lvl="1"/>
+            <a:r>
+              <a:rPr lang="en-US" altLang="zh-CN" dirty="0"/>
+              <a:t>ComparisonChain</a:t>
+            </a:r>
+            <a:r>
+              <a:rPr lang="zh-CN" altLang="en-US" dirty="0"/>
+              <a:t>执行一种懒比较：它执行比较操作直至发现非零的结果，在那之后的比较输入将被忽略。</a:t>
+            </a:r>
+            <a:endParaRPr lang="en-US" altLang="zh-CN" dirty="0"/>
+          </a:p>
+          <a:p>
+            <a:pPr marL="342900" indent="-342900">
+              <a:buFont typeface="+mj-lt"/>
+              <a:buAutoNum type="arabicPeriod"/>
+            </a:pPr>
+            <a:endParaRPr lang="en-US" altLang="zh-CN" dirty="0"/>
+          </a:p>
+          <a:p>
+            <a:pPr marL="342900" indent="-342900">
+              <a:buFont typeface="+mj-lt"/>
+              <a:buAutoNum type="arabicPeriod"/>
+            </a:pPr>
+            <a:endParaRPr lang="zh-CN" altLang="en-US" dirty="0"/>
+          </a:p>
+        </p:txBody>
+      </p:sp>
+    </p:spTree>
+    <p:extLst>
+      <p:ext uri="{BB962C8B-B14F-4D97-AF65-F5344CB8AC3E}">
+        <p14:creationId xmlns:p14="http://schemas.microsoft.com/office/powerpoint/2010/main" val="1191101151"/>
+      </p:ext>
+    </p:extLst>
+  </p:cSld>
+  <p:clrMapOvr>
+    <a:masterClrMapping/>
+  </p:clrMapOvr>
+</p:sld>
+</file>
+
+<file path=ppt/slides/slide70.xml><?xml version="1.0" encoding="utf-8"?>
 <p:sld xmlns:a="http://schemas.openxmlformats.org/drawingml/2006/main" xmlns:r="http://schemas.openxmlformats.org/officeDocument/2006/relationships" xmlns:p="http://schemas.openxmlformats.org/presentationml/2006/main">
   <p:cSld>
     <p:spTree>
@@ -38736,7 +37874,7 @@
 </p:sld>
 </file>
 
-<file path=ppt/slides/slide72.xml><?xml version="1.0" encoding="utf-8"?>
+<file path=ppt/slides/slide71.xml><?xml version="1.0" encoding="utf-8"?>
 <p:sld xmlns:a="http://schemas.openxmlformats.org/drawingml/2006/main" xmlns:r="http://schemas.openxmlformats.org/officeDocument/2006/relationships" xmlns:p="http://schemas.openxmlformats.org/presentationml/2006/main">
   <p:cSld>
     <p:spTree>
@@ -39034,6 +38172,190 @@
 </p:sld>
 </file>
 
+<file path=ppt/slides/slide72.xml><?xml version="1.0" encoding="utf-8"?>
+<p:sld xmlns:a="http://schemas.openxmlformats.org/drawingml/2006/main" xmlns:r="http://schemas.openxmlformats.org/officeDocument/2006/relationships" xmlns:p="http://schemas.openxmlformats.org/presentationml/2006/main">
+  <p:cSld>
+    <p:spTree>
+      <p:nvGrpSpPr>
+        <p:cNvPr id="1" name=""/>
+        <p:cNvGrpSpPr/>
+        <p:nvPr/>
+      </p:nvGrpSpPr>
+      <p:grpSpPr>
+        <a:xfrm>
+          <a:off x="0" y="0"/>
+          <a:ext cx="0" cy="0"/>
+          <a:chOff x="0" y="0"/>
+          <a:chExt cx="0" cy="0"/>
+        </a:xfrm>
+      </p:grpSpPr>
+      <p:sp>
+        <p:nvSpPr>
+          <p:cNvPr id="3" name="文本占位符 2">
+            <a:extLst>
+              <a:ext uri="{FF2B5EF4-FFF2-40B4-BE49-F238E27FC236}">
+                <a16:creationId xmlns:a16="http://schemas.microsoft.com/office/drawing/2014/main" id="{03244420-F962-4115-A1CA-E4ED6E926A57}"/>
+              </a:ext>
+            </a:extLst>
+          </p:cNvPr>
+          <p:cNvSpPr>
+            <a:spLocks noGrp="1"/>
+          </p:cNvSpPr>
+          <p:nvPr>
+            <p:ph type="body" sz="quarter" idx="10"/>
+          </p:nvPr>
+        </p:nvSpPr>
+        <p:spPr/>
+        <p:txBody>
+          <a:bodyPr/>
+          <a:lstStyle/>
+          <a:p>
+            <a:r>
+              <a:rPr lang="zh-CN" altLang="en-US" dirty="0"/>
+              <a:t>离散域</a:t>
+            </a:r>
+          </a:p>
+          <a:p>
+            <a:endParaRPr lang="zh-CN" altLang="en-US" dirty="0"/>
+          </a:p>
+        </p:txBody>
+      </p:sp>
+      <p:sp>
+        <p:nvSpPr>
+          <p:cNvPr id="4" name="文本框 3">
+            <a:extLst>
+              <a:ext uri="{FF2B5EF4-FFF2-40B4-BE49-F238E27FC236}">
+                <a16:creationId xmlns:a16="http://schemas.microsoft.com/office/drawing/2014/main" id="{9D27F7EC-C649-44C3-B9DF-FF76AD462276}"/>
+              </a:ext>
+            </a:extLst>
+          </p:cNvPr>
+          <p:cNvSpPr txBox="1"/>
+          <p:nvPr/>
+        </p:nvSpPr>
+        <p:spPr>
+          <a:xfrm>
+            <a:off x="243311" y="1789160"/>
+            <a:ext cx="8403539" cy="1488484"/>
+          </a:xfrm>
+          <a:prstGeom prst="rect">
+            <a:avLst/>
+          </a:prstGeom>
+          <a:noFill/>
+        </p:spPr>
+        <p:txBody>
+          <a:bodyPr wrap="square" rtlCol="0">
+            <a:spAutoFit/>
+          </a:bodyPr>
+          <a:lstStyle/>
+          <a:p>
+            <a:endParaRPr lang="en-US" altLang="zh-CN" dirty="0"/>
+          </a:p>
+          <a:p>
+            <a:pPr marL="342900" indent="-342900">
+              <a:buFont typeface="+mj-lt"/>
+              <a:buAutoNum type="arabicPeriod"/>
+            </a:pPr>
+            <a:r>
+              <a:rPr lang="zh-CN" altLang="en-US" dirty="0"/>
+              <a:t>部分（但不是全部）可比较类型是离散的，即区间的上下边界都是可枚举的。</a:t>
+            </a:r>
+            <a:endParaRPr lang="en-US" altLang="zh-CN" dirty="0"/>
+          </a:p>
+          <a:p>
+            <a:pPr marL="342900" indent="-342900">
+              <a:buFont typeface="+mj-lt"/>
+              <a:buAutoNum type="arabicPeriod"/>
+            </a:pPr>
+            <a:r>
+              <a:rPr lang="zh-CN" altLang="en-US" dirty="0"/>
+              <a:t>在</a:t>
+            </a:r>
+            <a:r>
+              <a:rPr lang="en-US" altLang="zh-CN" dirty="0"/>
+              <a:t>Guava</a:t>
+            </a:r>
+            <a:r>
+              <a:rPr lang="zh-CN" altLang="en-US" dirty="0"/>
+              <a:t>中，用</a:t>
+            </a:r>
+            <a:r>
+              <a:rPr lang="en-US" altLang="zh-CN" dirty="0" err="1"/>
+              <a:t>DiscreteDomain</a:t>
+            </a:r>
+            <a:r>
+              <a:rPr lang="en-US" altLang="zh-CN" dirty="0"/>
+              <a:t>&lt;C&gt;</a:t>
+            </a:r>
+            <a:r>
+              <a:rPr lang="zh-CN" altLang="en-US" dirty="0"/>
+              <a:t>实现类型</a:t>
+            </a:r>
+            <a:r>
+              <a:rPr lang="en-US" altLang="zh-CN" dirty="0"/>
+              <a:t>C</a:t>
+            </a:r>
+            <a:r>
+              <a:rPr lang="zh-CN" altLang="en-US" dirty="0"/>
+              <a:t>的离散形式操作。一个离散域总是代表某种类型值的全集；它不能代表类似”素数”、”长度为</a:t>
+            </a:r>
+            <a:r>
+              <a:rPr lang="en-US" altLang="zh-CN" dirty="0"/>
+              <a:t>5</a:t>
+            </a:r>
+            <a:r>
+              <a:rPr lang="zh-CN" altLang="en-US" dirty="0"/>
+              <a:t>的字符串”或”午夜的时间戳”这样的局部域。</a:t>
+            </a:r>
+            <a:endParaRPr lang="en-US" altLang="zh-CN" dirty="0"/>
+          </a:p>
+          <a:p>
+            <a:endParaRPr lang="zh-CN" altLang="en-US" dirty="0"/>
+          </a:p>
+        </p:txBody>
+      </p:sp>
+      <p:pic>
+        <p:nvPicPr>
+          <p:cNvPr id="2" name="图片 1">
+            <a:extLst>
+              <a:ext uri="{FF2B5EF4-FFF2-40B4-BE49-F238E27FC236}">
+                <a16:creationId xmlns:a16="http://schemas.microsoft.com/office/drawing/2014/main" id="{34C6C933-AABD-4DED-B76A-363DC556898D}"/>
+              </a:ext>
+            </a:extLst>
+          </p:cNvPr>
+          <p:cNvPicPr>
+            <a:picLocks noChangeAspect="1"/>
+          </p:cNvPicPr>
+          <p:nvPr/>
+        </p:nvPicPr>
+        <p:blipFill>
+          <a:blip r:embed="rId2"/>
+          <a:stretch>
+            <a:fillRect/>
+          </a:stretch>
+        </p:blipFill>
+        <p:spPr>
+          <a:xfrm>
+            <a:off x="0" y="3178460"/>
+            <a:ext cx="9144000" cy="2145323"/>
+          </a:xfrm>
+          <a:prstGeom prst="rect">
+            <a:avLst/>
+          </a:prstGeom>
+        </p:spPr>
+      </p:pic>
+    </p:spTree>
+    <p:extLst>
+      <p:ext uri="{BB962C8B-B14F-4D97-AF65-F5344CB8AC3E}">
+        <p14:creationId xmlns:p14="http://schemas.microsoft.com/office/powerpoint/2010/main" val="1467732756"/>
+      </p:ext>
+    </p:extLst>
+  </p:cSld>
+  <p:clrMapOvr>
+    <a:masterClrMapping/>
+  </p:clrMapOvr>
+</p:sld>
+</file>
+
 <file path=ppt/slides/slide73.xml><?xml version="1.0" encoding="utf-8"?>
 <p:sld xmlns:a="http://schemas.openxmlformats.org/drawingml/2006/main" xmlns:r="http://schemas.openxmlformats.org/officeDocument/2006/relationships" xmlns:p="http://schemas.openxmlformats.org/presentationml/2006/main">
   <p:cSld>
@@ -39097,7 +38419,7 @@
         <p:spPr>
           <a:xfrm>
             <a:off x="243311" y="1789160"/>
-            <a:ext cx="8403539" cy="1488484"/>
+            <a:ext cx="8403539" cy="325025"/>
           </a:xfrm>
           <a:prstGeom prst="rect">
             <a:avLst/>
@@ -39110,77 +38432,16 @@
           </a:bodyPr>
           <a:lstStyle/>
           <a:p>
-            <a:endParaRPr lang="en-US" altLang="zh-CN" dirty="0"/>
-          </a:p>
-          <a:p>
-            <a:pPr marL="342900" indent="-342900">
-              <a:buFont typeface="+mj-lt"/>
-              <a:buAutoNum type="arabicPeriod"/>
-            </a:pPr>
-            <a:r>
-              <a:rPr lang="zh-CN" altLang="en-US" dirty="0"/>
-              <a:t>部分（但不是全部）可比较类型是离散的，即区间的上下边界都是可枚举的。</a:t>
-            </a:r>
-            <a:endParaRPr lang="en-US" altLang="zh-CN" dirty="0"/>
-          </a:p>
-          <a:p>
-            <a:pPr marL="342900" indent="-342900">
-              <a:buFont typeface="+mj-lt"/>
-              <a:buAutoNum type="arabicPeriod"/>
-            </a:pPr>
-            <a:r>
-              <a:rPr lang="zh-CN" altLang="en-US" dirty="0"/>
-              <a:t>在</a:t>
-            </a:r>
-            <a:r>
-              <a:rPr lang="en-US" altLang="zh-CN" dirty="0"/>
-              <a:t>Guava</a:t>
-            </a:r>
-            <a:r>
-              <a:rPr lang="zh-CN" altLang="en-US" dirty="0"/>
-              <a:t>中，用</a:t>
-            </a:r>
-            <a:r>
-              <a:rPr lang="en-US" altLang="zh-CN" dirty="0" err="1"/>
-              <a:t>DiscreteDomain</a:t>
-            </a:r>
-            <a:r>
-              <a:rPr lang="en-US" altLang="zh-CN" dirty="0"/>
-              <a:t>&lt;C&gt;</a:t>
-            </a:r>
-            <a:r>
-              <a:rPr lang="zh-CN" altLang="en-US" dirty="0"/>
-              <a:t>实现类型</a:t>
-            </a:r>
-            <a:r>
-              <a:rPr lang="en-US" altLang="zh-CN" dirty="0"/>
-              <a:t>C</a:t>
-            </a:r>
-            <a:r>
-              <a:rPr lang="zh-CN" altLang="en-US" dirty="0"/>
-              <a:t>的离散形式操作。一个离散域总是代表某种类型值的全集；它不能代表类似”素数”、”长度为</a:t>
-            </a:r>
-            <a:r>
-              <a:rPr lang="en-US" altLang="zh-CN" dirty="0"/>
-              <a:t>5</a:t>
-            </a:r>
-            <a:r>
-              <a:rPr lang="zh-CN" altLang="en-US" dirty="0"/>
-              <a:t>的字符串”或”午夜的时间戳”这样的局部域。</a:t>
-            </a:r>
-            <a:endParaRPr lang="en-US" altLang="zh-CN" dirty="0"/>
-          </a:p>
-          <a:p>
             <a:endParaRPr lang="zh-CN" altLang="en-US" dirty="0"/>
           </a:p>
         </p:txBody>
       </p:sp>
       <p:pic>
         <p:nvPicPr>
-          <p:cNvPr id="2" name="图片 1">
+          <p:cNvPr id="5" name="图片 4">
             <a:extLst>
               <a:ext uri="{FF2B5EF4-FFF2-40B4-BE49-F238E27FC236}">
-                <a16:creationId xmlns:a16="http://schemas.microsoft.com/office/drawing/2014/main" id="{34C6C933-AABD-4DED-B76A-363DC556898D}"/>
+                <a16:creationId xmlns:a16="http://schemas.microsoft.com/office/drawing/2014/main" id="{AE52BF77-3A40-4E47-BF35-8BC38621CB59}"/>
               </a:ext>
             </a:extLst>
           </p:cNvPr>
@@ -39197,8 +38458,8 @@
         </p:blipFill>
         <p:spPr>
           <a:xfrm>
-            <a:off x="0" y="3178460"/>
-            <a:ext cx="9144000" cy="2145323"/>
+            <a:off x="0" y="2114185"/>
+            <a:ext cx="9144000" cy="3481392"/>
           </a:xfrm>
           <a:prstGeom prst="rect">
             <a:avLst/>
@@ -39208,7 +38469,7 @@
     </p:spTree>
     <p:extLst>
       <p:ext uri="{BB962C8B-B14F-4D97-AF65-F5344CB8AC3E}">
-        <p14:creationId xmlns:p14="http://schemas.microsoft.com/office/powerpoint/2010/main" val="1467732756"/>
+        <p14:creationId xmlns:p14="http://schemas.microsoft.com/office/powerpoint/2010/main" val="2939801760"/>
       </p:ext>
     </p:extLst>
   </p:cSld>
@@ -39300,129 +38561,6 @@
       </p:sp>
       <p:pic>
         <p:nvPicPr>
-          <p:cNvPr id="5" name="图片 4">
-            <a:extLst>
-              <a:ext uri="{FF2B5EF4-FFF2-40B4-BE49-F238E27FC236}">
-                <a16:creationId xmlns:a16="http://schemas.microsoft.com/office/drawing/2014/main" id="{AE52BF77-3A40-4E47-BF35-8BC38621CB59}"/>
-              </a:ext>
-            </a:extLst>
-          </p:cNvPr>
-          <p:cNvPicPr>
-            <a:picLocks noChangeAspect="1"/>
-          </p:cNvPicPr>
-          <p:nvPr/>
-        </p:nvPicPr>
-        <p:blipFill>
-          <a:blip r:embed="rId2"/>
-          <a:stretch>
-            <a:fillRect/>
-          </a:stretch>
-        </p:blipFill>
-        <p:spPr>
-          <a:xfrm>
-            <a:off x="0" y="2114185"/>
-            <a:ext cx="9144000" cy="3481392"/>
-          </a:xfrm>
-          <a:prstGeom prst="rect">
-            <a:avLst/>
-          </a:prstGeom>
-        </p:spPr>
-      </p:pic>
-    </p:spTree>
-    <p:extLst>
-      <p:ext uri="{BB962C8B-B14F-4D97-AF65-F5344CB8AC3E}">
-        <p14:creationId xmlns:p14="http://schemas.microsoft.com/office/powerpoint/2010/main" val="2939801760"/>
-      </p:ext>
-    </p:extLst>
-  </p:cSld>
-  <p:clrMapOvr>
-    <a:masterClrMapping/>
-  </p:clrMapOvr>
-</p:sld>
-</file>
-
-<file path=ppt/slides/slide75.xml><?xml version="1.0" encoding="utf-8"?>
-<p:sld xmlns:a="http://schemas.openxmlformats.org/drawingml/2006/main" xmlns:r="http://schemas.openxmlformats.org/officeDocument/2006/relationships" xmlns:p="http://schemas.openxmlformats.org/presentationml/2006/main">
-  <p:cSld>
-    <p:spTree>
-      <p:nvGrpSpPr>
-        <p:cNvPr id="1" name=""/>
-        <p:cNvGrpSpPr/>
-        <p:nvPr/>
-      </p:nvGrpSpPr>
-      <p:grpSpPr>
-        <a:xfrm>
-          <a:off x="0" y="0"/>
-          <a:ext cx="0" cy="0"/>
-          <a:chOff x="0" y="0"/>
-          <a:chExt cx="0" cy="0"/>
-        </a:xfrm>
-      </p:grpSpPr>
-      <p:sp>
-        <p:nvSpPr>
-          <p:cNvPr id="3" name="文本占位符 2">
-            <a:extLst>
-              <a:ext uri="{FF2B5EF4-FFF2-40B4-BE49-F238E27FC236}">
-                <a16:creationId xmlns:a16="http://schemas.microsoft.com/office/drawing/2014/main" id="{03244420-F962-4115-A1CA-E4ED6E926A57}"/>
-              </a:ext>
-            </a:extLst>
-          </p:cNvPr>
-          <p:cNvSpPr>
-            <a:spLocks noGrp="1"/>
-          </p:cNvSpPr>
-          <p:nvPr>
-            <p:ph type="body" sz="quarter" idx="10"/>
-          </p:nvPr>
-        </p:nvSpPr>
-        <p:spPr/>
-        <p:txBody>
-          <a:bodyPr/>
-          <a:lstStyle/>
-          <a:p>
-            <a:r>
-              <a:rPr lang="zh-CN" altLang="en-US" dirty="0"/>
-              <a:t>离散域</a:t>
-            </a:r>
-          </a:p>
-          <a:p>
-            <a:endParaRPr lang="zh-CN" altLang="en-US" dirty="0"/>
-          </a:p>
-        </p:txBody>
-      </p:sp>
-      <p:sp>
-        <p:nvSpPr>
-          <p:cNvPr id="4" name="文本框 3">
-            <a:extLst>
-              <a:ext uri="{FF2B5EF4-FFF2-40B4-BE49-F238E27FC236}">
-                <a16:creationId xmlns:a16="http://schemas.microsoft.com/office/drawing/2014/main" id="{9D27F7EC-C649-44C3-B9DF-FF76AD462276}"/>
-              </a:ext>
-            </a:extLst>
-          </p:cNvPr>
-          <p:cNvSpPr txBox="1"/>
-          <p:nvPr/>
-        </p:nvSpPr>
-        <p:spPr>
-          <a:xfrm>
-            <a:off x="243311" y="1789160"/>
-            <a:ext cx="8403539" cy="325025"/>
-          </a:xfrm>
-          <a:prstGeom prst="rect">
-            <a:avLst/>
-          </a:prstGeom>
-          <a:noFill/>
-        </p:spPr>
-        <p:txBody>
-          <a:bodyPr wrap="square" rtlCol="0">
-            <a:spAutoFit/>
-          </a:bodyPr>
-          <a:lstStyle/>
-          <a:p>
-            <a:endParaRPr lang="zh-CN" altLang="en-US" dirty="0"/>
-          </a:p>
-        </p:txBody>
-      </p:sp>
-      <p:pic>
-        <p:nvPicPr>
           <p:cNvPr id="6" name="图片 5">
             <a:extLst>
               <a:ext uri="{FF2B5EF4-FFF2-40B4-BE49-F238E27FC236}">
@@ -39464,7 +38602,7 @@
 </p:sld>
 </file>
 
-<file path=ppt/slides/slide76.xml><?xml version="1.0" encoding="utf-8"?>
+<file path=ppt/slides/slide75.xml><?xml version="1.0" encoding="utf-8"?>
 <p:sld xmlns:a="http://schemas.openxmlformats.org/drawingml/2006/main" xmlns:r="http://schemas.openxmlformats.org/officeDocument/2006/relationships" xmlns:p="http://schemas.openxmlformats.org/presentationml/2006/main">
   <p:cSld>
     <p:spTree>
@@ -39588,6 +38726,441 @@
     <p:extLst>
       <p:ext uri="{BB962C8B-B14F-4D97-AF65-F5344CB8AC3E}">
         <p14:creationId xmlns:p14="http://schemas.microsoft.com/office/powerpoint/2010/main" val="3359504855"/>
+      </p:ext>
+    </p:extLst>
+  </p:cSld>
+  <p:clrMapOvr>
+    <a:masterClrMapping/>
+  </p:clrMapOvr>
+</p:sld>
+</file>
+
+<file path=ppt/slides/slide76.xml><?xml version="1.0" encoding="utf-8"?>
+<p:sld xmlns:a="http://schemas.openxmlformats.org/drawingml/2006/main" xmlns:r="http://schemas.openxmlformats.org/officeDocument/2006/relationships" xmlns:p="http://schemas.openxmlformats.org/presentationml/2006/main">
+  <p:cSld>
+    <p:spTree>
+      <p:nvGrpSpPr>
+        <p:cNvPr id="1" name=""/>
+        <p:cNvGrpSpPr/>
+        <p:nvPr/>
+      </p:nvGrpSpPr>
+      <p:grpSpPr>
+        <a:xfrm>
+          <a:off x="0" y="0"/>
+          <a:ext cx="0" cy="0"/>
+          <a:chOff x="0" y="0"/>
+          <a:chExt cx="0" cy="0"/>
+        </a:xfrm>
+      </p:grpSpPr>
+      <p:sp>
+        <p:nvSpPr>
+          <p:cNvPr id="3" name="文本占位符 2">
+            <a:extLst>
+              <a:ext uri="{FF2B5EF4-FFF2-40B4-BE49-F238E27FC236}">
+                <a16:creationId xmlns:a16="http://schemas.microsoft.com/office/drawing/2014/main" id="{03244420-F962-4115-A1CA-E4ED6E926A57}"/>
+              </a:ext>
+            </a:extLst>
+          </p:cNvPr>
+          <p:cNvSpPr>
+            <a:spLocks noGrp="1"/>
+          </p:cNvSpPr>
+          <p:nvPr>
+            <p:ph type="body" sz="quarter" idx="10"/>
+          </p:nvPr>
+        </p:nvSpPr>
+        <p:spPr/>
+        <p:txBody>
+          <a:bodyPr/>
+          <a:lstStyle/>
+          <a:p>
+            <a:r>
+              <a:rPr lang="zh-CN" altLang="en-US" dirty="0"/>
+              <a:t>字节流和字符流</a:t>
+            </a:r>
+          </a:p>
+          <a:p>
+            <a:endParaRPr lang="zh-CN" altLang="en-US" dirty="0"/>
+          </a:p>
+        </p:txBody>
+      </p:sp>
+      <p:sp>
+        <p:nvSpPr>
+          <p:cNvPr id="6" name="Rectangle 1">
+            <a:extLst>
+              <a:ext uri="{FF2B5EF4-FFF2-40B4-BE49-F238E27FC236}">
+                <a16:creationId xmlns:a16="http://schemas.microsoft.com/office/drawing/2014/main" id="{8B869121-6ECD-45E6-86A0-9C4BAEBC0A74}"/>
+              </a:ext>
+            </a:extLst>
+          </p:cNvPr>
+          <p:cNvSpPr>
+            <a:spLocks noChangeArrowheads="1"/>
+          </p:cNvSpPr>
+          <p:nvPr/>
+        </p:nvSpPr>
+        <p:spPr bwMode="auto">
+          <a:xfrm>
+            <a:off x="0" y="-184666"/>
+            <a:ext cx="9144000" cy="369332"/>
+          </a:xfrm>
+          <a:prstGeom prst="rect">
+            <a:avLst/>
+          </a:prstGeom>
+          <a:solidFill>
+            <a:srgbClr val="FFFFFF"/>
+          </a:solidFill>
+          <a:ln>
+            <a:noFill/>
+          </a:ln>
+          <a:effectLst/>
+          <a:extLst>
+            <a:ext uri="{91240B29-F687-4F45-9708-019B960494DF}">
+              <a14:hiddenLine xmlns:a14="http://schemas.microsoft.com/office/drawing/2010/main" w="9525">
+                <a:solidFill>
+                  <a:schemeClr val="tx1"/>
+                </a:solidFill>
+                <a:miter lim="800000"/>
+                <a:headEnd/>
+                <a:tailEnd/>
+              </a14:hiddenLine>
+            </a:ext>
+            <a:ext uri="{AF507438-7753-43E0-B8FC-AC1667EBCBE1}">
+              <a14:hiddenEffects xmlns:a14="http://schemas.microsoft.com/office/drawing/2010/main">
+                <a:effectLst>
+                  <a:outerShdw dist="35921" dir="2700000" algn="ctr" rotWithShape="0">
+                    <a:schemeClr val="bg2"/>
+                  </a:outerShdw>
+                </a:effectLst>
+              </a14:hiddenEffects>
+            </a:ext>
+          </a:extLst>
+        </p:spPr>
+        <p:txBody>
+          <a:bodyPr vert="horz" wrap="square" lIns="91440" tIns="45720" rIns="91440" bIns="45720" numCol="1" anchor="ctr" anchorCtr="0" compatLnSpc="1">
+            <a:prstTxWarp prst="textNoShape">
+              <a:avLst/>
+            </a:prstTxWarp>
+            <a:spAutoFit/>
+          </a:bodyPr>
+          <a:lstStyle>
+            <a:lvl1pPr eaLnBrk="0" fontAlgn="base" hangingPunct="0">
+              <a:spcBef>
+                <a:spcPct val="0"/>
+              </a:spcBef>
+              <a:spcAft>
+                <a:spcPct val="0"/>
+              </a:spcAft>
+              <a:defRPr>
+                <a:solidFill>
+                  <a:schemeClr val="tx1"/>
+                </a:solidFill>
+                <a:latin typeface="Arial" panose="020B0604020202020204" pitchFamily="34" charset="0"/>
+              </a:defRPr>
+            </a:lvl1pPr>
+            <a:lvl2pPr marL="457200" eaLnBrk="0" fontAlgn="base" hangingPunct="0">
+              <a:spcBef>
+                <a:spcPct val="0"/>
+              </a:spcBef>
+              <a:spcAft>
+                <a:spcPct val="0"/>
+              </a:spcAft>
+              <a:defRPr>
+                <a:solidFill>
+                  <a:schemeClr val="tx1"/>
+                </a:solidFill>
+                <a:latin typeface="Arial" panose="020B0604020202020204" pitchFamily="34" charset="0"/>
+              </a:defRPr>
+            </a:lvl2pPr>
+            <a:lvl3pPr marL="914400" eaLnBrk="0" fontAlgn="base" hangingPunct="0">
+              <a:spcBef>
+                <a:spcPct val="0"/>
+              </a:spcBef>
+              <a:spcAft>
+                <a:spcPct val="0"/>
+              </a:spcAft>
+              <a:defRPr>
+                <a:solidFill>
+                  <a:schemeClr val="tx1"/>
+                </a:solidFill>
+                <a:latin typeface="Arial" panose="020B0604020202020204" pitchFamily="34" charset="0"/>
+              </a:defRPr>
+            </a:lvl3pPr>
+            <a:lvl4pPr marL="1371600" eaLnBrk="0" fontAlgn="base" hangingPunct="0">
+              <a:spcBef>
+                <a:spcPct val="0"/>
+              </a:spcBef>
+              <a:spcAft>
+                <a:spcPct val="0"/>
+              </a:spcAft>
+              <a:defRPr>
+                <a:solidFill>
+                  <a:schemeClr val="tx1"/>
+                </a:solidFill>
+                <a:latin typeface="Arial" panose="020B0604020202020204" pitchFamily="34" charset="0"/>
+              </a:defRPr>
+            </a:lvl4pPr>
+            <a:lvl5pPr marL="1828800" eaLnBrk="0" fontAlgn="base" hangingPunct="0">
+              <a:spcBef>
+                <a:spcPct val="0"/>
+              </a:spcBef>
+              <a:spcAft>
+                <a:spcPct val="0"/>
+              </a:spcAft>
+              <a:defRPr>
+                <a:solidFill>
+                  <a:schemeClr val="tx1"/>
+                </a:solidFill>
+                <a:latin typeface="Arial" panose="020B0604020202020204" pitchFamily="34" charset="0"/>
+              </a:defRPr>
+            </a:lvl5pPr>
+            <a:lvl6pPr marL="2286000" eaLnBrk="0" fontAlgn="base" hangingPunct="0">
+              <a:spcBef>
+                <a:spcPct val="0"/>
+              </a:spcBef>
+              <a:spcAft>
+                <a:spcPct val="0"/>
+              </a:spcAft>
+              <a:defRPr>
+                <a:solidFill>
+                  <a:schemeClr val="tx1"/>
+                </a:solidFill>
+                <a:latin typeface="Arial" panose="020B0604020202020204" pitchFamily="34" charset="0"/>
+              </a:defRPr>
+            </a:lvl6pPr>
+            <a:lvl7pPr marL="2743200" eaLnBrk="0" fontAlgn="base" hangingPunct="0">
+              <a:spcBef>
+                <a:spcPct val="0"/>
+              </a:spcBef>
+              <a:spcAft>
+                <a:spcPct val="0"/>
+              </a:spcAft>
+              <a:defRPr>
+                <a:solidFill>
+                  <a:schemeClr val="tx1"/>
+                </a:solidFill>
+                <a:latin typeface="Arial" panose="020B0604020202020204" pitchFamily="34" charset="0"/>
+              </a:defRPr>
+            </a:lvl7pPr>
+            <a:lvl8pPr marL="3200400" eaLnBrk="0" fontAlgn="base" hangingPunct="0">
+              <a:spcBef>
+                <a:spcPct val="0"/>
+              </a:spcBef>
+              <a:spcAft>
+                <a:spcPct val="0"/>
+              </a:spcAft>
+              <a:defRPr>
+                <a:solidFill>
+                  <a:schemeClr val="tx1"/>
+                </a:solidFill>
+                <a:latin typeface="Arial" panose="020B0604020202020204" pitchFamily="34" charset="0"/>
+              </a:defRPr>
+            </a:lvl8pPr>
+            <a:lvl9pPr marL="3657600" eaLnBrk="0" fontAlgn="base" hangingPunct="0">
+              <a:spcBef>
+                <a:spcPct val="0"/>
+              </a:spcBef>
+              <a:spcAft>
+                <a:spcPct val="0"/>
+              </a:spcAft>
+              <a:defRPr>
+                <a:solidFill>
+                  <a:schemeClr val="tx1"/>
+                </a:solidFill>
+                <a:latin typeface="Arial" panose="020B0604020202020204" pitchFamily="34" charset="0"/>
+              </a:defRPr>
+            </a:lvl9pPr>
+          </a:lstStyle>
+          <a:p>
+            <a:pPr marL="0" marR="0" lvl="0" indent="0" algn="l" defTabSz="914400" rtl="0" eaLnBrk="0" fontAlgn="base" latinLnBrk="0" hangingPunct="0">
+              <a:lnSpc>
+                <a:spcPct val="100000"/>
+              </a:lnSpc>
+              <a:spcBef>
+                <a:spcPct val="0"/>
+              </a:spcBef>
+              <a:spcAft>
+                <a:spcPct val="0"/>
+              </a:spcAft>
+              <a:buClrTx/>
+              <a:buSzTx/>
+              <a:buFontTx/>
+              <a:buNone/>
+              <a:tabLst/>
+            </a:pPr>
+            <a:endParaRPr kumimoji="0" lang="zh-CN" altLang="zh-CN" sz="1800" b="0" i="0" u="none" strike="noStrike" cap="none" normalizeH="0" baseline="0" dirty="0">
+              <a:ln>
+                <a:noFill/>
+              </a:ln>
+              <a:solidFill>
+                <a:schemeClr val="tx1"/>
+              </a:solidFill>
+              <a:effectLst/>
+              <a:latin typeface="Arial" panose="020B0604020202020204" pitchFamily="34" charset="0"/>
+            </a:endParaRPr>
+          </a:p>
+        </p:txBody>
+      </p:sp>
+      <p:sp>
+        <p:nvSpPr>
+          <p:cNvPr id="4" name="文本框 3">
+            <a:extLst>
+              <a:ext uri="{FF2B5EF4-FFF2-40B4-BE49-F238E27FC236}">
+                <a16:creationId xmlns:a16="http://schemas.microsoft.com/office/drawing/2014/main" id="{9D27F7EC-C649-44C3-B9DF-FF76AD462276}"/>
+              </a:ext>
+            </a:extLst>
+          </p:cNvPr>
+          <p:cNvSpPr txBox="1"/>
+          <p:nvPr/>
+        </p:nvSpPr>
+        <p:spPr>
+          <a:xfrm>
+            <a:off x="243311" y="1789160"/>
+            <a:ext cx="8403539" cy="790409"/>
+          </a:xfrm>
+          <a:prstGeom prst="rect">
+            <a:avLst/>
+          </a:prstGeom>
+          <a:noFill/>
+        </p:spPr>
+        <p:txBody>
+          <a:bodyPr wrap="square" rtlCol="0">
+            <a:spAutoFit/>
+          </a:bodyPr>
+          <a:lstStyle/>
+          <a:p>
+            <a:endParaRPr lang="en-US" altLang="zh-CN" dirty="0"/>
+          </a:p>
+          <a:p>
+            <a:endParaRPr lang="en-US" altLang="zh-CN" dirty="0"/>
+          </a:p>
+          <a:p>
+            <a:endParaRPr lang="zh-CN" altLang="en-US" dirty="0"/>
+          </a:p>
+        </p:txBody>
+      </p:sp>
+      <p:sp>
+        <p:nvSpPr>
+          <p:cNvPr id="7" name="矩形 6">
+            <a:extLst>
+              <a:ext uri="{FF2B5EF4-FFF2-40B4-BE49-F238E27FC236}">
+                <a16:creationId xmlns:a16="http://schemas.microsoft.com/office/drawing/2014/main" id="{4CF6FA94-1FF5-4B42-80BF-32677877FACE}"/>
+              </a:ext>
+            </a:extLst>
+          </p:cNvPr>
+          <p:cNvSpPr/>
+          <p:nvPr/>
+        </p:nvSpPr>
+        <p:spPr>
+          <a:xfrm>
+            <a:off x="377300" y="1789160"/>
+            <a:ext cx="7861177" cy="790409"/>
+          </a:xfrm>
+          <a:prstGeom prst="rect">
+            <a:avLst/>
+          </a:prstGeom>
+        </p:spPr>
+        <p:txBody>
+          <a:bodyPr wrap="square">
+            <a:spAutoFit/>
+          </a:bodyPr>
+          <a:lstStyle/>
+          <a:p>
+            <a:r>
+              <a:rPr lang="zh-CN" altLang="en-US" dirty="0"/>
+              <a:t>在</a:t>
+            </a:r>
+            <a:r>
+              <a:rPr lang="en-US" altLang="zh-CN" dirty="0" err="1"/>
+              <a:t>ByteStreams</a:t>
+            </a:r>
+            <a:r>
+              <a:rPr lang="zh-CN" altLang="en-US" dirty="0"/>
+              <a:t>、</a:t>
+            </a:r>
+            <a:r>
+              <a:rPr lang="en-US" altLang="zh-CN" dirty="0" err="1"/>
+              <a:t>CharStreams</a:t>
+            </a:r>
+            <a:r>
+              <a:rPr lang="zh-CN" altLang="en-US" dirty="0"/>
+              <a:t>以及</a:t>
+            </a:r>
+            <a:r>
+              <a:rPr lang="en-US" altLang="zh-CN" dirty="0"/>
+              <a:t>com.google.common.io</a:t>
+            </a:r>
+            <a:r>
+              <a:rPr lang="zh-CN" altLang="en-US" dirty="0"/>
+              <a:t>包中的一些其他类中，某些方法仍然在使用</a:t>
+            </a:r>
+            <a:r>
+              <a:rPr lang="en-US" altLang="zh-CN" dirty="0" err="1"/>
+              <a:t>InputSupplier</a:t>
+            </a:r>
+            <a:r>
+              <a:rPr lang="zh-CN" altLang="en-US" dirty="0"/>
+              <a:t>和</a:t>
+            </a:r>
+            <a:r>
+              <a:rPr lang="en-US" altLang="zh-CN" dirty="0" err="1"/>
+              <a:t>OutputSupplier</a:t>
+            </a:r>
+            <a:r>
+              <a:rPr lang="zh-CN" altLang="en-US" dirty="0"/>
+              <a:t>接口。这两个借口和相关的方法是不推荐使用的：它们已经被下面描述的</a:t>
+            </a:r>
+            <a:r>
+              <a:rPr lang="en-US" altLang="zh-CN" dirty="0"/>
+              <a:t>source</a:t>
+            </a:r>
+            <a:r>
+              <a:rPr lang="zh-CN" altLang="en-US" dirty="0"/>
+              <a:t>和</a:t>
+            </a:r>
+            <a:r>
+              <a:rPr lang="en-US" altLang="zh-CN" dirty="0"/>
+              <a:t>sink</a:t>
+            </a:r>
+            <a:r>
+              <a:rPr lang="zh-CN" altLang="en-US" dirty="0"/>
+              <a:t>类型取代了，并且最终会被移除。</a:t>
+            </a:r>
+          </a:p>
+        </p:txBody>
+      </p:sp>
+      <p:pic>
+        <p:nvPicPr>
+          <p:cNvPr id="5" name="图片 4">
+            <a:extLst>
+              <a:ext uri="{FF2B5EF4-FFF2-40B4-BE49-F238E27FC236}">
+                <a16:creationId xmlns:a16="http://schemas.microsoft.com/office/drawing/2014/main" id="{1271000B-1E9E-4B04-A135-0FA1662B3126}"/>
+              </a:ext>
+            </a:extLst>
+          </p:cNvPr>
+          <p:cNvPicPr>
+            <a:picLocks noChangeAspect="1"/>
+          </p:cNvPicPr>
+          <p:nvPr/>
+        </p:nvPicPr>
+        <p:blipFill>
+          <a:blip r:embed="rId2"/>
+          <a:stretch>
+            <a:fillRect/>
+          </a:stretch>
+        </p:blipFill>
+        <p:spPr>
+          <a:xfrm>
+            <a:off x="0" y="2681056"/>
+            <a:ext cx="9144000" cy="3335400"/>
+          </a:xfrm>
+          <a:prstGeom prst="rect">
+            <a:avLst/>
+          </a:prstGeom>
+        </p:spPr>
+      </p:pic>
+    </p:spTree>
+    <p:extLst>
+      <p:ext uri="{BB962C8B-B14F-4D97-AF65-F5344CB8AC3E}">
+        <p14:creationId xmlns:p14="http://schemas.microsoft.com/office/powerpoint/2010/main" val="2076216587"/>
       </p:ext>
     </p:extLst>
   </p:cSld>
@@ -39637,7 +39210,7 @@
           <a:p>
             <a:r>
               <a:rPr lang="zh-CN" altLang="en-US" dirty="0"/>
-              <a:t>字节流和字符流</a:t>
+              <a:t>源与汇</a:t>
             </a:r>
           </a:p>
           <a:p>
@@ -39914,7 +39487,7 @@
         <p:spPr>
           <a:xfrm>
             <a:off x="377300" y="1789160"/>
-            <a:ext cx="7861177" cy="790409"/>
+            <a:ext cx="7861177" cy="557717"/>
           </a:xfrm>
           <a:prstGeom prst="rect">
             <a:avLst/>
@@ -39927,64 +39500,28 @@
           <a:lstStyle/>
           <a:p>
             <a:r>
-              <a:rPr lang="zh-CN" altLang="en-US" dirty="0"/>
-              <a:t>在</a:t>
-            </a:r>
-            <a:r>
-              <a:rPr lang="en-US" altLang="zh-CN" dirty="0" err="1"/>
-              <a:t>ByteStreams</a:t>
-            </a:r>
-            <a:r>
-              <a:rPr lang="zh-CN" altLang="en-US" dirty="0"/>
-              <a:t>、</a:t>
-            </a:r>
-            <a:r>
-              <a:rPr lang="en-US" altLang="zh-CN" dirty="0" err="1"/>
-              <a:t>CharStreams</a:t>
-            </a:r>
-            <a:r>
-              <a:rPr lang="zh-CN" altLang="en-US" dirty="0"/>
-              <a:t>以及</a:t>
-            </a:r>
-            <a:r>
               <a:rPr lang="en-US" altLang="zh-CN" dirty="0"/>
-              <a:t>com.google.common.io</a:t>
-            </a:r>
-            <a:r>
-              <a:rPr lang="zh-CN" altLang="en-US" dirty="0"/>
-              <a:t>包中的一些其他类中，某些方法仍然在使用</a:t>
-            </a:r>
-            <a:r>
-              <a:rPr lang="en-US" altLang="zh-CN" dirty="0" err="1"/>
-              <a:t>InputSupplier</a:t>
-            </a:r>
-            <a:r>
-              <a:rPr lang="zh-CN" altLang="en-US" dirty="0"/>
-              <a:t>和</a:t>
-            </a:r>
-            <a:r>
-              <a:rPr lang="en-US" altLang="zh-CN" dirty="0" err="1"/>
-              <a:t>OutputSupplier</a:t>
-            </a:r>
-            <a:r>
-              <a:rPr lang="zh-CN" altLang="en-US" dirty="0"/>
-              <a:t>接口。这两个借口和相关的方法是不推荐使用的：它们已经被下面描述的</a:t>
+              <a:t>Guava</a:t>
+            </a:r>
+            <a:r>
+              <a:rPr lang="zh-CN" altLang="en-US" dirty="0"/>
+              <a:t>有一系列关于源与汇的抽象。源或汇指某个你知道如何从中打开流的资源，比如</a:t>
             </a:r>
             <a:r>
               <a:rPr lang="en-US" altLang="zh-CN" dirty="0"/>
-              <a:t>source</a:t>
-            </a:r>
-            <a:r>
-              <a:rPr lang="zh-CN" altLang="en-US" dirty="0"/>
-              <a:t>和</a:t>
+              <a:t>File</a:t>
+            </a:r>
+            <a:r>
+              <a:rPr lang="zh-CN" altLang="en-US" dirty="0"/>
+              <a:t>或</a:t>
             </a:r>
             <a:r>
               <a:rPr lang="en-US" altLang="zh-CN" dirty="0"/>
-              <a:t>sink</a:t>
-            </a:r>
-            <a:r>
-              <a:rPr lang="zh-CN" altLang="en-US" dirty="0"/>
-              <a:t>类型取代了，并且最终会被移除。</a:t>
+              <a:t>URL</a:t>
+            </a:r>
+            <a:r>
+              <a:rPr lang="zh-CN" altLang="en-US" dirty="0"/>
+              <a:t>。源是可读的，汇是可写的。此外，源与汇按照字节和字符划分类型。</a:t>
             </a:r>
           </a:p>
         </p:txBody>
@@ -39994,7 +39531,7 @@
           <p:cNvPr id="5" name="图片 4">
             <a:extLst>
               <a:ext uri="{FF2B5EF4-FFF2-40B4-BE49-F238E27FC236}">
-                <a16:creationId xmlns:a16="http://schemas.microsoft.com/office/drawing/2014/main" id="{1271000B-1E9E-4B04-A135-0FA1662B3126}"/>
+                <a16:creationId xmlns:a16="http://schemas.microsoft.com/office/drawing/2014/main" id="{9C4AFB72-2BA7-441B-84FE-7589FF040CD4}"/>
               </a:ext>
             </a:extLst>
           </p:cNvPr>
@@ -40011,8 +39548,8 @@
         </p:blipFill>
         <p:spPr>
           <a:xfrm>
-            <a:off x="0" y="2681056"/>
-            <a:ext cx="9144000" cy="3335400"/>
+            <a:off x="0" y="2599764"/>
+            <a:ext cx="9144000" cy="1658471"/>
           </a:xfrm>
           <a:prstGeom prst="rect">
             <a:avLst/>
@@ -40022,7 +39559,7 @@
     </p:spTree>
     <p:extLst>
       <p:ext uri="{BB962C8B-B14F-4D97-AF65-F5344CB8AC3E}">
-        <p14:creationId xmlns:p14="http://schemas.microsoft.com/office/powerpoint/2010/main" val="2076216587"/>
+        <p14:creationId xmlns:p14="http://schemas.microsoft.com/office/powerpoint/2010/main" val="871493543"/>
       </p:ext>
     </p:extLst>
   </p:cSld>
@@ -40072,11 +39609,8 @@
           <a:p>
             <a:r>
               <a:rPr lang="zh-CN" altLang="en-US" dirty="0"/>
-              <a:t>源与汇</a:t>
-            </a:r>
-          </a:p>
-          <a:p>
-            <a:endParaRPr lang="zh-CN" altLang="en-US" dirty="0"/>
+              <a:t>创建源与汇</a:t>
+            </a:r>
           </a:p>
         </p:txBody>
       </p:sp>
@@ -40349,7 +39883,7 @@
         <p:spPr>
           <a:xfrm>
             <a:off x="377300" y="1789160"/>
-            <a:ext cx="7861177" cy="557717"/>
+            <a:ext cx="7861177" cy="1023101"/>
           </a:xfrm>
           <a:prstGeom prst="rect">
             <a:avLst/>
@@ -40362,28 +39896,40 @@
           <a:lstStyle/>
           <a:p>
             <a:r>
+              <a:rPr lang="zh-CN" altLang="en-US" dirty="0"/>
+              <a:t>源与汇的实现应该在每次</a:t>
+            </a:r>
+            <a:r>
+              <a:rPr lang="en-US" altLang="zh-CN" dirty="0" err="1"/>
+              <a:t>openStream</a:t>
+            </a:r>
+            <a:r>
               <a:rPr lang="en-US" altLang="zh-CN" dirty="0"/>
-              <a:t>Guava</a:t>
-            </a:r>
-            <a:r>
-              <a:rPr lang="zh-CN" altLang="en-US" dirty="0"/>
-              <a:t>有一系列关于源与汇的抽象。源或汇指某个你知道如何从中打开流的资源，比如</a:t>
+              <a:t>()</a:t>
+            </a:r>
+            <a:r>
+              <a:rPr lang="zh-CN" altLang="en-US" dirty="0"/>
+              <a:t>方法被调用时都创建一个新的流。始终创建新的流可以让源或汇管理流的整个生命周期，并且让多次调用</a:t>
+            </a:r>
+            <a:r>
+              <a:rPr lang="en-US" altLang="zh-CN" dirty="0" err="1"/>
+              <a:t>openStream</a:t>
             </a:r>
             <a:r>
               <a:rPr lang="en-US" altLang="zh-CN" dirty="0"/>
-              <a:t>File</a:t>
-            </a:r>
-            <a:r>
-              <a:rPr lang="zh-CN" altLang="en-US" dirty="0"/>
-              <a:t>或</a:t>
+              <a:t>()</a:t>
+            </a:r>
+            <a:r>
+              <a:rPr lang="zh-CN" altLang="en-US" dirty="0"/>
+              <a:t>返回的流都是可用的。此外，如果你在创建源或汇之前创建了流，你不得不在异常的时候自己保证关闭流，这压根就违背了发挥源与汇</a:t>
             </a:r>
             <a:r>
               <a:rPr lang="en-US" altLang="zh-CN" dirty="0"/>
-              <a:t>URL</a:t>
-            </a:r>
-            <a:r>
-              <a:rPr lang="zh-CN" altLang="en-US" dirty="0"/>
-              <a:t>。源是可读的，汇是可写的。此外，源与汇按照字节和字符划分类型。</a:t>
+              <a:t>API</a:t>
+            </a:r>
+            <a:r>
+              <a:rPr lang="zh-CN" altLang="en-US" dirty="0"/>
+              <a:t>优点的初衷。</a:t>
             </a:r>
           </a:p>
         </p:txBody>
@@ -40393,7 +39939,7 @@
           <p:cNvPr id="5" name="图片 4">
             <a:extLst>
               <a:ext uri="{FF2B5EF4-FFF2-40B4-BE49-F238E27FC236}">
-                <a16:creationId xmlns:a16="http://schemas.microsoft.com/office/drawing/2014/main" id="{9C4AFB72-2BA7-441B-84FE-7589FF040CD4}"/>
+                <a16:creationId xmlns:a16="http://schemas.microsoft.com/office/drawing/2014/main" id="{FDE37F88-2C1B-4171-87BE-7573BB940442}"/>
               </a:ext>
             </a:extLst>
           </p:cNvPr>
@@ -40410,8 +39956,8 @@
         </p:blipFill>
         <p:spPr>
           <a:xfrm>
-            <a:off x="0" y="2599764"/>
-            <a:ext cx="9144000" cy="1658471"/>
+            <a:off x="0" y="2812261"/>
+            <a:ext cx="9144000" cy="3967243"/>
           </a:xfrm>
           <a:prstGeom prst="rect">
             <a:avLst/>
@@ -40421,7 +39967,7 @@
     </p:spTree>
     <p:extLst>
       <p:ext uri="{BB962C8B-B14F-4D97-AF65-F5344CB8AC3E}">
-        <p14:creationId xmlns:p14="http://schemas.microsoft.com/office/powerpoint/2010/main" val="871493543"/>
+        <p14:creationId xmlns:p14="http://schemas.microsoft.com/office/powerpoint/2010/main" val="795889126"/>
       </p:ext>
     </p:extLst>
   </p:cSld>
@@ -40471,7 +40017,7 @@
           <a:p>
             <a:r>
               <a:rPr lang="zh-CN" altLang="en-US" dirty="0"/>
-              <a:t>创建源与汇</a:t>
+              <a:t>使用源与汇</a:t>
             </a:r>
           </a:p>
         </p:txBody>
@@ -40692,116 +40238,12 @@
           </a:p>
         </p:txBody>
       </p:sp>
-      <p:sp>
-        <p:nvSpPr>
-          <p:cNvPr id="4" name="文本框 3">
+      <p:pic>
+        <p:nvPicPr>
+          <p:cNvPr id="2" name="图片 1">
             <a:extLst>
               <a:ext uri="{FF2B5EF4-FFF2-40B4-BE49-F238E27FC236}">
-                <a16:creationId xmlns:a16="http://schemas.microsoft.com/office/drawing/2014/main" id="{9D27F7EC-C649-44C3-B9DF-FF76AD462276}"/>
-              </a:ext>
-            </a:extLst>
-          </p:cNvPr>
-          <p:cNvSpPr txBox="1"/>
-          <p:nvPr/>
-        </p:nvSpPr>
-        <p:spPr>
-          <a:xfrm>
-            <a:off x="243311" y="1789160"/>
-            <a:ext cx="8403539" cy="790409"/>
-          </a:xfrm>
-          <a:prstGeom prst="rect">
-            <a:avLst/>
-          </a:prstGeom>
-          <a:noFill/>
-        </p:spPr>
-        <p:txBody>
-          <a:bodyPr wrap="square" rtlCol="0">
-            <a:spAutoFit/>
-          </a:bodyPr>
-          <a:lstStyle/>
-          <a:p>
-            <a:endParaRPr lang="en-US" altLang="zh-CN" dirty="0"/>
-          </a:p>
-          <a:p>
-            <a:endParaRPr lang="en-US" altLang="zh-CN" dirty="0"/>
-          </a:p>
-          <a:p>
-            <a:endParaRPr lang="zh-CN" altLang="en-US" dirty="0"/>
-          </a:p>
-        </p:txBody>
-      </p:sp>
-      <p:sp>
-        <p:nvSpPr>
-          <p:cNvPr id="7" name="矩形 6">
-            <a:extLst>
-              <a:ext uri="{FF2B5EF4-FFF2-40B4-BE49-F238E27FC236}">
-                <a16:creationId xmlns:a16="http://schemas.microsoft.com/office/drawing/2014/main" id="{4CF6FA94-1FF5-4B42-80BF-32677877FACE}"/>
-              </a:ext>
-            </a:extLst>
-          </p:cNvPr>
-          <p:cNvSpPr/>
-          <p:nvPr/>
-        </p:nvSpPr>
-        <p:spPr>
-          <a:xfrm>
-            <a:off x="377300" y="1789160"/>
-            <a:ext cx="7861177" cy="1023101"/>
-          </a:xfrm>
-          <a:prstGeom prst="rect">
-            <a:avLst/>
-          </a:prstGeom>
-        </p:spPr>
-        <p:txBody>
-          <a:bodyPr wrap="square">
-            <a:spAutoFit/>
-          </a:bodyPr>
-          <a:lstStyle/>
-          <a:p>
-            <a:r>
-              <a:rPr lang="zh-CN" altLang="en-US" dirty="0"/>
-              <a:t>源与汇的实现应该在每次</a:t>
-            </a:r>
-            <a:r>
-              <a:rPr lang="en-US" altLang="zh-CN" dirty="0" err="1"/>
-              <a:t>openStream</a:t>
-            </a:r>
-            <a:r>
-              <a:rPr lang="en-US" altLang="zh-CN" dirty="0"/>
-              <a:t>()</a:t>
-            </a:r>
-            <a:r>
-              <a:rPr lang="zh-CN" altLang="en-US" dirty="0"/>
-              <a:t>方法被调用时都创建一个新的流。始终创建新的流可以让源或汇管理流的整个生命周期，并且让多次调用</a:t>
-            </a:r>
-            <a:r>
-              <a:rPr lang="en-US" altLang="zh-CN" dirty="0" err="1"/>
-              <a:t>openStream</a:t>
-            </a:r>
-            <a:r>
-              <a:rPr lang="en-US" altLang="zh-CN" dirty="0"/>
-              <a:t>()</a:t>
-            </a:r>
-            <a:r>
-              <a:rPr lang="zh-CN" altLang="en-US" dirty="0"/>
-              <a:t>返回的流都是可用的。此外，如果你在创建源或汇之前创建了流，你不得不在异常的时候自己保证关闭流，这压根就违背了发挥源与汇</a:t>
-            </a:r>
-            <a:r>
-              <a:rPr lang="en-US" altLang="zh-CN" dirty="0"/>
-              <a:t>API</a:t>
-            </a:r>
-            <a:r>
-              <a:rPr lang="zh-CN" altLang="en-US" dirty="0"/>
-              <a:t>优点的初衷。</a:t>
-            </a:r>
-          </a:p>
-        </p:txBody>
-      </p:sp>
-      <p:pic>
-        <p:nvPicPr>
-          <p:cNvPr id="5" name="图片 4">
-            <a:extLst>
-              <a:ext uri="{FF2B5EF4-FFF2-40B4-BE49-F238E27FC236}">
-                <a16:creationId xmlns:a16="http://schemas.microsoft.com/office/drawing/2014/main" id="{FDE37F88-2C1B-4171-87BE-7573BB940442}"/>
+                <a16:creationId xmlns:a16="http://schemas.microsoft.com/office/drawing/2014/main" id="{5417E3D1-9314-40F7-A741-075B2B6B3B48}"/>
               </a:ext>
             </a:extLst>
           </p:cNvPr>
@@ -40818,8 +40260,8 @@
         </p:blipFill>
         <p:spPr>
           <a:xfrm>
-            <a:off x="0" y="2812261"/>
-            <a:ext cx="9144000" cy="3967243"/>
+            <a:off x="0" y="1757834"/>
+            <a:ext cx="9144000" cy="5686035"/>
           </a:xfrm>
           <a:prstGeom prst="rect">
             <a:avLst/>
@@ -40829,7 +40271,7 @@
     </p:spTree>
     <p:extLst>
       <p:ext uri="{BB962C8B-B14F-4D97-AF65-F5344CB8AC3E}">
-        <p14:creationId xmlns:p14="http://schemas.microsoft.com/office/powerpoint/2010/main" val="795889126"/>
+        <p14:creationId xmlns:p14="http://schemas.microsoft.com/office/powerpoint/2010/main" val="3008343821"/>
       </p:ext>
     </p:extLst>
   </p:cSld>
@@ -41261,10 +40703,10 @@
       </p:sp>
       <p:pic>
         <p:nvPicPr>
-          <p:cNvPr id="2" name="图片 1">
+          <p:cNvPr id="4" name="图片 3">
             <a:extLst>
               <a:ext uri="{FF2B5EF4-FFF2-40B4-BE49-F238E27FC236}">
-                <a16:creationId xmlns:a16="http://schemas.microsoft.com/office/drawing/2014/main" id="{5417E3D1-9314-40F7-A741-075B2B6B3B48}"/>
+                <a16:creationId xmlns:a16="http://schemas.microsoft.com/office/drawing/2014/main" id="{B9590B7B-73FE-4ABD-9357-7ABDD72262E6}"/>
               </a:ext>
             </a:extLst>
           </p:cNvPr>
@@ -41281,8 +40723,8 @@
         </p:blipFill>
         <p:spPr>
           <a:xfrm>
-            <a:off x="0" y="1757834"/>
-            <a:ext cx="9144000" cy="5686035"/>
+            <a:off x="243311" y="2044747"/>
+            <a:ext cx="7486650" cy="3733800"/>
           </a:xfrm>
           <a:prstGeom prst="rect">
             <a:avLst/>
@@ -41292,7 +40734,7 @@
     </p:spTree>
     <p:extLst>
       <p:ext uri="{BB962C8B-B14F-4D97-AF65-F5344CB8AC3E}">
-        <p14:creationId xmlns:p14="http://schemas.microsoft.com/office/powerpoint/2010/main" val="3008343821"/>
+        <p14:creationId xmlns:p14="http://schemas.microsoft.com/office/powerpoint/2010/main" val="3960571925"/>
       </p:ext>
     </p:extLst>
   </p:cSld>
@@ -41342,310 +40784,6 @@
           <a:p>
             <a:r>
               <a:rPr lang="zh-CN" altLang="en-US" dirty="0"/>
-              <a:t>使用源与汇</a:t>
-            </a:r>
-          </a:p>
-        </p:txBody>
-      </p:sp>
-      <p:sp>
-        <p:nvSpPr>
-          <p:cNvPr id="6" name="Rectangle 1">
-            <a:extLst>
-              <a:ext uri="{FF2B5EF4-FFF2-40B4-BE49-F238E27FC236}">
-                <a16:creationId xmlns:a16="http://schemas.microsoft.com/office/drawing/2014/main" id="{8B869121-6ECD-45E6-86A0-9C4BAEBC0A74}"/>
-              </a:ext>
-            </a:extLst>
-          </p:cNvPr>
-          <p:cNvSpPr>
-            <a:spLocks noChangeArrowheads="1"/>
-          </p:cNvSpPr>
-          <p:nvPr/>
-        </p:nvSpPr>
-        <p:spPr bwMode="auto">
-          <a:xfrm>
-            <a:off x="0" y="-184666"/>
-            <a:ext cx="9144000" cy="369332"/>
-          </a:xfrm>
-          <a:prstGeom prst="rect">
-            <a:avLst/>
-          </a:prstGeom>
-          <a:solidFill>
-            <a:srgbClr val="FFFFFF"/>
-          </a:solidFill>
-          <a:ln>
-            <a:noFill/>
-          </a:ln>
-          <a:effectLst/>
-          <a:extLst>
-            <a:ext uri="{91240B29-F687-4F45-9708-019B960494DF}">
-              <a14:hiddenLine xmlns:a14="http://schemas.microsoft.com/office/drawing/2010/main" w="9525">
-                <a:solidFill>
-                  <a:schemeClr val="tx1"/>
-                </a:solidFill>
-                <a:miter lim="800000"/>
-                <a:headEnd/>
-                <a:tailEnd/>
-              </a14:hiddenLine>
-            </a:ext>
-            <a:ext uri="{AF507438-7753-43E0-B8FC-AC1667EBCBE1}">
-              <a14:hiddenEffects xmlns:a14="http://schemas.microsoft.com/office/drawing/2010/main">
-                <a:effectLst>
-                  <a:outerShdw dist="35921" dir="2700000" algn="ctr" rotWithShape="0">
-                    <a:schemeClr val="bg2"/>
-                  </a:outerShdw>
-                </a:effectLst>
-              </a14:hiddenEffects>
-            </a:ext>
-          </a:extLst>
-        </p:spPr>
-        <p:txBody>
-          <a:bodyPr vert="horz" wrap="square" lIns="91440" tIns="45720" rIns="91440" bIns="45720" numCol="1" anchor="ctr" anchorCtr="0" compatLnSpc="1">
-            <a:prstTxWarp prst="textNoShape">
-              <a:avLst/>
-            </a:prstTxWarp>
-            <a:spAutoFit/>
-          </a:bodyPr>
-          <a:lstStyle>
-            <a:lvl1pPr eaLnBrk="0" fontAlgn="base" hangingPunct="0">
-              <a:spcBef>
-                <a:spcPct val="0"/>
-              </a:spcBef>
-              <a:spcAft>
-                <a:spcPct val="0"/>
-              </a:spcAft>
-              <a:defRPr>
-                <a:solidFill>
-                  <a:schemeClr val="tx1"/>
-                </a:solidFill>
-                <a:latin typeface="Arial" panose="020B0604020202020204" pitchFamily="34" charset="0"/>
-              </a:defRPr>
-            </a:lvl1pPr>
-            <a:lvl2pPr marL="457200" eaLnBrk="0" fontAlgn="base" hangingPunct="0">
-              <a:spcBef>
-                <a:spcPct val="0"/>
-              </a:spcBef>
-              <a:spcAft>
-                <a:spcPct val="0"/>
-              </a:spcAft>
-              <a:defRPr>
-                <a:solidFill>
-                  <a:schemeClr val="tx1"/>
-                </a:solidFill>
-                <a:latin typeface="Arial" panose="020B0604020202020204" pitchFamily="34" charset="0"/>
-              </a:defRPr>
-            </a:lvl2pPr>
-            <a:lvl3pPr marL="914400" eaLnBrk="0" fontAlgn="base" hangingPunct="0">
-              <a:spcBef>
-                <a:spcPct val="0"/>
-              </a:spcBef>
-              <a:spcAft>
-                <a:spcPct val="0"/>
-              </a:spcAft>
-              <a:defRPr>
-                <a:solidFill>
-                  <a:schemeClr val="tx1"/>
-                </a:solidFill>
-                <a:latin typeface="Arial" panose="020B0604020202020204" pitchFamily="34" charset="0"/>
-              </a:defRPr>
-            </a:lvl3pPr>
-            <a:lvl4pPr marL="1371600" eaLnBrk="0" fontAlgn="base" hangingPunct="0">
-              <a:spcBef>
-                <a:spcPct val="0"/>
-              </a:spcBef>
-              <a:spcAft>
-                <a:spcPct val="0"/>
-              </a:spcAft>
-              <a:defRPr>
-                <a:solidFill>
-                  <a:schemeClr val="tx1"/>
-                </a:solidFill>
-                <a:latin typeface="Arial" panose="020B0604020202020204" pitchFamily="34" charset="0"/>
-              </a:defRPr>
-            </a:lvl4pPr>
-            <a:lvl5pPr marL="1828800" eaLnBrk="0" fontAlgn="base" hangingPunct="0">
-              <a:spcBef>
-                <a:spcPct val="0"/>
-              </a:spcBef>
-              <a:spcAft>
-                <a:spcPct val="0"/>
-              </a:spcAft>
-              <a:defRPr>
-                <a:solidFill>
-                  <a:schemeClr val="tx1"/>
-                </a:solidFill>
-                <a:latin typeface="Arial" panose="020B0604020202020204" pitchFamily="34" charset="0"/>
-              </a:defRPr>
-            </a:lvl5pPr>
-            <a:lvl6pPr marL="2286000" eaLnBrk="0" fontAlgn="base" hangingPunct="0">
-              <a:spcBef>
-                <a:spcPct val="0"/>
-              </a:spcBef>
-              <a:spcAft>
-                <a:spcPct val="0"/>
-              </a:spcAft>
-              <a:defRPr>
-                <a:solidFill>
-                  <a:schemeClr val="tx1"/>
-                </a:solidFill>
-                <a:latin typeface="Arial" panose="020B0604020202020204" pitchFamily="34" charset="0"/>
-              </a:defRPr>
-            </a:lvl6pPr>
-            <a:lvl7pPr marL="2743200" eaLnBrk="0" fontAlgn="base" hangingPunct="0">
-              <a:spcBef>
-                <a:spcPct val="0"/>
-              </a:spcBef>
-              <a:spcAft>
-                <a:spcPct val="0"/>
-              </a:spcAft>
-              <a:defRPr>
-                <a:solidFill>
-                  <a:schemeClr val="tx1"/>
-                </a:solidFill>
-                <a:latin typeface="Arial" panose="020B0604020202020204" pitchFamily="34" charset="0"/>
-              </a:defRPr>
-            </a:lvl7pPr>
-            <a:lvl8pPr marL="3200400" eaLnBrk="0" fontAlgn="base" hangingPunct="0">
-              <a:spcBef>
-                <a:spcPct val="0"/>
-              </a:spcBef>
-              <a:spcAft>
-                <a:spcPct val="0"/>
-              </a:spcAft>
-              <a:defRPr>
-                <a:solidFill>
-                  <a:schemeClr val="tx1"/>
-                </a:solidFill>
-                <a:latin typeface="Arial" panose="020B0604020202020204" pitchFamily="34" charset="0"/>
-              </a:defRPr>
-            </a:lvl8pPr>
-            <a:lvl9pPr marL="3657600" eaLnBrk="0" fontAlgn="base" hangingPunct="0">
-              <a:spcBef>
-                <a:spcPct val="0"/>
-              </a:spcBef>
-              <a:spcAft>
-                <a:spcPct val="0"/>
-              </a:spcAft>
-              <a:defRPr>
-                <a:solidFill>
-                  <a:schemeClr val="tx1"/>
-                </a:solidFill>
-                <a:latin typeface="Arial" panose="020B0604020202020204" pitchFamily="34" charset="0"/>
-              </a:defRPr>
-            </a:lvl9pPr>
-          </a:lstStyle>
-          <a:p>
-            <a:pPr marL="0" marR="0" lvl="0" indent="0" algn="l" defTabSz="914400" rtl="0" eaLnBrk="0" fontAlgn="base" latinLnBrk="0" hangingPunct="0">
-              <a:lnSpc>
-                <a:spcPct val="100000"/>
-              </a:lnSpc>
-              <a:spcBef>
-                <a:spcPct val="0"/>
-              </a:spcBef>
-              <a:spcAft>
-                <a:spcPct val="0"/>
-              </a:spcAft>
-              <a:buClrTx/>
-              <a:buSzTx/>
-              <a:buFontTx/>
-              <a:buNone/>
-              <a:tabLst/>
-            </a:pPr>
-            <a:endParaRPr kumimoji="0" lang="zh-CN" altLang="zh-CN" sz="1800" b="0" i="0" u="none" strike="noStrike" cap="none" normalizeH="0" baseline="0" dirty="0">
-              <a:ln>
-                <a:noFill/>
-              </a:ln>
-              <a:solidFill>
-                <a:schemeClr val="tx1"/>
-              </a:solidFill>
-              <a:effectLst/>
-              <a:latin typeface="Arial" panose="020B0604020202020204" pitchFamily="34" charset="0"/>
-            </a:endParaRPr>
-          </a:p>
-        </p:txBody>
-      </p:sp>
-      <p:pic>
-        <p:nvPicPr>
-          <p:cNvPr id="4" name="图片 3">
-            <a:extLst>
-              <a:ext uri="{FF2B5EF4-FFF2-40B4-BE49-F238E27FC236}">
-                <a16:creationId xmlns:a16="http://schemas.microsoft.com/office/drawing/2014/main" id="{B9590B7B-73FE-4ABD-9357-7ABDD72262E6}"/>
-              </a:ext>
-            </a:extLst>
-          </p:cNvPr>
-          <p:cNvPicPr>
-            <a:picLocks noChangeAspect="1"/>
-          </p:cNvPicPr>
-          <p:nvPr/>
-        </p:nvPicPr>
-        <p:blipFill>
-          <a:blip r:embed="rId2"/>
-          <a:stretch>
-            <a:fillRect/>
-          </a:stretch>
-        </p:blipFill>
-        <p:spPr>
-          <a:xfrm>
-            <a:off x="243311" y="2044747"/>
-            <a:ext cx="7486650" cy="3733800"/>
-          </a:xfrm>
-          <a:prstGeom prst="rect">
-            <a:avLst/>
-          </a:prstGeom>
-        </p:spPr>
-      </p:pic>
-    </p:spTree>
-    <p:extLst>
-      <p:ext uri="{BB962C8B-B14F-4D97-AF65-F5344CB8AC3E}">
-        <p14:creationId xmlns:p14="http://schemas.microsoft.com/office/powerpoint/2010/main" val="3960571925"/>
-      </p:ext>
-    </p:extLst>
-  </p:cSld>
-  <p:clrMapOvr>
-    <a:masterClrMapping/>
-  </p:clrMapOvr>
-</p:sld>
-</file>
-
-<file path=ppt/slides/slide82.xml><?xml version="1.0" encoding="utf-8"?>
-<p:sld xmlns:a="http://schemas.openxmlformats.org/drawingml/2006/main" xmlns:r="http://schemas.openxmlformats.org/officeDocument/2006/relationships" xmlns:p="http://schemas.openxmlformats.org/presentationml/2006/main">
-  <p:cSld>
-    <p:spTree>
-      <p:nvGrpSpPr>
-        <p:cNvPr id="1" name=""/>
-        <p:cNvGrpSpPr/>
-        <p:nvPr/>
-      </p:nvGrpSpPr>
-      <p:grpSpPr>
-        <a:xfrm>
-          <a:off x="0" y="0"/>
-          <a:ext cx="0" cy="0"/>
-          <a:chOff x="0" y="0"/>
-          <a:chExt cx="0" cy="0"/>
-        </a:xfrm>
-      </p:grpSpPr>
-      <p:sp>
-        <p:nvSpPr>
-          <p:cNvPr id="3" name="文本占位符 2">
-            <a:extLst>
-              <a:ext uri="{FF2B5EF4-FFF2-40B4-BE49-F238E27FC236}">
-                <a16:creationId xmlns:a16="http://schemas.microsoft.com/office/drawing/2014/main" id="{03244420-F962-4115-A1CA-E4ED6E926A57}"/>
-              </a:ext>
-            </a:extLst>
-          </p:cNvPr>
-          <p:cNvSpPr>
-            <a:spLocks noGrp="1"/>
-          </p:cNvSpPr>
-          <p:nvPr>
-            <p:ph type="body" sz="quarter" idx="10"/>
-          </p:nvPr>
-        </p:nvSpPr>
-        <p:spPr/>
-        <p:txBody>
-          <a:bodyPr/>
-          <a:lstStyle/>
-          <a:p>
-            <a:r>
-              <a:rPr lang="zh-CN" altLang="en-US" dirty="0"/>
               <a:t>文件操作</a:t>
             </a:r>
           </a:p>
@@ -41910,7 +41048,7 @@
 </p:sld>
 </file>
 
-<file path=ppt/slides/slide83.xml><?xml version="1.0" encoding="utf-8"?>
+<file path=ppt/slides/slide82.xml><?xml version="1.0" encoding="utf-8"?>
 <p:sld xmlns:a="http://schemas.openxmlformats.org/drawingml/2006/main" xmlns:r="http://schemas.openxmlformats.org/officeDocument/2006/relationships" xmlns:p="http://schemas.openxmlformats.org/presentationml/2006/main">
   <p:cSld>
     <p:spTree>
@@ -42018,6 +41156,413 @@
     <p:extLst>
       <p:ext uri="{BB962C8B-B14F-4D97-AF65-F5344CB8AC3E}">
         <p14:creationId xmlns:p14="http://schemas.microsoft.com/office/powerpoint/2010/main" val="1133101520"/>
+      </p:ext>
+    </p:extLst>
+  </p:cSld>
+  <p:clrMapOvr>
+    <a:masterClrMapping/>
+  </p:clrMapOvr>
+</p:sld>
+</file>
+
+<file path=ppt/slides/slide83.xml><?xml version="1.0" encoding="utf-8"?>
+<p:sld xmlns:a="http://schemas.openxmlformats.org/drawingml/2006/main" xmlns:r="http://schemas.openxmlformats.org/officeDocument/2006/relationships" xmlns:p="http://schemas.openxmlformats.org/presentationml/2006/main">
+  <p:cSld>
+    <p:spTree>
+      <p:nvGrpSpPr>
+        <p:cNvPr id="1" name=""/>
+        <p:cNvGrpSpPr/>
+        <p:nvPr/>
+      </p:nvGrpSpPr>
+      <p:grpSpPr>
+        <a:xfrm>
+          <a:off x="0" y="0"/>
+          <a:ext cx="0" cy="0"/>
+          <a:chOff x="0" y="0"/>
+          <a:chExt cx="0" cy="0"/>
+        </a:xfrm>
+      </p:grpSpPr>
+      <p:sp>
+        <p:nvSpPr>
+          <p:cNvPr id="3" name="文本占位符 2">
+            <a:extLst>
+              <a:ext uri="{FF2B5EF4-FFF2-40B4-BE49-F238E27FC236}">
+                <a16:creationId xmlns:a16="http://schemas.microsoft.com/office/drawing/2014/main" id="{03244420-F962-4115-A1CA-E4ED6E926A57}"/>
+              </a:ext>
+            </a:extLst>
+          </p:cNvPr>
+          <p:cNvSpPr>
+            <a:spLocks noGrp="1"/>
+          </p:cNvSpPr>
+          <p:nvPr>
+            <p:ph type="body" sz="quarter" idx="10"/>
+          </p:nvPr>
+        </p:nvSpPr>
+        <p:spPr/>
+        <p:txBody>
+          <a:bodyPr/>
+          <a:lstStyle/>
+          <a:p>
+            <a:r>
+              <a:rPr lang="zh-CN" altLang="en-US" dirty="0"/>
+              <a:t>概述</a:t>
+            </a:r>
+            <a:endParaRPr lang="en-US" altLang="zh-CN" dirty="0"/>
+          </a:p>
+          <a:p>
+            <a:endParaRPr lang="zh-CN" altLang="en-US" dirty="0"/>
+          </a:p>
+        </p:txBody>
+      </p:sp>
+      <p:sp>
+        <p:nvSpPr>
+          <p:cNvPr id="6" name="Rectangle 1">
+            <a:extLst>
+              <a:ext uri="{FF2B5EF4-FFF2-40B4-BE49-F238E27FC236}">
+                <a16:creationId xmlns:a16="http://schemas.microsoft.com/office/drawing/2014/main" id="{8B869121-6ECD-45E6-86A0-9C4BAEBC0A74}"/>
+              </a:ext>
+            </a:extLst>
+          </p:cNvPr>
+          <p:cNvSpPr>
+            <a:spLocks noChangeArrowheads="1"/>
+          </p:cNvSpPr>
+          <p:nvPr/>
+        </p:nvSpPr>
+        <p:spPr bwMode="auto">
+          <a:xfrm>
+            <a:off x="0" y="-184666"/>
+            <a:ext cx="9144000" cy="369332"/>
+          </a:xfrm>
+          <a:prstGeom prst="rect">
+            <a:avLst/>
+          </a:prstGeom>
+          <a:solidFill>
+            <a:srgbClr val="FFFFFF"/>
+          </a:solidFill>
+          <a:ln>
+            <a:noFill/>
+          </a:ln>
+          <a:effectLst/>
+          <a:extLst>
+            <a:ext uri="{91240B29-F687-4F45-9708-019B960494DF}">
+              <a14:hiddenLine xmlns:a14="http://schemas.microsoft.com/office/drawing/2010/main" w="9525">
+                <a:solidFill>
+                  <a:schemeClr val="tx1"/>
+                </a:solidFill>
+                <a:miter lim="800000"/>
+                <a:headEnd/>
+                <a:tailEnd/>
+              </a14:hiddenLine>
+            </a:ext>
+            <a:ext uri="{AF507438-7753-43E0-B8FC-AC1667EBCBE1}">
+              <a14:hiddenEffects xmlns:a14="http://schemas.microsoft.com/office/drawing/2010/main">
+                <a:effectLst>
+                  <a:outerShdw dist="35921" dir="2700000" algn="ctr" rotWithShape="0">
+                    <a:schemeClr val="bg2"/>
+                  </a:outerShdw>
+                </a:effectLst>
+              </a14:hiddenEffects>
+            </a:ext>
+          </a:extLst>
+        </p:spPr>
+        <p:txBody>
+          <a:bodyPr vert="horz" wrap="square" lIns="91440" tIns="45720" rIns="91440" bIns="45720" numCol="1" anchor="ctr" anchorCtr="0" compatLnSpc="1">
+            <a:prstTxWarp prst="textNoShape">
+              <a:avLst/>
+            </a:prstTxWarp>
+            <a:spAutoFit/>
+          </a:bodyPr>
+          <a:lstStyle>
+            <a:lvl1pPr eaLnBrk="0" fontAlgn="base" hangingPunct="0">
+              <a:spcBef>
+                <a:spcPct val="0"/>
+              </a:spcBef>
+              <a:spcAft>
+                <a:spcPct val="0"/>
+              </a:spcAft>
+              <a:defRPr>
+                <a:solidFill>
+                  <a:schemeClr val="tx1"/>
+                </a:solidFill>
+                <a:latin typeface="Arial" panose="020B0604020202020204" pitchFamily="34" charset="0"/>
+              </a:defRPr>
+            </a:lvl1pPr>
+            <a:lvl2pPr marL="457200" eaLnBrk="0" fontAlgn="base" hangingPunct="0">
+              <a:spcBef>
+                <a:spcPct val="0"/>
+              </a:spcBef>
+              <a:spcAft>
+                <a:spcPct val="0"/>
+              </a:spcAft>
+              <a:defRPr>
+                <a:solidFill>
+                  <a:schemeClr val="tx1"/>
+                </a:solidFill>
+                <a:latin typeface="Arial" panose="020B0604020202020204" pitchFamily="34" charset="0"/>
+              </a:defRPr>
+            </a:lvl2pPr>
+            <a:lvl3pPr marL="914400" eaLnBrk="0" fontAlgn="base" hangingPunct="0">
+              <a:spcBef>
+                <a:spcPct val="0"/>
+              </a:spcBef>
+              <a:spcAft>
+                <a:spcPct val="0"/>
+              </a:spcAft>
+              <a:defRPr>
+                <a:solidFill>
+                  <a:schemeClr val="tx1"/>
+                </a:solidFill>
+                <a:latin typeface="Arial" panose="020B0604020202020204" pitchFamily="34" charset="0"/>
+              </a:defRPr>
+            </a:lvl3pPr>
+            <a:lvl4pPr marL="1371600" eaLnBrk="0" fontAlgn="base" hangingPunct="0">
+              <a:spcBef>
+                <a:spcPct val="0"/>
+              </a:spcBef>
+              <a:spcAft>
+                <a:spcPct val="0"/>
+              </a:spcAft>
+              <a:defRPr>
+                <a:solidFill>
+                  <a:schemeClr val="tx1"/>
+                </a:solidFill>
+                <a:latin typeface="Arial" panose="020B0604020202020204" pitchFamily="34" charset="0"/>
+              </a:defRPr>
+            </a:lvl4pPr>
+            <a:lvl5pPr marL="1828800" eaLnBrk="0" fontAlgn="base" hangingPunct="0">
+              <a:spcBef>
+                <a:spcPct val="0"/>
+              </a:spcBef>
+              <a:spcAft>
+                <a:spcPct val="0"/>
+              </a:spcAft>
+              <a:defRPr>
+                <a:solidFill>
+                  <a:schemeClr val="tx1"/>
+                </a:solidFill>
+                <a:latin typeface="Arial" panose="020B0604020202020204" pitchFamily="34" charset="0"/>
+              </a:defRPr>
+            </a:lvl5pPr>
+            <a:lvl6pPr marL="2286000" eaLnBrk="0" fontAlgn="base" hangingPunct="0">
+              <a:spcBef>
+                <a:spcPct val="0"/>
+              </a:spcBef>
+              <a:spcAft>
+                <a:spcPct val="0"/>
+              </a:spcAft>
+              <a:defRPr>
+                <a:solidFill>
+                  <a:schemeClr val="tx1"/>
+                </a:solidFill>
+                <a:latin typeface="Arial" panose="020B0604020202020204" pitchFamily="34" charset="0"/>
+              </a:defRPr>
+            </a:lvl6pPr>
+            <a:lvl7pPr marL="2743200" eaLnBrk="0" fontAlgn="base" hangingPunct="0">
+              <a:spcBef>
+                <a:spcPct val="0"/>
+              </a:spcBef>
+              <a:spcAft>
+                <a:spcPct val="0"/>
+              </a:spcAft>
+              <a:defRPr>
+                <a:solidFill>
+                  <a:schemeClr val="tx1"/>
+                </a:solidFill>
+                <a:latin typeface="Arial" panose="020B0604020202020204" pitchFamily="34" charset="0"/>
+              </a:defRPr>
+            </a:lvl7pPr>
+            <a:lvl8pPr marL="3200400" eaLnBrk="0" fontAlgn="base" hangingPunct="0">
+              <a:spcBef>
+                <a:spcPct val="0"/>
+              </a:spcBef>
+              <a:spcAft>
+                <a:spcPct val="0"/>
+              </a:spcAft>
+              <a:defRPr>
+                <a:solidFill>
+                  <a:schemeClr val="tx1"/>
+                </a:solidFill>
+                <a:latin typeface="Arial" panose="020B0604020202020204" pitchFamily="34" charset="0"/>
+              </a:defRPr>
+            </a:lvl8pPr>
+            <a:lvl9pPr marL="3657600" eaLnBrk="0" fontAlgn="base" hangingPunct="0">
+              <a:spcBef>
+                <a:spcPct val="0"/>
+              </a:spcBef>
+              <a:spcAft>
+                <a:spcPct val="0"/>
+              </a:spcAft>
+              <a:defRPr>
+                <a:solidFill>
+                  <a:schemeClr val="tx1"/>
+                </a:solidFill>
+                <a:latin typeface="Arial" panose="020B0604020202020204" pitchFamily="34" charset="0"/>
+              </a:defRPr>
+            </a:lvl9pPr>
+          </a:lstStyle>
+          <a:p>
+            <a:pPr marL="0" marR="0" lvl="0" indent="0" algn="l" defTabSz="914400" rtl="0" eaLnBrk="0" fontAlgn="base" latinLnBrk="0" hangingPunct="0">
+              <a:lnSpc>
+                <a:spcPct val="100000"/>
+              </a:lnSpc>
+              <a:spcBef>
+                <a:spcPct val="0"/>
+              </a:spcBef>
+              <a:spcAft>
+                <a:spcPct val="0"/>
+              </a:spcAft>
+              <a:buClrTx/>
+              <a:buSzTx/>
+              <a:buFontTx/>
+              <a:buNone/>
+              <a:tabLst/>
+            </a:pPr>
+            <a:endParaRPr kumimoji="0" lang="zh-CN" altLang="zh-CN" sz="1800" b="0" i="0" u="none" strike="noStrike" cap="none" normalizeH="0" baseline="0" dirty="0">
+              <a:ln>
+                <a:noFill/>
+              </a:ln>
+              <a:solidFill>
+                <a:schemeClr val="tx1"/>
+              </a:solidFill>
+              <a:effectLst/>
+              <a:latin typeface="Arial" panose="020B0604020202020204" pitchFamily="34" charset="0"/>
+            </a:endParaRPr>
+          </a:p>
+        </p:txBody>
+      </p:sp>
+      <p:sp>
+        <p:nvSpPr>
+          <p:cNvPr id="4" name="文本框 3">
+            <a:extLst>
+              <a:ext uri="{FF2B5EF4-FFF2-40B4-BE49-F238E27FC236}">
+                <a16:creationId xmlns:a16="http://schemas.microsoft.com/office/drawing/2014/main" id="{4C50380B-D626-42F9-ABB4-86185C6A7451}"/>
+              </a:ext>
+            </a:extLst>
+          </p:cNvPr>
+          <p:cNvSpPr txBox="1"/>
+          <p:nvPr/>
+        </p:nvSpPr>
+        <p:spPr>
+          <a:xfrm>
+            <a:off x="427839" y="2164360"/>
+            <a:ext cx="8296711" cy="2186561"/>
+          </a:xfrm>
+          <a:prstGeom prst="rect">
+            <a:avLst/>
+          </a:prstGeom>
+          <a:noFill/>
+        </p:spPr>
+        <p:txBody>
+          <a:bodyPr wrap="square" rtlCol="0">
+            <a:spAutoFit/>
+          </a:bodyPr>
+          <a:lstStyle/>
+          <a:p>
+            <a:pPr marL="342900" indent="-342900">
+              <a:buFont typeface="+mj-lt"/>
+              <a:buAutoNum type="arabicPeriod"/>
+            </a:pPr>
+            <a:r>
+              <a:rPr lang="en-US" altLang="zh-CN" dirty="0"/>
+              <a:t>Java</a:t>
+            </a:r>
+            <a:r>
+              <a:rPr lang="zh-CN" altLang="en-US" dirty="0"/>
+              <a:t>内建的散列码</a:t>
+            </a:r>
+            <a:r>
+              <a:rPr lang="en-US" altLang="zh-CN" dirty="0"/>
+              <a:t>[hash code]</a:t>
+            </a:r>
+            <a:r>
+              <a:rPr lang="zh-CN" altLang="en-US" dirty="0"/>
+              <a:t>概念被限制为</a:t>
+            </a:r>
+            <a:r>
+              <a:rPr lang="en-US" altLang="zh-CN" dirty="0"/>
+              <a:t>32</a:t>
+            </a:r>
+            <a:r>
+              <a:rPr lang="zh-CN" altLang="en-US" dirty="0"/>
+              <a:t>位，并且没有分离散列算法和它们所作用的数据，因此很难用备选算法进行替换。此外，使用</a:t>
+            </a:r>
+            <a:r>
+              <a:rPr lang="en-US" altLang="zh-CN" dirty="0"/>
+              <a:t>Java</a:t>
+            </a:r>
+            <a:r>
+              <a:rPr lang="zh-CN" altLang="en-US" dirty="0"/>
+              <a:t>内建方法实现的散列码通常是劣质的，部分是因为它们最终都依赖于</a:t>
+            </a:r>
+            <a:r>
+              <a:rPr lang="en-US" altLang="zh-CN" dirty="0"/>
+              <a:t>JDK</a:t>
+            </a:r>
+            <a:r>
+              <a:rPr lang="zh-CN" altLang="en-US" dirty="0"/>
+              <a:t>类中已有的劣质散列码。</a:t>
+            </a:r>
+            <a:endParaRPr lang="en-US" altLang="zh-CN" dirty="0"/>
+          </a:p>
+          <a:p>
+            <a:pPr marL="342900" indent="-342900">
+              <a:buFont typeface="+mj-lt"/>
+              <a:buAutoNum type="arabicPeriod"/>
+            </a:pPr>
+            <a:endParaRPr lang="en-US" altLang="zh-CN" dirty="0"/>
+          </a:p>
+          <a:p>
+            <a:pPr marL="342900" indent="-342900">
+              <a:buFont typeface="+mj-lt"/>
+              <a:buAutoNum type="arabicPeriod"/>
+            </a:pPr>
+            <a:r>
+              <a:rPr lang="en-US" altLang="zh-CN" dirty="0" err="1"/>
+              <a:t>hashCode</a:t>
+            </a:r>
+            <a:r>
+              <a:rPr lang="zh-CN" altLang="en-US" dirty="0"/>
+              <a:t>往往很快，但是在预防碰撞上却很弱，也没有对分散性的预期。这使得它们很适合在散列表中运用，因为额外碰撞只会带来轻微的性能损失，同时差劲的分散性也可以容易地通过再散列来纠正（</a:t>
+            </a:r>
+            <a:r>
+              <a:rPr lang="en-US" altLang="zh-CN" dirty="0"/>
+              <a:t>Java</a:t>
+            </a:r>
+            <a:r>
+              <a:rPr lang="zh-CN" altLang="en-US" dirty="0"/>
+              <a:t>中所有合理的散列表都用了再散列方法）。然而，在简单散列表以外的散列运用中，</a:t>
+            </a:r>
+            <a:r>
+              <a:rPr lang="en-US" altLang="zh-CN" dirty="0" err="1"/>
+              <a:t>Object.hashCode</a:t>
+            </a:r>
+            <a:r>
+              <a:rPr lang="zh-CN" altLang="en-US" dirty="0"/>
+              <a:t>几乎总是达不到要求</a:t>
+            </a:r>
+            <a:r>
+              <a:rPr lang="en-US" altLang="zh-CN" dirty="0"/>
+              <a:t>——</a:t>
+            </a:r>
+            <a:r>
+              <a:rPr lang="zh-CN" altLang="en-US" dirty="0"/>
+              <a:t>因此，有了</a:t>
+            </a:r>
+            <a:r>
+              <a:rPr lang="en-US" altLang="zh-CN" dirty="0" err="1"/>
+              <a:t>com.google.common.hash</a:t>
+            </a:r>
+            <a:r>
+              <a:rPr lang="zh-CN" altLang="en-US" dirty="0"/>
+              <a:t>包</a:t>
+            </a:r>
+          </a:p>
+        </p:txBody>
+      </p:sp>
+    </p:spTree>
+    <p:extLst>
+      <p:ext uri="{BB962C8B-B14F-4D97-AF65-F5344CB8AC3E}">
+        <p14:creationId xmlns:p14="http://schemas.microsoft.com/office/powerpoint/2010/main" val="3568582057"/>
       </p:ext>
     </p:extLst>
   </p:cSld>
@@ -42067,8 +41612,10 @@
           <a:p>
             <a:r>
               <a:rPr lang="zh-CN" altLang="en-US" dirty="0"/>
-              <a:t>概述</a:t>
-            </a:r>
+              <a:t>散列包的组成</a:t>
+            </a:r>
+          </a:p>
+          <a:p>
             <a:endParaRPr lang="en-US" altLang="zh-CN" dirty="0"/>
           </a:p>
           <a:p>
@@ -42424,7 +41971,7 @@
     </p:spTree>
     <p:extLst>
       <p:ext uri="{BB962C8B-B14F-4D97-AF65-F5344CB8AC3E}">
-        <p14:creationId xmlns:p14="http://schemas.microsoft.com/office/powerpoint/2010/main" val="3568582057"/>
+        <p14:creationId xmlns:p14="http://schemas.microsoft.com/office/powerpoint/2010/main" val="3169012782"/>
       </p:ext>
     </p:extLst>
   </p:cSld>
@@ -42734,44 +42281,20 @@
               <a:buAutoNum type="arabicPeriod"/>
             </a:pPr>
             <a:r>
-              <a:rPr lang="en-US" altLang="zh-CN" dirty="0"/>
-              <a:t>Java</a:t>
-            </a:r>
-            <a:r>
-              <a:rPr lang="zh-CN" altLang="en-US" dirty="0"/>
-              <a:t>内建的散列码</a:t>
-            </a:r>
-            <a:r>
-              <a:rPr lang="en-US" altLang="zh-CN" dirty="0"/>
-              <a:t>[hash code]</a:t>
-            </a:r>
-            <a:r>
-              <a:rPr lang="zh-CN" altLang="en-US" dirty="0"/>
-              <a:t>概念被限制为</a:t>
-            </a:r>
-            <a:r>
-              <a:rPr lang="en-US" altLang="zh-CN" dirty="0"/>
-              <a:t>32</a:t>
-            </a:r>
-            <a:r>
-              <a:rPr lang="zh-CN" altLang="en-US" dirty="0"/>
-              <a:t>位，并且没有分离散列算法和它们所作用的数据，因此很难用备选算法进行替换。此外，使用</a:t>
-            </a:r>
-            <a:r>
-              <a:rPr lang="en-US" altLang="zh-CN" dirty="0"/>
-              <a:t>Java</a:t>
-            </a:r>
-            <a:r>
-              <a:rPr lang="zh-CN" altLang="en-US" dirty="0"/>
-              <a:t>内建方法实现的散列码通常是劣质的，部分是因为它们最终都依赖于</a:t>
-            </a:r>
-            <a:r>
-              <a:rPr lang="en-US" altLang="zh-CN" dirty="0"/>
-              <a:t>JDK</a:t>
-            </a:r>
-            <a:r>
-              <a:rPr lang="zh-CN" altLang="en-US" dirty="0"/>
-              <a:t>类中已有的劣质散列码。</a:t>
+              <a:rPr lang="en-US" altLang="zh-CN" dirty="0" err="1"/>
+              <a:t>HashFunction</a:t>
+            </a:r>
+            <a:endParaRPr lang="en-US" altLang="zh-CN" dirty="0"/>
+          </a:p>
+          <a:p>
+            <a:pPr lvl="1"/>
+            <a:r>
+              <a:rPr lang="en-US" altLang="zh-CN" dirty="0" err="1"/>
+              <a:t>HashFunction</a:t>
+            </a:r>
+            <a:r>
+              <a:rPr lang="zh-CN" altLang="en-US" dirty="0"/>
+              <a:t>是一个单纯的（引用透明的）、无状态的方法，它把任意的数据块映射到固定数目的位指，并且保证相同的输入一定产生相同的输出，不同的输入尽可能产生不同的输出。</a:t>
             </a:r>
             <a:endParaRPr lang="en-US" altLang="zh-CN" dirty="0"/>
           </a:p>
@@ -42780,60 +42303,95 @@
               <a:buFont typeface="+mj-lt"/>
               <a:buAutoNum type="arabicPeriod"/>
             </a:pPr>
+            <a:r>
+              <a:rPr lang="en-US" altLang="zh-CN" dirty="0"/>
+              <a:t>Hasher</a:t>
+            </a:r>
+          </a:p>
+          <a:p>
+            <a:pPr lvl="1"/>
+            <a:r>
+              <a:rPr lang="en-US" altLang="zh-CN" dirty="0" err="1"/>
+              <a:t>HashFunction</a:t>
+            </a:r>
+            <a:r>
+              <a:rPr lang="zh-CN" altLang="en-US" dirty="0"/>
+              <a:t>的实例可以提供有状态的</a:t>
+            </a:r>
+            <a:r>
+              <a:rPr lang="en-US" altLang="zh-CN" dirty="0"/>
+              <a:t>Hasher</a:t>
+            </a:r>
+            <a:r>
+              <a:rPr lang="zh-CN" altLang="en-US" dirty="0"/>
+              <a:t>，</a:t>
+            </a:r>
+            <a:r>
+              <a:rPr lang="en-US" altLang="zh-CN" dirty="0"/>
+              <a:t>Hasher</a:t>
+            </a:r>
+            <a:r>
+              <a:rPr lang="zh-CN" altLang="en-US" dirty="0"/>
+              <a:t>提供了流畅的语法把数据添加到散列运算，然后获取散列值。</a:t>
+            </a:r>
+            <a:r>
+              <a:rPr lang="en-US" altLang="zh-CN" dirty="0"/>
+              <a:t>Hasher</a:t>
+            </a:r>
+            <a:r>
+              <a:rPr lang="zh-CN" altLang="en-US" dirty="0"/>
+              <a:t>可以接受所有原生类型、字节数组、字节数组的片段、字符序列、特定字符集的字符序列等等，或者任何给定了</a:t>
+            </a:r>
+            <a:r>
+              <a:rPr lang="en-US" altLang="zh-CN" dirty="0"/>
+              <a:t>Funnel</a:t>
+            </a:r>
+            <a:r>
+              <a:rPr lang="zh-CN" altLang="en-US" dirty="0"/>
+              <a:t>实现的对象。</a:t>
+            </a:r>
             <a:endParaRPr lang="en-US" altLang="zh-CN" dirty="0"/>
           </a:p>
           <a:p>
-            <a:pPr marL="342900" indent="-342900">
-              <a:buFont typeface="+mj-lt"/>
-              <a:buAutoNum type="arabicPeriod"/>
-            </a:pPr>
+            <a:pPr lvl="1"/>
+            <a:r>
+              <a:rPr lang="en-US" altLang="zh-CN" dirty="0"/>
+              <a:t>Hasher</a:t>
+            </a:r>
+            <a:r>
+              <a:rPr lang="zh-CN" altLang="en-US" dirty="0"/>
+              <a:t>实现了</a:t>
+            </a:r>
             <a:r>
               <a:rPr lang="en-US" altLang="zh-CN" dirty="0" err="1"/>
-              <a:t>hashCode</a:t>
-            </a:r>
-            <a:r>
-              <a:rPr lang="zh-CN" altLang="en-US" dirty="0"/>
-              <a:t>往往很快，但是在预防碰撞上却很弱，也没有对分散性的预期。这使得它们很适合在散列表中运用，因为额外碰撞只会带来轻微的性能损失，同时差劲的分散性也可以容易地通过再散列来纠正（</a:t>
+              <a:t>PrimitiveSink</a:t>
+            </a:r>
+            <a:r>
+              <a:rPr lang="zh-CN" altLang="en-US" dirty="0"/>
+              <a:t>接口，这个接口为接受原生类型流的对象定义了</a:t>
             </a:r>
             <a:r>
               <a:rPr lang="en-US" altLang="zh-CN" dirty="0"/>
-              <a:t>Java</a:t>
-            </a:r>
-            <a:r>
-              <a:rPr lang="zh-CN" altLang="en-US" dirty="0"/>
-              <a:t>中所有合理的散列表都用了再散列方法）。然而，在简单散列表以外的散列运用中，</a:t>
-            </a:r>
-            <a:r>
-              <a:rPr lang="en-US" altLang="zh-CN" dirty="0" err="1"/>
-              <a:t>Object.hashCode</a:t>
-            </a:r>
-            <a:r>
-              <a:rPr lang="zh-CN" altLang="en-US" dirty="0"/>
-              <a:t>几乎总是达不到要求</a:t>
+              <a:t>fluent</a:t>
+            </a:r>
+            <a:r>
+              <a:rPr lang="zh-CN" altLang="en-US" dirty="0"/>
+              <a:t>风格的</a:t>
             </a:r>
             <a:r>
               <a:rPr lang="en-US" altLang="zh-CN" dirty="0"/>
-              <a:t>——</a:t>
-            </a:r>
-            <a:r>
-              <a:rPr lang="zh-CN" altLang="en-US" dirty="0"/>
-              <a:t>因此，有了</a:t>
-            </a:r>
-            <a:r>
-              <a:rPr lang="en-US" altLang="zh-CN" dirty="0" err="1"/>
-              <a:t>com.google.common.hash</a:t>
-            </a:r>
-            <a:r>
-              <a:rPr lang="zh-CN" altLang="en-US" dirty="0"/>
-              <a:t>包</a:t>
-            </a:r>
+              <a:t>API</a:t>
+            </a:r>
+          </a:p>
+          <a:p>
+            <a:endParaRPr lang="zh-CN" altLang="en-US" dirty="0"/>
           </a:p>
         </p:txBody>
       </p:sp>
     </p:spTree>
     <p:extLst>
       <p:ext uri="{BB962C8B-B14F-4D97-AF65-F5344CB8AC3E}">
-        <p14:creationId xmlns:p14="http://schemas.microsoft.com/office/powerpoint/2010/main" val="3169012782"/>
+        <p14:creationId xmlns:p14="http://schemas.microsoft.com/office/powerpoint/2010/main" val="2413617354"/>
       </p:ext>
     </p:extLst>
   </p:cSld>
@@ -43124,8 +42682,8 @@
         </p:nvSpPr>
         <p:spPr>
           <a:xfrm>
-            <a:off x="427839" y="2164360"/>
-            <a:ext cx="8296711" cy="2186561"/>
+            <a:off x="243311" y="1761688"/>
+            <a:ext cx="8296711" cy="1023101"/>
           </a:xfrm>
           <a:prstGeom prst="rect">
             <a:avLst/>
@@ -43140,24 +42698,21 @@
           <a:p>
             <a:pPr marL="342900" indent="-342900">
               <a:buFont typeface="+mj-lt"/>
-              <a:buAutoNum type="arabicPeriod"/>
+              <a:buAutoNum type="arabicPeriod" startAt="3"/>
             </a:pPr>
             <a:r>
-              <a:rPr lang="en-US" altLang="zh-CN" dirty="0" err="1"/>
-              <a:t>HashFunction</a:t>
-            </a:r>
+              <a:rPr lang="en-US" altLang="zh-CN" dirty="0"/>
+              <a:t>Funnel</a:t>
+            </a:r>
+          </a:p>
+          <a:p>
+            <a:pPr marL="342900" indent="-342900">
+              <a:buFont typeface="+mj-lt"/>
+              <a:buAutoNum type="arabicPeriod" startAt="3"/>
+            </a:pPr>
             <a:endParaRPr lang="en-US" altLang="zh-CN" dirty="0"/>
           </a:p>
           <a:p>
-            <a:pPr lvl="1"/>
-            <a:r>
-              <a:rPr lang="en-US" altLang="zh-CN" dirty="0" err="1"/>
-              <a:t>HashFunction</a:t>
-            </a:r>
-            <a:r>
-              <a:rPr lang="zh-CN" altLang="en-US" dirty="0"/>
-              <a:t>是一个单纯的（引用透明的）、无状态的方法，它把任意的数据块映射到固定数目的位指，并且保证相同的输入一定产生相同的输出，不同的输入尽可能产生不同的输出。</a:t>
-            </a:r>
             <a:endParaRPr lang="en-US" altLang="zh-CN" dirty="0"/>
           </a:p>
           <a:p>
@@ -43165,95 +42720,44 @@
               <a:buFont typeface="+mj-lt"/>
               <a:buAutoNum type="arabicPeriod"/>
             </a:pPr>
-            <a:r>
-              <a:rPr lang="en-US" altLang="zh-CN" dirty="0"/>
-              <a:t>Hasher</a:t>
-            </a:r>
-          </a:p>
-          <a:p>
-            <a:pPr lvl="1"/>
-            <a:r>
-              <a:rPr lang="en-US" altLang="zh-CN" dirty="0" err="1"/>
-              <a:t>HashFunction</a:t>
-            </a:r>
-            <a:r>
-              <a:rPr lang="zh-CN" altLang="en-US" dirty="0"/>
-              <a:t>的实例可以提供有状态的</a:t>
-            </a:r>
-            <a:r>
-              <a:rPr lang="en-US" altLang="zh-CN" dirty="0"/>
-              <a:t>Hasher</a:t>
-            </a:r>
-            <a:r>
-              <a:rPr lang="zh-CN" altLang="en-US" dirty="0"/>
-              <a:t>，</a:t>
-            </a:r>
-            <a:r>
-              <a:rPr lang="en-US" altLang="zh-CN" dirty="0"/>
-              <a:t>Hasher</a:t>
-            </a:r>
-            <a:r>
-              <a:rPr lang="zh-CN" altLang="en-US" dirty="0"/>
-              <a:t>提供了流畅的语法把数据添加到散列运算，然后获取散列值。</a:t>
-            </a:r>
-            <a:r>
-              <a:rPr lang="en-US" altLang="zh-CN" dirty="0"/>
-              <a:t>Hasher</a:t>
-            </a:r>
-            <a:r>
-              <a:rPr lang="zh-CN" altLang="en-US" dirty="0"/>
-              <a:t>可以接受所有原生类型、字节数组、字节数组的片段、字符序列、特定字符集的字符序列等等，或者任何给定了</a:t>
-            </a:r>
-            <a:r>
-              <a:rPr lang="en-US" altLang="zh-CN" dirty="0"/>
-              <a:t>Funnel</a:t>
-            </a:r>
-            <a:r>
-              <a:rPr lang="zh-CN" altLang="en-US" dirty="0"/>
-              <a:t>实现的对象。</a:t>
-            </a:r>
-            <a:endParaRPr lang="en-US" altLang="zh-CN" dirty="0"/>
-          </a:p>
-          <a:p>
-            <a:pPr lvl="1"/>
-            <a:r>
-              <a:rPr lang="en-US" altLang="zh-CN" dirty="0"/>
-              <a:t>Hasher</a:t>
-            </a:r>
-            <a:r>
-              <a:rPr lang="zh-CN" altLang="en-US" dirty="0"/>
-              <a:t>实现了</a:t>
-            </a:r>
-            <a:r>
-              <a:rPr lang="en-US" altLang="zh-CN" dirty="0" err="1"/>
-              <a:t>PrimitiveSink</a:t>
-            </a:r>
-            <a:r>
-              <a:rPr lang="zh-CN" altLang="en-US" dirty="0"/>
-              <a:t>接口，这个接口为接受原生类型流的对象定义了</a:t>
-            </a:r>
-            <a:r>
-              <a:rPr lang="en-US" altLang="zh-CN" dirty="0"/>
-              <a:t>fluent</a:t>
-            </a:r>
-            <a:r>
-              <a:rPr lang="zh-CN" altLang="en-US" dirty="0"/>
-              <a:t>风格的</a:t>
-            </a:r>
-            <a:r>
-              <a:rPr lang="en-US" altLang="zh-CN" dirty="0"/>
-              <a:t>API</a:t>
-            </a:r>
-          </a:p>
-          <a:p>
             <a:endParaRPr lang="zh-CN" altLang="en-US" dirty="0"/>
           </a:p>
         </p:txBody>
       </p:sp>
+      <p:pic>
+        <p:nvPicPr>
+          <p:cNvPr id="2" name="图片 1">
+            <a:extLst>
+              <a:ext uri="{FF2B5EF4-FFF2-40B4-BE49-F238E27FC236}">
+                <a16:creationId xmlns:a16="http://schemas.microsoft.com/office/drawing/2014/main" id="{A790D301-036A-4A03-A2CA-3C62D213ECC2}"/>
+              </a:ext>
+            </a:extLst>
+          </p:cNvPr>
+          <p:cNvPicPr>
+            <a:picLocks noChangeAspect="1"/>
+          </p:cNvPicPr>
+          <p:nvPr/>
+        </p:nvPicPr>
+        <p:blipFill>
+          <a:blip r:embed="rId2"/>
+          <a:stretch>
+            <a:fillRect/>
+          </a:stretch>
+        </p:blipFill>
+        <p:spPr>
+          <a:xfrm>
+            <a:off x="81603" y="2167637"/>
+            <a:ext cx="8620125" cy="4200525"/>
+          </a:xfrm>
+          <a:prstGeom prst="rect">
+            <a:avLst/>
+          </a:prstGeom>
+        </p:spPr>
+      </p:pic>
     </p:spTree>
     <p:extLst>
       <p:ext uri="{BB962C8B-B14F-4D97-AF65-F5344CB8AC3E}">
-        <p14:creationId xmlns:p14="http://schemas.microsoft.com/office/powerpoint/2010/main" val="2413617354"/>
+        <p14:creationId xmlns:p14="http://schemas.microsoft.com/office/powerpoint/2010/main" val="945973205"/>
       </p:ext>
     </p:extLst>
   </p:cSld>
@@ -43560,66 +43064,131 @@
           <a:p>
             <a:pPr marL="342900" indent="-342900">
               <a:buFont typeface="+mj-lt"/>
-              <a:buAutoNum type="arabicPeriod" startAt="3"/>
-            </a:pPr>
-            <a:r>
-              <a:rPr lang="en-US" altLang="zh-CN" dirty="0"/>
-              <a:t>Funnel</a:t>
-            </a:r>
-          </a:p>
-          <a:p>
-            <a:pPr marL="342900" indent="-342900">
-              <a:buFont typeface="+mj-lt"/>
-              <a:buAutoNum type="arabicPeriod" startAt="3"/>
-            </a:pPr>
-            <a:endParaRPr lang="en-US" altLang="zh-CN" dirty="0"/>
-          </a:p>
-          <a:p>
-            <a:endParaRPr lang="en-US" altLang="zh-CN" dirty="0"/>
-          </a:p>
-          <a:p>
-            <a:pPr marL="342900" indent="-342900">
-              <a:buFont typeface="+mj-lt"/>
               <a:buAutoNum type="arabicPeriod"/>
             </a:pPr>
-            <a:endParaRPr lang="zh-CN" altLang="en-US" dirty="0"/>
+            <a:r>
+              <a:rPr lang="en-US" altLang="zh-CN" dirty="0" err="1"/>
+              <a:t>HashCode</a:t>
+            </a:r>
+            <a:endParaRPr lang="en-US" altLang="zh-CN" dirty="0"/>
+          </a:p>
+          <a:p>
+            <a:pPr lvl="1"/>
+            <a:r>
+              <a:rPr lang="zh-CN" altLang="en-US" dirty="0"/>
+              <a:t>一旦</a:t>
+            </a:r>
+            <a:r>
+              <a:rPr lang="en-US" altLang="zh-CN" dirty="0"/>
+              <a:t>Hasher</a:t>
+            </a:r>
+            <a:r>
+              <a:rPr lang="zh-CN" altLang="en-US" dirty="0"/>
+              <a:t>被赋予了所有输入，就可以通过</a:t>
+            </a:r>
+            <a:r>
+              <a:rPr lang="en-US" altLang="zh-CN" dirty="0"/>
+              <a:t>hash()</a:t>
+            </a:r>
+            <a:r>
+              <a:rPr lang="zh-CN" altLang="en-US" dirty="0"/>
+              <a:t>方法获取</a:t>
+            </a:r>
+            <a:r>
+              <a:rPr lang="en-US" altLang="zh-CN" dirty="0" err="1"/>
+              <a:t>HashCode</a:t>
+            </a:r>
+            <a:r>
+              <a:rPr lang="zh-CN" altLang="en-US" dirty="0"/>
+              <a:t>实例（多次调用</a:t>
+            </a:r>
+            <a:r>
+              <a:rPr lang="en-US" altLang="zh-CN" dirty="0"/>
+              <a:t>hash()</a:t>
+            </a:r>
+            <a:r>
+              <a:rPr lang="zh-CN" altLang="en-US" dirty="0"/>
+              <a:t>方法的结果是不确定的）。</a:t>
+            </a:r>
+            <a:r>
+              <a:rPr lang="en-US" altLang="zh-CN" dirty="0" err="1"/>
+              <a:t>HashCode</a:t>
+            </a:r>
+            <a:r>
+              <a:rPr lang="zh-CN" altLang="en-US" dirty="0"/>
+              <a:t>可以通过</a:t>
+            </a:r>
+            <a:r>
+              <a:rPr lang="en-US" altLang="zh-CN" dirty="0" err="1"/>
+              <a:t>asInt</a:t>
+            </a:r>
+            <a:r>
+              <a:rPr lang="en-US" altLang="zh-CN" dirty="0"/>
+              <a:t>()</a:t>
+            </a:r>
+            <a:r>
+              <a:rPr lang="zh-CN" altLang="en-US" dirty="0"/>
+              <a:t>、</a:t>
+            </a:r>
+            <a:r>
+              <a:rPr lang="en-US" altLang="zh-CN" dirty="0" err="1"/>
+              <a:t>asLong</a:t>
+            </a:r>
+            <a:r>
+              <a:rPr lang="en-US" altLang="zh-CN" dirty="0"/>
+              <a:t>()</a:t>
+            </a:r>
+            <a:r>
+              <a:rPr lang="zh-CN" altLang="en-US" dirty="0"/>
+              <a:t>、</a:t>
+            </a:r>
+            <a:r>
+              <a:rPr lang="en-US" altLang="zh-CN" dirty="0" err="1"/>
+              <a:t>asBytes</a:t>
+            </a:r>
+            <a:r>
+              <a:rPr lang="en-US" altLang="zh-CN" dirty="0"/>
+              <a:t>()</a:t>
+            </a:r>
+            <a:r>
+              <a:rPr lang="zh-CN" altLang="en-US" dirty="0"/>
+              <a:t>方法来做相等性检测，此外，</a:t>
+            </a:r>
+            <a:r>
+              <a:rPr lang="en-US" altLang="zh-CN" dirty="0" err="1"/>
+              <a:t>writeBytesTo</a:t>
+            </a:r>
+            <a:r>
+              <a:rPr lang="en-US" altLang="zh-CN" dirty="0"/>
+              <a:t>(array, offset, </a:t>
+            </a:r>
+            <a:r>
+              <a:rPr lang="en-US" altLang="zh-CN" dirty="0" err="1"/>
+              <a:t>maxLength</a:t>
+            </a:r>
+            <a:r>
+              <a:rPr lang="en-US" altLang="zh-CN" dirty="0"/>
+              <a:t>)</a:t>
+            </a:r>
+            <a:r>
+              <a:rPr lang="zh-CN" altLang="en-US" dirty="0"/>
+              <a:t>把散列值的前</a:t>
+            </a:r>
+            <a:r>
+              <a:rPr lang="en-US" altLang="zh-CN" dirty="0" err="1"/>
+              <a:t>maxLength</a:t>
+            </a:r>
+            <a:r>
+              <a:rPr lang="zh-CN" altLang="en-US" dirty="0"/>
+              <a:t>字节写入字节数组。</a:t>
+            </a:r>
           </a:p>
         </p:txBody>
       </p:sp>
-      <p:pic>
-        <p:nvPicPr>
-          <p:cNvPr id="2" name="图片 1">
-            <a:extLst>
-              <a:ext uri="{FF2B5EF4-FFF2-40B4-BE49-F238E27FC236}">
-                <a16:creationId xmlns:a16="http://schemas.microsoft.com/office/drawing/2014/main" id="{A790D301-036A-4A03-A2CA-3C62D213ECC2}"/>
-              </a:ext>
-            </a:extLst>
-          </p:cNvPr>
-          <p:cNvPicPr>
-            <a:picLocks noChangeAspect="1"/>
-          </p:cNvPicPr>
-          <p:nvPr/>
-        </p:nvPicPr>
-        <p:blipFill>
-          <a:blip r:embed="rId2"/>
-          <a:stretch>
-            <a:fillRect/>
-          </a:stretch>
-        </p:blipFill>
-        <p:spPr>
-          <a:xfrm>
-            <a:off x="81603" y="2167637"/>
-            <a:ext cx="8620125" cy="4200525"/>
-          </a:xfrm>
-          <a:prstGeom prst="rect">
-            <a:avLst/>
-          </a:prstGeom>
-        </p:spPr>
-      </p:pic>
     </p:spTree>
     <p:extLst>
       <p:ext uri="{BB962C8B-B14F-4D97-AF65-F5344CB8AC3E}">
-        <p14:creationId xmlns:p14="http://schemas.microsoft.com/office/powerpoint/2010/main" val="945973205"/>
+        <p14:creationId xmlns:p14="http://schemas.microsoft.com/office/powerpoint/2010/main" val="1911498014"/>
       </p:ext>
     </p:extLst>
   </p:cSld>
@@ -43669,437 +43238,6 @@
           <a:p>
             <a:r>
               <a:rPr lang="zh-CN" altLang="en-US" dirty="0"/>
-              <a:t>散列包的组成</a:t>
-            </a:r>
-          </a:p>
-          <a:p>
-            <a:endParaRPr lang="en-US" altLang="zh-CN" dirty="0"/>
-          </a:p>
-          <a:p>
-            <a:endParaRPr lang="zh-CN" altLang="en-US" dirty="0"/>
-          </a:p>
-        </p:txBody>
-      </p:sp>
-      <p:sp>
-        <p:nvSpPr>
-          <p:cNvPr id="6" name="Rectangle 1">
-            <a:extLst>
-              <a:ext uri="{FF2B5EF4-FFF2-40B4-BE49-F238E27FC236}">
-                <a16:creationId xmlns:a16="http://schemas.microsoft.com/office/drawing/2014/main" id="{8B869121-6ECD-45E6-86A0-9C4BAEBC0A74}"/>
-              </a:ext>
-            </a:extLst>
-          </p:cNvPr>
-          <p:cNvSpPr>
-            <a:spLocks noChangeArrowheads="1"/>
-          </p:cNvSpPr>
-          <p:nvPr/>
-        </p:nvSpPr>
-        <p:spPr bwMode="auto">
-          <a:xfrm>
-            <a:off x="0" y="-184666"/>
-            <a:ext cx="9144000" cy="369332"/>
-          </a:xfrm>
-          <a:prstGeom prst="rect">
-            <a:avLst/>
-          </a:prstGeom>
-          <a:solidFill>
-            <a:srgbClr val="FFFFFF"/>
-          </a:solidFill>
-          <a:ln>
-            <a:noFill/>
-          </a:ln>
-          <a:effectLst/>
-          <a:extLst>
-            <a:ext uri="{91240B29-F687-4F45-9708-019B960494DF}">
-              <a14:hiddenLine xmlns:a14="http://schemas.microsoft.com/office/drawing/2010/main" w="9525">
-                <a:solidFill>
-                  <a:schemeClr val="tx1"/>
-                </a:solidFill>
-                <a:miter lim="800000"/>
-                <a:headEnd/>
-                <a:tailEnd/>
-              </a14:hiddenLine>
-            </a:ext>
-            <a:ext uri="{AF507438-7753-43E0-B8FC-AC1667EBCBE1}">
-              <a14:hiddenEffects xmlns:a14="http://schemas.microsoft.com/office/drawing/2010/main">
-                <a:effectLst>
-                  <a:outerShdw dist="35921" dir="2700000" algn="ctr" rotWithShape="0">
-                    <a:schemeClr val="bg2"/>
-                  </a:outerShdw>
-                </a:effectLst>
-              </a14:hiddenEffects>
-            </a:ext>
-          </a:extLst>
-        </p:spPr>
-        <p:txBody>
-          <a:bodyPr vert="horz" wrap="square" lIns="91440" tIns="45720" rIns="91440" bIns="45720" numCol="1" anchor="ctr" anchorCtr="0" compatLnSpc="1">
-            <a:prstTxWarp prst="textNoShape">
-              <a:avLst/>
-            </a:prstTxWarp>
-            <a:spAutoFit/>
-          </a:bodyPr>
-          <a:lstStyle>
-            <a:lvl1pPr eaLnBrk="0" fontAlgn="base" hangingPunct="0">
-              <a:spcBef>
-                <a:spcPct val="0"/>
-              </a:spcBef>
-              <a:spcAft>
-                <a:spcPct val="0"/>
-              </a:spcAft>
-              <a:defRPr>
-                <a:solidFill>
-                  <a:schemeClr val="tx1"/>
-                </a:solidFill>
-                <a:latin typeface="Arial" panose="020B0604020202020204" pitchFamily="34" charset="0"/>
-              </a:defRPr>
-            </a:lvl1pPr>
-            <a:lvl2pPr marL="457200" eaLnBrk="0" fontAlgn="base" hangingPunct="0">
-              <a:spcBef>
-                <a:spcPct val="0"/>
-              </a:spcBef>
-              <a:spcAft>
-                <a:spcPct val="0"/>
-              </a:spcAft>
-              <a:defRPr>
-                <a:solidFill>
-                  <a:schemeClr val="tx1"/>
-                </a:solidFill>
-                <a:latin typeface="Arial" panose="020B0604020202020204" pitchFamily="34" charset="0"/>
-              </a:defRPr>
-            </a:lvl2pPr>
-            <a:lvl3pPr marL="914400" eaLnBrk="0" fontAlgn="base" hangingPunct="0">
-              <a:spcBef>
-                <a:spcPct val="0"/>
-              </a:spcBef>
-              <a:spcAft>
-                <a:spcPct val="0"/>
-              </a:spcAft>
-              <a:defRPr>
-                <a:solidFill>
-                  <a:schemeClr val="tx1"/>
-                </a:solidFill>
-                <a:latin typeface="Arial" panose="020B0604020202020204" pitchFamily="34" charset="0"/>
-              </a:defRPr>
-            </a:lvl3pPr>
-            <a:lvl4pPr marL="1371600" eaLnBrk="0" fontAlgn="base" hangingPunct="0">
-              <a:spcBef>
-                <a:spcPct val="0"/>
-              </a:spcBef>
-              <a:spcAft>
-                <a:spcPct val="0"/>
-              </a:spcAft>
-              <a:defRPr>
-                <a:solidFill>
-                  <a:schemeClr val="tx1"/>
-                </a:solidFill>
-                <a:latin typeface="Arial" panose="020B0604020202020204" pitchFamily="34" charset="0"/>
-              </a:defRPr>
-            </a:lvl4pPr>
-            <a:lvl5pPr marL="1828800" eaLnBrk="0" fontAlgn="base" hangingPunct="0">
-              <a:spcBef>
-                <a:spcPct val="0"/>
-              </a:spcBef>
-              <a:spcAft>
-                <a:spcPct val="0"/>
-              </a:spcAft>
-              <a:defRPr>
-                <a:solidFill>
-                  <a:schemeClr val="tx1"/>
-                </a:solidFill>
-                <a:latin typeface="Arial" panose="020B0604020202020204" pitchFamily="34" charset="0"/>
-              </a:defRPr>
-            </a:lvl5pPr>
-            <a:lvl6pPr marL="2286000" eaLnBrk="0" fontAlgn="base" hangingPunct="0">
-              <a:spcBef>
-                <a:spcPct val="0"/>
-              </a:spcBef>
-              <a:spcAft>
-                <a:spcPct val="0"/>
-              </a:spcAft>
-              <a:defRPr>
-                <a:solidFill>
-                  <a:schemeClr val="tx1"/>
-                </a:solidFill>
-                <a:latin typeface="Arial" panose="020B0604020202020204" pitchFamily="34" charset="0"/>
-              </a:defRPr>
-            </a:lvl6pPr>
-            <a:lvl7pPr marL="2743200" eaLnBrk="0" fontAlgn="base" hangingPunct="0">
-              <a:spcBef>
-                <a:spcPct val="0"/>
-              </a:spcBef>
-              <a:spcAft>
-                <a:spcPct val="0"/>
-              </a:spcAft>
-              <a:defRPr>
-                <a:solidFill>
-                  <a:schemeClr val="tx1"/>
-                </a:solidFill>
-                <a:latin typeface="Arial" panose="020B0604020202020204" pitchFamily="34" charset="0"/>
-              </a:defRPr>
-            </a:lvl7pPr>
-            <a:lvl8pPr marL="3200400" eaLnBrk="0" fontAlgn="base" hangingPunct="0">
-              <a:spcBef>
-                <a:spcPct val="0"/>
-              </a:spcBef>
-              <a:spcAft>
-                <a:spcPct val="0"/>
-              </a:spcAft>
-              <a:defRPr>
-                <a:solidFill>
-                  <a:schemeClr val="tx1"/>
-                </a:solidFill>
-                <a:latin typeface="Arial" panose="020B0604020202020204" pitchFamily="34" charset="0"/>
-              </a:defRPr>
-            </a:lvl8pPr>
-            <a:lvl9pPr marL="3657600" eaLnBrk="0" fontAlgn="base" hangingPunct="0">
-              <a:spcBef>
-                <a:spcPct val="0"/>
-              </a:spcBef>
-              <a:spcAft>
-                <a:spcPct val="0"/>
-              </a:spcAft>
-              <a:defRPr>
-                <a:solidFill>
-                  <a:schemeClr val="tx1"/>
-                </a:solidFill>
-                <a:latin typeface="Arial" panose="020B0604020202020204" pitchFamily="34" charset="0"/>
-              </a:defRPr>
-            </a:lvl9pPr>
-          </a:lstStyle>
-          <a:p>
-            <a:pPr marL="0" marR="0" lvl="0" indent="0" algn="l" defTabSz="914400" rtl="0" eaLnBrk="0" fontAlgn="base" latinLnBrk="0" hangingPunct="0">
-              <a:lnSpc>
-                <a:spcPct val="100000"/>
-              </a:lnSpc>
-              <a:spcBef>
-                <a:spcPct val="0"/>
-              </a:spcBef>
-              <a:spcAft>
-                <a:spcPct val="0"/>
-              </a:spcAft>
-              <a:buClrTx/>
-              <a:buSzTx/>
-              <a:buFontTx/>
-              <a:buNone/>
-              <a:tabLst/>
-            </a:pPr>
-            <a:endParaRPr kumimoji="0" lang="zh-CN" altLang="zh-CN" sz="1800" b="0" i="0" u="none" strike="noStrike" cap="none" normalizeH="0" baseline="0" dirty="0">
-              <a:ln>
-                <a:noFill/>
-              </a:ln>
-              <a:solidFill>
-                <a:schemeClr val="tx1"/>
-              </a:solidFill>
-              <a:effectLst/>
-              <a:latin typeface="Arial" panose="020B0604020202020204" pitchFamily="34" charset="0"/>
-            </a:endParaRPr>
-          </a:p>
-        </p:txBody>
-      </p:sp>
-      <p:sp>
-        <p:nvSpPr>
-          <p:cNvPr id="4" name="文本框 3">
-            <a:extLst>
-              <a:ext uri="{FF2B5EF4-FFF2-40B4-BE49-F238E27FC236}">
-                <a16:creationId xmlns:a16="http://schemas.microsoft.com/office/drawing/2014/main" id="{4C50380B-D626-42F9-ABB4-86185C6A7451}"/>
-              </a:ext>
-            </a:extLst>
-          </p:cNvPr>
-          <p:cNvSpPr txBox="1"/>
-          <p:nvPr/>
-        </p:nvSpPr>
-        <p:spPr>
-          <a:xfrm>
-            <a:off x="243311" y="1761688"/>
-            <a:ext cx="8296711" cy="1023101"/>
-          </a:xfrm>
-          <a:prstGeom prst="rect">
-            <a:avLst/>
-          </a:prstGeom>
-          <a:noFill/>
-        </p:spPr>
-        <p:txBody>
-          <a:bodyPr wrap="square" rtlCol="0">
-            <a:spAutoFit/>
-          </a:bodyPr>
-          <a:lstStyle/>
-          <a:p>
-            <a:pPr marL="342900" indent="-342900">
-              <a:buFont typeface="+mj-lt"/>
-              <a:buAutoNum type="arabicPeriod"/>
-            </a:pPr>
-            <a:r>
-              <a:rPr lang="en-US" altLang="zh-CN" dirty="0" err="1"/>
-              <a:t>HashCode</a:t>
-            </a:r>
-            <a:endParaRPr lang="en-US" altLang="zh-CN" dirty="0"/>
-          </a:p>
-          <a:p>
-            <a:pPr lvl="1"/>
-            <a:r>
-              <a:rPr lang="zh-CN" altLang="en-US" dirty="0"/>
-              <a:t>一旦</a:t>
-            </a:r>
-            <a:r>
-              <a:rPr lang="en-US" altLang="zh-CN" dirty="0"/>
-              <a:t>Hasher</a:t>
-            </a:r>
-            <a:r>
-              <a:rPr lang="zh-CN" altLang="en-US" dirty="0"/>
-              <a:t>被赋予了所有输入，就可以通过</a:t>
-            </a:r>
-            <a:r>
-              <a:rPr lang="en-US" altLang="zh-CN" dirty="0"/>
-              <a:t>hash()</a:t>
-            </a:r>
-            <a:r>
-              <a:rPr lang="zh-CN" altLang="en-US" dirty="0"/>
-              <a:t>方法获取</a:t>
-            </a:r>
-            <a:r>
-              <a:rPr lang="en-US" altLang="zh-CN" dirty="0" err="1"/>
-              <a:t>HashCode</a:t>
-            </a:r>
-            <a:r>
-              <a:rPr lang="zh-CN" altLang="en-US" dirty="0"/>
-              <a:t>实例（多次调用</a:t>
-            </a:r>
-            <a:r>
-              <a:rPr lang="en-US" altLang="zh-CN" dirty="0"/>
-              <a:t>hash()</a:t>
-            </a:r>
-            <a:r>
-              <a:rPr lang="zh-CN" altLang="en-US" dirty="0"/>
-              <a:t>方法的结果是不确定的）。</a:t>
-            </a:r>
-            <a:r>
-              <a:rPr lang="en-US" altLang="zh-CN" dirty="0" err="1"/>
-              <a:t>HashCode</a:t>
-            </a:r>
-            <a:r>
-              <a:rPr lang="zh-CN" altLang="en-US" dirty="0"/>
-              <a:t>可以通过</a:t>
-            </a:r>
-            <a:r>
-              <a:rPr lang="en-US" altLang="zh-CN" dirty="0" err="1"/>
-              <a:t>asInt</a:t>
-            </a:r>
-            <a:r>
-              <a:rPr lang="en-US" altLang="zh-CN" dirty="0"/>
-              <a:t>()</a:t>
-            </a:r>
-            <a:r>
-              <a:rPr lang="zh-CN" altLang="en-US" dirty="0"/>
-              <a:t>、</a:t>
-            </a:r>
-            <a:r>
-              <a:rPr lang="en-US" altLang="zh-CN" dirty="0" err="1"/>
-              <a:t>asLong</a:t>
-            </a:r>
-            <a:r>
-              <a:rPr lang="en-US" altLang="zh-CN" dirty="0"/>
-              <a:t>()</a:t>
-            </a:r>
-            <a:r>
-              <a:rPr lang="zh-CN" altLang="en-US" dirty="0"/>
-              <a:t>、</a:t>
-            </a:r>
-            <a:r>
-              <a:rPr lang="en-US" altLang="zh-CN" dirty="0" err="1"/>
-              <a:t>asBytes</a:t>
-            </a:r>
-            <a:r>
-              <a:rPr lang="en-US" altLang="zh-CN" dirty="0"/>
-              <a:t>()</a:t>
-            </a:r>
-            <a:r>
-              <a:rPr lang="zh-CN" altLang="en-US" dirty="0"/>
-              <a:t>方法来做相等性检测，此外，</a:t>
-            </a:r>
-            <a:r>
-              <a:rPr lang="en-US" altLang="zh-CN" dirty="0" err="1"/>
-              <a:t>writeBytesTo</a:t>
-            </a:r>
-            <a:r>
-              <a:rPr lang="en-US" altLang="zh-CN" dirty="0"/>
-              <a:t>(array, offset, </a:t>
-            </a:r>
-            <a:r>
-              <a:rPr lang="en-US" altLang="zh-CN" dirty="0" err="1"/>
-              <a:t>maxLength</a:t>
-            </a:r>
-            <a:r>
-              <a:rPr lang="en-US" altLang="zh-CN" dirty="0"/>
-              <a:t>)</a:t>
-            </a:r>
-            <a:r>
-              <a:rPr lang="zh-CN" altLang="en-US" dirty="0"/>
-              <a:t>把散列值的前</a:t>
-            </a:r>
-            <a:r>
-              <a:rPr lang="en-US" altLang="zh-CN" dirty="0" err="1"/>
-              <a:t>maxLength</a:t>
-            </a:r>
-            <a:r>
-              <a:rPr lang="zh-CN" altLang="en-US" dirty="0"/>
-              <a:t>字节写入字节数组。</a:t>
-            </a:r>
-          </a:p>
-        </p:txBody>
-      </p:sp>
-    </p:spTree>
-    <p:extLst>
-      <p:ext uri="{BB962C8B-B14F-4D97-AF65-F5344CB8AC3E}">
-        <p14:creationId xmlns:p14="http://schemas.microsoft.com/office/powerpoint/2010/main" val="1911498014"/>
-      </p:ext>
-    </p:extLst>
-  </p:cSld>
-  <p:clrMapOvr>
-    <a:masterClrMapping/>
-  </p:clrMapOvr>
-</p:sld>
-</file>
-
-<file path=ppt/slides/slide89.xml><?xml version="1.0" encoding="utf-8"?>
-<p:sld xmlns:a="http://schemas.openxmlformats.org/drawingml/2006/main" xmlns:r="http://schemas.openxmlformats.org/officeDocument/2006/relationships" xmlns:p="http://schemas.openxmlformats.org/presentationml/2006/main">
-  <p:cSld>
-    <p:spTree>
-      <p:nvGrpSpPr>
-        <p:cNvPr id="1" name=""/>
-        <p:cNvGrpSpPr/>
-        <p:nvPr/>
-      </p:nvGrpSpPr>
-      <p:grpSpPr>
-        <a:xfrm>
-          <a:off x="0" y="0"/>
-          <a:ext cx="0" cy="0"/>
-          <a:chOff x="0" y="0"/>
-          <a:chExt cx="0" cy="0"/>
-        </a:xfrm>
-      </p:grpSpPr>
-      <p:sp>
-        <p:nvSpPr>
-          <p:cNvPr id="3" name="文本占位符 2">
-            <a:extLst>
-              <a:ext uri="{FF2B5EF4-FFF2-40B4-BE49-F238E27FC236}">
-                <a16:creationId xmlns:a16="http://schemas.microsoft.com/office/drawing/2014/main" id="{03244420-F962-4115-A1CA-E4ED6E926A57}"/>
-              </a:ext>
-            </a:extLst>
-          </p:cNvPr>
-          <p:cNvSpPr>
-            <a:spLocks noGrp="1"/>
-          </p:cNvSpPr>
-          <p:nvPr>
-            <p:ph type="body" sz="quarter" idx="10"/>
-          </p:nvPr>
-        </p:nvSpPr>
-        <p:spPr/>
-        <p:txBody>
-          <a:bodyPr/>
-          <a:lstStyle/>
-          <a:p>
-            <a:r>
-              <a:rPr lang="zh-CN" altLang="en-US" dirty="0"/>
               <a:t>布鲁姆过滤器</a:t>
             </a:r>
             <a:r>
@@ -44548,6 +43686,101 @@
     <p:extLst>
       <p:ext uri="{BB962C8B-B14F-4D97-AF65-F5344CB8AC3E}">
         <p14:creationId xmlns:p14="http://schemas.microsoft.com/office/powerpoint/2010/main" val="3050601213"/>
+      </p:ext>
+    </p:extLst>
+  </p:cSld>
+  <p:clrMapOvr>
+    <a:masterClrMapping/>
+  </p:clrMapOvr>
+</p:sld>
+</file>
+
+<file path=ppt/slides/slide89.xml><?xml version="1.0" encoding="utf-8"?>
+<p:sld xmlns:a="http://schemas.openxmlformats.org/drawingml/2006/main" xmlns:r="http://schemas.openxmlformats.org/officeDocument/2006/relationships" xmlns:p="http://schemas.openxmlformats.org/presentationml/2006/main">
+  <p:cSld>
+    <p:spTree>
+      <p:nvGrpSpPr>
+        <p:cNvPr id="1" name=""/>
+        <p:cNvGrpSpPr/>
+        <p:nvPr/>
+      </p:nvGrpSpPr>
+      <p:grpSpPr>
+        <a:xfrm>
+          <a:off x="0" y="0"/>
+          <a:ext cx="0" cy="0"/>
+          <a:chOff x="0" y="0"/>
+          <a:chExt cx="0" cy="0"/>
+        </a:xfrm>
+      </p:grpSpPr>
+      <p:sp>
+        <p:nvSpPr>
+          <p:cNvPr id="7" name="文本占位符 6">
+            <a:extLst>
+              <a:ext uri="{FF2B5EF4-FFF2-40B4-BE49-F238E27FC236}">
+                <a16:creationId xmlns:a16="http://schemas.microsoft.com/office/drawing/2014/main" id="{000CD429-8B8A-465F-93FE-E390B46B6227}"/>
+              </a:ext>
+            </a:extLst>
+          </p:cNvPr>
+          <p:cNvSpPr>
+            <a:spLocks noGrp="1"/>
+          </p:cNvSpPr>
+          <p:nvPr>
+            <p:ph type="body" sz="quarter" idx="10"/>
+          </p:nvPr>
+        </p:nvSpPr>
+        <p:spPr/>
+        <p:txBody>
+          <a:bodyPr/>
+          <a:lstStyle/>
+          <a:p>
+            <a:r>
+              <a:rPr lang="en-US" altLang="zh-CN" dirty="0"/>
+              <a:t>Hashing</a:t>
+            </a:r>
+            <a:r>
+              <a:rPr lang="zh-CN" altLang="en-US" dirty="0"/>
+              <a:t>类</a:t>
+            </a:r>
+          </a:p>
+          <a:p>
+            <a:endParaRPr lang="zh-CN" altLang="en-US" dirty="0"/>
+          </a:p>
+        </p:txBody>
+      </p:sp>
+      <p:pic>
+        <p:nvPicPr>
+          <p:cNvPr id="8" name="图片 7">
+            <a:extLst>
+              <a:ext uri="{FF2B5EF4-FFF2-40B4-BE49-F238E27FC236}">
+                <a16:creationId xmlns:a16="http://schemas.microsoft.com/office/drawing/2014/main" id="{53750E89-FC41-41D0-A949-B04BD14E4D84}"/>
+              </a:ext>
+            </a:extLst>
+          </p:cNvPr>
+          <p:cNvPicPr>
+            <a:picLocks noChangeAspect="1"/>
+          </p:cNvPicPr>
+          <p:nvPr/>
+        </p:nvPicPr>
+        <p:blipFill>
+          <a:blip r:embed="rId2"/>
+          <a:stretch>
+            <a:fillRect/>
+          </a:stretch>
+        </p:blipFill>
+        <p:spPr>
+          <a:xfrm>
+            <a:off x="0" y="1752329"/>
+            <a:ext cx="9144000" cy="5282810"/>
+          </a:xfrm>
+          <a:prstGeom prst="rect">
+            <a:avLst/>
+          </a:prstGeom>
+        </p:spPr>
+      </p:pic>
+    </p:spTree>
+    <p:extLst>
+      <p:ext uri="{BB962C8B-B14F-4D97-AF65-F5344CB8AC3E}">
+        <p14:creationId xmlns:p14="http://schemas.microsoft.com/office/powerpoint/2010/main" val="2362767267"/>
       </p:ext>
     </p:extLst>
   </p:cSld>
@@ -44723,18 +43956,12 @@
       </p:grpSpPr>
       <p:sp>
         <p:nvSpPr>
-          <p:cNvPr id="7" name="文本占位符 6">
-            <a:extLst>
-              <a:ext uri="{FF2B5EF4-FFF2-40B4-BE49-F238E27FC236}">
-                <a16:creationId xmlns:a16="http://schemas.microsoft.com/office/drawing/2014/main" id="{000CD429-8B8A-465F-93FE-E390B46B6227}"/>
-              </a:ext>
-            </a:extLst>
-          </p:cNvPr>
+          <p:cNvPr id="8" name="标题 7"/>
           <p:cNvSpPr>
             <a:spLocks noGrp="1"/>
           </p:cNvSpPr>
           <p:nvPr>
-            <p:ph type="body" sz="quarter" idx="10"/>
+            <p:ph type="title"/>
           </p:nvPr>
         </p:nvSpPr>
         <p:spPr/>
@@ -44743,53 +43970,69 @@
           <a:lstStyle/>
           <a:p>
             <a:r>
+              <a:rPr lang="zh-CN" altLang="en-US" dirty="0"/>
+              <a:t>数学运算</a:t>
+            </a:r>
+            <a:br>
               <a:rPr lang="en-US" altLang="zh-CN" dirty="0"/>
-              <a:t>Hashing</a:t>
-            </a:r>
-            <a:r>
-              <a:rPr lang="zh-CN" altLang="en-US" dirty="0"/>
-              <a:t>类</a:t>
-            </a:r>
-          </a:p>
-          <a:p>
+            </a:br>
+            <a:r>
+              <a:rPr lang="en-US" altLang="zh-CN" dirty="0"/>
+              <a:t>Math</a:t>
+            </a:r>
             <a:endParaRPr lang="zh-CN" altLang="en-US" dirty="0"/>
           </a:p>
         </p:txBody>
       </p:sp>
-      <p:pic>
-        <p:nvPicPr>
-          <p:cNvPr id="8" name="图片 7">
-            <a:extLst>
-              <a:ext uri="{FF2B5EF4-FFF2-40B4-BE49-F238E27FC236}">
-                <a16:creationId xmlns:a16="http://schemas.microsoft.com/office/drawing/2014/main" id="{53750E89-FC41-41D0-A949-B04BD14E4D84}"/>
-              </a:ext>
-            </a:extLst>
-          </p:cNvPr>
-          <p:cNvPicPr>
-            <a:picLocks noChangeAspect="1"/>
-          </p:cNvPicPr>
-          <p:nvPr/>
-        </p:nvPicPr>
-        <p:blipFill>
-          <a:blip r:embed="rId2"/>
-          <a:stretch>
-            <a:fillRect/>
-          </a:stretch>
-        </p:blipFill>
-        <p:spPr>
-          <a:xfrm>
-            <a:off x="0" y="1752329"/>
-            <a:ext cx="9144000" cy="5282810"/>
-          </a:xfrm>
-          <a:prstGeom prst="rect">
-            <a:avLst/>
-          </a:prstGeom>
-        </p:spPr>
-      </p:pic>
+      <p:sp>
+        <p:nvSpPr>
+          <p:cNvPr id="6" name="文本占位符 5"/>
+          <p:cNvSpPr>
+            <a:spLocks noGrp="1"/>
+          </p:cNvSpPr>
+          <p:nvPr>
+            <p:ph type="body" sz="quarter" idx="13"/>
+          </p:nvPr>
+        </p:nvSpPr>
+        <p:spPr/>
+        <p:txBody>
+          <a:bodyPr/>
+          <a:lstStyle/>
+          <a:p>
+            <a:r>
+              <a:rPr lang="zh-CN" altLang="en-US" dirty="0"/>
+              <a:t>优化的、充分测试的数学工具类</a:t>
+            </a:r>
+          </a:p>
+        </p:txBody>
+      </p:sp>
+      <p:sp>
+        <p:nvSpPr>
+          <p:cNvPr id="9" name="文本占位符 8"/>
+          <p:cNvSpPr>
+            <a:spLocks noGrp="1"/>
+          </p:cNvSpPr>
+          <p:nvPr>
+            <p:ph type="body" sz="quarter" idx="14"/>
+          </p:nvPr>
+        </p:nvSpPr>
+        <p:spPr/>
+        <p:txBody>
+          <a:bodyPr/>
+          <a:lstStyle/>
+          <a:p>
+            <a:r>
+              <a:rPr lang="en-US" altLang="zh-CN" dirty="0"/>
+              <a:t>11</a:t>
+            </a:r>
+            <a:endParaRPr lang="zh-CN" altLang="en-US" dirty="0"/>
+          </a:p>
+        </p:txBody>
+      </p:sp>
     </p:spTree>
     <p:extLst>
       <p:ext uri="{BB962C8B-B14F-4D97-AF65-F5344CB8AC3E}">
-        <p14:creationId xmlns:p14="http://schemas.microsoft.com/office/powerpoint/2010/main" val="2362767267"/>
+        <p14:creationId xmlns:p14="http://schemas.microsoft.com/office/powerpoint/2010/main" val="3964344473"/>
       </p:ext>
     </p:extLst>
   </p:cSld>
@@ -44818,12 +44061,18 @@
       </p:grpSpPr>
       <p:sp>
         <p:nvSpPr>
-          <p:cNvPr id="8" name="标题 7"/>
+          <p:cNvPr id="7" name="文本占位符 6">
+            <a:extLst>
+              <a:ext uri="{FF2B5EF4-FFF2-40B4-BE49-F238E27FC236}">
+                <a16:creationId xmlns:a16="http://schemas.microsoft.com/office/drawing/2014/main" id="{000CD429-8B8A-465F-93FE-E390B46B6227}"/>
+              </a:ext>
+            </a:extLst>
+          </p:cNvPr>
           <p:cNvSpPr>
             <a:spLocks noGrp="1"/>
           </p:cNvSpPr>
           <p:nvPr>
-            <p:ph type="title"/>
+            <p:ph type="body" sz="quarter" idx="10"/>
           </p:nvPr>
         </p:nvSpPr>
         <p:spPr/>
@@ -44833,73 +44082,149 @@
           <a:p>
             <a:r>
               <a:rPr lang="zh-CN" altLang="en-US" dirty="0"/>
-              <a:t>事件总线</a:t>
-            </a:r>
-            <a:r>
-              <a:rPr lang="en-US" altLang="zh-CN" dirty="0"/>
-              <a:t>EventBus</a:t>
-            </a:r>
+              <a:t>整数运算</a:t>
+            </a:r>
+          </a:p>
+          <a:p>
             <a:endParaRPr lang="zh-CN" altLang="en-US" dirty="0"/>
           </a:p>
         </p:txBody>
       </p:sp>
       <p:sp>
         <p:nvSpPr>
-          <p:cNvPr id="6" name="文本占位符 5"/>
-          <p:cNvSpPr>
-            <a:spLocks noGrp="1"/>
-          </p:cNvSpPr>
-          <p:nvPr>
-            <p:ph type="body" sz="quarter" idx="13"/>
-          </p:nvPr>
+          <p:cNvPr id="2" name="文本框 1">
+            <a:extLst>
+              <a:ext uri="{FF2B5EF4-FFF2-40B4-BE49-F238E27FC236}">
+                <a16:creationId xmlns:a16="http://schemas.microsoft.com/office/drawing/2014/main" id="{538172C4-7106-45F2-BBB2-40688579643F}"/>
+              </a:ext>
+            </a:extLst>
+          </p:cNvPr>
+          <p:cNvSpPr txBox="1"/>
+          <p:nvPr/>
         </p:nvSpPr>
-        <p:spPr/>
+        <p:spPr>
+          <a:xfrm>
+            <a:off x="536895" y="1858312"/>
+            <a:ext cx="8145711" cy="1023101"/>
+          </a:xfrm>
+          <a:prstGeom prst="rect">
+            <a:avLst/>
+          </a:prstGeom>
+          <a:noFill/>
+        </p:spPr>
         <p:txBody>
-          <a:bodyPr/>
+          <a:bodyPr wrap="square" rtlCol="0">
+            <a:spAutoFit/>
+          </a:bodyPr>
           <a:lstStyle/>
           <a:p>
             <a:r>
-              <a:rPr lang="zh-CN" altLang="en-US" dirty="0"/>
-              <a:t>发布</a:t>
-            </a:r>
-            <a:r>
               <a:rPr lang="en-US" altLang="zh-CN" dirty="0"/>
-              <a:t>-</a:t>
-            </a:r>
-            <a:r>
-              <a:rPr lang="zh-CN" altLang="en-US" dirty="0"/>
-              <a:t>订阅模式的组件通信，但组件不需要显式地注册到其他组件中</a:t>
+              <a:t>Guava Math</a:t>
+            </a:r>
+            <a:r>
+              <a:rPr lang="zh-CN" altLang="en-US" dirty="0"/>
+              <a:t>主要处理三种整数类型：</a:t>
+            </a:r>
+            <a:r>
+              <a:rPr lang="en-US" altLang="zh-CN" dirty="0"/>
+              <a:t>int</a:t>
+            </a:r>
+            <a:r>
+              <a:rPr lang="zh-CN" altLang="en-US" dirty="0"/>
+              <a:t>、</a:t>
+            </a:r>
+            <a:r>
+              <a:rPr lang="en-US" altLang="zh-CN" dirty="0"/>
+              <a:t>long</a:t>
+            </a:r>
+            <a:r>
+              <a:rPr lang="zh-CN" altLang="en-US" dirty="0"/>
+              <a:t>和</a:t>
+            </a:r>
+            <a:r>
+              <a:rPr lang="en-US" altLang="zh-CN" dirty="0" err="1"/>
+              <a:t>BigInteger</a:t>
+            </a:r>
+            <a:r>
+              <a:rPr lang="zh-CN" altLang="en-US" dirty="0"/>
+              <a:t>。这三种类型的运算工具类分别叫做</a:t>
+            </a:r>
+            <a:r>
+              <a:rPr lang="en-US" altLang="zh-CN" dirty="0" err="1"/>
+              <a:t>IntMath</a:t>
+            </a:r>
+            <a:r>
+              <a:rPr lang="zh-CN" altLang="en-US" dirty="0"/>
+              <a:t>、</a:t>
+            </a:r>
+            <a:r>
+              <a:rPr lang="en-US" altLang="zh-CN" dirty="0" err="1"/>
+              <a:t>LongMath</a:t>
+            </a:r>
+            <a:r>
+              <a:rPr lang="zh-CN" altLang="en-US" dirty="0"/>
+              <a:t>和</a:t>
+            </a:r>
+            <a:r>
+              <a:rPr lang="en-US" altLang="zh-CN" dirty="0" err="1"/>
+              <a:t>BigIntegerMath</a:t>
+            </a:r>
+            <a:r>
+              <a:rPr lang="zh-CN" altLang="en-US" dirty="0"/>
+              <a:t>。</a:t>
+            </a:r>
+            <a:endParaRPr lang="en-US" altLang="zh-CN" dirty="0"/>
+          </a:p>
+          <a:p>
+            <a:endParaRPr lang="en-US" altLang="zh-CN" dirty="0"/>
+          </a:p>
+          <a:p>
+            <a:pPr marL="342900" indent="-342900">
+              <a:buFont typeface="+mj-lt"/>
+              <a:buAutoNum type="arabicPeriod"/>
+            </a:pPr>
+            <a:r>
+              <a:rPr lang="zh-CN" altLang="en-US" dirty="0"/>
+              <a:t>有溢出检查的运算</a:t>
             </a:r>
           </a:p>
         </p:txBody>
       </p:sp>
-      <p:sp>
-        <p:nvSpPr>
-          <p:cNvPr id="9" name="文本占位符 8"/>
-          <p:cNvSpPr>
-            <a:spLocks noGrp="1"/>
-          </p:cNvSpPr>
-          <p:nvPr>
-            <p:ph type="body" sz="quarter" idx="14"/>
-          </p:nvPr>
-        </p:nvSpPr>
-        <p:spPr/>
-        <p:txBody>
-          <a:bodyPr/>
-          <a:lstStyle/>
-          <a:p>
-            <a:r>
-              <a:rPr lang="en-US" altLang="zh-CN" dirty="0"/>
-              <a:t>11</a:t>
-            </a:r>
-            <a:endParaRPr lang="zh-CN" altLang="en-US" dirty="0"/>
-          </a:p>
-        </p:txBody>
-      </p:sp>
+      <p:pic>
+        <p:nvPicPr>
+          <p:cNvPr id="3" name="图片 2">
+            <a:extLst>
+              <a:ext uri="{FF2B5EF4-FFF2-40B4-BE49-F238E27FC236}">
+                <a16:creationId xmlns:a16="http://schemas.microsoft.com/office/drawing/2014/main" id="{C90460B4-A90A-4C6E-AA9D-201B6F8FA59F}"/>
+              </a:ext>
+            </a:extLst>
+          </p:cNvPr>
+          <p:cNvPicPr>
+            <a:picLocks noChangeAspect="1"/>
+          </p:cNvPicPr>
+          <p:nvPr/>
+        </p:nvPicPr>
+        <p:blipFill>
+          <a:blip r:embed="rId2"/>
+          <a:stretch>
+            <a:fillRect/>
+          </a:stretch>
+        </p:blipFill>
+        <p:spPr>
+          <a:xfrm>
+            <a:off x="37750" y="3135662"/>
+            <a:ext cx="9144000" cy="2903419"/>
+          </a:xfrm>
+          <a:prstGeom prst="rect">
+            <a:avLst/>
+          </a:prstGeom>
+        </p:spPr>
+      </p:pic>
     </p:spTree>
     <p:extLst>
       <p:ext uri="{BB962C8B-B14F-4D97-AF65-F5344CB8AC3E}">
-        <p14:creationId xmlns:p14="http://schemas.microsoft.com/office/powerpoint/2010/main" val="2410405684"/>
+        <p14:creationId xmlns:p14="http://schemas.microsoft.com/office/powerpoint/2010/main" val="3415586126"/>
       </p:ext>
     </p:extLst>
   </p:cSld>
@@ -44928,12 +44253,18 @@
       </p:grpSpPr>
       <p:sp>
         <p:nvSpPr>
-          <p:cNvPr id="8" name="标题 7"/>
+          <p:cNvPr id="7" name="文本占位符 6">
+            <a:extLst>
+              <a:ext uri="{FF2B5EF4-FFF2-40B4-BE49-F238E27FC236}">
+                <a16:creationId xmlns:a16="http://schemas.microsoft.com/office/drawing/2014/main" id="{000CD429-8B8A-465F-93FE-E390B46B6227}"/>
+              </a:ext>
+            </a:extLst>
+          </p:cNvPr>
           <p:cNvSpPr>
             <a:spLocks noGrp="1"/>
           </p:cNvSpPr>
           <p:nvPr>
-            <p:ph type="title"/>
+            <p:ph type="body" sz="quarter" idx="10"/>
           </p:nvPr>
         </p:nvSpPr>
         <p:spPr/>
@@ -44943,68 +44274,190 @@
           <a:p>
             <a:r>
               <a:rPr lang="zh-CN" altLang="en-US" dirty="0"/>
-              <a:t>数学运算</a:t>
-            </a:r>
-            <a:br>
-              <a:rPr lang="en-US" altLang="zh-CN" dirty="0"/>
-            </a:br>
-            <a:r>
-              <a:rPr lang="en-US" altLang="zh-CN" dirty="0"/>
-              <a:t>Math</a:t>
-            </a:r>
-            <a:endParaRPr lang="zh-CN" altLang="en-US" dirty="0"/>
+              <a:t>实数运算</a:t>
+            </a:r>
           </a:p>
         </p:txBody>
       </p:sp>
       <p:sp>
         <p:nvSpPr>
-          <p:cNvPr id="6" name="文本占位符 5"/>
-          <p:cNvSpPr>
-            <a:spLocks noGrp="1"/>
-          </p:cNvSpPr>
-          <p:nvPr>
-            <p:ph type="body" sz="quarter" idx="13"/>
-          </p:nvPr>
+          <p:cNvPr id="2" name="文本框 1">
+            <a:extLst>
+              <a:ext uri="{FF2B5EF4-FFF2-40B4-BE49-F238E27FC236}">
+                <a16:creationId xmlns:a16="http://schemas.microsoft.com/office/drawing/2014/main" id="{538172C4-7106-45F2-BBB2-40688579643F}"/>
+              </a:ext>
+            </a:extLst>
+          </p:cNvPr>
+          <p:cNvSpPr txBox="1"/>
+          <p:nvPr/>
         </p:nvSpPr>
-        <p:spPr/>
+        <p:spPr>
+          <a:xfrm>
+            <a:off x="536895" y="1858312"/>
+            <a:ext cx="8145711" cy="2651944"/>
+          </a:xfrm>
+          <a:prstGeom prst="rect">
+            <a:avLst/>
+          </a:prstGeom>
+          <a:noFill/>
+        </p:spPr>
         <p:txBody>
-          <a:bodyPr/>
+          <a:bodyPr wrap="square" rtlCol="0">
+            <a:spAutoFit/>
+          </a:bodyPr>
           <a:lstStyle/>
           <a:p>
             <a:r>
-              <a:rPr lang="zh-CN" altLang="en-US" dirty="0"/>
-              <a:t>优化的、充分测试的数学工具类</a:t>
-            </a:r>
-          </a:p>
-        </p:txBody>
-      </p:sp>
-      <p:sp>
-        <p:nvSpPr>
-          <p:cNvPr id="9" name="文本占位符 8"/>
-          <p:cNvSpPr>
-            <a:spLocks noGrp="1"/>
-          </p:cNvSpPr>
-          <p:nvPr>
-            <p:ph type="body" sz="quarter" idx="14"/>
-          </p:nvPr>
-        </p:nvSpPr>
-        <p:spPr/>
-        <p:txBody>
-          <a:bodyPr/>
-          <a:lstStyle/>
+              <a:rPr lang="en-US" altLang="zh-CN" dirty="0" err="1"/>
+              <a:t>IntMath</a:t>
+            </a:r>
+            <a:r>
+              <a:rPr lang="zh-CN" altLang="en-US" dirty="0"/>
+              <a:t>、</a:t>
+            </a:r>
+            <a:r>
+              <a:rPr lang="en-US" altLang="zh-CN" dirty="0" err="1"/>
+              <a:t>LongMath</a:t>
+            </a:r>
+            <a:r>
+              <a:rPr lang="zh-CN" altLang="en-US" dirty="0"/>
+              <a:t>和</a:t>
+            </a:r>
+            <a:r>
+              <a:rPr lang="en-US" altLang="zh-CN" dirty="0" err="1"/>
+              <a:t>BigIntegerMath</a:t>
+            </a:r>
+            <a:r>
+              <a:rPr lang="zh-CN" altLang="en-US" dirty="0"/>
+              <a:t>提供了很多实数运算的方法，并把最终运算结果舍入成整数。这些方法接受一个</a:t>
+            </a:r>
+            <a:r>
+              <a:rPr lang="en-US" altLang="zh-CN" dirty="0" err="1"/>
+              <a:t>java.math.RoundingMode</a:t>
+            </a:r>
+            <a:r>
+              <a:rPr lang="zh-CN" altLang="en-US" dirty="0"/>
+              <a:t>枚举值作为舍入的模式：</a:t>
+            </a:r>
+          </a:p>
+          <a:p>
+            <a:endParaRPr lang="zh-CN" altLang="en-US" dirty="0"/>
+          </a:p>
           <a:p>
             <a:r>
               <a:rPr lang="en-US" altLang="zh-CN" dirty="0"/>
-              <a:t>12</a:t>
-            </a:r>
-            <a:endParaRPr lang="zh-CN" altLang="en-US" dirty="0"/>
+              <a:t>DOWN</a:t>
+            </a:r>
+            <a:r>
+              <a:rPr lang="zh-CN" altLang="en-US" dirty="0"/>
+              <a:t>：向零方向舍入（去尾法）</a:t>
+            </a:r>
+          </a:p>
+          <a:p>
+            <a:r>
+              <a:rPr lang="en-US" altLang="zh-CN" dirty="0"/>
+              <a:t>UP</a:t>
+            </a:r>
+            <a:r>
+              <a:rPr lang="zh-CN" altLang="en-US" dirty="0"/>
+              <a:t>：远离零方向舍入</a:t>
+            </a:r>
+          </a:p>
+          <a:p>
+            <a:r>
+              <a:rPr lang="en-US" altLang="zh-CN" dirty="0"/>
+              <a:t>FLOOR</a:t>
+            </a:r>
+            <a:r>
+              <a:rPr lang="zh-CN" altLang="en-US" dirty="0"/>
+              <a:t>：向负无限大方向舍入</a:t>
+            </a:r>
+          </a:p>
+          <a:p>
+            <a:r>
+              <a:rPr lang="en-US" altLang="zh-CN" dirty="0"/>
+              <a:t>CEILING</a:t>
+            </a:r>
+            <a:r>
+              <a:rPr lang="zh-CN" altLang="en-US" dirty="0"/>
+              <a:t>：向正无限大方向舍入</a:t>
+            </a:r>
+          </a:p>
+          <a:p>
+            <a:r>
+              <a:rPr lang="en-US" altLang="zh-CN" dirty="0"/>
+              <a:t>UNNECESSARY</a:t>
+            </a:r>
+            <a:r>
+              <a:rPr lang="zh-CN" altLang="en-US" dirty="0"/>
+              <a:t>：不需要舍入，如果用此模式进行舍入，应直接抛出</a:t>
+            </a:r>
+            <a:r>
+              <a:rPr lang="en-US" altLang="zh-CN" dirty="0" err="1"/>
+              <a:t>ArithmeticException</a:t>
+            </a:r>
+            <a:endParaRPr lang="en-US" altLang="zh-CN" dirty="0"/>
+          </a:p>
+          <a:p>
+            <a:r>
+              <a:rPr lang="en-US" altLang="zh-CN" dirty="0"/>
+              <a:t>HALF_UP</a:t>
+            </a:r>
+            <a:r>
+              <a:rPr lang="zh-CN" altLang="en-US" dirty="0"/>
+              <a:t>：向最近的整数舍入，其中</a:t>
+            </a:r>
+            <a:r>
+              <a:rPr lang="en-US" altLang="zh-CN" dirty="0"/>
+              <a:t>x.5</a:t>
+            </a:r>
+            <a:r>
+              <a:rPr lang="zh-CN" altLang="en-US" dirty="0"/>
+              <a:t>远离零方向舍入</a:t>
+            </a:r>
+          </a:p>
+          <a:p>
+            <a:r>
+              <a:rPr lang="en-US" altLang="zh-CN" dirty="0"/>
+              <a:t>HALF_DOWN</a:t>
+            </a:r>
+            <a:r>
+              <a:rPr lang="zh-CN" altLang="en-US" dirty="0"/>
+              <a:t>：向最近的整数舍入，其中</a:t>
+            </a:r>
+            <a:r>
+              <a:rPr lang="en-US" altLang="zh-CN" dirty="0"/>
+              <a:t>x.5</a:t>
+            </a:r>
+            <a:r>
+              <a:rPr lang="zh-CN" altLang="en-US" dirty="0"/>
+              <a:t>向零方向舍入</a:t>
+            </a:r>
+          </a:p>
+          <a:p>
+            <a:r>
+              <a:rPr lang="en-US" altLang="zh-CN" dirty="0"/>
+              <a:t>HALF_EVEN</a:t>
+            </a:r>
+            <a:r>
+              <a:rPr lang="zh-CN" altLang="en-US" dirty="0"/>
+              <a:t>：向最近的整数舍入，其中</a:t>
+            </a:r>
+            <a:r>
+              <a:rPr lang="en-US" altLang="zh-CN" dirty="0"/>
+              <a:t>x.5</a:t>
+            </a:r>
+            <a:r>
+              <a:rPr lang="zh-CN" altLang="en-US" dirty="0"/>
+              <a:t>向相邻的偶数舍入</a:t>
+            </a:r>
           </a:p>
         </p:txBody>
       </p:sp>
     </p:spTree>
     <p:extLst>
       <p:ext uri="{BB962C8B-B14F-4D97-AF65-F5344CB8AC3E}">
-        <p14:creationId xmlns:p14="http://schemas.microsoft.com/office/powerpoint/2010/main" val="3964344473"/>
+        <p14:creationId xmlns:p14="http://schemas.microsoft.com/office/powerpoint/2010/main" val="3200194523"/>
       </p:ext>
     </p:extLst>
   </p:cSld>
@@ -45054,11 +44507,8 @@
           <a:p>
             <a:r>
               <a:rPr lang="zh-CN" altLang="en-US" dirty="0"/>
-              <a:t>整数运算</a:t>
-            </a:r>
-          </a:p>
-          <a:p>
-            <a:endParaRPr lang="zh-CN" altLang="en-US" dirty="0"/>
+              <a:t>实数运算</a:t>
+            </a:r>
           </a:p>
         </p:txBody>
       </p:sp>
@@ -45077,7 +44527,7 @@
         <p:spPr>
           <a:xfrm>
             <a:off x="536895" y="1858312"/>
-            <a:ext cx="8145711" cy="1023101"/>
+            <a:ext cx="8145711" cy="2651944"/>
           </a:xfrm>
           <a:prstGeom prst="rect">
             <a:avLst/>
@@ -45091,38 +44541,6 @@
           <a:lstStyle/>
           <a:p>
             <a:r>
-              <a:rPr lang="en-US" altLang="zh-CN" dirty="0"/>
-              <a:t>Guava Math</a:t>
-            </a:r>
-            <a:r>
-              <a:rPr lang="zh-CN" altLang="en-US" dirty="0"/>
-              <a:t>主要处理三种整数类型：</a:t>
-            </a:r>
-            <a:r>
-              <a:rPr lang="en-US" altLang="zh-CN" dirty="0"/>
-              <a:t>int</a:t>
-            </a:r>
-            <a:r>
-              <a:rPr lang="zh-CN" altLang="en-US" dirty="0"/>
-              <a:t>、</a:t>
-            </a:r>
-            <a:r>
-              <a:rPr lang="en-US" altLang="zh-CN" dirty="0"/>
-              <a:t>long</a:t>
-            </a:r>
-            <a:r>
-              <a:rPr lang="zh-CN" altLang="en-US" dirty="0"/>
-              <a:t>和</a:t>
-            </a:r>
-            <a:r>
-              <a:rPr lang="en-US" altLang="zh-CN" dirty="0" err="1"/>
-              <a:t>BigInteger</a:t>
-            </a:r>
-            <a:r>
-              <a:rPr lang="zh-CN" altLang="en-US" dirty="0"/>
-              <a:t>。这三种类型的运算工具类分别叫做</a:t>
-            </a:r>
-            <a:r>
               <a:rPr lang="en-US" altLang="zh-CN" dirty="0" err="1"/>
               <a:t>IntMath</a:t>
             </a:r>
@@ -45144,59 +44562,135 @@
             </a:r>
             <a:r>
               <a:rPr lang="zh-CN" altLang="en-US" dirty="0"/>
-              <a:t>。</a:t>
+              <a:t>提供了很多实数运算的方法，并把最终运算结果舍入成整数。这些方法接受一个</a:t>
+            </a:r>
+            <a:r>
+              <a:rPr lang="en-US" altLang="zh-CN" dirty="0" err="1"/>
+              <a:t>java.math.RoundingMode</a:t>
+            </a:r>
+            <a:r>
+              <a:rPr lang="zh-CN" altLang="en-US" dirty="0"/>
+              <a:t>枚举值作为舍入的模式：</a:t>
+            </a:r>
+          </a:p>
+          <a:p>
+            <a:endParaRPr lang="zh-CN" altLang="en-US" dirty="0"/>
+          </a:p>
+          <a:p>
+            <a:r>
+              <a:rPr lang="en-US" altLang="zh-CN" dirty="0"/>
+              <a:t>DOWN</a:t>
+            </a:r>
+            <a:r>
+              <a:rPr lang="zh-CN" altLang="en-US" dirty="0"/>
+              <a:t>：向零方向舍入（去尾法）</a:t>
+            </a:r>
+          </a:p>
+          <a:p>
+            <a:r>
+              <a:rPr lang="en-US" altLang="zh-CN" dirty="0"/>
+              <a:t>UP</a:t>
+            </a:r>
+            <a:r>
+              <a:rPr lang="zh-CN" altLang="en-US" dirty="0"/>
+              <a:t>：远离零方向舍入</a:t>
+            </a:r>
+          </a:p>
+          <a:p>
+            <a:r>
+              <a:rPr lang="en-US" altLang="zh-CN" dirty="0"/>
+              <a:t>FLOOR</a:t>
+            </a:r>
+            <a:r>
+              <a:rPr lang="zh-CN" altLang="en-US" dirty="0"/>
+              <a:t>：向负无限大方向舍入</a:t>
+            </a:r>
+          </a:p>
+          <a:p>
+            <a:r>
+              <a:rPr lang="en-US" altLang="zh-CN" dirty="0"/>
+              <a:t>CEILING</a:t>
+            </a:r>
+            <a:r>
+              <a:rPr lang="zh-CN" altLang="en-US" dirty="0"/>
+              <a:t>：向正无限大方向舍入</a:t>
+            </a:r>
+          </a:p>
+          <a:p>
+            <a:r>
+              <a:rPr lang="en-US" altLang="zh-CN" dirty="0"/>
+              <a:t>UNNECESSARY</a:t>
+            </a:r>
+            <a:r>
+              <a:rPr lang="zh-CN" altLang="en-US" dirty="0"/>
+              <a:t>：不需要舍入，如果用此模式进行舍入，应直接抛出</a:t>
+            </a:r>
+            <a:r>
+              <a:rPr lang="en-US" altLang="zh-CN" dirty="0" err="1"/>
+              <a:t>ArithmeticException</a:t>
             </a:r>
             <a:endParaRPr lang="en-US" altLang="zh-CN" dirty="0"/>
           </a:p>
           <a:p>
-            <a:endParaRPr lang="en-US" altLang="zh-CN" dirty="0"/>
-          </a:p>
-          <a:p>
-            <a:pPr marL="342900" indent="-342900">
-              <a:buFont typeface="+mj-lt"/>
-              <a:buAutoNum type="arabicPeriod"/>
-            </a:pPr>
-            <a:r>
-              <a:rPr lang="zh-CN" altLang="en-US" dirty="0"/>
-              <a:t>有溢出检查的运算</a:t>
+            <a:r>
+              <a:rPr lang="en-US" altLang="zh-CN" dirty="0"/>
+              <a:t>HALF_UP</a:t>
+            </a:r>
+            <a:r>
+              <a:rPr lang="zh-CN" altLang="en-US" dirty="0"/>
+              <a:t>：向最近的整数舍入，其中</a:t>
+            </a:r>
+            <a:r>
+              <a:rPr lang="en-US" altLang="zh-CN" dirty="0"/>
+              <a:t>x.5</a:t>
+            </a:r>
+            <a:r>
+              <a:rPr lang="zh-CN" altLang="en-US" dirty="0"/>
+              <a:t>远离零方向舍入</a:t>
+            </a:r>
+          </a:p>
+          <a:p>
+            <a:r>
+              <a:rPr lang="en-US" altLang="zh-CN" dirty="0"/>
+              <a:t>HALF_DOWN</a:t>
+            </a:r>
+            <a:r>
+              <a:rPr lang="zh-CN" altLang="en-US" dirty="0"/>
+              <a:t>：向最近的整数舍入，其中</a:t>
+            </a:r>
+            <a:r>
+              <a:rPr lang="en-US" altLang="zh-CN" dirty="0"/>
+              <a:t>x.5</a:t>
+            </a:r>
+            <a:r>
+              <a:rPr lang="zh-CN" altLang="en-US" dirty="0"/>
+              <a:t>向零方向舍入</a:t>
+            </a:r>
+          </a:p>
+          <a:p>
+            <a:r>
+              <a:rPr lang="en-US" altLang="zh-CN" dirty="0"/>
+              <a:t>HALF_EVEN</a:t>
+            </a:r>
+            <a:r>
+              <a:rPr lang="zh-CN" altLang="en-US" dirty="0"/>
+              <a:t>：向最近的整数舍入，其中</a:t>
+            </a:r>
+            <a:r>
+              <a:rPr lang="en-US" altLang="zh-CN" dirty="0"/>
+              <a:t>x.5</a:t>
+            </a:r>
+            <a:r>
+              <a:rPr lang="zh-CN" altLang="en-US" dirty="0"/>
+              <a:t>向相邻的偶数舍入</a:t>
             </a:r>
           </a:p>
         </p:txBody>
       </p:sp>
-      <p:pic>
-        <p:nvPicPr>
-          <p:cNvPr id="3" name="图片 2">
-            <a:extLst>
-              <a:ext uri="{FF2B5EF4-FFF2-40B4-BE49-F238E27FC236}">
-                <a16:creationId xmlns:a16="http://schemas.microsoft.com/office/drawing/2014/main" id="{C90460B4-A90A-4C6E-AA9D-201B6F8FA59F}"/>
-              </a:ext>
-            </a:extLst>
-          </p:cNvPr>
-          <p:cNvPicPr>
-            <a:picLocks noChangeAspect="1"/>
-          </p:cNvPicPr>
-          <p:nvPr/>
-        </p:nvPicPr>
-        <p:blipFill>
-          <a:blip r:embed="rId2"/>
-          <a:stretch>
-            <a:fillRect/>
-          </a:stretch>
-        </p:blipFill>
-        <p:spPr>
-          <a:xfrm>
-            <a:off x="37750" y="3135662"/>
-            <a:ext cx="9144000" cy="2903419"/>
-          </a:xfrm>
-          <a:prstGeom prst="rect">
-            <a:avLst/>
-          </a:prstGeom>
-        </p:spPr>
-      </p:pic>
     </p:spTree>
     <p:extLst>
       <p:ext uri="{BB962C8B-B14F-4D97-AF65-F5344CB8AC3E}">
-        <p14:creationId xmlns:p14="http://schemas.microsoft.com/office/powerpoint/2010/main" val="3415586126"/>
+        <p14:creationId xmlns:p14="http://schemas.microsoft.com/office/powerpoint/2010/main" val="2457948824"/>
       </p:ext>
     </p:extLst>
   </p:cSld>
@@ -45251,185 +44745,40 @@
           </a:p>
         </p:txBody>
       </p:sp>
-      <p:sp>
-        <p:nvSpPr>
-          <p:cNvPr id="2" name="文本框 1">
+      <p:pic>
+        <p:nvPicPr>
+          <p:cNvPr id="3" name="图片 2">
             <a:extLst>
               <a:ext uri="{FF2B5EF4-FFF2-40B4-BE49-F238E27FC236}">
-                <a16:creationId xmlns:a16="http://schemas.microsoft.com/office/drawing/2014/main" id="{538172C4-7106-45F2-BBB2-40688579643F}"/>
+                <a16:creationId xmlns:a16="http://schemas.microsoft.com/office/drawing/2014/main" id="{DFCBE356-E74B-47C8-A4CA-6C1024F09687}"/>
               </a:ext>
             </a:extLst>
           </p:cNvPr>
-          <p:cNvSpPr txBox="1"/>
+          <p:cNvPicPr>
+            <a:picLocks noChangeAspect="1"/>
+          </p:cNvPicPr>
           <p:nvPr/>
-        </p:nvSpPr>
+        </p:nvPicPr>
+        <p:blipFill>
+          <a:blip r:embed="rId2"/>
+          <a:stretch>
+            <a:fillRect/>
+          </a:stretch>
+        </p:blipFill>
         <p:spPr>
           <a:xfrm>
-            <a:off x="536895" y="1858312"/>
-            <a:ext cx="8145711" cy="2651944"/>
+            <a:off x="37750" y="1858312"/>
+            <a:ext cx="9144000" cy="3984236"/>
           </a:xfrm>
           <a:prstGeom prst="rect">
             <a:avLst/>
           </a:prstGeom>
-          <a:noFill/>
         </p:spPr>
-        <p:txBody>
-          <a:bodyPr wrap="square" rtlCol="0">
-            <a:spAutoFit/>
-          </a:bodyPr>
-          <a:lstStyle/>
-          <a:p>
-            <a:r>
-              <a:rPr lang="en-US" altLang="zh-CN" dirty="0" err="1"/>
-              <a:t>IntMath</a:t>
-            </a:r>
-            <a:r>
-              <a:rPr lang="zh-CN" altLang="en-US" dirty="0"/>
-              <a:t>、</a:t>
-            </a:r>
-            <a:r>
-              <a:rPr lang="en-US" altLang="zh-CN" dirty="0" err="1"/>
-              <a:t>LongMath</a:t>
-            </a:r>
-            <a:r>
-              <a:rPr lang="zh-CN" altLang="en-US" dirty="0"/>
-              <a:t>和</a:t>
-            </a:r>
-            <a:r>
-              <a:rPr lang="en-US" altLang="zh-CN" dirty="0" err="1"/>
-              <a:t>BigIntegerMath</a:t>
-            </a:r>
-            <a:r>
-              <a:rPr lang="zh-CN" altLang="en-US" dirty="0"/>
-              <a:t>提供了很多实数运算的方法，并把最终运算结果舍入成整数。这些方法接受一个</a:t>
-            </a:r>
-            <a:r>
-              <a:rPr lang="en-US" altLang="zh-CN" dirty="0" err="1"/>
-              <a:t>java.math.RoundingMode</a:t>
-            </a:r>
-            <a:r>
-              <a:rPr lang="zh-CN" altLang="en-US" dirty="0"/>
-              <a:t>枚举值作为舍入的模式：</a:t>
-            </a:r>
-          </a:p>
-          <a:p>
-            <a:endParaRPr lang="zh-CN" altLang="en-US" dirty="0"/>
-          </a:p>
-          <a:p>
-            <a:r>
-              <a:rPr lang="en-US" altLang="zh-CN" dirty="0"/>
-              <a:t>DOWN</a:t>
-            </a:r>
-            <a:r>
-              <a:rPr lang="zh-CN" altLang="en-US" dirty="0"/>
-              <a:t>：向零方向舍入（去尾法）</a:t>
-            </a:r>
-          </a:p>
-          <a:p>
-            <a:r>
-              <a:rPr lang="en-US" altLang="zh-CN" dirty="0"/>
-              <a:t>UP</a:t>
-            </a:r>
-            <a:r>
-              <a:rPr lang="zh-CN" altLang="en-US" dirty="0"/>
-              <a:t>：远离零方向舍入</a:t>
-            </a:r>
-          </a:p>
-          <a:p>
-            <a:r>
-              <a:rPr lang="en-US" altLang="zh-CN" dirty="0"/>
-              <a:t>FLOOR</a:t>
-            </a:r>
-            <a:r>
-              <a:rPr lang="zh-CN" altLang="en-US" dirty="0"/>
-              <a:t>：向负无限大方向舍入</a:t>
-            </a:r>
-          </a:p>
-          <a:p>
-            <a:r>
-              <a:rPr lang="en-US" altLang="zh-CN" dirty="0"/>
-              <a:t>CEILING</a:t>
-            </a:r>
-            <a:r>
-              <a:rPr lang="zh-CN" altLang="en-US" dirty="0"/>
-              <a:t>：向正无限大方向舍入</a:t>
-            </a:r>
-          </a:p>
-          <a:p>
-            <a:r>
-              <a:rPr lang="en-US" altLang="zh-CN" dirty="0"/>
-              <a:t>UNNECESSARY</a:t>
-            </a:r>
-            <a:r>
-              <a:rPr lang="zh-CN" altLang="en-US" dirty="0"/>
-              <a:t>：不需要舍入，如果用此模式进行舍入，应直接抛出</a:t>
-            </a:r>
-            <a:r>
-              <a:rPr lang="en-US" altLang="zh-CN" dirty="0" err="1"/>
-              <a:t>ArithmeticException</a:t>
-            </a:r>
-            <a:endParaRPr lang="en-US" altLang="zh-CN" dirty="0"/>
-          </a:p>
-          <a:p>
-            <a:r>
-              <a:rPr lang="en-US" altLang="zh-CN" dirty="0"/>
-              <a:t>HALF_UP</a:t>
-            </a:r>
-            <a:r>
-              <a:rPr lang="zh-CN" altLang="en-US" dirty="0"/>
-              <a:t>：向最近的整数舍入，其中</a:t>
-            </a:r>
-            <a:r>
-              <a:rPr lang="en-US" altLang="zh-CN" dirty="0"/>
-              <a:t>x.5</a:t>
-            </a:r>
-            <a:r>
-              <a:rPr lang="zh-CN" altLang="en-US" dirty="0"/>
-              <a:t>远离零方向舍入</a:t>
-            </a:r>
-          </a:p>
-          <a:p>
-            <a:r>
-              <a:rPr lang="en-US" altLang="zh-CN" dirty="0"/>
-              <a:t>HALF_DOWN</a:t>
-            </a:r>
-            <a:r>
-              <a:rPr lang="zh-CN" altLang="en-US" dirty="0"/>
-              <a:t>：向最近的整数舍入，其中</a:t>
-            </a:r>
-            <a:r>
-              <a:rPr lang="en-US" altLang="zh-CN" dirty="0"/>
-              <a:t>x.5</a:t>
-            </a:r>
-            <a:r>
-              <a:rPr lang="zh-CN" altLang="en-US" dirty="0"/>
-              <a:t>向零方向舍入</a:t>
-            </a:r>
-          </a:p>
-          <a:p>
-            <a:r>
-              <a:rPr lang="en-US" altLang="zh-CN" dirty="0"/>
-              <a:t>HALF_EVEN</a:t>
-            </a:r>
-            <a:r>
-              <a:rPr lang="zh-CN" altLang="en-US" dirty="0"/>
-              <a:t>：向最近的整数舍入，其中</a:t>
-            </a:r>
-            <a:r>
-              <a:rPr lang="en-US" altLang="zh-CN" dirty="0"/>
-              <a:t>x.5</a:t>
-            </a:r>
-            <a:r>
-              <a:rPr lang="zh-CN" altLang="en-US" dirty="0"/>
-              <a:t>向相邻的偶数舍入</a:t>
-            </a:r>
-          </a:p>
-        </p:txBody>
-      </p:sp>
+      </p:pic>
     </p:spTree>
     <p:extLst>
       <p:ext uri="{BB962C8B-B14F-4D97-AF65-F5344CB8AC3E}">
-        <p14:creationId xmlns:p14="http://schemas.microsoft.com/office/powerpoint/2010/main" val="3200194523"/>
+        <p14:creationId xmlns:p14="http://schemas.microsoft.com/office/powerpoint/2010/main" val="1071839509"/>
       </p:ext>
     </p:extLst>
   </p:cSld>
@@ -45484,185 +44833,40 @@
           </a:p>
         </p:txBody>
       </p:sp>
-      <p:sp>
-        <p:nvSpPr>
-          <p:cNvPr id="2" name="文本框 1">
+      <p:pic>
+        <p:nvPicPr>
+          <p:cNvPr id="2" name="图片 1">
             <a:extLst>
               <a:ext uri="{FF2B5EF4-FFF2-40B4-BE49-F238E27FC236}">
-                <a16:creationId xmlns:a16="http://schemas.microsoft.com/office/drawing/2014/main" id="{538172C4-7106-45F2-BBB2-40688579643F}"/>
+                <a16:creationId xmlns:a16="http://schemas.microsoft.com/office/drawing/2014/main" id="{20A6B6C1-DAC4-4A97-AC76-9E2C856E45D9}"/>
               </a:ext>
             </a:extLst>
           </p:cNvPr>
-          <p:cNvSpPr txBox="1"/>
+          <p:cNvPicPr>
+            <a:picLocks noChangeAspect="1"/>
+          </p:cNvPicPr>
           <p:nvPr/>
-        </p:nvSpPr>
+        </p:nvPicPr>
+        <p:blipFill>
+          <a:blip r:embed="rId2"/>
+          <a:stretch>
+            <a:fillRect/>
+          </a:stretch>
+        </p:blipFill>
         <p:spPr>
           <a:xfrm>
-            <a:off x="536895" y="1858312"/>
-            <a:ext cx="8145711" cy="2651944"/>
+            <a:off x="0" y="1769408"/>
+            <a:ext cx="9144000" cy="5701658"/>
           </a:xfrm>
           <a:prstGeom prst="rect">
             <a:avLst/>
           </a:prstGeom>
-          <a:noFill/>
         </p:spPr>
-        <p:txBody>
-          <a:bodyPr wrap="square" rtlCol="0">
-            <a:spAutoFit/>
-          </a:bodyPr>
-          <a:lstStyle/>
-          <a:p>
-            <a:r>
-              <a:rPr lang="en-US" altLang="zh-CN" dirty="0" err="1"/>
-              <a:t>IntMath</a:t>
-            </a:r>
-            <a:r>
-              <a:rPr lang="zh-CN" altLang="en-US" dirty="0"/>
-              <a:t>、</a:t>
-            </a:r>
-            <a:r>
-              <a:rPr lang="en-US" altLang="zh-CN" dirty="0" err="1"/>
-              <a:t>LongMath</a:t>
-            </a:r>
-            <a:r>
-              <a:rPr lang="zh-CN" altLang="en-US" dirty="0"/>
-              <a:t>和</a:t>
-            </a:r>
-            <a:r>
-              <a:rPr lang="en-US" altLang="zh-CN" dirty="0" err="1"/>
-              <a:t>BigIntegerMath</a:t>
-            </a:r>
-            <a:r>
-              <a:rPr lang="zh-CN" altLang="en-US" dirty="0"/>
-              <a:t>提供了很多实数运算的方法，并把最终运算结果舍入成整数。这些方法接受一个</a:t>
-            </a:r>
-            <a:r>
-              <a:rPr lang="en-US" altLang="zh-CN" dirty="0" err="1"/>
-              <a:t>java.math.RoundingMode</a:t>
-            </a:r>
-            <a:r>
-              <a:rPr lang="zh-CN" altLang="en-US" dirty="0"/>
-              <a:t>枚举值作为舍入的模式：</a:t>
-            </a:r>
-          </a:p>
-          <a:p>
-            <a:endParaRPr lang="zh-CN" altLang="en-US" dirty="0"/>
-          </a:p>
-          <a:p>
-            <a:r>
-              <a:rPr lang="en-US" altLang="zh-CN" dirty="0"/>
-              <a:t>DOWN</a:t>
-            </a:r>
-            <a:r>
-              <a:rPr lang="zh-CN" altLang="en-US" dirty="0"/>
-              <a:t>：向零方向舍入（去尾法）</a:t>
-            </a:r>
-          </a:p>
-          <a:p>
-            <a:r>
-              <a:rPr lang="en-US" altLang="zh-CN" dirty="0"/>
-              <a:t>UP</a:t>
-            </a:r>
-            <a:r>
-              <a:rPr lang="zh-CN" altLang="en-US" dirty="0"/>
-              <a:t>：远离零方向舍入</a:t>
-            </a:r>
-          </a:p>
-          <a:p>
-            <a:r>
-              <a:rPr lang="en-US" altLang="zh-CN" dirty="0"/>
-              <a:t>FLOOR</a:t>
-            </a:r>
-            <a:r>
-              <a:rPr lang="zh-CN" altLang="en-US" dirty="0"/>
-              <a:t>：向负无限大方向舍入</a:t>
-            </a:r>
-          </a:p>
-          <a:p>
-            <a:r>
-              <a:rPr lang="en-US" altLang="zh-CN" dirty="0"/>
-              <a:t>CEILING</a:t>
-            </a:r>
-            <a:r>
-              <a:rPr lang="zh-CN" altLang="en-US" dirty="0"/>
-              <a:t>：向正无限大方向舍入</a:t>
-            </a:r>
-          </a:p>
-          <a:p>
-            <a:r>
-              <a:rPr lang="en-US" altLang="zh-CN" dirty="0"/>
-              <a:t>UNNECESSARY</a:t>
-            </a:r>
-            <a:r>
-              <a:rPr lang="zh-CN" altLang="en-US" dirty="0"/>
-              <a:t>：不需要舍入，如果用此模式进行舍入，应直接抛出</a:t>
-            </a:r>
-            <a:r>
-              <a:rPr lang="en-US" altLang="zh-CN" dirty="0" err="1"/>
-              <a:t>ArithmeticException</a:t>
-            </a:r>
-            <a:endParaRPr lang="en-US" altLang="zh-CN" dirty="0"/>
-          </a:p>
-          <a:p>
-            <a:r>
-              <a:rPr lang="en-US" altLang="zh-CN" dirty="0"/>
-              <a:t>HALF_UP</a:t>
-            </a:r>
-            <a:r>
-              <a:rPr lang="zh-CN" altLang="en-US" dirty="0"/>
-              <a:t>：向最近的整数舍入，其中</a:t>
-            </a:r>
-            <a:r>
-              <a:rPr lang="en-US" altLang="zh-CN" dirty="0"/>
-              <a:t>x.5</a:t>
-            </a:r>
-            <a:r>
-              <a:rPr lang="zh-CN" altLang="en-US" dirty="0"/>
-              <a:t>远离零方向舍入</a:t>
-            </a:r>
-          </a:p>
-          <a:p>
-            <a:r>
-              <a:rPr lang="en-US" altLang="zh-CN" dirty="0"/>
-              <a:t>HALF_DOWN</a:t>
-            </a:r>
-            <a:r>
-              <a:rPr lang="zh-CN" altLang="en-US" dirty="0"/>
-              <a:t>：向最近的整数舍入，其中</a:t>
-            </a:r>
-            <a:r>
-              <a:rPr lang="en-US" altLang="zh-CN" dirty="0"/>
-              <a:t>x.5</a:t>
-            </a:r>
-            <a:r>
-              <a:rPr lang="zh-CN" altLang="en-US" dirty="0"/>
-              <a:t>向零方向舍入</a:t>
-            </a:r>
-          </a:p>
-          <a:p>
-            <a:r>
-              <a:rPr lang="en-US" altLang="zh-CN" dirty="0"/>
-              <a:t>HALF_EVEN</a:t>
-            </a:r>
-            <a:r>
-              <a:rPr lang="zh-CN" altLang="en-US" dirty="0"/>
-              <a:t>：向最近的整数舍入，其中</a:t>
-            </a:r>
-            <a:r>
-              <a:rPr lang="en-US" altLang="zh-CN" dirty="0"/>
-              <a:t>x.5</a:t>
-            </a:r>
-            <a:r>
-              <a:rPr lang="zh-CN" altLang="en-US" dirty="0"/>
-              <a:t>向相邻的偶数舍入</a:t>
-            </a:r>
-          </a:p>
-        </p:txBody>
-      </p:sp>
+      </p:pic>
     </p:spTree>
     <p:extLst>
       <p:ext uri="{BB962C8B-B14F-4D97-AF65-F5344CB8AC3E}">
-        <p14:creationId xmlns:p14="http://schemas.microsoft.com/office/powerpoint/2010/main" val="2457948824"/>
+        <p14:creationId xmlns:p14="http://schemas.microsoft.com/office/powerpoint/2010/main" val="1677492273"/>
       </p:ext>
     </p:extLst>
   </p:cSld>
@@ -45691,18 +44895,12 @@
       </p:grpSpPr>
       <p:sp>
         <p:nvSpPr>
-          <p:cNvPr id="7" name="文本占位符 6">
-            <a:extLst>
-              <a:ext uri="{FF2B5EF4-FFF2-40B4-BE49-F238E27FC236}">
-                <a16:creationId xmlns:a16="http://schemas.microsoft.com/office/drawing/2014/main" id="{000CD429-8B8A-465F-93FE-E390B46B6227}"/>
-              </a:ext>
-            </a:extLst>
-          </p:cNvPr>
+          <p:cNvPr id="8" name="标题 7"/>
           <p:cNvSpPr>
             <a:spLocks noGrp="1"/>
           </p:cNvSpPr>
           <p:nvPr>
-            <p:ph type="body" sz="quarter" idx="10"/>
+            <p:ph type="title"/>
           </p:nvPr>
         </p:nvSpPr>
         <p:spPr/>
@@ -45712,45 +44910,85 @@
           <a:p>
             <a:r>
               <a:rPr lang="zh-CN" altLang="en-US" dirty="0"/>
-              <a:t>实数运算</a:t>
-            </a:r>
+              <a:t>反射</a:t>
+            </a:r>
+            <a:br>
+              <a:rPr lang="en-US" altLang="zh-CN" dirty="0"/>
+            </a:br>
+            <a:r>
+              <a:rPr lang="en-US" altLang="zh-CN" dirty="0"/>
+              <a:t>Reflection</a:t>
+            </a:r>
+            <a:endParaRPr lang="zh-CN" altLang="en-US" dirty="0"/>
           </a:p>
         </p:txBody>
       </p:sp>
-      <p:pic>
-        <p:nvPicPr>
-          <p:cNvPr id="3" name="图片 2">
-            <a:extLst>
-              <a:ext uri="{FF2B5EF4-FFF2-40B4-BE49-F238E27FC236}">
-                <a16:creationId xmlns:a16="http://schemas.microsoft.com/office/drawing/2014/main" id="{DFCBE356-E74B-47C8-A4CA-6C1024F09687}"/>
-              </a:ext>
-            </a:extLst>
-          </p:cNvPr>
-          <p:cNvPicPr>
-            <a:picLocks noChangeAspect="1"/>
-          </p:cNvPicPr>
-          <p:nvPr/>
-        </p:nvPicPr>
-        <p:blipFill>
-          <a:blip r:embed="rId2"/>
-          <a:stretch>
-            <a:fillRect/>
-          </a:stretch>
-        </p:blipFill>
+      <p:sp>
+        <p:nvSpPr>
+          <p:cNvPr id="6" name="文本占位符 5"/>
+          <p:cNvSpPr>
+            <a:spLocks noGrp="1"/>
+          </p:cNvSpPr>
+          <p:nvPr>
+            <p:ph type="body" sz="quarter" idx="13"/>
+          </p:nvPr>
+        </p:nvSpPr>
+        <p:spPr/>
+        <p:txBody>
+          <a:bodyPr/>
+          <a:lstStyle/>
+          <a:p>
+            <a:r>
+              <a:rPr lang="en-US" altLang="zh-CN" dirty="0"/>
+              <a:t>Guava </a:t>
+            </a:r>
+            <a:r>
+              <a:rPr lang="zh-CN" altLang="en-US" dirty="0"/>
+              <a:t>的 </a:t>
+            </a:r>
+            <a:r>
+              <a:rPr lang="en-US" altLang="zh-CN" dirty="0"/>
+              <a:t>Java </a:t>
+            </a:r>
+            <a:r>
+              <a:rPr lang="zh-CN" altLang="en-US" dirty="0"/>
+              <a:t>反射机制工具类</a:t>
+            </a:r>
+          </a:p>
+        </p:txBody>
+      </p:sp>
+      <p:sp>
+        <p:nvSpPr>
+          <p:cNvPr id="9" name="文本占位符 8"/>
+          <p:cNvSpPr>
+            <a:spLocks noGrp="1"/>
+          </p:cNvSpPr>
+          <p:nvPr>
+            <p:ph type="body" sz="quarter" idx="14"/>
+          </p:nvPr>
+        </p:nvSpPr>
         <p:spPr>
           <a:xfrm>
-            <a:off x="37750" y="1858312"/>
-            <a:ext cx="9144000" cy="3984236"/>
+            <a:off x="5517358" y="821812"/>
+            <a:ext cx="1102898" cy="1001288"/>
           </a:xfrm>
-          <a:prstGeom prst="rect">
-            <a:avLst/>
-          </a:prstGeom>
         </p:spPr>
-      </p:pic>
+        <p:txBody>
+          <a:bodyPr/>
+          <a:lstStyle/>
+          <a:p>
+            <a:r>
+              <a:rPr lang="en-US" altLang="zh-CN" dirty="0"/>
+              <a:t>12</a:t>
+            </a:r>
+            <a:endParaRPr lang="zh-CN" altLang="en-US" dirty="0"/>
+          </a:p>
+        </p:txBody>
+      </p:sp>
     </p:spTree>
     <p:extLst>
       <p:ext uri="{BB962C8B-B14F-4D97-AF65-F5344CB8AC3E}">
-        <p14:creationId xmlns:p14="http://schemas.microsoft.com/office/powerpoint/2010/main" val="1071839509"/>
+        <p14:creationId xmlns:p14="http://schemas.microsoft.com/office/powerpoint/2010/main" val="1688479900"/>
       </p:ext>
     </p:extLst>
   </p:cSld>
@@ -45800,45 +45038,138 @@
           <a:p>
             <a:r>
               <a:rPr lang="zh-CN" altLang="en-US" dirty="0"/>
-              <a:t>实数运算</a:t>
+              <a:t>背景</a:t>
             </a:r>
           </a:p>
         </p:txBody>
       </p:sp>
-      <p:pic>
-        <p:nvPicPr>
-          <p:cNvPr id="2" name="图片 1">
+      <p:sp>
+        <p:nvSpPr>
+          <p:cNvPr id="4" name="矩形 3">
             <a:extLst>
               <a:ext uri="{FF2B5EF4-FFF2-40B4-BE49-F238E27FC236}">
-                <a16:creationId xmlns:a16="http://schemas.microsoft.com/office/drawing/2014/main" id="{20A6B6C1-DAC4-4A97-AC76-9E2C856E45D9}"/>
+                <a16:creationId xmlns:a16="http://schemas.microsoft.com/office/drawing/2014/main" id="{6137381A-2C39-42D9-9EAF-124A18B0D73B}"/>
               </a:ext>
             </a:extLst>
           </p:cNvPr>
-          <p:cNvPicPr>
-            <a:picLocks noChangeAspect="1"/>
-          </p:cNvPicPr>
+          <p:cNvSpPr/>
           <p:nvPr/>
-        </p:nvPicPr>
-        <p:blipFill>
-          <a:blip r:embed="rId2"/>
-          <a:stretch>
-            <a:fillRect/>
-          </a:stretch>
-        </p:blipFill>
+        </p:nvSpPr>
         <p:spPr>
           <a:xfrm>
-            <a:off x="0" y="1769408"/>
-            <a:ext cx="9144000" cy="5701658"/>
+            <a:off x="243311" y="1995761"/>
+            <a:ext cx="8607074" cy="1255793"/>
           </a:xfrm>
           <a:prstGeom prst="rect">
             <a:avLst/>
           </a:prstGeom>
         </p:spPr>
-      </p:pic>
+        <p:txBody>
+          <a:bodyPr wrap="square">
+            <a:spAutoFit/>
+          </a:bodyPr>
+          <a:lstStyle/>
+          <a:p>
+            <a:pPr marL="342900" indent="-342900">
+              <a:buFont typeface="+mj-lt"/>
+              <a:buAutoNum type="arabicPeriod"/>
+            </a:pPr>
+            <a:r>
+              <a:rPr lang="en-US" altLang="zh-CN" dirty="0"/>
+              <a:t>Java</a:t>
+            </a:r>
+            <a:r>
+              <a:rPr lang="zh-CN" altLang="en-US" dirty="0"/>
+              <a:t>不能在运行时保留对象的泛型类型信息。如果你在运行时有一个</a:t>
+            </a:r>
+            <a:r>
+              <a:rPr lang="en-US" altLang="zh-CN" dirty="0" err="1"/>
+              <a:t>ArrayList</a:t>
+            </a:r>
+            <a:r>
+              <a:rPr lang="en-US" altLang="zh-CN" dirty="0"/>
+              <a:t>&lt;String&gt;</a:t>
+            </a:r>
+            <a:r>
+              <a:rPr lang="zh-CN" altLang="en-US" dirty="0"/>
+              <a:t>对象，你不能够判定这个对象是有泛型类型</a:t>
+            </a:r>
+            <a:r>
+              <a:rPr lang="en-US" altLang="zh-CN" dirty="0" err="1"/>
+              <a:t>ArrayList</a:t>
+            </a:r>
+            <a:r>
+              <a:rPr lang="en-US" altLang="zh-CN" dirty="0"/>
+              <a:t>&lt;String&gt;</a:t>
+            </a:r>
+            <a:r>
+              <a:rPr lang="zh-CN" altLang="en-US" dirty="0"/>
+              <a:t>的 </a:t>
+            </a:r>
+            <a:r>
+              <a:rPr lang="en-US" altLang="zh-CN" dirty="0"/>
+              <a:t>—— </a:t>
+            </a:r>
+            <a:r>
+              <a:rPr lang="zh-CN" altLang="en-US" dirty="0"/>
+              <a:t>并且通过不安全的原始类型，你可以将这个对象强制转换成</a:t>
+            </a:r>
+            <a:r>
+              <a:rPr lang="en-US" altLang="zh-CN" dirty="0" err="1"/>
+              <a:t>ArrayList</a:t>
+            </a:r>
+            <a:r>
+              <a:rPr lang="en-US" altLang="zh-CN" dirty="0"/>
+              <a:t>&lt;Object&gt;</a:t>
+            </a:r>
+            <a:r>
+              <a:rPr lang="zh-CN" altLang="en-US" dirty="0"/>
+              <a:t>。</a:t>
+            </a:r>
+            <a:endParaRPr lang="en-US" altLang="zh-CN" dirty="0"/>
+          </a:p>
+          <a:p>
+            <a:pPr marL="342900" indent="-342900">
+              <a:buFont typeface="+mj-lt"/>
+              <a:buAutoNum type="arabicPeriod"/>
+            </a:pPr>
+            <a:r>
+              <a:rPr lang="zh-CN" altLang="en-US" dirty="0"/>
+              <a:t>但是，反射允许你去检测方法和类的泛型类型。如果你实现了一个返回</a:t>
+            </a:r>
+            <a:r>
+              <a:rPr lang="en-US" altLang="zh-CN" dirty="0"/>
+              <a:t>List</a:t>
+            </a:r>
+            <a:r>
+              <a:rPr lang="zh-CN" altLang="en-US" dirty="0"/>
+              <a:t>的方法，并且你用反射获得了这个方法的返回类型，你会获得代表</a:t>
+            </a:r>
+            <a:r>
+              <a:rPr lang="en-US" altLang="zh-CN" dirty="0"/>
+              <a:t>List&lt;String&gt;</a:t>
+            </a:r>
+            <a:r>
+              <a:rPr lang="zh-CN" altLang="en-US" dirty="0"/>
+              <a:t>的</a:t>
+            </a:r>
+            <a:r>
+              <a:rPr lang="en-US" altLang="zh-CN" u="sng" dirty="0" err="1">
+                <a:hlinkClick r:id="rId2"/>
+              </a:rPr>
+              <a:t>ParameterizedType</a:t>
+            </a:r>
+            <a:r>
+              <a:rPr lang="zh-CN" altLang="en-US" dirty="0"/>
+              <a:t>。</a:t>
+            </a:r>
+          </a:p>
+        </p:txBody>
+      </p:sp>
     </p:spTree>
     <p:extLst>
       <p:ext uri="{BB962C8B-B14F-4D97-AF65-F5344CB8AC3E}">
-        <p14:creationId xmlns:p14="http://schemas.microsoft.com/office/powerpoint/2010/main" val="1677492273"/>
+        <p14:creationId xmlns:p14="http://schemas.microsoft.com/office/powerpoint/2010/main" val="2614995605"/>
       </p:ext>
     </p:extLst>
   </p:cSld>
@@ -45867,12 +45198,18 @@
       </p:grpSpPr>
       <p:sp>
         <p:nvSpPr>
-          <p:cNvPr id="8" name="标题 7"/>
+          <p:cNvPr id="7" name="文本占位符 6">
+            <a:extLst>
+              <a:ext uri="{FF2B5EF4-FFF2-40B4-BE49-F238E27FC236}">
+                <a16:creationId xmlns:a16="http://schemas.microsoft.com/office/drawing/2014/main" id="{000CD429-8B8A-465F-93FE-E390B46B6227}"/>
+              </a:ext>
+            </a:extLst>
+          </p:cNvPr>
           <p:cNvSpPr>
             <a:spLocks noGrp="1"/>
           </p:cNvSpPr>
           <p:nvPr>
-            <p:ph type="title"/>
+            <p:ph type="body" sz="quarter" idx="10"/>
           </p:nvPr>
         </p:nvSpPr>
         <p:spPr/>
@@ -45882,80 +45219,361 @@
           <a:p>
             <a:r>
               <a:rPr lang="zh-CN" altLang="en-US" dirty="0"/>
-              <a:t>反射</a:t>
-            </a:r>
-            <a:br>
-              <a:rPr lang="en-US" altLang="zh-CN" dirty="0"/>
-            </a:br>
-            <a:r>
-              <a:rPr lang="en-US" altLang="zh-CN" dirty="0"/>
-              <a:t>Reflection</a:t>
-            </a:r>
-            <a:endParaRPr lang="zh-CN" altLang="en-US" dirty="0"/>
+              <a:t>介绍</a:t>
+            </a:r>
           </a:p>
         </p:txBody>
       </p:sp>
       <p:sp>
         <p:nvSpPr>
-          <p:cNvPr id="6" name="文本占位符 5"/>
-          <p:cNvSpPr>
-            <a:spLocks noGrp="1"/>
-          </p:cNvSpPr>
-          <p:nvPr>
-            <p:ph type="body" sz="quarter" idx="13"/>
-          </p:nvPr>
+          <p:cNvPr id="4" name="矩形 3">
+            <a:extLst>
+              <a:ext uri="{FF2B5EF4-FFF2-40B4-BE49-F238E27FC236}">
+                <a16:creationId xmlns:a16="http://schemas.microsoft.com/office/drawing/2014/main" id="{6137381A-2C39-42D9-9EAF-124A18B0D73B}"/>
+              </a:ext>
+            </a:extLst>
+          </p:cNvPr>
+          <p:cNvSpPr/>
+          <p:nvPr/>
         </p:nvSpPr>
-        <p:spPr/>
+        <p:spPr>
+          <a:xfrm>
+            <a:off x="243311" y="1995761"/>
+            <a:ext cx="8607074" cy="2651944"/>
+          </a:xfrm>
+          <a:prstGeom prst="rect">
+            <a:avLst/>
+          </a:prstGeom>
+        </p:spPr>
         <p:txBody>
-          <a:bodyPr/>
+          <a:bodyPr wrap="square">
+            <a:spAutoFit/>
+          </a:bodyPr>
           <a:lstStyle/>
           <a:p>
+            <a:pPr marL="342900" indent="-342900">
+              <a:buFont typeface="+mj-lt"/>
+              <a:buAutoNum type="arabicPeriod"/>
+            </a:pPr>
+            <a:r>
+              <a:rPr lang="zh-CN" altLang="en-US" dirty="0"/>
+              <a:t>获取一个基本的、原始类的</a:t>
+            </a:r>
+            <a:r>
+              <a:rPr lang="en-US" altLang="zh-CN" dirty="0" err="1"/>
+              <a:t>TypeToken</a:t>
+            </a:r>
+            <a:endParaRPr lang="en-US" altLang="zh-CN" dirty="0"/>
+          </a:p>
+          <a:p>
+            <a:pPr lvl="1"/>
+            <a:r>
+              <a:rPr lang="zh-CN" altLang="zh-CN" dirty="0"/>
+              <a:t>TypeToken&lt;String&gt; stringTok = TypeToken.of(String.class); TypeToken&lt;Integer&gt; intTok = TypeToken.of(Integer.class); </a:t>
+            </a:r>
+          </a:p>
+          <a:p>
+            <a:pPr marL="342900" indent="-342900">
+              <a:buFont typeface="+mj-lt"/>
+              <a:buAutoNum type="arabicPeriod"/>
+            </a:pPr>
+            <a:endParaRPr lang="en-US" altLang="zh-CN" dirty="0"/>
+          </a:p>
+          <a:p>
+            <a:pPr marL="342900" indent="-342900">
+              <a:buFont typeface="+mj-lt"/>
+              <a:buAutoNum type="arabicPeriod"/>
+            </a:pPr>
+            <a:r>
+              <a:rPr lang="zh-CN" altLang="en-US" dirty="0"/>
+              <a:t>为获得一个含有泛型的类型的</a:t>
+            </a:r>
+            <a:r>
+              <a:rPr lang="en-US" altLang="zh-CN" dirty="0" err="1"/>
+              <a:t>TypeToken</a:t>
+            </a:r>
             <a:r>
               <a:rPr lang="en-US" altLang="zh-CN" dirty="0"/>
-              <a:t>Guava </a:t>
-            </a:r>
-            <a:r>
-              <a:rPr lang="zh-CN" altLang="en-US" dirty="0"/>
-              <a:t>的 </a:t>
+              <a:t> —— </a:t>
+            </a:r>
+            <a:r>
+              <a:rPr lang="zh-CN" altLang="en-US" dirty="0"/>
+              <a:t>当你知道在编译时的泛型参数类型 </a:t>
             </a:r>
             <a:r>
               <a:rPr lang="en-US" altLang="zh-CN" dirty="0"/>
-              <a:t>Java </a:t>
-            </a:r>
-            <a:r>
-              <a:rPr lang="zh-CN" altLang="en-US" dirty="0"/>
-              <a:t>反射机制工具类</a:t>
+              <a:t>—— </a:t>
+            </a:r>
+            <a:r>
+              <a:rPr lang="zh-CN" altLang="en-US" dirty="0"/>
+              <a:t>你使用一个空的匿名内部类：</a:t>
+            </a:r>
+            <a:endParaRPr lang="en-US" altLang="zh-CN" dirty="0"/>
+          </a:p>
+          <a:p>
+            <a:pPr lvl="1"/>
+            <a:r>
+              <a:rPr lang="en-US" altLang="zh-CN" dirty="0" err="1"/>
+              <a:t>TypeToken</a:t>
+            </a:r>
+            <a:r>
+              <a:rPr lang="en-US" altLang="zh-CN" dirty="0"/>
+              <a:t>&lt;List&lt;String&gt;&gt; </a:t>
+            </a:r>
+            <a:r>
+              <a:rPr lang="en-US" altLang="zh-CN" dirty="0" err="1"/>
+              <a:t>stringListTok</a:t>
+            </a:r>
+            <a:r>
+              <a:rPr lang="en-US" altLang="zh-CN" dirty="0"/>
+              <a:t> = new </a:t>
+            </a:r>
+            <a:r>
+              <a:rPr lang="en-US" altLang="zh-CN" dirty="0" err="1"/>
+              <a:t>TypeToken</a:t>
+            </a:r>
+            <a:r>
+              <a:rPr lang="en-US" altLang="zh-CN" dirty="0"/>
+              <a:t>&lt;List&lt;String&gt;&gt;() {} </a:t>
+            </a:r>
+          </a:p>
+          <a:p>
+            <a:pPr lvl="1"/>
+            <a:r>
+              <a:rPr lang="zh-CN" altLang="en-US" dirty="0"/>
+              <a:t>或者你想故意指向一个通配符类型：</a:t>
+            </a:r>
+            <a:endParaRPr lang="en-US" altLang="zh-CN" dirty="0"/>
+          </a:p>
+          <a:p>
+            <a:pPr lvl="1"/>
+            <a:r>
+              <a:rPr lang="en-US" altLang="zh-CN" dirty="0" err="1"/>
+              <a:t>TypeToken</a:t>
+            </a:r>
+            <a:r>
+              <a:rPr lang="en-US" altLang="zh-CN" dirty="0"/>
+              <a:t>&lt;Map&lt;?, ?&gt;&gt; </a:t>
+            </a:r>
+            <a:r>
+              <a:rPr lang="en-US" altLang="zh-CN" dirty="0" err="1"/>
+              <a:t>wildMapTok</a:t>
+            </a:r>
+            <a:r>
+              <a:rPr lang="en-US" altLang="zh-CN" dirty="0"/>
+              <a:t> = new </a:t>
+            </a:r>
+            <a:r>
+              <a:rPr lang="en-US" altLang="zh-CN" dirty="0" err="1"/>
+              <a:t>TypeToken</a:t>
+            </a:r>
+            <a:r>
+              <a:rPr lang="en-US" altLang="zh-CN" dirty="0"/>
+              <a:t>&lt;Map&lt;?, ?&gt;&gt;() {}; </a:t>
+            </a:r>
+          </a:p>
+          <a:p>
+            <a:pPr lvl="1"/>
+            <a:endParaRPr lang="en-US" altLang="zh-CN" dirty="0"/>
+          </a:p>
+          <a:p>
+            <a:pPr marL="342900" indent="-342900">
+              <a:buFont typeface="+mj-lt"/>
+              <a:buAutoNum type="arabicPeriod"/>
+            </a:pPr>
+            <a:r>
+              <a:rPr lang="en-US" altLang="zh-CN" dirty="0" err="1"/>
+              <a:t>TypeToken</a:t>
+            </a:r>
+            <a:r>
+              <a:rPr lang="zh-CN" altLang="en-US" dirty="0"/>
+              <a:t>提供了一种方法来动态的解决泛型类型参数，如下所示：</a:t>
             </a:r>
           </a:p>
         </p:txBody>
       </p:sp>
       <p:sp>
         <p:nvSpPr>
-          <p:cNvPr id="9" name="文本占位符 8"/>
+          <p:cNvPr id="3" name="Rectangle 2">
+            <a:extLst>
+              <a:ext uri="{FF2B5EF4-FFF2-40B4-BE49-F238E27FC236}">
+                <a16:creationId xmlns:a16="http://schemas.microsoft.com/office/drawing/2014/main" id="{01A1A1F6-A639-408C-A630-76C5D9A6FDD0}"/>
+              </a:ext>
+            </a:extLst>
+          </p:cNvPr>
           <p:cNvSpPr>
-            <a:spLocks noGrp="1"/>
+            <a:spLocks noChangeArrowheads="1"/>
           </p:cNvSpPr>
-          <p:nvPr>
-            <p:ph type="body" sz="quarter" idx="14"/>
-          </p:nvPr>
+          <p:nvPr/>
         </p:nvSpPr>
-        <p:spPr/>
+        <p:spPr bwMode="auto">
+          <a:xfrm>
+            <a:off x="0" y="9975"/>
+            <a:ext cx="65" cy="437249"/>
+          </a:xfrm>
+          <a:prstGeom prst="rect">
+            <a:avLst/>
+          </a:prstGeom>
+          <a:solidFill>
+            <a:srgbClr val="FAFAFA"/>
+          </a:solidFill>
+          <a:ln>
+            <a:noFill/>
+          </a:ln>
+          <a:effectLst/>
+          <a:extLst>
+            <a:ext uri="{91240B29-F687-4F45-9708-019B960494DF}">
+              <a14:hiddenLine xmlns:a14="http://schemas.microsoft.com/office/drawing/2010/main" w="9525">
+                <a:solidFill>
+                  <a:schemeClr val="tx1"/>
+                </a:solidFill>
+                <a:miter lim="800000"/>
+                <a:headEnd/>
+                <a:tailEnd/>
+              </a14:hiddenLine>
+            </a:ext>
+            <a:ext uri="{AF507438-7753-43E0-B8FC-AC1667EBCBE1}">
+              <a14:hiddenEffects xmlns:a14="http://schemas.microsoft.com/office/drawing/2010/main">
+                <a:effectLst>
+                  <a:outerShdw dist="35921" dir="2700000" algn="ctr" rotWithShape="0">
+                    <a:schemeClr val="bg2"/>
+                  </a:outerShdw>
+                </a:effectLst>
+              </a14:hiddenEffects>
+            </a:ext>
+          </a:extLst>
+        </p:spPr>
         <p:txBody>
-          <a:bodyPr/>
+          <a:bodyPr vert="horz" wrap="none" lIns="0" tIns="0" rIns="0" bIns="158700" numCol="1" anchor="ctr" anchorCtr="0" compatLnSpc="1">
+            <a:prstTxWarp prst="textNoShape">
+              <a:avLst/>
+            </a:prstTxWarp>
+            <a:spAutoFit/>
+          </a:bodyPr>
           <a:lstStyle/>
           <a:p>
-            <a:r>
-              <a:rPr lang="en-US" altLang="zh-CN" dirty="0"/>
-              <a:t>13</a:t>
-            </a:r>
-            <a:endParaRPr lang="zh-CN" altLang="en-US" dirty="0"/>
+            <a:pPr marL="0" marR="0" lvl="0" indent="0" algn="l" defTabSz="914400" rtl="0" eaLnBrk="0" fontAlgn="base" latinLnBrk="0" hangingPunct="0">
+              <a:lnSpc>
+                <a:spcPct val="100000"/>
+              </a:lnSpc>
+              <a:spcBef>
+                <a:spcPct val="0"/>
+              </a:spcBef>
+              <a:spcAft>
+                <a:spcPct val="0"/>
+              </a:spcAft>
+              <a:buClrTx/>
+              <a:buSzTx/>
+              <a:buFontTx/>
+              <a:buNone/>
+              <a:tabLst/>
+            </a:pPr>
+            <a:endParaRPr kumimoji="0" lang="zh-CN" altLang="zh-CN" sz="1800" b="0" i="0" u="none" strike="noStrike" cap="none" normalizeH="0" baseline="0" dirty="0">
+              <a:ln>
+                <a:noFill/>
+              </a:ln>
+              <a:solidFill>
+                <a:schemeClr val="tx1"/>
+              </a:solidFill>
+              <a:effectLst/>
+              <a:latin typeface="Arial" panose="020B0604020202020204" pitchFamily="34" charset="0"/>
+            </a:endParaRPr>
+          </a:p>
+        </p:txBody>
+      </p:sp>
+      <p:sp>
+        <p:nvSpPr>
+          <p:cNvPr id="5" name="Rectangle 3">
+            <a:extLst>
+              <a:ext uri="{FF2B5EF4-FFF2-40B4-BE49-F238E27FC236}">
+                <a16:creationId xmlns:a16="http://schemas.microsoft.com/office/drawing/2014/main" id="{D4B32E63-E570-451B-B23E-B0087838EDE4}"/>
+              </a:ext>
+            </a:extLst>
+          </p:cNvPr>
+          <p:cNvSpPr>
+            <a:spLocks noChangeArrowheads="1"/>
+          </p:cNvSpPr>
+          <p:nvPr/>
+        </p:nvSpPr>
+        <p:spPr bwMode="auto">
+          <a:xfrm>
+            <a:off x="0" y="9975"/>
+            <a:ext cx="65" cy="437249"/>
+          </a:xfrm>
+          <a:prstGeom prst="rect">
+            <a:avLst/>
+          </a:prstGeom>
+          <a:solidFill>
+            <a:srgbClr val="FAFAFA"/>
+          </a:solidFill>
+          <a:ln>
+            <a:noFill/>
+          </a:ln>
+          <a:effectLst/>
+          <a:extLst>
+            <a:ext uri="{91240B29-F687-4F45-9708-019B960494DF}">
+              <a14:hiddenLine xmlns:a14="http://schemas.microsoft.com/office/drawing/2010/main" w="9525">
+                <a:solidFill>
+                  <a:schemeClr val="tx1"/>
+                </a:solidFill>
+                <a:miter lim="800000"/>
+                <a:headEnd/>
+                <a:tailEnd/>
+              </a14:hiddenLine>
+            </a:ext>
+            <a:ext uri="{AF507438-7753-43E0-B8FC-AC1667EBCBE1}">
+              <a14:hiddenEffects xmlns:a14="http://schemas.microsoft.com/office/drawing/2010/main">
+                <a:effectLst>
+                  <a:outerShdw dist="35921" dir="2700000" algn="ctr" rotWithShape="0">
+                    <a:schemeClr val="bg2"/>
+                  </a:outerShdw>
+                </a:effectLst>
+              </a14:hiddenEffects>
+            </a:ext>
+          </a:extLst>
+        </p:spPr>
+        <p:txBody>
+          <a:bodyPr vert="horz" wrap="none" lIns="0" tIns="0" rIns="0" bIns="158700" numCol="1" anchor="ctr" anchorCtr="0" compatLnSpc="1">
+            <a:prstTxWarp prst="textNoShape">
+              <a:avLst/>
+            </a:prstTxWarp>
+            <a:spAutoFit/>
+          </a:bodyPr>
+          <a:lstStyle/>
+          <a:p>
+            <a:pPr marL="0" marR="0" lvl="0" indent="0" algn="l" defTabSz="914400" rtl="0" eaLnBrk="0" fontAlgn="base" latinLnBrk="0" hangingPunct="0">
+              <a:lnSpc>
+                <a:spcPct val="100000"/>
+              </a:lnSpc>
+              <a:spcBef>
+                <a:spcPct val="0"/>
+              </a:spcBef>
+              <a:spcAft>
+                <a:spcPct val="0"/>
+              </a:spcAft>
+              <a:buClrTx/>
+              <a:buSzTx/>
+              <a:buFontTx/>
+              <a:buNone/>
+              <a:tabLst/>
+            </a:pPr>
+            <a:endParaRPr kumimoji="0" lang="zh-CN" altLang="zh-CN" sz="1800" b="0" i="0" u="none" strike="noStrike" cap="none" normalizeH="0" baseline="0" dirty="0">
+              <a:ln>
+                <a:noFill/>
+              </a:ln>
+              <a:solidFill>
+                <a:schemeClr val="tx1"/>
+              </a:solidFill>
+              <a:effectLst/>
+              <a:latin typeface="Arial" panose="020B0604020202020204" pitchFamily="34" charset="0"/>
+            </a:endParaRPr>
           </a:p>
         </p:txBody>
       </p:sp>
     </p:spTree>
     <p:extLst>
       <p:ext uri="{BB962C8B-B14F-4D97-AF65-F5344CB8AC3E}">
-        <p14:creationId xmlns:p14="http://schemas.microsoft.com/office/powerpoint/2010/main" val="1688479900"/>
+        <p14:creationId xmlns:p14="http://schemas.microsoft.com/office/powerpoint/2010/main" val="2631260712"/>
       </p:ext>
     </p:extLst>
   </p:cSld>
@@ -46005,7 +45623,7 @@
           <a:p>
             <a:r>
               <a:rPr lang="zh-CN" altLang="en-US" dirty="0"/>
-              <a:t>背景</a:t>
+              <a:t>介绍</a:t>
             </a:r>
           </a:p>
         </p:txBody>
@@ -46024,8 +45642,8 @@
         </p:nvSpPr>
         <p:spPr>
           <a:xfrm>
-            <a:off x="243311" y="1995761"/>
-            <a:ext cx="8607074" cy="1255793"/>
+            <a:off x="0" y="1723521"/>
+            <a:ext cx="8607074" cy="325025"/>
           </a:xfrm>
           <a:prstGeom prst="rect">
             <a:avLst/>
@@ -46037,106 +45655,229 @@
           </a:bodyPr>
           <a:lstStyle/>
           <a:p>
-            <a:pPr marL="342900" indent="-342900">
-              <a:buFont typeface="+mj-lt"/>
-              <a:buAutoNum type="arabicPeriod"/>
-            </a:pPr>
-            <a:r>
-              <a:rPr lang="en-US" altLang="zh-CN" dirty="0"/>
-              <a:t>Java</a:t>
-            </a:r>
-            <a:r>
-              <a:rPr lang="zh-CN" altLang="en-US" dirty="0"/>
-              <a:t>不能在运行时保留对象的泛型类型信息。如果你在运行时有一个</a:t>
-            </a:r>
             <a:r>
               <a:rPr lang="en-US" altLang="zh-CN" dirty="0" err="1"/>
-              <a:t>ArrayList</a:t>
-            </a:r>
-            <a:r>
-              <a:rPr lang="en-US" altLang="zh-CN" dirty="0"/>
-              <a:t>&lt;String&gt;</a:t>
-            </a:r>
-            <a:r>
-              <a:rPr lang="zh-CN" altLang="en-US" dirty="0"/>
-              <a:t>对象，你不能够判定这个对象是有泛型类型</a:t>
-            </a:r>
-            <a:r>
-              <a:rPr lang="en-US" altLang="zh-CN" dirty="0" err="1"/>
-              <a:t>ArrayList</a:t>
-            </a:r>
-            <a:r>
-              <a:rPr lang="en-US" altLang="zh-CN" dirty="0"/>
-              <a:t>&lt;String&gt;</a:t>
-            </a:r>
-            <a:r>
-              <a:rPr lang="zh-CN" altLang="en-US" dirty="0"/>
-              <a:t>的 </a:t>
-            </a:r>
-            <a:r>
-              <a:rPr lang="en-US" altLang="zh-CN" dirty="0"/>
-              <a:t>—— </a:t>
-            </a:r>
-            <a:r>
-              <a:rPr lang="zh-CN" altLang="en-US" dirty="0"/>
-              <a:t>并且通过不安全的原始类型，你可以将这个对象强制转换成</a:t>
-            </a:r>
-            <a:r>
-              <a:rPr lang="en-US" altLang="zh-CN" dirty="0" err="1"/>
-              <a:t>ArrayList</a:t>
-            </a:r>
-            <a:r>
-              <a:rPr lang="en-US" altLang="zh-CN" dirty="0"/>
-              <a:t>&lt;Object&gt;</a:t>
-            </a:r>
-            <a:r>
-              <a:rPr lang="zh-CN" altLang="en-US" dirty="0"/>
-              <a:t>。</a:t>
-            </a:r>
-            <a:endParaRPr lang="en-US" altLang="zh-CN" dirty="0"/>
-          </a:p>
-          <a:p>
-            <a:pPr marL="342900" indent="-342900">
-              <a:buFont typeface="+mj-lt"/>
-              <a:buAutoNum type="arabicPeriod"/>
-            </a:pPr>
-            <a:r>
-              <a:rPr lang="zh-CN" altLang="en-US" dirty="0"/>
-              <a:t>但是，反射允许你去检测方法和类的泛型类型。如果你实现了一个返回</a:t>
-            </a:r>
-            <a:r>
-              <a:rPr lang="en-US" altLang="zh-CN" dirty="0"/>
-              <a:t>List</a:t>
-            </a:r>
-            <a:r>
-              <a:rPr lang="zh-CN" altLang="en-US" dirty="0"/>
-              <a:t>的方法，并且你用反射获得了这个方法的返回类型，你会获得代表</a:t>
-            </a:r>
-            <a:r>
-              <a:rPr lang="en-US" altLang="zh-CN" dirty="0"/>
-              <a:t>List&lt;String&gt;</a:t>
-            </a:r>
-            <a:r>
-              <a:rPr lang="zh-CN" altLang="en-US" dirty="0"/>
-              <a:t>的</a:t>
-            </a:r>
-            <a:r>
-              <a:rPr lang="en-US" altLang="zh-CN" u="sng" dirty="0" err="1">
-                <a:hlinkClick r:id="rId2"/>
-              </a:rPr>
-              <a:t>ParameterizedType</a:t>
-            </a:r>
-            <a:r>
-              <a:rPr lang="zh-CN" altLang="en-US" dirty="0"/>
-              <a:t>。</a:t>
+              <a:t>TypeToken</a:t>
+            </a:r>
+            <a:r>
+              <a:rPr lang="zh-CN" altLang="en-US" dirty="0"/>
+              <a:t>提供了一种方法来动态的解决泛型类型参数，如下所示：</a:t>
             </a:r>
           </a:p>
         </p:txBody>
       </p:sp>
+      <p:sp>
+        <p:nvSpPr>
+          <p:cNvPr id="3" name="Rectangle 2">
+            <a:extLst>
+              <a:ext uri="{FF2B5EF4-FFF2-40B4-BE49-F238E27FC236}">
+                <a16:creationId xmlns:a16="http://schemas.microsoft.com/office/drawing/2014/main" id="{01A1A1F6-A639-408C-A630-76C5D9A6FDD0}"/>
+              </a:ext>
+            </a:extLst>
+          </p:cNvPr>
+          <p:cNvSpPr>
+            <a:spLocks noChangeArrowheads="1"/>
+          </p:cNvSpPr>
+          <p:nvPr/>
+        </p:nvSpPr>
+        <p:spPr bwMode="auto">
+          <a:xfrm>
+            <a:off x="0" y="9975"/>
+            <a:ext cx="65" cy="437249"/>
+          </a:xfrm>
+          <a:prstGeom prst="rect">
+            <a:avLst/>
+          </a:prstGeom>
+          <a:solidFill>
+            <a:srgbClr val="FAFAFA"/>
+          </a:solidFill>
+          <a:ln>
+            <a:noFill/>
+          </a:ln>
+          <a:effectLst/>
+          <a:extLst>
+            <a:ext uri="{91240B29-F687-4F45-9708-019B960494DF}">
+              <a14:hiddenLine xmlns:a14="http://schemas.microsoft.com/office/drawing/2010/main" w="9525">
+                <a:solidFill>
+                  <a:schemeClr val="tx1"/>
+                </a:solidFill>
+                <a:miter lim="800000"/>
+                <a:headEnd/>
+                <a:tailEnd/>
+              </a14:hiddenLine>
+            </a:ext>
+            <a:ext uri="{AF507438-7753-43E0-B8FC-AC1667EBCBE1}">
+              <a14:hiddenEffects xmlns:a14="http://schemas.microsoft.com/office/drawing/2010/main">
+                <a:effectLst>
+                  <a:outerShdw dist="35921" dir="2700000" algn="ctr" rotWithShape="0">
+                    <a:schemeClr val="bg2"/>
+                  </a:outerShdw>
+                </a:effectLst>
+              </a14:hiddenEffects>
+            </a:ext>
+          </a:extLst>
+        </p:spPr>
+        <p:txBody>
+          <a:bodyPr vert="horz" wrap="none" lIns="0" tIns="0" rIns="0" bIns="158700" numCol="1" anchor="ctr" anchorCtr="0" compatLnSpc="1">
+            <a:prstTxWarp prst="textNoShape">
+              <a:avLst/>
+            </a:prstTxWarp>
+            <a:spAutoFit/>
+          </a:bodyPr>
+          <a:lstStyle/>
+          <a:p>
+            <a:pPr marL="0" marR="0" lvl="0" indent="0" algn="l" defTabSz="914400" rtl="0" eaLnBrk="0" fontAlgn="base" latinLnBrk="0" hangingPunct="0">
+              <a:lnSpc>
+                <a:spcPct val="100000"/>
+              </a:lnSpc>
+              <a:spcBef>
+                <a:spcPct val="0"/>
+              </a:spcBef>
+              <a:spcAft>
+                <a:spcPct val="0"/>
+              </a:spcAft>
+              <a:buClrTx/>
+              <a:buSzTx/>
+              <a:buFontTx/>
+              <a:buNone/>
+              <a:tabLst/>
+            </a:pPr>
+            <a:endParaRPr kumimoji="0" lang="zh-CN" altLang="zh-CN" sz="1800" b="0" i="0" u="none" strike="noStrike" cap="none" normalizeH="0" baseline="0" dirty="0">
+              <a:ln>
+                <a:noFill/>
+              </a:ln>
+              <a:solidFill>
+                <a:schemeClr val="tx1"/>
+              </a:solidFill>
+              <a:effectLst/>
+              <a:latin typeface="Arial" panose="020B0604020202020204" pitchFamily="34" charset="0"/>
+            </a:endParaRPr>
+          </a:p>
+        </p:txBody>
+      </p:sp>
+      <p:sp>
+        <p:nvSpPr>
+          <p:cNvPr id="5" name="Rectangle 3">
+            <a:extLst>
+              <a:ext uri="{FF2B5EF4-FFF2-40B4-BE49-F238E27FC236}">
+                <a16:creationId xmlns:a16="http://schemas.microsoft.com/office/drawing/2014/main" id="{D4B32E63-E570-451B-B23E-B0087838EDE4}"/>
+              </a:ext>
+            </a:extLst>
+          </p:cNvPr>
+          <p:cNvSpPr>
+            <a:spLocks noChangeArrowheads="1"/>
+          </p:cNvSpPr>
+          <p:nvPr/>
+        </p:nvSpPr>
+        <p:spPr bwMode="auto">
+          <a:xfrm>
+            <a:off x="0" y="9975"/>
+            <a:ext cx="65" cy="437249"/>
+          </a:xfrm>
+          <a:prstGeom prst="rect">
+            <a:avLst/>
+          </a:prstGeom>
+          <a:solidFill>
+            <a:srgbClr val="FAFAFA"/>
+          </a:solidFill>
+          <a:ln>
+            <a:noFill/>
+          </a:ln>
+          <a:effectLst/>
+          <a:extLst>
+            <a:ext uri="{91240B29-F687-4F45-9708-019B960494DF}">
+              <a14:hiddenLine xmlns:a14="http://schemas.microsoft.com/office/drawing/2010/main" w="9525">
+                <a:solidFill>
+                  <a:schemeClr val="tx1"/>
+                </a:solidFill>
+                <a:miter lim="800000"/>
+                <a:headEnd/>
+                <a:tailEnd/>
+              </a14:hiddenLine>
+            </a:ext>
+            <a:ext uri="{AF507438-7753-43E0-B8FC-AC1667EBCBE1}">
+              <a14:hiddenEffects xmlns:a14="http://schemas.microsoft.com/office/drawing/2010/main">
+                <a:effectLst>
+                  <a:outerShdw dist="35921" dir="2700000" algn="ctr" rotWithShape="0">
+                    <a:schemeClr val="bg2"/>
+                  </a:outerShdw>
+                </a:effectLst>
+              </a14:hiddenEffects>
+            </a:ext>
+          </a:extLst>
+        </p:spPr>
+        <p:txBody>
+          <a:bodyPr vert="horz" wrap="none" lIns="0" tIns="0" rIns="0" bIns="158700" numCol="1" anchor="ctr" anchorCtr="0" compatLnSpc="1">
+            <a:prstTxWarp prst="textNoShape">
+              <a:avLst/>
+            </a:prstTxWarp>
+            <a:spAutoFit/>
+          </a:bodyPr>
+          <a:lstStyle/>
+          <a:p>
+            <a:pPr marL="0" marR="0" lvl="0" indent="0" algn="l" defTabSz="914400" rtl="0" eaLnBrk="0" fontAlgn="base" latinLnBrk="0" hangingPunct="0">
+              <a:lnSpc>
+                <a:spcPct val="100000"/>
+              </a:lnSpc>
+              <a:spcBef>
+                <a:spcPct val="0"/>
+              </a:spcBef>
+              <a:spcAft>
+                <a:spcPct val="0"/>
+              </a:spcAft>
+              <a:buClrTx/>
+              <a:buSzTx/>
+              <a:buFontTx/>
+              <a:buNone/>
+              <a:tabLst/>
+            </a:pPr>
+            <a:endParaRPr kumimoji="0" lang="zh-CN" altLang="zh-CN" sz="1800" b="0" i="0" u="none" strike="noStrike" cap="none" normalizeH="0" baseline="0" dirty="0">
+              <a:ln>
+                <a:noFill/>
+              </a:ln>
+              <a:solidFill>
+                <a:schemeClr val="tx1"/>
+              </a:solidFill>
+              <a:effectLst/>
+              <a:latin typeface="Arial" panose="020B0604020202020204" pitchFamily="34" charset="0"/>
+            </a:endParaRPr>
+          </a:p>
+        </p:txBody>
+      </p:sp>
+      <p:pic>
+        <p:nvPicPr>
+          <p:cNvPr id="2" name="图片 1">
+            <a:extLst>
+              <a:ext uri="{FF2B5EF4-FFF2-40B4-BE49-F238E27FC236}">
+                <a16:creationId xmlns:a16="http://schemas.microsoft.com/office/drawing/2014/main" id="{E6B034B3-A296-4D6A-865C-9B63B1A9B7BC}"/>
+              </a:ext>
+            </a:extLst>
+          </p:cNvPr>
+          <p:cNvPicPr>
+            <a:picLocks noChangeAspect="1"/>
+          </p:cNvPicPr>
+          <p:nvPr/>
+        </p:nvPicPr>
+        <p:blipFill>
+          <a:blip r:embed="rId2"/>
+          <a:stretch>
+            <a:fillRect/>
+          </a:stretch>
+        </p:blipFill>
+        <p:spPr>
+          <a:xfrm>
+            <a:off x="0" y="2048546"/>
+            <a:ext cx="9144000" cy="4657081"/>
+          </a:xfrm>
+          <a:prstGeom prst="rect">
+            <a:avLst/>
+          </a:prstGeom>
+        </p:spPr>
+      </p:pic>
     </p:spTree>
     <p:extLst>
       <p:ext uri="{BB962C8B-B14F-4D97-AF65-F5344CB8AC3E}">
-        <p14:creationId xmlns:p14="http://schemas.microsoft.com/office/powerpoint/2010/main" val="2614995605"/>
+        <p14:creationId xmlns:p14="http://schemas.microsoft.com/office/powerpoint/2010/main" val="2555365477"/>
       </p:ext>
     </p:extLst>
   </p:cSld>
